--- a/Content/Introduction/Azure Overview.pptx
+++ b/Content/Introduction/Azure Overview.pptx
@@ -5,7 +5,7 @@
     <p:sldMasterId id="2147483680" r:id="rId1"/>
   </p:sldMasterIdLst>
   <p:notesMasterIdLst>
-    <p:notesMasterId r:id="rId23"/>
+    <p:notesMasterId r:id="rId21"/>
   </p:notesMasterIdLst>
   <p:sldIdLst>
     <p:sldId id="256" r:id="rId2"/>
@@ -19,16 +19,14 @@
     <p:sldId id="259" r:id="rId10"/>
     <p:sldId id="264" r:id="rId11"/>
     <p:sldId id="266" r:id="rId12"/>
-    <p:sldId id="268" r:id="rId13"/>
-    <p:sldId id="277" r:id="rId14"/>
-    <p:sldId id="269" r:id="rId15"/>
-    <p:sldId id="270" r:id="rId16"/>
-    <p:sldId id="271" r:id="rId17"/>
-    <p:sldId id="272" r:id="rId18"/>
-    <p:sldId id="273" r:id="rId19"/>
-    <p:sldId id="274" r:id="rId20"/>
-    <p:sldId id="275" r:id="rId21"/>
-    <p:sldId id="276" r:id="rId22"/>
+    <p:sldId id="281" r:id="rId13"/>
+    <p:sldId id="268" r:id="rId14"/>
+    <p:sldId id="277" r:id="rId15"/>
+    <p:sldId id="269" r:id="rId16"/>
+    <p:sldId id="270" r:id="rId17"/>
+    <p:sldId id="274" r:id="rId18"/>
+    <p:sldId id="275" r:id="rId19"/>
+    <p:sldId id="276" r:id="rId20"/>
   </p:sldIdLst>
   <p:sldSz cx="12192000" cy="6858000"/>
   <p:notesSz cx="6858000" cy="9144000"/>
@@ -147,6 +145,7 @@
             <p14:sldId id="259"/>
             <p14:sldId id="264"/>
             <p14:sldId id="266"/>
+            <p14:sldId id="281"/>
             <p14:sldId id="268"/>
             <p14:sldId id="277"/>
             <p14:sldId id="269"/>
@@ -155,13 +154,6 @@
         <p14:section name="Virtual Machines" id="{9F16258F-EA8A-4342-A0C1-F0AA826AA43B}">
           <p14:sldIdLst>
             <p14:sldId id="270"/>
-            <p14:sldId id="271"/>
-            <p14:sldId id="272"/>
-          </p14:sldIdLst>
-        </p14:section>
-        <p14:section name="Web Sites" id="{18BAFA56-850C-FF49-8291-52C77BAAD760}">
-          <p14:sldIdLst>
-            <p14:sldId id="273"/>
           </p14:sldIdLst>
         </p14:section>
         <p14:section name="Azure Services" id="{D6079F12-6B9E-B648-93BA-5ADDB27F5A7B}">
@@ -262,7 +254,7 @@
           <a:p>
             <a:fld id="{2E5CA586-3557-4985-BCD4-35EF5AC8B4A4}" type="datetimeFigureOut">
               <a:rPr lang="en-US" smtClean="0"/>
-              <a:t>10/1/15</a:t>
+              <a:t>10/2/15</a:t>
             </a:fld>
             <a:endParaRPr lang="en-US"/>
           </a:p>
@@ -908,10 +900,6 @@
           <a:bodyPr/>
           <a:lstStyle/>
           <a:p>
-            <a:r>
-              <a:rPr lang="en-US" dirty="0" smtClean="0"/>
-              <a:t>Only pay for what you can use is critical to researchers. Many are trying to set up clusters and do not want the issue of managing it or giving up student cycle to manage it. That's time away from research.</a:t>
-            </a:r>
             <a:endParaRPr lang="en-US" dirty="0"/>
           </a:p>
         </p:txBody>
@@ -933,7 +921,7 @@
           <a:p>
             <a:fld id="{BC60BE34-BC89-4C98-A56B-79B7A098D024}" type="slidenum">
               <a:rPr lang="en-US" smtClean="0"/>
-              <a:t>13</a:t>
+              <a:t>12</a:t>
             </a:fld>
             <a:endParaRPr lang="en-US"/>
           </a:p>
@@ -942,7 +930,7 @@
     </p:spTree>
     <p:extLst>
       <p:ext uri="{BB962C8B-B14F-4D97-AF65-F5344CB8AC3E}">
-        <p14:creationId xmlns:p14="http://schemas.microsoft.com/office/powerpoint/2010/main" val="1447274743"/>
+        <p14:creationId xmlns:p14="http://schemas.microsoft.com/office/powerpoint/2010/main" val="609764103"/>
       </p:ext>
     </p:extLst>
   </p:cSld>
@@ -996,202 +984,10 @@
           <a:bodyPr/>
           <a:lstStyle/>
           <a:p>
-            <a:pPr marL="0" indent="0">
-              <a:buFont typeface="Arial" pitchFamily="34" charset="0"/>
-              <a:buNone/>
-            </a:pPr>
-            <a:r>
-              <a:rPr lang="en-US" b="1" dirty="0" smtClean="0"/>
-              <a:t>Transition:</a:t>
-            </a:r>
-          </a:p>
-          <a:p>
-            <a:pPr marL="171450" indent="-171450">
-              <a:buFont typeface="Arial" pitchFamily="34" charset="0"/>
-              <a:buChar char="•"/>
-            </a:pPr>
             <a:r>
               <a:rPr lang="en-US" dirty="0" smtClean="0"/>
-              <a:t>For the rest of this</a:t>
-            </a:r>
-            <a:r>
-              <a:rPr lang="en-US" baseline="0" dirty="0" smtClean="0"/>
-              <a:t> talk I’m going to give you a to</a:t>
-            </a:r>
-            <a:r>
-              <a:rPr lang="en-US" dirty="0" smtClean="0"/>
-              <a:t>ur of Microsoft Azure, walk</a:t>
-            </a:r>
-            <a:r>
-              <a:rPr lang="en-US" baseline="0" dirty="0" smtClean="0"/>
-              <a:t> you through many of the </a:t>
-            </a:r>
-            <a:r>
-              <a:rPr lang="en-US" dirty="0" smtClean="0"/>
-              <a:t>features, and ground you in the capabilities</a:t>
-            </a:r>
-            <a:r>
-              <a:rPr lang="en-US" baseline="0" dirty="0" smtClean="0"/>
-              <a:t> it provides</a:t>
-            </a:r>
-          </a:p>
-          <a:p>
-            <a:pPr marL="171450" indent="-171450">
-              <a:buFont typeface="Arial" pitchFamily="34" charset="0"/>
-              <a:buChar char="•"/>
-            </a:pPr>
-            <a:r>
-              <a:rPr lang="en-US" baseline="0" dirty="0" smtClean="0"/>
-              <a:t>The first set of features I want to walk through is Virtual Machines.  </a:t>
-            </a:r>
-          </a:p>
-          <a:p>
-            <a:pPr marL="171450" indent="-171450">
-              <a:buFont typeface="Arial" pitchFamily="34" charset="0"/>
-              <a:buChar char="•"/>
-            </a:pPr>
-            <a:endParaRPr lang="en-US" baseline="0" dirty="0" smtClean="0"/>
-          </a:p>
-          <a:p>
-            <a:pPr marL="0" indent="0">
-              <a:buFont typeface="Arial" pitchFamily="34" charset="0"/>
-              <a:buNone/>
-            </a:pPr>
-            <a:r>
-              <a:rPr lang="en-US" b="1" baseline="0" dirty="0" smtClean="0"/>
-              <a:t>Speaking Points:</a:t>
-            </a:r>
-          </a:p>
-          <a:p>
-            <a:pPr marL="171450" indent="-171450">
-              <a:buFont typeface="Arial" pitchFamily="34" charset="0"/>
-              <a:buChar char="•"/>
-            </a:pPr>
-            <a:r>
-              <a:rPr lang="en-US" baseline="0" dirty="0" smtClean="0"/>
-              <a:t>If you’re familiar with traditional hosting, this is probably the feature that feels most familiar and consistent with what other hosting providers provide.  </a:t>
-            </a:r>
-          </a:p>
-          <a:p>
-            <a:pPr marL="171450" indent="-171450">
-              <a:buFont typeface="Arial" pitchFamily="34" charset="0"/>
-              <a:buChar char="•"/>
-            </a:pPr>
-            <a:r>
-              <a:rPr lang="en-US" baseline="0" dirty="0" smtClean="0"/>
-              <a:t>The ability to stand up a virtual machine with either Windows or Linux that you can basically remote desktop in or SSH in and run any workload.  </a:t>
-            </a:r>
-            <a:endParaRPr lang="en-US" dirty="0" smtClean="0"/>
-          </a:p>
-          <a:p>
-            <a:pPr marL="171450" indent="-171450">
-              <a:buFont typeface="Arial" pitchFamily="34" charset="0"/>
-              <a:buChar char="•"/>
-            </a:pPr>
-            <a:r>
-              <a:rPr lang="en-US" b="0" dirty="0" smtClean="0"/>
-              <a:t>These virtual machines enable you to be admin on the box</a:t>
-            </a:r>
-          </a:p>
-          <a:p>
-            <a:pPr marL="171450" indent="-171450">
-              <a:buFont typeface="Arial" pitchFamily="34" charset="0"/>
-              <a:buChar char="•"/>
-            </a:pPr>
-            <a:r>
-              <a:rPr lang="en-US" b="0" dirty="0" smtClean="0"/>
-              <a:t>They are durable, meaning if you reboot the VM, it</a:t>
-            </a:r>
-            <a:r>
-              <a:rPr lang="en-US" b="0" baseline="0" dirty="0" smtClean="0"/>
-              <a:t> is still there with all of your changes and data you stored to disk</a:t>
-            </a:r>
-          </a:p>
-          <a:p>
-            <a:pPr marL="171450" indent="-171450">
-              <a:buFont typeface="Arial" pitchFamily="34" charset="0"/>
-              <a:buChar char="•"/>
-            </a:pPr>
-            <a:r>
-              <a:rPr lang="en-US" b="0" dirty="0" smtClean="0"/>
-              <a:t>This means you can </a:t>
-            </a:r>
-            <a:r>
-              <a:rPr lang="en-US" b="0" baseline="0" dirty="0" smtClean="0"/>
-              <a:t>run any type of workload</a:t>
-            </a:r>
-          </a:p>
-          <a:p>
-            <a:pPr marL="384431" lvl="1" indent="-171450">
-              <a:buFont typeface="Arial" pitchFamily="34" charset="0"/>
-              <a:buChar char="•"/>
-            </a:pPr>
-            <a:r>
-              <a:rPr lang="en-US" b="0" baseline="0" dirty="0" smtClean="0"/>
-              <a:t>If you want to run SQL you can, if you want to install a no-SQL solution, you can do that to. </a:t>
-            </a:r>
-          </a:p>
-          <a:p>
-            <a:pPr marL="384431" lvl="1" indent="-171450">
-              <a:buFont typeface="Arial" pitchFamily="34" charset="0"/>
-              <a:buChar char="•"/>
-            </a:pPr>
-            <a:r>
-              <a:rPr lang="en-US" b="0" baseline="0" dirty="0" smtClean="0"/>
-              <a:t>If you want to run SharePoint you can do that. </a:t>
-            </a:r>
-          </a:p>
-          <a:p>
-            <a:pPr marL="171450" indent="-171450">
-              <a:buFont typeface="Arial" pitchFamily="34" charset="0"/>
-              <a:buChar char="•"/>
-            </a:pPr>
-            <a:r>
-              <a:rPr lang="en-US" b="0" baseline="0" dirty="0" smtClean="0"/>
-              <a:t>Provides ultimate flexibility to do what you want to do</a:t>
-            </a:r>
-          </a:p>
-          <a:p>
-            <a:pPr marL="171450" indent="-171450">
-              <a:buFont typeface="Arial" pitchFamily="34" charset="0"/>
-              <a:buChar char="•"/>
-            </a:pPr>
-            <a:r>
-              <a:rPr lang="en-US" b="0" baseline="0" dirty="0" smtClean="0"/>
-              <a:t>Also enables you to do what we call virtual private networking</a:t>
-            </a:r>
-          </a:p>
-          <a:p>
-            <a:pPr marL="171450" indent="-171450">
-              <a:buFont typeface="Arial" pitchFamily="34" charset="0"/>
-              <a:buChar char="•"/>
-            </a:pPr>
-            <a:r>
-              <a:rPr lang="en-US" b="0" baseline="0" dirty="0" smtClean="0"/>
-              <a:t>With virtual private networking, you can deploy Virtual Machines in the cloud and group them together so they are part of their own private network</a:t>
-            </a:r>
-          </a:p>
-          <a:p>
-            <a:pPr marL="171450" indent="-171450">
-              <a:buFont typeface="Arial" pitchFamily="34" charset="0"/>
-              <a:buChar char="•"/>
-            </a:pPr>
-            <a:r>
-              <a:rPr lang="en-US" b="0" baseline="0" dirty="0" smtClean="0"/>
-              <a:t>You can also then connect it back to your corporate network (if you have one) and establish a VPN secure tunnel to link your machines running in your own corporate environment up to your virtual machines in the cloud – making them look like they’re all part of one connected network.  </a:t>
-            </a:r>
-          </a:p>
-          <a:p>
-            <a:pPr marL="171450" indent="-171450">
-              <a:buFont typeface="Arial" pitchFamily="34" charset="0"/>
-              <a:buChar char="•"/>
-            </a:pPr>
-            <a:r>
-              <a:rPr lang="en-US" b="0" baseline="0" dirty="0" smtClean="0"/>
-              <a:t>So lots of flexibility in the compute side as well as in the networking side. </a:t>
-            </a:r>
-          </a:p>
-          <a:p>
+              <a:t>Only pay for what you can use is critical to researchers. Many are trying to set up clusters and do not want the issue of managing it or giving up student cycle to manage it. That's time away from research.</a:t>
+            </a:r>
             <a:endParaRPr lang="en-US" dirty="0"/>
           </a:p>
         </p:txBody>
@@ -1213,7 +1009,7 @@
           <a:p>
             <a:fld id="{BC60BE34-BC89-4C98-A56B-79B7A098D024}" type="slidenum">
               <a:rPr lang="en-US" smtClean="0"/>
-              <a:t>15</a:t>
+              <a:t>14</a:t>
             </a:fld>
             <a:endParaRPr lang="en-US"/>
           </a:p>
@@ -1222,7 +1018,7 @@
     </p:spTree>
     <p:extLst>
       <p:ext uri="{BB962C8B-B14F-4D97-AF65-F5344CB8AC3E}">
-        <p14:creationId xmlns:p14="http://schemas.microsoft.com/office/powerpoint/2010/main" val="2011608035"/>
+        <p14:creationId xmlns:p14="http://schemas.microsoft.com/office/powerpoint/2010/main" val="1447274743"/>
       </p:ext>
     </p:extLst>
   </p:cSld>
@@ -1276,15 +1072,14 @@
           <a:bodyPr/>
           <a:lstStyle/>
           <a:p>
+            <a:pPr marL="0" indent="0">
+              <a:buFont typeface="Arial" pitchFamily="34" charset="0"/>
+              <a:buNone/>
+            </a:pPr>
             <a:r>
               <a:rPr lang="en-US" b="1" dirty="0" smtClean="0"/>
-              <a:t>Speaking</a:t>
-            </a:r>
-            <a:r>
-              <a:rPr lang="en-US" b="1" baseline="0" dirty="0" smtClean="0"/>
-              <a:t> Points:</a:t>
-            </a:r>
-            <a:endParaRPr lang="en-US" dirty="0" smtClean="0"/>
+              <a:t>Transition:</a:t>
+            </a:r>
           </a:p>
           <a:p>
             <a:pPr marL="171450" indent="-171450">
@@ -1293,81 +1088,27 @@
             </a:pPr>
             <a:r>
               <a:rPr lang="en-US" dirty="0" smtClean="0"/>
-              <a:t>Transition</a:t>
-            </a:r>
-          </a:p>
-          <a:p>
-            <a:pPr marL="384431" lvl="1" indent="-171450">
-              <a:buFont typeface="Arial" pitchFamily="34" charset="0"/>
-              <a:buChar char="•"/>
-            </a:pPr>
+              <a:t>For the rest of this</a:t>
+            </a:r>
+            <a:r>
+              <a:rPr lang="en-US" baseline="0" dirty="0" smtClean="0"/>
+              <a:t> talk I’m going to give you a to</a:t>
+            </a:r>
             <a:r>
               <a:rPr lang="en-US" dirty="0" smtClean="0"/>
-              <a:t>Virtual machines provide</a:t>
+              <a:t>ur of Microsoft Azure, walk</a:t>
             </a:r>
             <a:r>
               <a:rPr lang="en-US" baseline="0" dirty="0" smtClean="0"/>
-              <a:t> a very flexible compute model.   </a:t>
-            </a:r>
-          </a:p>
-          <a:p>
-            <a:pPr marL="384431" lvl="1" indent="-171450">
-              <a:buFont typeface="Arial" pitchFamily="34" charset="0"/>
-              <a:buChar char="•"/>
-            </a:pPr>
+              <a:t> you through many of the </a:t>
+            </a:r>
+            <a:r>
+              <a:rPr lang="en-US" dirty="0" smtClean="0"/>
+              <a:t>features, and ground you in the capabilities</a:t>
+            </a:r>
             <a:r>
               <a:rPr lang="en-US" baseline="0" dirty="0" smtClean="0"/>
-              <a:t>Another compute service available in Microsoft Azure is called Microsoft Azure Web Sites. </a:t>
-            </a:r>
-          </a:p>
-          <a:p>
-            <a:pPr marL="171450" lvl="0" indent="-171450">
-              <a:buFont typeface="Arial" pitchFamily="34" charset="0"/>
-              <a:buChar char="•"/>
-            </a:pPr>
-            <a:r>
-              <a:rPr lang="en-US" baseline="0" dirty="0" smtClean="0"/>
-              <a:t>Definition:</a:t>
-            </a:r>
-          </a:p>
-          <a:p>
-            <a:pPr marL="384431" lvl="1" indent="-171450">
-              <a:buFont typeface="Arial" pitchFamily="34" charset="0"/>
-              <a:buChar char="•"/>
-            </a:pPr>
-            <a:r>
-              <a:rPr lang="en-US" baseline="0" dirty="0" smtClean="0"/>
-              <a:t>Microsoft Azure Web Sites there is a managed service that you can use to run web sites and web APIs.  </a:t>
-            </a:r>
-          </a:p>
-          <a:p>
-            <a:pPr marL="384431" lvl="1" indent="-171450">
-              <a:buFont typeface="Arial" pitchFamily="34" charset="0"/>
-              <a:buChar char="•"/>
-            </a:pPr>
-            <a:r>
-              <a:rPr lang="en-US" baseline="0" dirty="0" smtClean="0"/>
-              <a:t>Enable you to quickly stand up web applications and web sites on the internet</a:t>
-            </a:r>
-          </a:p>
-          <a:p>
-            <a:pPr marL="384431" lvl="1" indent="-171450">
-              <a:buFont typeface="Arial" pitchFamily="34" charset="0"/>
-              <a:buChar char="•"/>
-            </a:pPr>
-            <a:r>
-              <a:rPr lang="en-US" baseline="0" dirty="0" smtClean="0"/>
-              <a:t>Auto-managed environment</a:t>
-            </a:r>
-          </a:p>
-          <a:p>
-            <a:pPr marL="384431" lvl="1" indent="-171450">
-              <a:buFont typeface="Arial" pitchFamily="34" charset="0"/>
-              <a:buChar char="•"/>
-            </a:pPr>
-            <a:r>
-              <a:rPr lang="en-US" baseline="0" dirty="0" smtClean="0"/>
-              <a:t>Just say that you want a web, here’s the DNS, copy the content, and we do the rest </a:t>
+              <a:t> it provides</a:t>
             </a:r>
           </a:p>
           <a:p>
@@ -1377,118 +1118,7 @@
             </a:pPr>
             <a:r>
               <a:rPr lang="en-US" baseline="0" dirty="0" smtClean="0"/>
-              <a:t>You don’t have to worry or think about VMs, servers, or infrastructure.   </a:t>
-            </a:r>
-          </a:p>
-          <a:p>
-            <a:pPr marL="171450" indent="-171450">
-              <a:buFont typeface="Arial" pitchFamily="34" charset="0"/>
-              <a:buChar char="•"/>
-            </a:pPr>
-            <a:r>
-              <a:rPr lang="en-US" baseline="0" dirty="0" smtClean="0"/>
-              <a:t>You can simply focus on building and deploying HTTP based applications.</a:t>
-            </a:r>
-          </a:p>
-          <a:p>
-            <a:pPr marL="171450" indent="-171450">
-              <a:buFont typeface="Arial" pitchFamily="34" charset="0"/>
-              <a:buChar char="•"/>
-            </a:pPr>
-            <a:r>
-              <a:rPr lang="en-US" baseline="0" dirty="0" smtClean="0"/>
-              <a:t>Enables you to build web sites using ASP.NET, </a:t>
-            </a:r>
-            <a:r>
-              <a:rPr lang="en-US" baseline="0" dirty="0" err="1" smtClean="0"/>
-              <a:t>Node.js</a:t>
-            </a:r>
-            <a:r>
-              <a:rPr lang="en-US" baseline="0" dirty="0" smtClean="0"/>
-              <a:t>, PHP, and now with an update a few weeks ago – Python</a:t>
-            </a:r>
-          </a:p>
-          <a:p>
-            <a:pPr marL="171450" indent="-171450">
-              <a:buFont typeface="Arial" pitchFamily="34" charset="0"/>
-              <a:buChar char="•"/>
-            </a:pPr>
-            <a:r>
-              <a:rPr lang="en-US" baseline="0" dirty="0" smtClean="0"/>
-              <a:t>Allows you to use any tool and any operating system to build these sites including Windows, OS X, and Linux. </a:t>
-            </a:r>
-          </a:p>
-          <a:p>
-            <a:pPr marL="171450" marR="0" indent="-171450" algn="l" defTabSz="914363" rtl="0" eaLnBrk="1" fontAlgn="auto" latinLnBrk="0" hangingPunct="1">
-              <a:lnSpc>
-                <a:spcPct val="90000"/>
-              </a:lnSpc>
-              <a:spcBef>
-                <a:spcPts val="0"/>
-              </a:spcBef>
-              <a:spcAft>
-                <a:spcPts val="333"/>
-              </a:spcAft>
-              <a:buClrTx/>
-              <a:buSzTx/>
-              <a:buFont typeface="Arial" pitchFamily="34" charset="0"/>
-              <a:buChar char="•"/>
-              <a:tabLst/>
-              <a:defRPr/>
-            </a:pPr>
-            <a:r>
-              <a:rPr lang="en-US" baseline="0" dirty="0" smtClean="0"/>
-              <a:t>Enables a very fast deployment model.  You can literally deploy in seconds.  </a:t>
-            </a:r>
-          </a:p>
-          <a:p>
-            <a:pPr marL="171450" indent="-171450">
-              <a:buFont typeface="Arial" pitchFamily="34" charset="0"/>
-              <a:buChar char="•"/>
-            </a:pPr>
-            <a:r>
-              <a:rPr lang="en-US" baseline="0" dirty="0" smtClean="0"/>
-              <a:t>You can easily deploy these sites using the tools and infrastructure you know. </a:t>
-            </a:r>
-          </a:p>
-          <a:p>
-            <a:pPr marL="171450" indent="-171450">
-              <a:buFont typeface="Arial" pitchFamily="34" charset="0"/>
-              <a:buChar char="•"/>
-            </a:pPr>
-            <a:r>
-              <a:rPr lang="en-US" baseline="0" dirty="0" smtClean="0"/>
-              <a:t>We support several flexible deployment options including FTP, GIT, and Team Foundation Services</a:t>
-            </a:r>
-          </a:p>
-          <a:p>
-            <a:pPr marL="171450" indent="-171450">
-              <a:buFont typeface="Arial" pitchFamily="34" charset="0"/>
-              <a:buChar char="•"/>
-            </a:pPr>
-            <a:r>
-              <a:rPr lang="en-US" baseline="0" dirty="0" smtClean="0"/>
-              <a:t>What is nice about this offering is that not only does it enable to very quickly get going, but it also allows you to start with a free offer in a shared environment.  </a:t>
-            </a:r>
-          </a:p>
-          <a:p>
-            <a:pPr marL="171450" indent="-171450">
-              <a:buFont typeface="Arial" pitchFamily="34" charset="0"/>
-              <a:buChar char="•"/>
-            </a:pPr>
-            <a:r>
-              <a:rPr lang="en-US" baseline="0" dirty="0" smtClean="0"/>
-              <a:t>Pricing starts at free.. Perpetually free and then you can scale up as you need more capability</a:t>
-            </a:r>
-          </a:p>
-          <a:p>
-            <a:pPr marL="171450" indent="-171450">
-              <a:buFont typeface="Arial" pitchFamily="34" charset="0"/>
-              <a:buChar char="•"/>
-            </a:pPr>
-            <a:r>
-              <a:rPr lang="en-US" baseline="0" dirty="0" smtClean="0"/>
-              <a:t>You can then scale up these sites using reserved instances for higher performance and isolation and scale out these sites as your web site becomes successful and you have increased load.  </a:t>
+              <a:t>The first set of features I want to walk through is Virtual Machines.  </a:t>
             </a:r>
           </a:p>
           <a:p>
@@ -1499,182 +1129,143 @@
             <a:endParaRPr lang="en-US" baseline="0" dirty="0" smtClean="0"/>
           </a:p>
           <a:p>
-            <a:pPr marL="171450" indent="-171450">
+            <a:pPr marL="0" indent="0">
               <a:buFont typeface="Arial" pitchFamily="34" charset="0"/>
-              <a:buChar char="•"/>
+              <a:buNone/>
             </a:pPr>
             <a:r>
-              <a:rPr lang="en-US" baseline="0" dirty="0" smtClean="0"/>
-              <a:t>Deployment with:</a:t>
-            </a:r>
-          </a:p>
-          <a:p>
-            <a:pPr marL="346075" indent="-342900">
-              <a:lnSpc>
-                <a:spcPct val="100000"/>
-              </a:lnSpc>
-            </a:pPr>
-            <a:r>
-              <a:rPr lang="en-US" sz="1600" kern="1200" dirty="0" smtClean="0">
-                <a:solidFill>
-                  <a:schemeClr val="tx1"/>
-                </a:solidFill>
-                <a:latin typeface="Segoe UI" pitchFamily="34" charset="0"/>
-                <a:ea typeface="+mn-ea"/>
-                <a:cs typeface="+mn-cs"/>
-              </a:rPr>
-              <a:t>Cloud-hosted source control system: Visual Studio Online, Git, Mercurial, Dropbox</a:t>
-            </a:r>
-          </a:p>
-          <a:p>
-            <a:pPr marL="346075" indent="-342900">
-              <a:lnSpc>
-                <a:spcPct val="100000"/>
-              </a:lnSpc>
-            </a:pPr>
-            <a:r>
-              <a:rPr lang="en-US" sz="1600" kern="1200" dirty="0" smtClean="0">
-                <a:solidFill>
-                  <a:schemeClr val="tx1"/>
-                </a:solidFill>
-                <a:latin typeface="Segoe UI" pitchFamily="34" charset="0"/>
-                <a:ea typeface="+mn-ea"/>
-                <a:cs typeface="+mn-cs"/>
-              </a:rPr>
-              <a:t>IDE: Visual Studio, </a:t>
-            </a:r>
-            <a:r>
-              <a:rPr lang="en-US" sz="1600" kern="1200" dirty="0" err="1" smtClean="0">
-                <a:solidFill>
-                  <a:schemeClr val="tx1"/>
-                </a:solidFill>
-                <a:latin typeface="Segoe UI" pitchFamily="34" charset="0"/>
-                <a:ea typeface="+mn-ea"/>
-                <a:cs typeface="+mn-cs"/>
-              </a:rPr>
-              <a:t>WebMatrix</a:t>
-            </a:r>
-            <a:endParaRPr lang="en-US" sz="1600" kern="1200" dirty="0" smtClean="0">
-              <a:solidFill>
-                <a:schemeClr val="tx1"/>
-              </a:solidFill>
-              <a:latin typeface="Segoe UI" pitchFamily="34" charset="0"/>
-              <a:ea typeface="+mn-ea"/>
-              <a:cs typeface="+mn-cs"/>
-            </a:endParaRPr>
-          </a:p>
-          <a:p>
-            <a:pPr marL="346075" indent="-342900">
-              <a:lnSpc>
-                <a:spcPct val="100000"/>
-              </a:lnSpc>
-            </a:pPr>
-            <a:r>
-              <a:rPr lang="en-US" sz="1600" kern="1200" dirty="0" smtClean="0">
-                <a:solidFill>
-                  <a:schemeClr val="tx1"/>
-                </a:solidFill>
-                <a:latin typeface="Segoe UI" pitchFamily="34" charset="0"/>
-                <a:ea typeface="+mn-ea"/>
-                <a:cs typeface="+mn-cs"/>
-              </a:rPr>
-              <a:t>FTP</a:t>
-            </a:r>
-          </a:p>
-          <a:p>
-            <a:pPr marL="346075" indent="-342900">
-              <a:lnSpc>
-                <a:spcPct val="100000"/>
-              </a:lnSpc>
-            </a:pPr>
-            <a:r>
-              <a:rPr lang="en-US" sz="1600" kern="1200" dirty="0" smtClean="0">
-                <a:solidFill>
-                  <a:schemeClr val="tx1"/>
-                </a:solidFill>
-                <a:latin typeface="Segoe UI" pitchFamily="34" charset="0"/>
-                <a:ea typeface="+mn-ea"/>
-                <a:cs typeface="+mn-cs"/>
-              </a:rPr>
-              <a:t>On-premise source control system: VSO, on premise Git or Mercurial repositories</a:t>
-            </a:r>
-          </a:p>
-          <a:p>
-            <a:pPr marL="346075" indent="-342900">
-              <a:lnSpc>
-                <a:spcPct val="100000"/>
-              </a:lnSpc>
-            </a:pPr>
-            <a:r>
-              <a:rPr lang="en-US" sz="1600" kern="1200" dirty="0" smtClean="0">
-                <a:solidFill>
-                  <a:schemeClr val="tx1"/>
-                </a:solidFill>
-                <a:latin typeface="Segoe UI" pitchFamily="34" charset="0"/>
-                <a:ea typeface="+mn-ea"/>
-                <a:cs typeface="+mn-cs"/>
-              </a:rPr>
-              <a:t>Command Line tools and REST API: </a:t>
-            </a:r>
-            <a:r>
-              <a:rPr lang="en-US" sz="1600" kern="1200" dirty="0" err="1" smtClean="0">
-                <a:solidFill>
-                  <a:schemeClr val="tx1"/>
-                </a:solidFill>
-                <a:latin typeface="Segoe UI" pitchFamily="34" charset="0"/>
-                <a:ea typeface="+mn-ea"/>
-                <a:cs typeface="+mn-cs"/>
-              </a:rPr>
-              <a:t>MSBuild</a:t>
-            </a:r>
-            <a:r>
-              <a:rPr lang="en-US" sz="1600" kern="1200" dirty="0" smtClean="0">
-                <a:solidFill>
-                  <a:schemeClr val="tx1"/>
-                </a:solidFill>
-                <a:latin typeface="Segoe UI" pitchFamily="34" charset="0"/>
-                <a:ea typeface="+mn-ea"/>
-                <a:cs typeface="+mn-cs"/>
-              </a:rPr>
-              <a:t>, FTP scripts, PowerShell, .NET Management API, Cross-platform command line(</a:t>
-            </a:r>
-            <a:r>
-              <a:rPr lang="en-US" sz="1600" kern="1200" dirty="0" err="1" smtClean="0">
-                <a:solidFill>
-                  <a:schemeClr val="tx1"/>
-                </a:solidFill>
-                <a:latin typeface="Segoe UI" pitchFamily="34" charset="0"/>
-                <a:ea typeface="+mn-ea"/>
-                <a:cs typeface="+mn-cs"/>
-              </a:rPr>
-              <a:t>xpat</a:t>
-            </a:r>
-            <a:r>
-              <a:rPr lang="en-US" sz="1600" kern="1200" dirty="0" smtClean="0">
-                <a:solidFill>
-                  <a:schemeClr val="tx1"/>
-                </a:solidFill>
-                <a:latin typeface="Segoe UI" pitchFamily="34" charset="0"/>
-                <a:ea typeface="+mn-ea"/>
-                <a:cs typeface="+mn-cs"/>
-              </a:rPr>
-              <a:t>-cli), Web Deploy command line</a:t>
-            </a:r>
-            <a:endParaRPr lang="en-US" sz="1000" kern="1200" dirty="0" smtClean="0">
-              <a:solidFill>
-                <a:schemeClr val="tx1"/>
-              </a:solidFill>
-              <a:latin typeface="Segoe UI" pitchFamily="34" charset="0"/>
-              <a:ea typeface="+mn-ea"/>
-              <a:cs typeface="+mn-cs"/>
-            </a:endParaRPr>
+              <a:rPr lang="en-US" b="1" baseline="0" dirty="0" smtClean="0"/>
+              <a:t>Speaking Points:</a:t>
+            </a:r>
           </a:p>
           <a:p>
             <a:pPr marL="171450" indent="-171450">
               <a:buFont typeface="Arial" pitchFamily="34" charset="0"/>
               <a:buChar char="•"/>
             </a:pPr>
+            <a:r>
+              <a:rPr lang="en-US" baseline="0" dirty="0" smtClean="0"/>
+              <a:t>If you’re familiar with traditional hosting, this is probably the feature that feels most familiar and consistent with what other hosting providers provide.  </a:t>
+            </a:r>
+          </a:p>
+          <a:p>
+            <a:pPr marL="171450" indent="-171450">
+              <a:buFont typeface="Arial" pitchFamily="34" charset="0"/>
+              <a:buChar char="•"/>
+            </a:pPr>
+            <a:r>
+              <a:rPr lang="en-US" baseline="0" dirty="0" smtClean="0"/>
+              <a:t>The ability to stand up a virtual machine with either Windows or Linux that you can basically remote desktop in or SSH in and run any workload.  </a:t>
+            </a:r>
             <a:endParaRPr lang="en-US" dirty="0" smtClean="0"/>
+          </a:p>
+          <a:p>
+            <a:pPr marL="171450" indent="-171450">
+              <a:buFont typeface="Arial" pitchFamily="34" charset="0"/>
+              <a:buChar char="•"/>
+            </a:pPr>
+            <a:r>
+              <a:rPr lang="en-US" b="0" dirty="0" smtClean="0"/>
+              <a:t>These virtual machines enable you to be admin on the box</a:t>
+            </a:r>
+          </a:p>
+          <a:p>
+            <a:pPr marL="171450" indent="-171450">
+              <a:buFont typeface="Arial" pitchFamily="34" charset="0"/>
+              <a:buChar char="•"/>
+            </a:pPr>
+            <a:r>
+              <a:rPr lang="en-US" b="0" dirty="0" smtClean="0"/>
+              <a:t>They are durable, meaning if you reboot the VM, it</a:t>
+            </a:r>
+            <a:r>
+              <a:rPr lang="en-US" b="0" baseline="0" dirty="0" smtClean="0"/>
+              <a:t> is still there with all of your changes and data you stored to disk</a:t>
+            </a:r>
+          </a:p>
+          <a:p>
+            <a:pPr marL="171450" indent="-171450">
+              <a:buFont typeface="Arial" pitchFamily="34" charset="0"/>
+              <a:buChar char="•"/>
+            </a:pPr>
+            <a:r>
+              <a:rPr lang="en-US" b="0" dirty="0" smtClean="0"/>
+              <a:t>This means you can </a:t>
+            </a:r>
+            <a:r>
+              <a:rPr lang="en-US" b="0" baseline="0" dirty="0" smtClean="0"/>
+              <a:t>run any type of workload</a:t>
+            </a:r>
+          </a:p>
+          <a:p>
+            <a:pPr marL="384431" lvl="1" indent="-171450">
+              <a:buFont typeface="Arial" pitchFamily="34" charset="0"/>
+              <a:buChar char="•"/>
+            </a:pPr>
+            <a:r>
+              <a:rPr lang="en-US" b="0" baseline="0" dirty="0" smtClean="0"/>
+              <a:t>If you want to run SQL you can, if you want to install a no-SQL solution, you can do that to. </a:t>
+            </a:r>
+          </a:p>
+          <a:p>
+            <a:pPr marL="384431" lvl="1" indent="-171450">
+              <a:buFont typeface="Arial" pitchFamily="34" charset="0"/>
+              <a:buChar char="•"/>
+            </a:pPr>
+            <a:r>
+              <a:rPr lang="en-US" b="0" baseline="0" dirty="0" smtClean="0"/>
+              <a:t>If you want to run SharePoint you can do that. </a:t>
+            </a:r>
+          </a:p>
+          <a:p>
+            <a:pPr marL="171450" indent="-171450">
+              <a:buFont typeface="Arial" pitchFamily="34" charset="0"/>
+              <a:buChar char="•"/>
+            </a:pPr>
+            <a:r>
+              <a:rPr lang="en-US" b="0" baseline="0" dirty="0" smtClean="0"/>
+              <a:t>Provides ultimate flexibility to do what you want to do</a:t>
+            </a:r>
+          </a:p>
+          <a:p>
+            <a:pPr marL="171450" indent="-171450">
+              <a:buFont typeface="Arial" pitchFamily="34" charset="0"/>
+              <a:buChar char="•"/>
+            </a:pPr>
+            <a:r>
+              <a:rPr lang="en-US" b="0" baseline="0" dirty="0" smtClean="0"/>
+              <a:t>Also enables you to do what we call virtual private networking</a:t>
+            </a:r>
+          </a:p>
+          <a:p>
+            <a:pPr marL="171450" indent="-171450">
+              <a:buFont typeface="Arial" pitchFamily="34" charset="0"/>
+              <a:buChar char="•"/>
+            </a:pPr>
+            <a:r>
+              <a:rPr lang="en-US" b="0" baseline="0" dirty="0" smtClean="0"/>
+              <a:t>With virtual private networking, you can deploy Virtual Machines in the cloud and group them together so they are part of their own private network</a:t>
+            </a:r>
+          </a:p>
+          <a:p>
+            <a:pPr marL="171450" indent="-171450">
+              <a:buFont typeface="Arial" pitchFamily="34" charset="0"/>
+              <a:buChar char="•"/>
+            </a:pPr>
+            <a:r>
+              <a:rPr lang="en-US" b="0" baseline="0" dirty="0" smtClean="0"/>
+              <a:t>You can also then connect it back to your corporate network (if you have one) and establish a VPN secure tunnel to link your machines running in your own corporate environment up to your virtual machines in the cloud – making them look like they’re all part of one connected network.  </a:t>
+            </a:r>
+          </a:p>
+          <a:p>
+            <a:pPr marL="171450" indent="-171450">
+              <a:buFont typeface="Arial" pitchFamily="34" charset="0"/>
+              <a:buChar char="•"/>
+            </a:pPr>
+            <a:r>
+              <a:rPr lang="en-US" b="0" baseline="0" dirty="0" smtClean="0"/>
+              <a:t>So lots of flexibility in the compute side as well as in the networking side. </a:t>
+            </a:r>
           </a:p>
           <a:p>
             <a:endParaRPr lang="en-US" dirty="0"/>
@@ -1698,7 +1289,7 @@
           <a:p>
             <a:fld id="{BC60BE34-BC89-4C98-A56B-79B7A098D024}" type="slidenum">
               <a:rPr lang="en-US" smtClean="0"/>
-              <a:t>18</a:t>
+              <a:t>16</a:t>
             </a:fld>
             <a:endParaRPr lang="en-US"/>
           </a:p>
@@ -1707,7 +1298,7 @@
     </p:spTree>
     <p:extLst>
       <p:ext uri="{BB962C8B-B14F-4D97-AF65-F5344CB8AC3E}">
-        <p14:creationId xmlns:p14="http://schemas.microsoft.com/office/powerpoint/2010/main" val="1256666294"/>
+        <p14:creationId xmlns:p14="http://schemas.microsoft.com/office/powerpoint/2010/main" val="2011608035"/>
       </p:ext>
     </p:extLst>
   </p:cSld>
@@ -19619,7 +19210,7 @@
           <a:p>
             <a:r>
               <a:rPr lang="en-US" dirty="0" smtClean="0"/>
-              <a:t>Microsoft Azure Services (Partial List)</a:t>
+              <a:t>Azure’s Focus on Trust</a:t>
             </a:r>
             <a:endParaRPr lang="en-US" dirty="0"/>
           </a:p>
@@ -19632,13 +19223,13 @@
             <a:spLocks noGrp="1"/>
           </p:cNvSpPr>
           <p:nvPr>
-            <p:ph sz="half" idx="1"/>
+            <p:ph idx="1"/>
           </p:nvPr>
         </p:nvSpPr>
         <p:spPr>
           <a:xfrm>
             <a:off x="519248" y="1447800"/>
-            <a:ext cx="5487829" cy="4869025"/>
+            <a:ext cx="11151916" cy="5046253"/>
           </a:xfrm>
         </p:spPr>
         <p:txBody>
@@ -19646,216 +19237,109 @@
           <a:lstStyle/>
           <a:p>
             <a:r>
-              <a:rPr lang="en-US" sz="2400" dirty="0" smtClean="0"/>
-              <a:t>Compute</a:t>
+              <a:rPr lang="en-US" dirty="0" smtClean="0"/>
+              <a:t>See the full list</a:t>
             </a:r>
           </a:p>
           <a:p>
             <a:pPr lvl="1"/>
             <a:r>
-              <a:rPr lang="en-US" sz="2000" dirty="0" smtClean="0"/>
-              <a:t>Virtual Machines</a:t>
+              <a:rPr lang="en-US" dirty="0"/>
+              <a:t>https://</a:t>
+            </a:r>
+            <a:r>
+              <a:rPr lang="en-US" dirty="0" err="1"/>
+              <a:t>azure.microsoft.com</a:t>
+            </a:r>
+            <a:r>
+              <a:rPr lang="en-US" dirty="0"/>
+              <a:t>/en-us/support/trust-center/compliance</a:t>
+            </a:r>
+            <a:r>
+              <a:rPr lang="en-US" dirty="0" smtClean="0"/>
+              <a:t>/</a:t>
+            </a:r>
+          </a:p>
+          <a:p>
+            <a:r>
+              <a:rPr lang="en-US" dirty="0" smtClean="0"/>
+              <a:t>Full HIPPA compliance</a:t>
+            </a:r>
+          </a:p>
+          <a:p>
+            <a:r>
+              <a:rPr lang="en-US" dirty="0" smtClean="0"/>
+              <a:t>Multiple national government compliance</a:t>
+            </a:r>
+          </a:p>
+          <a:p>
+            <a:r>
+              <a:rPr lang="en-US" dirty="0" smtClean="0"/>
+              <a:t>Strict privacy adherence</a:t>
             </a:r>
           </a:p>
           <a:p>
             <a:pPr lvl="1"/>
             <a:r>
-              <a:rPr lang="en-US" sz="2000" dirty="0" smtClean="0"/>
-              <a:t>Cloud Services</a:t>
+              <a:rPr lang="en-US" dirty="0" smtClean="0"/>
+              <a:t>EU Model Clauses</a:t>
             </a:r>
           </a:p>
           <a:p>
             <a:pPr lvl="1"/>
             <a:r>
-              <a:rPr lang="en-US" sz="2000" dirty="0" smtClean="0"/>
-              <a:t>Batch</a:t>
-            </a:r>
-          </a:p>
-          <a:p>
-            <a:r>
-              <a:rPr lang="en-US" sz="2400" dirty="0" smtClean="0"/>
-              <a:t>Web &amp; Mobile</a:t>
+              <a:rPr lang="en-US" dirty="0" smtClean="0"/>
+              <a:t>Safe Harbor</a:t>
             </a:r>
           </a:p>
           <a:p>
             <a:pPr lvl="1"/>
             <a:r>
-              <a:rPr lang="en-US" sz="2000" dirty="0" smtClean="0"/>
-              <a:t>Web Apps</a:t>
-            </a:r>
+              <a:rPr lang="nb-NO" dirty="0" smtClean="0"/>
+              <a:t>ISO/IEC </a:t>
+            </a:r>
+            <a:r>
+              <a:rPr lang="nb-NO" dirty="0"/>
+              <a:t>27018</a:t>
+            </a:r>
+            <a:endParaRPr lang="en-US" dirty="0" smtClean="0"/>
           </a:p>
           <a:p>
-            <a:pPr lvl="1"/>
-            <a:r>
-              <a:rPr lang="en-US" sz="2000" dirty="0" smtClean="0"/>
-              <a:t>Notification Hubs</a:t>
-            </a:r>
+            <a:endParaRPr lang="en-US" dirty="0"/>
           </a:p>
           <a:p>
-            <a:r>
-              <a:rPr lang="en-US" sz="2400" dirty="0" smtClean="0"/>
-              <a:t>Data &amp; Storage</a:t>
-            </a:r>
-          </a:p>
-          <a:p>
-            <a:pPr lvl="1"/>
-            <a:r>
-              <a:rPr lang="en-US" sz="2000" dirty="0" err="1" smtClean="0"/>
-              <a:t>DocumentDB</a:t>
-            </a:r>
-            <a:endParaRPr lang="en-US" sz="2000" dirty="0" smtClean="0"/>
-          </a:p>
-          <a:p>
-            <a:pPr lvl="1"/>
-            <a:r>
-              <a:rPr lang="en-US" sz="2000" dirty="0" err="1" smtClean="0"/>
-              <a:t>Redis</a:t>
-            </a:r>
-            <a:r>
-              <a:rPr lang="en-US" sz="2000" dirty="0" smtClean="0"/>
-              <a:t> Cache</a:t>
-            </a:r>
-          </a:p>
-          <a:p>
-            <a:pPr lvl="1"/>
-            <a:r>
-              <a:rPr lang="en-US" sz="2000" dirty="0" smtClean="0"/>
-              <a:t>SQL Database</a:t>
-            </a:r>
-          </a:p>
-          <a:p>
-            <a:pPr lvl="1"/>
-            <a:r>
-              <a:rPr lang="en-US" sz="2000" dirty="0" smtClean="0"/>
-              <a:t>Blob storage</a:t>
-            </a:r>
-          </a:p>
-          <a:p>
-            <a:pPr lvl="1"/>
-            <a:r>
-              <a:rPr lang="en-US" sz="2000" dirty="0" smtClean="0"/>
-              <a:t>Azure Search</a:t>
-            </a:r>
-          </a:p>
-          <a:p>
-            <a:pPr lvl="1"/>
-            <a:endParaRPr lang="en-US" sz="2000" dirty="0"/>
+            <a:endParaRPr lang="en-US" dirty="0"/>
           </a:p>
         </p:txBody>
       </p:sp>
-      <p:sp>
-        <p:nvSpPr>
-          <p:cNvPr id="4" name="Content Placeholder 3"/>
-          <p:cNvSpPr>
-            <a:spLocks noGrp="1"/>
-          </p:cNvSpPr>
-          <p:nvPr>
-            <p:ph sz="half" idx="2"/>
-          </p:nvPr>
-        </p:nvSpPr>
+      <p:pic>
+        <p:nvPicPr>
+          <p:cNvPr id="5" name="Picture 4"/>
+          <p:cNvPicPr>
+            <a:picLocks noChangeAspect="1"/>
+          </p:cNvPicPr>
+          <p:nvPr/>
+        </p:nvPicPr>
+        <p:blipFill>
+          <a:blip r:embed="rId3"/>
+          <a:stretch>
+            <a:fillRect/>
+          </a:stretch>
+        </p:blipFill>
         <p:spPr>
           <a:xfrm>
-            <a:off x="6183335" y="1447800"/>
-            <a:ext cx="5487829" cy="4733604"/>
+            <a:off x="8214037" y="2484325"/>
+            <a:ext cx="3457127" cy="3869582"/>
           </a:xfrm>
+          <a:prstGeom prst="rect">
+            <a:avLst/>
+          </a:prstGeom>
         </p:spPr>
-        <p:txBody>
-          <a:bodyPr/>
-          <a:lstStyle/>
-          <a:p>
-            <a:r>
-              <a:rPr lang="en-US" sz="2400" dirty="0" smtClean="0"/>
-              <a:t>Analytics</a:t>
-            </a:r>
-          </a:p>
-          <a:p>
-            <a:pPr lvl="1"/>
-            <a:r>
-              <a:rPr lang="en-US" sz="2000" dirty="0" smtClean="0"/>
-              <a:t>HDInsight</a:t>
-            </a:r>
-          </a:p>
-          <a:p>
-            <a:pPr lvl="1"/>
-            <a:r>
-              <a:rPr lang="en-US" sz="2000" dirty="0" smtClean="0"/>
-              <a:t>Machine Learning</a:t>
-            </a:r>
-          </a:p>
-          <a:p>
-            <a:pPr lvl="1"/>
-            <a:r>
-              <a:rPr lang="en-US" sz="2000" dirty="0" smtClean="0"/>
-              <a:t>Stream Analytics</a:t>
-            </a:r>
-          </a:p>
-          <a:p>
-            <a:pPr lvl="1"/>
-            <a:r>
-              <a:rPr lang="en-US" sz="2000" dirty="0" smtClean="0"/>
-              <a:t>Event Hub</a:t>
-            </a:r>
-          </a:p>
-          <a:p>
-            <a:r>
-              <a:rPr lang="en-US" sz="2400" dirty="0" smtClean="0"/>
-              <a:t>Networking</a:t>
-            </a:r>
-          </a:p>
-          <a:p>
-            <a:pPr lvl="1"/>
-            <a:r>
-              <a:rPr lang="en-US" sz="2000" dirty="0" smtClean="0"/>
-              <a:t>VPN</a:t>
-            </a:r>
-          </a:p>
-          <a:p>
-            <a:pPr lvl="1"/>
-            <a:r>
-              <a:rPr lang="en-US" sz="2000" dirty="0" smtClean="0"/>
-              <a:t>Express Route</a:t>
-            </a:r>
-          </a:p>
-          <a:p>
-            <a:r>
-              <a:rPr lang="en-US" sz="2400" dirty="0" smtClean="0"/>
-              <a:t>Media &amp; CDN</a:t>
-            </a:r>
-          </a:p>
-          <a:p>
-            <a:pPr lvl="1"/>
-            <a:r>
-              <a:rPr lang="en-US" sz="2000" dirty="0" smtClean="0"/>
-              <a:t>Media Services</a:t>
-            </a:r>
-          </a:p>
-          <a:p>
-            <a:pPr lvl="1"/>
-            <a:r>
-              <a:rPr lang="en-US" sz="2000" dirty="0" smtClean="0"/>
-              <a:t>Full CDN</a:t>
-            </a:r>
-          </a:p>
-          <a:p>
-            <a:r>
-              <a:rPr lang="en-US" sz="2400" dirty="0" smtClean="0"/>
-              <a:t>Identity &amp; Access Management</a:t>
-            </a:r>
-          </a:p>
-          <a:p>
-            <a:pPr lvl="1"/>
-            <a:r>
-              <a:rPr lang="en-US" sz="2000" dirty="0" smtClean="0"/>
-              <a:t>Azure Active Directory</a:t>
-            </a:r>
-            <a:endParaRPr lang="en-US" sz="2000" dirty="0"/>
-          </a:p>
-        </p:txBody>
-      </p:sp>
+      </p:pic>
     </p:spTree>
     <p:extLst>
       <p:ext uri="{BB962C8B-B14F-4D97-AF65-F5344CB8AC3E}">
-        <p14:creationId xmlns:p14="http://schemas.microsoft.com/office/powerpoint/2010/main" val="1862137194"/>
+        <p14:creationId xmlns:p14="http://schemas.microsoft.com/office/powerpoint/2010/main" val="1400609103"/>
       </p:ext>
     </p:extLst>
   </p:cSld>
@@ -19865,13 +19349,6 @@
   <p:transition>
     <p:fade/>
   </p:transition>
-  <p:timing>
-    <p:tnLst>
-      <p:par>
-        <p:cTn id="1" dur="indefinite" restart="never" nodeType="tmRoot"/>
-      </p:par>
-    </p:tnLst>
-  </p:timing>
 </p:sld>
 </file>
 
@@ -19909,19 +19386,7 @@
           <a:p>
             <a:r>
               <a:rPr lang="en-US" dirty="0" smtClean="0"/>
-              <a:t>Pay </a:t>
-            </a:r>
-            <a:r>
-              <a:rPr lang="en-US" b="1" dirty="0" smtClean="0">
-                <a:solidFill>
-                  <a:srgbClr val="00B0F0"/>
-                </a:solidFill>
-              </a:rPr>
-              <a:t>only</a:t>
-            </a:r>
-            <a:r>
-              <a:rPr lang="en-US" dirty="0" smtClean="0"/>
-              <a:t> for what is used</a:t>
+              <a:t>Microsoft Azure Services (Partial List)</a:t>
             </a:r>
             <a:endParaRPr lang="en-US" dirty="0"/>
           </a:p>
@@ -19934,13 +19399,13 @@
             <a:spLocks noGrp="1"/>
           </p:cNvSpPr>
           <p:nvPr>
-            <p:ph idx="1"/>
+            <p:ph sz="half" idx="1"/>
           </p:nvPr>
         </p:nvSpPr>
         <p:spPr>
           <a:xfrm>
             <a:off x="519248" y="1447800"/>
-            <a:ext cx="11151916" cy="3692421"/>
+            <a:ext cx="5487829" cy="4869025"/>
           </a:xfrm>
         </p:spPr>
         <p:txBody>
@@ -19948,50 +19413,216 @@
           <a:lstStyle/>
           <a:p>
             <a:r>
-              <a:rPr lang="en-US" dirty="0" smtClean="0"/>
-              <a:t>There are zero upfront costs</a:t>
+              <a:rPr lang="en-US" sz="2400" dirty="0" smtClean="0"/>
+              <a:t>Compute</a:t>
             </a:r>
           </a:p>
           <a:p>
-            <a:r>
-              <a:rPr lang="en-US" dirty="0" smtClean="0"/>
-              <a:t>For virtual machines and web sites, pay by the hour</a:t>
+            <a:pPr lvl="1"/>
+            <a:r>
+              <a:rPr lang="en-US" sz="2000" dirty="0" smtClean="0"/>
+              <a:t>Virtual Machines</a:t>
             </a:r>
           </a:p>
           <a:p>
-            <a:r>
-              <a:rPr lang="en-US" dirty="0" smtClean="0"/>
-              <a:t>Scale up and down your solutions as needed</a:t>
+            <a:pPr lvl="1"/>
+            <a:r>
+              <a:rPr lang="en-US" sz="2000" dirty="0" smtClean="0"/>
+              <a:t>Cloud Services</a:t>
             </a:r>
           </a:p>
           <a:p>
-            <a:r>
-              <a:rPr lang="en-US" dirty="0" smtClean="0"/>
-              <a:t>Pay only for services, like Machine Learning, when calculating</a:t>
+            <a:pPr lvl="1"/>
+            <a:r>
+              <a:rPr lang="en-US" sz="2000" dirty="0" smtClean="0"/>
+              <a:t>Batch</a:t>
             </a:r>
           </a:p>
           <a:p>
             <a:r>
-              <a:rPr lang="en-US" dirty="0" smtClean="0"/>
-              <a:t>Very low storage costs</a:t>
+              <a:rPr lang="en-US" sz="2400" dirty="0" smtClean="0"/>
+              <a:t>Web &amp; Mobile</a:t>
             </a:r>
           </a:p>
           <a:p>
-            <a:endParaRPr lang="en-US" dirty="0"/>
+            <a:pPr lvl="1"/>
+            <a:r>
+              <a:rPr lang="en-US" sz="2000" dirty="0" smtClean="0"/>
+              <a:t>Web Apps</a:t>
+            </a:r>
           </a:p>
           <a:p>
-            <a:r>
-              <a:rPr lang="en-US" dirty="0" smtClean="0"/>
-              <a:t>Evaluation period is no cost at all – including this training</a:t>
-            </a:r>
-            <a:endParaRPr lang="en-US" dirty="0"/>
+            <a:pPr lvl="1"/>
+            <a:r>
+              <a:rPr lang="en-US" sz="2000" dirty="0" smtClean="0"/>
+              <a:t>Notification Hubs</a:t>
+            </a:r>
+          </a:p>
+          <a:p>
+            <a:r>
+              <a:rPr lang="en-US" sz="2400" dirty="0" smtClean="0"/>
+              <a:t>Data &amp; Storage</a:t>
+            </a:r>
+          </a:p>
+          <a:p>
+            <a:pPr lvl="1"/>
+            <a:r>
+              <a:rPr lang="en-US" sz="2000" dirty="0" err="1" smtClean="0"/>
+              <a:t>DocumentDB</a:t>
+            </a:r>
+            <a:endParaRPr lang="en-US" sz="2000" dirty="0" smtClean="0"/>
+          </a:p>
+          <a:p>
+            <a:pPr lvl="1"/>
+            <a:r>
+              <a:rPr lang="en-US" sz="2000" dirty="0" err="1" smtClean="0"/>
+              <a:t>Redis</a:t>
+            </a:r>
+            <a:r>
+              <a:rPr lang="en-US" sz="2000" dirty="0" smtClean="0"/>
+              <a:t> Cache</a:t>
+            </a:r>
+          </a:p>
+          <a:p>
+            <a:pPr lvl="1"/>
+            <a:r>
+              <a:rPr lang="en-US" sz="2000" dirty="0" smtClean="0"/>
+              <a:t>SQL Database</a:t>
+            </a:r>
+          </a:p>
+          <a:p>
+            <a:pPr lvl="1"/>
+            <a:r>
+              <a:rPr lang="en-US" sz="2000" dirty="0" smtClean="0"/>
+              <a:t>Blob storage</a:t>
+            </a:r>
+          </a:p>
+          <a:p>
+            <a:pPr lvl="1"/>
+            <a:r>
+              <a:rPr lang="en-US" sz="2000" dirty="0" smtClean="0"/>
+              <a:t>Azure Search</a:t>
+            </a:r>
+          </a:p>
+          <a:p>
+            <a:pPr lvl="1"/>
+            <a:endParaRPr lang="en-US" sz="2000" dirty="0"/>
+          </a:p>
+        </p:txBody>
+      </p:sp>
+      <p:sp>
+        <p:nvSpPr>
+          <p:cNvPr id="4" name="Content Placeholder 3"/>
+          <p:cNvSpPr>
+            <a:spLocks noGrp="1"/>
+          </p:cNvSpPr>
+          <p:nvPr>
+            <p:ph sz="half" idx="2"/>
+          </p:nvPr>
+        </p:nvSpPr>
+        <p:spPr>
+          <a:xfrm>
+            <a:off x="6183335" y="1447800"/>
+            <a:ext cx="5487829" cy="4733604"/>
+          </a:xfrm>
+        </p:spPr>
+        <p:txBody>
+          <a:bodyPr/>
+          <a:lstStyle/>
+          <a:p>
+            <a:r>
+              <a:rPr lang="en-US" sz="2400" dirty="0" smtClean="0"/>
+              <a:t>Analytics</a:t>
+            </a:r>
+          </a:p>
+          <a:p>
+            <a:pPr lvl="1"/>
+            <a:r>
+              <a:rPr lang="en-US" sz="2000" dirty="0" smtClean="0"/>
+              <a:t>HDInsight</a:t>
+            </a:r>
+          </a:p>
+          <a:p>
+            <a:pPr lvl="1"/>
+            <a:r>
+              <a:rPr lang="en-US" sz="2000" dirty="0" smtClean="0"/>
+              <a:t>Machine Learning</a:t>
+            </a:r>
+          </a:p>
+          <a:p>
+            <a:pPr lvl="1"/>
+            <a:r>
+              <a:rPr lang="en-US" sz="2000" dirty="0" smtClean="0"/>
+              <a:t>Stream Analytics</a:t>
+            </a:r>
+          </a:p>
+          <a:p>
+            <a:pPr lvl="1"/>
+            <a:r>
+              <a:rPr lang="en-US" sz="2000" dirty="0" smtClean="0"/>
+              <a:t>Event Hub</a:t>
+            </a:r>
+          </a:p>
+          <a:p>
+            <a:r>
+              <a:rPr lang="en-US" sz="2400" dirty="0" smtClean="0"/>
+              <a:t>Networking</a:t>
+            </a:r>
+          </a:p>
+          <a:p>
+            <a:pPr lvl="1"/>
+            <a:r>
+              <a:rPr lang="en-US" sz="2000" dirty="0" smtClean="0"/>
+              <a:t>VPN</a:t>
+            </a:r>
+          </a:p>
+          <a:p>
+            <a:pPr lvl="1"/>
+            <a:r>
+              <a:rPr lang="en-US" sz="2000" dirty="0" smtClean="0"/>
+              <a:t>Express Route</a:t>
+            </a:r>
+          </a:p>
+          <a:p>
+            <a:r>
+              <a:rPr lang="en-US" sz="2400" dirty="0" smtClean="0"/>
+              <a:t>Media &amp; CDN</a:t>
+            </a:r>
+          </a:p>
+          <a:p>
+            <a:pPr lvl="1"/>
+            <a:r>
+              <a:rPr lang="en-US" sz="2000" dirty="0" smtClean="0"/>
+              <a:t>Media Services</a:t>
+            </a:r>
+          </a:p>
+          <a:p>
+            <a:pPr lvl="1"/>
+            <a:r>
+              <a:rPr lang="en-US" sz="2000" dirty="0" smtClean="0"/>
+              <a:t>Full CDN</a:t>
+            </a:r>
+          </a:p>
+          <a:p>
+            <a:r>
+              <a:rPr lang="en-US" sz="2400" dirty="0" smtClean="0"/>
+              <a:t>Identity &amp; Access Management</a:t>
+            </a:r>
+          </a:p>
+          <a:p>
+            <a:pPr lvl="1"/>
+            <a:r>
+              <a:rPr lang="en-US" sz="2000" dirty="0" smtClean="0"/>
+              <a:t>Azure Active Directory</a:t>
+            </a:r>
+            <a:endParaRPr lang="en-US" sz="2000" dirty="0"/>
           </a:p>
         </p:txBody>
       </p:sp>
     </p:spTree>
     <p:extLst>
       <p:ext uri="{BB962C8B-B14F-4D97-AF65-F5344CB8AC3E}">
-        <p14:creationId xmlns:p14="http://schemas.microsoft.com/office/powerpoint/2010/main" val="1759349385"/>
+        <p14:creationId xmlns:p14="http://schemas.microsoft.com/office/powerpoint/2010/main" val="1862137194"/>
       </p:ext>
     </p:extLst>
   </p:cSld>
@@ -20045,6 +19676,142 @@
           <a:p>
             <a:r>
               <a:rPr lang="en-US" dirty="0" smtClean="0"/>
+              <a:t>Pay </a:t>
+            </a:r>
+            <a:r>
+              <a:rPr lang="en-US" b="1" dirty="0" smtClean="0">
+                <a:solidFill>
+                  <a:srgbClr val="00B0F0"/>
+                </a:solidFill>
+              </a:rPr>
+              <a:t>only</a:t>
+            </a:r>
+            <a:r>
+              <a:rPr lang="en-US" dirty="0" smtClean="0"/>
+              <a:t> for what is used</a:t>
+            </a:r>
+            <a:endParaRPr lang="en-US" dirty="0"/>
+          </a:p>
+        </p:txBody>
+      </p:sp>
+      <p:sp>
+        <p:nvSpPr>
+          <p:cNvPr id="3" name="Content Placeholder 2"/>
+          <p:cNvSpPr>
+            <a:spLocks noGrp="1"/>
+          </p:cNvSpPr>
+          <p:nvPr>
+            <p:ph idx="1"/>
+          </p:nvPr>
+        </p:nvSpPr>
+        <p:spPr>
+          <a:xfrm>
+            <a:off x="519248" y="1447800"/>
+            <a:ext cx="11151916" cy="3692421"/>
+          </a:xfrm>
+        </p:spPr>
+        <p:txBody>
+          <a:bodyPr/>
+          <a:lstStyle/>
+          <a:p>
+            <a:r>
+              <a:rPr lang="en-US" dirty="0" smtClean="0"/>
+              <a:t>There are zero upfront costs</a:t>
+            </a:r>
+          </a:p>
+          <a:p>
+            <a:r>
+              <a:rPr lang="en-US" dirty="0" smtClean="0"/>
+              <a:t>For virtual machines and web sites, pay by the hour</a:t>
+            </a:r>
+          </a:p>
+          <a:p>
+            <a:r>
+              <a:rPr lang="en-US" dirty="0" smtClean="0"/>
+              <a:t>Scale up and down your solutions as needed</a:t>
+            </a:r>
+          </a:p>
+          <a:p>
+            <a:r>
+              <a:rPr lang="en-US" dirty="0" smtClean="0"/>
+              <a:t>Pay only for services, like Machine Learning, when calculating</a:t>
+            </a:r>
+          </a:p>
+          <a:p>
+            <a:r>
+              <a:rPr lang="en-US" dirty="0" smtClean="0"/>
+              <a:t>Very low storage costs</a:t>
+            </a:r>
+          </a:p>
+          <a:p>
+            <a:endParaRPr lang="en-US" dirty="0"/>
+          </a:p>
+          <a:p>
+            <a:r>
+              <a:rPr lang="en-US" dirty="0" smtClean="0"/>
+              <a:t>Evaluation period is no cost at all – including this training</a:t>
+            </a:r>
+            <a:endParaRPr lang="en-US" dirty="0"/>
+          </a:p>
+        </p:txBody>
+      </p:sp>
+    </p:spTree>
+    <p:extLst>
+      <p:ext uri="{BB962C8B-B14F-4D97-AF65-F5344CB8AC3E}">
+        <p14:creationId xmlns:p14="http://schemas.microsoft.com/office/powerpoint/2010/main" val="1759349385"/>
+      </p:ext>
+    </p:extLst>
+  </p:cSld>
+  <p:clrMapOvr>
+    <a:masterClrMapping/>
+  </p:clrMapOvr>
+  <p:transition>
+    <p:fade/>
+  </p:transition>
+  <p:timing>
+    <p:tnLst>
+      <p:par>
+        <p:cTn id="1" dur="indefinite" restart="never" nodeType="tmRoot"/>
+      </p:par>
+    </p:tnLst>
+  </p:timing>
+</p:sld>
+</file>
+
+<file path=ppt/slides/slide15.xml><?xml version="1.0" encoding="utf-8"?>
+<p:sld xmlns:a="http://schemas.openxmlformats.org/drawingml/2006/main" xmlns:r="http://schemas.openxmlformats.org/officeDocument/2006/relationships" xmlns:p="http://schemas.openxmlformats.org/presentationml/2006/main">
+  <p:cSld>
+    <p:spTree>
+      <p:nvGrpSpPr>
+        <p:cNvPr id="1" name=""/>
+        <p:cNvGrpSpPr/>
+        <p:nvPr/>
+      </p:nvGrpSpPr>
+      <p:grpSpPr>
+        <a:xfrm>
+          <a:off x="0" y="0"/>
+          <a:ext cx="0" cy="0"/>
+          <a:chOff x="0" y="0"/>
+          <a:chExt cx="0" cy="0"/>
+        </a:xfrm>
+      </p:grpSpPr>
+      <p:sp>
+        <p:nvSpPr>
+          <p:cNvPr id="2" name="Title 1"/>
+          <p:cNvSpPr>
+            <a:spLocks noGrp="1"/>
+          </p:cNvSpPr>
+          <p:nvPr>
+            <p:ph type="title"/>
+          </p:nvPr>
+        </p:nvSpPr>
+        <p:spPr/>
+        <p:txBody>
+          <a:bodyPr/>
+          <a:lstStyle/>
+          <a:p>
+            <a:r>
+              <a:rPr lang="en-US" dirty="0" smtClean="0"/>
               <a:t>Microsoft Azure Portal</a:t>
             </a:r>
             <a:endParaRPr lang="en-US" dirty="0"/>
@@ -20138,7 +19905,7 @@
 </p:sld>
 </file>
 
-<file path=ppt/slides/slide15.xml><?xml version="1.0" encoding="utf-8"?>
+<file path=ppt/slides/slide16.xml><?xml version="1.0" encoding="utf-8"?>
 <p:sld xmlns:a="http://schemas.openxmlformats.org/drawingml/2006/main" xmlns:r="http://schemas.openxmlformats.org/officeDocument/2006/relationships" xmlns:p="http://schemas.openxmlformats.org/presentationml/2006/main">
   <p:cSld>
     <p:spTree>
@@ -20299,2122 +20066,6 @@
 </p:sld>
 </file>
 
-<file path=ppt/slides/slide16.xml><?xml version="1.0" encoding="utf-8"?>
-<p:sld xmlns:a="http://schemas.openxmlformats.org/drawingml/2006/main" xmlns:r="http://schemas.openxmlformats.org/officeDocument/2006/relationships" xmlns:p="http://schemas.openxmlformats.org/presentationml/2006/main">
-  <p:cSld>
-    <p:spTree>
-      <p:nvGrpSpPr>
-        <p:cNvPr id="1" name=""/>
-        <p:cNvGrpSpPr/>
-        <p:nvPr/>
-      </p:nvGrpSpPr>
-      <p:grpSpPr>
-        <a:xfrm>
-          <a:off x="0" y="0"/>
-          <a:ext cx="0" cy="0"/>
-          <a:chOff x="0" y="0"/>
-          <a:chExt cx="0" cy="0"/>
-        </a:xfrm>
-      </p:grpSpPr>
-      <p:sp>
-        <p:nvSpPr>
-          <p:cNvPr id="2" name="Title 1"/>
-          <p:cNvSpPr>
-            <a:spLocks noGrp="1"/>
-          </p:cNvSpPr>
-          <p:nvPr>
-            <p:ph type="title"/>
-          </p:nvPr>
-        </p:nvSpPr>
-        <p:spPr/>
-        <p:txBody>
-          <a:bodyPr/>
-          <a:lstStyle/>
-          <a:p>
-            <a:r>
-              <a:rPr lang="en-US" dirty="0" smtClean="0"/>
-              <a:t>VM with persistent storage</a:t>
-            </a:r>
-            <a:endParaRPr lang="en-US" dirty="0"/>
-          </a:p>
-        </p:txBody>
-      </p:sp>
-      <p:sp>
-        <p:nvSpPr>
-          <p:cNvPr id="3" name="Content Placeholder 2"/>
-          <p:cNvSpPr>
-            <a:spLocks noGrp="1"/>
-          </p:cNvSpPr>
-          <p:nvPr>
-            <p:ph idx="1"/>
-          </p:nvPr>
-        </p:nvSpPr>
-        <p:spPr>
-          <a:xfrm>
-            <a:off x="519248" y="1447800"/>
-            <a:ext cx="11151916" cy="1864613"/>
-          </a:xfrm>
-        </p:spPr>
-        <p:txBody>
-          <a:bodyPr/>
-          <a:lstStyle/>
-          <a:p>
-            <a:r>
-              <a:rPr lang="en-US" dirty="0" smtClean="0"/>
-              <a:t>VMs have drives backed by Microsoft Azure storage</a:t>
-            </a:r>
-          </a:p>
-          <a:p>
-            <a:pPr lvl="1"/>
-            <a:r>
-              <a:rPr lang="en-US" dirty="0" smtClean="0"/>
-              <a:t>Mounted drives are triply replicated</a:t>
-            </a:r>
-          </a:p>
-          <a:p>
-            <a:pPr lvl="1"/>
-            <a:r>
-              <a:rPr lang="en-US" dirty="0" smtClean="0"/>
-              <a:t>If one goes bad, automatically </a:t>
-            </a:r>
-            <a:r>
-              <a:rPr lang="en-US" dirty="0" smtClean="0"/>
-              <a:t>uses replicas</a:t>
-            </a:r>
-            <a:endParaRPr lang="en-US" dirty="0" smtClean="0"/>
-          </a:p>
-          <a:p>
-            <a:pPr lvl="1"/>
-            <a:r>
-              <a:rPr lang="en-US" dirty="0" smtClean="0"/>
-              <a:t>VM never know an issue occurred</a:t>
-            </a:r>
-            <a:endParaRPr lang="en-US" dirty="0"/>
-          </a:p>
-        </p:txBody>
-      </p:sp>
-      <p:grpSp>
-        <p:nvGrpSpPr>
-          <p:cNvPr id="4" name="Group 3"/>
-          <p:cNvGrpSpPr/>
-          <p:nvPr/>
-        </p:nvGrpSpPr>
-        <p:grpSpPr>
-          <a:xfrm>
-            <a:off x="4717990" y="3783713"/>
-            <a:ext cx="6953174" cy="2755391"/>
-            <a:chOff x="1013667" y="2033253"/>
-            <a:chExt cx="10701555" cy="4285738"/>
-          </a:xfrm>
-        </p:grpSpPr>
-        <p:sp>
-          <p:nvSpPr>
-            <p:cNvPr id="5" name="Right Arrow 4"/>
-            <p:cNvSpPr/>
-            <p:nvPr/>
-          </p:nvSpPr>
-          <p:spPr bwMode="auto">
-            <a:xfrm>
-              <a:off x="3401038" y="2976311"/>
-              <a:ext cx="2325755" cy="882717"/>
-            </a:xfrm>
-            <a:prstGeom prst="rightArrow">
-              <a:avLst/>
-            </a:prstGeom>
-            <a:solidFill>
-              <a:srgbClr val="92D050">
-                <a:alpha val="50196"/>
-              </a:srgbClr>
-            </a:solidFill>
-            <a:ln>
-              <a:noFill/>
-              <a:headEnd type="none" w="med" len="med"/>
-              <a:tailEnd type="none" w="med" len="med"/>
-            </a:ln>
-            <a:effectLst/>
-          </p:spPr>
-          <p:style>
-            <a:lnRef idx="1">
-              <a:schemeClr val="accent2"/>
-            </a:lnRef>
-            <a:fillRef idx="3">
-              <a:schemeClr val="accent2"/>
-            </a:fillRef>
-            <a:effectRef idx="2">
-              <a:schemeClr val="accent2"/>
-            </a:effectRef>
-            <a:fontRef idx="minor">
-              <a:schemeClr val="lt1"/>
-            </a:fontRef>
-          </p:style>
-          <p:txBody>
-            <a:bodyPr vert="horz" wrap="square" lIns="91436" tIns="45718" rIns="91436" bIns="45718" numCol="1" rtlCol="0" anchor="ctr" anchorCtr="0" compatLnSpc="1">
-              <a:prstTxWarp prst="textNoShape">
-                <a:avLst/>
-              </a:prstTxWarp>
-            </a:bodyPr>
-            <a:lstStyle/>
-            <a:p>
-              <a:pPr algn="ctr" defTabSz="914099" fontAlgn="base">
-                <a:spcBef>
-                  <a:spcPct val="0"/>
-                </a:spcBef>
-                <a:spcAft>
-                  <a:spcPct val="0"/>
-                </a:spcAft>
-              </a:pPr>
-              <a:endParaRPr lang="en-US" sz="2200" dirty="0" smtClean="0">
-                <a:gradFill>
-                  <a:gsLst>
-                    <a:gs pos="0">
-                      <a:srgbClr val="FFFFFF"/>
-                    </a:gs>
-                    <a:gs pos="100000">
-                      <a:srgbClr val="FFFFFF"/>
-                    </a:gs>
-                  </a:gsLst>
-                  <a:lin ang="5400000" scaled="0"/>
-                </a:gradFill>
-              </a:endParaRPr>
-            </a:p>
-          </p:txBody>
-        </p:sp>
-        <p:grpSp>
-          <p:nvGrpSpPr>
-            <p:cNvPr id="6" name="Group 5"/>
-            <p:cNvGrpSpPr/>
-            <p:nvPr/>
-          </p:nvGrpSpPr>
-          <p:grpSpPr>
-            <a:xfrm>
-              <a:off x="1017087" y="2325159"/>
-              <a:ext cx="2556726" cy="2204072"/>
-              <a:chOff x="328301" y="3881331"/>
-              <a:chExt cx="722921" cy="623207"/>
-            </a:xfrm>
-          </p:grpSpPr>
-          <p:sp>
-            <p:nvSpPr>
-              <p:cNvPr id="53" name="Hexagon 52"/>
-              <p:cNvSpPr/>
-              <p:nvPr/>
-            </p:nvSpPr>
-            <p:spPr bwMode="auto">
-              <a:xfrm rot="19780699">
-                <a:off x="328301" y="3881331"/>
-                <a:ext cx="722921" cy="623207"/>
-              </a:xfrm>
-              <a:prstGeom prst="hexagon">
-                <a:avLst>
-                  <a:gd name="adj" fmla="val 28905"/>
-                  <a:gd name="vf" fmla="val 115470"/>
-                </a:avLst>
-              </a:prstGeom>
-              <a:solidFill>
-                <a:srgbClr val="00AEEF"/>
-              </a:solidFill>
-              <a:ln>
-                <a:noFill/>
-                <a:headEnd type="none" w="med" len="med"/>
-                <a:tailEnd type="none" w="med" len="med"/>
-              </a:ln>
-              <a:effectLst/>
-            </p:spPr>
-            <p:style>
-              <a:lnRef idx="1">
-                <a:schemeClr val="accent2"/>
-              </a:lnRef>
-              <a:fillRef idx="3">
-                <a:schemeClr val="accent2"/>
-              </a:fillRef>
-              <a:effectRef idx="2">
-                <a:schemeClr val="accent2"/>
-              </a:effectRef>
-              <a:fontRef idx="minor">
-                <a:schemeClr val="lt1"/>
-              </a:fontRef>
-            </p:style>
-            <p:txBody>
-              <a:bodyPr vert="horz" wrap="square" lIns="91436" tIns="45718" rIns="91436" bIns="45718" numCol="1" rtlCol="0" anchor="ctr" anchorCtr="0" compatLnSpc="1">
-                <a:prstTxWarp prst="textNoShape">
-                  <a:avLst/>
-                </a:prstTxWarp>
-              </a:bodyPr>
-              <a:lstStyle/>
-              <a:p>
-                <a:pPr algn="ctr" defTabSz="914099" fontAlgn="base">
-                  <a:spcBef>
-                    <a:spcPct val="0"/>
-                  </a:spcBef>
-                  <a:spcAft>
-                    <a:spcPct val="0"/>
-                  </a:spcAft>
-                </a:pPr>
-                <a:endParaRPr lang="en-US" sz="2200" dirty="0" smtClean="0">
-                  <a:gradFill>
-                    <a:gsLst>
-                      <a:gs pos="0">
-                        <a:srgbClr val="FFFFFF"/>
-                      </a:gs>
-                      <a:gs pos="100000">
-                        <a:srgbClr val="FFFFFF"/>
-                      </a:gs>
-                    </a:gsLst>
-                    <a:lin ang="5400000" scaled="0"/>
-                  </a:gradFill>
-                </a:endParaRPr>
-              </a:p>
-            </p:txBody>
-          </p:sp>
-          <p:pic>
-            <p:nvPicPr>
-              <p:cNvPr id="54" name="Picture 53"/>
-              <p:cNvPicPr>
-                <a:picLocks noChangeAspect="1"/>
-              </p:cNvPicPr>
-              <p:nvPr/>
-            </p:nvPicPr>
-            <p:blipFill>
-              <a:blip r:embed="rId2" cstate="print">
-                <a:extLst>
-                  <a:ext uri="{28A0092B-C50C-407E-A947-70E740481C1C}">
-                    <a14:useLocalDpi xmlns:a14="http://schemas.microsoft.com/office/drawing/2010/main" val="0"/>
-                  </a:ext>
-                </a:extLst>
-              </a:blip>
-              <a:stretch>
-                <a:fillRect/>
-              </a:stretch>
-            </p:blipFill>
-            <p:spPr>
-              <a:xfrm>
-                <a:off x="532298" y="4066827"/>
-                <a:ext cx="314925" cy="284870"/>
-              </a:xfrm>
-              <a:prstGeom prst="rect">
-                <a:avLst/>
-              </a:prstGeom>
-            </p:spPr>
-          </p:pic>
-        </p:grpSp>
-        <p:grpSp>
-          <p:nvGrpSpPr>
-            <p:cNvPr id="7" name="Group 6"/>
-            <p:cNvGrpSpPr/>
-            <p:nvPr/>
-          </p:nvGrpSpPr>
-          <p:grpSpPr>
-            <a:xfrm>
-              <a:off x="1013667" y="2325159"/>
-              <a:ext cx="2556726" cy="2204072"/>
-              <a:chOff x="328301" y="3881331"/>
-              <a:chExt cx="722921" cy="623207"/>
-            </a:xfrm>
-          </p:grpSpPr>
-          <p:sp>
-            <p:nvSpPr>
-              <p:cNvPr id="51" name="Hexagon 50"/>
-              <p:cNvSpPr/>
-              <p:nvPr/>
-            </p:nvSpPr>
-            <p:spPr bwMode="auto">
-              <a:xfrm rot="19780699">
-                <a:off x="328301" y="3881331"/>
-                <a:ext cx="722921" cy="623207"/>
-              </a:xfrm>
-              <a:prstGeom prst="hexagon">
-                <a:avLst>
-                  <a:gd name="adj" fmla="val 28905"/>
-                  <a:gd name="vf" fmla="val 115470"/>
-                </a:avLst>
-              </a:prstGeom>
-              <a:solidFill>
-                <a:srgbClr val="92D050"/>
-              </a:solidFill>
-              <a:ln>
-                <a:noFill/>
-                <a:headEnd type="none" w="med" len="med"/>
-                <a:tailEnd type="none" w="med" len="med"/>
-              </a:ln>
-              <a:effectLst/>
-            </p:spPr>
-            <p:style>
-              <a:lnRef idx="1">
-                <a:schemeClr val="accent2"/>
-              </a:lnRef>
-              <a:fillRef idx="3">
-                <a:schemeClr val="accent2"/>
-              </a:fillRef>
-              <a:effectRef idx="2">
-                <a:schemeClr val="accent2"/>
-              </a:effectRef>
-              <a:fontRef idx="minor">
-                <a:schemeClr val="lt1"/>
-              </a:fontRef>
-            </p:style>
-            <p:txBody>
-              <a:bodyPr vert="horz" wrap="square" lIns="91436" tIns="45718" rIns="91436" bIns="45718" numCol="1" rtlCol="0" anchor="ctr" anchorCtr="0" compatLnSpc="1">
-                <a:prstTxWarp prst="textNoShape">
-                  <a:avLst/>
-                </a:prstTxWarp>
-              </a:bodyPr>
-              <a:lstStyle/>
-              <a:p>
-                <a:pPr algn="ctr" defTabSz="914099" fontAlgn="base">
-                  <a:spcBef>
-                    <a:spcPct val="0"/>
-                  </a:spcBef>
-                  <a:spcAft>
-                    <a:spcPct val="0"/>
-                  </a:spcAft>
-                </a:pPr>
-                <a:endParaRPr lang="en-US" sz="2200" dirty="0" smtClean="0">
-                  <a:gradFill>
-                    <a:gsLst>
-                      <a:gs pos="0">
-                        <a:srgbClr val="FFFFFF"/>
-                      </a:gs>
-                      <a:gs pos="100000">
-                        <a:srgbClr val="FFFFFF"/>
-                      </a:gs>
-                    </a:gsLst>
-                    <a:lin ang="5400000" scaled="0"/>
-                  </a:gradFill>
-                </a:endParaRPr>
-              </a:p>
-            </p:txBody>
-          </p:sp>
-          <p:pic>
-            <p:nvPicPr>
-              <p:cNvPr id="52" name="Picture 51"/>
-              <p:cNvPicPr>
-                <a:picLocks noChangeAspect="1"/>
-              </p:cNvPicPr>
-              <p:nvPr/>
-            </p:nvPicPr>
-            <p:blipFill>
-              <a:blip r:embed="rId3" cstate="print">
-                <a:extLst>
-                  <a:ext uri="{28A0092B-C50C-407E-A947-70E740481C1C}">
-                    <a14:useLocalDpi xmlns:a14="http://schemas.microsoft.com/office/drawing/2010/main" val="0"/>
-                  </a:ext>
-                </a:extLst>
-              </a:blip>
-              <a:stretch>
-                <a:fillRect/>
-              </a:stretch>
-            </p:blipFill>
-            <p:spPr>
-              <a:xfrm>
-                <a:off x="532298" y="4066827"/>
-                <a:ext cx="314925" cy="284870"/>
-              </a:xfrm>
-              <a:prstGeom prst="rect">
-                <a:avLst/>
-              </a:prstGeom>
-            </p:spPr>
-          </p:pic>
-        </p:grpSp>
-        <p:sp>
-          <p:nvSpPr>
-            <p:cNvPr id="8" name="Rounded Rectangle 7"/>
-            <p:cNvSpPr/>
-            <p:nvPr/>
-          </p:nvSpPr>
-          <p:spPr bwMode="auto">
-            <a:xfrm>
-              <a:off x="6046002" y="2033253"/>
-              <a:ext cx="5669220" cy="3380071"/>
-            </a:xfrm>
-            <a:prstGeom prst="roundRect">
-              <a:avLst>
-                <a:gd name="adj" fmla="val 3964"/>
-              </a:avLst>
-            </a:prstGeom>
-            <a:solidFill>
-              <a:srgbClr val="A6A6A6"/>
-            </a:solidFill>
-            <a:ln>
-              <a:solidFill>
-                <a:srgbClr val="A6A6A6"/>
-              </a:solidFill>
-              <a:headEnd type="none" w="med" len="med"/>
-              <a:tailEnd type="none" w="med" len="med"/>
-            </a:ln>
-            <a:effectLst/>
-          </p:spPr>
-          <p:style>
-            <a:lnRef idx="1">
-              <a:schemeClr val="accent2"/>
-            </a:lnRef>
-            <a:fillRef idx="3">
-              <a:schemeClr val="accent2"/>
-            </a:fillRef>
-            <a:effectRef idx="2">
-              <a:schemeClr val="accent2"/>
-            </a:effectRef>
-            <a:fontRef idx="minor">
-              <a:schemeClr val="lt1"/>
-            </a:fontRef>
-          </p:style>
-          <p:txBody>
-            <a:bodyPr vert="horz" wrap="square" lIns="91436" tIns="45718" rIns="91436" bIns="45718" numCol="1" rtlCol="0" anchor="ctr" anchorCtr="0" compatLnSpc="1">
-              <a:prstTxWarp prst="textNoShape">
-                <a:avLst/>
-              </a:prstTxWarp>
-            </a:bodyPr>
-            <a:lstStyle/>
-            <a:p>
-              <a:pPr algn="ctr" defTabSz="914099" fontAlgn="base">
-                <a:spcBef>
-                  <a:spcPct val="0"/>
-                </a:spcBef>
-                <a:spcAft>
-                  <a:spcPct val="0"/>
-                </a:spcAft>
-              </a:pPr>
-              <a:endParaRPr lang="en-US" dirty="0">
-                <a:solidFill>
-                  <a:srgbClr val="FFFFFF"/>
-                </a:solidFill>
-              </a:endParaRPr>
-            </a:p>
-          </p:txBody>
-        </p:sp>
-        <p:grpSp>
-          <p:nvGrpSpPr>
-            <p:cNvPr id="9" name="Group 8"/>
-            <p:cNvGrpSpPr/>
-            <p:nvPr/>
-          </p:nvGrpSpPr>
-          <p:grpSpPr>
-            <a:xfrm>
-              <a:off x="6257557" y="2252065"/>
-              <a:ext cx="1671976" cy="2950074"/>
-              <a:chOff x="3857138" y="-151910"/>
-              <a:chExt cx="1671976" cy="2950074"/>
-            </a:xfrm>
-          </p:grpSpPr>
-          <p:pic>
-            <p:nvPicPr>
-              <p:cNvPr id="48" name="Picture 47"/>
-              <p:cNvPicPr>
-                <a:picLocks noChangeAspect="1"/>
-              </p:cNvPicPr>
-              <p:nvPr/>
-            </p:nvPicPr>
-            <p:blipFill rotWithShape="1">
-              <a:blip r:embed="rId4" cstate="print">
-                <a:extLst>
-                  <a:ext uri="{28A0092B-C50C-407E-A947-70E740481C1C}">
-                    <a14:useLocalDpi xmlns:a14="http://schemas.microsoft.com/office/drawing/2010/main" val="0"/>
-                  </a:ext>
-                </a:extLst>
-              </a:blip>
-              <a:srcRect/>
-              <a:stretch/>
-            </p:blipFill>
-            <p:spPr>
-              <a:xfrm>
-                <a:off x="3857140" y="-151910"/>
-                <a:ext cx="1671974" cy="303820"/>
-              </a:xfrm>
-              <a:prstGeom prst="rect">
-                <a:avLst/>
-              </a:prstGeom>
-            </p:spPr>
-          </p:pic>
-          <p:sp>
-            <p:nvSpPr>
-              <p:cNvPr id="49" name="Rectangle 48"/>
-              <p:cNvSpPr/>
-              <p:nvPr/>
-            </p:nvSpPr>
-            <p:spPr bwMode="auto">
-              <a:xfrm>
-                <a:off x="3857138" y="151910"/>
-                <a:ext cx="1671975" cy="2541479"/>
-              </a:xfrm>
-              <a:prstGeom prst="rect">
-                <a:avLst/>
-              </a:prstGeom>
-              <a:gradFill>
-                <a:gsLst>
-                  <a:gs pos="0">
-                    <a:schemeClr val="bg2">
-                      <a:lumMod val="16000"/>
-                    </a:schemeClr>
-                  </a:gs>
-                  <a:gs pos="100000">
-                    <a:schemeClr val="bg2">
-                      <a:lumMod val="19000"/>
-                    </a:schemeClr>
-                  </a:gs>
-                  <a:gs pos="86000">
-                    <a:srgbClr val="434343"/>
-                  </a:gs>
-                  <a:gs pos="18000">
-                    <a:schemeClr val="bg2">
-                      <a:lumMod val="27000"/>
-                    </a:schemeClr>
-                  </a:gs>
-                </a:gsLst>
-                <a:lin ang="5400000" scaled="0"/>
-              </a:gradFill>
-              <a:ln>
-                <a:noFill/>
-                <a:headEnd type="none" w="med" len="med"/>
-                <a:tailEnd type="none" w="med" len="med"/>
-              </a:ln>
-              <a:effectLst/>
-            </p:spPr>
-            <p:style>
-              <a:lnRef idx="1">
-                <a:schemeClr val="accent2"/>
-              </a:lnRef>
-              <a:fillRef idx="3">
-                <a:schemeClr val="accent2"/>
-              </a:fillRef>
-              <a:effectRef idx="2">
-                <a:schemeClr val="accent2"/>
-              </a:effectRef>
-              <a:fontRef idx="minor">
-                <a:schemeClr val="lt1"/>
-              </a:fontRef>
-            </p:style>
-            <p:txBody>
-              <a:bodyPr vert="horz" wrap="square" lIns="91436" tIns="45718" rIns="91436" bIns="45718" numCol="1" rtlCol="0" anchor="ctr" anchorCtr="0" compatLnSpc="1">
-                <a:prstTxWarp prst="textNoShape">
-                  <a:avLst/>
-                </a:prstTxWarp>
-              </a:bodyPr>
-              <a:lstStyle/>
-              <a:p>
-                <a:pPr algn="ctr" defTabSz="914099" fontAlgn="base">
-                  <a:spcBef>
-                    <a:spcPct val="0"/>
-                  </a:spcBef>
-                  <a:spcAft>
-                    <a:spcPct val="0"/>
-                  </a:spcAft>
-                </a:pPr>
-                <a:endParaRPr lang="en-US" sz="2200" dirty="0" smtClean="0">
-                  <a:gradFill>
-                    <a:gsLst>
-                      <a:gs pos="0">
-                        <a:srgbClr val="FFFFFF"/>
-                      </a:gs>
-                      <a:gs pos="100000">
-                        <a:srgbClr val="FFFFFF"/>
-                      </a:gs>
-                    </a:gsLst>
-                    <a:lin ang="5400000" scaled="0"/>
-                  </a:gradFill>
-                </a:endParaRPr>
-              </a:p>
-            </p:txBody>
-          </p:sp>
-          <p:pic>
-            <p:nvPicPr>
-              <p:cNvPr id="50" name="Picture 49"/>
-              <p:cNvPicPr>
-                <a:picLocks noChangeAspect="1"/>
-              </p:cNvPicPr>
-              <p:nvPr/>
-            </p:nvPicPr>
-            <p:blipFill rotWithShape="1">
-              <a:blip r:embed="rId5" cstate="print">
-                <a:extLst>
-                  <a:ext uri="{28A0092B-C50C-407E-A947-70E740481C1C}">
-                    <a14:useLocalDpi xmlns:a14="http://schemas.microsoft.com/office/drawing/2010/main" val="0"/>
-                  </a:ext>
-                </a:extLst>
-              </a:blip>
-              <a:srcRect/>
-              <a:stretch/>
-            </p:blipFill>
-            <p:spPr>
-              <a:xfrm>
-                <a:off x="3857140" y="2691324"/>
-                <a:ext cx="1671974" cy="106840"/>
-              </a:xfrm>
-              <a:prstGeom prst="rect">
-                <a:avLst/>
-              </a:prstGeom>
-            </p:spPr>
-          </p:pic>
-        </p:grpSp>
-        <p:grpSp>
-          <p:nvGrpSpPr>
-            <p:cNvPr id="10" name="Group 9"/>
-            <p:cNvGrpSpPr/>
-            <p:nvPr/>
-          </p:nvGrpSpPr>
-          <p:grpSpPr>
-            <a:xfrm>
-              <a:off x="8045922" y="2252065"/>
-              <a:ext cx="1671976" cy="2950074"/>
-              <a:chOff x="3857138" y="-151910"/>
-              <a:chExt cx="1671976" cy="2950074"/>
-            </a:xfrm>
-          </p:grpSpPr>
-          <p:pic>
-            <p:nvPicPr>
-              <p:cNvPr id="45" name="Picture 44"/>
-              <p:cNvPicPr>
-                <a:picLocks noChangeAspect="1"/>
-              </p:cNvPicPr>
-              <p:nvPr/>
-            </p:nvPicPr>
-            <p:blipFill rotWithShape="1">
-              <a:blip r:embed="rId4" cstate="print">
-                <a:extLst>
-                  <a:ext uri="{28A0092B-C50C-407E-A947-70E740481C1C}">
-                    <a14:useLocalDpi xmlns:a14="http://schemas.microsoft.com/office/drawing/2010/main" val="0"/>
-                  </a:ext>
-                </a:extLst>
-              </a:blip>
-              <a:srcRect/>
-              <a:stretch/>
-            </p:blipFill>
-            <p:spPr>
-              <a:xfrm>
-                <a:off x="3857140" y="-151910"/>
-                <a:ext cx="1671974" cy="303820"/>
-              </a:xfrm>
-              <a:prstGeom prst="rect">
-                <a:avLst/>
-              </a:prstGeom>
-            </p:spPr>
-          </p:pic>
-          <p:sp>
-            <p:nvSpPr>
-              <p:cNvPr id="46" name="Rectangle 45"/>
-              <p:cNvSpPr/>
-              <p:nvPr/>
-            </p:nvSpPr>
-            <p:spPr bwMode="auto">
-              <a:xfrm>
-                <a:off x="3857138" y="151910"/>
-                <a:ext cx="1671975" cy="2541479"/>
-              </a:xfrm>
-              <a:prstGeom prst="rect">
-                <a:avLst/>
-              </a:prstGeom>
-              <a:gradFill>
-                <a:gsLst>
-                  <a:gs pos="0">
-                    <a:schemeClr val="bg2">
-                      <a:lumMod val="16000"/>
-                    </a:schemeClr>
-                  </a:gs>
-                  <a:gs pos="100000">
-                    <a:schemeClr val="bg2">
-                      <a:lumMod val="19000"/>
-                    </a:schemeClr>
-                  </a:gs>
-                  <a:gs pos="86000">
-                    <a:srgbClr val="434343"/>
-                  </a:gs>
-                  <a:gs pos="18000">
-                    <a:schemeClr val="bg2">
-                      <a:lumMod val="27000"/>
-                    </a:schemeClr>
-                  </a:gs>
-                </a:gsLst>
-                <a:lin ang="5400000" scaled="0"/>
-              </a:gradFill>
-              <a:ln>
-                <a:noFill/>
-                <a:headEnd type="none" w="med" len="med"/>
-                <a:tailEnd type="none" w="med" len="med"/>
-              </a:ln>
-              <a:effectLst/>
-            </p:spPr>
-            <p:style>
-              <a:lnRef idx="1">
-                <a:schemeClr val="accent2"/>
-              </a:lnRef>
-              <a:fillRef idx="3">
-                <a:schemeClr val="accent2"/>
-              </a:fillRef>
-              <a:effectRef idx="2">
-                <a:schemeClr val="accent2"/>
-              </a:effectRef>
-              <a:fontRef idx="minor">
-                <a:schemeClr val="lt1"/>
-              </a:fontRef>
-            </p:style>
-            <p:txBody>
-              <a:bodyPr vert="horz" wrap="square" lIns="91436" tIns="45718" rIns="91436" bIns="45718" numCol="1" rtlCol="0" anchor="ctr" anchorCtr="0" compatLnSpc="1">
-                <a:prstTxWarp prst="textNoShape">
-                  <a:avLst/>
-                </a:prstTxWarp>
-              </a:bodyPr>
-              <a:lstStyle/>
-              <a:p>
-                <a:pPr algn="ctr" defTabSz="914099" fontAlgn="base">
-                  <a:spcBef>
-                    <a:spcPct val="0"/>
-                  </a:spcBef>
-                  <a:spcAft>
-                    <a:spcPct val="0"/>
-                  </a:spcAft>
-                </a:pPr>
-                <a:endParaRPr lang="en-US" sz="2200" dirty="0" smtClean="0">
-                  <a:gradFill>
-                    <a:gsLst>
-                      <a:gs pos="0">
-                        <a:srgbClr val="FFFFFF"/>
-                      </a:gs>
-                      <a:gs pos="100000">
-                        <a:srgbClr val="FFFFFF"/>
-                      </a:gs>
-                    </a:gsLst>
-                    <a:lin ang="5400000" scaled="0"/>
-                  </a:gradFill>
-                </a:endParaRPr>
-              </a:p>
-            </p:txBody>
-          </p:sp>
-          <p:pic>
-            <p:nvPicPr>
-              <p:cNvPr id="47" name="Picture 46"/>
-              <p:cNvPicPr>
-                <a:picLocks noChangeAspect="1"/>
-              </p:cNvPicPr>
-              <p:nvPr/>
-            </p:nvPicPr>
-            <p:blipFill rotWithShape="1">
-              <a:blip r:embed="rId5" cstate="print">
-                <a:extLst>
-                  <a:ext uri="{28A0092B-C50C-407E-A947-70E740481C1C}">
-                    <a14:useLocalDpi xmlns:a14="http://schemas.microsoft.com/office/drawing/2010/main" val="0"/>
-                  </a:ext>
-                </a:extLst>
-              </a:blip>
-              <a:srcRect/>
-              <a:stretch/>
-            </p:blipFill>
-            <p:spPr>
-              <a:xfrm>
-                <a:off x="3857140" y="2691324"/>
-                <a:ext cx="1671974" cy="106840"/>
-              </a:xfrm>
-              <a:prstGeom prst="rect">
-                <a:avLst/>
-              </a:prstGeom>
-            </p:spPr>
-          </p:pic>
-        </p:grpSp>
-        <p:grpSp>
-          <p:nvGrpSpPr>
-            <p:cNvPr id="11" name="Group 10"/>
-            <p:cNvGrpSpPr/>
-            <p:nvPr/>
-          </p:nvGrpSpPr>
-          <p:grpSpPr>
-            <a:xfrm>
-              <a:off x="9834150" y="2252065"/>
-              <a:ext cx="1671976" cy="2950074"/>
-              <a:chOff x="3857138" y="-151910"/>
-              <a:chExt cx="1671976" cy="2950074"/>
-            </a:xfrm>
-          </p:grpSpPr>
-          <p:pic>
-            <p:nvPicPr>
-              <p:cNvPr id="42" name="Picture 41"/>
-              <p:cNvPicPr>
-                <a:picLocks noChangeAspect="1"/>
-              </p:cNvPicPr>
-              <p:nvPr/>
-            </p:nvPicPr>
-            <p:blipFill rotWithShape="1">
-              <a:blip r:embed="rId4" cstate="print">
-                <a:extLst>
-                  <a:ext uri="{28A0092B-C50C-407E-A947-70E740481C1C}">
-                    <a14:useLocalDpi xmlns:a14="http://schemas.microsoft.com/office/drawing/2010/main" val="0"/>
-                  </a:ext>
-                </a:extLst>
-              </a:blip>
-              <a:srcRect/>
-              <a:stretch/>
-            </p:blipFill>
-            <p:spPr>
-              <a:xfrm>
-                <a:off x="3857140" y="-151910"/>
-                <a:ext cx="1671974" cy="303820"/>
-              </a:xfrm>
-              <a:prstGeom prst="rect">
-                <a:avLst/>
-              </a:prstGeom>
-            </p:spPr>
-          </p:pic>
-          <p:sp>
-            <p:nvSpPr>
-              <p:cNvPr id="43" name="Rectangle 42"/>
-              <p:cNvSpPr/>
-              <p:nvPr/>
-            </p:nvSpPr>
-            <p:spPr bwMode="auto">
-              <a:xfrm>
-                <a:off x="3857138" y="151910"/>
-                <a:ext cx="1671975" cy="2541479"/>
-              </a:xfrm>
-              <a:prstGeom prst="rect">
-                <a:avLst/>
-              </a:prstGeom>
-              <a:gradFill>
-                <a:gsLst>
-                  <a:gs pos="0">
-                    <a:schemeClr val="bg2">
-                      <a:lumMod val="16000"/>
-                    </a:schemeClr>
-                  </a:gs>
-                  <a:gs pos="100000">
-                    <a:schemeClr val="bg2">
-                      <a:lumMod val="19000"/>
-                    </a:schemeClr>
-                  </a:gs>
-                  <a:gs pos="86000">
-                    <a:srgbClr val="434343"/>
-                  </a:gs>
-                  <a:gs pos="18000">
-                    <a:schemeClr val="bg2">
-                      <a:lumMod val="27000"/>
-                    </a:schemeClr>
-                  </a:gs>
-                </a:gsLst>
-                <a:lin ang="5400000" scaled="0"/>
-              </a:gradFill>
-              <a:ln>
-                <a:noFill/>
-                <a:headEnd type="none" w="med" len="med"/>
-                <a:tailEnd type="none" w="med" len="med"/>
-              </a:ln>
-              <a:effectLst/>
-            </p:spPr>
-            <p:style>
-              <a:lnRef idx="1">
-                <a:schemeClr val="accent2"/>
-              </a:lnRef>
-              <a:fillRef idx="3">
-                <a:schemeClr val="accent2"/>
-              </a:fillRef>
-              <a:effectRef idx="2">
-                <a:schemeClr val="accent2"/>
-              </a:effectRef>
-              <a:fontRef idx="minor">
-                <a:schemeClr val="lt1"/>
-              </a:fontRef>
-            </p:style>
-            <p:txBody>
-              <a:bodyPr vert="horz" wrap="square" lIns="91436" tIns="45718" rIns="91436" bIns="45718" numCol="1" rtlCol="0" anchor="ctr" anchorCtr="0" compatLnSpc="1">
-                <a:prstTxWarp prst="textNoShape">
-                  <a:avLst/>
-                </a:prstTxWarp>
-              </a:bodyPr>
-              <a:lstStyle/>
-              <a:p>
-                <a:pPr algn="ctr" defTabSz="914099" fontAlgn="base">
-                  <a:spcBef>
-                    <a:spcPct val="0"/>
-                  </a:spcBef>
-                  <a:spcAft>
-                    <a:spcPct val="0"/>
-                  </a:spcAft>
-                </a:pPr>
-                <a:endParaRPr lang="en-US" sz="2200" dirty="0" smtClean="0">
-                  <a:gradFill>
-                    <a:gsLst>
-                      <a:gs pos="0">
-                        <a:srgbClr val="FFFFFF"/>
-                      </a:gs>
-                      <a:gs pos="100000">
-                        <a:srgbClr val="FFFFFF"/>
-                      </a:gs>
-                    </a:gsLst>
-                    <a:lin ang="5400000" scaled="0"/>
-                  </a:gradFill>
-                </a:endParaRPr>
-              </a:p>
-            </p:txBody>
-          </p:sp>
-          <p:pic>
-            <p:nvPicPr>
-              <p:cNvPr id="44" name="Picture 43"/>
-              <p:cNvPicPr>
-                <a:picLocks noChangeAspect="1"/>
-              </p:cNvPicPr>
-              <p:nvPr/>
-            </p:nvPicPr>
-            <p:blipFill rotWithShape="1">
-              <a:blip r:embed="rId5" cstate="print">
-                <a:extLst>
-                  <a:ext uri="{28A0092B-C50C-407E-A947-70E740481C1C}">
-                    <a14:useLocalDpi xmlns:a14="http://schemas.microsoft.com/office/drawing/2010/main" val="0"/>
-                  </a:ext>
-                </a:extLst>
-              </a:blip>
-              <a:srcRect/>
-              <a:stretch/>
-            </p:blipFill>
-            <p:spPr>
-              <a:xfrm>
-                <a:off x="3857140" y="2691324"/>
-                <a:ext cx="1671974" cy="106840"/>
-              </a:xfrm>
-              <a:prstGeom prst="rect">
-                <a:avLst/>
-              </a:prstGeom>
-            </p:spPr>
-          </p:pic>
-        </p:grpSp>
-        <p:sp>
-          <p:nvSpPr>
-            <p:cNvPr id="12" name="Rounded Rectangle 11"/>
-            <p:cNvSpPr/>
-            <p:nvPr/>
-          </p:nvSpPr>
-          <p:spPr bwMode="auto">
-            <a:xfrm>
-              <a:off x="8959674" y="3607404"/>
-              <a:ext cx="614370" cy="752080"/>
-            </a:xfrm>
-            <a:prstGeom prst="roundRect">
-              <a:avLst>
-                <a:gd name="adj" fmla="val 8915"/>
-              </a:avLst>
-            </a:prstGeom>
-            <a:solidFill>
-              <a:srgbClr val="92D050"/>
-            </a:solidFill>
-            <a:ln>
-              <a:noFill/>
-              <a:headEnd type="none" w="med" len="med"/>
-              <a:tailEnd type="none" w="med" len="med"/>
-            </a:ln>
-            <a:effectLst/>
-          </p:spPr>
-          <p:style>
-            <a:lnRef idx="1">
-              <a:schemeClr val="accent2"/>
-            </a:lnRef>
-            <a:fillRef idx="3">
-              <a:schemeClr val="accent2"/>
-            </a:fillRef>
-            <a:effectRef idx="2">
-              <a:schemeClr val="accent2"/>
-            </a:effectRef>
-            <a:fontRef idx="minor">
-              <a:schemeClr val="lt1"/>
-            </a:fontRef>
-          </p:style>
-          <p:txBody>
-            <a:bodyPr vert="horz" wrap="square" lIns="91436" tIns="45718" rIns="91436" bIns="45718" numCol="1" rtlCol="0" anchor="ctr" anchorCtr="0" compatLnSpc="1">
-              <a:prstTxWarp prst="textNoShape">
-                <a:avLst/>
-              </a:prstTxWarp>
-            </a:bodyPr>
-            <a:lstStyle/>
-            <a:p>
-              <a:pPr algn="ctr" defTabSz="914099" fontAlgn="base">
-                <a:spcBef>
-                  <a:spcPct val="0"/>
-                </a:spcBef>
-                <a:spcAft>
-                  <a:spcPct val="0"/>
-                </a:spcAft>
-              </a:pPr>
-              <a:endParaRPr lang="en-US" sz="2200" dirty="0" smtClean="0">
-                <a:gradFill>
-                  <a:gsLst>
-                    <a:gs pos="0">
-                      <a:srgbClr val="FFFFFF"/>
-                    </a:gs>
-                    <a:gs pos="100000">
-                      <a:srgbClr val="FFFFFF"/>
-                    </a:gs>
-                  </a:gsLst>
-                  <a:lin ang="5400000" scaled="0"/>
-                </a:gradFill>
-              </a:endParaRPr>
-            </a:p>
-          </p:txBody>
-        </p:sp>
-        <p:sp>
-          <p:nvSpPr>
-            <p:cNvPr id="13" name="Rounded Rectangle 12"/>
-            <p:cNvSpPr/>
-            <p:nvPr/>
-          </p:nvSpPr>
-          <p:spPr bwMode="auto">
-            <a:xfrm>
-              <a:off x="8159515" y="3602456"/>
-              <a:ext cx="614370" cy="752080"/>
-            </a:xfrm>
-            <a:prstGeom prst="roundRect">
-              <a:avLst>
-                <a:gd name="adj" fmla="val 8915"/>
-              </a:avLst>
-            </a:prstGeom>
-            <a:solidFill>
-              <a:srgbClr val="92D050"/>
-            </a:solidFill>
-            <a:ln>
-              <a:noFill/>
-              <a:headEnd type="none" w="med" len="med"/>
-              <a:tailEnd type="none" w="med" len="med"/>
-            </a:ln>
-            <a:effectLst/>
-          </p:spPr>
-          <p:style>
-            <a:lnRef idx="1">
-              <a:schemeClr val="accent2"/>
-            </a:lnRef>
-            <a:fillRef idx="3">
-              <a:schemeClr val="accent2"/>
-            </a:fillRef>
-            <a:effectRef idx="2">
-              <a:schemeClr val="accent2"/>
-            </a:effectRef>
-            <a:fontRef idx="minor">
-              <a:schemeClr val="lt1"/>
-            </a:fontRef>
-          </p:style>
-          <p:txBody>
-            <a:bodyPr vert="horz" wrap="square" lIns="91436" tIns="45718" rIns="91436" bIns="45718" numCol="1" rtlCol="0" anchor="ctr" anchorCtr="0" compatLnSpc="1">
-              <a:prstTxWarp prst="textNoShape">
-                <a:avLst/>
-              </a:prstTxWarp>
-            </a:bodyPr>
-            <a:lstStyle/>
-            <a:p>
-              <a:pPr algn="ctr" defTabSz="914099" fontAlgn="base">
-                <a:spcBef>
-                  <a:spcPct val="0"/>
-                </a:spcBef>
-                <a:spcAft>
-                  <a:spcPct val="0"/>
-                </a:spcAft>
-              </a:pPr>
-              <a:endParaRPr lang="en-US" sz="2200" dirty="0" smtClean="0">
-                <a:gradFill>
-                  <a:gsLst>
-                    <a:gs pos="0">
-                      <a:srgbClr val="FFFFFF"/>
-                    </a:gs>
-                    <a:gs pos="100000">
-                      <a:srgbClr val="FFFFFF"/>
-                    </a:gs>
-                  </a:gsLst>
-                  <a:lin ang="5400000" scaled="0"/>
-                </a:gradFill>
-              </a:endParaRPr>
-            </a:p>
-          </p:txBody>
-        </p:sp>
-        <p:sp>
-          <p:nvSpPr>
-            <p:cNvPr id="14" name="Rounded Rectangle 13"/>
-            <p:cNvSpPr/>
-            <p:nvPr/>
-          </p:nvSpPr>
-          <p:spPr bwMode="auto">
-            <a:xfrm>
-              <a:off x="10742612" y="2731008"/>
-              <a:ext cx="614370" cy="752080"/>
-            </a:xfrm>
-            <a:prstGeom prst="roundRect">
-              <a:avLst>
-                <a:gd name="adj" fmla="val 8915"/>
-              </a:avLst>
-            </a:prstGeom>
-            <a:solidFill>
-              <a:srgbClr val="92D050"/>
-            </a:solidFill>
-            <a:ln>
-              <a:noFill/>
-              <a:headEnd type="none" w="med" len="med"/>
-              <a:tailEnd type="none" w="med" len="med"/>
-            </a:ln>
-            <a:effectLst/>
-          </p:spPr>
-          <p:style>
-            <a:lnRef idx="1">
-              <a:schemeClr val="accent2"/>
-            </a:lnRef>
-            <a:fillRef idx="3">
-              <a:schemeClr val="accent2"/>
-            </a:fillRef>
-            <a:effectRef idx="2">
-              <a:schemeClr val="accent2"/>
-            </a:effectRef>
-            <a:fontRef idx="minor">
-              <a:schemeClr val="lt1"/>
-            </a:fontRef>
-          </p:style>
-          <p:txBody>
-            <a:bodyPr vert="horz" wrap="square" lIns="91436" tIns="45718" rIns="91436" bIns="45718" numCol="1" rtlCol="0" anchor="ctr" anchorCtr="0" compatLnSpc="1">
-              <a:prstTxWarp prst="textNoShape">
-                <a:avLst/>
-              </a:prstTxWarp>
-            </a:bodyPr>
-            <a:lstStyle/>
-            <a:p>
-              <a:pPr algn="ctr" defTabSz="914099" fontAlgn="base">
-                <a:spcBef>
-                  <a:spcPct val="0"/>
-                </a:spcBef>
-                <a:spcAft>
-                  <a:spcPct val="0"/>
-                </a:spcAft>
-              </a:pPr>
-              <a:endParaRPr lang="en-US" sz="2200" dirty="0" smtClean="0">
-                <a:gradFill>
-                  <a:gsLst>
-                    <a:gs pos="0">
-                      <a:srgbClr val="FFFFFF"/>
-                    </a:gs>
-                    <a:gs pos="100000">
-                      <a:srgbClr val="FFFFFF"/>
-                    </a:gs>
-                  </a:gsLst>
-                  <a:lin ang="5400000" scaled="0"/>
-                </a:gradFill>
-              </a:endParaRPr>
-            </a:p>
-          </p:txBody>
-        </p:sp>
-        <p:grpSp>
-          <p:nvGrpSpPr>
-            <p:cNvPr id="15" name="Group 14"/>
-            <p:cNvGrpSpPr/>
-            <p:nvPr/>
-          </p:nvGrpSpPr>
-          <p:grpSpPr>
-            <a:xfrm>
-              <a:off x="8159515" y="2709450"/>
-              <a:ext cx="1427560" cy="2385378"/>
-              <a:chOff x="6371150" y="2709450"/>
-              <a:chExt cx="1427560" cy="2385378"/>
-            </a:xfrm>
-          </p:grpSpPr>
-          <p:pic>
-            <p:nvPicPr>
-              <p:cNvPr id="36" name="Picture 35"/>
-              <p:cNvPicPr>
-                <a:picLocks noChangeAspect="1"/>
-              </p:cNvPicPr>
-              <p:nvPr/>
-            </p:nvPicPr>
-            <p:blipFill>
-              <a:blip r:embed="rId6" cstate="print">
-                <a:extLst>
-                  <a:ext uri="{28A0092B-C50C-407E-A947-70E740481C1C}">
-                    <a14:useLocalDpi xmlns:a14="http://schemas.microsoft.com/office/drawing/2010/main" val="0"/>
-                  </a:ext>
-                </a:extLst>
-              </a:blip>
-              <a:stretch>
-                <a:fillRect/>
-              </a:stretch>
-            </p:blipFill>
-            <p:spPr>
-              <a:xfrm>
-                <a:off x="7161956" y="2709450"/>
-                <a:ext cx="636754" cy="790047"/>
-              </a:xfrm>
-              <a:prstGeom prst="rect">
-                <a:avLst/>
-              </a:prstGeom>
-            </p:spPr>
-          </p:pic>
-          <p:pic>
-            <p:nvPicPr>
-              <p:cNvPr id="37" name="Picture 36"/>
-              <p:cNvPicPr>
-                <a:picLocks noChangeAspect="1"/>
-              </p:cNvPicPr>
-              <p:nvPr/>
-            </p:nvPicPr>
-            <p:blipFill>
-              <a:blip r:embed="rId6" cstate="print">
-                <a:extLst>
-                  <a:ext uri="{28A0092B-C50C-407E-A947-70E740481C1C}">
-                    <a14:useLocalDpi xmlns:a14="http://schemas.microsoft.com/office/drawing/2010/main" val="0"/>
-                  </a:ext>
-                </a:extLst>
-              </a:blip>
-              <a:stretch>
-                <a:fillRect/>
-              </a:stretch>
-            </p:blipFill>
-            <p:spPr>
-              <a:xfrm>
-                <a:off x="6371150" y="3582559"/>
-                <a:ext cx="636754" cy="790047"/>
-              </a:xfrm>
-              <a:prstGeom prst="rect">
-                <a:avLst/>
-              </a:prstGeom>
-            </p:spPr>
-          </p:pic>
-          <p:pic>
-            <p:nvPicPr>
-              <p:cNvPr id="38" name="Picture 37"/>
-              <p:cNvPicPr>
-                <a:picLocks noChangeAspect="1"/>
-              </p:cNvPicPr>
-              <p:nvPr/>
-            </p:nvPicPr>
-            <p:blipFill>
-              <a:blip r:embed="rId6" cstate="print">
-                <a:extLst>
-                  <a:ext uri="{28A0092B-C50C-407E-A947-70E740481C1C}">
-                    <a14:useLocalDpi xmlns:a14="http://schemas.microsoft.com/office/drawing/2010/main" val="0"/>
-                  </a:ext>
-                </a:extLst>
-              </a:blip>
-              <a:stretch>
-                <a:fillRect/>
-              </a:stretch>
-            </p:blipFill>
-            <p:spPr>
-              <a:xfrm>
-                <a:off x="7161956" y="3582559"/>
-                <a:ext cx="636754" cy="790047"/>
-              </a:xfrm>
-              <a:prstGeom prst="rect">
-                <a:avLst/>
-              </a:prstGeom>
-            </p:spPr>
-          </p:pic>
-          <p:pic>
-            <p:nvPicPr>
-              <p:cNvPr id="39" name="Picture 38"/>
-              <p:cNvPicPr>
-                <a:picLocks noChangeAspect="1"/>
-              </p:cNvPicPr>
-              <p:nvPr/>
-            </p:nvPicPr>
-            <p:blipFill rotWithShape="1">
-              <a:blip r:embed="rId7" cstate="print">
-                <a:extLst>
-                  <a:ext uri="{28A0092B-C50C-407E-A947-70E740481C1C}">
-                    <a14:useLocalDpi xmlns:a14="http://schemas.microsoft.com/office/drawing/2010/main" val="0"/>
-                  </a:ext>
-                </a:extLst>
-              </a:blip>
-              <a:srcRect/>
-              <a:stretch/>
-            </p:blipFill>
-            <p:spPr>
-              <a:xfrm>
-                <a:off x="6371150" y="4461376"/>
-                <a:ext cx="636754" cy="633452"/>
-              </a:xfrm>
-              <a:prstGeom prst="rect">
-                <a:avLst/>
-              </a:prstGeom>
-            </p:spPr>
-          </p:pic>
-          <p:pic>
-            <p:nvPicPr>
-              <p:cNvPr id="40" name="Picture 39"/>
-              <p:cNvPicPr>
-                <a:picLocks noChangeAspect="1"/>
-              </p:cNvPicPr>
-              <p:nvPr/>
-            </p:nvPicPr>
-            <p:blipFill rotWithShape="1">
-              <a:blip r:embed="rId7" cstate="print">
-                <a:extLst>
-                  <a:ext uri="{28A0092B-C50C-407E-A947-70E740481C1C}">
-                    <a14:useLocalDpi xmlns:a14="http://schemas.microsoft.com/office/drawing/2010/main" val="0"/>
-                  </a:ext>
-                </a:extLst>
-              </a:blip>
-              <a:srcRect/>
-              <a:stretch/>
-            </p:blipFill>
-            <p:spPr>
-              <a:xfrm>
-                <a:off x="7161956" y="4461376"/>
-                <a:ext cx="636754" cy="633452"/>
-              </a:xfrm>
-              <a:prstGeom prst="rect">
-                <a:avLst/>
-              </a:prstGeom>
-            </p:spPr>
-          </p:pic>
-          <p:pic>
-            <p:nvPicPr>
-              <p:cNvPr id="41" name="Picture 40"/>
-              <p:cNvPicPr>
-                <a:picLocks noChangeAspect="1"/>
-              </p:cNvPicPr>
-              <p:nvPr/>
-            </p:nvPicPr>
-            <p:blipFill>
-              <a:blip r:embed="rId6" cstate="print">
-                <a:extLst>
-                  <a:ext uri="{28A0092B-C50C-407E-A947-70E740481C1C}">
-                    <a14:useLocalDpi xmlns:a14="http://schemas.microsoft.com/office/drawing/2010/main" val="0"/>
-                  </a:ext>
-                </a:extLst>
-              </a:blip>
-              <a:stretch>
-                <a:fillRect/>
-              </a:stretch>
-            </p:blipFill>
-            <p:spPr>
-              <a:xfrm>
-                <a:off x="6371150" y="2709450"/>
-                <a:ext cx="636754" cy="790047"/>
-              </a:xfrm>
-              <a:prstGeom prst="rect">
-                <a:avLst/>
-              </a:prstGeom>
-            </p:spPr>
-          </p:pic>
-        </p:grpSp>
-        <p:grpSp>
-          <p:nvGrpSpPr>
-            <p:cNvPr id="16" name="Group 15"/>
-            <p:cNvGrpSpPr/>
-            <p:nvPr/>
-          </p:nvGrpSpPr>
-          <p:grpSpPr>
-            <a:xfrm>
-              <a:off x="9947743" y="2709450"/>
-              <a:ext cx="1427560" cy="2385378"/>
-              <a:chOff x="6371150" y="2709450"/>
-              <a:chExt cx="1427560" cy="2385378"/>
-            </a:xfrm>
-          </p:grpSpPr>
-          <p:pic>
-            <p:nvPicPr>
-              <p:cNvPr id="30" name="Picture 29"/>
-              <p:cNvPicPr>
-                <a:picLocks noChangeAspect="1"/>
-              </p:cNvPicPr>
-              <p:nvPr/>
-            </p:nvPicPr>
-            <p:blipFill>
-              <a:blip r:embed="rId6" cstate="print">
-                <a:extLst>
-                  <a:ext uri="{28A0092B-C50C-407E-A947-70E740481C1C}">
-                    <a14:useLocalDpi xmlns:a14="http://schemas.microsoft.com/office/drawing/2010/main" val="0"/>
-                  </a:ext>
-                </a:extLst>
-              </a:blip>
-              <a:stretch>
-                <a:fillRect/>
-              </a:stretch>
-            </p:blipFill>
-            <p:spPr>
-              <a:xfrm>
-                <a:off x="7161956" y="2709450"/>
-                <a:ext cx="636754" cy="790047"/>
-              </a:xfrm>
-              <a:prstGeom prst="rect">
-                <a:avLst/>
-              </a:prstGeom>
-            </p:spPr>
-          </p:pic>
-          <p:pic>
-            <p:nvPicPr>
-              <p:cNvPr id="31" name="Picture 30"/>
-              <p:cNvPicPr>
-                <a:picLocks noChangeAspect="1"/>
-              </p:cNvPicPr>
-              <p:nvPr/>
-            </p:nvPicPr>
-            <p:blipFill>
-              <a:blip r:embed="rId6" cstate="print">
-                <a:extLst>
-                  <a:ext uri="{28A0092B-C50C-407E-A947-70E740481C1C}">
-                    <a14:useLocalDpi xmlns:a14="http://schemas.microsoft.com/office/drawing/2010/main" val="0"/>
-                  </a:ext>
-                </a:extLst>
-              </a:blip>
-              <a:stretch>
-                <a:fillRect/>
-              </a:stretch>
-            </p:blipFill>
-            <p:spPr>
-              <a:xfrm>
-                <a:off x="6371150" y="3582559"/>
-                <a:ext cx="636754" cy="790047"/>
-              </a:xfrm>
-              <a:prstGeom prst="rect">
-                <a:avLst/>
-              </a:prstGeom>
-            </p:spPr>
-          </p:pic>
-          <p:pic>
-            <p:nvPicPr>
-              <p:cNvPr id="32" name="Picture 31"/>
-              <p:cNvPicPr>
-                <a:picLocks noChangeAspect="1"/>
-              </p:cNvPicPr>
-              <p:nvPr/>
-            </p:nvPicPr>
-            <p:blipFill>
-              <a:blip r:embed="rId6" cstate="print">
-                <a:extLst>
-                  <a:ext uri="{28A0092B-C50C-407E-A947-70E740481C1C}">
-                    <a14:useLocalDpi xmlns:a14="http://schemas.microsoft.com/office/drawing/2010/main" val="0"/>
-                  </a:ext>
-                </a:extLst>
-              </a:blip>
-              <a:stretch>
-                <a:fillRect/>
-              </a:stretch>
-            </p:blipFill>
-            <p:spPr>
-              <a:xfrm>
-                <a:off x="7161956" y="3582559"/>
-                <a:ext cx="636754" cy="790047"/>
-              </a:xfrm>
-              <a:prstGeom prst="rect">
-                <a:avLst/>
-              </a:prstGeom>
-            </p:spPr>
-          </p:pic>
-          <p:pic>
-            <p:nvPicPr>
-              <p:cNvPr id="33" name="Picture 32"/>
-              <p:cNvPicPr>
-                <a:picLocks noChangeAspect="1"/>
-              </p:cNvPicPr>
-              <p:nvPr/>
-            </p:nvPicPr>
-            <p:blipFill rotWithShape="1">
-              <a:blip r:embed="rId7" cstate="print">
-                <a:extLst>
-                  <a:ext uri="{28A0092B-C50C-407E-A947-70E740481C1C}">
-                    <a14:useLocalDpi xmlns:a14="http://schemas.microsoft.com/office/drawing/2010/main" val="0"/>
-                  </a:ext>
-                </a:extLst>
-              </a:blip>
-              <a:srcRect/>
-              <a:stretch/>
-            </p:blipFill>
-            <p:spPr>
-              <a:xfrm>
-                <a:off x="6371150" y="4461376"/>
-                <a:ext cx="636754" cy="633452"/>
-              </a:xfrm>
-              <a:prstGeom prst="rect">
-                <a:avLst/>
-              </a:prstGeom>
-            </p:spPr>
-          </p:pic>
-          <p:pic>
-            <p:nvPicPr>
-              <p:cNvPr id="34" name="Picture 33"/>
-              <p:cNvPicPr>
-                <a:picLocks noChangeAspect="1"/>
-              </p:cNvPicPr>
-              <p:nvPr/>
-            </p:nvPicPr>
-            <p:blipFill rotWithShape="1">
-              <a:blip r:embed="rId7" cstate="print">
-                <a:extLst>
-                  <a:ext uri="{28A0092B-C50C-407E-A947-70E740481C1C}">
-                    <a14:useLocalDpi xmlns:a14="http://schemas.microsoft.com/office/drawing/2010/main" val="0"/>
-                  </a:ext>
-                </a:extLst>
-              </a:blip>
-              <a:srcRect/>
-              <a:stretch/>
-            </p:blipFill>
-            <p:spPr>
-              <a:xfrm>
-                <a:off x="7161956" y="4461376"/>
-                <a:ext cx="636754" cy="633452"/>
-              </a:xfrm>
-              <a:prstGeom prst="rect">
-                <a:avLst/>
-              </a:prstGeom>
-            </p:spPr>
-          </p:pic>
-          <p:pic>
-            <p:nvPicPr>
-              <p:cNvPr id="35" name="Picture 34"/>
-              <p:cNvPicPr>
-                <a:picLocks noChangeAspect="1"/>
-              </p:cNvPicPr>
-              <p:nvPr/>
-            </p:nvPicPr>
-            <p:blipFill>
-              <a:blip r:embed="rId6" cstate="print">
-                <a:extLst>
-                  <a:ext uri="{28A0092B-C50C-407E-A947-70E740481C1C}">
-                    <a14:useLocalDpi xmlns:a14="http://schemas.microsoft.com/office/drawing/2010/main" val="0"/>
-                  </a:ext>
-                </a:extLst>
-              </a:blip>
-              <a:stretch>
-                <a:fillRect/>
-              </a:stretch>
-            </p:blipFill>
-            <p:spPr>
-              <a:xfrm>
-                <a:off x="6371150" y="2709450"/>
-                <a:ext cx="636754" cy="790047"/>
-              </a:xfrm>
-              <a:prstGeom prst="rect">
-                <a:avLst/>
-              </a:prstGeom>
-            </p:spPr>
-          </p:pic>
-        </p:grpSp>
-        <p:grpSp>
-          <p:nvGrpSpPr>
-            <p:cNvPr id="17" name="Group 16"/>
-            <p:cNvGrpSpPr/>
-            <p:nvPr/>
-          </p:nvGrpSpPr>
-          <p:grpSpPr>
-            <a:xfrm>
-              <a:off x="8173259" y="3602456"/>
-              <a:ext cx="600626" cy="752080"/>
-              <a:chOff x="8173259" y="3602456"/>
-              <a:chExt cx="600626" cy="752080"/>
-            </a:xfrm>
-          </p:grpSpPr>
-          <p:sp>
-            <p:nvSpPr>
-              <p:cNvPr id="28" name="Rounded Rectangle 27"/>
-              <p:cNvSpPr/>
-              <p:nvPr/>
-            </p:nvSpPr>
-            <p:spPr bwMode="auto">
-              <a:xfrm>
-                <a:off x="8173259" y="3602456"/>
-                <a:ext cx="600626" cy="752080"/>
-              </a:xfrm>
-              <a:prstGeom prst="roundRect">
-                <a:avLst>
-                  <a:gd name="adj" fmla="val 10276"/>
-                </a:avLst>
-              </a:prstGeom>
-              <a:solidFill>
-                <a:srgbClr val="ED1E79"/>
-              </a:solidFill>
-              <a:ln w="28575">
-                <a:solidFill>
-                  <a:schemeClr val="bg1"/>
-                </a:solidFill>
-                <a:headEnd type="none" w="med" len="med"/>
-                <a:tailEnd type="none" w="med" len="med"/>
-              </a:ln>
-              <a:effectLst/>
-            </p:spPr>
-            <p:style>
-              <a:lnRef idx="1">
-                <a:schemeClr val="accent2"/>
-              </a:lnRef>
-              <a:fillRef idx="3">
-                <a:schemeClr val="accent2"/>
-              </a:fillRef>
-              <a:effectRef idx="2">
-                <a:schemeClr val="accent2"/>
-              </a:effectRef>
-              <a:fontRef idx="minor">
-                <a:schemeClr val="lt1"/>
-              </a:fontRef>
-            </p:style>
-            <p:txBody>
-              <a:bodyPr vert="horz" wrap="square" lIns="91436" tIns="45718" rIns="91436" bIns="45718" numCol="1" rtlCol="0" anchor="ctr" anchorCtr="0" compatLnSpc="1">
-                <a:prstTxWarp prst="textNoShape">
-                  <a:avLst/>
-                </a:prstTxWarp>
-              </a:bodyPr>
-              <a:lstStyle/>
-              <a:p>
-                <a:pPr algn="ctr" defTabSz="914099" fontAlgn="base">
-                  <a:spcBef>
-                    <a:spcPct val="0"/>
-                  </a:spcBef>
-                  <a:spcAft>
-                    <a:spcPct val="0"/>
-                  </a:spcAft>
-                </a:pPr>
-                <a:endParaRPr lang="en-US" sz="2200" dirty="0" smtClean="0">
-                  <a:gradFill>
-                    <a:gsLst>
-                      <a:gs pos="0">
-                        <a:srgbClr val="FFFFFF"/>
-                      </a:gs>
-                      <a:gs pos="100000">
-                        <a:srgbClr val="FFFFFF"/>
-                      </a:gs>
-                    </a:gsLst>
-                    <a:lin ang="5400000" scaled="0"/>
-                  </a:gradFill>
-                </a:endParaRPr>
-              </a:p>
-            </p:txBody>
-          </p:sp>
-          <p:pic>
-            <p:nvPicPr>
-              <p:cNvPr id="29" name="Picture 28"/>
-              <p:cNvPicPr>
-                <a:picLocks noChangeAspect="1"/>
-              </p:cNvPicPr>
-              <p:nvPr/>
-            </p:nvPicPr>
-            <p:blipFill>
-              <a:blip r:embed="rId8" cstate="print">
-                <a:extLst>
-                  <a:ext uri="{BEBA8EAE-BF5A-486C-A8C5-ECC9F3942E4B}">
-                    <a14:imgProps xmlns:a14="http://schemas.microsoft.com/office/drawing/2010/main">
-                      <a14:imgLayer r:embed="rId9">
-                        <a14:imgEffect>
-                          <a14:brightnessContrast bright="100000"/>
-                        </a14:imgEffect>
-                      </a14:imgLayer>
-                    </a14:imgProps>
-                  </a:ext>
-                  <a:ext uri="{28A0092B-C50C-407E-A947-70E740481C1C}">
-                    <a14:useLocalDpi xmlns:a14="http://schemas.microsoft.com/office/drawing/2010/main" val="0"/>
-                  </a:ext>
-                </a:extLst>
-              </a:blip>
-              <a:stretch>
-                <a:fillRect/>
-              </a:stretch>
-            </p:blipFill>
-            <p:spPr>
-              <a:xfrm>
-                <a:off x="8262809" y="3757835"/>
-                <a:ext cx="434829" cy="434829"/>
-              </a:xfrm>
-              <a:prstGeom prst="rect">
-                <a:avLst/>
-              </a:prstGeom>
-            </p:spPr>
-          </p:pic>
-        </p:grpSp>
-        <p:sp>
-          <p:nvSpPr>
-            <p:cNvPr id="18" name="Rounded Rectangle 17"/>
-            <p:cNvSpPr/>
-            <p:nvPr/>
-          </p:nvSpPr>
-          <p:spPr bwMode="auto">
-            <a:xfrm>
-              <a:off x="8159515" y="3582559"/>
-              <a:ext cx="636754" cy="790047"/>
-            </a:xfrm>
-            <a:prstGeom prst="roundRect">
-              <a:avLst>
-                <a:gd name="adj" fmla="val 8320"/>
-              </a:avLst>
-            </a:prstGeom>
-            <a:solidFill>
-              <a:srgbClr val="595959"/>
-            </a:solidFill>
-            <a:ln>
-              <a:noFill/>
-              <a:headEnd type="none" w="med" len="med"/>
-              <a:tailEnd type="none" w="med" len="med"/>
-            </a:ln>
-            <a:effectLst/>
-          </p:spPr>
-          <p:style>
-            <a:lnRef idx="1">
-              <a:schemeClr val="accent2"/>
-            </a:lnRef>
-            <a:fillRef idx="3">
-              <a:schemeClr val="accent2"/>
-            </a:fillRef>
-            <a:effectRef idx="2">
-              <a:schemeClr val="accent2"/>
-            </a:effectRef>
-            <a:fontRef idx="minor">
-              <a:schemeClr val="lt1"/>
-            </a:fontRef>
-          </p:style>
-          <p:txBody>
-            <a:bodyPr vert="horz" wrap="square" lIns="91436" tIns="45718" rIns="91436" bIns="45718" numCol="1" rtlCol="0" anchor="ctr" anchorCtr="0" compatLnSpc="1">
-              <a:prstTxWarp prst="textNoShape">
-                <a:avLst/>
-              </a:prstTxWarp>
-            </a:bodyPr>
-            <a:lstStyle/>
-            <a:p>
-              <a:pPr algn="ctr" defTabSz="914099" fontAlgn="base">
-                <a:spcBef>
-                  <a:spcPct val="0"/>
-                </a:spcBef>
-                <a:spcAft>
-                  <a:spcPct val="0"/>
-                </a:spcAft>
-              </a:pPr>
-              <a:endParaRPr lang="en-US" sz="2200" dirty="0" smtClean="0">
-                <a:gradFill>
-                  <a:gsLst>
-                    <a:gs pos="0">
-                      <a:srgbClr val="FFFFFF"/>
-                    </a:gs>
-                    <a:gs pos="100000">
-                      <a:srgbClr val="FFFFFF"/>
-                    </a:gs>
-                  </a:gsLst>
-                  <a:lin ang="5400000" scaled="0"/>
-                </a:gradFill>
-              </a:endParaRPr>
-            </a:p>
-          </p:txBody>
-        </p:sp>
-        <p:sp>
-          <p:nvSpPr>
-            <p:cNvPr id="19" name="Rounded Rectangle 18"/>
-            <p:cNvSpPr/>
-            <p:nvPr/>
-          </p:nvSpPr>
-          <p:spPr bwMode="auto">
-            <a:xfrm>
-              <a:off x="6393534" y="2727717"/>
-              <a:ext cx="614370" cy="752080"/>
-            </a:xfrm>
-            <a:prstGeom prst="roundRect">
-              <a:avLst>
-                <a:gd name="adj" fmla="val 8915"/>
-              </a:avLst>
-            </a:prstGeom>
-            <a:solidFill>
-              <a:srgbClr val="92D050"/>
-            </a:solidFill>
-            <a:ln>
-              <a:noFill/>
-              <a:headEnd type="none" w="med" len="med"/>
-              <a:tailEnd type="none" w="med" len="med"/>
-            </a:ln>
-            <a:effectLst/>
-          </p:spPr>
-          <p:style>
-            <a:lnRef idx="1">
-              <a:schemeClr val="accent2"/>
-            </a:lnRef>
-            <a:fillRef idx="3">
-              <a:schemeClr val="accent2"/>
-            </a:fillRef>
-            <a:effectRef idx="2">
-              <a:schemeClr val="accent2"/>
-            </a:effectRef>
-            <a:fontRef idx="minor">
-              <a:schemeClr val="lt1"/>
-            </a:fontRef>
-          </p:style>
-          <p:txBody>
-            <a:bodyPr vert="horz" wrap="square" lIns="91436" tIns="45718" rIns="91436" bIns="45718" numCol="1" rtlCol="0" anchor="ctr" anchorCtr="0" compatLnSpc="1">
-              <a:prstTxWarp prst="textNoShape">
-                <a:avLst/>
-              </a:prstTxWarp>
-            </a:bodyPr>
-            <a:lstStyle/>
-            <a:p>
-              <a:pPr algn="ctr" defTabSz="914099" fontAlgn="base">
-                <a:spcBef>
-                  <a:spcPct val="0"/>
-                </a:spcBef>
-                <a:spcAft>
-                  <a:spcPct val="0"/>
-                </a:spcAft>
-              </a:pPr>
-              <a:endParaRPr lang="en-US" sz="2200" dirty="0" smtClean="0">
-                <a:gradFill>
-                  <a:gsLst>
-                    <a:gs pos="0">
-                      <a:srgbClr val="FFFFFF"/>
-                    </a:gs>
-                    <a:gs pos="100000">
-                      <a:srgbClr val="FFFFFF"/>
-                    </a:gs>
-                  </a:gsLst>
-                  <a:lin ang="5400000" scaled="0"/>
-                </a:gradFill>
-              </a:endParaRPr>
-            </a:p>
-          </p:txBody>
-        </p:sp>
-        <p:grpSp>
-          <p:nvGrpSpPr>
-            <p:cNvPr id="20" name="Group 19"/>
-            <p:cNvGrpSpPr/>
-            <p:nvPr/>
-          </p:nvGrpSpPr>
-          <p:grpSpPr>
-            <a:xfrm>
-              <a:off x="6371150" y="2709450"/>
-              <a:ext cx="1427560" cy="2385378"/>
-              <a:chOff x="6371150" y="2709450"/>
-              <a:chExt cx="1427560" cy="2385378"/>
-            </a:xfrm>
-          </p:grpSpPr>
-          <p:pic>
-            <p:nvPicPr>
-              <p:cNvPr id="22" name="Picture 21"/>
-              <p:cNvPicPr>
-                <a:picLocks noChangeAspect="1"/>
-              </p:cNvPicPr>
-              <p:nvPr/>
-            </p:nvPicPr>
-            <p:blipFill>
-              <a:blip r:embed="rId6" cstate="print">
-                <a:extLst>
-                  <a:ext uri="{28A0092B-C50C-407E-A947-70E740481C1C}">
-                    <a14:useLocalDpi xmlns:a14="http://schemas.microsoft.com/office/drawing/2010/main" val="0"/>
-                  </a:ext>
-                </a:extLst>
-              </a:blip>
-              <a:stretch>
-                <a:fillRect/>
-              </a:stretch>
-            </p:blipFill>
-            <p:spPr>
-              <a:xfrm>
-                <a:off x="7161956" y="2709450"/>
-                <a:ext cx="636754" cy="790047"/>
-              </a:xfrm>
-              <a:prstGeom prst="rect">
-                <a:avLst/>
-              </a:prstGeom>
-            </p:spPr>
-          </p:pic>
-          <p:pic>
-            <p:nvPicPr>
-              <p:cNvPr id="23" name="Picture 22"/>
-              <p:cNvPicPr>
-                <a:picLocks noChangeAspect="1"/>
-              </p:cNvPicPr>
-              <p:nvPr/>
-            </p:nvPicPr>
-            <p:blipFill>
-              <a:blip r:embed="rId6" cstate="print">
-                <a:extLst>
-                  <a:ext uri="{28A0092B-C50C-407E-A947-70E740481C1C}">
-                    <a14:useLocalDpi xmlns:a14="http://schemas.microsoft.com/office/drawing/2010/main" val="0"/>
-                  </a:ext>
-                </a:extLst>
-              </a:blip>
-              <a:stretch>
-                <a:fillRect/>
-              </a:stretch>
-            </p:blipFill>
-            <p:spPr>
-              <a:xfrm>
-                <a:off x="6371150" y="3582559"/>
-                <a:ext cx="636754" cy="790047"/>
-              </a:xfrm>
-              <a:prstGeom prst="rect">
-                <a:avLst/>
-              </a:prstGeom>
-            </p:spPr>
-          </p:pic>
-          <p:pic>
-            <p:nvPicPr>
-              <p:cNvPr id="24" name="Picture 23"/>
-              <p:cNvPicPr>
-                <a:picLocks noChangeAspect="1"/>
-              </p:cNvPicPr>
-              <p:nvPr/>
-            </p:nvPicPr>
-            <p:blipFill>
-              <a:blip r:embed="rId6" cstate="print">
-                <a:extLst>
-                  <a:ext uri="{28A0092B-C50C-407E-A947-70E740481C1C}">
-                    <a14:useLocalDpi xmlns:a14="http://schemas.microsoft.com/office/drawing/2010/main" val="0"/>
-                  </a:ext>
-                </a:extLst>
-              </a:blip>
-              <a:stretch>
-                <a:fillRect/>
-              </a:stretch>
-            </p:blipFill>
-            <p:spPr>
-              <a:xfrm>
-                <a:off x="7161956" y="3582559"/>
-                <a:ext cx="636754" cy="790047"/>
-              </a:xfrm>
-              <a:prstGeom prst="rect">
-                <a:avLst/>
-              </a:prstGeom>
-            </p:spPr>
-          </p:pic>
-          <p:pic>
-            <p:nvPicPr>
-              <p:cNvPr id="25" name="Picture 24"/>
-              <p:cNvPicPr>
-                <a:picLocks noChangeAspect="1"/>
-              </p:cNvPicPr>
-              <p:nvPr/>
-            </p:nvPicPr>
-            <p:blipFill rotWithShape="1">
-              <a:blip r:embed="rId7" cstate="print">
-                <a:extLst>
-                  <a:ext uri="{28A0092B-C50C-407E-A947-70E740481C1C}">
-                    <a14:useLocalDpi xmlns:a14="http://schemas.microsoft.com/office/drawing/2010/main" val="0"/>
-                  </a:ext>
-                </a:extLst>
-              </a:blip>
-              <a:srcRect/>
-              <a:stretch/>
-            </p:blipFill>
-            <p:spPr>
-              <a:xfrm>
-                <a:off x="6371150" y="4461376"/>
-                <a:ext cx="636754" cy="633452"/>
-              </a:xfrm>
-              <a:prstGeom prst="rect">
-                <a:avLst/>
-              </a:prstGeom>
-            </p:spPr>
-          </p:pic>
-          <p:pic>
-            <p:nvPicPr>
-              <p:cNvPr id="26" name="Picture 25"/>
-              <p:cNvPicPr>
-                <a:picLocks noChangeAspect="1"/>
-              </p:cNvPicPr>
-              <p:nvPr/>
-            </p:nvPicPr>
-            <p:blipFill rotWithShape="1">
-              <a:blip r:embed="rId7" cstate="print">
-                <a:extLst>
-                  <a:ext uri="{28A0092B-C50C-407E-A947-70E740481C1C}">
-                    <a14:useLocalDpi xmlns:a14="http://schemas.microsoft.com/office/drawing/2010/main" val="0"/>
-                  </a:ext>
-                </a:extLst>
-              </a:blip>
-              <a:srcRect/>
-              <a:stretch/>
-            </p:blipFill>
-            <p:spPr>
-              <a:xfrm>
-                <a:off x="7161956" y="4461376"/>
-                <a:ext cx="636754" cy="633452"/>
-              </a:xfrm>
-              <a:prstGeom prst="rect">
-                <a:avLst/>
-              </a:prstGeom>
-            </p:spPr>
-          </p:pic>
-          <p:pic>
-            <p:nvPicPr>
-              <p:cNvPr id="27" name="Picture 26"/>
-              <p:cNvPicPr>
-                <a:picLocks noChangeAspect="1"/>
-              </p:cNvPicPr>
-              <p:nvPr/>
-            </p:nvPicPr>
-            <p:blipFill>
-              <a:blip r:embed="rId6" cstate="print">
-                <a:extLst>
-                  <a:ext uri="{28A0092B-C50C-407E-A947-70E740481C1C}">
-                    <a14:useLocalDpi xmlns:a14="http://schemas.microsoft.com/office/drawing/2010/main" val="0"/>
-                  </a:ext>
-                </a:extLst>
-              </a:blip>
-              <a:stretch>
-                <a:fillRect/>
-              </a:stretch>
-            </p:blipFill>
-            <p:spPr>
-              <a:xfrm>
-                <a:off x="6371150" y="2709450"/>
-                <a:ext cx="636754" cy="790047"/>
-              </a:xfrm>
-              <a:prstGeom prst="rect">
-                <a:avLst/>
-              </a:prstGeom>
-            </p:spPr>
-          </p:pic>
-        </p:grpSp>
-        <p:sp>
-          <p:nvSpPr>
-            <p:cNvPr id="21" name="TextBox 20"/>
-            <p:cNvSpPr txBox="1"/>
-            <p:nvPr/>
-          </p:nvSpPr>
-          <p:spPr>
-            <a:xfrm>
-              <a:off x="7320525" y="5629640"/>
-              <a:ext cx="3120174" cy="689351"/>
-            </a:xfrm>
-            <a:prstGeom prst="rect">
-              <a:avLst/>
-            </a:prstGeom>
-            <a:noFill/>
-          </p:spPr>
-          <p:txBody>
-            <a:bodyPr wrap="square" lIns="0" tIns="0" rIns="0" bIns="0" rtlCol="0">
-              <a:spAutoFit/>
-            </a:bodyPr>
-            <a:lstStyle/>
-            <a:p>
-              <a:pPr algn="ctr">
-                <a:lnSpc>
-                  <a:spcPct val="80000"/>
-                </a:lnSpc>
-                <a:spcBef>
-                  <a:spcPct val="20000"/>
-                </a:spcBef>
-                <a:buSzPct val="80000"/>
-              </a:pPr>
-              <a:r>
-                <a:rPr lang="en-US" sz="1800" dirty="0" smtClean="0">
-                  <a:solidFill>
-                    <a:srgbClr val="5F5F5F">
-                      <a:alpha val="99000"/>
-                    </a:srgbClr>
-                  </a:solidFill>
-                </a:rPr>
-                <a:t>Microsoft Azure </a:t>
-              </a:r>
-              <a:r>
-                <a:rPr lang="en-US" sz="1800" dirty="0">
-                  <a:solidFill>
-                    <a:srgbClr val="5F5F5F">
-                      <a:alpha val="99000"/>
-                    </a:srgbClr>
-                  </a:solidFill>
-                </a:rPr>
-                <a:t>Storage</a:t>
-              </a:r>
-            </a:p>
-          </p:txBody>
-        </p:sp>
-      </p:grpSp>
-    </p:spTree>
-    <p:extLst>
-      <p:ext uri="{BB962C8B-B14F-4D97-AF65-F5344CB8AC3E}">
-        <p14:creationId xmlns:p14="http://schemas.microsoft.com/office/powerpoint/2010/main" val="1986856352"/>
-      </p:ext>
-    </p:extLst>
-  </p:cSld>
-  <p:clrMapOvr>
-    <a:masterClrMapping/>
-  </p:clrMapOvr>
-  <p:transition>
-    <p:fade/>
-  </p:transition>
-  <p:timing>
-    <p:tnLst>
-      <p:par>
-        <p:cTn id="1" dur="indefinite" restart="never" nodeType="tmRoot"/>
-      </p:par>
-    </p:tnLst>
-  </p:timing>
-</p:sld>
-</file>
-
 <file path=ppt/slides/slide17.xml><?xml version="1.0" encoding="utf-8"?>
 <p:sld xmlns:a="http://schemas.openxmlformats.org/drawingml/2006/main" xmlns:r="http://schemas.openxmlformats.org/officeDocument/2006/relationships" xmlns:p="http://schemas.openxmlformats.org/presentationml/2006/main">
   <p:cSld>
@@ -22449,7 +20100,7 @@
           <a:p>
             <a:r>
               <a:rPr lang="en-US" dirty="0" smtClean="0"/>
-              <a:t>Continuous storage geo-replication</a:t>
+              <a:t>Microsoft Azure Services</a:t>
             </a:r>
             <a:endParaRPr lang="en-US" dirty="0"/>
           </a:p>
@@ -22468,7 +20119,7 @@
         <p:spPr>
           <a:xfrm>
             <a:off x="519248" y="1447800"/>
-            <a:ext cx="11151916" cy="1390765"/>
+            <a:ext cx="11151916" cy="4301562"/>
           </a:xfrm>
         </p:spPr>
         <p:txBody>
@@ -22477,3801 +20128,69 @@
           <a:p>
             <a:r>
               <a:rPr lang="en-US" dirty="0" smtClean="0"/>
-              <a:t>You save something in the storage system</a:t>
-            </a:r>
+              <a:t>The parts of Azure you care about as </a:t>
+            </a:r>
+            <a:r>
+              <a:rPr lang="en-US" smtClean="0"/>
+              <a:t>a researcher!</a:t>
+            </a:r>
+            <a:endParaRPr lang="en-US" dirty="0" smtClean="0"/>
           </a:p>
           <a:p>
             <a:pPr lvl="1"/>
             <a:r>
               <a:rPr lang="en-US" dirty="0" smtClean="0"/>
-              <a:t>In background automatically replicated to another datacenter</a:t>
+              <a:t>Storage</a:t>
             </a:r>
           </a:p>
           <a:p>
             <a:pPr lvl="1"/>
             <a:r>
               <a:rPr lang="en-US" dirty="0" smtClean="0"/>
-              <a:t>Can turn this off if you want</a:t>
-            </a:r>
+              <a:t>Machine Learning</a:t>
+            </a:r>
+          </a:p>
+          <a:p>
+            <a:pPr lvl="1"/>
+            <a:r>
+              <a:rPr lang="en-US" dirty="0" smtClean="0"/>
+              <a:t>Stream Analytics</a:t>
+            </a:r>
+          </a:p>
+          <a:p>
+            <a:pPr lvl="1"/>
+            <a:r>
+              <a:rPr lang="en-US" dirty="0" smtClean="0"/>
+              <a:t>HDInsight (Hadoop, Spark)</a:t>
+            </a:r>
+          </a:p>
+          <a:p>
+            <a:pPr lvl="1"/>
+            <a:r>
+              <a:rPr lang="en-US" dirty="0" smtClean="0"/>
+              <a:t>High Performance Computing</a:t>
+            </a:r>
+          </a:p>
+          <a:p>
+            <a:pPr lvl="1"/>
+            <a:endParaRPr lang="en-US" dirty="0"/>
+          </a:p>
+          <a:p>
+            <a:r>
+              <a:rPr lang="en-US" dirty="0" smtClean="0"/>
+              <a:t>Each of these have upcoming hands-on labs</a:t>
+            </a:r>
+          </a:p>
+          <a:p>
+            <a:pPr lvl="1"/>
             <a:endParaRPr lang="en-US" dirty="0"/>
           </a:p>
         </p:txBody>
       </p:sp>
-      <p:grpSp>
-        <p:nvGrpSpPr>
-          <p:cNvPr id="169" name="Group 168"/>
-          <p:cNvGrpSpPr/>
-          <p:nvPr/>
-        </p:nvGrpSpPr>
-        <p:grpSpPr>
-          <a:xfrm>
-            <a:off x="700393" y="3420642"/>
-            <a:ext cx="10789626" cy="2533792"/>
-            <a:chOff x="519248" y="3541666"/>
-            <a:chExt cx="10789626" cy="2533792"/>
-          </a:xfrm>
-        </p:grpSpPr>
-        <p:sp>
-          <p:nvSpPr>
-            <p:cNvPr id="70" name="Right Arrow 69"/>
-            <p:cNvSpPr/>
-            <p:nvPr/>
-          </p:nvSpPr>
-          <p:spPr bwMode="auto">
-            <a:xfrm>
-              <a:off x="2070406" y="4147978"/>
-              <a:ext cx="766923" cy="567517"/>
-            </a:xfrm>
-            <a:prstGeom prst="rightArrow">
-              <a:avLst/>
-            </a:prstGeom>
-            <a:solidFill>
-              <a:srgbClr val="92D050">
-                <a:alpha val="50196"/>
-              </a:srgbClr>
-            </a:solidFill>
-            <a:ln>
-              <a:noFill/>
-              <a:headEnd type="none" w="med" len="med"/>
-              <a:tailEnd type="none" w="med" len="med"/>
-            </a:ln>
-            <a:effectLst/>
-          </p:spPr>
-          <p:style>
-            <a:lnRef idx="1">
-              <a:schemeClr val="accent2"/>
-            </a:lnRef>
-            <a:fillRef idx="3">
-              <a:schemeClr val="accent2"/>
-            </a:fillRef>
-            <a:effectRef idx="2">
-              <a:schemeClr val="accent2"/>
-            </a:effectRef>
-            <a:fontRef idx="minor">
-              <a:schemeClr val="lt1"/>
-            </a:fontRef>
-          </p:style>
-          <p:txBody>
-            <a:bodyPr vert="horz" wrap="square" lIns="91436" tIns="45718" rIns="91436" bIns="45718" numCol="1" rtlCol="0" anchor="ctr" anchorCtr="0" compatLnSpc="1">
-              <a:prstTxWarp prst="textNoShape">
-                <a:avLst/>
-              </a:prstTxWarp>
-            </a:bodyPr>
-            <a:lstStyle/>
-            <a:p>
-              <a:pPr algn="ctr" defTabSz="914099" fontAlgn="base">
-                <a:spcBef>
-                  <a:spcPct val="0"/>
-                </a:spcBef>
-                <a:spcAft>
-                  <a:spcPct val="0"/>
-                </a:spcAft>
-              </a:pPr>
-              <a:endParaRPr lang="en-US" sz="2200" dirty="0" smtClean="0">
-                <a:gradFill>
-                  <a:gsLst>
-                    <a:gs pos="0">
-                      <a:srgbClr val="FFFFFF"/>
-                    </a:gs>
-                    <a:gs pos="100000">
-                      <a:srgbClr val="FFFFFF"/>
-                    </a:gs>
-                  </a:gsLst>
-                  <a:lin ang="5400000" scaled="0"/>
-                </a:gradFill>
-              </a:endParaRPr>
-            </a:p>
-          </p:txBody>
-        </p:sp>
-        <p:grpSp>
-          <p:nvGrpSpPr>
-            <p:cNvPr id="71" name="Group 70"/>
-            <p:cNvGrpSpPr/>
-            <p:nvPr/>
-          </p:nvGrpSpPr>
-          <p:grpSpPr>
-            <a:xfrm>
-              <a:off x="521470" y="3729339"/>
-              <a:ext cx="1661194" cy="1417044"/>
-              <a:chOff x="328301" y="3881331"/>
-              <a:chExt cx="722921" cy="623207"/>
-            </a:xfrm>
-          </p:grpSpPr>
-          <p:sp>
-            <p:nvSpPr>
-              <p:cNvPr id="118" name="Hexagon 117"/>
-              <p:cNvSpPr/>
-              <p:nvPr/>
-            </p:nvSpPr>
-            <p:spPr bwMode="auto">
-              <a:xfrm rot="19780699">
-                <a:off x="328301" y="3881331"/>
-                <a:ext cx="722921" cy="623207"/>
-              </a:xfrm>
-              <a:prstGeom prst="hexagon">
-                <a:avLst>
-                  <a:gd name="adj" fmla="val 28905"/>
-                  <a:gd name="vf" fmla="val 115470"/>
-                </a:avLst>
-              </a:prstGeom>
-              <a:solidFill>
-                <a:srgbClr val="00AEEF"/>
-              </a:solidFill>
-              <a:ln>
-                <a:noFill/>
-                <a:headEnd type="none" w="med" len="med"/>
-                <a:tailEnd type="none" w="med" len="med"/>
-              </a:ln>
-              <a:effectLst/>
-            </p:spPr>
-            <p:style>
-              <a:lnRef idx="1">
-                <a:schemeClr val="accent2"/>
-              </a:lnRef>
-              <a:fillRef idx="3">
-                <a:schemeClr val="accent2"/>
-              </a:fillRef>
-              <a:effectRef idx="2">
-                <a:schemeClr val="accent2"/>
-              </a:effectRef>
-              <a:fontRef idx="minor">
-                <a:schemeClr val="lt1"/>
-              </a:fontRef>
-            </p:style>
-            <p:txBody>
-              <a:bodyPr vert="horz" wrap="square" lIns="91436" tIns="45718" rIns="91436" bIns="45718" numCol="1" rtlCol="0" anchor="ctr" anchorCtr="0" compatLnSpc="1">
-                <a:prstTxWarp prst="textNoShape">
-                  <a:avLst/>
-                </a:prstTxWarp>
-              </a:bodyPr>
-              <a:lstStyle/>
-              <a:p>
-                <a:pPr algn="ctr" defTabSz="914099" fontAlgn="base">
-                  <a:spcBef>
-                    <a:spcPct val="0"/>
-                  </a:spcBef>
-                  <a:spcAft>
-                    <a:spcPct val="0"/>
-                  </a:spcAft>
-                </a:pPr>
-                <a:endParaRPr lang="en-US" sz="2200" dirty="0" smtClean="0">
-                  <a:gradFill>
-                    <a:gsLst>
-                      <a:gs pos="0">
-                        <a:srgbClr val="FFFFFF"/>
-                      </a:gs>
-                      <a:gs pos="100000">
-                        <a:srgbClr val="FFFFFF"/>
-                      </a:gs>
-                    </a:gsLst>
-                    <a:lin ang="5400000" scaled="0"/>
-                  </a:gradFill>
-                </a:endParaRPr>
-              </a:p>
-            </p:txBody>
-          </p:sp>
-          <p:pic>
-            <p:nvPicPr>
-              <p:cNvPr id="119" name="Picture 118"/>
-              <p:cNvPicPr>
-                <a:picLocks noChangeAspect="1"/>
-              </p:cNvPicPr>
-              <p:nvPr/>
-            </p:nvPicPr>
-            <p:blipFill>
-              <a:blip r:embed="rId2" cstate="print">
-                <a:extLst>
-                  <a:ext uri="{28A0092B-C50C-407E-A947-70E740481C1C}">
-                    <a14:useLocalDpi xmlns:a14="http://schemas.microsoft.com/office/drawing/2010/main" val="0"/>
-                  </a:ext>
-                </a:extLst>
-              </a:blip>
-              <a:stretch>
-                <a:fillRect/>
-              </a:stretch>
-            </p:blipFill>
-            <p:spPr>
-              <a:xfrm>
-                <a:off x="532298" y="4066827"/>
-                <a:ext cx="314925" cy="284870"/>
-              </a:xfrm>
-              <a:prstGeom prst="rect">
-                <a:avLst/>
-              </a:prstGeom>
-            </p:spPr>
-          </p:pic>
-        </p:grpSp>
-        <p:grpSp>
-          <p:nvGrpSpPr>
-            <p:cNvPr id="72" name="Group 71"/>
-            <p:cNvGrpSpPr/>
-            <p:nvPr/>
-          </p:nvGrpSpPr>
-          <p:grpSpPr>
-            <a:xfrm>
-              <a:off x="519248" y="3729339"/>
-              <a:ext cx="1661194" cy="1417044"/>
-              <a:chOff x="328301" y="3881331"/>
-              <a:chExt cx="722921" cy="623207"/>
-            </a:xfrm>
-          </p:grpSpPr>
-          <p:sp>
-            <p:nvSpPr>
-              <p:cNvPr id="116" name="Hexagon 115"/>
-              <p:cNvSpPr/>
-              <p:nvPr/>
-            </p:nvSpPr>
-            <p:spPr bwMode="auto">
-              <a:xfrm rot="19780699">
-                <a:off x="328301" y="3881331"/>
-                <a:ext cx="722921" cy="623207"/>
-              </a:xfrm>
-              <a:prstGeom prst="hexagon">
-                <a:avLst>
-                  <a:gd name="adj" fmla="val 28905"/>
-                  <a:gd name="vf" fmla="val 115470"/>
-                </a:avLst>
-              </a:prstGeom>
-              <a:solidFill>
-                <a:srgbClr val="92D050"/>
-              </a:solidFill>
-              <a:ln>
-                <a:noFill/>
-                <a:headEnd type="none" w="med" len="med"/>
-                <a:tailEnd type="none" w="med" len="med"/>
-              </a:ln>
-              <a:effectLst/>
-            </p:spPr>
-            <p:style>
-              <a:lnRef idx="1">
-                <a:schemeClr val="accent2"/>
-              </a:lnRef>
-              <a:fillRef idx="3">
-                <a:schemeClr val="accent2"/>
-              </a:fillRef>
-              <a:effectRef idx="2">
-                <a:schemeClr val="accent2"/>
-              </a:effectRef>
-              <a:fontRef idx="minor">
-                <a:schemeClr val="lt1"/>
-              </a:fontRef>
-            </p:style>
-            <p:txBody>
-              <a:bodyPr vert="horz" wrap="square" lIns="91436" tIns="45718" rIns="91436" bIns="45718" numCol="1" rtlCol="0" anchor="ctr" anchorCtr="0" compatLnSpc="1">
-                <a:prstTxWarp prst="textNoShape">
-                  <a:avLst/>
-                </a:prstTxWarp>
-              </a:bodyPr>
-              <a:lstStyle/>
-              <a:p>
-                <a:pPr algn="ctr" defTabSz="914099" fontAlgn="base">
-                  <a:spcBef>
-                    <a:spcPct val="0"/>
-                  </a:spcBef>
-                  <a:spcAft>
-                    <a:spcPct val="0"/>
-                  </a:spcAft>
-                </a:pPr>
-                <a:endParaRPr lang="en-US" sz="2200" dirty="0" smtClean="0">
-                  <a:gradFill>
-                    <a:gsLst>
-                      <a:gs pos="0">
-                        <a:srgbClr val="FFFFFF"/>
-                      </a:gs>
-                      <a:gs pos="100000">
-                        <a:srgbClr val="FFFFFF"/>
-                      </a:gs>
-                    </a:gsLst>
-                    <a:lin ang="5400000" scaled="0"/>
-                  </a:gradFill>
-                </a:endParaRPr>
-              </a:p>
-            </p:txBody>
-          </p:sp>
-          <p:pic>
-            <p:nvPicPr>
-              <p:cNvPr id="117" name="Picture 116"/>
-              <p:cNvPicPr>
-                <a:picLocks noChangeAspect="1"/>
-              </p:cNvPicPr>
-              <p:nvPr/>
-            </p:nvPicPr>
-            <p:blipFill>
-              <a:blip r:embed="rId3" cstate="print">
-                <a:extLst>
-                  <a:ext uri="{28A0092B-C50C-407E-A947-70E740481C1C}">
-                    <a14:useLocalDpi xmlns:a14="http://schemas.microsoft.com/office/drawing/2010/main" val="0"/>
-                  </a:ext>
-                </a:extLst>
-              </a:blip>
-              <a:stretch>
-                <a:fillRect/>
-              </a:stretch>
-            </p:blipFill>
-            <p:spPr>
-              <a:xfrm>
-                <a:off x="532298" y="4066827"/>
-                <a:ext cx="314925" cy="284870"/>
-              </a:xfrm>
-              <a:prstGeom prst="rect">
-                <a:avLst/>
-              </a:prstGeom>
-            </p:spPr>
-          </p:pic>
-        </p:grpSp>
-        <p:grpSp>
-          <p:nvGrpSpPr>
-            <p:cNvPr id="168" name="Group 167"/>
-            <p:cNvGrpSpPr/>
-            <p:nvPr/>
-          </p:nvGrpSpPr>
-          <p:grpSpPr>
-            <a:xfrm>
-              <a:off x="2974783" y="3541666"/>
-              <a:ext cx="3683490" cy="2533792"/>
-              <a:chOff x="2974783" y="3541666"/>
-              <a:chExt cx="3683490" cy="2533792"/>
-            </a:xfrm>
-          </p:grpSpPr>
-          <p:sp>
-            <p:nvSpPr>
-              <p:cNvPr id="73" name="Rounded Rectangle 72"/>
-              <p:cNvSpPr/>
-              <p:nvPr/>
-            </p:nvSpPr>
-            <p:spPr bwMode="auto">
-              <a:xfrm>
-                <a:off x="2974783" y="3541666"/>
-                <a:ext cx="3683490" cy="2173119"/>
-              </a:xfrm>
-              <a:prstGeom prst="roundRect">
-                <a:avLst>
-                  <a:gd name="adj" fmla="val 3964"/>
-                </a:avLst>
-              </a:prstGeom>
-              <a:solidFill>
-                <a:srgbClr val="A6A6A6"/>
-              </a:solidFill>
-              <a:ln>
-                <a:solidFill>
-                  <a:srgbClr val="A6A6A6"/>
-                </a:solidFill>
-                <a:headEnd type="none" w="med" len="med"/>
-                <a:tailEnd type="none" w="med" len="med"/>
-              </a:ln>
-              <a:effectLst/>
-            </p:spPr>
-            <p:style>
-              <a:lnRef idx="1">
-                <a:schemeClr val="accent2"/>
-              </a:lnRef>
-              <a:fillRef idx="3">
-                <a:schemeClr val="accent2"/>
-              </a:fillRef>
-              <a:effectRef idx="2">
-                <a:schemeClr val="accent2"/>
-              </a:effectRef>
-              <a:fontRef idx="minor">
-                <a:schemeClr val="lt1"/>
-              </a:fontRef>
-            </p:style>
-            <p:txBody>
-              <a:bodyPr vert="horz" wrap="square" lIns="91436" tIns="45718" rIns="91436" bIns="45718" numCol="1" rtlCol="0" anchor="ctr" anchorCtr="0" compatLnSpc="1">
-                <a:prstTxWarp prst="textNoShape">
-                  <a:avLst/>
-                </a:prstTxWarp>
-              </a:bodyPr>
-              <a:lstStyle/>
-              <a:p>
-                <a:pPr algn="ctr" defTabSz="914099" fontAlgn="base">
-                  <a:spcBef>
-                    <a:spcPct val="0"/>
-                  </a:spcBef>
-                  <a:spcAft>
-                    <a:spcPct val="0"/>
-                  </a:spcAft>
-                </a:pPr>
-                <a:endParaRPr lang="en-US" dirty="0">
-                  <a:solidFill>
-                    <a:srgbClr val="FFFFFF"/>
-                  </a:solidFill>
-                </a:endParaRPr>
-              </a:p>
-            </p:txBody>
-          </p:sp>
-          <p:grpSp>
-            <p:nvGrpSpPr>
-              <p:cNvPr id="74" name="Group 73"/>
-              <p:cNvGrpSpPr/>
-              <p:nvPr/>
-            </p:nvGrpSpPr>
-            <p:grpSpPr>
-              <a:xfrm>
-                <a:off x="3112237" y="3682345"/>
-                <a:ext cx="1086341" cy="1896665"/>
-                <a:chOff x="3857138" y="-151910"/>
-                <a:chExt cx="1671976" cy="2950074"/>
-              </a:xfrm>
-            </p:grpSpPr>
-            <p:pic>
-              <p:nvPicPr>
-                <p:cNvPr id="113" name="Picture 112"/>
-                <p:cNvPicPr>
-                  <a:picLocks noChangeAspect="1"/>
-                </p:cNvPicPr>
-                <p:nvPr/>
-              </p:nvPicPr>
-              <p:blipFill rotWithShape="1">
-                <a:blip r:embed="rId4" cstate="print">
-                  <a:extLst>
-                    <a:ext uri="{28A0092B-C50C-407E-A947-70E740481C1C}">
-                      <a14:useLocalDpi xmlns:a14="http://schemas.microsoft.com/office/drawing/2010/main" val="0"/>
-                    </a:ext>
-                  </a:extLst>
-                </a:blip>
-                <a:srcRect/>
-                <a:stretch/>
-              </p:blipFill>
-              <p:spPr>
-                <a:xfrm>
-                  <a:off x="3857140" y="-151910"/>
-                  <a:ext cx="1671974" cy="303820"/>
-                </a:xfrm>
-                <a:prstGeom prst="rect">
-                  <a:avLst/>
-                </a:prstGeom>
-              </p:spPr>
-            </p:pic>
-            <p:sp>
-              <p:nvSpPr>
-                <p:cNvPr id="114" name="Rectangle 113"/>
-                <p:cNvSpPr/>
-                <p:nvPr/>
-              </p:nvSpPr>
-              <p:spPr bwMode="auto">
-                <a:xfrm>
-                  <a:off x="3857138" y="151910"/>
-                  <a:ext cx="1671975" cy="2541479"/>
-                </a:xfrm>
-                <a:prstGeom prst="rect">
-                  <a:avLst/>
-                </a:prstGeom>
-                <a:gradFill>
-                  <a:gsLst>
-                    <a:gs pos="0">
-                      <a:schemeClr val="bg2">
-                        <a:lumMod val="16000"/>
-                      </a:schemeClr>
-                    </a:gs>
-                    <a:gs pos="100000">
-                      <a:schemeClr val="bg2">
-                        <a:lumMod val="19000"/>
-                      </a:schemeClr>
-                    </a:gs>
-                    <a:gs pos="86000">
-                      <a:srgbClr val="434343"/>
-                    </a:gs>
-                    <a:gs pos="18000">
-                      <a:schemeClr val="bg2">
-                        <a:lumMod val="27000"/>
-                      </a:schemeClr>
-                    </a:gs>
-                  </a:gsLst>
-                  <a:lin ang="5400000" scaled="0"/>
-                </a:gradFill>
-                <a:ln>
-                  <a:noFill/>
-                  <a:headEnd type="none" w="med" len="med"/>
-                  <a:tailEnd type="none" w="med" len="med"/>
-                </a:ln>
-                <a:effectLst/>
-              </p:spPr>
-              <p:style>
-                <a:lnRef idx="1">
-                  <a:schemeClr val="accent2"/>
-                </a:lnRef>
-                <a:fillRef idx="3">
-                  <a:schemeClr val="accent2"/>
-                </a:fillRef>
-                <a:effectRef idx="2">
-                  <a:schemeClr val="accent2"/>
-                </a:effectRef>
-                <a:fontRef idx="minor">
-                  <a:schemeClr val="lt1"/>
-                </a:fontRef>
-              </p:style>
-              <p:txBody>
-                <a:bodyPr vert="horz" wrap="square" lIns="91436" tIns="45718" rIns="91436" bIns="45718" numCol="1" rtlCol="0" anchor="ctr" anchorCtr="0" compatLnSpc="1">
-                  <a:prstTxWarp prst="textNoShape">
-                    <a:avLst/>
-                  </a:prstTxWarp>
-                </a:bodyPr>
-                <a:lstStyle/>
-                <a:p>
-                  <a:pPr algn="ctr" defTabSz="914099" fontAlgn="base">
-                    <a:spcBef>
-                      <a:spcPct val="0"/>
-                    </a:spcBef>
-                    <a:spcAft>
-                      <a:spcPct val="0"/>
-                    </a:spcAft>
-                  </a:pPr>
-                  <a:endParaRPr lang="en-US" sz="2200" dirty="0" smtClean="0">
-                    <a:gradFill>
-                      <a:gsLst>
-                        <a:gs pos="0">
-                          <a:srgbClr val="FFFFFF"/>
-                        </a:gs>
-                        <a:gs pos="100000">
-                          <a:srgbClr val="FFFFFF"/>
-                        </a:gs>
-                      </a:gsLst>
-                      <a:lin ang="5400000" scaled="0"/>
-                    </a:gradFill>
-                  </a:endParaRPr>
-                </a:p>
-              </p:txBody>
-            </p:sp>
-            <p:pic>
-              <p:nvPicPr>
-                <p:cNvPr id="115" name="Picture 114"/>
-                <p:cNvPicPr>
-                  <a:picLocks noChangeAspect="1"/>
-                </p:cNvPicPr>
-                <p:nvPr/>
-              </p:nvPicPr>
-              <p:blipFill rotWithShape="1">
-                <a:blip r:embed="rId5" cstate="print">
-                  <a:extLst>
-                    <a:ext uri="{28A0092B-C50C-407E-A947-70E740481C1C}">
-                      <a14:useLocalDpi xmlns:a14="http://schemas.microsoft.com/office/drawing/2010/main" val="0"/>
-                    </a:ext>
-                  </a:extLst>
-                </a:blip>
-                <a:srcRect/>
-                <a:stretch/>
-              </p:blipFill>
-              <p:spPr>
-                <a:xfrm>
-                  <a:off x="3857140" y="2691324"/>
-                  <a:ext cx="1671974" cy="106840"/>
-                </a:xfrm>
-                <a:prstGeom prst="rect">
-                  <a:avLst/>
-                </a:prstGeom>
-              </p:spPr>
-            </p:pic>
-          </p:grpSp>
-          <p:grpSp>
-            <p:nvGrpSpPr>
-              <p:cNvPr id="75" name="Group 74"/>
-              <p:cNvGrpSpPr/>
-              <p:nvPr/>
-            </p:nvGrpSpPr>
-            <p:grpSpPr>
-              <a:xfrm>
-                <a:off x="4274201" y="3682345"/>
-                <a:ext cx="1086341" cy="1896665"/>
-                <a:chOff x="3857138" y="-151910"/>
-                <a:chExt cx="1671976" cy="2950074"/>
-              </a:xfrm>
-            </p:grpSpPr>
-            <p:pic>
-              <p:nvPicPr>
-                <p:cNvPr id="110" name="Picture 109"/>
-                <p:cNvPicPr>
-                  <a:picLocks noChangeAspect="1"/>
-                </p:cNvPicPr>
-                <p:nvPr/>
-              </p:nvPicPr>
-              <p:blipFill rotWithShape="1">
-                <a:blip r:embed="rId4" cstate="print">
-                  <a:extLst>
-                    <a:ext uri="{28A0092B-C50C-407E-A947-70E740481C1C}">
-                      <a14:useLocalDpi xmlns:a14="http://schemas.microsoft.com/office/drawing/2010/main" val="0"/>
-                    </a:ext>
-                  </a:extLst>
-                </a:blip>
-                <a:srcRect/>
-                <a:stretch/>
-              </p:blipFill>
-              <p:spPr>
-                <a:xfrm>
-                  <a:off x="3857140" y="-151910"/>
-                  <a:ext cx="1671974" cy="303820"/>
-                </a:xfrm>
-                <a:prstGeom prst="rect">
-                  <a:avLst/>
-                </a:prstGeom>
-              </p:spPr>
-            </p:pic>
-            <p:sp>
-              <p:nvSpPr>
-                <p:cNvPr id="111" name="Rectangle 110"/>
-                <p:cNvSpPr/>
-                <p:nvPr/>
-              </p:nvSpPr>
-              <p:spPr bwMode="auto">
-                <a:xfrm>
-                  <a:off x="3857138" y="151910"/>
-                  <a:ext cx="1671975" cy="2541479"/>
-                </a:xfrm>
-                <a:prstGeom prst="rect">
-                  <a:avLst/>
-                </a:prstGeom>
-                <a:gradFill>
-                  <a:gsLst>
-                    <a:gs pos="0">
-                      <a:schemeClr val="bg2">
-                        <a:lumMod val="16000"/>
-                      </a:schemeClr>
-                    </a:gs>
-                    <a:gs pos="100000">
-                      <a:schemeClr val="bg2">
-                        <a:lumMod val="19000"/>
-                      </a:schemeClr>
-                    </a:gs>
-                    <a:gs pos="86000">
-                      <a:srgbClr val="434343"/>
-                    </a:gs>
-                    <a:gs pos="18000">
-                      <a:schemeClr val="bg2">
-                        <a:lumMod val="27000"/>
-                      </a:schemeClr>
-                    </a:gs>
-                  </a:gsLst>
-                  <a:lin ang="5400000" scaled="0"/>
-                </a:gradFill>
-                <a:ln>
-                  <a:noFill/>
-                  <a:headEnd type="none" w="med" len="med"/>
-                  <a:tailEnd type="none" w="med" len="med"/>
-                </a:ln>
-                <a:effectLst/>
-              </p:spPr>
-              <p:style>
-                <a:lnRef idx="1">
-                  <a:schemeClr val="accent2"/>
-                </a:lnRef>
-                <a:fillRef idx="3">
-                  <a:schemeClr val="accent2"/>
-                </a:fillRef>
-                <a:effectRef idx="2">
-                  <a:schemeClr val="accent2"/>
-                </a:effectRef>
-                <a:fontRef idx="minor">
-                  <a:schemeClr val="lt1"/>
-                </a:fontRef>
-              </p:style>
-              <p:txBody>
-                <a:bodyPr vert="horz" wrap="square" lIns="91436" tIns="45718" rIns="91436" bIns="45718" numCol="1" rtlCol="0" anchor="ctr" anchorCtr="0" compatLnSpc="1">
-                  <a:prstTxWarp prst="textNoShape">
-                    <a:avLst/>
-                  </a:prstTxWarp>
-                </a:bodyPr>
-                <a:lstStyle/>
-                <a:p>
-                  <a:pPr algn="ctr" defTabSz="914099" fontAlgn="base">
-                    <a:spcBef>
-                      <a:spcPct val="0"/>
-                    </a:spcBef>
-                    <a:spcAft>
-                      <a:spcPct val="0"/>
-                    </a:spcAft>
-                  </a:pPr>
-                  <a:endParaRPr lang="en-US" sz="2200" dirty="0" smtClean="0">
-                    <a:gradFill>
-                      <a:gsLst>
-                        <a:gs pos="0">
-                          <a:srgbClr val="FFFFFF"/>
-                        </a:gs>
-                        <a:gs pos="100000">
-                          <a:srgbClr val="FFFFFF"/>
-                        </a:gs>
-                      </a:gsLst>
-                      <a:lin ang="5400000" scaled="0"/>
-                    </a:gradFill>
-                  </a:endParaRPr>
-                </a:p>
-              </p:txBody>
-            </p:sp>
-            <p:pic>
-              <p:nvPicPr>
-                <p:cNvPr id="112" name="Picture 111"/>
-                <p:cNvPicPr>
-                  <a:picLocks noChangeAspect="1"/>
-                </p:cNvPicPr>
-                <p:nvPr/>
-              </p:nvPicPr>
-              <p:blipFill rotWithShape="1">
-                <a:blip r:embed="rId5" cstate="print">
-                  <a:extLst>
-                    <a:ext uri="{28A0092B-C50C-407E-A947-70E740481C1C}">
-                      <a14:useLocalDpi xmlns:a14="http://schemas.microsoft.com/office/drawing/2010/main" val="0"/>
-                    </a:ext>
-                  </a:extLst>
-                </a:blip>
-                <a:srcRect/>
-                <a:stretch/>
-              </p:blipFill>
-              <p:spPr>
-                <a:xfrm>
-                  <a:off x="3857140" y="2691324"/>
-                  <a:ext cx="1671974" cy="106840"/>
-                </a:xfrm>
-                <a:prstGeom prst="rect">
-                  <a:avLst/>
-                </a:prstGeom>
-              </p:spPr>
-            </p:pic>
-          </p:grpSp>
-          <p:grpSp>
-            <p:nvGrpSpPr>
-              <p:cNvPr id="76" name="Group 75"/>
-              <p:cNvGrpSpPr/>
-              <p:nvPr/>
-            </p:nvGrpSpPr>
-            <p:grpSpPr>
-              <a:xfrm>
-                <a:off x="5436075" y="3682345"/>
-                <a:ext cx="1086341" cy="1896665"/>
-                <a:chOff x="3857138" y="-151910"/>
-                <a:chExt cx="1671976" cy="2950074"/>
-              </a:xfrm>
-            </p:grpSpPr>
-            <p:pic>
-              <p:nvPicPr>
-                <p:cNvPr id="107" name="Picture 106"/>
-                <p:cNvPicPr>
-                  <a:picLocks noChangeAspect="1"/>
-                </p:cNvPicPr>
-                <p:nvPr/>
-              </p:nvPicPr>
-              <p:blipFill rotWithShape="1">
-                <a:blip r:embed="rId4" cstate="print">
-                  <a:extLst>
-                    <a:ext uri="{28A0092B-C50C-407E-A947-70E740481C1C}">
-                      <a14:useLocalDpi xmlns:a14="http://schemas.microsoft.com/office/drawing/2010/main" val="0"/>
-                    </a:ext>
-                  </a:extLst>
-                </a:blip>
-                <a:srcRect/>
-                <a:stretch/>
-              </p:blipFill>
-              <p:spPr>
-                <a:xfrm>
-                  <a:off x="3857140" y="-151910"/>
-                  <a:ext cx="1671974" cy="303820"/>
-                </a:xfrm>
-                <a:prstGeom prst="rect">
-                  <a:avLst/>
-                </a:prstGeom>
-              </p:spPr>
-            </p:pic>
-            <p:sp>
-              <p:nvSpPr>
-                <p:cNvPr id="108" name="Rectangle 107"/>
-                <p:cNvSpPr/>
-                <p:nvPr/>
-              </p:nvSpPr>
-              <p:spPr bwMode="auto">
-                <a:xfrm>
-                  <a:off x="3857138" y="151910"/>
-                  <a:ext cx="1671975" cy="2541479"/>
-                </a:xfrm>
-                <a:prstGeom prst="rect">
-                  <a:avLst/>
-                </a:prstGeom>
-                <a:gradFill>
-                  <a:gsLst>
-                    <a:gs pos="0">
-                      <a:schemeClr val="bg2">
-                        <a:lumMod val="16000"/>
-                      </a:schemeClr>
-                    </a:gs>
-                    <a:gs pos="100000">
-                      <a:schemeClr val="bg2">
-                        <a:lumMod val="19000"/>
-                      </a:schemeClr>
-                    </a:gs>
-                    <a:gs pos="86000">
-                      <a:srgbClr val="434343"/>
-                    </a:gs>
-                    <a:gs pos="18000">
-                      <a:schemeClr val="bg2">
-                        <a:lumMod val="27000"/>
-                      </a:schemeClr>
-                    </a:gs>
-                  </a:gsLst>
-                  <a:lin ang="5400000" scaled="0"/>
-                </a:gradFill>
-                <a:ln>
-                  <a:noFill/>
-                  <a:headEnd type="none" w="med" len="med"/>
-                  <a:tailEnd type="none" w="med" len="med"/>
-                </a:ln>
-                <a:effectLst/>
-              </p:spPr>
-              <p:style>
-                <a:lnRef idx="1">
-                  <a:schemeClr val="accent2"/>
-                </a:lnRef>
-                <a:fillRef idx="3">
-                  <a:schemeClr val="accent2"/>
-                </a:fillRef>
-                <a:effectRef idx="2">
-                  <a:schemeClr val="accent2"/>
-                </a:effectRef>
-                <a:fontRef idx="minor">
-                  <a:schemeClr val="lt1"/>
-                </a:fontRef>
-              </p:style>
-              <p:txBody>
-                <a:bodyPr vert="horz" wrap="square" lIns="91436" tIns="45718" rIns="91436" bIns="45718" numCol="1" rtlCol="0" anchor="ctr" anchorCtr="0" compatLnSpc="1">
-                  <a:prstTxWarp prst="textNoShape">
-                    <a:avLst/>
-                  </a:prstTxWarp>
-                </a:bodyPr>
-                <a:lstStyle/>
-                <a:p>
-                  <a:pPr algn="ctr" defTabSz="914099" fontAlgn="base">
-                    <a:spcBef>
-                      <a:spcPct val="0"/>
-                    </a:spcBef>
-                    <a:spcAft>
-                      <a:spcPct val="0"/>
-                    </a:spcAft>
-                  </a:pPr>
-                  <a:endParaRPr lang="en-US" sz="2200" dirty="0" smtClean="0">
-                    <a:gradFill>
-                      <a:gsLst>
-                        <a:gs pos="0">
-                          <a:srgbClr val="FFFFFF"/>
-                        </a:gs>
-                        <a:gs pos="100000">
-                          <a:srgbClr val="FFFFFF"/>
-                        </a:gs>
-                      </a:gsLst>
-                      <a:lin ang="5400000" scaled="0"/>
-                    </a:gradFill>
-                  </a:endParaRPr>
-                </a:p>
-              </p:txBody>
-            </p:sp>
-            <p:pic>
-              <p:nvPicPr>
-                <p:cNvPr id="109" name="Picture 108"/>
-                <p:cNvPicPr>
-                  <a:picLocks noChangeAspect="1"/>
-                </p:cNvPicPr>
-                <p:nvPr/>
-              </p:nvPicPr>
-              <p:blipFill rotWithShape="1">
-                <a:blip r:embed="rId5" cstate="print">
-                  <a:extLst>
-                    <a:ext uri="{28A0092B-C50C-407E-A947-70E740481C1C}">
-                      <a14:useLocalDpi xmlns:a14="http://schemas.microsoft.com/office/drawing/2010/main" val="0"/>
-                    </a:ext>
-                  </a:extLst>
-                </a:blip>
-                <a:srcRect/>
-                <a:stretch/>
-              </p:blipFill>
-              <p:spPr>
-                <a:xfrm>
-                  <a:off x="3857140" y="2691324"/>
-                  <a:ext cx="1671974" cy="106840"/>
-                </a:xfrm>
-                <a:prstGeom prst="rect">
-                  <a:avLst/>
-                </a:prstGeom>
-              </p:spPr>
-            </p:pic>
-          </p:grpSp>
-          <p:sp>
-            <p:nvSpPr>
-              <p:cNvPr id="77" name="Rounded Rectangle 76"/>
-              <p:cNvSpPr/>
-              <p:nvPr/>
-            </p:nvSpPr>
-            <p:spPr bwMode="auto">
-              <a:xfrm>
-                <a:off x="4867897" y="4553721"/>
-                <a:ext cx="399178" cy="483528"/>
-              </a:xfrm>
-              <a:prstGeom prst="roundRect">
-                <a:avLst>
-                  <a:gd name="adj" fmla="val 8915"/>
-                </a:avLst>
-              </a:prstGeom>
-              <a:solidFill>
-                <a:srgbClr val="92D050"/>
-              </a:solidFill>
-              <a:ln>
-                <a:noFill/>
-                <a:headEnd type="none" w="med" len="med"/>
-                <a:tailEnd type="none" w="med" len="med"/>
-              </a:ln>
-              <a:effectLst/>
-            </p:spPr>
-            <p:style>
-              <a:lnRef idx="1">
-                <a:schemeClr val="accent2"/>
-              </a:lnRef>
-              <a:fillRef idx="3">
-                <a:schemeClr val="accent2"/>
-              </a:fillRef>
-              <a:effectRef idx="2">
-                <a:schemeClr val="accent2"/>
-              </a:effectRef>
-              <a:fontRef idx="minor">
-                <a:schemeClr val="lt1"/>
-              </a:fontRef>
-            </p:style>
-            <p:txBody>
-              <a:bodyPr vert="horz" wrap="square" lIns="91436" tIns="45718" rIns="91436" bIns="45718" numCol="1" rtlCol="0" anchor="ctr" anchorCtr="0" compatLnSpc="1">
-                <a:prstTxWarp prst="textNoShape">
-                  <a:avLst/>
-                </a:prstTxWarp>
-              </a:bodyPr>
-              <a:lstStyle/>
-              <a:p>
-                <a:pPr algn="ctr" defTabSz="914099" fontAlgn="base">
-                  <a:spcBef>
-                    <a:spcPct val="0"/>
-                  </a:spcBef>
-                  <a:spcAft>
-                    <a:spcPct val="0"/>
-                  </a:spcAft>
-                </a:pPr>
-                <a:endParaRPr lang="en-US" sz="2200" dirty="0" smtClean="0">
-                  <a:gradFill>
-                    <a:gsLst>
-                      <a:gs pos="0">
-                        <a:srgbClr val="FFFFFF"/>
-                      </a:gs>
-                      <a:gs pos="100000">
-                        <a:srgbClr val="FFFFFF"/>
-                      </a:gs>
-                    </a:gsLst>
-                    <a:lin ang="5400000" scaled="0"/>
-                  </a:gradFill>
-                </a:endParaRPr>
-              </a:p>
-            </p:txBody>
-          </p:sp>
-          <p:sp>
-            <p:nvSpPr>
-              <p:cNvPr id="78" name="Rounded Rectangle 77"/>
-              <p:cNvSpPr/>
-              <p:nvPr/>
-            </p:nvSpPr>
-            <p:spPr bwMode="auto">
-              <a:xfrm>
-                <a:off x="4348006" y="4550540"/>
-                <a:ext cx="399178" cy="483528"/>
-              </a:xfrm>
-              <a:prstGeom prst="roundRect">
-                <a:avLst>
-                  <a:gd name="adj" fmla="val 8915"/>
-                </a:avLst>
-              </a:prstGeom>
-              <a:solidFill>
-                <a:srgbClr val="92D050"/>
-              </a:solidFill>
-              <a:ln>
-                <a:noFill/>
-                <a:headEnd type="none" w="med" len="med"/>
-                <a:tailEnd type="none" w="med" len="med"/>
-              </a:ln>
-              <a:effectLst/>
-            </p:spPr>
-            <p:style>
-              <a:lnRef idx="1">
-                <a:schemeClr val="accent2"/>
-              </a:lnRef>
-              <a:fillRef idx="3">
-                <a:schemeClr val="accent2"/>
-              </a:fillRef>
-              <a:effectRef idx="2">
-                <a:schemeClr val="accent2"/>
-              </a:effectRef>
-              <a:fontRef idx="minor">
-                <a:schemeClr val="lt1"/>
-              </a:fontRef>
-            </p:style>
-            <p:txBody>
-              <a:bodyPr vert="horz" wrap="square" lIns="91436" tIns="45718" rIns="91436" bIns="45718" numCol="1" rtlCol="0" anchor="ctr" anchorCtr="0" compatLnSpc="1">
-                <a:prstTxWarp prst="textNoShape">
-                  <a:avLst/>
-                </a:prstTxWarp>
-              </a:bodyPr>
-              <a:lstStyle/>
-              <a:p>
-                <a:pPr algn="ctr" defTabSz="914099" fontAlgn="base">
-                  <a:spcBef>
-                    <a:spcPct val="0"/>
-                  </a:spcBef>
-                  <a:spcAft>
-                    <a:spcPct val="0"/>
-                  </a:spcAft>
-                </a:pPr>
-                <a:endParaRPr lang="en-US" sz="2200" dirty="0" smtClean="0">
-                  <a:gradFill>
-                    <a:gsLst>
-                      <a:gs pos="0">
-                        <a:srgbClr val="FFFFFF"/>
-                      </a:gs>
-                      <a:gs pos="100000">
-                        <a:srgbClr val="FFFFFF"/>
-                      </a:gs>
-                    </a:gsLst>
-                    <a:lin ang="5400000" scaled="0"/>
-                  </a:gradFill>
-                </a:endParaRPr>
-              </a:p>
-            </p:txBody>
-          </p:sp>
-          <p:sp>
-            <p:nvSpPr>
-              <p:cNvPr id="79" name="Rounded Rectangle 78"/>
-              <p:cNvSpPr/>
-              <p:nvPr/>
-            </p:nvSpPr>
-            <p:spPr bwMode="auto">
-              <a:xfrm>
-                <a:off x="6026334" y="3990267"/>
-                <a:ext cx="399178" cy="483528"/>
-              </a:xfrm>
-              <a:prstGeom prst="roundRect">
-                <a:avLst>
-                  <a:gd name="adj" fmla="val 8915"/>
-                </a:avLst>
-              </a:prstGeom>
-              <a:solidFill>
-                <a:srgbClr val="92D050"/>
-              </a:solidFill>
-              <a:ln>
-                <a:noFill/>
-                <a:headEnd type="none" w="med" len="med"/>
-                <a:tailEnd type="none" w="med" len="med"/>
-              </a:ln>
-              <a:effectLst/>
-            </p:spPr>
-            <p:style>
-              <a:lnRef idx="1">
-                <a:schemeClr val="accent2"/>
-              </a:lnRef>
-              <a:fillRef idx="3">
-                <a:schemeClr val="accent2"/>
-              </a:fillRef>
-              <a:effectRef idx="2">
-                <a:schemeClr val="accent2"/>
-              </a:effectRef>
-              <a:fontRef idx="minor">
-                <a:schemeClr val="lt1"/>
-              </a:fontRef>
-            </p:style>
-            <p:txBody>
-              <a:bodyPr vert="horz" wrap="square" lIns="91436" tIns="45718" rIns="91436" bIns="45718" numCol="1" rtlCol="0" anchor="ctr" anchorCtr="0" compatLnSpc="1">
-                <a:prstTxWarp prst="textNoShape">
-                  <a:avLst/>
-                </a:prstTxWarp>
-              </a:bodyPr>
-              <a:lstStyle/>
-              <a:p>
-                <a:pPr algn="ctr" defTabSz="914099" fontAlgn="base">
-                  <a:spcBef>
-                    <a:spcPct val="0"/>
-                  </a:spcBef>
-                  <a:spcAft>
-                    <a:spcPct val="0"/>
-                  </a:spcAft>
-                </a:pPr>
-                <a:endParaRPr lang="en-US" sz="2200" dirty="0" smtClean="0">
-                  <a:gradFill>
-                    <a:gsLst>
-                      <a:gs pos="0">
-                        <a:srgbClr val="FFFFFF"/>
-                      </a:gs>
-                      <a:gs pos="100000">
-                        <a:srgbClr val="FFFFFF"/>
-                      </a:gs>
-                    </a:gsLst>
-                    <a:lin ang="5400000" scaled="0"/>
-                  </a:gradFill>
-                </a:endParaRPr>
-              </a:p>
-            </p:txBody>
-          </p:sp>
-          <p:grpSp>
-            <p:nvGrpSpPr>
-              <p:cNvPr id="80" name="Group 79"/>
-              <p:cNvGrpSpPr/>
-              <p:nvPr/>
-            </p:nvGrpSpPr>
-            <p:grpSpPr>
-              <a:xfrm>
-                <a:off x="4348006" y="3976407"/>
-                <a:ext cx="927536" cy="1533610"/>
-                <a:chOff x="6371150" y="2709450"/>
-                <a:chExt cx="1427560" cy="2385378"/>
-              </a:xfrm>
-            </p:grpSpPr>
-            <p:pic>
-              <p:nvPicPr>
-                <p:cNvPr id="101" name="Picture 100"/>
-                <p:cNvPicPr>
-                  <a:picLocks noChangeAspect="1"/>
-                </p:cNvPicPr>
-                <p:nvPr/>
-              </p:nvPicPr>
-              <p:blipFill>
-                <a:blip r:embed="rId6" cstate="print">
-                  <a:extLst>
-                    <a:ext uri="{28A0092B-C50C-407E-A947-70E740481C1C}">
-                      <a14:useLocalDpi xmlns:a14="http://schemas.microsoft.com/office/drawing/2010/main" val="0"/>
-                    </a:ext>
-                  </a:extLst>
-                </a:blip>
-                <a:stretch>
-                  <a:fillRect/>
-                </a:stretch>
-              </p:blipFill>
-              <p:spPr>
-                <a:xfrm>
-                  <a:off x="7161956" y="2709450"/>
-                  <a:ext cx="636754" cy="790047"/>
-                </a:xfrm>
-                <a:prstGeom prst="rect">
-                  <a:avLst/>
-                </a:prstGeom>
-              </p:spPr>
-            </p:pic>
-            <p:pic>
-              <p:nvPicPr>
-                <p:cNvPr id="102" name="Picture 101"/>
-                <p:cNvPicPr>
-                  <a:picLocks noChangeAspect="1"/>
-                </p:cNvPicPr>
-                <p:nvPr/>
-              </p:nvPicPr>
-              <p:blipFill>
-                <a:blip r:embed="rId6" cstate="print">
-                  <a:extLst>
-                    <a:ext uri="{28A0092B-C50C-407E-A947-70E740481C1C}">
-                      <a14:useLocalDpi xmlns:a14="http://schemas.microsoft.com/office/drawing/2010/main" val="0"/>
-                    </a:ext>
-                  </a:extLst>
-                </a:blip>
-                <a:stretch>
-                  <a:fillRect/>
-                </a:stretch>
-              </p:blipFill>
-              <p:spPr>
-                <a:xfrm>
-                  <a:off x="6371150" y="3582559"/>
-                  <a:ext cx="636754" cy="790047"/>
-                </a:xfrm>
-                <a:prstGeom prst="rect">
-                  <a:avLst/>
-                </a:prstGeom>
-              </p:spPr>
-            </p:pic>
-            <p:pic>
-              <p:nvPicPr>
-                <p:cNvPr id="103" name="Picture 102"/>
-                <p:cNvPicPr>
-                  <a:picLocks noChangeAspect="1"/>
-                </p:cNvPicPr>
-                <p:nvPr/>
-              </p:nvPicPr>
-              <p:blipFill>
-                <a:blip r:embed="rId6" cstate="print">
-                  <a:extLst>
-                    <a:ext uri="{28A0092B-C50C-407E-A947-70E740481C1C}">
-                      <a14:useLocalDpi xmlns:a14="http://schemas.microsoft.com/office/drawing/2010/main" val="0"/>
-                    </a:ext>
-                  </a:extLst>
-                </a:blip>
-                <a:stretch>
-                  <a:fillRect/>
-                </a:stretch>
-              </p:blipFill>
-              <p:spPr>
-                <a:xfrm>
-                  <a:off x="7161956" y="3582559"/>
-                  <a:ext cx="636754" cy="790047"/>
-                </a:xfrm>
-                <a:prstGeom prst="rect">
-                  <a:avLst/>
-                </a:prstGeom>
-              </p:spPr>
-            </p:pic>
-            <p:pic>
-              <p:nvPicPr>
-                <p:cNvPr id="104" name="Picture 103"/>
-                <p:cNvPicPr>
-                  <a:picLocks noChangeAspect="1"/>
-                </p:cNvPicPr>
-                <p:nvPr/>
-              </p:nvPicPr>
-              <p:blipFill rotWithShape="1">
-                <a:blip r:embed="rId7" cstate="print">
-                  <a:extLst>
-                    <a:ext uri="{28A0092B-C50C-407E-A947-70E740481C1C}">
-                      <a14:useLocalDpi xmlns:a14="http://schemas.microsoft.com/office/drawing/2010/main" val="0"/>
-                    </a:ext>
-                  </a:extLst>
-                </a:blip>
-                <a:srcRect/>
-                <a:stretch/>
-              </p:blipFill>
-              <p:spPr>
-                <a:xfrm>
-                  <a:off x="6371150" y="4461376"/>
-                  <a:ext cx="636754" cy="633452"/>
-                </a:xfrm>
-                <a:prstGeom prst="rect">
-                  <a:avLst/>
-                </a:prstGeom>
-              </p:spPr>
-            </p:pic>
-            <p:pic>
-              <p:nvPicPr>
-                <p:cNvPr id="105" name="Picture 104"/>
-                <p:cNvPicPr>
-                  <a:picLocks noChangeAspect="1"/>
-                </p:cNvPicPr>
-                <p:nvPr/>
-              </p:nvPicPr>
-              <p:blipFill rotWithShape="1">
-                <a:blip r:embed="rId7" cstate="print">
-                  <a:extLst>
-                    <a:ext uri="{28A0092B-C50C-407E-A947-70E740481C1C}">
-                      <a14:useLocalDpi xmlns:a14="http://schemas.microsoft.com/office/drawing/2010/main" val="0"/>
-                    </a:ext>
-                  </a:extLst>
-                </a:blip>
-                <a:srcRect/>
-                <a:stretch/>
-              </p:blipFill>
-              <p:spPr>
-                <a:xfrm>
-                  <a:off x="7161956" y="4461376"/>
-                  <a:ext cx="636754" cy="633452"/>
-                </a:xfrm>
-                <a:prstGeom prst="rect">
-                  <a:avLst/>
-                </a:prstGeom>
-              </p:spPr>
-            </p:pic>
-            <p:pic>
-              <p:nvPicPr>
-                <p:cNvPr id="106" name="Picture 105"/>
-                <p:cNvPicPr>
-                  <a:picLocks noChangeAspect="1"/>
-                </p:cNvPicPr>
-                <p:nvPr/>
-              </p:nvPicPr>
-              <p:blipFill>
-                <a:blip r:embed="rId6" cstate="print">
-                  <a:extLst>
-                    <a:ext uri="{28A0092B-C50C-407E-A947-70E740481C1C}">
-                      <a14:useLocalDpi xmlns:a14="http://schemas.microsoft.com/office/drawing/2010/main" val="0"/>
-                    </a:ext>
-                  </a:extLst>
-                </a:blip>
-                <a:stretch>
-                  <a:fillRect/>
-                </a:stretch>
-              </p:blipFill>
-              <p:spPr>
-                <a:xfrm>
-                  <a:off x="6371150" y="2709450"/>
-                  <a:ext cx="636754" cy="790047"/>
-                </a:xfrm>
-                <a:prstGeom prst="rect">
-                  <a:avLst/>
-                </a:prstGeom>
-              </p:spPr>
-            </p:pic>
-          </p:grpSp>
-          <p:grpSp>
-            <p:nvGrpSpPr>
-              <p:cNvPr id="81" name="Group 80"/>
-              <p:cNvGrpSpPr/>
-              <p:nvPr/>
-            </p:nvGrpSpPr>
-            <p:grpSpPr>
-              <a:xfrm>
-                <a:off x="5509880" y="3976407"/>
-                <a:ext cx="927536" cy="1533610"/>
-                <a:chOff x="6371150" y="2709450"/>
-                <a:chExt cx="1427560" cy="2385378"/>
-              </a:xfrm>
-            </p:grpSpPr>
-            <p:pic>
-              <p:nvPicPr>
-                <p:cNvPr id="95" name="Picture 94"/>
-                <p:cNvPicPr>
-                  <a:picLocks noChangeAspect="1"/>
-                </p:cNvPicPr>
-                <p:nvPr/>
-              </p:nvPicPr>
-              <p:blipFill>
-                <a:blip r:embed="rId6" cstate="print">
-                  <a:extLst>
-                    <a:ext uri="{28A0092B-C50C-407E-A947-70E740481C1C}">
-                      <a14:useLocalDpi xmlns:a14="http://schemas.microsoft.com/office/drawing/2010/main" val="0"/>
-                    </a:ext>
-                  </a:extLst>
-                </a:blip>
-                <a:stretch>
-                  <a:fillRect/>
-                </a:stretch>
-              </p:blipFill>
-              <p:spPr>
-                <a:xfrm>
-                  <a:off x="7161956" y="2709450"/>
-                  <a:ext cx="636754" cy="790047"/>
-                </a:xfrm>
-                <a:prstGeom prst="rect">
-                  <a:avLst/>
-                </a:prstGeom>
-              </p:spPr>
-            </p:pic>
-            <p:pic>
-              <p:nvPicPr>
-                <p:cNvPr id="96" name="Picture 95"/>
-                <p:cNvPicPr>
-                  <a:picLocks noChangeAspect="1"/>
-                </p:cNvPicPr>
-                <p:nvPr/>
-              </p:nvPicPr>
-              <p:blipFill>
-                <a:blip r:embed="rId6" cstate="print">
-                  <a:extLst>
-                    <a:ext uri="{28A0092B-C50C-407E-A947-70E740481C1C}">
-                      <a14:useLocalDpi xmlns:a14="http://schemas.microsoft.com/office/drawing/2010/main" val="0"/>
-                    </a:ext>
-                  </a:extLst>
-                </a:blip>
-                <a:stretch>
-                  <a:fillRect/>
-                </a:stretch>
-              </p:blipFill>
-              <p:spPr>
-                <a:xfrm>
-                  <a:off x="6371150" y="3582559"/>
-                  <a:ext cx="636754" cy="790047"/>
-                </a:xfrm>
-                <a:prstGeom prst="rect">
-                  <a:avLst/>
-                </a:prstGeom>
-              </p:spPr>
-            </p:pic>
-            <p:pic>
-              <p:nvPicPr>
-                <p:cNvPr id="97" name="Picture 96"/>
-                <p:cNvPicPr>
-                  <a:picLocks noChangeAspect="1"/>
-                </p:cNvPicPr>
-                <p:nvPr/>
-              </p:nvPicPr>
-              <p:blipFill>
-                <a:blip r:embed="rId6" cstate="print">
-                  <a:extLst>
-                    <a:ext uri="{28A0092B-C50C-407E-A947-70E740481C1C}">
-                      <a14:useLocalDpi xmlns:a14="http://schemas.microsoft.com/office/drawing/2010/main" val="0"/>
-                    </a:ext>
-                  </a:extLst>
-                </a:blip>
-                <a:stretch>
-                  <a:fillRect/>
-                </a:stretch>
-              </p:blipFill>
-              <p:spPr>
-                <a:xfrm>
-                  <a:off x="7161956" y="3582559"/>
-                  <a:ext cx="636754" cy="790047"/>
-                </a:xfrm>
-                <a:prstGeom prst="rect">
-                  <a:avLst/>
-                </a:prstGeom>
-              </p:spPr>
-            </p:pic>
-            <p:pic>
-              <p:nvPicPr>
-                <p:cNvPr id="98" name="Picture 97"/>
-                <p:cNvPicPr>
-                  <a:picLocks noChangeAspect="1"/>
-                </p:cNvPicPr>
-                <p:nvPr/>
-              </p:nvPicPr>
-              <p:blipFill rotWithShape="1">
-                <a:blip r:embed="rId7" cstate="print">
-                  <a:extLst>
-                    <a:ext uri="{28A0092B-C50C-407E-A947-70E740481C1C}">
-                      <a14:useLocalDpi xmlns:a14="http://schemas.microsoft.com/office/drawing/2010/main" val="0"/>
-                    </a:ext>
-                  </a:extLst>
-                </a:blip>
-                <a:srcRect/>
-                <a:stretch/>
-              </p:blipFill>
-              <p:spPr>
-                <a:xfrm>
-                  <a:off x="6371150" y="4461376"/>
-                  <a:ext cx="636754" cy="633452"/>
-                </a:xfrm>
-                <a:prstGeom prst="rect">
-                  <a:avLst/>
-                </a:prstGeom>
-              </p:spPr>
-            </p:pic>
-            <p:pic>
-              <p:nvPicPr>
-                <p:cNvPr id="99" name="Picture 98"/>
-                <p:cNvPicPr>
-                  <a:picLocks noChangeAspect="1"/>
-                </p:cNvPicPr>
-                <p:nvPr/>
-              </p:nvPicPr>
-              <p:blipFill rotWithShape="1">
-                <a:blip r:embed="rId7" cstate="print">
-                  <a:extLst>
-                    <a:ext uri="{28A0092B-C50C-407E-A947-70E740481C1C}">
-                      <a14:useLocalDpi xmlns:a14="http://schemas.microsoft.com/office/drawing/2010/main" val="0"/>
-                    </a:ext>
-                  </a:extLst>
-                </a:blip>
-                <a:srcRect/>
-                <a:stretch/>
-              </p:blipFill>
-              <p:spPr>
-                <a:xfrm>
-                  <a:off x="7161956" y="4461376"/>
-                  <a:ext cx="636754" cy="633452"/>
-                </a:xfrm>
-                <a:prstGeom prst="rect">
-                  <a:avLst/>
-                </a:prstGeom>
-              </p:spPr>
-            </p:pic>
-            <p:pic>
-              <p:nvPicPr>
-                <p:cNvPr id="100" name="Picture 99"/>
-                <p:cNvPicPr>
-                  <a:picLocks noChangeAspect="1"/>
-                </p:cNvPicPr>
-                <p:nvPr/>
-              </p:nvPicPr>
-              <p:blipFill>
-                <a:blip r:embed="rId6" cstate="print">
-                  <a:extLst>
-                    <a:ext uri="{28A0092B-C50C-407E-A947-70E740481C1C}">
-                      <a14:useLocalDpi xmlns:a14="http://schemas.microsoft.com/office/drawing/2010/main" val="0"/>
-                    </a:ext>
-                  </a:extLst>
-                </a:blip>
-                <a:stretch>
-                  <a:fillRect/>
-                </a:stretch>
-              </p:blipFill>
-              <p:spPr>
-                <a:xfrm>
-                  <a:off x="6371150" y="2709450"/>
-                  <a:ext cx="636754" cy="790047"/>
-                </a:xfrm>
-                <a:prstGeom prst="rect">
-                  <a:avLst/>
-                </a:prstGeom>
-              </p:spPr>
-            </p:pic>
-          </p:grpSp>
-          <p:grpSp>
-            <p:nvGrpSpPr>
-              <p:cNvPr id="82" name="Group 81"/>
-              <p:cNvGrpSpPr/>
-              <p:nvPr/>
-            </p:nvGrpSpPr>
-            <p:grpSpPr>
-              <a:xfrm>
-                <a:off x="4356936" y="4550540"/>
-                <a:ext cx="390248" cy="483528"/>
-                <a:chOff x="8173259" y="3602456"/>
-                <a:chExt cx="600626" cy="752080"/>
-              </a:xfrm>
-            </p:grpSpPr>
-            <p:sp>
-              <p:nvSpPr>
-                <p:cNvPr id="93" name="Rounded Rectangle 92"/>
-                <p:cNvSpPr/>
-                <p:nvPr/>
-              </p:nvSpPr>
-              <p:spPr bwMode="auto">
-                <a:xfrm>
-                  <a:off x="8173259" y="3602456"/>
-                  <a:ext cx="600626" cy="752080"/>
-                </a:xfrm>
-                <a:prstGeom prst="roundRect">
-                  <a:avLst>
-                    <a:gd name="adj" fmla="val 10276"/>
-                  </a:avLst>
-                </a:prstGeom>
-                <a:solidFill>
-                  <a:srgbClr val="ED1E79"/>
-                </a:solidFill>
-                <a:ln w="28575">
-                  <a:solidFill>
-                    <a:schemeClr val="bg1"/>
-                  </a:solidFill>
-                  <a:headEnd type="none" w="med" len="med"/>
-                  <a:tailEnd type="none" w="med" len="med"/>
-                </a:ln>
-                <a:effectLst/>
-              </p:spPr>
-              <p:style>
-                <a:lnRef idx="1">
-                  <a:schemeClr val="accent2"/>
-                </a:lnRef>
-                <a:fillRef idx="3">
-                  <a:schemeClr val="accent2"/>
-                </a:fillRef>
-                <a:effectRef idx="2">
-                  <a:schemeClr val="accent2"/>
-                </a:effectRef>
-                <a:fontRef idx="minor">
-                  <a:schemeClr val="lt1"/>
-                </a:fontRef>
-              </p:style>
-              <p:txBody>
-                <a:bodyPr vert="horz" wrap="square" lIns="91436" tIns="45718" rIns="91436" bIns="45718" numCol="1" rtlCol="0" anchor="ctr" anchorCtr="0" compatLnSpc="1">
-                  <a:prstTxWarp prst="textNoShape">
-                    <a:avLst/>
-                  </a:prstTxWarp>
-                </a:bodyPr>
-                <a:lstStyle/>
-                <a:p>
-                  <a:pPr algn="ctr" defTabSz="914099" fontAlgn="base">
-                    <a:spcBef>
-                      <a:spcPct val="0"/>
-                    </a:spcBef>
-                    <a:spcAft>
-                      <a:spcPct val="0"/>
-                    </a:spcAft>
-                  </a:pPr>
-                  <a:endParaRPr lang="en-US" sz="2200" dirty="0" smtClean="0">
-                    <a:gradFill>
-                      <a:gsLst>
-                        <a:gs pos="0">
-                          <a:srgbClr val="FFFFFF"/>
-                        </a:gs>
-                        <a:gs pos="100000">
-                          <a:srgbClr val="FFFFFF"/>
-                        </a:gs>
-                      </a:gsLst>
-                      <a:lin ang="5400000" scaled="0"/>
-                    </a:gradFill>
-                  </a:endParaRPr>
-                </a:p>
-              </p:txBody>
-            </p:sp>
-            <p:pic>
-              <p:nvPicPr>
-                <p:cNvPr id="94" name="Picture 93"/>
-                <p:cNvPicPr>
-                  <a:picLocks noChangeAspect="1"/>
-                </p:cNvPicPr>
-                <p:nvPr/>
-              </p:nvPicPr>
-              <p:blipFill>
-                <a:blip r:embed="rId8" cstate="print">
-                  <a:extLst>
-                    <a:ext uri="{BEBA8EAE-BF5A-486C-A8C5-ECC9F3942E4B}">
-                      <a14:imgProps xmlns:a14="http://schemas.microsoft.com/office/drawing/2010/main">
-                        <a14:imgLayer r:embed="rId9">
-                          <a14:imgEffect>
-                            <a14:brightnessContrast bright="100000"/>
-                          </a14:imgEffect>
-                        </a14:imgLayer>
-                      </a14:imgProps>
-                    </a:ext>
-                    <a:ext uri="{28A0092B-C50C-407E-A947-70E740481C1C}">
-                      <a14:useLocalDpi xmlns:a14="http://schemas.microsoft.com/office/drawing/2010/main" val="0"/>
-                    </a:ext>
-                  </a:extLst>
-                </a:blip>
-                <a:stretch>
-                  <a:fillRect/>
-                </a:stretch>
-              </p:blipFill>
-              <p:spPr>
-                <a:xfrm>
-                  <a:off x="8262809" y="3757835"/>
-                  <a:ext cx="434829" cy="434829"/>
-                </a:xfrm>
-                <a:prstGeom prst="rect">
-                  <a:avLst/>
-                </a:prstGeom>
-              </p:spPr>
-            </p:pic>
-          </p:grpSp>
-          <p:sp>
-            <p:nvSpPr>
-              <p:cNvPr id="83" name="Rounded Rectangle 82"/>
-              <p:cNvSpPr/>
-              <p:nvPr/>
-            </p:nvSpPr>
-            <p:spPr bwMode="auto">
-              <a:xfrm>
-                <a:off x="4348006" y="4537747"/>
-                <a:ext cx="413721" cy="507938"/>
-              </a:xfrm>
-              <a:prstGeom prst="roundRect">
-                <a:avLst>
-                  <a:gd name="adj" fmla="val 8320"/>
-                </a:avLst>
-              </a:prstGeom>
-              <a:solidFill>
-                <a:srgbClr val="595959"/>
-              </a:solidFill>
-              <a:ln>
-                <a:noFill/>
-                <a:headEnd type="none" w="med" len="med"/>
-                <a:tailEnd type="none" w="med" len="med"/>
-              </a:ln>
-              <a:effectLst/>
-            </p:spPr>
-            <p:style>
-              <a:lnRef idx="1">
-                <a:schemeClr val="accent2"/>
-              </a:lnRef>
-              <a:fillRef idx="3">
-                <a:schemeClr val="accent2"/>
-              </a:fillRef>
-              <a:effectRef idx="2">
-                <a:schemeClr val="accent2"/>
-              </a:effectRef>
-              <a:fontRef idx="minor">
-                <a:schemeClr val="lt1"/>
-              </a:fontRef>
-            </p:style>
-            <p:txBody>
-              <a:bodyPr vert="horz" wrap="square" lIns="91436" tIns="45718" rIns="91436" bIns="45718" numCol="1" rtlCol="0" anchor="ctr" anchorCtr="0" compatLnSpc="1">
-                <a:prstTxWarp prst="textNoShape">
-                  <a:avLst/>
-                </a:prstTxWarp>
-              </a:bodyPr>
-              <a:lstStyle/>
-              <a:p>
-                <a:pPr algn="ctr" defTabSz="914099" fontAlgn="base">
-                  <a:spcBef>
-                    <a:spcPct val="0"/>
-                  </a:spcBef>
-                  <a:spcAft>
-                    <a:spcPct val="0"/>
-                  </a:spcAft>
-                </a:pPr>
-                <a:endParaRPr lang="en-US" sz="2200" dirty="0" smtClean="0">
-                  <a:gradFill>
-                    <a:gsLst>
-                      <a:gs pos="0">
-                        <a:srgbClr val="FFFFFF"/>
-                      </a:gs>
-                      <a:gs pos="100000">
-                        <a:srgbClr val="FFFFFF"/>
-                      </a:gs>
-                    </a:gsLst>
-                    <a:lin ang="5400000" scaled="0"/>
-                  </a:gradFill>
-                </a:endParaRPr>
-              </a:p>
-            </p:txBody>
-          </p:sp>
-          <p:sp>
-            <p:nvSpPr>
-              <p:cNvPr id="84" name="Rounded Rectangle 83"/>
-              <p:cNvSpPr/>
-              <p:nvPr/>
-            </p:nvSpPr>
-            <p:spPr bwMode="auto">
-              <a:xfrm>
-                <a:off x="3200586" y="3988151"/>
-                <a:ext cx="399178" cy="483528"/>
-              </a:xfrm>
-              <a:prstGeom prst="roundRect">
-                <a:avLst>
-                  <a:gd name="adj" fmla="val 8915"/>
-                </a:avLst>
-              </a:prstGeom>
-              <a:solidFill>
-                <a:srgbClr val="92D050"/>
-              </a:solidFill>
-              <a:ln>
-                <a:noFill/>
-                <a:headEnd type="none" w="med" len="med"/>
-                <a:tailEnd type="none" w="med" len="med"/>
-              </a:ln>
-              <a:effectLst/>
-            </p:spPr>
-            <p:style>
-              <a:lnRef idx="1">
-                <a:schemeClr val="accent2"/>
-              </a:lnRef>
-              <a:fillRef idx="3">
-                <a:schemeClr val="accent2"/>
-              </a:fillRef>
-              <a:effectRef idx="2">
-                <a:schemeClr val="accent2"/>
-              </a:effectRef>
-              <a:fontRef idx="minor">
-                <a:schemeClr val="lt1"/>
-              </a:fontRef>
-            </p:style>
-            <p:txBody>
-              <a:bodyPr vert="horz" wrap="square" lIns="91436" tIns="45718" rIns="91436" bIns="45718" numCol="1" rtlCol="0" anchor="ctr" anchorCtr="0" compatLnSpc="1">
-                <a:prstTxWarp prst="textNoShape">
-                  <a:avLst/>
-                </a:prstTxWarp>
-              </a:bodyPr>
-              <a:lstStyle/>
-              <a:p>
-                <a:pPr algn="ctr" defTabSz="914099" fontAlgn="base">
-                  <a:spcBef>
-                    <a:spcPct val="0"/>
-                  </a:spcBef>
-                  <a:spcAft>
-                    <a:spcPct val="0"/>
-                  </a:spcAft>
-                </a:pPr>
-                <a:endParaRPr lang="en-US" sz="2200" dirty="0" smtClean="0">
-                  <a:gradFill>
-                    <a:gsLst>
-                      <a:gs pos="0">
-                        <a:srgbClr val="FFFFFF"/>
-                      </a:gs>
-                      <a:gs pos="100000">
-                        <a:srgbClr val="FFFFFF"/>
-                      </a:gs>
-                    </a:gsLst>
-                    <a:lin ang="5400000" scaled="0"/>
-                  </a:gradFill>
-                </a:endParaRPr>
-              </a:p>
-            </p:txBody>
-          </p:sp>
-          <p:grpSp>
-            <p:nvGrpSpPr>
-              <p:cNvPr id="85" name="Group 84"/>
-              <p:cNvGrpSpPr/>
-              <p:nvPr/>
-            </p:nvGrpSpPr>
-            <p:grpSpPr>
-              <a:xfrm>
-                <a:off x="3186043" y="3976407"/>
-                <a:ext cx="927536" cy="1533610"/>
-                <a:chOff x="6371150" y="2709450"/>
-                <a:chExt cx="1427560" cy="2385378"/>
-              </a:xfrm>
-            </p:grpSpPr>
-            <p:pic>
-              <p:nvPicPr>
-                <p:cNvPr id="87" name="Picture 86"/>
-                <p:cNvPicPr>
-                  <a:picLocks noChangeAspect="1"/>
-                </p:cNvPicPr>
-                <p:nvPr/>
-              </p:nvPicPr>
-              <p:blipFill>
-                <a:blip r:embed="rId6" cstate="print">
-                  <a:extLst>
-                    <a:ext uri="{28A0092B-C50C-407E-A947-70E740481C1C}">
-                      <a14:useLocalDpi xmlns:a14="http://schemas.microsoft.com/office/drawing/2010/main" val="0"/>
-                    </a:ext>
-                  </a:extLst>
-                </a:blip>
-                <a:stretch>
-                  <a:fillRect/>
-                </a:stretch>
-              </p:blipFill>
-              <p:spPr>
-                <a:xfrm>
-                  <a:off x="7161956" y="2709450"/>
-                  <a:ext cx="636754" cy="790047"/>
-                </a:xfrm>
-                <a:prstGeom prst="rect">
-                  <a:avLst/>
-                </a:prstGeom>
-              </p:spPr>
-            </p:pic>
-            <p:pic>
-              <p:nvPicPr>
-                <p:cNvPr id="88" name="Picture 87"/>
-                <p:cNvPicPr>
-                  <a:picLocks noChangeAspect="1"/>
-                </p:cNvPicPr>
-                <p:nvPr/>
-              </p:nvPicPr>
-              <p:blipFill>
-                <a:blip r:embed="rId6" cstate="print">
-                  <a:extLst>
-                    <a:ext uri="{28A0092B-C50C-407E-A947-70E740481C1C}">
-                      <a14:useLocalDpi xmlns:a14="http://schemas.microsoft.com/office/drawing/2010/main" val="0"/>
-                    </a:ext>
-                  </a:extLst>
-                </a:blip>
-                <a:stretch>
-                  <a:fillRect/>
-                </a:stretch>
-              </p:blipFill>
-              <p:spPr>
-                <a:xfrm>
-                  <a:off x="6371150" y="3582559"/>
-                  <a:ext cx="636754" cy="790047"/>
-                </a:xfrm>
-                <a:prstGeom prst="rect">
-                  <a:avLst/>
-                </a:prstGeom>
-              </p:spPr>
-            </p:pic>
-            <p:pic>
-              <p:nvPicPr>
-                <p:cNvPr id="89" name="Picture 88"/>
-                <p:cNvPicPr>
-                  <a:picLocks noChangeAspect="1"/>
-                </p:cNvPicPr>
-                <p:nvPr/>
-              </p:nvPicPr>
-              <p:blipFill>
-                <a:blip r:embed="rId6" cstate="print">
-                  <a:extLst>
-                    <a:ext uri="{28A0092B-C50C-407E-A947-70E740481C1C}">
-                      <a14:useLocalDpi xmlns:a14="http://schemas.microsoft.com/office/drawing/2010/main" val="0"/>
-                    </a:ext>
-                  </a:extLst>
-                </a:blip>
-                <a:stretch>
-                  <a:fillRect/>
-                </a:stretch>
-              </p:blipFill>
-              <p:spPr>
-                <a:xfrm>
-                  <a:off x="7161956" y="3582559"/>
-                  <a:ext cx="636754" cy="790047"/>
-                </a:xfrm>
-                <a:prstGeom prst="rect">
-                  <a:avLst/>
-                </a:prstGeom>
-              </p:spPr>
-            </p:pic>
-            <p:pic>
-              <p:nvPicPr>
-                <p:cNvPr id="90" name="Picture 89"/>
-                <p:cNvPicPr>
-                  <a:picLocks noChangeAspect="1"/>
-                </p:cNvPicPr>
-                <p:nvPr/>
-              </p:nvPicPr>
-              <p:blipFill rotWithShape="1">
-                <a:blip r:embed="rId7" cstate="print">
-                  <a:extLst>
-                    <a:ext uri="{28A0092B-C50C-407E-A947-70E740481C1C}">
-                      <a14:useLocalDpi xmlns:a14="http://schemas.microsoft.com/office/drawing/2010/main" val="0"/>
-                    </a:ext>
-                  </a:extLst>
-                </a:blip>
-                <a:srcRect/>
-                <a:stretch/>
-              </p:blipFill>
-              <p:spPr>
-                <a:xfrm>
-                  <a:off x="6371150" y="4461376"/>
-                  <a:ext cx="636754" cy="633452"/>
-                </a:xfrm>
-                <a:prstGeom prst="rect">
-                  <a:avLst/>
-                </a:prstGeom>
-              </p:spPr>
-            </p:pic>
-            <p:pic>
-              <p:nvPicPr>
-                <p:cNvPr id="91" name="Picture 90"/>
-                <p:cNvPicPr>
-                  <a:picLocks noChangeAspect="1"/>
-                </p:cNvPicPr>
-                <p:nvPr/>
-              </p:nvPicPr>
-              <p:blipFill rotWithShape="1">
-                <a:blip r:embed="rId7" cstate="print">
-                  <a:extLst>
-                    <a:ext uri="{28A0092B-C50C-407E-A947-70E740481C1C}">
-                      <a14:useLocalDpi xmlns:a14="http://schemas.microsoft.com/office/drawing/2010/main" val="0"/>
-                    </a:ext>
-                  </a:extLst>
-                </a:blip>
-                <a:srcRect/>
-                <a:stretch/>
-              </p:blipFill>
-              <p:spPr>
-                <a:xfrm>
-                  <a:off x="7161956" y="4461376"/>
-                  <a:ext cx="636754" cy="633452"/>
-                </a:xfrm>
-                <a:prstGeom prst="rect">
-                  <a:avLst/>
-                </a:prstGeom>
-              </p:spPr>
-            </p:pic>
-            <p:pic>
-              <p:nvPicPr>
-                <p:cNvPr id="92" name="Picture 91"/>
-                <p:cNvPicPr>
-                  <a:picLocks noChangeAspect="1"/>
-                </p:cNvPicPr>
-                <p:nvPr/>
-              </p:nvPicPr>
-              <p:blipFill>
-                <a:blip r:embed="rId6" cstate="print">
-                  <a:extLst>
-                    <a:ext uri="{28A0092B-C50C-407E-A947-70E740481C1C}">
-                      <a14:useLocalDpi xmlns:a14="http://schemas.microsoft.com/office/drawing/2010/main" val="0"/>
-                    </a:ext>
-                  </a:extLst>
-                </a:blip>
-                <a:stretch>
-                  <a:fillRect/>
-                </a:stretch>
-              </p:blipFill>
-              <p:spPr>
-                <a:xfrm>
-                  <a:off x="6371150" y="2709450"/>
-                  <a:ext cx="636754" cy="790047"/>
-                </a:xfrm>
-                <a:prstGeom prst="rect">
-                  <a:avLst/>
-                </a:prstGeom>
-              </p:spPr>
-            </p:pic>
-          </p:grpSp>
-          <p:sp>
-            <p:nvSpPr>
-              <p:cNvPr id="86" name="TextBox 85"/>
-              <p:cNvSpPr txBox="1"/>
-              <p:nvPr/>
-            </p:nvSpPr>
-            <p:spPr>
-              <a:xfrm>
-                <a:off x="3802885" y="5853859"/>
-                <a:ext cx="2027286" cy="221599"/>
-              </a:xfrm>
-              <a:prstGeom prst="rect">
-                <a:avLst/>
-              </a:prstGeom>
-              <a:noFill/>
-            </p:spPr>
-            <p:txBody>
-              <a:bodyPr wrap="square" lIns="0" tIns="0" rIns="0" bIns="0" rtlCol="0">
-                <a:spAutoFit/>
-              </a:bodyPr>
-              <a:lstStyle/>
-              <a:p>
-                <a:pPr algn="ctr">
-                  <a:lnSpc>
-                    <a:spcPct val="80000"/>
-                  </a:lnSpc>
-                  <a:spcBef>
-                    <a:spcPct val="20000"/>
-                  </a:spcBef>
-                  <a:buSzPct val="80000"/>
-                </a:pPr>
-                <a:r>
-                  <a:rPr lang="en-US" dirty="0" smtClean="0">
-                    <a:solidFill>
-                      <a:srgbClr val="5F5F5F">
-                        <a:alpha val="99000"/>
-                      </a:srgbClr>
-                    </a:solidFill>
-                  </a:rPr>
-                  <a:t>WEST DC</a:t>
-                </a:r>
-                <a:endParaRPr lang="en-US" sz="1800" dirty="0">
-                  <a:solidFill>
-                    <a:srgbClr val="5F5F5F">
-                      <a:alpha val="99000"/>
-                    </a:srgbClr>
-                  </a:solidFill>
-                </a:endParaRPr>
-              </a:p>
-            </p:txBody>
-          </p:sp>
-        </p:grpSp>
-        <p:grpSp>
-          <p:nvGrpSpPr>
-            <p:cNvPr id="167" name="Group 166"/>
-            <p:cNvGrpSpPr/>
-            <p:nvPr/>
-          </p:nvGrpSpPr>
-          <p:grpSpPr>
-            <a:xfrm>
-              <a:off x="7625384" y="3541666"/>
-              <a:ext cx="3683490" cy="2533792"/>
-              <a:chOff x="7987674" y="3541666"/>
-              <a:chExt cx="3683490" cy="2533792"/>
-            </a:xfrm>
-          </p:grpSpPr>
-          <p:sp>
-            <p:nvSpPr>
-              <p:cNvPr id="123" name="Rounded Rectangle 122"/>
-              <p:cNvSpPr/>
-              <p:nvPr/>
-            </p:nvSpPr>
-            <p:spPr bwMode="auto">
-              <a:xfrm>
-                <a:off x="7987674" y="3541666"/>
-                <a:ext cx="3683490" cy="2173119"/>
-              </a:xfrm>
-              <a:prstGeom prst="roundRect">
-                <a:avLst>
-                  <a:gd name="adj" fmla="val 3964"/>
-                </a:avLst>
-              </a:prstGeom>
-              <a:solidFill>
-                <a:srgbClr val="A6A6A6"/>
-              </a:solidFill>
-              <a:ln>
-                <a:solidFill>
-                  <a:srgbClr val="A6A6A6"/>
-                </a:solidFill>
-                <a:headEnd type="none" w="med" len="med"/>
-                <a:tailEnd type="none" w="med" len="med"/>
-              </a:ln>
-              <a:effectLst/>
-            </p:spPr>
-            <p:style>
-              <a:lnRef idx="1">
-                <a:schemeClr val="accent2"/>
-              </a:lnRef>
-              <a:fillRef idx="3">
-                <a:schemeClr val="accent2"/>
-              </a:fillRef>
-              <a:effectRef idx="2">
-                <a:schemeClr val="accent2"/>
-              </a:effectRef>
-              <a:fontRef idx="minor">
-                <a:schemeClr val="lt1"/>
-              </a:fontRef>
-            </p:style>
-            <p:txBody>
-              <a:bodyPr vert="horz" wrap="square" lIns="91436" tIns="45718" rIns="91436" bIns="45718" numCol="1" rtlCol="0" anchor="ctr" anchorCtr="0" compatLnSpc="1">
-                <a:prstTxWarp prst="textNoShape">
-                  <a:avLst/>
-                </a:prstTxWarp>
-              </a:bodyPr>
-              <a:lstStyle/>
-              <a:p>
-                <a:pPr algn="ctr" defTabSz="914099" fontAlgn="base">
-                  <a:spcBef>
-                    <a:spcPct val="0"/>
-                  </a:spcBef>
-                  <a:spcAft>
-                    <a:spcPct val="0"/>
-                  </a:spcAft>
-                </a:pPr>
-                <a:endParaRPr lang="en-US" dirty="0">
-                  <a:solidFill>
-                    <a:srgbClr val="FFFFFF"/>
-                  </a:solidFill>
-                </a:endParaRPr>
-              </a:p>
-            </p:txBody>
-          </p:sp>
-          <p:grpSp>
-            <p:nvGrpSpPr>
-              <p:cNvPr id="124" name="Group 123"/>
-              <p:cNvGrpSpPr/>
-              <p:nvPr/>
-            </p:nvGrpSpPr>
-            <p:grpSpPr>
-              <a:xfrm>
-                <a:off x="8125128" y="3682345"/>
-                <a:ext cx="1086341" cy="1896665"/>
-                <a:chOff x="3857138" y="-151910"/>
-                <a:chExt cx="1671976" cy="2950074"/>
-              </a:xfrm>
-            </p:grpSpPr>
-            <p:pic>
-              <p:nvPicPr>
-                <p:cNvPr id="125" name="Picture 124"/>
-                <p:cNvPicPr>
-                  <a:picLocks noChangeAspect="1"/>
-                </p:cNvPicPr>
-                <p:nvPr/>
-              </p:nvPicPr>
-              <p:blipFill rotWithShape="1">
-                <a:blip r:embed="rId4" cstate="print">
-                  <a:extLst>
-                    <a:ext uri="{28A0092B-C50C-407E-A947-70E740481C1C}">
-                      <a14:useLocalDpi xmlns:a14="http://schemas.microsoft.com/office/drawing/2010/main" val="0"/>
-                    </a:ext>
-                  </a:extLst>
-                </a:blip>
-                <a:srcRect/>
-                <a:stretch/>
-              </p:blipFill>
-              <p:spPr>
-                <a:xfrm>
-                  <a:off x="3857140" y="-151910"/>
-                  <a:ext cx="1671974" cy="303820"/>
-                </a:xfrm>
-                <a:prstGeom prst="rect">
-                  <a:avLst/>
-                </a:prstGeom>
-              </p:spPr>
-            </p:pic>
-            <p:sp>
-              <p:nvSpPr>
-                <p:cNvPr id="126" name="Rectangle 125"/>
-                <p:cNvSpPr/>
-                <p:nvPr/>
-              </p:nvSpPr>
-              <p:spPr bwMode="auto">
-                <a:xfrm>
-                  <a:off x="3857138" y="151910"/>
-                  <a:ext cx="1671975" cy="2541479"/>
-                </a:xfrm>
-                <a:prstGeom prst="rect">
-                  <a:avLst/>
-                </a:prstGeom>
-                <a:gradFill>
-                  <a:gsLst>
-                    <a:gs pos="0">
-                      <a:schemeClr val="bg2">
-                        <a:lumMod val="16000"/>
-                      </a:schemeClr>
-                    </a:gs>
-                    <a:gs pos="100000">
-                      <a:schemeClr val="bg2">
-                        <a:lumMod val="19000"/>
-                      </a:schemeClr>
-                    </a:gs>
-                    <a:gs pos="86000">
-                      <a:srgbClr val="434343"/>
-                    </a:gs>
-                    <a:gs pos="18000">
-                      <a:schemeClr val="bg2">
-                        <a:lumMod val="27000"/>
-                      </a:schemeClr>
-                    </a:gs>
-                  </a:gsLst>
-                  <a:lin ang="5400000" scaled="0"/>
-                </a:gradFill>
-                <a:ln>
-                  <a:noFill/>
-                  <a:headEnd type="none" w="med" len="med"/>
-                  <a:tailEnd type="none" w="med" len="med"/>
-                </a:ln>
-                <a:effectLst/>
-              </p:spPr>
-              <p:style>
-                <a:lnRef idx="1">
-                  <a:schemeClr val="accent2"/>
-                </a:lnRef>
-                <a:fillRef idx="3">
-                  <a:schemeClr val="accent2"/>
-                </a:fillRef>
-                <a:effectRef idx="2">
-                  <a:schemeClr val="accent2"/>
-                </a:effectRef>
-                <a:fontRef idx="minor">
-                  <a:schemeClr val="lt1"/>
-                </a:fontRef>
-              </p:style>
-              <p:txBody>
-                <a:bodyPr vert="horz" wrap="square" lIns="91436" tIns="45718" rIns="91436" bIns="45718" numCol="1" rtlCol="0" anchor="ctr" anchorCtr="0" compatLnSpc="1">
-                  <a:prstTxWarp prst="textNoShape">
-                    <a:avLst/>
-                  </a:prstTxWarp>
-                </a:bodyPr>
-                <a:lstStyle/>
-                <a:p>
-                  <a:pPr algn="ctr" defTabSz="914099" fontAlgn="base">
-                    <a:spcBef>
-                      <a:spcPct val="0"/>
-                    </a:spcBef>
-                    <a:spcAft>
-                      <a:spcPct val="0"/>
-                    </a:spcAft>
-                  </a:pPr>
-                  <a:endParaRPr lang="en-US" sz="2200" dirty="0" smtClean="0">
-                    <a:gradFill>
-                      <a:gsLst>
-                        <a:gs pos="0">
-                          <a:srgbClr val="FFFFFF"/>
-                        </a:gs>
-                        <a:gs pos="100000">
-                          <a:srgbClr val="FFFFFF"/>
-                        </a:gs>
-                      </a:gsLst>
-                      <a:lin ang="5400000" scaled="0"/>
-                    </a:gradFill>
-                  </a:endParaRPr>
-                </a:p>
-              </p:txBody>
-            </p:sp>
-            <p:pic>
-              <p:nvPicPr>
-                <p:cNvPr id="127" name="Picture 126"/>
-                <p:cNvPicPr>
-                  <a:picLocks noChangeAspect="1"/>
-                </p:cNvPicPr>
-                <p:nvPr/>
-              </p:nvPicPr>
-              <p:blipFill rotWithShape="1">
-                <a:blip r:embed="rId5" cstate="print">
-                  <a:extLst>
-                    <a:ext uri="{28A0092B-C50C-407E-A947-70E740481C1C}">
-                      <a14:useLocalDpi xmlns:a14="http://schemas.microsoft.com/office/drawing/2010/main" val="0"/>
-                    </a:ext>
-                  </a:extLst>
-                </a:blip>
-                <a:srcRect/>
-                <a:stretch/>
-              </p:blipFill>
-              <p:spPr>
-                <a:xfrm>
-                  <a:off x="3857140" y="2691324"/>
-                  <a:ext cx="1671974" cy="106840"/>
-                </a:xfrm>
-                <a:prstGeom prst="rect">
-                  <a:avLst/>
-                </a:prstGeom>
-              </p:spPr>
-            </p:pic>
-          </p:grpSp>
-          <p:grpSp>
-            <p:nvGrpSpPr>
-              <p:cNvPr id="128" name="Group 127"/>
-              <p:cNvGrpSpPr/>
-              <p:nvPr/>
-            </p:nvGrpSpPr>
-            <p:grpSpPr>
-              <a:xfrm>
-                <a:off x="9287092" y="3682345"/>
-                <a:ext cx="1086341" cy="1896665"/>
-                <a:chOff x="3857138" y="-151910"/>
-                <a:chExt cx="1671976" cy="2950074"/>
-              </a:xfrm>
-            </p:grpSpPr>
-            <p:pic>
-              <p:nvPicPr>
-                <p:cNvPr id="129" name="Picture 128"/>
-                <p:cNvPicPr>
-                  <a:picLocks noChangeAspect="1"/>
-                </p:cNvPicPr>
-                <p:nvPr/>
-              </p:nvPicPr>
-              <p:blipFill rotWithShape="1">
-                <a:blip r:embed="rId4" cstate="print">
-                  <a:extLst>
-                    <a:ext uri="{28A0092B-C50C-407E-A947-70E740481C1C}">
-                      <a14:useLocalDpi xmlns:a14="http://schemas.microsoft.com/office/drawing/2010/main" val="0"/>
-                    </a:ext>
-                  </a:extLst>
-                </a:blip>
-                <a:srcRect/>
-                <a:stretch/>
-              </p:blipFill>
-              <p:spPr>
-                <a:xfrm>
-                  <a:off x="3857140" y="-151910"/>
-                  <a:ext cx="1671974" cy="303820"/>
-                </a:xfrm>
-                <a:prstGeom prst="rect">
-                  <a:avLst/>
-                </a:prstGeom>
-              </p:spPr>
-            </p:pic>
-            <p:sp>
-              <p:nvSpPr>
-                <p:cNvPr id="130" name="Rectangle 129"/>
-                <p:cNvSpPr/>
-                <p:nvPr/>
-              </p:nvSpPr>
-              <p:spPr bwMode="auto">
-                <a:xfrm>
-                  <a:off x="3857138" y="151910"/>
-                  <a:ext cx="1671975" cy="2541479"/>
-                </a:xfrm>
-                <a:prstGeom prst="rect">
-                  <a:avLst/>
-                </a:prstGeom>
-                <a:gradFill>
-                  <a:gsLst>
-                    <a:gs pos="0">
-                      <a:schemeClr val="bg2">
-                        <a:lumMod val="16000"/>
-                      </a:schemeClr>
-                    </a:gs>
-                    <a:gs pos="100000">
-                      <a:schemeClr val="bg2">
-                        <a:lumMod val="19000"/>
-                      </a:schemeClr>
-                    </a:gs>
-                    <a:gs pos="86000">
-                      <a:srgbClr val="434343"/>
-                    </a:gs>
-                    <a:gs pos="18000">
-                      <a:schemeClr val="bg2">
-                        <a:lumMod val="27000"/>
-                      </a:schemeClr>
-                    </a:gs>
-                  </a:gsLst>
-                  <a:lin ang="5400000" scaled="0"/>
-                </a:gradFill>
-                <a:ln>
-                  <a:noFill/>
-                  <a:headEnd type="none" w="med" len="med"/>
-                  <a:tailEnd type="none" w="med" len="med"/>
-                </a:ln>
-                <a:effectLst/>
-              </p:spPr>
-              <p:style>
-                <a:lnRef idx="1">
-                  <a:schemeClr val="accent2"/>
-                </a:lnRef>
-                <a:fillRef idx="3">
-                  <a:schemeClr val="accent2"/>
-                </a:fillRef>
-                <a:effectRef idx="2">
-                  <a:schemeClr val="accent2"/>
-                </a:effectRef>
-                <a:fontRef idx="minor">
-                  <a:schemeClr val="lt1"/>
-                </a:fontRef>
-              </p:style>
-              <p:txBody>
-                <a:bodyPr vert="horz" wrap="square" lIns="91436" tIns="45718" rIns="91436" bIns="45718" numCol="1" rtlCol="0" anchor="ctr" anchorCtr="0" compatLnSpc="1">
-                  <a:prstTxWarp prst="textNoShape">
-                    <a:avLst/>
-                  </a:prstTxWarp>
-                </a:bodyPr>
-                <a:lstStyle/>
-                <a:p>
-                  <a:pPr algn="ctr" defTabSz="914099" fontAlgn="base">
-                    <a:spcBef>
-                      <a:spcPct val="0"/>
-                    </a:spcBef>
-                    <a:spcAft>
-                      <a:spcPct val="0"/>
-                    </a:spcAft>
-                  </a:pPr>
-                  <a:endParaRPr lang="en-US" sz="2200" dirty="0" smtClean="0">
-                    <a:gradFill>
-                      <a:gsLst>
-                        <a:gs pos="0">
-                          <a:srgbClr val="FFFFFF"/>
-                        </a:gs>
-                        <a:gs pos="100000">
-                          <a:srgbClr val="FFFFFF"/>
-                        </a:gs>
-                      </a:gsLst>
-                      <a:lin ang="5400000" scaled="0"/>
-                    </a:gradFill>
-                  </a:endParaRPr>
-                </a:p>
-              </p:txBody>
-            </p:sp>
-            <p:pic>
-              <p:nvPicPr>
-                <p:cNvPr id="131" name="Picture 130"/>
-                <p:cNvPicPr>
-                  <a:picLocks noChangeAspect="1"/>
-                </p:cNvPicPr>
-                <p:nvPr/>
-              </p:nvPicPr>
-              <p:blipFill rotWithShape="1">
-                <a:blip r:embed="rId5" cstate="print">
-                  <a:extLst>
-                    <a:ext uri="{28A0092B-C50C-407E-A947-70E740481C1C}">
-                      <a14:useLocalDpi xmlns:a14="http://schemas.microsoft.com/office/drawing/2010/main" val="0"/>
-                    </a:ext>
-                  </a:extLst>
-                </a:blip>
-                <a:srcRect/>
-                <a:stretch/>
-              </p:blipFill>
-              <p:spPr>
-                <a:xfrm>
-                  <a:off x="3857140" y="2691324"/>
-                  <a:ext cx="1671974" cy="106840"/>
-                </a:xfrm>
-                <a:prstGeom prst="rect">
-                  <a:avLst/>
-                </a:prstGeom>
-              </p:spPr>
-            </p:pic>
-          </p:grpSp>
-          <p:grpSp>
-            <p:nvGrpSpPr>
-              <p:cNvPr id="132" name="Group 131"/>
-              <p:cNvGrpSpPr/>
-              <p:nvPr/>
-            </p:nvGrpSpPr>
-            <p:grpSpPr>
-              <a:xfrm>
-                <a:off x="10448966" y="3682345"/>
-                <a:ext cx="1086341" cy="1896665"/>
-                <a:chOff x="3857138" y="-151910"/>
-                <a:chExt cx="1671976" cy="2950074"/>
-              </a:xfrm>
-            </p:grpSpPr>
-            <p:pic>
-              <p:nvPicPr>
-                <p:cNvPr id="133" name="Picture 132"/>
-                <p:cNvPicPr>
-                  <a:picLocks noChangeAspect="1"/>
-                </p:cNvPicPr>
-                <p:nvPr/>
-              </p:nvPicPr>
-              <p:blipFill rotWithShape="1">
-                <a:blip r:embed="rId4" cstate="print">
-                  <a:extLst>
-                    <a:ext uri="{28A0092B-C50C-407E-A947-70E740481C1C}">
-                      <a14:useLocalDpi xmlns:a14="http://schemas.microsoft.com/office/drawing/2010/main" val="0"/>
-                    </a:ext>
-                  </a:extLst>
-                </a:blip>
-                <a:srcRect/>
-                <a:stretch/>
-              </p:blipFill>
-              <p:spPr>
-                <a:xfrm>
-                  <a:off x="3857140" y="-151910"/>
-                  <a:ext cx="1671974" cy="303820"/>
-                </a:xfrm>
-                <a:prstGeom prst="rect">
-                  <a:avLst/>
-                </a:prstGeom>
-              </p:spPr>
-            </p:pic>
-            <p:sp>
-              <p:nvSpPr>
-                <p:cNvPr id="134" name="Rectangle 133"/>
-                <p:cNvSpPr/>
-                <p:nvPr/>
-              </p:nvSpPr>
-              <p:spPr bwMode="auto">
-                <a:xfrm>
-                  <a:off x="3857138" y="151910"/>
-                  <a:ext cx="1671975" cy="2541479"/>
-                </a:xfrm>
-                <a:prstGeom prst="rect">
-                  <a:avLst/>
-                </a:prstGeom>
-                <a:gradFill>
-                  <a:gsLst>
-                    <a:gs pos="0">
-                      <a:schemeClr val="bg2">
-                        <a:lumMod val="16000"/>
-                      </a:schemeClr>
-                    </a:gs>
-                    <a:gs pos="100000">
-                      <a:schemeClr val="bg2">
-                        <a:lumMod val="19000"/>
-                      </a:schemeClr>
-                    </a:gs>
-                    <a:gs pos="86000">
-                      <a:srgbClr val="434343"/>
-                    </a:gs>
-                    <a:gs pos="18000">
-                      <a:schemeClr val="bg2">
-                        <a:lumMod val="27000"/>
-                      </a:schemeClr>
-                    </a:gs>
-                  </a:gsLst>
-                  <a:lin ang="5400000" scaled="0"/>
-                </a:gradFill>
-                <a:ln>
-                  <a:noFill/>
-                  <a:headEnd type="none" w="med" len="med"/>
-                  <a:tailEnd type="none" w="med" len="med"/>
-                </a:ln>
-                <a:effectLst/>
-              </p:spPr>
-              <p:style>
-                <a:lnRef idx="1">
-                  <a:schemeClr val="accent2"/>
-                </a:lnRef>
-                <a:fillRef idx="3">
-                  <a:schemeClr val="accent2"/>
-                </a:fillRef>
-                <a:effectRef idx="2">
-                  <a:schemeClr val="accent2"/>
-                </a:effectRef>
-                <a:fontRef idx="minor">
-                  <a:schemeClr val="lt1"/>
-                </a:fontRef>
-              </p:style>
-              <p:txBody>
-                <a:bodyPr vert="horz" wrap="square" lIns="91436" tIns="45718" rIns="91436" bIns="45718" numCol="1" rtlCol="0" anchor="ctr" anchorCtr="0" compatLnSpc="1">
-                  <a:prstTxWarp prst="textNoShape">
-                    <a:avLst/>
-                  </a:prstTxWarp>
-                </a:bodyPr>
-                <a:lstStyle/>
-                <a:p>
-                  <a:pPr algn="ctr" defTabSz="914099" fontAlgn="base">
-                    <a:spcBef>
-                      <a:spcPct val="0"/>
-                    </a:spcBef>
-                    <a:spcAft>
-                      <a:spcPct val="0"/>
-                    </a:spcAft>
-                  </a:pPr>
-                  <a:endParaRPr lang="en-US" sz="2200" dirty="0" smtClean="0">
-                    <a:gradFill>
-                      <a:gsLst>
-                        <a:gs pos="0">
-                          <a:srgbClr val="FFFFFF"/>
-                        </a:gs>
-                        <a:gs pos="100000">
-                          <a:srgbClr val="FFFFFF"/>
-                        </a:gs>
-                      </a:gsLst>
-                      <a:lin ang="5400000" scaled="0"/>
-                    </a:gradFill>
-                  </a:endParaRPr>
-                </a:p>
-              </p:txBody>
-            </p:sp>
-            <p:pic>
-              <p:nvPicPr>
-                <p:cNvPr id="135" name="Picture 134"/>
-                <p:cNvPicPr>
-                  <a:picLocks noChangeAspect="1"/>
-                </p:cNvPicPr>
-                <p:nvPr/>
-              </p:nvPicPr>
-              <p:blipFill rotWithShape="1">
-                <a:blip r:embed="rId5" cstate="print">
-                  <a:extLst>
-                    <a:ext uri="{28A0092B-C50C-407E-A947-70E740481C1C}">
-                      <a14:useLocalDpi xmlns:a14="http://schemas.microsoft.com/office/drawing/2010/main" val="0"/>
-                    </a:ext>
-                  </a:extLst>
-                </a:blip>
-                <a:srcRect/>
-                <a:stretch/>
-              </p:blipFill>
-              <p:spPr>
-                <a:xfrm>
-                  <a:off x="3857140" y="2691324"/>
-                  <a:ext cx="1671974" cy="106840"/>
-                </a:xfrm>
-                <a:prstGeom prst="rect">
-                  <a:avLst/>
-                </a:prstGeom>
-              </p:spPr>
-            </p:pic>
-          </p:grpSp>
-          <p:sp>
-            <p:nvSpPr>
-              <p:cNvPr id="136" name="Rounded Rectangle 135"/>
-              <p:cNvSpPr/>
-              <p:nvPr/>
-            </p:nvSpPr>
-            <p:spPr bwMode="auto">
-              <a:xfrm>
-                <a:off x="9880788" y="4553721"/>
-                <a:ext cx="399178" cy="483528"/>
-              </a:xfrm>
-              <a:prstGeom prst="roundRect">
-                <a:avLst>
-                  <a:gd name="adj" fmla="val 8915"/>
-                </a:avLst>
-              </a:prstGeom>
-              <a:solidFill>
-                <a:srgbClr val="92D050"/>
-              </a:solidFill>
-              <a:ln>
-                <a:noFill/>
-                <a:headEnd type="none" w="med" len="med"/>
-                <a:tailEnd type="none" w="med" len="med"/>
-              </a:ln>
-              <a:effectLst/>
-            </p:spPr>
-            <p:style>
-              <a:lnRef idx="1">
-                <a:schemeClr val="accent2"/>
-              </a:lnRef>
-              <a:fillRef idx="3">
-                <a:schemeClr val="accent2"/>
-              </a:fillRef>
-              <a:effectRef idx="2">
-                <a:schemeClr val="accent2"/>
-              </a:effectRef>
-              <a:fontRef idx="minor">
-                <a:schemeClr val="lt1"/>
-              </a:fontRef>
-            </p:style>
-            <p:txBody>
-              <a:bodyPr vert="horz" wrap="square" lIns="91436" tIns="45718" rIns="91436" bIns="45718" numCol="1" rtlCol="0" anchor="ctr" anchorCtr="0" compatLnSpc="1">
-                <a:prstTxWarp prst="textNoShape">
-                  <a:avLst/>
-                </a:prstTxWarp>
-              </a:bodyPr>
-              <a:lstStyle/>
-              <a:p>
-                <a:pPr algn="ctr" defTabSz="914099" fontAlgn="base">
-                  <a:spcBef>
-                    <a:spcPct val="0"/>
-                  </a:spcBef>
-                  <a:spcAft>
-                    <a:spcPct val="0"/>
-                  </a:spcAft>
-                </a:pPr>
-                <a:endParaRPr lang="en-US" sz="2200" dirty="0" smtClean="0">
-                  <a:gradFill>
-                    <a:gsLst>
-                      <a:gs pos="0">
-                        <a:srgbClr val="FFFFFF"/>
-                      </a:gs>
-                      <a:gs pos="100000">
-                        <a:srgbClr val="FFFFFF"/>
-                      </a:gs>
-                    </a:gsLst>
-                    <a:lin ang="5400000" scaled="0"/>
-                  </a:gradFill>
-                </a:endParaRPr>
-              </a:p>
-            </p:txBody>
-          </p:sp>
-          <p:sp>
-            <p:nvSpPr>
-              <p:cNvPr id="137" name="Rounded Rectangle 136"/>
-              <p:cNvSpPr/>
-              <p:nvPr/>
-            </p:nvSpPr>
-            <p:spPr bwMode="auto">
-              <a:xfrm>
-                <a:off x="9360897" y="4550540"/>
-                <a:ext cx="399178" cy="483528"/>
-              </a:xfrm>
-              <a:prstGeom prst="roundRect">
-                <a:avLst>
-                  <a:gd name="adj" fmla="val 8915"/>
-                </a:avLst>
-              </a:prstGeom>
-              <a:solidFill>
-                <a:srgbClr val="92D050"/>
-              </a:solidFill>
-              <a:ln>
-                <a:noFill/>
-                <a:headEnd type="none" w="med" len="med"/>
-                <a:tailEnd type="none" w="med" len="med"/>
-              </a:ln>
-              <a:effectLst/>
-            </p:spPr>
-            <p:style>
-              <a:lnRef idx="1">
-                <a:schemeClr val="accent2"/>
-              </a:lnRef>
-              <a:fillRef idx="3">
-                <a:schemeClr val="accent2"/>
-              </a:fillRef>
-              <a:effectRef idx="2">
-                <a:schemeClr val="accent2"/>
-              </a:effectRef>
-              <a:fontRef idx="minor">
-                <a:schemeClr val="lt1"/>
-              </a:fontRef>
-            </p:style>
-            <p:txBody>
-              <a:bodyPr vert="horz" wrap="square" lIns="91436" tIns="45718" rIns="91436" bIns="45718" numCol="1" rtlCol="0" anchor="ctr" anchorCtr="0" compatLnSpc="1">
-                <a:prstTxWarp prst="textNoShape">
-                  <a:avLst/>
-                </a:prstTxWarp>
-              </a:bodyPr>
-              <a:lstStyle/>
-              <a:p>
-                <a:pPr algn="ctr" defTabSz="914099" fontAlgn="base">
-                  <a:spcBef>
-                    <a:spcPct val="0"/>
-                  </a:spcBef>
-                  <a:spcAft>
-                    <a:spcPct val="0"/>
-                  </a:spcAft>
-                </a:pPr>
-                <a:endParaRPr lang="en-US" sz="2200" dirty="0" smtClean="0">
-                  <a:gradFill>
-                    <a:gsLst>
-                      <a:gs pos="0">
-                        <a:srgbClr val="FFFFFF"/>
-                      </a:gs>
-                      <a:gs pos="100000">
-                        <a:srgbClr val="FFFFFF"/>
-                      </a:gs>
-                    </a:gsLst>
-                    <a:lin ang="5400000" scaled="0"/>
-                  </a:gradFill>
-                </a:endParaRPr>
-              </a:p>
-            </p:txBody>
-          </p:sp>
-          <p:sp>
-            <p:nvSpPr>
-              <p:cNvPr id="138" name="Rounded Rectangle 137"/>
-              <p:cNvSpPr/>
-              <p:nvPr/>
-            </p:nvSpPr>
-            <p:spPr bwMode="auto">
-              <a:xfrm>
-                <a:off x="11039225" y="3990267"/>
-                <a:ext cx="399178" cy="483528"/>
-              </a:xfrm>
-              <a:prstGeom prst="roundRect">
-                <a:avLst>
-                  <a:gd name="adj" fmla="val 8915"/>
-                </a:avLst>
-              </a:prstGeom>
-              <a:solidFill>
-                <a:srgbClr val="92D050"/>
-              </a:solidFill>
-              <a:ln>
-                <a:noFill/>
-                <a:headEnd type="none" w="med" len="med"/>
-                <a:tailEnd type="none" w="med" len="med"/>
-              </a:ln>
-              <a:effectLst/>
-            </p:spPr>
-            <p:style>
-              <a:lnRef idx="1">
-                <a:schemeClr val="accent2"/>
-              </a:lnRef>
-              <a:fillRef idx="3">
-                <a:schemeClr val="accent2"/>
-              </a:fillRef>
-              <a:effectRef idx="2">
-                <a:schemeClr val="accent2"/>
-              </a:effectRef>
-              <a:fontRef idx="minor">
-                <a:schemeClr val="lt1"/>
-              </a:fontRef>
-            </p:style>
-            <p:txBody>
-              <a:bodyPr vert="horz" wrap="square" lIns="91436" tIns="45718" rIns="91436" bIns="45718" numCol="1" rtlCol="0" anchor="ctr" anchorCtr="0" compatLnSpc="1">
-                <a:prstTxWarp prst="textNoShape">
-                  <a:avLst/>
-                </a:prstTxWarp>
-              </a:bodyPr>
-              <a:lstStyle/>
-              <a:p>
-                <a:pPr algn="ctr" defTabSz="914099" fontAlgn="base">
-                  <a:spcBef>
-                    <a:spcPct val="0"/>
-                  </a:spcBef>
-                  <a:spcAft>
-                    <a:spcPct val="0"/>
-                  </a:spcAft>
-                </a:pPr>
-                <a:endParaRPr lang="en-US" sz="2200" dirty="0" smtClean="0">
-                  <a:gradFill>
-                    <a:gsLst>
-                      <a:gs pos="0">
-                        <a:srgbClr val="FFFFFF"/>
-                      </a:gs>
-                      <a:gs pos="100000">
-                        <a:srgbClr val="FFFFFF"/>
-                      </a:gs>
-                    </a:gsLst>
-                    <a:lin ang="5400000" scaled="0"/>
-                  </a:gradFill>
-                </a:endParaRPr>
-              </a:p>
-            </p:txBody>
-          </p:sp>
-          <p:grpSp>
-            <p:nvGrpSpPr>
-              <p:cNvPr id="139" name="Group 138"/>
-              <p:cNvGrpSpPr/>
-              <p:nvPr/>
-            </p:nvGrpSpPr>
-            <p:grpSpPr>
-              <a:xfrm>
-                <a:off x="9360897" y="3976407"/>
-                <a:ext cx="927536" cy="1533610"/>
-                <a:chOff x="6371150" y="2709450"/>
-                <a:chExt cx="1427560" cy="2385378"/>
-              </a:xfrm>
-            </p:grpSpPr>
-            <p:pic>
-              <p:nvPicPr>
-                <p:cNvPr id="140" name="Picture 139"/>
-                <p:cNvPicPr>
-                  <a:picLocks noChangeAspect="1"/>
-                </p:cNvPicPr>
-                <p:nvPr/>
-              </p:nvPicPr>
-              <p:blipFill>
-                <a:blip r:embed="rId6" cstate="print">
-                  <a:extLst>
-                    <a:ext uri="{28A0092B-C50C-407E-A947-70E740481C1C}">
-                      <a14:useLocalDpi xmlns:a14="http://schemas.microsoft.com/office/drawing/2010/main" val="0"/>
-                    </a:ext>
-                  </a:extLst>
-                </a:blip>
-                <a:stretch>
-                  <a:fillRect/>
-                </a:stretch>
-              </p:blipFill>
-              <p:spPr>
-                <a:xfrm>
-                  <a:off x="7161956" y="2709450"/>
-                  <a:ext cx="636754" cy="790047"/>
-                </a:xfrm>
-                <a:prstGeom prst="rect">
-                  <a:avLst/>
-                </a:prstGeom>
-              </p:spPr>
-            </p:pic>
-            <p:pic>
-              <p:nvPicPr>
-                <p:cNvPr id="141" name="Picture 140"/>
-                <p:cNvPicPr>
-                  <a:picLocks noChangeAspect="1"/>
-                </p:cNvPicPr>
-                <p:nvPr/>
-              </p:nvPicPr>
-              <p:blipFill>
-                <a:blip r:embed="rId6" cstate="print">
-                  <a:extLst>
-                    <a:ext uri="{28A0092B-C50C-407E-A947-70E740481C1C}">
-                      <a14:useLocalDpi xmlns:a14="http://schemas.microsoft.com/office/drawing/2010/main" val="0"/>
-                    </a:ext>
-                  </a:extLst>
-                </a:blip>
-                <a:stretch>
-                  <a:fillRect/>
-                </a:stretch>
-              </p:blipFill>
-              <p:spPr>
-                <a:xfrm>
-                  <a:off x="6371150" y="3582559"/>
-                  <a:ext cx="636754" cy="790047"/>
-                </a:xfrm>
-                <a:prstGeom prst="rect">
-                  <a:avLst/>
-                </a:prstGeom>
-              </p:spPr>
-            </p:pic>
-            <p:pic>
-              <p:nvPicPr>
-                <p:cNvPr id="142" name="Picture 141"/>
-                <p:cNvPicPr>
-                  <a:picLocks noChangeAspect="1"/>
-                </p:cNvPicPr>
-                <p:nvPr/>
-              </p:nvPicPr>
-              <p:blipFill>
-                <a:blip r:embed="rId6" cstate="print">
-                  <a:extLst>
-                    <a:ext uri="{28A0092B-C50C-407E-A947-70E740481C1C}">
-                      <a14:useLocalDpi xmlns:a14="http://schemas.microsoft.com/office/drawing/2010/main" val="0"/>
-                    </a:ext>
-                  </a:extLst>
-                </a:blip>
-                <a:stretch>
-                  <a:fillRect/>
-                </a:stretch>
-              </p:blipFill>
-              <p:spPr>
-                <a:xfrm>
-                  <a:off x="7161956" y="3582559"/>
-                  <a:ext cx="636754" cy="790047"/>
-                </a:xfrm>
-                <a:prstGeom prst="rect">
-                  <a:avLst/>
-                </a:prstGeom>
-              </p:spPr>
-            </p:pic>
-            <p:pic>
-              <p:nvPicPr>
-                <p:cNvPr id="143" name="Picture 142"/>
-                <p:cNvPicPr>
-                  <a:picLocks noChangeAspect="1"/>
-                </p:cNvPicPr>
-                <p:nvPr/>
-              </p:nvPicPr>
-              <p:blipFill rotWithShape="1">
-                <a:blip r:embed="rId7" cstate="print">
-                  <a:extLst>
-                    <a:ext uri="{28A0092B-C50C-407E-A947-70E740481C1C}">
-                      <a14:useLocalDpi xmlns:a14="http://schemas.microsoft.com/office/drawing/2010/main" val="0"/>
-                    </a:ext>
-                  </a:extLst>
-                </a:blip>
-                <a:srcRect/>
-                <a:stretch/>
-              </p:blipFill>
-              <p:spPr>
-                <a:xfrm>
-                  <a:off x="6371150" y="4461376"/>
-                  <a:ext cx="636754" cy="633452"/>
-                </a:xfrm>
-                <a:prstGeom prst="rect">
-                  <a:avLst/>
-                </a:prstGeom>
-              </p:spPr>
-            </p:pic>
-            <p:pic>
-              <p:nvPicPr>
-                <p:cNvPr id="144" name="Picture 143"/>
-                <p:cNvPicPr>
-                  <a:picLocks noChangeAspect="1"/>
-                </p:cNvPicPr>
-                <p:nvPr/>
-              </p:nvPicPr>
-              <p:blipFill rotWithShape="1">
-                <a:blip r:embed="rId7" cstate="print">
-                  <a:extLst>
-                    <a:ext uri="{28A0092B-C50C-407E-A947-70E740481C1C}">
-                      <a14:useLocalDpi xmlns:a14="http://schemas.microsoft.com/office/drawing/2010/main" val="0"/>
-                    </a:ext>
-                  </a:extLst>
-                </a:blip>
-                <a:srcRect/>
-                <a:stretch/>
-              </p:blipFill>
-              <p:spPr>
-                <a:xfrm>
-                  <a:off x="7161956" y="4461376"/>
-                  <a:ext cx="636754" cy="633452"/>
-                </a:xfrm>
-                <a:prstGeom prst="rect">
-                  <a:avLst/>
-                </a:prstGeom>
-              </p:spPr>
-            </p:pic>
-            <p:pic>
-              <p:nvPicPr>
-                <p:cNvPr id="145" name="Picture 144"/>
-                <p:cNvPicPr>
-                  <a:picLocks noChangeAspect="1"/>
-                </p:cNvPicPr>
-                <p:nvPr/>
-              </p:nvPicPr>
-              <p:blipFill>
-                <a:blip r:embed="rId6" cstate="print">
-                  <a:extLst>
-                    <a:ext uri="{28A0092B-C50C-407E-A947-70E740481C1C}">
-                      <a14:useLocalDpi xmlns:a14="http://schemas.microsoft.com/office/drawing/2010/main" val="0"/>
-                    </a:ext>
-                  </a:extLst>
-                </a:blip>
-                <a:stretch>
-                  <a:fillRect/>
-                </a:stretch>
-              </p:blipFill>
-              <p:spPr>
-                <a:xfrm>
-                  <a:off x="6371150" y="2709450"/>
-                  <a:ext cx="636754" cy="790047"/>
-                </a:xfrm>
-                <a:prstGeom prst="rect">
-                  <a:avLst/>
-                </a:prstGeom>
-              </p:spPr>
-            </p:pic>
-          </p:grpSp>
-          <p:grpSp>
-            <p:nvGrpSpPr>
-              <p:cNvPr id="146" name="Group 145"/>
-              <p:cNvGrpSpPr/>
-              <p:nvPr/>
-            </p:nvGrpSpPr>
-            <p:grpSpPr>
-              <a:xfrm>
-                <a:off x="10522771" y="3976407"/>
-                <a:ext cx="927536" cy="1533610"/>
-                <a:chOff x="6371150" y="2709450"/>
-                <a:chExt cx="1427560" cy="2385378"/>
-              </a:xfrm>
-            </p:grpSpPr>
-            <p:pic>
-              <p:nvPicPr>
-                <p:cNvPr id="147" name="Picture 146"/>
-                <p:cNvPicPr>
-                  <a:picLocks noChangeAspect="1"/>
-                </p:cNvPicPr>
-                <p:nvPr/>
-              </p:nvPicPr>
-              <p:blipFill>
-                <a:blip r:embed="rId6" cstate="print">
-                  <a:extLst>
-                    <a:ext uri="{28A0092B-C50C-407E-A947-70E740481C1C}">
-                      <a14:useLocalDpi xmlns:a14="http://schemas.microsoft.com/office/drawing/2010/main" val="0"/>
-                    </a:ext>
-                  </a:extLst>
-                </a:blip>
-                <a:stretch>
-                  <a:fillRect/>
-                </a:stretch>
-              </p:blipFill>
-              <p:spPr>
-                <a:xfrm>
-                  <a:off x="7161956" y="2709450"/>
-                  <a:ext cx="636754" cy="790047"/>
-                </a:xfrm>
-                <a:prstGeom prst="rect">
-                  <a:avLst/>
-                </a:prstGeom>
-              </p:spPr>
-            </p:pic>
-            <p:pic>
-              <p:nvPicPr>
-                <p:cNvPr id="148" name="Picture 147"/>
-                <p:cNvPicPr>
-                  <a:picLocks noChangeAspect="1"/>
-                </p:cNvPicPr>
-                <p:nvPr/>
-              </p:nvPicPr>
-              <p:blipFill>
-                <a:blip r:embed="rId6" cstate="print">
-                  <a:extLst>
-                    <a:ext uri="{28A0092B-C50C-407E-A947-70E740481C1C}">
-                      <a14:useLocalDpi xmlns:a14="http://schemas.microsoft.com/office/drawing/2010/main" val="0"/>
-                    </a:ext>
-                  </a:extLst>
-                </a:blip>
-                <a:stretch>
-                  <a:fillRect/>
-                </a:stretch>
-              </p:blipFill>
-              <p:spPr>
-                <a:xfrm>
-                  <a:off x="6371150" y="3582559"/>
-                  <a:ext cx="636754" cy="790047"/>
-                </a:xfrm>
-                <a:prstGeom prst="rect">
-                  <a:avLst/>
-                </a:prstGeom>
-              </p:spPr>
-            </p:pic>
-            <p:pic>
-              <p:nvPicPr>
-                <p:cNvPr id="149" name="Picture 148"/>
-                <p:cNvPicPr>
-                  <a:picLocks noChangeAspect="1"/>
-                </p:cNvPicPr>
-                <p:nvPr/>
-              </p:nvPicPr>
-              <p:blipFill>
-                <a:blip r:embed="rId6" cstate="print">
-                  <a:extLst>
-                    <a:ext uri="{28A0092B-C50C-407E-A947-70E740481C1C}">
-                      <a14:useLocalDpi xmlns:a14="http://schemas.microsoft.com/office/drawing/2010/main" val="0"/>
-                    </a:ext>
-                  </a:extLst>
-                </a:blip>
-                <a:stretch>
-                  <a:fillRect/>
-                </a:stretch>
-              </p:blipFill>
-              <p:spPr>
-                <a:xfrm>
-                  <a:off x="7161956" y="3582559"/>
-                  <a:ext cx="636754" cy="790047"/>
-                </a:xfrm>
-                <a:prstGeom prst="rect">
-                  <a:avLst/>
-                </a:prstGeom>
-              </p:spPr>
-            </p:pic>
-            <p:pic>
-              <p:nvPicPr>
-                <p:cNvPr id="150" name="Picture 149"/>
-                <p:cNvPicPr>
-                  <a:picLocks noChangeAspect="1"/>
-                </p:cNvPicPr>
-                <p:nvPr/>
-              </p:nvPicPr>
-              <p:blipFill rotWithShape="1">
-                <a:blip r:embed="rId7" cstate="print">
-                  <a:extLst>
-                    <a:ext uri="{28A0092B-C50C-407E-A947-70E740481C1C}">
-                      <a14:useLocalDpi xmlns:a14="http://schemas.microsoft.com/office/drawing/2010/main" val="0"/>
-                    </a:ext>
-                  </a:extLst>
-                </a:blip>
-                <a:srcRect/>
-                <a:stretch/>
-              </p:blipFill>
-              <p:spPr>
-                <a:xfrm>
-                  <a:off x="6371150" y="4461376"/>
-                  <a:ext cx="636754" cy="633452"/>
-                </a:xfrm>
-                <a:prstGeom prst="rect">
-                  <a:avLst/>
-                </a:prstGeom>
-              </p:spPr>
-            </p:pic>
-            <p:pic>
-              <p:nvPicPr>
-                <p:cNvPr id="151" name="Picture 150"/>
-                <p:cNvPicPr>
-                  <a:picLocks noChangeAspect="1"/>
-                </p:cNvPicPr>
-                <p:nvPr/>
-              </p:nvPicPr>
-              <p:blipFill rotWithShape="1">
-                <a:blip r:embed="rId7" cstate="print">
-                  <a:extLst>
-                    <a:ext uri="{28A0092B-C50C-407E-A947-70E740481C1C}">
-                      <a14:useLocalDpi xmlns:a14="http://schemas.microsoft.com/office/drawing/2010/main" val="0"/>
-                    </a:ext>
-                  </a:extLst>
-                </a:blip>
-                <a:srcRect/>
-                <a:stretch/>
-              </p:blipFill>
-              <p:spPr>
-                <a:xfrm>
-                  <a:off x="7161956" y="4461376"/>
-                  <a:ext cx="636754" cy="633452"/>
-                </a:xfrm>
-                <a:prstGeom prst="rect">
-                  <a:avLst/>
-                </a:prstGeom>
-              </p:spPr>
-            </p:pic>
-            <p:pic>
-              <p:nvPicPr>
-                <p:cNvPr id="152" name="Picture 151"/>
-                <p:cNvPicPr>
-                  <a:picLocks noChangeAspect="1"/>
-                </p:cNvPicPr>
-                <p:nvPr/>
-              </p:nvPicPr>
-              <p:blipFill>
-                <a:blip r:embed="rId6" cstate="print">
-                  <a:extLst>
-                    <a:ext uri="{28A0092B-C50C-407E-A947-70E740481C1C}">
-                      <a14:useLocalDpi xmlns:a14="http://schemas.microsoft.com/office/drawing/2010/main" val="0"/>
-                    </a:ext>
-                  </a:extLst>
-                </a:blip>
-                <a:stretch>
-                  <a:fillRect/>
-                </a:stretch>
-              </p:blipFill>
-              <p:spPr>
-                <a:xfrm>
-                  <a:off x="6371150" y="2709450"/>
-                  <a:ext cx="636754" cy="790047"/>
-                </a:xfrm>
-                <a:prstGeom prst="rect">
-                  <a:avLst/>
-                </a:prstGeom>
-              </p:spPr>
-            </p:pic>
-          </p:grpSp>
-          <p:grpSp>
-            <p:nvGrpSpPr>
-              <p:cNvPr id="153" name="Group 152"/>
-              <p:cNvGrpSpPr/>
-              <p:nvPr/>
-            </p:nvGrpSpPr>
-            <p:grpSpPr>
-              <a:xfrm>
-                <a:off x="9369827" y="4550540"/>
-                <a:ext cx="390248" cy="483528"/>
-                <a:chOff x="8173259" y="3602456"/>
-                <a:chExt cx="600626" cy="752080"/>
-              </a:xfrm>
-            </p:grpSpPr>
-            <p:sp>
-              <p:nvSpPr>
-                <p:cNvPr id="154" name="Rounded Rectangle 153"/>
-                <p:cNvSpPr/>
-                <p:nvPr/>
-              </p:nvSpPr>
-              <p:spPr bwMode="auto">
-                <a:xfrm>
-                  <a:off x="8173259" y="3602456"/>
-                  <a:ext cx="600626" cy="752080"/>
-                </a:xfrm>
-                <a:prstGeom prst="roundRect">
-                  <a:avLst>
-                    <a:gd name="adj" fmla="val 10276"/>
-                  </a:avLst>
-                </a:prstGeom>
-                <a:solidFill>
-                  <a:srgbClr val="ED1E79"/>
-                </a:solidFill>
-                <a:ln w="28575">
-                  <a:solidFill>
-                    <a:schemeClr val="bg1"/>
-                  </a:solidFill>
-                  <a:headEnd type="none" w="med" len="med"/>
-                  <a:tailEnd type="none" w="med" len="med"/>
-                </a:ln>
-                <a:effectLst/>
-              </p:spPr>
-              <p:style>
-                <a:lnRef idx="1">
-                  <a:schemeClr val="accent2"/>
-                </a:lnRef>
-                <a:fillRef idx="3">
-                  <a:schemeClr val="accent2"/>
-                </a:fillRef>
-                <a:effectRef idx="2">
-                  <a:schemeClr val="accent2"/>
-                </a:effectRef>
-                <a:fontRef idx="minor">
-                  <a:schemeClr val="lt1"/>
-                </a:fontRef>
-              </p:style>
-              <p:txBody>
-                <a:bodyPr vert="horz" wrap="square" lIns="91436" tIns="45718" rIns="91436" bIns="45718" numCol="1" rtlCol="0" anchor="ctr" anchorCtr="0" compatLnSpc="1">
-                  <a:prstTxWarp prst="textNoShape">
-                    <a:avLst/>
-                  </a:prstTxWarp>
-                </a:bodyPr>
-                <a:lstStyle/>
-                <a:p>
-                  <a:pPr algn="ctr" defTabSz="914099" fontAlgn="base">
-                    <a:spcBef>
-                      <a:spcPct val="0"/>
-                    </a:spcBef>
-                    <a:spcAft>
-                      <a:spcPct val="0"/>
-                    </a:spcAft>
-                  </a:pPr>
-                  <a:endParaRPr lang="en-US" sz="2200" dirty="0" smtClean="0">
-                    <a:gradFill>
-                      <a:gsLst>
-                        <a:gs pos="0">
-                          <a:srgbClr val="FFFFFF"/>
-                        </a:gs>
-                        <a:gs pos="100000">
-                          <a:srgbClr val="FFFFFF"/>
-                        </a:gs>
-                      </a:gsLst>
-                      <a:lin ang="5400000" scaled="0"/>
-                    </a:gradFill>
-                  </a:endParaRPr>
-                </a:p>
-              </p:txBody>
-            </p:sp>
-            <p:pic>
-              <p:nvPicPr>
-                <p:cNvPr id="155" name="Picture 154"/>
-                <p:cNvPicPr>
-                  <a:picLocks noChangeAspect="1"/>
-                </p:cNvPicPr>
-                <p:nvPr/>
-              </p:nvPicPr>
-              <p:blipFill>
-                <a:blip r:embed="rId8" cstate="print">
-                  <a:extLst>
-                    <a:ext uri="{BEBA8EAE-BF5A-486C-A8C5-ECC9F3942E4B}">
-                      <a14:imgProps xmlns:a14="http://schemas.microsoft.com/office/drawing/2010/main">
-                        <a14:imgLayer r:embed="rId9">
-                          <a14:imgEffect>
-                            <a14:brightnessContrast bright="100000"/>
-                          </a14:imgEffect>
-                        </a14:imgLayer>
-                      </a14:imgProps>
-                    </a:ext>
-                    <a:ext uri="{28A0092B-C50C-407E-A947-70E740481C1C}">
-                      <a14:useLocalDpi xmlns:a14="http://schemas.microsoft.com/office/drawing/2010/main" val="0"/>
-                    </a:ext>
-                  </a:extLst>
-                </a:blip>
-                <a:stretch>
-                  <a:fillRect/>
-                </a:stretch>
-              </p:blipFill>
-              <p:spPr>
-                <a:xfrm>
-                  <a:off x="8262809" y="3757835"/>
-                  <a:ext cx="434829" cy="434829"/>
-                </a:xfrm>
-                <a:prstGeom prst="rect">
-                  <a:avLst/>
-                </a:prstGeom>
-              </p:spPr>
-            </p:pic>
-          </p:grpSp>
-          <p:sp>
-            <p:nvSpPr>
-              <p:cNvPr id="156" name="Rounded Rectangle 155"/>
-              <p:cNvSpPr/>
-              <p:nvPr/>
-            </p:nvSpPr>
-            <p:spPr bwMode="auto">
-              <a:xfrm>
-                <a:off x="9360897" y="4537747"/>
-                <a:ext cx="413721" cy="507938"/>
-              </a:xfrm>
-              <a:prstGeom prst="roundRect">
-                <a:avLst>
-                  <a:gd name="adj" fmla="val 8320"/>
-                </a:avLst>
-              </a:prstGeom>
-              <a:solidFill>
-                <a:srgbClr val="595959"/>
-              </a:solidFill>
-              <a:ln>
-                <a:noFill/>
-                <a:headEnd type="none" w="med" len="med"/>
-                <a:tailEnd type="none" w="med" len="med"/>
-              </a:ln>
-              <a:effectLst/>
-            </p:spPr>
-            <p:style>
-              <a:lnRef idx="1">
-                <a:schemeClr val="accent2"/>
-              </a:lnRef>
-              <a:fillRef idx="3">
-                <a:schemeClr val="accent2"/>
-              </a:fillRef>
-              <a:effectRef idx="2">
-                <a:schemeClr val="accent2"/>
-              </a:effectRef>
-              <a:fontRef idx="minor">
-                <a:schemeClr val="lt1"/>
-              </a:fontRef>
-            </p:style>
-            <p:txBody>
-              <a:bodyPr vert="horz" wrap="square" lIns="91436" tIns="45718" rIns="91436" bIns="45718" numCol="1" rtlCol="0" anchor="ctr" anchorCtr="0" compatLnSpc="1">
-                <a:prstTxWarp prst="textNoShape">
-                  <a:avLst/>
-                </a:prstTxWarp>
-              </a:bodyPr>
-              <a:lstStyle/>
-              <a:p>
-                <a:pPr algn="ctr" defTabSz="914099" fontAlgn="base">
-                  <a:spcBef>
-                    <a:spcPct val="0"/>
-                  </a:spcBef>
-                  <a:spcAft>
-                    <a:spcPct val="0"/>
-                  </a:spcAft>
-                </a:pPr>
-                <a:endParaRPr lang="en-US" sz="2200" dirty="0" smtClean="0">
-                  <a:gradFill>
-                    <a:gsLst>
-                      <a:gs pos="0">
-                        <a:srgbClr val="FFFFFF"/>
-                      </a:gs>
-                      <a:gs pos="100000">
-                        <a:srgbClr val="FFFFFF"/>
-                      </a:gs>
-                    </a:gsLst>
-                    <a:lin ang="5400000" scaled="0"/>
-                  </a:gradFill>
-                </a:endParaRPr>
-              </a:p>
-            </p:txBody>
-          </p:sp>
-          <p:sp>
-            <p:nvSpPr>
-              <p:cNvPr id="157" name="Rounded Rectangle 156"/>
-              <p:cNvSpPr/>
-              <p:nvPr/>
-            </p:nvSpPr>
-            <p:spPr bwMode="auto">
-              <a:xfrm>
-                <a:off x="8213477" y="3988151"/>
-                <a:ext cx="399178" cy="483528"/>
-              </a:xfrm>
-              <a:prstGeom prst="roundRect">
-                <a:avLst>
-                  <a:gd name="adj" fmla="val 8915"/>
-                </a:avLst>
-              </a:prstGeom>
-              <a:solidFill>
-                <a:srgbClr val="92D050"/>
-              </a:solidFill>
-              <a:ln>
-                <a:noFill/>
-                <a:headEnd type="none" w="med" len="med"/>
-                <a:tailEnd type="none" w="med" len="med"/>
-              </a:ln>
-              <a:effectLst/>
-            </p:spPr>
-            <p:style>
-              <a:lnRef idx="1">
-                <a:schemeClr val="accent2"/>
-              </a:lnRef>
-              <a:fillRef idx="3">
-                <a:schemeClr val="accent2"/>
-              </a:fillRef>
-              <a:effectRef idx="2">
-                <a:schemeClr val="accent2"/>
-              </a:effectRef>
-              <a:fontRef idx="minor">
-                <a:schemeClr val="lt1"/>
-              </a:fontRef>
-            </p:style>
-            <p:txBody>
-              <a:bodyPr vert="horz" wrap="square" lIns="91436" tIns="45718" rIns="91436" bIns="45718" numCol="1" rtlCol="0" anchor="ctr" anchorCtr="0" compatLnSpc="1">
-                <a:prstTxWarp prst="textNoShape">
-                  <a:avLst/>
-                </a:prstTxWarp>
-              </a:bodyPr>
-              <a:lstStyle/>
-              <a:p>
-                <a:pPr algn="ctr" defTabSz="914099" fontAlgn="base">
-                  <a:spcBef>
-                    <a:spcPct val="0"/>
-                  </a:spcBef>
-                  <a:spcAft>
-                    <a:spcPct val="0"/>
-                  </a:spcAft>
-                </a:pPr>
-                <a:endParaRPr lang="en-US" sz="2200" dirty="0" smtClean="0">
-                  <a:gradFill>
-                    <a:gsLst>
-                      <a:gs pos="0">
-                        <a:srgbClr val="FFFFFF"/>
-                      </a:gs>
-                      <a:gs pos="100000">
-                        <a:srgbClr val="FFFFFF"/>
-                      </a:gs>
-                    </a:gsLst>
-                    <a:lin ang="5400000" scaled="0"/>
-                  </a:gradFill>
-                </a:endParaRPr>
-              </a:p>
-            </p:txBody>
-          </p:sp>
-          <p:grpSp>
-            <p:nvGrpSpPr>
-              <p:cNvPr id="158" name="Group 157"/>
-              <p:cNvGrpSpPr/>
-              <p:nvPr/>
-            </p:nvGrpSpPr>
-            <p:grpSpPr>
-              <a:xfrm>
-                <a:off x="8198934" y="3976407"/>
-                <a:ext cx="927536" cy="1533610"/>
-                <a:chOff x="6371150" y="2709450"/>
-                <a:chExt cx="1427560" cy="2385378"/>
-              </a:xfrm>
-            </p:grpSpPr>
-            <p:pic>
-              <p:nvPicPr>
-                <p:cNvPr id="159" name="Picture 158"/>
-                <p:cNvPicPr>
-                  <a:picLocks noChangeAspect="1"/>
-                </p:cNvPicPr>
-                <p:nvPr/>
-              </p:nvPicPr>
-              <p:blipFill>
-                <a:blip r:embed="rId6" cstate="print">
-                  <a:extLst>
-                    <a:ext uri="{28A0092B-C50C-407E-A947-70E740481C1C}">
-                      <a14:useLocalDpi xmlns:a14="http://schemas.microsoft.com/office/drawing/2010/main" val="0"/>
-                    </a:ext>
-                  </a:extLst>
-                </a:blip>
-                <a:stretch>
-                  <a:fillRect/>
-                </a:stretch>
-              </p:blipFill>
-              <p:spPr>
-                <a:xfrm>
-                  <a:off x="7161956" y="2709450"/>
-                  <a:ext cx="636754" cy="790047"/>
-                </a:xfrm>
-                <a:prstGeom prst="rect">
-                  <a:avLst/>
-                </a:prstGeom>
-              </p:spPr>
-            </p:pic>
-            <p:pic>
-              <p:nvPicPr>
-                <p:cNvPr id="160" name="Picture 159"/>
-                <p:cNvPicPr>
-                  <a:picLocks noChangeAspect="1"/>
-                </p:cNvPicPr>
-                <p:nvPr/>
-              </p:nvPicPr>
-              <p:blipFill>
-                <a:blip r:embed="rId6" cstate="print">
-                  <a:extLst>
-                    <a:ext uri="{28A0092B-C50C-407E-A947-70E740481C1C}">
-                      <a14:useLocalDpi xmlns:a14="http://schemas.microsoft.com/office/drawing/2010/main" val="0"/>
-                    </a:ext>
-                  </a:extLst>
-                </a:blip>
-                <a:stretch>
-                  <a:fillRect/>
-                </a:stretch>
-              </p:blipFill>
-              <p:spPr>
-                <a:xfrm>
-                  <a:off x="6371150" y="3582559"/>
-                  <a:ext cx="636754" cy="790047"/>
-                </a:xfrm>
-                <a:prstGeom prst="rect">
-                  <a:avLst/>
-                </a:prstGeom>
-              </p:spPr>
-            </p:pic>
-            <p:pic>
-              <p:nvPicPr>
-                <p:cNvPr id="161" name="Picture 160"/>
-                <p:cNvPicPr>
-                  <a:picLocks noChangeAspect="1"/>
-                </p:cNvPicPr>
-                <p:nvPr/>
-              </p:nvPicPr>
-              <p:blipFill>
-                <a:blip r:embed="rId6" cstate="print">
-                  <a:extLst>
-                    <a:ext uri="{28A0092B-C50C-407E-A947-70E740481C1C}">
-                      <a14:useLocalDpi xmlns:a14="http://schemas.microsoft.com/office/drawing/2010/main" val="0"/>
-                    </a:ext>
-                  </a:extLst>
-                </a:blip>
-                <a:stretch>
-                  <a:fillRect/>
-                </a:stretch>
-              </p:blipFill>
-              <p:spPr>
-                <a:xfrm>
-                  <a:off x="7161956" y="3582559"/>
-                  <a:ext cx="636754" cy="790047"/>
-                </a:xfrm>
-                <a:prstGeom prst="rect">
-                  <a:avLst/>
-                </a:prstGeom>
-              </p:spPr>
-            </p:pic>
-            <p:pic>
-              <p:nvPicPr>
-                <p:cNvPr id="162" name="Picture 161"/>
-                <p:cNvPicPr>
-                  <a:picLocks noChangeAspect="1"/>
-                </p:cNvPicPr>
-                <p:nvPr/>
-              </p:nvPicPr>
-              <p:blipFill rotWithShape="1">
-                <a:blip r:embed="rId7" cstate="print">
-                  <a:extLst>
-                    <a:ext uri="{28A0092B-C50C-407E-A947-70E740481C1C}">
-                      <a14:useLocalDpi xmlns:a14="http://schemas.microsoft.com/office/drawing/2010/main" val="0"/>
-                    </a:ext>
-                  </a:extLst>
-                </a:blip>
-                <a:srcRect/>
-                <a:stretch/>
-              </p:blipFill>
-              <p:spPr>
-                <a:xfrm>
-                  <a:off x="6371150" y="4461376"/>
-                  <a:ext cx="636754" cy="633452"/>
-                </a:xfrm>
-                <a:prstGeom prst="rect">
-                  <a:avLst/>
-                </a:prstGeom>
-              </p:spPr>
-            </p:pic>
-            <p:pic>
-              <p:nvPicPr>
-                <p:cNvPr id="163" name="Picture 162"/>
-                <p:cNvPicPr>
-                  <a:picLocks noChangeAspect="1"/>
-                </p:cNvPicPr>
-                <p:nvPr/>
-              </p:nvPicPr>
-              <p:blipFill rotWithShape="1">
-                <a:blip r:embed="rId7" cstate="print">
-                  <a:extLst>
-                    <a:ext uri="{28A0092B-C50C-407E-A947-70E740481C1C}">
-                      <a14:useLocalDpi xmlns:a14="http://schemas.microsoft.com/office/drawing/2010/main" val="0"/>
-                    </a:ext>
-                  </a:extLst>
-                </a:blip>
-                <a:srcRect/>
-                <a:stretch/>
-              </p:blipFill>
-              <p:spPr>
-                <a:xfrm>
-                  <a:off x="7161956" y="4461376"/>
-                  <a:ext cx="636754" cy="633452"/>
-                </a:xfrm>
-                <a:prstGeom prst="rect">
-                  <a:avLst/>
-                </a:prstGeom>
-              </p:spPr>
-            </p:pic>
-            <p:pic>
-              <p:nvPicPr>
-                <p:cNvPr id="164" name="Picture 163"/>
-                <p:cNvPicPr>
-                  <a:picLocks noChangeAspect="1"/>
-                </p:cNvPicPr>
-                <p:nvPr/>
-              </p:nvPicPr>
-              <p:blipFill>
-                <a:blip r:embed="rId6" cstate="print">
-                  <a:extLst>
-                    <a:ext uri="{28A0092B-C50C-407E-A947-70E740481C1C}">
-                      <a14:useLocalDpi xmlns:a14="http://schemas.microsoft.com/office/drawing/2010/main" val="0"/>
-                    </a:ext>
-                  </a:extLst>
-                </a:blip>
-                <a:stretch>
-                  <a:fillRect/>
-                </a:stretch>
-              </p:blipFill>
-              <p:spPr>
-                <a:xfrm>
-                  <a:off x="6371150" y="2709450"/>
-                  <a:ext cx="636754" cy="790047"/>
-                </a:xfrm>
-                <a:prstGeom prst="rect">
-                  <a:avLst/>
-                </a:prstGeom>
-              </p:spPr>
-            </p:pic>
-          </p:grpSp>
-          <p:sp>
-            <p:nvSpPr>
-              <p:cNvPr id="165" name="TextBox 164"/>
-              <p:cNvSpPr txBox="1"/>
-              <p:nvPr/>
-            </p:nvSpPr>
-            <p:spPr>
-              <a:xfrm>
-                <a:off x="8815776" y="5853859"/>
-                <a:ext cx="2027286" cy="221599"/>
-              </a:xfrm>
-              <a:prstGeom prst="rect">
-                <a:avLst/>
-              </a:prstGeom>
-              <a:noFill/>
-            </p:spPr>
-            <p:txBody>
-              <a:bodyPr wrap="square" lIns="0" tIns="0" rIns="0" bIns="0" rtlCol="0">
-                <a:spAutoFit/>
-              </a:bodyPr>
-              <a:lstStyle/>
-              <a:p>
-                <a:pPr algn="ctr">
-                  <a:lnSpc>
-                    <a:spcPct val="80000"/>
-                  </a:lnSpc>
-                  <a:spcBef>
-                    <a:spcPct val="20000"/>
-                  </a:spcBef>
-                  <a:buSzPct val="80000"/>
-                </a:pPr>
-                <a:r>
-                  <a:rPr lang="en-US" dirty="0" smtClean="0">
-                    <a:solidFill>
-                      <a:srgbClr val="5F5F5F">
-                        <a:alpha val="99000"/>
-                      </a:srgbClr>
-                    </a:solidFill>
-                  </a:rPr>
-                  <a:t>EAST DC</a:t>
-                </a:r>
-                <a:endParaRPr lang="en-US" sz="1800" dirty="0">
-                  <a:solidFill>
-                    <a:srgbClr val="5F5F5F">
-                      <a:alpha val="99000"/>
-                    </a:srgbClr>
-                  </a:solidFill>
-                </a:endParaRPr>
-              </a:p>
-            </p:txBody>
-          </p:sp>
-        </p:grpSp>
-        <p:sp>
-          <p:nvSpPr>
-            <p:cNvPr id="166" name="Right Arrow 165"/>
-            <p:cNvSpPr/>
-            <p:nvPr/>
-          </p:nvSpPr>
-          <p:spPr bwMode="auto">
-            <a:xfrm>
-              <a:off x="6758367" y="4147978"/>
-              <a:ext cx="766923" cy="567517"/>
-            </a:xfrm>
-            <a:prstGeom prst="rightArrow">
-              <a:avLst/>
-            </a:prstGeom>
-            <a:solidFill>
-              <a:srgbClr val="92D050">
-                <a:alpha val="50196"/>
-              </a:srgbClr>
-            </a:solidFill>
-            <a:ln>
-              <a:noFill/>
-              <a:headEnd type="none" w="med" len="med"/>
-              <a:tailEnd type="none" w="med" len="med"/>
-            </a:ln>
-            <a:effectLst/>
-          </p:spPr>
-          <p:style>
-            <a:lnRef idx="1">
-              <a:schemeClr val="accent2"/>
-            </a:lnRef>
-            <a:fillRef idx="3">
-              <a:schemeClr val="accent2"/>
-            </a:fillRef>
-            <a:effectRef idx="2">
-              <a:schemeClr val="accent2"/>
-            </a:effectRef>
-            <a:fontRef idx="minor">
-              <a:schemeClr val="lt1"/>
-            </a:fontRef>
-          </p:style>
-          <p:txBody>
-            <a:bodyPr vert="horz" wrap="square" lIns="91436" tIns="45718" rIns="91436" bIns="45718" numCol="1" rtlCol="0" anchor="ctr" anchorCtr="0" compatLnSpc="1">
-              <a:prstTxWarp prst="textNoShape">
-                <a:avLst/>
-              </a:prstTxWarp>
-            </a:bodyPr>
-            <a:lstStyle/>
-            <a:p>
-              <a:pPr algn="ctr" defTabSz="914099" fontAlgn="base">
-                <a:spcBef>
-                  <a:spcPct val="0"/>
-                </a:spcBef>
-                <a:spcAft>
-                  <a:spcPct val="0"/>
-                </a:spcAft>
-              </a:pPr>
-              <a:endParaRPr lang="en-US" sz="2200" dirty="0" smtClean="0">
-                <a:gradFill>
-                  <a:gsLst>
-                    <a:gs pos="0">
-                      <a:srgbClr val="FFFFFF"/>
-                    </a:gs>
-                    <a:gs pos="100000">
-                      <a:srgbClr val="FFFFFF"/>
-                    </a:gs>
-                  </a:gsLst>
-                  <a:lin ang="5400000" scaled="0"/>
-                </a:gradFill>
-              </a:endParaRPr>
-            </a:p>
-          </p:txBody>
-        </p:sp>
-      </p:grpSp>
     </p:spTree>
     <p:extLst>
       <p:ext uri="{BB962C8B-B14F-4D97-AF65-F5344CB8AC3E}">
-        <p14:creationId xmlns:p14="http://schemas.microsoft.com/office/powerpoint/2010/main" val="1321233456"/>
+        <p14:creationId xmlns:p14="http://schemas.microsoft.com/office/powerpoint/2010/main" val="1923612932"/>
       </p:ext>
     </p:extLst>
   </p:cSld>
@@ -26315,7 +20234,7 @@
             <a:spLocks noGrp="1"/>
           </p:cNvSpPr>
           <p:nvPr>
-            <p:ph type="title"/>
+            <p:ph type="ctrTitle"/>
           </p:nvPr>
         </p:nvSpPr>
         <p:spPr/>
@@ -26325,7 +20244,7 @@
           <a:p>
             <a:r>
               <a:rPr lang="en-US" dirty="0" smtClean="0"/>
-              <a:t>Web sites</a:t>
+              <a:t>Hands-On Lab!</a:t>
             </a:r>
             <a:endParaRPr lang="en-US" dirty="0"/>
           </a:p>
@@ -26333,18 +20252,18 @@
       </p:sp>
       <p:sp>
         <p:nvSpPr>
-          <p:cNvPr id="3" name="Content Placeholder 2"/>
+          <p:cNvPr id="3" name="Subtitle 2"/>
           <p:cNvSpPr>
             <a:spLocks noGrp="1"/>
           </p:cNvSpPr>
           <p:nvPr>
-            <p:ph idx="1"/>
+            <p:ph type="subTitle" idx="1"/>
           </p:nvPr>
         </p:nvSpPr>
         <p:spPr>
           <a:xfrm>
-            <a:off x="519248" y="1447800"/>
-            <a:ext cx="11151916" cy="3150863"/>
+            <a:off x="1889617" y="5630475"/>
+            <a:ext cx="5062511" cy="461665"/>
           </a:xfrm>
         </p:spPr>
         <p:txBody>
@@ -26352,85 +20271,39 @@
           <a:lstStyle/>
           <a:p>
             <a:r>
+              <a:rPr lang="en-US" dirty="0"/>
+              <a:t>Introduction Creating Accounts HOL</a:t>
+            </a:r>
+          </a:p>
+        </p:txBody>
+      </p:sp>
+      <p:sp>
+        <p:nvSpPr>
+          <p:cNvPr id="4" name="Text Placeholder 3"/>
+          <p:cNvSpPr>
+            <a:spLocks noGrp="1"/>
+          </p:cNvSpPr>
+          <p:nvPr>
+            <p:ph type="body" sz="quarter" idx="10"/>
+          </p:nvPr>
+        </p:nvSpPr>
+        <p:spPr/>
+        <p:txBody>
+          <a:bodyPr/>
+          <a:lstStyle/>
+          <a:p>
+            <a:r>
               <a:rPr lang="en-US" dirty="0" smtClean="0"/>
-              <a:t>Don’t worry or thing about VMs, servers, or infrastructure</a:t>
-            </a:r>
-          </a:p>
-          <a:p>
-            <a:r>
-              <a:rPr lang="en-US" dirty="0" smtClean="0"/>
-              <a:t>Can build with .NET, Java, </a:t>
-            </a:r>
-            <a:r>
-              <a:rPr lang="en-US" dirty="0" err="1" smtClean="0"/>
-              <a:t>Node.js</a:t>
-            </a:r>
-            <a:r>
-              <a:rPr lang="en-US" dirty="0" smtClean="0"/>
-              <a:t>, PHP, or Python</a:t>
-            </a:r>
-          </a:p>
-          <a:p>
-            <a:r>
-              <a:rPr lang="en-US" dirty="0" smtClean="0"/>
-              <a:t>Deploy in seconds with VSO/Git/FTP/Mercurial/Dropbox</a:t>
-            </a:r>
-          </a:p>
-          <a:p>
-            <a:r>
-              <a:rPr lang="en-US" dirty="0" smtClean="0"/>
-              <a:t>Start for free, scale up as your traffic grows</a:t>
-            </a:r>
-          </a:p>
-          <a:p>
-            <a:r>
-              <a:rPr lang="en-US" dirty="0" smtClean="0"/>
-              <a:t>Any tool and Linux, OS X, or Windows to build</a:t>
-            </a:r>
-          </a:p>
-          <a:p>
-            <a:r>
-              <a:rPr lang="en-US" dirty="0" smtClean="0"/>
-              <a:t>Web instances can be registered with load balancers, CDN, etc.</a:t>
+              <a:t>Creating Your Free Accounts</a:t>
             </a:r>
             <a:endParaRPr lang="en-US" dirty="0"/>
           </a:p>
         </p:txBody>
       </p:sp>
-      <p:pic>
-        <p:nvPicPr>
-          <p:cNvPr id="5" name="Picture 4"/>
-          <p:cNvPicPr>
-            <a:picLocks noChangeAspect="1"/>
-          </p:cNvPicPr>
-          <p:nvPr/>
-        </p:nvPicPr>
-        <p:blipFill>
-          <a:blip r:embed="rId3" cstate="print">
-            <a:extLst>
-              <a:ext uri="{28A0092B-C50C-407E-A947-70E740481C1C}">
-                <a14:useLocalDpi xmlns:a14="http://schemas.microsoft.com/office/drawing/2010/main" val="0"/>
-              </a:ext>
-            </a:extLst>
-          </a:blip>
-          <a:stretch>
-            <a:fillRect/>
-          </a:stretch>
-        </p:blipFill>
-        <p:spPr>
-          <a:xfrm>
-            <a:off x="10110588" y="4727448"/>
-            <a:ext cx="1560576" cy="1560576"/>
-          </a:xfrm>
-          <a:prstGeom prst="rect">
-            <a:avLst/>
-          </a:prstGeom>
-        </p:spPr>
-      </p:pic>
     </p:spTree>
     <p:extLst>
       <p:ext uri="{BB962C8B-B14F-4D97-AF65-F5344CB8AC3E}">
-        <p14:creationId xmlns:p14="http://schemas.microsoft.com/office/powerpoint/2010/main" val="998580368"/>
+        <p14:creationId xmlns:p14="http://schemas.microsoft.com/office/powerpoint/2010/main" val="1631791271"/>
       </p:ext>
     </p:extLst>
   </p:cSld>
@@ -26467,114 +20340,10 @@
           <a:chExt cx="0" cy="0"/>
         </a:xfrm>
       </p:grpSpPr>
-      <p:sp>
-        <p:nvSpPr>
-          <p:cNvPr id="2" name="Title 1"/>
-          <p:cNvSpPr>
-            <a:spLocks noGrp="1"/>
-          </p:cNvSpPr>
-          <p:nvPr>
-            <p:ph type="title"/>
-          </p:nvPr>
-        </p:nvSpPr>
-        <p:spPr/>
-        <p:txBody>
-          <a:bodyPr/>
-          <a:lstStyle/>
-          <a:p>
-            <a:r>
-              <a:rPr lang="en-US" dirty="0" smtClean="0"/>
-              <a:t>Microsoft Azure Services</a:t>
-            </a:r>
-            <a:endParaRPr lang="en-US" dirty="0"/>
-          </a:p>
-        </p:txBody>
-      </p:sp>
-      <p:sp>
-        <p:nvSpPr>
-          <p:cNvPr id="3" name="Content Placeholder 2"/>
-          <p:cNvSpPr>
-            <a:spLocks noGrp="1"/>
-          </p:cNvSpPr>
-          <p:nvPr>
-            <p:ph idx="1"/>
-          </p:nvPr>
-        </p:nvSpPr>
-        <p:spPr>
-          <a:xfrm>
-            <a:off x="519248" y="1447800"/>
-            <a:ext cx="11151916" cy="4301562"/>
-          </a:xfrm>
-        </p:spPr>
-        <p:txBody>
-          <a:bodyPr/>
-          <a:lstStyle/>
-          <a:p>
-            <a:r>
-              <a:rPr lang="en-US" dirty="0" smtClean="0"/>
-              <a:t>The parts of Azure you care about as </a:t>
-            </a:r>
-            <a:r>
-              <a:rPr lang="en-US" smtClean="0"/>
-              <a:t>a researcher!</a:t>
-            </a:r>
-            <a:endParaRPr lang="en-US" dirty="0" smtClean="0"/>
-          </a:p>
-          <a:p>
-            <a:pPr lvl="1"/>
-            <a:r>
-              <a:rPr lang="en-US" dirty="0" smtClean="0"/>
-              <a:t>Storage</a:t>
-            </a:r>
-          </a:p>
-          <a:p>
-            <a:pPr lvl="1"/>
-            <a:r>
-              <a:rPr lang="en-US" dirty="0" smtClean="0"/>
-              <a:t>Machine Learning</a:t>
-            </a:r>
-          </a:p>
-          <a:p>
-            <a:pPr lvl="1"/>
-            <a:r>
-              <a:rPr lang="en-US" dirty="0" smtClean="0"/>
-              <a:t>Stream Analytics</a:t>
-            </a:r>
-          </a:p>
-          <a:p>
-            <a:pPr lvl="1"/>
-            <a:r>
-              <a:rPr lang="en-US" dirty="0" smtClean="0"/>
-              <a:t>HDInsight (Hadoop, Spark)</a:t>
-            </a:r>
-          </a:p>
-          <a:p>
-            <a:pPr lvl="1"/>
-            <a:r>
-              <a:rPr lang="en-US" dirty="0" smtClean="0"/>
-              <a:t>High Performance Computing</a:t>
-            </a:r>
-          </a:p>
-          <a:p>
-            <a:pPr lvl="1"/>
-            <a:endParaRPr lang="en-US" dirty="0"/>
-          </a:p>
-          <a:p>
-            <a:r>
-              <a:rPr lang="en-US" dirty="0" smtClean="0"/>
-              <a:t>Each of these have upcoming hands-on labs</a:t>
-            </a:r>
-          </a:p>
-          <a:p>
-            <a:pPr lvl="1"/>
-            <a:endParaRPr lang="en-US" dirty="0"/>
-          </a:p>
-        </p:txBody>
-      </p:sp>
     </p:spTree>
     <p:extLst>
       <p:ext uri="{BB962C8B-B14F-4D97-AF65-F5344CB8AC3E}">
-        <p14:creationId xmlns:p14="http://schemas.microsoft.com/office/powerpoint/2010/main" val="1923612932"/>
+        <p14:creationId xmlns:p14="http://schemas.microsoft.com/office/powerpoint/2010/main" val="294530487"/>
       </p:ext>
     </p:extLst>
   </p:cSld>
@@ -26584,13 +20353,6 @@
   <p:transition>
     <p:fade/>
   </p:transition>
-  <p:timing>
-    <p:tnLst>
-      <p:par>
-        <p:cTn id="1" dur="indefinite" restart="never" nodeType="tmRoot"/>
-      </p:par>
-    </p:tnLst>
-  </p:timing>
 </p:sld>
 </file>
 
@@ -26738,152 +20500,6 @@
 </p:sld>
 </file>
 
-<file path=ppt/slides/slide20.xml><?xml version="1.0" encoding="utf-8"?>
-<p:sld xmlns:a="http://schemas.openxmlformats.org/drawingml/2006/main" xmlns:r="http://schemas.openxmlformats.org/officeDocument/2006/relationships" xmlns:p="http://schemas.openxmlformats.org/presentationml/2006/main">
-  <p:cSld>
-    <p:spTree>
-      <p:nvGrpSpPr>
-        <p:cNvPr id="1" name=""/>
-        <p:cNvGrpSpPr/>
-        <p:nvPr/>
-      </p:nvGrpSpPr>
-      <p:grpSpPr>
-        <a:xfrm>
-          <a:off x="0" y="0"/>
-          <a:ext cx="0" cy="0"/>
-          <a:chOff x="0" y="0"/>
-          <a:chExt cx="0" cy="0"/>
-        </a:xfrm>
-      </p:grpSpPr>
-      <p:sp>
-        <p:nvSpPr>
-          <p:cNvPr id="2" name="Title 1"/>
-          <p:cNvSpPr>
-            <a:spLocks noGrp="1"/>
-          </p:cNvSpPr>
-          <p:nvPr>
-            <p:ph type="ctrTitle"/>
-          </p:nvPr>
-        </p:nvSpPr>
-        <p:spPr/>
-        <p:txBody>
-          <a:bodyPr/>
-          <a:lstStyle/>
-          <a:p>
-            <a:r>
-              <a:rPr lang="en-US" dirty="0" smtClean="0"/>
-              <a:t>Hands-On Lab!</a:t>
-            </a:r>
-            <a:endParaRPr lang="en-US" dirty="0"/>
-          </a:p>
-        </p:txBody>
-      </p:sp>
-      <p:sp>
-        <p:nvSpPr>
-          <p:cNvPr id="3" name="Subtitle 2"/>
-          <p:cNvSpPr>
-            <a:spLocks noGrp="1"/>
-          </p:cNvSpPr>
-          <p:nvPr>
-            <p:ph type="subTitle" idx="1"/>
-          </p:nvPr>
-        </p:nvSpPr>
-        <p:spPr>
-          <a:xfrm>
-            <a:off x="1889617" y="5630475"/>
-            <a:ext cx="5062511" cy="461665"/>
-          </a:xfrm>
-        </p:spPr>
-        <p:txBody>
-          <a:bodyPr/>
-          <a:lstStyle/>
-          <a:p>
-            <a:r>
-              <a:rPr lang="en-US" dirty="0"/>
-              <a:t>Introduction Creating Accounts HOL</a:t>
-            </a:r>
-          </a:p>
-        </p:txBody>
-      </p:sp>
-      <p:sp>
-        <p:nvSpPr>
-          <p:cNvPr id="4" name="Text Placeholder 3"/>
-          <p:cNvSpPr>
-            <a:spLocks noGrp="1"/>
-          </p:cNvSpPr>
-          <p:nvPr>
-            <p:ph type="body" sz="quarter" idx="10"/>
-          </p:nvPr>
-        </p:nvSpPr>
-        <p:spPr/>
-        <p:txBody>
-          <a:bodyPr/>
-          <a:lstStyle/>
-          <a:p>
-            <a:r>
-              <a:rPr lang="en-US" dirty="0" smtClean="0"/>
-              <a:t>Creating Your Free Accounts</a:t>
-            </a:r>
-            <a:endParaRPr lang="en-US" dirty="0"/>
-          </a:p>
-        </p:txBody>
-      </p:sp>
-    </p:spTree>
-    <p:extLst>
-      <p:ext uri="{BB962C8B-B14F-4D97-AF65-F5344CB8AC3E}">
-        <p14:creationId xmlns:p14="http://schemas.microsoft.com/office/powerpoint/2010/main" val="1631791271"/>
-      </p:ext>
-    </p:extLst>
-  </p:cSld>
-  <p:clrMapOvr>
-    <a:masterClrMapping/>
-  </p:clrMapOvr>
-  <p:transition>
-    <p:fade/>
-  </p:transition>
-  <p:timing>
-    <p:tnLst>
-      <p:par>
-        <p:cTn id="1" dur="indefinite" restart="never" nodeType="tmRoot"/>
-      </p:par>
-    </p:tnLst>
-  </p:timing>
-</p:sld>
-</file>
-
-<file path=ppt/slides/slide21.xml><?xml version="1.0" encoding="utf-8"?>
-<p:sld xmlns:a="http://schemas.openxmlformats.org/drawingml/2006/main" xmlns:r="http://schemas.openxmlformats.org/officeDocument/2006/relationships" xmlns:p="http://schemas.openxmlformats.org/presentationml/2006/main">
-  <p:cSld>
-    <p:spTree>
-      <p:nvGrpSpPr>
-        <p:cNvPr id="1" name=""/>
-        <p:cNvGrpSpPr/>
-        <p:nvPr/>
-      </p:nvGrpSpPr>
-      <p:grpSpPr>
-        <a:xfrm>
-          <a:off x="0" y="0"/>
-          <a:ext cx="0" cy="0"/>
-          <a:chOff x="0" y="0"/>
-          <a:chExt cx="0" cy="0"/>
-        </a:xfrm>
-      </p:grpSpPr>
-    </p:spTree>
-    <p:extLst>
-      <p:ext uri="{BB962C8B-B14F-4D97-AF65-F5344CB8AC3E}">
-        <p14:creationId xmlns:p14="http://schemas.microsoft.com/office/powerpoint/2010/main" val="294530487"/>
-      </p:ext>
-    </p:extLst>
-  </p:cSld>
-  <p:clrMapOvr>
-    <a:masterClrMapping/>
-  </p:clrMapOvr>
-  <p:transition>
-    <p:fade/>
-  </p:transition>
-</p:sld>
-</file>
-
 <file path=ppt/slides/slide3.xml><?xml version="1.0" encoding="utf-8"?>
 <p:sld xmlns:a="http://schemas.openxmlformats.org/drawingml/2006/main" xmlns:r="http://schemas.openxmlformats.org/officeDocument/2006/relationships" xmlns:p="http://schemas.openxmlformats.org/presentationml/2006/main">
   <p:cSld>
@@ -26979,11 +20595,7 @@
             </a:pPr>
             <a:r>
               <a:rPr lang="en-US" dirty="0" smtClean="0"/>
-              <a:t>“A way to save a ton of money by only paying for what you need</a:t>
-            </a:r>
-            <a:r>
-              <a:rPr lang="en-US" dirty="0" smtClean="0"/>
-              <a:t>.”</a:t>
+              <a:t>“A way to save a ton of money by only paying for what you need.”</a:t>
             </a:r>
           </a:p>
           <a:p>
@@ -34634,7 +28246,15 @@
             <a:pPr lvl="1"/>
             <a:r>
               <a:rPr lang="en-US" dirty="0" smtClean="0"/>
-              <a:t>U. of TX, Austin, U. of CA, &amp; U of IL, Urbana-Champaign</a:t>
+              <a:t>U. of TX, Austin, U. of CA, &amp; </a:t>
+            </a:r>
+            <a:r>
+              <a:rPr lang="en-US" dirty="0" smtClean="0"/>
+              <a:t>U. </a:t>
+            </a:r>
+            <a:r>
+              <a:rPr lang="en-US" dirty="0" smtClean="0"/>
+              <a:t>of IL, Urbana-Champaign</a:t>
             </a:r>
           </a:p>
           <a:p>
@@ -34765,7 +28385,11 @@
             </a:r>
             <a:r>
               <a:rPr lang="en-US" dirty="0" smtClean="0"/>
-              <a:t> Clouds against Disease</a:t>
+              <a:t>: </a:t>
+            </a:r>
+            <a:r>
+              <a:rPr lang="en-US" dirty="0" smtClean="0"/>
+              <a:t>Clouds against Disease</a:t>
             </a:r>
           </a:p>
           <a:p>

--- a/Content/Introduction/Azure Overview.pptx
+++ b/Content/Introduction/Azure Overview.pptx
@@ -254,7 +254,7 @@
           <a:p>
             <a:fld id="{2E5CA586-3557-4985-BCD4-35EF5AC8B4A4}" type="datetimeFigureOut">
               <a:rPr lang="en-US" smtClean="0"/>
-              <a:t>10/2/15</a:t>
+              <a:t>10/6/2015</a:t>
             </a:fld>
             <a:endParaRPr lang="en-US"/>
           </a:p>
@@ -921,7 +921,7 @@
           <a:p>
             <a:fld id="{BC60BE34-BC89-4C98-A56B-79B7A098D024}" type="slidenum">
               <a:rPr lang="en-US" smtClean="0"/>
-              <a:t>12</a:t>
+              <a:t>11</a:t>
             </a:fld>
             <a:endParaRPr lang="en-US"/>
           </a:p>
@@ -930,7 +930,7 @@
     </p:spTree>
     <p:extLst>
       <p:ext uri="{BB962C8B-B14F-4D97-AF65-F5344CB8AC3E}">
-        <p14:creationId xmlns:p14="http://schemas.microsoft.com/office/powerpoint/2010/main" val="609764103"/>
+        <p14:creationId xmlns:p14="http://schemas.microsoft.com/office/powerpoint/2010/main" val="1390819240"/>
       </p:ext>
     </p:extLst>
   </p:cSld>
@@ -984,6 +984,90 @@
           <a:bodyPr/>
           <a:lstStyle/>
           <a:p>
+            <a:endParaRPr lang="en-US" dirty="0"/>
+          </a:p>
+        </p:txBody>
+      </p:sp>
+      <p:sp>
+        <p:nvSpPr>
+          <p:cNvPr id="4" name="Slide Number Placeholder 3"/>
+          <p:cNvSpPr>
+            <a:spLocks noGrp="1"/>
+          </p:cNvSpPr>
+          <p:nvPr>
+            <p:ph type="sldNum" sz="quarter" idx="10"/>
+          </p:nvPr>
+        </p:nvSpPr>
+        <p:spPr/>
+        <p:txBody>
+          <a:bodyPr/>
+          <a:lstStyle/>
+          <a:p>
+            <a:fld id="{BC60BE34-BC89-4C98-A56B-79B7A098D024}" type="slidenum">
+              <a:rPr lang="en-US" smtClean="0"/>
+              <a:t>12</a:t>
+            </a:fld>
+            <a:endParaRPr lang="en-US"/>
+          </a:p>
+        </p:txBody>
+      </p:sp>
+    </p:spTree>
+    <p:extLst>
+      <p:ext uri="{BB962C8B-B14F-4D97-AF65-F5344CB8AC3E}">
+        <p14:creationId xmlns:p14="http://schemas.microsoft.com/office/powerpoint/2010/main" val="609764103"/>
+      </p:ext>
+    </p:extLst>
+  </p:cSld>
+  <p:clrMapOvr>
+    <a:masterClrMapping/>
+  </p:clrMapOvr>
+</p:notes>
+</file>
+
+<file path=ppt/notesSlides/notesSlide6.xml><?xml version="1.0" encoding="utf-8"?>
+<p:notes xmlns:a="http://schemas.openxmlformats.org/drawingml/2006/main" xmlns:r="http://schemas.openxmlformats.org/officeDocument/2006/relationships" xmlns:p="http://schemas.openxmlformats.org/presentationml/2006/main">
+  <p:cSld>
+    <p:spTree>
+      <p:nvGrpSpPr>
+        <p:cNvPr id="1" name=""/>
+        <p:cNvGrpSpPr/>
+        <p:nvPr/>
+      </p:nvGrpSpPr>
+      <p:grpSpPr>
+        <a:xfrm>
+          <a:off x="0" y="0"/>
+          <a:ext cx="0" cy="0"/>
+          <a:chOff x="0" y="0"/>
+          <a:chExt cx="0" cy="0"/>
+        </a:xfrm>
+      </p:grpSpPr>
+      <p:sp>
+        <p:nvSpPr>
+          <p:cNvPr id="2" name="Slide Image Placeholder 1"/>
+          <p:cNvSpPr>
+            <a:spLocks noGrp="1" noRot="1" noChangeAspect="1"/>
+          </p:cNvSpPr>
+          <p:nvPr>
+            <p:ph type="sldImg"/>
+          </p:nvPr>
+        </p:nvSpPr>
+        <p:spPr/>
+      </p:sp>
+      <p:sp>
+        <p:nvSpPr>
+          <p:cNvPr id="3" name="Notes Placeholder 2"/>
+          <p:cNvSpPr>
+            <a:spLocks noGrp="1"/>
+          </p:cNvSpPr>
+          <p:nvPr>
+            <p:ph type="body" idx="1"/>
+          </p:nvPr>
+        </p:nvSpPr>
+        <p:spPr/>
+        <p:txBody>
+          <a:bodyPr/>
+          <a:lstStyle/>
+          <a:p>
             <a:r>
               <a:rPr lang="en-US" dirty="0" smtClean="0"/>
               <a:t>Only pay for what you can use is critical to researchers. Many are trying to set up clusters and do not want the issue of managing it or giving up student cycle to manage it. That's time away from research.</a:t>
@@ -1028,7 +1112,7 @@
 </p:notes>
 </file>
 
-<file path=ppt/notesSlides/notesSlide6.xml><?xml version="1.0" encoding="utf-8"?>
+<file path=ppt/notesSlides/notesSlide7.xml><?xml version="1.0" encoding="utf-8"?>
 <p:notes xmlns:a="http://schemas.openxmlformats.org/drawingml/2006/main" xmlns:r="http://schemas.openxmlformats.org/officeDocument/2006/relationships" xmlns:p="http://schemas.openxmlformats.org/presentationml/2006/main">
   <p:cSld>
     <p:spTree>
@@ -17768,10 +17852,10 @@
         </p:nvGrpSpPr>
         <p:grpSpPr>
           <a:xfrm>
-            <a:off x="69435" y="993796"/>
-            <a:ext cx="3782992" cy="2113974"/>
-            <a:chOff x="69453" y="993162"/>
-            <a:chExt cx="3783977" cy="2114525"/>
+            <a:off x="69435" y="1052273"/>
+            <a:ext cx="3782992" cy="2055497"/>
+            <a:chOff x="69453" y="1051654"/>
+            <a:chExt cx="3783977" cy="2056033"/>
           </a:xfrm>
         </p:grpSpPr>
         <p:sp>
@@ -17824,8 +17908,8 @@
           </p:nvSpPr>
           <p:spPr>
             <a:xfrm>
-              <a:off x="69453" y="993162"/>
-              <a:ext cx="3679529" cy="1496184"/>
+              <a:off x="69453" y="1051654"/>
+              <a:ext cx="3679529" cy="1379198"/>
             </a:xfrm>
             <a:prstGeom prst="rect">
               <a:avLst/>
@@ -17844,7 +17928,7 @@
                 <a:buSzPct val="90000"/>
               </a:pPr>
               <a:r>
-                <a:rPr lang="en-US" sz="9600" dirty="0" smtClean="0">
+                <a:rPr lang="en-US" sz="8800" dirty="0" smtClean="0">
                   <a:solidFill>
                     <a:srgbClr val="00B0F0"/>
                   </a:solidFill>
@@ -17853,7 +17937,7 @@
                 </a:rPr>
                 <a:t>&gt;500m</a:t>
               </a:r>
-              <a:endParaRPr lang="en-US" sz="9600" dirty="0">
+              <a:endParaRPr lang="en-US" sz="8800" dirty="0">
                 <a:solidFill>
                   <a:srgbClr val="00B0F0"/>
                 </a:solidFill>
@@ -18221,10 +18305,10 @@
         </p:nvGrpSpPr>
         <p:grpSpPr>
           <a:xfrm>
-            <a:off x="-97875" y="3685626"/>
-            <a:ext cx="3909025" cy="1495794"/>
-            <a:chOff x="3993501" y="3685694"/>
-            <a:chExt cx="3910044" cy="1496183"/>
+            <a:off x="-97875" y="3743001"/>
+            <a:ext cx="3909025" cy="1438419"/>
+            <a:chOff x="3993501" y="3743084"/>
+            <a:chExt cx="3910044" cy="1438793"/>
           </a:xfrm>
         </p:grpSpPr>
         <p:sp>
@@ -18235,8 +18319,8 @@
           </p:nvSpPr>
           <p:spPr>
             <a:xfrm>
-              <a:off x="3993501" y="3685694"/>
-              <a:ext cx="2578224" cy="1496183"/>
+              <a:off x="3993501" y="3802679"/>
+              <a:ext cx="2578224" cy="1379198"/>
             </a:xfrm>
             <a:prstGeom prst="rect">
               <a:avLst/>
@@ -18255,7 +18339,7 @@
                 <a:buSzPct val="90000"/>
               </a:pPr>
               <a:r>
-                <a:rPr lang="en-US" sz="9600" spc="-294" dirty="0" smtClean="0">
+                <a:rPr lang="en-US" sz="8800" spc="-294" dirty="0" smtClean="0">
                   <a:solidFill>
                     <a:srgbClr val="00B0F0"/>
                   </a:solidFill>
@@ -18264,7 +18348,7 @@
                 </a:rPr>
                 <a:t>&gt;777</a:t>
               </a:r>
-              <a:endParaRPr lang="en-US" sz="8800" dirty="0">
+              <a:endParaRPr lang="en-US" sz="8000" dirty="0">
                 <a:solidFill>
                   <a:srgbClr val="00B0F0"/>
                 </a:solidFill>
@@ -18393,10 +18477,10 @@
         </p:nvGrpSpPr>
         <p:grpSpPr>
           <a:xfrm>
-            <a:off x="4004791" y="3692091"/>
-            <a:ext cx="4667028" cy="1446579"/>
-            <a:chOff x="8097236" y="3692159"/>
-            <a:chExt cx="4668244" cy="1446956"/>
+            <a:off x="4004791" y="3750403"/>
+            <a:ext cx="4667028" cy="1388266"/>
+            <a:chOff x="8097236" y="3750487"/>
+            <a:chExt cx="4668244" cy="1388628"/>
           </a:xfrm>
         </p:grpSpPr>
         <p:grpSp>
@@ -18407,10 +18491,10 @@
           </p:nvGrpSpPr>
           <p:grpSpPr>
             <a:xfrm>
-              <a:off x="8097236" y="3692159"/>
-              <a:ext cx="4668244" cy="1446956"/>
-              <a:chOff x="8097236" y="3692159"/>
-              <a:chExt cx="4668244" cy="1446956"/>
+              <a:off x="8097236" y="3750487"/>
+              <a:ext cx="4668244" cy="1388628"/>
+              <a:chOff x="8097236" y="3750487"/>
+              <a:chExt cx="4668244" cy="1388628"/>
             </a:xfrm>
           </p:grpSpPr>
           <p:cxnSp>
@@ -18457,8 +18541,8 @@
             </p:nvSpPr>
             <p:spPr>
               <a:xfrm>
-                <a:off x="8249298" y="3692159"/>
-                <a:ext cx="2492813" cy="1261884"/>
+                <a:off x="8249298" y="3750487"/>
+                <a:ext cx="2492813" cy="1145227"/>
               </a:xfrm>
               <a:prstGeom prst="rect">
                 <a:avLst/>
@@ -18477,7 +18561,7 @@
                   <a:buSzPct val="90000"/>
                 </a:pPr>
                 <a:r>
-                  <a:rPr lang="en-US" sz="7998" dirty="0" smtClean="0">
+                  <a:rPr lang="en-US" sz="7200" dirty="0" smtClean="0">
                     <a:solidFill>
                       <a:srgbClr val="00B0F0"/>
                     </a:solidFill>
@@ -18486,7 +18570,7 @@
                   </a:rPr>
                   <a:t>&gt;80%</a:t>
                 </a:r>
-                <a:endParaRPr lang="en-US" sz="7998" dirty="0">
+                <a:endParaRPr lang="en-US" sz="7200" dirty="0">
                   <a:solidFill>
                     <a:srgbClr val="00B0F0"/>
                   </a:solidFill>
@@ -19229,7 +19313,7 @@
         <p:spPr>
           <a:xfrm>
             <a:off x="519248" y="1447800"/>
-            <a:ext cx="11151916" cy="5046253"/>
+            <a:ext cx="11151916" cy="5876993"/>
           </a:xfrm>
         </p:spPr>
         <p:txBody>
@@ -19269,8 +19353,20 @@
           <a:p>
             <a:r>
               <a:rPr lang="en-US" dirty="0" smtClean="0"/>
-              <a:t>Multiple national government compliance</a:t>
-            </a:r>
+              <a:t>Multiple national government </a:t>
+            </a:r>
+            <a:r>
+              <a:rPr lang="en-US" dirty="0" smtClean="0"/>
+              <a:t/>
+            </a:r>
+            <a:br>
+              <a:rPr lang="en-US" dirty="0" smtClean="0"/>
+            </a:br>
+            <a:r>
+              <a:rPr lang="en-US" dirty="0" smtClean="0"/>
+              <a:t>compliance</a:t>
+            </a:r>
+            <a:endParaRPr lang="en-US" dirty="0" smtClean="0"/>
           </a:p>
           <a:p>
             <a:r>
@@ -19349,6 +19445,13 @@
   <p:transition>
     <p:fade/>
   </p:transition>
+  <p:timing>
+    <p:tnLst>
+      <p:par>
+        <p:cTn id="1" dur="indefinite" restart="never" nodeType="tmRoot"/>
+      </p:par>
+    </p:tnLst>
+  </p:timing>
 </p:sld>
 </file>
 
@@ -19992,7 +20095,19 @@
             <a:pPr lvl="1"/>
             <a:r>
               <a:rPr lang="en-US" dirty="0" smtClean="0"/>
-              <a:t>If you reboot, all changes and data stored the disk</a:t>
+              <a:t>If you reboot, all changes and data </a:t>
+            </a:r>
+            <a:r>
+              <a:rPr lang="en-US" smtClean="0"/>
+              <a:t>stored </a:t>
+            </a:r>
+            <a:r>
+              <a:rPr lang="en-US" smtClean="0"/>
+              <a:t>on </a:t>
+            </a:r>
+            <a:r>
+              <a:rPr lang="en-US" dirty="0" smtClean="0"/>
+              <a:t>disk</a:t>
             </a:r>
           </a:p>
           <a:p>
@@ -28246,15 +28361,7 @@
             <a:pPr lvl="1"/>
             <a:r>
               <a:rPr lang="en-US" dirty="0" smtClean="0"/>
-              <a:t>U. of TX, Austin, U. of CA, &amp; </a:t>
-            </a:r>
-            <a:r>
-              <a:rPr lang="en-US" dirty="0" smtClean="0"/>
-              <a:t>U. </a:t>
-            </a:r>
-            <a:r>
-              <a:rPr lang="en-US" dirty="0" smtClean="0"/>
-              <a:t>of IL, Urbana-Champaign</a:t>
+              <a:t>U. of TX, Austin, U. of CA, &amp; U. of IL, Urbana-Champaign</a:t>
             </a:r>
           </a:p>
           <a:p>
@@ -28385,11 +28492,7 @@
             </a:r>
             <a:r>
               <a:rPr lang="en-US" dirty="0" smtClean="0"/>
-              <a:t>: </a:t>
-            </a:r>
-            <a:r>
-              <a:rPr lang="en-US" dirty="0" smtClean="0"/>
-              <a:t>Clouds against Disease</a:t>
+              <a:t>: Clouds against Disease</a:t>
             </a:r>
           </a:p>
           <a:p>

--- a/Content/Introduction/Azure Overview.pptx
+++ b/Content/Introduction/Azure Overview.pptx
@@ -5,7 +5,7 @@
     <p:sldMasterId id="2147483680" r:id="rId1"/>
   </p:sldMasterIdLst>
   <p:notesMasterIdLst>
-    <p:notesMasterId r:id="rId21"/>
+    <p:notesMasterId r:id="rId19"/>
   </p:notesMasterIdLst>
   <p:sldIdLst>
     <p:sldId id="256" r:id="rId2"/>
@@ -21,12 +21,10 @@
     <p:sldId id="266" r:id="rId12"/>
     <p:sldId id="281" r:id="rId13"/>
     <p:sldId id="268" r:id="rId14"/>
-    <p:sldId id="277" r:id="rId15"/>
+    <p:sldId id="282" r:id="rId15"/>
     <p:sldId id="269" r:id="rId16"/>
-    <p:sldId id="270" r:id="rId17"/>
-    <p:sldId id="274" r:id="rId18"/>
-    <p:sldId id="275" r:id="rId19"/>
-    <p:sldId id="276" r:id="rId20"/>
+    <p:sldId id="275" r:id="rId17"/>
+    <p:sldId id="276" r:id="rId18"/>
   </p:sldIdLst>
   <p:sldSz cx="12192000" cy="6858000"/>
   <p:notesSz cx="6858000" cy="9144000"/>
@@ -147,18 +145,8 @@
             <p14:sldId id="266"/>
             <p14:sldId id="281"/>
             <p14:sldId id="268"/>
-            <p14:sldId id="277"/>
+            <p14:sldId id="282"/>
             <p14:sldId id="269"/>
-          </p14:sldIdLst>
-        </p14:section>
-        <p14:section name="Virtual Machines" id="{9F16258F-EA8A-4342-A0C1-F0AA826AA43B}">
-          <p14:sldIdLst>
-            <p14:sldId id="270"/>
-          </p14:sldIdLst>
-        </p14:section>
-        <p14:section name="Azure Services" id="{D6079F12-6B9E-B648-93BA-5ADDB27F5A7B}">
-          <p14:sldIdLst>
-            <p14:sldId id="274"/>
             <p14:sldId id="275"/>
             <p14:sldId id="276"/>
           </p14:sldIdLst>
@@ -254,7 +242,7 @@
           <a:p>
             <a:fld id="{2E5CA586-3557-4985-BCD4-35EF5AC8B4A4}" type="datetimeFigureOut">
               <a:rPr lang="en-US" smtClean="0"/>
-              <a:t>10/6/2015</a:t>
+              <a:t>10/7/2015</a:t>
             </a:fld>
             <a:endParaRPr lang="en-US"/>
           </a:p>
@@ -803,6 +791,90 @@
           <a:bodyPr/>
           <a:lstStyle/>
           <a:p>
+            <a:endParaRPr lang="en-US" dirty="0"/>
+          </a:p>
+        </p:txBody>
+      </p:sp>
+      <p:sp>
+        <p:nvSpPr>
+          <p:cNvPr id="4" name="Slide Number Placeholder 3"/>
+          <p:cNvSpPr>
+            <a:spLocks noGrp="1"/>
+          </p:cNvSpPr>
+          <p:nvPr>
+            <p:ph type="sldNum" sz="quarter" idx="10"/>
+          </p:nvPr>
+        </p:nvSpPr>
+        <p:spPr/>
+        <p:txBody>
+          <a:bodyPr/>
+          <a:lstStyle/>
+          <a:p>
+            <a:fld id="{BC60BE34-BC89-4C98-A56B-79B7A098D024}" type="slidenum">
+              <a:rPr lang="en-US" smtClean="0"/>
+              <a:t>8</a:t>
+            </a:fld>
+            <a:endParaRPr lang="en-US"/>
+          </a:p>
+        </p:txBody>
+      </p:sp>
+    </p:spTree>
+    <p:extLst>
+      <p:ext uri="{BB962C8B-B14F-4D97-AF65-F5344CB8AC3E}">
+        <p14:creationId xmlns:p14="http://schemas.microsoft.com/office/powerpoint/2010/main" val="1299263746"/>
+      </p:ext>
+    </p:extLst>
+  </p:cSld>
+  <p:clrMapOvr>
+    <a:masterClrMapping/>
+  </p:clrMapOvr>
+</p:notes>
+</file>
+
+<file path=ppt/notesSlides/notesSlide4.xml><?xml version="1.0" encoding="utf-8"?>
+<p:notes xmlns:a="http://schemas.openxmlformats.org/drawingml/2006/main" xmlns:r="http://schemas.openxmlformats.org/officeDocument/2006/relationships" xmlns:p="http://schemas.openxmlformats.org/presentationml/2006/main">
+  <p:cSld>
+    <p:spTree>
+      <p:nvGrpSpPr>
+        <p:cNvPr id="1" name=""/>
+        <p:cNvGrpSpPr/>
+        <p:nvPr/>
+      </p:nvGrpSpPr>
+      <p:grpSpPr>
+        <a:xfrm>
+          <a:off x="0" y="0"/>
+          <a:ext cx="0" cy="0"/>
+          <a:chOff x="0" y="0"/>
+          <a:chExt cx="0" cy="0"/>
+        </a:xfrm>
+      </p:grpSpPr>
+      <p:sp>
+        <p:nvSpPr>
+          <p:cNvPr id="2" name="Slide Image Placeholder 1"/>
+          <p:cNvSpPr>
+            <a:spLocks noGrp="1" noRot="1" noChangeAspect="1"/>
+          </p:cNvSpPr>
+          <p:nvPr>
+            <p:ph type="sldImg"/>
+          </p:nvPr>
+        </p:nvSpPr>
+        <p:spPr/>
+      </p:sp>
+      <p:sp>
+        <p:nvSpPr>
+          <p:cNvPr id="3" name="Notes Placeholder 2"/>
+          <p:cNvSpPr>
+            <a:spLocks noGrp="1"/>
+          </p:cNvSpPr>
+          <p:nvPr>
+            <p:ph type="body" idx="1"/>
+          </p:nvPr>
+        </p:nvSpPr>
+        <p:spPr/>
+        <p:txBody>
+          <a:bodyPr/>
+          <a:lstStyle/>
+          <a:p>
             <a:r>
               <a:rPr lang="en-US" b="0" dirty="0" smtClean="0"/>
               <a:t>Prepare to be asked about U.S. jurisdiction over international data centers; compare to Gmail if they “get grumpy” and don’t want to use Azure for this reason</a:t>
@@ -856,7 +928,7 @@
 </p:notes>
 </file>
 
-<file path=ppt/notesSlides/notesSlide4.xml><?xml version="1.0" encoding="utf-8"?>
+<file path=ppt/notesSlides/notesSlide5.xml><?xml version="1.0" encoding="utf-8"?>
 <p:notes xmlns:a="http://schemas.openxmlformats.org/drawingml/2006/main" xmlns:r="http://schemas.openxmlformats.org/officeDocument/2006/relationships" xmlns:p="http://schemas.openxmlformats.org/presentationml/2006/main">
   <p:cSld>
     <p:spTree>
@@ -940,7 +1012,7 @@
 </p:notes>
 </file>
 
-<file path=ppt/notesSlides/notesSlide5.xml><?xml version="1.0" encoding="utf-8"?>
+<file path=ppt/notesSlides/notesSlide6.xml><?xml version="1.0" encoding="utf-8"?>
 <p:notes xmlns:a="http://schemas.openxmlformats.org/drawingml/2006/main" xmlns:r="http://schemas.openxmlformats.org/officeDocument/2006/relationships" xmlns:p="http://schemas.openxmlformats.org/presentationml/2006/main">
   <p:cSld>
     <p:spTree>
@@ -1024,94 +1096,6 @@
 </p:notes>
 </file>
 
-<file path=ppt/notesSlides/notesSlide6.xml><?xml version="1.0" encoding="utf-8"?>
-<p:notes xmlns:a="http://schemas.openxmlformats.org/drawingml/2006/main" xmlns:r="http://schemas.openxmlformats.org/officeDocument/2006/relationships" xmlns:p="http://schemas.openxmlformats.org/presentationml/2006/main">
-  <p:cSld>
-    <p:spTree>
-      <p:nvGrpSpPr>
-        <p:cNvPr id="1" name=""/>
-        <p:cNvGrpSpPr/>
-        <p:nvPr/>
-      </p:nvGrpSpPr>
-      <p:grpSpPr>
-        <a:xfrm>
-          <a:off x="0" y="0"/>
-          <a:ext cx="0" cy="0"/>
-          <a:chOff x="0" y="0"/>
-          <a:chExt cx="0" cy="0"/>
-        </a:xfrm>
-      </p:grpSpPr>
-      <p:sp>
-        <p:nvSpPr>
-          <p:cNvPr id="2" name="Slide Image Placeholder 1"/>
-          <p:cNvSpPr>
-            <a:spLocks noGrp="1" noRot="1" noChangeAspect="1"/>
-          </p:cNvSpPr>
-          <p:nvPr>
-            <p:ph type="sldImg"/>
-          </p:nvPr>
-        </p:nvSpPr>
-        <p:spPr/>
-      </p:sp>
-      <p:sp>
-        <p:nvSpPr>
-          <p:cNvPr id="3" name="Notes Placeholder 2"/>
-          <p:cNvSpPr>
-            <a:spLocks noGrp="1"/>
-          </p:cNvSpPr>
-          <p:nvPr>
-            <p:ph type="body" idx="1"/>
-          </p:nvPr>
-        </p:nvSpPr>
-        <p:spPr/>
-        <p:txBody>
-          <a:bodyPr/>
-          <a:lstStyle/>
-          <a:p>
-            <a:r>
-              <a:rPr lang="en-US" dirty="0" smtClean="0"/>
-              <a:t>Only pay for what you can use is critical to researchers. Many are trying to set up clusters and do not want the issue of managing it or giving up student cycle to manage it. That's time away from research.</a:t>
-            </a:r>
-            <a:endParaRPr lang="en-US" dirty="0"/>
-          </a:p>
-        </p:txBody>
-      </p:sp>
-      <p:sp>
-        <p:nvSpPr>
-          <p:cNvPr id="4" name="Slide Number Placeholder 3"/>
-          <p:cNvSpPr>
-            <a:spLocks noGrp="1"/>
-          </p:cNvSpPr>
-          <p:nvPr>
-            <p:ph type="sldNum" sz="quarter" idx="10"/>
-          </p:nvPr>
-        </p:nvSpPr>
-        <p:spPr/>
-        <p:txBody>
-          <a:bodyPr/>
-          <a:lstStyle/>
-          <a:p>
-            <a:fld id="{BC60BE34-BC89-4C98-A56B-79B7A098D024}" type="slidenum">
-              <a:rPr lang="en-US" smtClean="0"/>
-              <a:t>14</a:t>
-            </a:fld>
-            <a:endParaRPr lang="en-US"/>
-          </a:p>
-        </p:txBody>
-      </p:sp>
-    </p:spTree>
-    <p:extLst>
-      <p:ext uri="{BB962C8B-B14F-4D97-AF65-F5344CB8AC3E}">
-        <p14:creationId xmlns:p14="http://schemas.microsoft.com/office/powerpoint/2010/main" val="1447274743"/>
-      </p:ext>
-    </p:extLst>
-  </p:cSld>
-  <p:clrMapOvr>
-    <a:masterClrMapping/>
-  </p:clrMapOvr>
-</p:notes>
-</file>
-
 <file path=ppt/notesSlides/notesSlide7.xml><?xml version="1.0" encoding="utf-8"?>
 <p:notes xmlns:a="http://schemas.openxmlformats.org/drawingml/2006/main" xmlns:r="http://schemas.openxmlformats.org/officeDocument/2006/relationships" xmlns:p="http://schemas.openxmlformats.org/presentationml/2006/main">
   <p:cSld>
@@ -1156,201 +1140,89 @@
           <a:bodyPr/>
           <a:lstStyle/>
           <a:p>
-            <a:pPr marL="0" indent="0">
-              <a:buFont typeface="Arial" pitchFamily="34" charset="0"/>
-              <a:buNone/>
-            </a:pPr>
-            <a:r>
-              <a:rPr lang="en-US" b="1" dirty="0" smtClean="0"/>
-              <a:t>Transition:</a:t>
-            </a:r>
+            <a:endParaRPr lang="en-US" dirty="0"/>
           </a:p>
+        </p:txBody>
+      </p:sp>
+      <p:sp>
+        <p:nvSpPr>
+          <p:cNvPr id="4" name="Slide Number Placeholder 3"/>
+          <p:cNvSpPr>
+            <a:spLocks noGrp="1"/>
+          </p:cNvSpPr>
+          <p:nvPr>
+            <p:ph type="sldNum" sz="quarter" idx="10"/>
+          </p:nvPr>
+        </p:nvSpPr>
+        <p:spPr/>
+        <p:txBody>
+          <a:bodyPr/>
+          <a:lstStyle/>
           <a:p>
-            <a:pPr marL="171450" indent="-171450">
-              <a:buFont typeface="Arial" pitchFamily="34" charset="0"/>
-              <a:buChar char="•"/>
-            </a:pPr>
-            <a:r>
-              <a:rPr lang="en-US" dirty="0" smtClean="0"/>
-              <a:t>For the rest of this</a:t>
-            </a:r>
-            <a:r>
-              <a:rPr lang="en-US" baseline="0" dirty="0" smtClean="0"/>
-              <a:t> talk I’m going to give you a to</a:t>
-            </a:r>
-            <a:r>
-              <a:rPr lang="en-US" dirty="0" smtClean="0"/>
-              <a:t>ur of Microsoft Azure, walk</a:t>
-            </a:r>
-            <a:r>
-              <a:rPr lang="en-US" baseline="0" dirty="0" smtClean="0"/>
-              <a:t> you through many of the </a:t>
-            </a:r>
-            <a:r>
-              <a:rPr lang="en-US" dirty="0" smtClean="0"/>
-              <a:t>features, and ground you in the capabilities</a:t>
-            </a:r>
-            <a:r>
-              <a:rPr lang="en-US" baseline="0" dirty="0" smtClean="0"/>
-              <a:t> it provides</a:t>
-            </a:r>
+            <a:fld id="{BC60BE34-BC89-4C98-A56B-79B7A098D024}" type="slidenum">
+              <a:rPr lang="en-US" smtClean="0"/>
+              <a:t>13</a:t>
+            </a:fld>
+            <a:endParaRPr lang="en-US"/>
           </a:p>
-          <a:p>
-            <a:pPr marL="171450" indent="-171450">
-              <a:buFont typeface="Arial" pitchFamily="34" charset="0"/>
-              <a:buChar char="•"/>
-            </a:pPr>
-            <a:r>
-              <a:rPr lang="en-US" baseline="0" dirty="0" smtClean="0"/>
-              <a:t>The first set of features I want to walk through is Virtual Machines.  </a:t>
-            </a:r>
-          </a:p>
-          <a:p>
-            <a:pPr marL="171450" indent="-171450">
-              <a:buFont typeface="Arial" pitchFamily="34" charset="0"/>
-              <a:buChar char="•"/>
-            </a:pPr>
-            <a:endParaRPr lang="en-US" baseline="0" dirty="0" smtClean="0"/>
-          </a:p>
-          <a:p>
-            <a:pPr marL="0" indent="0">
-              <a:buFont typeface="Arial" pitchFamily="34" charset="0"/>
-              <a:buNone/>
-            </a:pPr>
-            <a:r>
-              <a:rPr lang="en-US" b="1" baseline="0" dirty="0" smtClean="0"/>
-              <a:t>Speaking Points:</a:t>
-            </a:r>
-          </a:p>
-          <a:p>
-            <a:pPr marL="171450" indent="-171450">
-              <a:buFont typeface="Arial" pitchFamily="34" charset="0"/>
-              <a:buChar char="•"/>
-            </a:pPr>
-            <a:r>
-              <a:rPr lang="en-US" baseline="0" dirty="0" smtClean="0"/>
-              <a:t>If you’re familiar with traditional hosting, this is probably the feature that feels most familiar and consistent with what other hosting providers provide.  </a:t>
-            </a:r>
-          </a:p>
-          <a:p>
-            <a:pPr marL="171450" indent="-171450">
-              <a:buFont typeface="Arial" pitchFamily="34" charset="0"/>
-              <a:buChar char="•"/>
-            </a:pPr>
-            <a:r>
-              <a:rPr lang="en-US" baseline="0" dirty="0" smtClean="0"/>
-              <a:t>The ability to stand up a virtual machine with either Windows or Linux that you can basically remote desktop in or SSH in and run any workload.  </a:t>
-            </a:r>
-            <a:endParaRPr lang="en-US" dirty="0" smtClean="0"/>
-          </a:p>
-          <a:p>
-            <a:pPr marL="171450" indent="-171450">
-              <a:buFont typeface="Arial" pitchFamily="34" charset="0"/>
-              <a:buChar char="•"/>
-            </a:pPr>
-            <a:r>
-              <a:rPr lang="en-US" b="0" dirty="0" smtClean="0"/>
-              <a:t>These virtual machines enable you to be admin on the box</a:t>
-            </a:r>
-          </a:p>
-          <a:p>
-            <a:pPr marL="171450" indent="-171450">
-              <a:buFont typeface="Arial" pitchFamily="34" charset="0"/>
-              <a:buChar char="•"/>
-            </a:pPr>
-            <a:r>
-              <a:rPr lang="en-US" b="0" dirty="0" smtClean="0"/>
-              <a:t>They are durable, meaning if you reboot the VM, it</a:t>
-            </a:r>
-            <a:r>
-              <a:rPr lang="en-US" b="0" baseline="0" dirty="0" smtClean="0"/>
-              <a:t> is still there with all of your changes and data you stored to disk</a:t>
-            </a:r>
-          </a:p>
-          <a:p>
-            <a:pPr marL="171450" indent="-171450">
-              <a:buFont typeface="Arial" pitchFamily="34" charset="0"/>
-              <a:buChar char="•"/>
-            </a:pPr>
-            <a:r>
-              <a:rPr lang="en-US" b="0" dirty="0" smtClean="0"/>
-              <a:t>This means you can </a:t>
-            </a:r>
-            <a:r>
-              <a:rPr lang="en-US" b="0" baseline="0" dirty="0" smtClean="0"/>
-              <a:t>run any type of workload</a:t>
-            </a:r>
-          </a:p>
-          <a:p>
-            <a:pPr marL="384431" lvl="1" indent="-171450">
-              <a:buFont typeface="Arial" pitchFamily="34" charset="0"/>
-              <a:buChar char="•"/>
-            </a:pPr>
-            <a:r>
-              <a:rPr lang="en-US" b="0" baseline="0" dirty="0" smtClean="0"/>
-              <a:t>If you want to run SQL you can, if you want to install a no-SQL solution, you can do that to. </a:t>
-            </a:r>
-          </a:p>
-          <a:p>
-            <a:pPr marL="384431" lvl="1" indent="-171450">
-              <a:buFont typeface="Arial" pitchFamily="34" charset="0"/>
-              <a:buChar char="•"/>
-            </a:pPr>
-            <a:r>
-              <a:rPr lang="en-US" b="0" baseline="0" dirty="0" smtClean="0"/>
-              <a:t>If you want to run SharePoint you can do that. </a:t>
-            </a:r>
-          </a:p>
-          <a:p>
-            <a:pPr marL="171450" indent="-171450">
-              <a:buFont typeface="Arial" pitchFamily="34" charset="0"/>
-              <a:buChar char="•"/>
-            </a:pPr>
-            <a:r>
-              <a:rPr lang="en-US" b="0" baseline="0" dirty="0" smtClean="0"/>
-              <a:t>Provides ultimate flexibility to do what you want to do</a:t>
-            </a:r>
-          </a:p>
-          <a:p>
-            <a:pPr marL="171450" indent="-171450">
-              <a:buFont typeface="Arial" pitchFamily="34" charset="0"/>
-              <a:buChar char="•"/>
-            </a:pPr>
-            <a:r>
-              <a:rPr lang="en-US" b="0" baseline="0" dirty="0" smtClean="0"/>
-              <a:t>Also enables you to do what we call virtual private networking</a:t>
-            </a:r>
-          </a:p>
-          <a:p>
-            <a:pPr marL="171450" indent="-171450">
-              <a:buFont typeface="Arial" pitchFamily="34" charset="0"/>
-              <a:buChar char="•"/>
-            </a:pPr>
-            <a:r>
-              <a:rPr lang="en-US" b="0" baseline="0" dirty="0" smtClean="0"/>
-              <a:t>With virtual private networking, you can deploy Virtual Machines in the cloud and group them together so they are part of their own private network</a:t>
-            </a:r>
-          </a:p>
-          <a:p>
-            <a:pPr marL="171450" indent="-171450">
-              <a:buFont typeface="Arial" pitchFamily="34" charset="0"/>
-              <a:buChar char="•"/>
-            </a:pPr>
-            <a:r>
-              <a:rPr lang="en-US" b="0" baseline="0" dirty="0" smtClean="0"/>
-              <a:t>You can also then connect it back to your corporate network (if you have one) and establish a VPN secure tunnel to link your machines running in your own corporate environment up to your virtual machines in the cloud – making them look like they’re all part of one connected network.  </a:t>
-            </a:r>
-          </a:p>
-          <a:p>
-            <a:pPr marL="171450" indent="-171450">
-              <a:buFont typeface="Arial" pitchFamily="34" charset="0"/>
-              <a:buChar char="•"/>
-            </a:pPr>
-            <a:r>
-              <a:rPr lang="en-US" b="0" baseline="0" dirty="0" smtClean="0"/>
-              <a:t>So lots of flexibility in the compute side as well as in the networking side. </a:t>
-            </a:r>
-          </a:p>
+        </p:txBody>
+      </p:sp>
+    </p:spTree>
+    <p:extLst>
+      <p:ext uri="{BB962C8B-B14F-4D97-AF65-F5344CB8AC3E}">
+        <p14:creationId xmlns:p14="http://schemas.microsoft.com/office/powerpoint/2010/main" val="2028363055"/>
+      </p:ext>
+    </p:extLst>
+  </p:cSld>
+  <p:clrMapOvr>
+    <a:masterClrMapping/>
+  </p:clrMapOvr>
+</p:notes>
+</file>
+
+<file path=ppt/notesSlides/notesSlide8.xml><?xml version="1.0" encoding="utf-8"?>
+<p:notes xmlns:a="http://schemas.openxmlformats.org/drawingml/2006/main" xmlns:r="http://schemas.openxmlformats.org/officeDocument/2006/relationships" xmlns:p="http://schemas.openxmlformats.org/presentationml/2006/main">
+  <p:cSld>
+    <p:spTree>
+      <p:nvGrpSpPr>
+        <p:cNvPr id="1" name=""/>
+        <p:cNvGrpSpPr/>
+        <p:nvPr/>
+      </p:nvGrpSpPr>
+      <p:grpSpPr>
+        <a:xfrm>
+          <a:off x="0" y="0"/>
+          <a:ext cx="0" cy="0"/>
+          <a:chOff x="0" y="0"/>
+          <a:chExt cx="0" cy="0"/>
+        </a:xfrm>
+      </p:grpSpPr>
+      <p:sp>
+        <p:nvSpPr>
+          <p:cNvPr id="2" name="Slide Image Placeholder 1"/>
+          <p:cNvSpPr>
+            <a:spLocks noGrp="1" noRot="1" noChangeAspect="1"/>
+          </p:cNvSpPr>
+          <p:nvPr>
+            <p:ph type="sldImg"/>
+          </p:nvPr>
+        </p:nvSpPr>
+        <p:spPr/>
+      </p:sp>
+      <p:sp>
+        <p:nvSpPr>
+          <p:cNvPr id="3" name="Notes Placeholder 2"/>
+          <p:cNvSpPr>
+            <a:spLocks noGrp="1"/>
+          </p:cNvSpPr>
+          <p:nvPr>
+            <p:ph type="body" idx="1"/>
+          </p:nvPr>
+        </p:nvSpPr>
+        <p:spPr/>
+        <p:txBody>
+          <a:bodyPr/>
+          <a:lstStyle/>
           <a:p>
             <a:endParaRPr lang="en-US" dirty="0"/>
           </a:p>
@@ -1373,7 +1245,7 @@
           <a:p>
             <a:fld id="{BC60BE34-BC89-4C98-A56B-79B7A098D024}" type="slidenum">
               <a:rPr lang="en-US" smtClean="0"/>
-              <a:t>16</a:t>
+              <a:t>14</a:t>
             </a:fld>
             <a:endParaRPr lang="en-US"/>
           </a:p>
@@ -1382,7 +1254,7 @@
     </p:spTree>
     <p:extLst>
       <p:ext uri="{BB962C8B-B14F-4D97-AF65-F5344CB8AC3E}">
-        <p14:creationId xmlns:p14="http://schemas.microsoft.com/office/powerpoint/2010/main" val="2011608035"/>
+        <p14:creationId xmlns:p14="http://schemas.microsoft.com/office/powerpoint/2010/main" val="2443964623"/>
       </p:ext>
     </p:extLst>
   </p:cSld>
@@ -18779,7 +18651,7 @@
           <p:spPr>
             <a:xfrm>
               <a:off x="9910351" y="5932986"/>
-              <a:ext cx="2280785" cy="400110"/>
+              <a:ext cx="2280785" cy="369428"/>
             </a:xfrm>
             <a:prstGeom prst="rect">
               <a:avLst/>
@@ -18793,7 +18665,7 @@
             <a:lstStyle/>
             <a:p>
               <a:r>
-                <a:rPr lang="en-US" sz="1999" dirty="0" smtClean="0">
+                <a:rPr lang="en-US" dirty="0" smtClean="0">
                   <a:solidFill>
                     <a:srgbClr val="00B0F0"/>
                   </a:solidFill>
@@ -18802,7 +18674,7 @@
                 <a:t>authentications/</a:t>
               </a:r>
               <a:r>
-                <a:rPr lang="en-US" sz="1999" dirty="0" err="1" smtClean="0">
+                <a:rPr lang="en-US" dirty="0" err="1" smtClean="0">
                   <a:solidFill>
                     <a:srgbClr val="00B0F0"/>
                   </a:solidFill>
@@ -18810,7 +18682,7 @@
                 </a:rPr>
                 <a:t>wk</a:t>
               </a:r>
-              <a:endParaRPr lang="en-US" sz="1999" dirty="0">
+              <a:endParaRPr lang="en-US" dirty="0">
                 <a:solidFill>
                   <a:srgbClr val="00B0F0"/>
                 </a:solidFill>
@@ -19294,7 +19166,7 @@
           <a:p>
             <a:r>
               <a:rPr lang="en-US" dirty="0" smtClean="0"/>
-              <a:t>Azure’s Focus on Trust</a:t>
+              <a:t>Security and Compliance</a:t>
             </a:r>
             <a:endParaRPr lang="en-US" dirty="0"/>
           </a:p>
@@ -19313,7 +19185,7 @@
         <p:spPr>
           <a:xfrm>
             <a:off x="519248" y="1447800"/>
-            <a:ext cx="11151916" cy="5876993"/>
+            <a:ext cx="7272470" cy="5876993"/>
           </a:xfrm>
         </p:spPr>
         <p:txBody>
@@ -19355,10 +19227,6 @@
               <a:rPr lang="en-US" dirty="0" smtClean="0"/>
               <a:t>Multiple national government </a:t>
             </a:r>
-            <a:r>
-              <a:rPr lang="en-US" dirty="0" smtClean="0"/>
-              <a:t/>
-            </a:r>
             <a:br>
               <a:rPr lang="en-US" dirty="0" smtClean="0"/>
             </a:br>
@@ -19366,7 +19234,6 @@
               <a:rPr lang="en-US" dirty="0" smtClean="0"/>
               <a:t>compliance</a:t>
             </a:r>
-            <a:endParaRPr lang="en-US" dirty="0" smtClean="0"/>
           </a:p>
           <a:p>
             <a:r>
@@ -19424,12 +19291,20 @@
         </p:blipFill>
         <p:spPr>
           <a:xfrm>
-            <a:off x="8214037" y="2484325"/>
-            <a:ext cx="3457127" cy="3869582"/>
+            <a:off x="7522249" y="1447800"/>
+            <a:ext cx="4148917" cy="4643907"/>
           </a:xfrm>
           <a:prstGeom prst="rect">
             <a:avLst/>
           </a:prstGeom>
+          <a:ln>
+            <a:solidFill>
+              <a:schemeClr val="tx1">
+                <a:lumMod val="25000"/>
+                <a:lumOff val="75000"/>
+              </a:schemeClr>
+            </a:solidFill>
+          </a:ln>
         </p:spPr>
       </p:pic>
     </p:spTree>
@@ -19523,7 +19398,11 @@
           <a:p>
             <a:pPr lvl="1"/>
             <a:r>
-              <a:rPr lang="en-US" sz="2000" dirty="0" smtClean="0"/>
+              <a:rPr lang="en-US" sz="2000" dirty="0" smtClean="0">
+                <a:solidFill>
+                  <a:schemeClr val="accent2"/>
+                </a:solidFill>
+              </a:rPr>
               <a:t>Virtual Machines</a:t>
             </a:r>
           </a:p>
@@ -19596,7 +19475,11 @@
           <a:p>
             <a:pPr lvl="1"/>
             <a:r>
-              <a:rPr lang="en-US" sz="2000" dirty="0" smtClean="0"/>
+              <a:rPr lang="en-US" sz="2000" dirty="0" smtClean="0">
+                <a:solidFill>
+                  <a:schemeClr val="accent2"/>
+                </a:solidFill>
+              </a:rPr>
               <a:t>Blob storage</a:t>
             </a:r>
           </a:p>
@@ -19641,30 +19524,59 @@
           <a:p>
             <a:pPr lvl="1"/>
             <a:r>
-              <a:rPr lang="en-US" sz="2000" dirty="0" smtClean="0"/>
+              <a:rPr lang="en-US" sz="2000" dirty="0" smtClean="0">
+                <a:solidFill>
+                  <a:schemeClr val="accent2"/>
+                </a:solidFill>
+              </a:rPr>
               <a:t>HDInsight</a:t>
             </a:r>
           </a:p>
           <a:p>
             <a:pPr lvl="1"/>
             <a:r>
-              <a:rPr lang="en-US" sz="2000" dirty="0" smtClean="0"/>
+              <a:rPr lang="en-US" sz="2000" dirty="0" smtClean="0">
+                <a:solidFill>
+                  <a:schemeClr val="accent2"/>
+                </a:solidFill>
+              </a:rPr>
               <a:t>Machine Learning</a:t>
             </a:r>
           </a:p>
           <a:p>
             <a:pPr lvl="1"/>
             <a:r>
-              <a:rPr lang="en-US" sz="2000" dirty="0" smtClean="0"/>
+              <a:rPr lang="en-US" sz="2000" dirty="0" smtClean="0">
+                <a:solidFill>
+                  <a:schemeClr val="accent2"/>
+                </a:solidFill>
+              </a:rPr>
               <a:t>Stream Analytics</a:t>
             </a:r>
           </a:p>
           <a:p>
             <a:pPr lvl="1"/>
             <a:r>
-              <a:rPr lang="en-US" sz="2000" dirty="0" smtClean="0"/>
-              <a:t>Event Hub</a:t>
+              <a:rPr lang="en-US" sz="2000" dirty="0" smtClean="0">
+                <a:solidFill>
+                  <a:schemeClr val="accent2"/>
+                </a:solidFill>
+              </a:rPr>
+              <a:t>Event </a:t>
             </a:r>
+            <a:r>
+              <a:rPr lang="en-US" sz="2000" dirty="0" smtClean="0">
+                <a:solidFill>
+                  <a:schemeClr val="accent2"/>
+                </a:solidFill>
+              </a:rPr>
+              <a:t>Hubs</a:t>
+            </a:r>
+            <a:endParaRPr lang="en-US" sz="2000" dirty="0" smtClean="0">
+              <a:solidFill>
+                <a:schemeClr val="accent2"/>
+              </a:solidFill>
+            </a:endParaRPr>
           </a:p>
           <a:p>
             <a:r>
@@ -19779,89 +19691,46 @@
           <a:p>
             <a:r>
               <a:rPr lang="en-US" dirty="0" smtClean="0"/>
-              <a:t>Pay </a:t>
-            </a:r>
-            <a:r>
-              <a:rPr lang="en-US" b="1" dirty="0" smtClean="0">
-                <a:solidFill>
-                  <a:srgbClr val="00B0F0"/>
-                </a:solidFill>
-              </a:rPr>
-              <a:t>only</a:t>
-            </a:r>
-            <a:r>
-              <a:rPr lang="en-US" dirty="0" smtClean="0"/>
-              <a:t> for what is used</a:t>
+              <a:t>Azure Services Work Together</a:t>
             </a:r>
             <a:endParaRPr lang="en-US" dirty="0"/>
           </a:p>
         </p:txBody>
       </p:sp>
-      <p:sp>
-        <p:nvSpPr>
-          <p:cNvPr id="3" name="Content Placeholder 2"/>
-          <p:cNvSpPr>
-            <a:spLocks noGrp="1"/>
-          </p:cNvSpPr>
-          <p:nvPr>
-            <p:ph idx="1"/>
-          </p:nvPr>
-        </p:nvSpPr>
+      <p:pic>
+        <p:nvPicPr>
+          <p:cNvPr id="4" name="Picture 3"/>
+          <p:cNvPicPr>
+            <a:picLocks noChangeAspect="1"/>
+          </p:cNvPicPr>
+          <p:nvPr/>
+        </p:nvPicPr>
+        <p:blipFill>
+          <a:blip r:embed="rId3">
+            <a:extLst>
+              <a:ext uri="{28A0092B-C50C-407E-A947-70E740481C1C}">
+                <a14:useLocalDpi xmlns:a14="http://schemas.microsoft.com/office/drawing/2010/main" val="0"/>
+              </a:ext>
+            </a:extLst>
+          </a:blip>
+          <a:stretch>
+            <a:fillRect/>
+          </a:stretch>
+        </p:blipFill>
         <p:spPr>
           <a:xfrm>
-            <a:off x="519248" y="1447800"/>
-            <a:ext cx="11151916" cy="3692421"/>
+            <a:off x="919510" y="1199408"/>
+            <a:ext cx="10351393" cy="5001324"/>
           </a:xfrm>
+          <a:prstGeom prst="rect">
+            <a:avLst/>
+          </a:prstGeom>
         </p:spPr>
-        <p:txBody>
-          <a:bodyPr/>
-          <a:lstStyle/>
-          <a:p>
-            <a:r>
-              <a:rPr lang="en-US" dirty="0" smtClean="0"/>
-              <a:t>There are zero upfront costs</a:t>
-            </a:r>
-          </a:p>
-          <a:p>
-            <a:r>
-              <a:rPr lang="en-US" dirty="0" smtClean="0"/>
-              <a:t>For virtual machines and web sites, pay by the hour</a:t>
-            </a:r>
-          </a:p>
-          <a:p>
-            <a:r>
-              <a:rPr lang="en-US" dirty="0" smtClean="0"/>
-              <a:t>Scale up and down your solutions as needed</a:t>
-            </a:r>
-          </a:p>
-          <a:p>
-            <a:r>
-              <a:rPr lang="en-US" dirty="0" smtClean="0"/>
-              <a:t>Pay only for services, like Machine Learning, when calculating</a:t>
-            </a:r>
-          </a:p>
-          <a:p>
-            <a:r>
-              <a:rPr lang="en-US" dirty="0" smtClean="0"/>
-              <a:t>Very low storage costs</a:t>
-            </a:r>
-          </a:p>
-          <a:p>
-            <a:endParaRPr lang="en-US" dirty="0"/>
-          </a:p>
-          <a:p>
-            <a:r>
-              <a:rPr lang="en-US" dirty="0" smtClean="0"/>
-              <a:t>Evaluation period is no cost at all – including this training</a:t>
-            </a:r>
-            <a:endParaRPr lang="en-US" dirty="0"/>
-          </a:p>
-        </p:txBody>
-      </p:sp>
+      </p:pic>
     </p:spTree>
     <p:extLst>
       <p:ext uri="{BB962C8B-B14F-4D97-AF65-F5344CB8AC3E}">
-        <p14:creationId xmlns:p14="http://schemas.microsoft.com/office/powerpoint/2010/main" val="1759349385"/>
+        <p14:creationId xmlns:p14="http://schemas.microsoft.com/office/powerpoint/2010/main" val="48239785"/>
       </p:ext>
     </p:extLst>
   </p:cSld>
@@ -19921,49 +19790,9 @@
           </a:p>
         </p:txBody>
       </p:sp>
-      <p:sp>
-        <p:nvSpPr>
-          <p:cNvPr id="3" name="Content Placeholder 2"/>
-          <p:cNvSpPr>
-            <a:spLocks noGrp="1"/>
-          </p:cNvSpPr>
-          <p:nvPr>
-            <p:ph idx="1"/>
-          </p:nvPr>
-        </p:nvSpPr>
-        <p:spPr>
-          <a:xfrm>
-            <a:off x="519248" y="1447800"/>
-            <a:ext cx="11151916" cy="916918"/>
-          </a:xfrm>
-        </p:spPr>
-        <p:txBody>
-          <a:bodyPr/>
-          <a:lstStyle/>
-          <a:p>
-            <a:r>
-              <a:rPr lang="en-US" dirty="0" smtClean="0"/>
-              <a:t>Life begins here: https://</a:t>
-            </a:r>
-            <a:r>
-              <a:rPr lang="en-US" dirty="0" err="1" smtClean="0"/>
-              <a:t>portal.azure.com</a:t>
-            </a:r>
-            <a:endParaRPr lang="en-US" dirty="0" smtClean="0"/>
-          </a:p>
-          <a:p>
-            <a:pPr lvl="1"/>
-            <a:r>
-              <a:rPr lang="en-US" dirty="0" smtClean="0"/>
-              <a:t>Individual pages are called blades</a:t>
-            </a:r>
-            <a:endParaRPr lang="en-US" dirty="0"/>
-          </a:p>
-        </p:txBody>
-      </p:sp>
       <p:pic>
         <p:nvPicPr>
-          <p:cNvPr id="5" name="Picture 4"/>
+          <p:cNvPr id="4" name="Picture 3"/>
           <p:cNvPicPr>
             <a:picLocks noChangeAspect="1"/>
           </p:cNvPicPr>
@@ -19977,14 +19806,65 @@
         </p:blipFill>
         <p:spPr>
           <a:xfrm>
-            <a:off x="4023524" y="2364718"/>
-            <a:ext cx="4143364" cy="3851024"/>
+            <a:off x="2588957" y="2093986"/>
+            <a:ext cx="7012500" cy="3908201"/>
           </a:xfrm>
           <a:prstGeom prst="rect">
             <a:avLst/>
           </a:prstGeom>
         </p:spPr>
       </p:pic>
+      <p:sp>
+        <p:nvSpPr>
+          <p:cNvPr id="6" name="TextBox 5"/>
+          <p:cNvSpPr txBox="1"/>
+          <p:nvPr/>
+        </p:nvSpPr>
+        <p:spPr>
+          <a:xfrm>
+            <a:off x="519248" y="1258244"/>
+            <a:ext cx="11151917" cy="553998"/>
+          </a:xfrm>
+          <a:prstGeom prst="rect">
+            <a:avLst/>
+          </a:prstGeom>
+          <a:noFill/>
+        </p:spPr>
+        <p:txBody>
+          <a:bodyPr wrap="square" lIns="0" tIns="0" rIns="0" bIns="0" rtlCol="0">
+            <a:spAutoFit/>
+          </a:bodyPr>
+          <a:lstStyle/>
+          <a:p>
+            <a:pPr>
+              <a:lnSpc>
+                <a:spcPct val="90000"/>
+              </a:lnSpc>
+              <a:spcBef>
+                <a:spcPct val="20000"/>
+              </a:spcBef>
+              <a:buSzPct val="80000"/>
+            </a:pPr>
+            <a:r>
+              <a:rPr lang="en-US" sz="4000" dirty="0" smtClean="0">
+                <a:solidFill>
+                  <a:schemeClr val="accent2"/>
+                </a:solidFill>
+                <a:latin typeface="Segoe UI Light" panose="020B0502040204020203" pitchFamily="34" charset="0"/>
+                <a:cs typeface="Segoe UI Light" panose="020B0502040204020203" pitchFamily="34" charset="0"/>
+              </a:rPr>
+              <a:t>Life begins at https://portal.azure.com</a:t>
+            </a:r>
+            <a:endParaRPr lang="en-US" sz="4000" dirty="0">
+              <a:solidFill>
+                <a:schemeClr val="accent2"/>
+              </a:solidFill>
+              <a:latin typeface="Segoe UI Light" panose="020B0502040204020203" pitchFamily="34" charset="0"/>
+              <a:cs typeface="Segoe UI Light" panose="020B0502040204020203" pitchFamily="34" charset="0"/>
+            </a:endParaRPr>
+          </a:p>
+        </p:txBody>
+      </p:sp>
     </p:spTree>
     <p:extLst>
       <p:ext uri="{BB962C8B-B14F-4D97-AF65-F5344CB8AC3E}">
@@ -20009,323 +19889,6 @@
 </file>
 
 <file path=ppt/slides/slide16.xml><?xml version="1.0" encoding="utf-8"?>
-<p:sld xmlns:a="http://schemas.openxmlformats.org/drawingml/2006/main" xmlns:r="http://schemas.openxmlformats.org/officeDocument/2006/relationships" xmlns:p="http://schemas.openxmlformats.org/presentationml/2006/main">
-  <p:cSld>
-    <p:spTree>
-      <p:nvGrpSpPr>
-        <p:cNvPr id="1" name=""/>
-        <p:cNvGrpSpPr/>
-        <p:nvPr/>
-      </p:nvGrpSpPr>
-      <p:grpSpPr>
-        <a:xfrm>
-          <a:off x="0" y="0"/>
-          <a:ext cx="0" cy="0"/>
-          <a:chOff x="0" y="0"/>
-          <a:chExt cx="0" cy="0"/>
-        </a:xfrm>
-      </p:grpSpPr>
-      <p:sp>
-        <p:nvSpPr>
-          <p:cNvPr id="2" name="Title 1"/>
-          <p:cNvSpPr>
-            <a:spLocks noGrp="1"/>
-          </p:cNvSpPr>
-          <p:nvPr>
-            <p:ph type="title"/>
-          </p:nvPr>
-        </p:nvSpPr>
-        <p:spPr/>
-        <p:txBody>
-          <a:bodyPr/>
-          <a:lstStyle/>
-          <a:p>
-            <a:r>
-              <a:rPr lang="en-US" dirty="0" smtClean="0"/>
-              <a:t>Virtual Machines</a:t>
-            </a:r>
-            <a:endParaRPr lang="en-US" dirty="0"/>
-          </a:p>
-        </p:txBody>
-      </p:sp>
-      <p:sp>
-        <p:nvSpPr>
-          <p:cNvPr id="3" name="Content Placeholder 2"/>
-          <p:cNvSpPr>
-            <a:spLocks noGrp="1"/>
-          </p:cNvSpPr>
-          <p:nvPr>
-            <p:ph idx="1"/>
-          </p:nvPr>
-        </p:nvSpPr>
-        <p:spPr>
-          <a:xfrm>
-            <a:off x="519248" y="1447800"/>
-            <a:ext cx="11151916" cy="4166269"/>
-          </a:xfrm>
-        </p:spPr>
-        <p:txBody>
-          <a:bodyPr/>
-          <a:lstStyle/>
-          <a:p>
-            <a:r>
-              <a:rPr lang="en-US" dirty="0" smtClean="0"/>
-              <a:t>Linux and Windows Server both supported</a:t>
-            </a:r>
-          </a:p>
-          <a:p>
-            <a:r>
-              <a:rPr lang="en-US" dirty="0" smtClean="0"/>
-              <a:t>Can use remote desktop or SSH and run any workload</a:t>
-            </a:r>
-          </a:p>
-          <a:p>
-            <a:r>
-              <a:rPr lang="en-US" dirty="0" smtClean="0"/>
-              <a:t>You are the admin on the virtual machine</a:t>
-            </a:r>
-          </a:p>
-          <a:p>
-            <a:r>
-              <a:rPr lang="en-US" dirty="0" smtClean="0"/>
-              <a:t>Very durable</a:t>
-            </a:r>
-          </a:p>
-          <a:p>
-            <a:pPr lvl="1"/>
-            <a:r>
-              <a:rPr lang="en-US" dirty="0" smtClean="0"/>
-              <a:t>If you reboot, all changes and data </a:t>
-            </a:r>
-            <a:r>
-              <a:rPr lang="en-US" smtClean="0"/>
-              <a:t>stored </a:t>
-            </a:r>
-            <a:r>
-              <a:rPr lang="en-US" smtClean="0"/>
-              <a:t>on </a:t>
-            </a:r>
-            <a:r>
-              <a:rPr lang="en-US" dirty="0" smtClean="0"/>
-              <a:t>disk</a:t>
-            </a:r>
-          </a:p>
-          <a:p>
-            <a:r>
-              <a:rPr lang="en-US" dirty="0" smtClean="0"/>
-              <a:t>Virtual private networking </a:t>
-            </a:r>
-          </a:p>
-          <a:p>
-            <a:pPr lvl="1"/>
-            <a:r>
-              <a:rPr lang="en-US" dirty="0" smtClean="0"/>
-              <a:t>VMs can be grouped as part of a private network</a:t>
-            </a:r>
-          </a:p>
-          <a:p>
-            <a:endParaRPr lang="en-US" dirty="0"/>
-          </a:p>
-        </p:txBody>
-      </p:sp>
-      <p:pic>
-        <p:nvPicPr>
-          <p:cNvPr id="5" name="Picture 4"/>
-          <p:cNvPicPr>
-            <a:picLocks noChangeAspect="1"/>
-          </p:cNvPicPr>
-          <p:nvPr/>
-        </p:nvPicPr>
-        <p:blipFill>
-          <a:blip r:embed="rId3" cstate="print">
-            <a:extLst>
-              <a:ext uri="{28A0092B-C50C-407E-A947-70E740481C1C}">
-                <a14:useLocalDpi xmlns:a14="http://schemas.microsoft.com/office/drawing/2010/main" val="0"/>
-              </a:ext>
-            </a:extLst>
-          </a:blip>
-          <a:stretch>
-            <a:fillRect/>
-          </a:stretch>
-        </p:blipFill>
-        <p:spPr>
-          <a:xfrm>
-            <a:off x="10110588" y="4726499"/>
-            <a:ext cx="1560576" cy="1560576"/>
-          </a:xfrm>
-          <a:prstGeom prst="rect">
-            <a:avLst/>
-          </a:prstGeom>
-        </p:spPr>
-      </p:pic>
-    </p:spTree>
-    <p:extLst>
-      <p:ext uri="{BB962C8B-B14F-4D97-AF65-F5344CB8AC3E}">
-        <p14:creationId xmlns:p14="http://schemas.microsoft.com/office/powerpoint/2010/main" val="1474276215"/>
-      </p:ext>
-    </p:extLst>
-  </p:cSld>
-  <p:clrMapOvr>
-    <a:masterClrMapping/>
-  </p:clrMapOvr>
-  <p:transition>
-    <p:fade/>
-  </p:transition>
-  <p:timing>
-    <p:tnLst>
-      <p:par>
-        <p:cTn id="1" dur="indefinite" restart="never" nodeType="tmRoot"/>
-      </p:par>
-    </p:tnLst>
-  </p:timing>
-</p:sld>
-</file>
-
-<file path=ppt/slides/slide17.xml><?xml version="1.0" encoding="utf-8"?>
-<p:sld xmlns:a="http://schemas.openxmlformats.org/drawingml/2006/main" xmlns:r="http://schemas.openxmlformats.org/officeDocument/2006/relationships" xmlns:p="http://schemas.openxmlformats.org/presentationml/2006/main">
-  <p:cSld>
-    <p:spTree>
-      <p:nvGrpSpPr>
-        <p:cNvPr id="1" name=""/>
-        <p:cNvGrpSpPr/>
-        <p:nvPr/>
-      </p:nvGrpSpPr>
-      <p:grpSpPr>
-        <a:xfrm>
-          <a:off x="0" y="0"/>
-          <a:ext cx="0" cy="0"/>
-          <a:chOff x="0" y="0"/>
-          <a:chExt cx="0" cy="0"/>
-        </a:xfrm>
-      </p:grpSpPr>
-      <p:sp>
-        <p:nvSpPr>
-          <p:cNvPr id="2" name="Title 1"/>
-          <p:cNvSpPr>
-            <a:spLocks noGrp="1"/>
-          </p:cNvSpPr>
-          <p:nvPr>
-            <p:ph type="title"/>
-          </p:nvPr>
-        </p:nvSpPr>
-        <p:spPr/>
-        <p:txBody>
-          <a:bodyPr/>
-          <a:lstStyle/>
-          <a:p>
-            <a:r>
-              <a:rPr lang="en-US" dirty="0" smtClean="0"/>
-              <a:t>Microsoft Azure Services</a:t>
-            </a:r>
-            <a:endParaRPr lang="en-US" dirty="0"/>
-          </a:p>
-        </p:txBody>
-      </p:sp>
-      <p:sp>
-        <p:nvSpPr>
-          <p:cNvPr id="3" name="Content Placeholder 2"/>
-          <p:cNvSpPr>
-            <a:spLocks noGrp="1"/>
-          </p:cNvSpPr>
-          <p:nvPr>
-            <p:ph idx="1"/>
-          </p:nvPr>
-        </p:nvSpPr>
-        <p:spPr>
-          <a:xfrm>
-            <a:off x="519248" y="1447800"/>
-            <a:ext cx="11151916" cy="4301562"/>
-          </a:xfrm>
-        </p:spPr>
-        <p:txBody>
-          <a:bodyPr/>
-          <a:lstStyle/>
-          <a:p>
-            <a:r>
-              <a:rPr lang="en-US" dirty="0" smtClean="0"/>
-              <a:t>The parts of Azure you care about as </a:t>
-            </a:r>
-            <a:r>
-              <a:rPr lang="en-US" smtClean="0"/>
-              <a:t>a researcher!</a:t>
-            </a:r>
-            <a:endParaRPr lang="en-US" dirty="0" smtClean="0"/>
-          </a:p>
-          <a:p>
-            <a:pPr lvl="1"/>
-            <a:r>
-              <a:rPr lang="en-US" dirty="0" smtClean="0"/>
-              <a:t>Storage</a:t>
-            </a:r>
-          </a:p>
-          <a:p>
-            <a:pPr lvl="1"/>
-            <a:r>
-              <a:rPr lang="en-US" dirty="0" smtClean="0"/>
-              <a:t>Machine Learning</a:t>
-            </a:r>
-          </a:p>
-          <a:p>
-            <a:pPr lvl="1"/>
-            <a:r>
-              <a:rPr lang="en-US" dirty="0" smtClean="0"/>
-              <a:t>Stream Analytics</a:t>
-            </a:r>
-          </a:p>
-          <a:p>
-            <a:pPr lvl="1"/>
-            <a:r>
-              <a:rPr lang="en-US" dirty="0" smtClean="0"/>
-              <a:t>HDInsight (Hadoop, Spark)</a:t>
-            </a:r>
-          </a:p>
-          <a:p>
-            <a:pPr lvl="1"/>
-            <a:r>
-              <a:rPr lang="en-US" dirty="0" smtClean="0"/>
-              <a:t>High Performance Computing</a:t>
-            </a:r>
-          </a:p>
-          <a:p>
-            <a:pPr lvl="1"/>
-            <a:endParaRPr lang="en-US" dirty="0"/>
-          </a:p>
-          <a:p>
-            <a:r>
-              <a:rPr lang="en-US" dirty="0" smtClean="0"/>
-              <a:t>Each of these have upcoming hands-on labs</a:t>
-            </a:r>
-          </a:p>
-          <a:p>
-            <a:pPr lvl="1"/>
-            <a:endParaRPr lang="en-US" dirty="0"/>
-          </a:p>
-        </p:txBody>
-      </p:sp>
-    </p:spTree>
-    <p:extLst>
-      <p:ext uri="{BB962C8B-B14F-4D97-AF65-F5344CB8AC3E}">
-        <p14:creationId xmlns:p14="http://schemas.microsoft.com/office/powerpoint/2010/main" val="1923612932"/>
-      </p:ext>
-    </p:extLst>
-  </p:cSld>
-  <p:clrMapOvr>
-    <a:masterClrMapping/>
-  </p:clrMapOvr>
-  <p:transition>
-    <p:fade/>
-  </p:transition>
-  <p:timing>
-    <p:tnLst>
-      <p:par>
-        <p:cTn id="1" dur="indefinite" restart="never" nodeType="tmRoot"/>
-      </p:par>
-    </p:tnLst>
-  </p:timing>
-</p:sld>
-</file>
-
-<file path=ppt/slides/slide18.xml><?xml version="1.0" encoding="utf-8"?>
 <p:sld xmlns:a="http://schemas.openxmlformats.org/drawingml/2006/main" xmlns:r="http://schemas.openxmlformats.org/officeDocument/2006/relationships" xmlns:p="http://schemas.openxmlformats.org/presentationml/2006/main">
   <p:cSld>
     <p:spTree>
@@ -20438,7 +20001,7 @@
 </p:sld>
 </file>
 
-<file path=ppt/slides/slide19.xml><?xml version="1.0" encoding="utf-8"?>
+<file path=ppt/slides/slide17.xml><?xml version="1.0" encoding="utf-8"?>
 <p:sld xmlns:a="http://schemas.openxmlformats.org/drawingml/2006/main" xmlns:r="http://schemas.openxmlformats.org/officeDocument/2006/relationships" xmlns:p="http://schemas.openxmlformats.org/presentationml/2006/main">
   <p:cSld>
     <p:spTree>
@@ -20533,8 +20096,13 @@
           <a:p>
             <a:r>
               <a:rPr lang="en-US" dirty="0" smtClean="0"/>
-              <a:t>Key learning objects for this section</a:t>
+              <a:t>Key learning </a:t>
             </a:r>
+            <a:r>
+              <a:rPr lang="en-US" dirty="0" smtClean="0"/>
+              <a:t>objectives</a:t>
+            </a:r>
+            <a:endParaRPr lang="en-US" dirty="0" smtClean="0"/>
           </a:p>
           <a:p>
             <a:pPr lvl="1"/>
@@ -20649,7 +20217,15 @@
           <a:p>
             <a:r>
               <a:rPr lang="en-US" dirty="0" smtClean="0"/>
-              <a:t>What is the cloud?</a:t>
+              <a:t>What is the </a:t>
+            </a:r>
+            <a:r>
+              <a:rPr lang="en-US" dirty="0" smtClean="0"/>
+              <a:t>Cloud</a:t>
+            </a:r>
+            <a:r>
+              <a:rPr lang="en-US" dirty="0" smtClean="0"/>
+              <a:t>?</a:t>
             </a:r>
             <a:endParaRPr lang="en-US" dirty="0"/>
           </a:p>
@@ -28615,7 +28191,7 @@
         <p:spPr>
           <a:xfrm>
             <a:off x="519248" y="1447800"/>
-            <a:ext cx="11151916" cy="4436984"/>
+            <a:ext cx="11151916" cy="4880054"/>
           </a:xfrm>
         </p:spPr>
         <p:txBody>
@@ -28665,8 +28241,13 @@
           <a:p>
             <a:r>
               <a:rPr lang="en-US" dirty="0" smtClean="0"/>
-              <a:t>Built entirely on Azure Machine Language</a:t>
+              <a:t>Built entirely on Azure Machine </a:t>
             </a:r>
+            <a:r>
+              <a:rPr lang="en-US" dirty="0" smtClean="0"/>
+              <a:t>Learning</a:t>
+            </a:r>
+            <a:endParaRPr lang="en-US" dirty="0" smtClean="0"/>
           </a:p>
           <a:p>
             <a:pPr lvl="1"/>
@@ -28777,7 +28358,23 @@
           <a:p>
             <a:r>
               <a:rPr lang="en-US" dirty="0" smtClean="0"/>
-              <a:t>100% cross platform with massive open source support</a:t>
+              <a:t>100% </a:t>
+            </a:r>
+            <a:r>
+              <a:rPr lang="en-US" dirty="0" smtClean="0"/>
+              <a:t>cross-platform </a:t>
+            </a:r>
+            <a:r>
+              <a:rPr lang="en-US" dirty="0" smtClean="0"/>
+              <a:t>with massive </a:t>
+            </a:r>
+            <a:r>
+              <a:rPr lang="en-US" dirty="0" smtClean="0"/>
+              <a:t>open-source </a:t>
+            </a:r>
+            <a:r>
+              <a:rPr lang="en-US" dirty="0" smtClean="0"/>
+              <a:t>support</a:t>
             </a:r>
           </a:p>
         </p:txBody>

--- a/Content/Introduction/Azure Overview.pptx
+++ b/Content/Introduction/Azure Overview.pptx
@@ -5,7 +5,7 @@
     <p:sldMasterId id="2147483680" r:id="rId1"/>
   </p:sldMasterIdLst>
   <p:notesMasterIdLst>
-    <p:notesMasterId r:id="rId19"/>
+    <p:notesMasterId r:id="rId18"/>
   </p:notesMasterIdLst>
   <p:sldIdLst>
     <p:sldId id="256" r:id="rId2"/>
@@ -20,11 +20,10 @@
     <p:sldId id="264" r:id="rId11"/>
     <p:sldId id="266" r:id="rId12"/>
     <p:sldId id="281" r:id="rId13"/>
-    <p:sldId id="268" r:id="rId14"/>
-    <p:sldId id="282" r:id="rId15"/>
-    <p:sldId id="269" r:id="rId16"/>
-    <p:sldId id="275" r:id="rId17"/>
-    <p:sldId id="276" r:id="rId18"/>
+    <p:sldId id="282" r:id="rId14"/>
+    <p:sldId id="269" r:id="rId15"/>
+    <p:sldId id="275" r:id="rId16"/>
+    <p:sldId id="276" r:id="rId17"/>
   </p:sldIdLst>
   <p:sldSz cx="12192000" cy="6858000"/>
   <p:notesSz cx="6858000" cy="9144000"/>
@@ -144,7 +143,6 @@
             <p14:sldId id="264"/>
             <p14:sldId id="266"/>
             <p14:sldId id="281"/>
-            <p14:sldId id="268"/>
             <p14:sldId id="282"/>
             <p14:sldId id="269"/>
             <p14:sldId id="275"/>
@@ -242,7 +240,7 @@
           <a:p>
             <a:fld id="{2E5CA586-3557-4985-BCD4-35EF5AC8B4A4}" type="datetimeFigureOut">
               <a:rPr lang="en-US" smtClean="0"/>
-              <a:t>10/7/2015</a:t>
+              <a:t>10/8/15</a:t>
             </a:fld>
             <a:endParaRPr lang="en-US"/>
           </a:p>
@@ -791,6 +789,116 @@
           <a:bodyPr/>
           <a:lstStyle/>
           <a:p>
+            <a:r>
+              <a:rPr lang="en-US" dirty="0" smtClean="0"/>
+              <a:t>Monitoring is huge because NOAA weather service only does 700 locations nationally.</a:t>
+            </a:r>
+          </a:p>
+          <a:p>
+            <a:r>
+              <a:rPr lang="en-US" dirty="0" smtClean="0"/>
+              <a:t>Additionally,</a:t>
+            </a:r>
+            <a:r>
+              <a:rPr lang="en-US" baseline="0" dirty="0" smtClean="0"/>
+              <a:t> this project went to Azure because of enhanced collaboration. All researchers across the US could access the virtual machines instead of being held by a single university.</a:t>
+            </a:r>
+            <a:r>
+              <a:rPr lang="en-US" dirty="0" smtClean="0"/>
+              <a:t> </a:t>
+            </a:r>
+            <a:endParaRPr lang="en-US" dirty="0"/>
+          </a:p>
+        </p:txBody>
+      </p:sp>
+      <p:sp>
+        <p:nvSpPr>
+          <p:cNvPr id="4" name="Slide Number Placeholder 3"/>
+          <p:cNvSpPr>
+            <a:spLocks noGrp="1"/>
+          </p:cNvSpPr>
+          <p:nvPr>
+            <p:ph type="sldNum" sz="quarter" idx="10"/>
+          </p:nvPr>
+        </p:nvSpPr>
+        <p:spPr/>
+        <p:txBody>
+          <a:bodyPr/>
+          <a:lstStyle/>
+          <a:p>
+            <a:fld id="{BC60BE34-BC89-4C98-A56B-79B7A098D024}" type="slidenum">
+              <a:rPr lang="en-US" smtClean="0"/>
+              <a:t>6</a:t>
+            </a:fld>
+            <a:endParaRPr lang="en-US"/>
+          </a:p>
+        </p:txBody>
+      </p:sp>
+    </p:spTree>
+    <p:extLst>
+      <p:ext uri="{BB962C8B-B14F-4D97-AF65-F5344CB8AC3E}">
+        <p14:creationId xmlns:p14="http://schemas.microsoft.com/office/powerpoint/2010/main" val="2089112795"/>
+      </p:ext>
+    </p:extLst>
+  </p:cSld>
+  <p:clrMapOvr>
+    <a:masterClrMapping/>
+  </p:clrMapOvr>
+</p:notes>
+</file>
+
+<file path=ppt/notesSlides/notesSlide4.xml><?xml version="1.0" encoding="utf-8"?>
+<p:notes xmlns:a="http://schemas.openxmlformats.org/drawingml/2006/main" xmlns:r="http://schemas.openxmlformats.org/officeDocument/2006/relationships" xmlns:p="http://schemas.openxmlformats.org/presentationml/2006/main">
+  <p:cSld>
+    <p:spTree>
+      <p:nvGrpSpPr>
+        <p:cNvPr id="1" name=""/>
+        <p:cNvGrpSpPr/>
+        <p:nvPr/>
+      </p:nvGrpSpPr>
+      <p:grpSpPr>
+        <a:xfrm>
+          <a:off x="0" y="0"/>
+          <a:ext cx="0" cy="0"/>
+          <a:chOff x="0" y="0"/>
+          <a:chExt cx="0" cy="0"/>
+        </a:xfrm>
+      </p:grpSpPr>
+      <p:sp>
+        <p:nvSpPr>
+          <p:cNvPr id="2" name="Slide Image Placeholder 1"/>
+          <p:cNvSpPr>
+            <a:spLocks noGrp="1" noRot="1" noChangeAspect="1"/>
+          </p:cNvSpPr>
+          <p:nvPr>
+            <p:ph type="sldImg"/>
+          </p:nvPr>
+        </p:nvSpPr>
+        <p:spPr/>
+      </p:sp>
+      <p:sp>
+        <p:nvSpPr>
+          <p:cNvPr id="3" name="Notes Placeholder 2"/>
+          <p:cNvSpPr>
+            <a:spLocks noGrp="1"/>
+          </p:cNvSpPr>
+          <p:nvPr>
+            <p:ph type="body" idx="1"/>
+          </p:nvPr>
+        </p:nvSpPr>
+        <p:spPr/>
+        <p:txBody>
+          <a:bodyPr/>
+          <a:lstStyle/>
+          <a:p>
+            <a:r>
+              <a:rPr lang="en-US" dirty="0" smtClean="0"/>
+              <a:t>The web</a:t>
+            </a:r>
+            <a:r>
+              <a:rPr lang="en-US" baseline="0" dirty="0" smtClean="0"/>
+              <a:t> service is released into the Azure Market place so others can benefit. A real example of SaaS!</a:t>
+            </a:r>
             <a:endParaRPr lang="en-US" dirty="0"/>
           </a:p>
         </p:txBody>
@@ -831,7 +939,7 @@
 </p:notes>
 </file>
 
-<file path=ppt/notesSlides/notesSlide4.xml><?xml version="1.0" encoding="utf-8"?>
+<file path=ppt/notesSlides/notesSlide5.xml><?xml version="1.0" encoding="utf-8"?>
 <p:notes xmlns:a="http://schemas.openxmlformats.org/drawingml/2006/main" xmlns:r="http://schemas.openxmlformats.org/officeDocument/2006/relationships" xmlns:p="http://schemas.openxmlformats.org/presentationml/2006/main">
   <p:cSld>
     <p:spTree>
@@ -928,7 +1036,7 @@
 </p:notes>
 </file>
 
-<file path=ppt/notesSlides/notesSlide5.xml><?xml version="1.0" encoding="utf-8"?>
+<file path=ppt/notesSlides/notesSlide6.xml><?xml version="1.0" encoding="utf-8"?>
 <p:notes xmlns:a="http://schemas.openxmlformats.org/drawingml/2006/main" xmlns:r="http://schemas.openxmlformats.org/officeDocument/2006/relationships" xmlns:p="http://schemas.openxmlformats.org/presentationml/2006/main">
   <p:cSld>
     <p:spTree>
@@ -1012,7 +1120,7 @@
 </p:notes>
 </file>
 
-<file path=ppt/notesSlides/notesSlide6.xml><?xml version="1.0" encoding="utf-8"?>
+<file path=ppt/notesSlides/notesSlide7.xml><?xml version="1.0" encoding="utf-8"?>
 <p:notes xmlns:a="http://schemas.openxmlformats.org/drawingml/2006/main" xmlns:r="http://schemas.openxmlformats.org/officeDocument/2006/relationships" xmlns:p="http://schemas.openxmlformats.org/presentationml/2006/main">
   <p:cSld>
     <p:spTree>
@@ -1096,7 +1204,7 @@
 </p:notes>
 </file>
 
-<file path=ppt/notesSlides/notesSlide7.xml><?xml version="1.0" encoding="utf-8"?>
+<file path=ppt/notesSlides/notesSlide8.xml><?xml version="1.0" encoding="utf-8"?>
 <p:notes xmlns:a="http://schemas.openxmlformats.org/drawingml/2006/main" xmlns:r="http://schemas.openxmlformats.org/officeDocument/2006/relationships" xmlns:p="http://schemas.openxmlformats.org/presentationml/2006/main">
   <p:cSld>
     <p:spTree>
@@ -1162,90 +1270,6 @@
             <a:fld id="{BC60BE34-BC89-4C98-A56B-79B7A098D024}" type="slidenum">
               <a:rPr lang="en-US" smtClean="0"/>
               <a:t>13</a:t>
-            </a:fld>
-            <a:endParaRPr lang="en-US"/>
-          </a:p>
-        </p:txBody>
-      </p:sp>
-    </p:spTree>
-    <p:extLst>
-      <p:ext uri="{BB962C8B-B14F-4D97-AF65-F5344CB8AC3E}">
-        <p14:creationId xmlns:p14="http://schemas.microsoft.com/office/powerpoint/2010/main" val="2028363055"/>
-      </p:ext>
-    </p:extLst>
-  </p:cSld>
-  <p:clrMapOvr>
-    <a:masterClrMapping/>
-  </p:clrMapOvr>
-</p:notes>
-</file>
-
-<file path=ppt/notesSlides/notesSlide8.xml><?xml version="1.0" encoding="utf-8"?>
-<p:notes xmlns:a="http://schemas.openxmlformats.org/drawingml/2006/main" xmlns:r="http://schemas.openxmlformats.org/officeDocument/2006/relationships" xmlns:p="http://schemas.openxmlformats.org/presentationml/2006/main">
-  <p:cSld>
-    <p:spTree>
-      <p:nvGrpSpPr>
-        <p:cNvPr id="1" name=""/>
-        <p:cNvGrpSpPr/>
-        <p:nvPr/>
-      </p:nvGrpSpPr>
-      <p:grpSpPr>
-        <a:xfrm>
-          <a:off x="0" y="0"/>
-          <a:ext cx="0" cy="0"/>
-          <a:chOff x="0" y="0"/>
-          <a:chExt cx="0" cy="0"/>
-        </a:xfrm>
-      </p:grpSpPr>
-      <p:sp>
-        <p:nvSpPr>
-          <p:cNvPr id="2" name="Slide Image Placeholder 1"/>
-          <p:cNvSpPr>
-            <a:spLocks noGrp="1" noRot="1" noChangeAspect="1"/>
-          </p:cNvSpPr>
-          <p:nvPr>
-            <p:ph type="sldImg"/>
-          </p:nvPr>
-        </p:nvSpPr>
-        <p:spPr/>
-      </p:sp>
-      <p:sp>
-        <p:nvSpPr>
-          <p:cNvPr id="3" name="Notes Placeholder 2"/>
-          <p:cNvSpPr>
-            <a:spLocks noGrp="1"/>
-          </p:cNvSpPr>
-          <p:nvPr>
-            <p:ph type="body" idx="1"/>
-          </p:nvPr>
-        </p:nvSpPr>
-        <p:spPr/>
-        <p:txBody>
-          <a:bodyPr/>
-          <a:lstStyle/>
-          <a:p>
-            <a:endParaRPr lang="en-US" dirty="0"/>
-          </a:p>
-        </p:txBody>
-      </p:sp>
-      <p:sp>
-        <p:nvSpPr>
-          <p:cNvPr id="4" name="Slide Number Placeholder 3"/>
-          <p:cNvSpPr>
-            <a:spLocks noGrp="1"/>
-          </p:cNvSpPr>
-          <p:nvPr>
-            <p:ph type="sldNum" sz="quarter" idx="10"/>
-          </p:nvPr>
-        </p:nvSpPr>
-        <p:spPr/>
-        <p:txBody>
-          <a:bodyPr/>
-          <a:lstStyle/>
-          <a:p>
-            <a:fld id="{BC60BE34-BC89-4C98-A56B-79B7A098D024}" type="slidenum">
-              <a:rPr lang="en-US" smtClean="0"/>
-              <a:t>14</a:t>
             </a:fld>
             <a:endParaRPr lang="en-US"/>
           </a:p>
@@ -19364,333 +19388,6 @@
           <a:p>
             <a:r>
               <a:rPr lang="en-US" dirty="0" smtClean="0"/>
-              <a:t>Microsoft Azure Services (Partial List)</a:t>
-            </a:r>
-            <a:endParaRPr lang="en-US" dirty="0"/>
-          </a:p>
-        </p:txBody>
-      </p:sp>
-      <p:sp>
-        <p:nvSpPr>
-          <p:cNvPr id="3" name="Content Placeholder 2"/>
-          <p:cNvSpPr>
-            <a:spLocks noGrp="1"/>
-          </p:cNvSpPr>
-          <p:nvPr>
-            <p:ph sz="half" idx="1"/>
-          </p:nvPr>
-        </p:nvSpPr>
-        <p:spPr>
-          <a:xfrm>
-            <a:off x="519248" y="1447800"/>
-            <a:ext cx="5487829" cy="4869025"/>
-          </a:xfrm>
-        </p:spPr>
-        <p:txBody>
-          <a:bodyPr/>
-          <a:lstStyle/>
-          <a:p>
-            <a:r>
-              <a:rPr lang="en-US" sz="2400" dirty="0" smtClean="0"/>
-              <a:t>Compute</a:t>
-            </a:r>
-          </a:p>
-          <a:p>
-            <a:pPr lvl="1"/>
-            <a:r>
-              <a:rPr lang="en-US" sz="2000" dirty="0" smtClean="0">
-                <a:solidFill>
-                  <a:schemeClr val="accent2"/>
-                </a:solidFill>
-              </a:rPr>
-              <a:t>Virtual Machines</a:t>
-            </a:r>
-          </a:p>
-          <a:p>
-            <a:pPr lvl="1"/>
-            <a:r>
-              <a:rPr lang="en-US" sz="2000" dirty="0" smtClean="0"/>
-              <a:t>Cloud Services</a:t>
-            </a:r>
-          </a:p>
-          <a:p>
-            <a:pPr lvl="1"/>
-            <a:r>
-              <a:rPr lang="en-US" sz="2000" dirty="0" smtClean="0"/>
-              <a:t>Batch</a:t>
-            </a:r>
-          </a:p>
-          <a:p>
-            <a:r>
-              <a:rPr lang="en-US" sz="2400" dirty="0" smtClean="0"/>
-              <a:t>Web &amp; Mobile</a:t>
-            </a:r>
-          </a:p>
-          <a:p>
-            <a:pPr lvl="1"/>
-            <a:r>
-              <a:rPr lang="en-US" sz="2000" dirty="0" smtClean="0"/>
-              <a:t>Web Apps</a:t>
-            </a:r>
-          </a:p>
-          <a:p>
-            <a:pPr lvl="1"/>
-            <a:r>
-              <a:rPr lang="en-US" sz="2000" dirty="0" smtClean="0"/>
-              <a:t>Notification Hubs</a:t>
-            </a:r>
-          </a:p>
-          <a:p>
-            <a:r>
-              <a:rPr lang="en-US" sz="2400" dirty="0" smtClean="0"/>
-              <a:t>Data &amp; Storage</a:t>
-            </a:r>
-          </a:p>
-          <a:p>
-            <a:pPr lvl="1"/>
-            <a:r>
-              <a:rPr lang="en-US" sz="2000" dirty="0" err="1" smtClean="0"/>
-              <a:t>DocumentDB</a:t>
-            </a:r>
-            <a:endParaRPr lang="en-US" sz="2000" dirty="0" smtClean="0"/>
-          </a:p>
-          <a:p>
-            <a:pPr lvl="1"/>
-            <a:r>
-              <a:rPr lang="en-US" sz="2000" dirty="0" err="1" smtClean="0"/>
-              <a:t>Redis</a:t>
-            </a:r>
-            <a:r>
-              <a:rPr lang="en-US" sz="2000" dirty="0" smtClean="0"/>
-              <a:t> Cache</a:t>
-            </a:r>
-          </a:p>
-          <a:p>
-            <a:pPr lvl="1"/>
-            <a:r>
-              <a:rPr lang="en-US" sz="2000" dirty="0" smtClean="0"/>
-              <a:t>SQL Database</a:t>
-            </a:r>
-          </a:p>
-          <a:p>
-            <a:pPr lvl="1"/>
-            <a:r>
-              <a:rPr lang="en-US" sz="2000" dirty="0" smtClean="0">
-                <a:solidFill>
-                  <a:schemeClr val="accent2"/>
-                </a:solidFill>
-              </a:rPr>
-              <a:t>Blob storage</a:t>
-            </a:r>
-          </a:p>
-          <a:p>
-            <a:pPr lvl="1"/>
-            <a:r>
-              <a:rPr lang="en-US" sz="2000" dirty="0" smtClean="0"/>
-              <a:t>Azure Search</a:t>
-            </a:r>
-          </a:p>
-          <a:p>
-            <a:pPr lvl="1"/>
-            <a:endParaRPr lang="en-US" sz="2000" dirty="0"/>
-          </a:p>
-        </p:txBody>
-      </p:sp>
-      <p:sp>
-        <p:nvSpPr>
-          <p:cNvPr id="4" name="Content Placeholder 3"/>
-          <p:cNvSpPr>
-            <a:spLocks noGrp="1"/>
-          </p:cNvSpPr>
-          <p:nvPr>
-            <p:ph sz="half" idx="2"/>
-          </p:nvPr>
-        </p:nvSpPr>
-        <p:spPr>
-          <a:xfrm>
-            <a:off x="6183335" y="1447800"/>
-            <a:ext cx="5487829" cy="4733604"/>
-          </a:xfrm>
-        </p:spPr>
-        <p:txBody>
-          <a:bodyPr/>
-          <a:lstStyle/>
-          <a:p>
-            <a:r>
-              <a:rPr lang="en-US" sz="2400" dirty="0" smtClean="0"/>
-              <a:t>Analytics</a:t>
-            </a:r>
-          </a:p>
-          <a:p>
-            <a:pPr lvl="1"/>
-            <a:r>
-              <a:rPr lang="en-US" sz="2000" dirty="0" smtClean="0">
-                <a:solidFill>
-                  <a:schemeClr val="accent2"/>
-                </a:solidFill>
-              </a:rPr>
-              <a:t>HDInsight</a:t>
-            </a:r>
-          </a:p>
-          <a:p>
-            <a:pPr lvl="1"/>
-            <a:r>
-              <a:rPr lang="en-US" sz="2000" dirty="0" smtClean="0">
-                <a:solidFill>
-                  <a:schemeClr val="accent2"/>
-                </a:solidFill>
-              </a:rPr>
-              <a:t>Machine Learning</a:t>
-            </a:r>
-          </a:p>
-          <a:p>
-            <a:pPr lvl="1"/>
-            <a:r>
-              <a:rPr lang="en-US" sz="2000" dirty="0" smtClean="0">
-                <a:solidFill>
-                  <a:schemeClr val="accent2"/>
-                </a:solidFill>
-              </a:rPr>
-              <a:t>Stream Analytics</a:t>
-            </a:r>
-          </a:p>
-          <a:p>
-            <a:pPr lvl="1"/>
-            <a:r>
-              <a:rPr lang="en-US" sz="2000" dirty="0" smtClean="0">
-                <a:solidFill>
-                  <a:schemeClr val="accent2"/>
-                </a:solidFill>
-              </a:rPr>
-              <a:t>Event </a:t>
-            </a:r>
-            <a:r>
-              <a:rPr lang="en-US" sz="2000" dirty="0" smtClean="0">
-                <a:solidFill>
-                  <a:schemeClr val="accent2"/>
-                </a:solidFill>
-              </a:rPr>
-              <a:t>Hubs</a:t>
-            </a:r>
-            <a:endParaRPr lang="en-US" sz="2000" dirty="0" smtClean="0">
-              <a:solidFill>
-                <a:schemeClr val="accent2"/>
-              </a:solidFill>
-            </a:endParaRPr>
-          </a:p>
-          <a:p>
-            <a:r>
-              <a:rPr lang="en-US" sz="2400" dirty="0" smtClean="0"/>
-              <a:t>Networking</a:t>
-            </a:r>
-          </a:p>
-          <a:p>
-            <a:pPr lvl="1"/>
-            <a:r>
-              <a:rPr lang="en-US" sz="2000" dirty="0" smtClean="0"/>
-              <a:t>VPN</a:t>
-            </a:r>
-          </a:p>
-          <a:p>
-            <a:pPr lvl="1"/>
-            <a:r>
-              <a:rPr lang="en-US" sz="2000" dirty="0" smtClean="0"/>
-              <a:t>Express Route</a:t>
-            </a:r>
-          </a:p>
-          <a:p>
-            <a:r>
-              <a:rPr lang="en-US" sz="2400" dirty="0" smtClean="0"/>
-              <a:t>Media &amp; CDN</a:t>
-            </a:r>
-          </a:p>
-          <a:p>
-            <a:pPr lvl="1"/>
-            <a:r>
-              <a:rPr lang="en-US" sz="2000" dirty="0" smtClean="0"/>
-              <a:t>Media Services</a:t>
-            </a:r>
-          </a:p>
-          <a:p>
-            <a:pPr lvl="1"/>
-            <a:r>
-              <a:rPr lang="en-US" sz="2000" dirty="0" smtClean="0"/>
-              <a:t>Full CDN</a:t>
-            </a:r>
-          </a:p>
-          <a:p>
-            <a:r>
-              <a:rPr lang="en-US" sz="2400" dirty="0" smtClean="0"/>
-              <a:t>Identity &amp; Access Management</a:t>
-            </a:r>
-          </a:p>
-          <a:p>
-            <a:pPr lvl="1"/>
-            <a:r>
-              <a:rPr lang="en-US" sz="2000" dirty="0" smtClean="0"/>
-              <a:t>Azure Active Directory</a:t>
-            </a:r>
-            <a:endParaRPr lang="en-US" sz="2000" dirty="0"/>
-          </a:p>
-        </p:txBody>
-      </p:sp>
-    </p:spTree>
-    <p:extLst>
-      <p:ext uri="{BB962C8B-B14F-4D97-AF65-F5344CB8AC3E}">
-        <p14:creationId xmlns:p14="http://schemas.microsoft.com/office/powerpoint/2010/main" val="1862137194"/>
-      </p:ext>
-    </p:extLst>
-  </p:cSld>
-  <p:clrMapOvr>
-    <a:masterClrMapping/>
-  </p:clrMapOvr>
-  <p:transition>
-    <p:fade/>
-  </p:transition>
-  <p:timing>
-    <p:tnLst>
-      <p:par>
-        <p:cTn id="1" dur="indefinite" restart="never" nodeType="tmRoot"/>
-      </p:par>
-    </p:tnLst>
-  </p:timing>
-</p:sld>
-</file>
-
-<file path=ppt/slides/slide14.xml><?xml version="1.0" encoding="utf-8"?>
-<p:sld xmlns:a="http://schemas.openxmlformats.org/drawingml/2006/main" xmlns:r="http://schemas.openxmlformats.org/officeDocument/2006/relationships" xmlns:p="http://schemas.openxmlformats.org/presentationml/2006/main">
-  <p:cSld>
-    <p:spTree>
-      <p:nvGrpSpPr>
-        <p:cNvPr id="1" name=""/>
-        <p:cNvGrpSpPr/>
-        <p:nvPr/>
-      </p:nvGrpSpPr>
-      <p:grpSpPr>
-        <a:xfrm>
-          <a:off x="0" y="0"/>
-          <a:ext cx="0" cy="0"/>
-          <a:chOff x="0" y="0"/>
-          <a:chExt cx="0" cy="0"/>
-        </a:xfrm>
-      </p:grpSpPr>
-      <p:sp>
-        <p:nvSpPr>
-          <p:cNvPr id="2" name="Title 1"/>
-          <p:cNvSpPr>
-            <a:spLocks noGrp="1"/>
-          </p:cNvSpPr>
-          <p:nvPr>
-            <p:ph type="title"/>
-          </p:nvPr>
-        </p:nvSpPr>
-        <p:spPr/>
-        <p:txBody>
-          <a:bodyPr/>
-          <a:lstStyle/>
-          <a:p>
-            <a:r>
-              <a:rPr lang="en-US" dirty="0" smtClean="0"/>
               <a:t>Azure Services Work Together</a:t>
             </a:r>
             <a:endParaRPr lang="en-US" dirty="0"/>
@@ -19750,7 +19447,7 @@
 </p:sld>
 </file>
 
-<file path=ppt/slides/slide15.xml><?xml version="1.0" encoding="utf-8"?>
+<file path=ppt/slides/slide14.xml><?xml version="1.0" encoding="utf-8"?>
 <p:sld xmlns:a="http://schemas.openxmlformats.org/drawingml/2006/main" xmlns:r="http://schemas.openxmlformats.org/officeDocument/2006/relationships" xmlns:p="http://schemas.openxmlformats.org/presentationml/2006/main">
   <p:cSld>
     <p:spTree>
@@ -19888,7 +19585,7 @@
 </p:sld>
 </file>
 
-<file path=ppt/slides/slide16.xml><?xml version="1.0" encoding="utf-8"?>
+<file path=ppt/slides/slide15.xml><?xml version="1.0" encoding="utf-8"?>
 <p:sld xmlns:a="http://schemas.openxmlformats.org/drawingml/2006/main" xmlns:r="http://schemas.openxmlformats.org/officeDocument/2006/relationships" xmlns:p="http://schemas.openxmlformats.org/presentationml/2006/main">
   <p:cSld>
     <p:spTree>
@@ -20001,7 +19698,7 @@
 </p:sld>
 </file>
 
-<file path=ppt/slides/slide17.xml><?xml version="1.0" encoding="utf-8"?>
+<file path=ppt/slides/slide16.xml><?xml version="1.0" encoding="utf-8"?>
 <p:sld xmlns:a="http://schemas.openxmlformats.org/drawingml/2006/main" xmlns:r="http://schemas.openxmlformats.org/officeDocument/2006/relationships" xmlns:p="http://schemas.openxmlformats.org/presentationml/2006/main">
   <p:cSld>
     <p:spTree>
@@ -20096,13 +19793,8 @@
           <a:p>
             <a:r>
               <a:rPr lang="en-US" dirty="0" smtClean="0"/>
-              <a:t>Key learning </a:t>
+              <a:t>Key learning objectives</a:t>
             </a:r>
-            <a:r>
-              <a:rPr lang="en-US" dirty="0" smtClean="0"/>
-              <a:t>objectives</a:t>
-            </a:r>
-            <a:endParaRPr lang="en-US" dirty="0" smtClean="0"/>
           </a:p>
           <a:p>
             <a:pPr lvl="1"/>
@@ -20217,15 +19909,7 @@
           <a:p>
             <a:r>
               <a:rPr lang="en-US" dirty="0" smtClean="0"/>
-              <a:t>What is the </a:t>
-            </a:r>
-            <a:r>
-              <a:rPr lang="en-US" dirty="0" smtClean="0"/>
-              <a:t>Cloud</a:t>
-            </a:r>
-            <a:r>
-              <a:rPr lang="en-US" dirty="0" smtClean="0"/>
-              <a:t>?</a:t>
+              <a:t>What is the Cloud?</a:t>
             </a:r>
             <a:endParaRPr lang="en-US" dirty="0"/>
           </a:p>
@@ -27937,8 +27621,25 @@
             <a:pPr lvl="1"/>
             <a:r>
               <a:rPr lang="en-US" dirty="0" smtClean="0"/>
-              <a:t>U. of TX, Austin, U. of CA, &amp; U. of IL, Urbana-Champaign</a:t>
+              <a:t>UT </a:t>
             </a:r>
+            <a:r>
+              <a:rPr lang="en-US" dirty="0" smtClean="0"/>
+              <a:t>Austin, </a:t>
+            </a:r>
+            <a:r>
+              <a:rPr lang="en-US" dirty="0" smtClean="0"/>
+              <a:t>UC Irvine, </a:t>
+            </a:r>
+            <a:r>
+              <a:rPr lang="en-US" dirty="0" smtClean="0"/>
+              <a:t>&amp; </a:t>
+            </a:r>
+            <a:r>
+              <a:rPr lang="en-US" dirty="0" smtClean="0"/>
+              <a:t>UI-UC</a:t>
+            </a:r>
+            <a:endParaRPr lang="en-US" dirty="0" smtClean="0"/>
           </a:p>
           <a:p>
             <a:pPr lvl="1"/>
@@ -28075,8 +27776,13 @@
             <a:pPr lvl="1"/>
             <a:r>
               <a:rPr lang="en-US" dirty="0" smtClean="0"/>
-              <a:t>Spun off from VENUS-C (EU funded project) at Newcastle U.</a:t>
+              <a:t>Spun off from VENUS-C (EU funded project) at Newcastle </a:t>
             </a:r>
+            <a:r>
+              <a:rPr lang="en-US" dirty="0" smtClean="0"/>
+              <a:t>University</a:t>
+            </a:r>
+            <a:endParaRPr lang="en-US" dirty="0" smtClean="0"/>
           </a:p>
           <a:p>
             <a:pPr lvl="1"/>
@@ -28191,7 +27897,7 @@
         <p:spPr>
           <a:xfrm>
             <a:off x="519248" y="1447800"/>
-            <a:ext cx="11151916" cy="4880054"/>
+            <a:ext cx="11151916" cy="4436984"/>
           </a:xfrm>
         </p:spPr>
         <p:txBody>
@@ -28207,7 +27913,11 @@
             <a:pPr lvl="1"/>
             <a:r>
               <a:rPr lang="en-US" dirty="0" smtClean="0"/>
-              <a:t>U. of WA, Tacoma</a:t>
+              <a:t>UW </a:t>
+            </a:r>
+            <a:r>
+              <a:rPr lang="en-US" dirty="0" smtClean="0"/>
+              <a:t>Tacoma</a:t>
             </a:r>
           </a:p>
           <a:p>
@@ -28241,13 +27951,8 @@
           <a:p>
             <a:r>
               <a:rPr lang="en-US" dirty="0" smtClean="0"/>
-              <a:t>Built entirely on Azure Machine </a:t>
+              <a:t>Built entirely on Azure Machine Learning</a:t>
             </a:r>
-            <a:r>
-              <a:rPr lang="en-US" dirty="0" smtClean="0"/>
-              <a:t>Learning</a:t>
-            </a:r>
-            <a:endParaRPr lang="en-US" dirty="0" smtClean="0"/>
           </a:p>
           <a:p>
             <a:pPr lvl="1"/>
@@ -28358,23 +28063,7 @@
           <a:p>
             <a:r>
               <a:rPr lang="en-US" dirty="0" smtClean="0"/>
-              <a:t>100% </a:t>
-            </a:r>
-            <a:r>
-              <a:rPr lang="en-US" dirty="0" smtClean="0"/>
-              <a:t>cross-platform </a:t>
-            </a:r>
-            <a:r>
-              <a:rPr lang="en-US" dirty="0" smtClean="0"/>
-              <a:t>with massive </a:t>
-            </a:r>
-            <a:r>
-              <a:rPr lang="en-US" dirty="0" smtClean="0"/>
-              <a:t>open-source </a:t>
-            </a:r>
-            <a:r>
-              <a:rPr lang="en-US" dirty="0" smtClean="0"/>
-              <a:t>support</a:t>
+              <a:t>100% cross-platform with massive open-source support</a:t>
             </a:r>
           </a:p>
         </p:txBody>

--- a/Content/Introduction/Azure Overview.pptx
+++ b/Content/Introduction/Azure Overview.pptx
@@ -12,7 +12,7 @@
     <p:sldId id="257" r:id="rId3"/>
     <p:sldId id="260" r:id="rId4"/>
     <p:sldId id="262" r:id="rId5"/>
-    <p:sldId id="263" r:id="rId6"/>
+    <p:sldId id="283" r:id="rId6"/>
     <p:sldId id="278" r:id="rId7"/>
     <p:sldId id="279" r:id="rId8"/>
     <p:sldId id="280" r:id="rId9"/>
@@ -131,7 +131,7 @@
             <p14:sldId id="257"/>
             <p14:sldId id="260"/>
             <p14:sldId id="262"/>
-            <p14:sldId id="263"/>
+            <p14:sldId id="283"/>
             <p14:sldId id="278"/>
             <p14:sldId id="279"/>
             <p14:sldId id="280"/>
@@ -240,7 +240,7 @@
           <a:p>
             <a:fld id="{2E5CA586-3557-4985-BCD4-35EF5AC8B4A4}" type="datetimeFigureOut">
               <a:rPr lang="en-US" smtClean="0"/>
-              <a:t>10/8/15</a:t>
+              <a:t>10/11/15</a:t>
             </a:fld>
             <a:endParaRPr lang="en-US"/>
           </a:p>
@@ -649,147 +649,6 @@
           <a:lstStyle/>
           <a:p>
             <a:r>
-              <a:rPr lang="en-US" b="0" dirty="0" smtClean="0"/>
-              <a:t>Capture research domains in the IaaS, </a:t>
-            </a:r>
-            <a:r>
-              <a:rPr lang="en-US" b="0" dirty="0" err="1" smtClean="0"/>
-              <a:t>PaaS</a:t>
-            </a:r>
-            <a:r>
-              <a:rPr lang="en-US" b="0" dirty="0" smtClean="0"/>
-              <a:t>, SaaS examples</a:t>
-            </a:r>
-          </a:p>
-          <a:p>
-            <a:endParaRPr lang="en-US" b="0" dirty="0" smtClean="0"/>
-          </a:p>
-          <a:p>
-            <a:r>
-              <a:rPr lang="en-US" b="0" dirty="0" smtClean="0"/>
-              <a:t>(IaaS) not having to manage a cluster for your research </a:t>
-            </a:r>
-          </a:p>
-          <a:p>
-            <a:r>
-              <a:rPr lang="en-US" b="0" dirty="0" smtClean="0"/>
-              <a:t>(</a:t>
-            </a:r>
-            <a:r>
-              <a:rPr lang="en-US" b="0" dirty="0" err="1" smtClean="0"/>
-              <a:t>PaaS</a:t>
-            </a:r>
-            <a:r>
-              <a:rPr lang="en-US" b="0" dirty="0" smtClean="0"/>
-              <a:t>)</a:t>
-            </a:r>
-            <a:r>
-              <a:rPr lang="en-US" b="0" baseline="0" dirty="0" smtClean="0"/>
-              <a:t> </a:t>
-            </a:r>
-            <a:r>
-              <a:rPr lang="en-US" b="0" dirty="0" smtClean="0"/>
-              <a:t>running Python scripts for your research </a:t>
-            </a:r>
-          </a:p>
-          <a:p>
-            <a:r>
-              <a:rPr lang="en-US" b="0" dirty="0" smtClean="0"/>
-              <a:t>(SaaS)</a:t>
-            </a:r>
-            <a:r>
-              <a:rPr lang="en-US" b="0" baseline="0" dirty="0" smtClean="0"/>
-              <a:t> </a:t>
-            </a:r>
-            <a:r>
-              <a:rPr lang="en-US" b="0" dirty="0" smtClean="0"/>
-              <a:t>providing weather simulations to your collaborators where they just enter parameters</a:t>
-            </a:r>
-            <a:endParaRPr lang="en-US" b="0" dirty="0"/>
-          </a:p>
-        </p:txBody>
-      </p:sp>
-      <p:sp>
-        <p:nvSpPr>
-          <p:cNvPr id="4" name="Slide Number Placeholder 3"/>
-          <p:cNvSpPr>
-            <a:spLocks noGrp="1"/>
-          </p:cNvSpPr>
-          <p:nvPr>
-            <p:ph type="sldNum" sz="quarter" idx="10"/>
-          </p:nvPr>
-        </p:nvSpPr>
-        <p:spPr/>
-        <p:txBody>
-          <a:bodyPr/>
-          <a:lstStyle/>
-          <a:p>
-            <a:fld id="{BC60BE34-BC89-4C98-A56B-79B7A098D024}" type="slidenum">
-              <a:rPr lang="en-US" smtClean="0"/>
-              <a:t>5</a:t>
-            </a:fld>
-            <a:endParaRPr lang="en-US"/>
-          </a:p>
-        </p:txBody>
-      </p:sp>
-    </p:spTree>
-    <p:extLst>
-      <p:ext uri="{BB962C8B-B14F-4D97-AF65-F5344CB8AC3E}">
-        <p14:creationId xmlns:p14="http://schemas.microsoft.com/office/powerpoint/2010/main" val="1835690981"/>
-      </p:ext>
-    </p:extLst>
-  </p:cSld>
-  <p:clrMapOvr>
-    <a:masterClrMapping/>
-  </p:clrMapOvr>
-</p:notes>
-</file>
-
-<file path=ppt/notesSlides/notesSlide3.xml><?xml version="1.0" encoding="utf-8"?>
-<p:notes xmlns:a="http://schemas.openxmlformats.org/drawingml/2006/main" xmlns:r="http://schemas.openxmlformats.org/officeDocument/2006/relationships" xmlns:p="http://schemas.openxmlformats.org/presentationml/2006/main">
-  <p:cSld>
-    <p:spTree>
-      <p:nvGrpSpPr>
-        <p:cNvPr id="1" name=""/>
-        <p:cNvGrpSpPr/>
-        <p:nvPr/>
-      </p:nvGrpSpPr>
-      <p:grpSpPr>
-        <a:xfrm>
-          <a:off x="0" y="0"/>
-          <a:ext cx="0" cy="0"/>
-          <a:chOff x="0" y="0"/>
-          <a:chExt cx="0" cy="0"/>
-        </a:xfrm>
-      </p:grpSpPr>
-      <p:sp>
-        <p:nvSpPr>
-          <p:cNvPr id="2" name="Slide Image Placeholder 1"/>
-          <p:cNvSpPr>
-            <a:spLocks noGrp="1" noRot="1" noChangeAspect="1"/>
-          </p:cNvSpPr>
-          <p:nvPr>
-            <p:ph type="sldImg"/>
-          </p:nvPr>
-        </p:nvSpPr>
-        <p:spPr/>
-      </p:sp>
-      <p:sp>
-        <p:nvSpPr>
-          <p:cNvPr id="3" name="Notes Placeholder 2"/>
-          <p:cNvSpPr>
-            <a:spLocks noGrp="1"/>
-          </p:cNvSpPr>
-          <p:nvPr>
-            <p:ph type="body" idx="1"/>
-          </p:nvPr>
-        </p:nvSpPr>
-        <p:spPr/>
-        <p:txBody>
-          <a:bodyPr/>
-          <a:lstStyle/>
-          <a:p>
-            <a:r>
               <a:rPr lang="en-US" dirty="0" smtClean="0"/>
               <a:t>Monitoring is huge because NOAA weather service only does 700 locations nationally.</a:t>
             </a:r>
@@ -847,7 +706,7 @@
 </p:notes>
 </file>
 
-<file path=ppt/notesSlides/notesSlide4.xml><?xml version="1.0" encoding="utf-8"?>
+<file path=ppt/notesSlides/notesSlide3.xml><?xml version="1.0" encoding="utf-8"?>
 <p:notes xmlns:a="http://schemas.openxmlformats.org/drawingml/2006/main" xmlns:r="http://schemas.openxmlformats.org/officeDocument/2006/relationships" xmlns:p="http://schemas.openxmlformats.org/presentationml/2006/main">
   <p:cSld>
     <p:spTree>
@@ -939,7 +798,7 @@
 </p:notes>
 </file>
 
-<file path=ppt/notesSlides/notesSlide5.xml><?xml version="1.0" encoding="utf-8"?>
+<file path=ppt/notesSlides/notesSlide4.xml><?xml version="1.0" encoding="utf-8"?>
 <p:notes xmlns:a="http://schemas.openxmlformats.org/drawingml/2006/main" xmlns:r="http://schemas.openxmlformats.org/officeDocument/2006/relationships" xmlns:p="http://schemas.openxmlformats.org/presentationml/2006/main">
   <p:cSld>
     <p:spTree>
@@ -1036,7 +895,7 @@
 </p:notes>
 </file>
 
-<file path=ppt/notesSlides/notesSlide6.xml><?xml version="1.0" encoding="utf-8"?>
+<file path=ppt/notesSlides/notesSlide5.xml><?xml version="1.0" encoding="utf-8"?>
 <p:notes xmlns:a="http://schemas.openxmlformats.org/drawingml/2006/main" xmlns:r="http://schemas.openxmlformats.org/officeDocument/2006/relationships" xmlns:p="http://schemas.openxmlformats.org/presentationml/2006/main">
   <p:cSld>
     <p:spTree>
@@ -1120,7 +979,7 @@
 </p:notes>
 </file>
 
-<file path=ppt/notesSlides/notesSlide7.xml><?xml version="1.0" encoding="utf-8"?>
+<file path=ppt/notesSlides/notesSlide6.xml><?xml version="1.0" encoding="utf-8"?>
 <p:notes xmlns:a="http://schemas.openxmlformats.org/drawingml/2006/main" xmlns:r="http://schemas.openxmlformats.org/officeDocument/2006/relationships" xmlns:p="http://schemas.openxmlformats.org/presentationml/2006/main">
   <p:cSld>
     <p:spTree>
@@ -1204,7 +1063,7 @@
 </p:notes>
 </file>
 
-<file path=ppt/notesSlides/notesSlide8.xml><?xml version="1.0" encoding="utf-8"?>
+<file path=ppt/notesSlides/notesSlide7.xml><?xml version="1.0" encoding="utf-8"?>
 <p:notes xmlns:a="http://schemas.openxmlformats.org/drawingml/2006/main" xmlns:r="http://schemas.openxmlformats.org/officeDocument/2006/relationships" xmlns:p="http://schemas.openxmlformats.org/presentationml/2006/main">
   <p:cSld>
     <p:spTree>
@@ -19209,7 +19068,7 @@
         <p:spPr>
           <a:xfrm>
             <a:off x="519248" y="1447800"/>
-            <a:ext cx="7272470" cy="5876993"/>
+            <a:ext cx="7272470" cy="4892365"/>
           </a:xfrm>
         </p:spPr>
         <p:txBody>
@@ -19249,20 +19108,11 @@
           <a:p>
             <a:r>
               <a:rPr lang="en-US" dirty="0" smtClean="0"/>
-              <a:t>Multiple national government </a:t>
+              <a:t>Strict </a:t>
             </a:r>
-            <a:br>
-              <a:rPr lang="en-US" dirty="0" smtClean="0"/>
-            </a:br>
             <a:r>
               <a:rPr lang="en-US" dirty="0" smtClean="0"/>
-              <a:t>compliance</a:t>
-            </a:r>
-          </a:p>
-          <a:p>
-            <a:r>
-              <a:rPr lang="en-US" dirty="0" smtClean="0"/>
-              <a:t>Strict privacy adherence</a:t>
+              <a:t>privacy adherence</a:t>
             </a:r>
           </a:p>
           <a:p>
@@ -19315,8 +19165,8 @@
         </p:blipFill>
         <p:spPr>
           <a:xfrm>
-            <a:off x="7522249" y="1447800"/>
-            <a:ext cx="4148917" cy="4643907"/>
+            <a:off x="7100711" y="1224428"/>
+            <a:ext cx="4570455" cy="5115737"/>
           </a:xfrm>
           <a:prstGeom prst="rect">
             <a:avLst/>
@@ -22368,7 +22218,62 @@
           <a:p>
             <a:r>
               <a:rPr lang="en-US" dirty="0" smtClean="0"/>
-              <a:t>Cloud Computing Variants</a:t>
+              <a:t>Traditional Software</a:t>
+            </a:r>
+            <a:endParaRPr lang="en-US" dirty="0"/>
+          </a:p>
+        </p:txBody>
+      </p:sp>
+      <p:sp>
+        <p:nvSpPr>
+          <p:cNvPr id="3" name="Content Placeholder 2"/>
+          <p:cNvSpPr>
+            <a:spLocks noGrp="1"/>
+          </p:cNvSpPr>
+          <p:nvPr>
+            <p:ph idx="1"/>
+          </p:nvPr>
+        </p:nvSpPr>
+        <p:spPr>
+          <a:xfrm>
+            <a:off x="519248" y="1447800"/>
+            <a:ext cx="11151916" cy="2406172"/>
+          </a:xfrm>
+        </p:spPr>
+        <p:txBody>
+          <a:bodyPr/>
+          <a:lstStyle/>
+          <a:p>
+            <a:r>
+              <a:rPr lang="en-US" dirty="0" smtClean="0"/>
+              <a:t>You own everything from hardware up</a:t>
+            </a:r>
+          </a:p>
+          <a:p>
+            <a:r>
+              <a:rPr lang="en-US" dirty="0" smtClean="0"/>
+              <a:t>Cost</a:t>
+            </a:r>
+          </a:p>
+          <a:p>
+            <a:pPr lvl="1"/>
+            <a:r>
+              <a:rPr lang="en-US" dirty="0" smtClean="0"/>
+              <a:t>Even when not utilized, you pay</a:t>
+            </a:r>
+          </a:p>
+          <a:p>
+            <a:pPr lvl="1"/>
+            <a:r>
+              <a:rPr lang="en-US" dirty="0" smtClean="0"/>
+              <a:t>Takes time away from research</a:t>
+            </a:r>
+          </a:p>
+          <a:p>
+            <a:pPr lvl="1"/>
+            <a:r>
+              <a:rPr lang="en-US" dirty="0" smtClean="0"/>
+              <a:t>Makes collaboration harder</a:t>
             </a:r>
             <a:endParaRPr lang="en-US" dirty="0"/>
           </a:p>
@@ -22376,21 +22281,21 @@
       </p:sp>
       <p:grpSp>
         <p:nvGrpSpPr>
-          <p:cNvPr id="62" name="Group 61"/>
+          <p:cNvPr id="28" name="Group 27"/>
           <p:cNvGrpSpPr/>
           <p:nvPr/>
         </p:nvGrpSpPr>
         <p:grpSpPr>
           <a:xfrm>
-            <a:off x="251209" y="1102222"/>
-            <a:ext cx="11676184" cy="5261982"/>
-            <a:chOff x="251209" y="1102222"/>
-            <a:chExt cx="11676184" cy="5261982"/>
+            <a:off x="9243251" y="1447800"/>
+            <a:ext cx="2427913" cy="4790431"/>
+            <a:chOff x="795377" y="1319029"/>
+            <a:chExt cx="2427913" cy="4790431"/>
           </a:xfrm>
         </p:grpSpPr>
         <p:sp>
           <p:nvSpPr>
-            <p:cNvPr id="3" name="Left Brace 2"/>
+            <p:cNvPr id="16" name="Left Brace 15"/>
             <p:cNvSpPr/>
             <p:nvPr/>
           </p:nvSpPr>
@@ -22432,1673 +22337,14 @@
         </p:sp>
         <p:sp>
           <p:nvSpPr>
-            <p:cNvPr id="4" name="Rectangle 3"/>
-            <p:cNvSpPr/>
-            <p:nvPr/>
-          </p:nvSpPr>
-          <p:spPr bwMode="auto">
-            <a:xfrm>
-              <a:off x="3206705" y="1102222"/>
-              <a:ext cx="8720688" cy="5139864"/>
-            </a:xfrm>
-            <a:prstGeom prst="rect">
-              <a:avLst/>
-            </a:prstGeom>
-            <a:solidFill>
-              <a:schemeClr val="bg1">
-                <a:lumMod val="95000"/>
-              </a:schemeClr>
-            </a:solidFill>
-            <a:ln>
-              <a:solidFill>
-                <a:schemeClr val="bg1">
-                  <a:lumMod val="85000"/>
-                </a:schemeClr>
-              </a:solidFill>
-              <a:headEnd type="none" w="med" len="med"/>
-              <a:tailEnd type="none" w="med" len="med"/>
-            </a:ln>
-            <a:effectLst/>
-          </p:spPr>
-          <p:style>
-            <a:lnRef idx="1">
-              <a:schemeClr val="accent2"/>
-            </a:lnRef>
-            <a:fillRef idx="3">
-              <a:schemeClr val="accent2"/>
-            </a:fillRef>
-            <a:effectRef idx="2">
-              <a:schemeClr val="accent2"/>
-            </a:effectRef>
-            <a:fontRef idx="minor">
-              <a:schemeClr val="lt1"/>
-            </a:fontRef>
-          </p:style>
-          <p:txBody>
-            <a:bodyPr vert="horz" wrap="square" lIns="91404" tIns="45703" rIns="91404" bIns="45703" numCol="1" spcCol="0" rtlCol="0" anchor="ctr" anchorCtr="0" compatLnSpc="1">
-              <a:prstTxWarp prst="textNoShape">
-                <a:avLst/>
-              </a:prstTxWarp>
-            </a:bodyPr>
-            <a:lstStyle/>
-            <a:p>
-              <a:pPr algn="ctr" defTabSz="913788" fontAlgn="base">
-                <a:spcBef>
-                  <a:spcPct val="0"/>
-                </a:spcBef>
-                <a:spcAft>
-                  <a:spcPct val="0"/>
-                </a:spcAft>
-              </a:pPr>
-              <a:endParaRPr lang="en-US" sz="2200" dirty="0">
-                <a:gradFill>
-                  <a:gsLst>
-                    <a:gs pos="0">
-                      <a:srgbClr val="FFFFFF"/>
-                    </a:gs>
-                    <a:gs pos="100000">
-                      <a:srgbClr val="FFFFFF"/>
-                    </a:gs>
-                  </a:gsLst>
-                  <a:lin ang="5400000" scaled="0"/>
-                </a:gradFill>
-              </a:endParaRPr>
-            </a:p>
-          </p:txBody>
-        </p:sp>
-        <p:grpSp>
-          <p:nvGrpSpPr>
-            <p:cNvPr id="5" name="Group 4"/>
-            <p:cNvGrpSpPr/>
-            <p:nvPr/>
-          </p:nvGrpSpPr>
-          <p:grpSpPr>
-            <a:xfrm>
-              <a:off x="795377" y="1319029"/>
-              <a:ext cx="2427913" cy="4790431"/>
-              <a:chOff x="855665" y="1583373"/>
-              <a:chExt cx="2427913" cy="4790431"/>
-            </a:xfrm>
-          </p:grpSpPr>
-          <p:sp>
-            <p:nvSpPr>
-              <p:cNvPr id="6" name="Rectangle 5"/>
-              <p:cNvSpPr/>
-              <p:nvPr/>
-            </p:nvSpPr>
-            <p:spPr>
-              <a:xfrm>
-                <a:off x="1416806" y="1583373"/>
-                <a:ext cx="1866772" cy="640080"/>
-              </a:xfrm>
-              <a:prstGeom prst="rect">
-                <a:avLst/>
-              </a:prstGeom>
-              <a:noFill/>
-              <a:ln w="9525" cap="flat" cmpd="sng" algn="ctr">
-                <a:noFill/>
-                <a:prstDash val="solid"/>
-              </a:ln>
-              <a:effectLst/>
-            </p:spPr>
-            <p:txBody>
-              <a:bodyPr lIns="0" tIns="0" rIns="0" bIns="0" rtlCol="0" anchor="t" anchorCtr="0"/>
-              <a:lstStyle>
-                <a:defPPr>
-                  <a:defRPr lang="en-US"/>
-                </a:defPPr>
-                <a:lvl1pPr marL="0" algn="l" defTabSz="914400" rtl="0" eaLnBrk="1" latinLnBrk="0" hangingPunct="1">
-                  <a:defRPr sz="1800" kern="1200">
-                    <a:solidFill>
-                      <a:schemeClr val="lt1"/>
-                    </a:solidFill>
-                    <a:latin typeface="+mn-lt"/>
-                    <a:ea typeface="+mn-ea"/>
-                    <a:cs typeface="+mn-cs"/>
-                  </a:defRPr>
-                </a:lvl1pPr>
-                <a:lvl2pPr marL="457200" algn="l" defTabSz="914400" rtl="0" eaLnBrk="1" latinLnBrk="0" hangingPunct="1">
-                  <a:defRPr sz="1800" kern="1200">
-                    <a:solidFill>
-                      <a:schemeClr val="lt1"/>
-                    </a:solidFill>
-                    <a:latin typeface="+mn-lt"/>
-                    <a:ea typeface="+mn-ea"/>
-                    <a:cs typeface="+mn-cs"/>
-                  </a:defRPr>
-                </a:lvl2pPr>
-                <a:lvl3pPr marL="914400" algn="l" defTabSz="914400" rtl="0" eaLnBrk="1" latinLnBrk="0" hangingPunct="1">
-                  <a:defRPr sz="1800" kern="1200">
-                    <a:solidFill>
-                      <a:schemeClr val="lt1"/>
-                    </a:solidFill>
-                    <a:latin typeface="+mn-lt"/>
-                    <a:ea typeface="+mn-ea"/>
-                    <a:cs typeface="+mn-cs"/>
-                  </a:defRPr>
-                </a:lvl3pPr>
-                <a:lvl4pPr marL="1371600" algn="l" defTabSz="914400" rtl="0" eaLnBrk="1" latinLnBrk="0" hangingPunct="1">
-                  <a:defRPr sz="1800" kern="1200">
-                    <a:solidFill>
-                      <a:schemeClr val="lt1"/>
-                    </a:solidFill>
-                    <a:latin typeface="+mn-lt"/>
-                    <a:ea typeface="+mn-ea"/>
-                    <a:cs typeface="+mn-cs"/>
-                  </a:defRPr>
-                </a:lvl4pPr>
-                <a:lvl5pPr marL="1828800" algn="l" defTabSz="914400" rtl="0" eaLnBrk="1" latinLnBrk="0" hangingPunct="1">
-                  <a:defRPr sz="1800" kern="1200">
-                    <a:solidFill>
-                      <a:schemeClr val="lt1"/>
-                    </a:solidFill>
-                    <a:latin typeface="+mn-lt"/>
-                    <a:ea typeface="+mn-ea"/>
-                    <a:cs typeface="+mn-cs"/>
-                  </a:defRPr>
-                </a:lvl5pPr>
-                <a:lvl6pPr marL="2286000" algn="l" defTabSz="914400" rtl="0" eaLnBrk="1" latinLnBrk="0" hangingPunct="1">
-                  <a:defRPr sz="1800" kern="1200">
-                    <a:solidFill>
-                      <a:schemeClr val="lt1"/>
-                    </a:solidFill>
-                    <a:latin typeface="+mn-lt"/>
-                    <a:ea typeface="+mn-ea"/>
-                    <a:cs typeface="+mn-cs"/>
-                  </a:defRPr>
-                </a:lvl6pPr>
-                <a:lvl7pPr marL="2743200" algn="l" defTabSz="914400" rtl="0" eaLnBrk="1" latinLnBrk="0" hangingPunct="1">
-                  <a:defRPr sz="1800" kern="1200">
-                    <a:solidFill>
-                      <a:schemeClr val="lt1"/>
-                    </a:solidFill>
-                    <a:latin typeface="+mn-lt"/>
-                    <a:ea typeface="+mn-ea"/>
-                    <a:cs typeface="+mn-cs"/>
-                  </a:defRPr>
-                </a:lvl7pPr>
-                <a:lvl8pPr marL="3200400" algn="l" defTabSz="914400" rtl="0" eaLnBrk="1" latinLnBrk="0" hangingPunct="1">
-                  <a:defRPr sz="1800" kern="1200">
-                    <a:solidFill>
-                      <a:schemeClr val="lt1"/>
-                    </a:solidFill>
-                    <a:latin typeface="+mn-lt"/>
-                    <a:ea typeface="+mn-ea"/>
-                    <a:cs typeface="+mn-cs"/>
-                  </a:defRPr>
-                </a:lvl8pPr>
-                <a:lvl9pPr marL="3657600" algn="l" defTabSz="914400" rtl="0" eaLnBrk="1" latinLnBrk="0" hangingPunct="1">
-                  <a:defRPr sz="1800" kern="1200">
-                    <a:solidFill>
-                      <a:schemeClr val="lt1"/>
-                    </a:solidFill>
-                    <a:latin typeface="+mn-lt"/>
-                    <a:ea typeface="+mn-ea"/>
-                    <a:cs typeface="+mn-cs"/>
-                  </a:defRPr>
-                </a:lvl9pPr>
-              </a:lstStyle>
-              <a:p>
-                <a:pPr marL="0" lvl="1" defTabSz="1218836" fontAlgn="base">
-                  <a:spcAft>
-                    <a:spcPct val="0"/>
-                  </a:spcAft>
-                </a:pPr>
-                <a:r>
-                  <a:rPr lang="en-US" sz="2000" dirty="0" smtClean="0">
-                    <a:solidFill>
-                      <a:srgbClr val="595959">
-                        <a:alpha val="99000"/>
-                      </a:srgbClr>
-                    </a:solidFill>
-                    <a:ea typeface="Kozuka Gothic Pro R" pitchFamily="34" charset="-128"/>
-                  </a:rPr>
-                  <a:t>Traditional Software</a:t>
-                </a:r>
-                <a:endParaRPr lang="en-US" sz="2000" dirty="0">
-                  <a:solidFill>
-                    <a:srgbClr val="595959">
-                      <a:alpha val="99000"/>
-                    </a:srgbClr>
-                  </a:solidFill>
-                  <a:ea typeface="Kozuka Gothic Pro R" pitchFamily="34" charset="-128"/>
-                </a:endParaRPr>
-              </a:p>
-            </p:txBody>
-          </p:sp>
-          <p:sp>
-            <p:nvSpPr>
-              <p:cNvPr id="7" name="Rectangle 6"/>
-              <p:cNvSpPr/>
-              <p:nvPr/>
-            </p:nvSpPr>
-            <p:spPr>
-              <a:xfrm>
-                <a:off x="1396458" y="5537987"/>
-                <a:ext cx="1638241" cy="381000"/>
-              </a:xfrm>
-              <a:prstGeom prst="rect">
-                <a:avLst/>
-              </a:prstGeom>
-              <a:solidFill>
-                <a:schemeClr val="accent1"/>
-              </a:solidFill>
-              <a:ln w="9525" cap="flat" cmpd="sng" algn="ctr">
-                <a:solidFill>
-                  <a:srgbClr val="FFC000">
-                    <a:shade val="95000"/>
-                    <a:satMod val="105000"/>
-                  </a:srgbClr>
-                </a:solidFill>
-                <a:prstDash val="solid"/>
-              </a:ln>
-              <a:effectLst/>
-            </p:spPr>
-            <p:txBody>
-              <a:bodyPr rtlCol="0" anchor="t" anchorCtr="0"/>
-              <a:lstStyle>
-                <a:defPPr>
-                  <a:defRPr lang="en-US"/>
-                </a:defPPr>
-                <a:lvl1pPr marL="0" algn="l" defTabSz="914400" rtl="0" eaLnBrk="1" latinLnBrk="0" hangingPunct="1">
-                  <a:defRPr sz="1800" kern="1200">
-                    <a:solidFill>
-                      <a:schemeClr val="lt1"/>
-                    </a:solidFill>
-                    <a:latin typeface="+mn-lt"/>
-                    <a:ea typeface="+mn-ea"/>
-                    <a:cs typeface="+mn-cs"/>
-                  </a:defRPr>
-                </a:lvl1pPr>
-                <a:lvl2pPr marL="457200" algn="l" defTabSz="914400" rtl="0" eaLnBrk="1" latinLnBrk="0" hangingPunct="1">
-                  <a:defRPr sz="1800" kern="1200">
-                    <a:solidFill>
-                      <a:schemeClr val="lt1"/>
-                    </a:solidFill>
-                    <a:latin typeface="+mn-lt"/>
-                    <a:ea typeface="+mn-ea"/>
-                    <a:cs typeface="+mn-cs"/>
-                  </a:defRPr>
-                </a:lvl2pPr>
-                <a:lvl3pPr marL="914400" algn="l" defTabSz="914400" rtl="0" eaLnBrk="1" latinLnBrk="0" hangingPunct="1">
-                  <a:defRPr sz="1800" kern="1200">
-                    <a:solidFill>
-                      <a:schemeClr val="lt1"/>
-                    </a:solidFill>
-                    <a:latin typeface="+mn-lt"/>
-                    <a:ea typeface="+mn-ea"/>
-                    <a:cs typeface="+mn-cs"/>
-                  </a:defRPr>
-                </a:lvl3pPr>
-                <a:lvl4pPr marL="1371600" algn="l" defTabSz="914400" rtl="0" eaLnBrk="1" latinLnBrk="0" hangingPunct="1">
-                  <a:defRPr sz="1800" kern="1200">
-                    <a:solidFill>
-                      <a:schemeClr val="lt1"/>
-                    </a:solidFill>
-                    <a:latin typeface="+mn-lt"/>
-                    <a:ea typeface="+mn-ea"/>
-                    <a:cs typeface="+mn-cs"/>
-                  </a:defRPr>
-                </a:lvl4pPr>
-                <a:lvl5pPr marL="1828800" algn="l" defTabSz="914400" rtl="0" eaLnBrk="1" latinLnBrk="0" hangingPunct="1">
-                  <a:defRPr sz="1800" kern="1200">
-                    <a:solidFill>
-                      <a:schemeClr val="lt1"/>
-                    </a:solidFill>
-                    <a:latin typeface="+mn-lt"/>
-                    <a:ea typeface="+mn-ea"/>
-                    <a:cs typeface="+mn-cs"/>
-                  </a:defRPr>
-                </a:lvl5pPr>
-                <a:lvl6pPr marL="2286000" algn="l" defTabSz="914400" rtl="0" eaLnBrk="1" latinLnBrk="0" hangingPunct="1">
-                  <a:defRPr sz="1800" kern="1200">
-                    <a:solidFill>
-                      <a:schemeClr val="lt1"/>
-                    </a:solidFill>
-                    <a:latin typeface="+mn-lt"/>
-                    <a:ea typeface="+mn-ea"/>
-                    <a:cs typeface="+mn-cs"/>
-                  </a:defRPr>
-                </a:lvl6pPr>
-                <a:lvl7pPr marL="2743200" algn="l" defTabSz="914400" rtl="0" eaLnBrk="1" latinLnBrk="0" hangingPunct="1">
-                  <a:defRPr sz="1800" kern="1200">
-                    <a:solidFill>
-                      <a:schemeClr val="lt1"/>
-                    </a:solidFill>
-                    <a:latin typeface="+mn-lt"/>
-                    <a:ea typeface="+mn-ea"/>
-                    <a:cs typeface="+mn-cs"/>
-                  </a:defRPr>
-                </a:lvl7pPr>
-                <a:lvl8pPr marL="3200400" algn="l" defTabSz="914400" rtl="0" eaLnBrk="1" latinLnBrk="0" hangingPunct="1">
-                  <a:defRPr sz="1800" kern="1200">
-                    <a:solidFill>
-                      <a:schemeClr val="lt1"/>
-                    </a:solidFill>
-                    <a:latin typeface="+mn-lt"/>
-                    <a:ea typeface="+mn-ea"/>
-                    <a:cs typeface="+mn-cs"/>
-                  </a:defRPr>
-                </a:lvl8pPr>
-                <a:lvl9pPr marL="3657600" algn="l" defTabSz="914400" rtl="0" eaLnBrk="1" latinLnBrk="0" hangingPunct="1">
-                  <a:defRPr sz="1800" kern="1200">
-                    <a:solidFill>
-                      <a:schemeClr val="lt1"/>
-                    </a:solidFill>
-                    <a:latin typeface="+mn-lt"/>
-                    <a:ea typeface="+mn-ea"/>
-                    <a:cs typeface="+mn-cs"/>
-                  </a:defRPr>
-                </a:lvl9pPr>
-              </a:lstStyle>
-              <a:p>
-                <a:pPr algn="ctr" defTabSz="1218936"/>
-                <a:r>
-                  <a:rPr lang="en-US" sz="1500" dirty="0">
-                    <a:solidFill>
-                      <a:schemeClr val="bg1">
-                        <a:alpha val="99000"/>
-                      </a:schemeClr>
-                    </a:solidFill>
-                    <a:latin typeface="Segoe UI"/>
-                    <a:ea typeface="Segoe UI" pitchFamily="34" charset="0"/>
-                    <a:cs typeface="Segoe UI" pitchFamily="34" charset="0"/>
-                  </a:rPr>
-                  <a:t>Storage</a:t>
-                </a:r>
-              </a:p>
-            </p:txBody>
-          </p:sp>
-          <p:sp>
-            <p:nvSpPr>
-              <p:cNvPr id="8" name="Rectangle 7"/>
-              <p:cNvSpPr/>
-              <p:nvPr/>
-            </p:nvSpPr>
-            <p:spPr>
-              <a:xfrm>
-                <a:off x="1396458" y="5083168"/>
-                <a:ext cx="1638241" cy="381000"/>
-              </a:xfrm>
-              <a:prstGeom prst="rect">
-                <a:avLst/>
-              </a:prstGeom>
-              <a:solidFill>
-                <a:schemeClr val="accent1"/>
-              </a:solidFill>
-              <a:ln w="9525" cap="flat" cmpd="sng" algn="ctr">
-                <a:solidFill>
-                  <a:srgbClr val="FFC000">
-                    <a:shade val="95000"/>
-                    <a:satMod val="105000"/>
-                  </a:srgbClr>
-                </a:solidFill>
-                <a:prstDash val="solid"/>
-              </a:ln>
-              <a:effectLst/>
-            </p:spPr>
-            <p:txBody>
-              <a:bodyPr rtlCol="0" anchor="t" anchorCtr="0"/>
-              <a:lstStyle>
-                <a:defPPr>
-                  <a:defRPr lang="en-US"/>
-                </a:defPPr>
-                <a:lvl1pPr marL="0" algn="l" defTabSz="914400" rtl="0" eaLnBrk="1" latinLnBrk="0" hangingPunct="1">
-                  <a:defRPr sz="1800" kern="1200">
-                    <a:solidFill>
-                      <a:schemeClr val="lt1"/>
-                    </a:solidFill>
-                    <a:latin typeface="+mn-lt"/>
-                    <a:ea typeface="+mn-ea"/>
-                    <a:cs typeface="+mn-cs"/>
-                  </a:defRPr>
-                </a:lvl1pPr>
-                <a:lvl2pPr marL="457200" algn="l" defTabSz="914400" rtl="0" eaLnBrk="1" latinLnBrk="0" hangingPunct="1">
-                  <a:defRPr sz="1800" kern="1200">
-                    <a:solidFill>
-                      <a:schemeClr val="lt1"/>
-                    </a:solidFill>
-                    <a:latin typeface="+mn-lt"/>
-                    <a:ea typeface="+mn-ea"/>
-                    <a:cs typeface="+mn-cs"/>
-                  </a:defRPr>
-                </a:lvl2pPr>
-                <a:lvl3pPr marL="914400" algn="l" defTabSz="914400" rtl="0" eaLnBrk="1" latinLnBrk="0" hangingPunct="1">
-                  <a:defRPr sz="1800" kern="1200">
-                    <a:solidFill>
-                      <a:schemeClr val="lt1"/>
-                    </a:solidFill>
-                    <a:latin typeface="+mn-lt"/>
-                    <a:ea typeface="+mn-ea"/>
-                    <a:cs typeface="+mn-cs"/>
-                  </a:defRPr>
-                </a:lvl3pPr>
-                <a:lvl4pPr marL="1371600" algn="l" defTabSz="914400" rtl="0" eaLnBrk="1" latinLnBrk="0" hangingPunct="1">
-                  <a:defRPr sz="1800" kern="1200">
-                    <a:solidFill>
-                      <a:schemeClr val="lt1"/>
-                    </a:solidFill>
-                    <a:latin typeface="+mn-lt"/>
-                    <a:ea typeface="+mn-ea"/>
-                    <a:cs typeface="+mn-cs"/>
-                  </a:defRPr>
-                </a:lvl4pPr>
-                <a:lvl5pPr marL="1828800" algn="l" defTabSz="914400" rtl="0" eaLnBrk="1" latinLnBrk="0" hangingPunct="1">
-                  <a:defRPr sz="1800" kern="1200">
-                    <a:solidFill>
-                      <a:schemeClr val="lt1"/>
-                    </a:solidFill>
-                    <a:latin typeface="+mn-lt"/>
-                    <a:ea typeface="+mn-ea"/>
-                    <a:cs typeface="+mn-cs"/>
-                  </a:defRPr>
-                </a:lvl5pPr>
-                <a:lvl6pPr marL="2286000" algn="l" defTabSz="914400" rtl="0" eaLnBrk="1" latinLnBrk="0" hangingPunct="1">
-                  <a:defRPr sz="1800" kern="1200">
-                    <a:solidFill>
-                      <a:schemeClr val="lt1"/>
-                    </a:solidFill>
-                    <a:latin typeface="+mn-lt"/>
-                    <a:ea typeface="+mn-ea"/>
-                    <a:cs typeface="+mn-cs"/>
-                  </a:defRPr>
-                </a:lvl6pPr>
-                <a:lvl7pPr marL="2743200" algn="l" defTabSz="914400" rtl="0" eaLnBrk="1" latinLnBrk="0" hangingPunct="1">
-                  <a:defRPr sz="1800" kern="1200">
-                    <a:solidFill>
-                      <a:schemeClr val="lt1"/>
-                    </a:solidFill>
-                    <a:latin typeface="+mn-lt"/>
-                    <a:ea typeface="+mn-ea"/>
-                    <a:cs typeface="+mn-cs"/>
-                  </a:defRPr>
-                </a:lvl7pPr>
-                <a:lvl8pPr marL="3200400" algn="l" defTabSz="914400" rtl="0" eaLnBrk="1" latinLnBrk="0" hangingPunct="1">
-                  <a:defRPr sz="1800" kern="1200">
-                    <a:solidFill>
-                      <a:schemeClr val="lt1"/>
-                    </a:solidFill>
-                    <a:latin typeface="+mn-lt"/>
-                    <a:ea typeface="+mn-ea"/>
-                    <a:cs typeface="+mn-cs"/>
-                  </a:defRPr>
-                </a:lvl8pPr>
-                <a:lvl9pPr marL="3657600" algn="l" defTabSz="914400" rtl="0" eaLnBrk="1" latinLnBrk="0" hangingPunct="1">
-                  <a:defRPr sz="1800" kern="1200">
-                    <a:solidFill>
-                      <a:schemeClr val="lt1"/>
-                    </a:solidFill>
-                    <a:latin typeface="+mn-lt"/>
-                    <a:ea typeface="+mn-ea"/>
-                    <a:cs typeface="+mn-cs"/>
-                  </a:defRPr>
-                </a:lvl9pPr>
-              </a:lstStyle>
-              <a:p>
-                <a:pPr algn="ctr" defTabSz="1218936"/>
-                <a:r>
-                  <a:rPr lang="en-US" sz="1500" dirty="0">
-                    <a:solidFill>
-                      <a:schemeClr val="bg1">
-                        <a:alpha val="99000"/>
-                      </a:schemeClr>
-                    </a:solidFill>
-                    <a:latin typeface="Segoe UI"/>
-                    <a:ea typeface="Segoe UI" pitchFamily="34" charset="0"/>
-                    <a:cs typeface="Segoe UI" pitchFamily="34" charset="0"/>
-                  </a:rPr>
-                  <a:t>Servers</a:t>
-                </a:r>
-              </a:p>
-            </p:txBody>
-          </p:sp>
-          <p:sp>
-            <p:nvSpPr>
-              <p:cNvPr id="9" name="Rectangle 8"/>
-              <p:cNvSpPr/>
-              <p:nvPr/>
-            </p:nvSpPr>
-            <p:spPr>
-              <a:xfrm>
-                <a:off x="1396458" y="5992804"/>
-                <a:ext cx="1638241" cy="381000"/>
-              </a:xfrm>
-              <a:prstGeom prst="rect">
-                <a:avLst/>
-              </a:prstGeom>
-              <a:solidFill>
-                <a:schemeClr val="accent1"/>
-              </a:solidFill>
-              <a:ln w="9525" cap="flat" cmpd="sng" algn="ctr">
-                <a:solidFill>
-                  <a:srgbClr val="FFC000">
-                    <a:shade val="95000"/>
-                    <a:satMod val="105000"/>
-                  </a:srgbClr>
-                </a:solidFill>
-                <a:prstDash val="solid"/>
-              </a:ln>
-              <a:effectLst/>
-            </p:spPr>
-            <p:txBody>
-              <a:bodyPr rtlCol="0" anchor="t" anchorCtr="0"/>
-              <a:lstStyle>
-                <a:defPPr>
-                  <a:defRPr lang="en-US"/>
-                </a:defPPr>
-                <a:lvl1pPr marL="0" algn="l" defTabSz="914400" rtl="0" eaLnBrk="1" latinLnBrk="0" hangingPunct="1">
-                  <a:defRPr sz="1800" kern="1200">
-                    <a:solidFill>
-                      <a:schemeClr val="lt1"/>
-                    </a:solidFill>
-                    <a:latin typeface="+mn-lt"/>
-                    <a:ea typeface="+mn-ea"/>
-                    <a:cs typeface="+mn-cs"/>
-                  </a:defRPr>
-                </a:lvl1pPr>
-                <a:lvl2pPr marL="457200" algn="l" defTabSz="914400" rtl="0" eaLnBrk="1" latinLnBrk="0" hangingPunct="1">
-                  <a:defRPr sz="1800" kern="1200">
-                    <a:solidFill>
-                      <a:schemeClr val="lt1"/>
-                    </a:solidFill>
-                    <a:latin typeface="+mn-lt"/>
-                    <a:ea typeface="+mn-ea"/>
-                    <a:cs typeface="+mn-cs"/>
-                  </a:defRPr>
-                </a:lvl2pPr>
-                <a:lvl3pPr marL="914400" algn="l" defTabSz="914400" rtl="0" eaLnBrk="1" latinLnBrk="0" hangingPunct="1">
-                  <a:defRPr sz="1800" kern="1200">
-                    <a:solidFill>
-                      <a:schemeClr val="lt1"/>
-                    </a:solidFill>
-                    <a:latin typeface="+mn-lt"/>
-                    <a:ea typeface="+mn-ea"/>
-                    <a:cs typeface="+mn-cs"/>
-                  </a:defRPr>
-                </a:lvl3pPr>
-                <a:lvl4pPr marL="1371600" algn="l" defTabSz="914400" rtl="0" eaLnBrk="1" latinLnBrk="0" hangingPunct="1">
-                  <a:defRPr sz="1800" kern="1200">
-                    <a:solidFill>
-                      <a:schemeClr val="lt1"/>
-                    </a:solidFill>
-                    <a:latin typeface="+mn-lt"/>
-                    <a:ea typeface="+mn-ea"/>
-                    <a:cs typeface="+mn-cs"/>
-                  </a:defRPr>
-                </a:lvl4pPr>
-                <a:lvl5pPr marL="1828800" algn="l" defTabSz="914400" rtl="0" eaLnBrk="1" latinLnBrk="0" hangingPunct="1">
-                  <a:defRPr sz="1800" kern="1200">
-                    <a:solidFill>
-                      <a:schemeClr val="lt1"/>
-                    </a:solidFill>
-                    <a:latin typeface="+mn-lt"/>
-                    <a:ea typeface="+mn-ea"/>
-                    <a:cs typeface="+mn-cs"/>
-                  </a:defRPr>
-                </a:lvl5pPr>
-                <a:lvl6pPr marL="2286000" algn="l" defTabSz="914400" rtl="0" eaLnBrk="1" latinLnBrk="0" hangingPunct="1">
-                  <a:defRPr sz="1800" kern="1200">
-                    <a:solidFill>
-                      <a:schemeClr val="lt1"/>
-                    </a:solidFill>
-                    <a:latin typeface="+mn-lt"/>
-                    <a:ea typeface="+mn-ea"/>
-                    <a:cs typeface="+mn-cs"/>
-                  </a:defRPr>
-                </a:lvl6pPr>
-                <a:lvl7pPr marL="2743200" algn="l" defTabSz="914400" rtl="0" eaLnBrk="1" latinLnBrk="0" hangingPunct="1">
-                  <a:defRPr sz="1800" kern="1200">
-                    <a:solidFill>
-                      <a:schemeClr val="lt1"/>
-                    </a:solidFill>
-                    <a:latin typeface="+mn-lt"/>
-                    <a:ea typeface="+mn-ea"/>
-                    <a:cs typeface="+mn-cs"/>
-                  </a:defRPr>
-                </a:lvl7pPr>
-                <a:lvl8pPr marL="3200400" algn="l" defTabSz="914400" rtl="0" eaLnBrk="1" latinLnBrk="0" hangingPunct="1">
-                  <a:defRPr sz="1800" kern="1200">
-                    <a:solidFill>
-                      <a:schemeClr val="lt1"/>
-                    </a:solidFill>
-                    <a:latin typeface="+mn-lt"/>
-                    <a:ea typeface="+mn-ea"/>
-                    <a:cs typeface="+mn-cs"/>
-                  </a:defRPr>
-                </a:lvl8pPr>
-                <a:lvl9pPr marL="3657600" algn="l" defTabSz="914400" rtl="0" eaLnBrk="1" latinLnBrk="0" hangingPunct="1">
-                  <a:defRPr sz="1800" kern="1200">
-                    <a:solidFill>
-                      <a:schemeClr val="lt1"/>
-                    </a:solidFill>
-                    <a:latin typeface="+mn-lt"/>
-                    <a:ea typeface="+mn-ea"/>
-                    <a:cs typeface="+mn-cs"/>
-                  </a:defRPr>
-                </a:lvl9pPr>
-              </a:lstStyle>
-              <a:p>
-                <a:pPr algn="ctr" defTabSz="1218936"/>
-                <a:r>
-                  <a:rPr lang="en-US" sz="1500" dirty="0">
-                    <a:solidFill>
-                      <a:schemeClr val="bg1">
-                        <a:alpha val="99000"/>
-                      </a:schemeClr>
-                    </a:solidFill>
-                    <a:latin typeface="Segoe UI"/>
-                    <a:ea typeface="Segoe UI" pitchFamily="34" charset="0"/>
-                    <a:cs typeface="Segoe UI" pitchFamily="34" charset="0"/>
-                  </a:rPr>
-                  <a:t>Networking</a:t>
-                </a:r>
-              </a:p>
-            </p:txBody>
-          </p:sp>
-          <p:sp>
-            <p:nvSpPr>
-              <p:cNvPr id="10" name="Rectangle 9"/>
-              <p:cNvSpPr/>
-              <p:nvPr/>
-            </p:nvSpPr>
-            <p:spPr>
-              <a:xfrm>
-                <a:off x="1396458" y="4173530"/>
-                <a:ext cx="1638241" cy="381000"/>
-              </a:xfrm>
-              <a:prstGeom prst="rect">
-                <a:avLst/>
-              </a:prstGeom>
-              <a:solidFill>
-                <a:schemeClr val="accent1"/>
-              </a:solidFill>
-              <a:ln w="9525" cap="flat" cmpd="sng" algn="ctr">
-                <a:solidFill>
-                  <a:srgbClr val="FFC000">
-                    <a:shade val="95000"/>
-                    <a:satMod val="105000"/>
-                  </a:srgbClr>
-                </a:solidFill>
-                <a:prstDash val="solid"/>
-              </a:ln>
-              <a:effectLst/>
-            </p:spPr>
-            <p:txBody>
-              <a:bodyPr rtlCol="0" anchor="t" anchorCtr="0"/>
-              <a:lstStyle>
-                <a:defPPr>
-                  <a:defRPr lang="en-US"/>
-                </a:defPPr>
-                <a:lvl1pPr marL="0" algn="l" defTabSz="914400" rtl="0" eaLnBrk="1" latinLnBrk="0" hangingPunct="1">
-                  <a:defRPr sz="1800" kern="1200">
-                    <a:solidFill>
-                      <a:schemeClr val="lt1"/>
-                    </a:solidFill>
-                    <a:latin typeface="+mn-lt"/>
-                    <a:ea typeface="+mn-ea"/>
-                    <a:cs typeface="+mn-cs"/>
-                  </a:defRPr>
-                </a:lvl1pPr>
-                <a:lvl2pPr marL="457200" algn="l" defTabSz="914400" rtl="0" eaLnBrk="1" latinLnBrk="0" hangingPunct="1">
-                  <a:defRPr sz="1800" kern="1200">
-                    <a:solidFill>
-                      <a:schemeClr val="lt1"/>
-                    </a:solidFill>
-                    <a:latin typeface="+mn-lt"/>
-                    <a:ea typeface="+mn-ea"/>
-                    <a:cs typeface="+mn-cs"/>
-                  </a:defRPr>
-                </a:lvl2pPr>
-                <a:lvl3pPr marL="914400" algn="l" defTabSz="914400" rtl="0" eaLnBrk="1" latinLnBrk="0" hangingPunct="1">
-                  <a:defRPr sz="1800" kern="1200">
-                    <a:solidFill>
-                      <a:schemeClr val="lt1"/>
-                    </a:solidFill>
-                    <a:latin typeface="+mn-lt"/>
-                    <a:ea typeface="+mn-ea"/>
-                    <a:cs typeface="+mn-cs"/>
-                  </a:defRPr>
-                </a:lvl3pPr>
-                <a:lvl4pPr marL="1371600" algn="l" defTabSz="914400" rtl="0" eaLnBrk="1" latinLnBrk="0" hangingPunct="1">
-                  <a:defRPr sz="1800" kern="1200">
-                    <a:solidFill>
-                      <a:schemeClr val="lt1"/>
-                    </a:solidFill>
-                    <a:latin typeface="+mn-lt"/>
-                    <a:ea typeface="+mn-ea"/>
-                    <a:cs typeface="+mn-cs"/>
-                  </a:defRPr>
-                </a:lvl4pPr>
-                <a:lvl5pPr marL="1828800" algn="l" defTabSz="914400" rtl="0" eaLnBrk="1" latinLnBrk="0" hangingPunct="1">
-                  <a:defRPr sz="1800" kern="1200">
-                    <a:solidFill>
-                      <a:schemeClr val="lt1"/>
-                    </a:solidFill>
-                    <a:latin typeface="+mn-lt"/>
-                    <a:ea typeface="+mn-ea"/>
-                    <a:cs typeface="+mn-cs"/>
-                  </a:defRPr>
-                </a:lvl5pPr>
-                <a:lvl6pPr marL="2286000" algn="l" defTabSz="914400" rtl="0" eaLnBrk="1" latinLnBrk="0" hangingPunct="1">
-                  <a:defRPr sz="1800" kern="1200">
-                    <a:solidFill>
-                      <a:schemeClr val="lt1"/>
-                    </a:solidFill>
-                    <a:latin typeface="+mn-lt"/>
-                    <a:ea typeface="+mn-ea"/>
-                    <a:cs typeface="+mn-cs"/>
-                  </a:defRPr>
-                </a:lvl6pPr>
-                <a:lvl7pPr marL="2743200" algn="l" defTabSz="914400" rtl="0" eaLnBrk="1" latinLnBrk="0" hangingPunct="1">
-                  <a:defRPr sz="1800" kern="1200">
-                    <a:solidFill>
-                      <a:schemeClr val="lt1"/>
-                    </a:solidFill>
-                    <a:latin typeface="+mn-lt"/>
-                    <a:ea typeface="+mn-ea"/>
-                    <a:cs typeface="+mn-cs"/>
-                  </a:defRPr>
-                </a:lvl7pPr>
-                <a:lvl8pPr marL="3200400" algn="l" defTabSz="914400" rtl="0" eaLnBrk="1" latinLnBrk="0" hangingPunct="1">
-                  <a:defRPr sz="1800" kern="1200">
-                    <a:solidFill>
-                      <a:schemeClr val="lt1"/>
-                    </a:solidFill>
-                    <a:latin typeface="+mn-lt"/>
-                    <a:ea typeface="+mn-ea"/>
-                    <a:cs typeface="+mn-cs"/>
-                  </a:defRPr>
-                </a:lvl8pPr>
-                <a:lvl9pPr marL="3657600" algn="l" defTabSz="914400" rtl="0" eaLnBrk="1" latinLnBrk="0" hangingPunct="1">
-                  <a:defRPr sz="1800" kern="1200">
-                    <a:solidFill>
-                      <a:schemeClr val="lt1"/>
-                    </a:solidFill>
-                    <a:latin typeface="+mn-lt"/>
-                    <a:ea typeface="+mn-ea"/>
-                    <a:cs typeface="+mn-cs"/>
-                  </a:defRPr>
-                </a:lvl9pPr>
-              </a:lstStyle>
-              <a:p>
-                <a:pPr algn="ctr" defTabSz="1218936"/>
-                <a:r>
-                  <a:rPr lang="en-US" sz="1500" dirty="0">
-                    <a:solidFill>
-                      <a:schemeClr val="bg1">
-                        <a:alpha val="99000"/>
-                      </a:schemeClr>
-                    </a:solidFill>
-                    <a:latin typeface="Segoe UI"/>
-                    <a:ea typeface="Segoe UI" pitchFamily="34" charset="0"/>
-                    <a:cs typeface="Segoe UI" pitchFamily="34" charset="0"/>
-                  </a:rPr>
-                  <a:t>O/S</a:t>
-                </a:r>
-              </a:p>
-            </p:txBody>
-          </p:sp>
-          <p:sp>
-            <p:nvSpPr>
-              <p:cNvPr id="11" name="Rectangle 10"/>
-              <p:cNvSpPr/>
-              <p:nvPr/>
-            </p:nvSpPr>
-            <p:spPr>
-              <a:xfrm>
-                <a:off x="1396458" y="3718711"/>
-                <a:ext cx="1638241" cy="381000"/>
-              </a:xfrm>
-              <a:prstGeom prst="rect">
-                <a:avLst/>
-              </a:prstGeom>
-              <a:solidFill>
-                <a:schemeClr val="accent1"/>
-              </a:solidFill>
-              <a:ln w="9525" cap="flat" cmpd="sng" algn="ctr">
-                <a:solidFill>
-                  <a:srgbClr val="FFC000">
-                    <a:shade val="95000"/>
-                    <a:satMod val="105000"/>
-                  </a:srgbClr>
-                </a:solidFill>
-                <a:prstDash val="solid"/>
-              </a:ln>
-              <a:effectLst/>
-            </p:spPr>
-            <p:txBody>
-              <a:bodyPr rtlCol="0" anchor="t" anchorCtr="0"/>
-              <a:lstStyle>
-                <a:defPPr>
-                  <a:defRPr lang="en-US"/>
-                </a:defPPr>
-                <a:lvl1pPr marL="0" algn="l" defTabSz="914400" rtl="0" eaLnBrk="1" latinLnBrk="0" hangingPunct="1">
-                  <a:defRPr sz="1800" kern="1200">
-                    <a:solidFill>
-                      <a:schemeClr val="lt1"/>
-                    </a:solidFill>
-                    <a:latin typeface="+mn-lt"/>
-                    <a:ea typeface="+mn-ea"/>
-                    <a:cs typeface="+mn-cs"/>
-                  </a:defRPr>
-                </a:lvl1pPr>
-                <a:lvl2pPr marL="457200" algn="l" defTabSz="914400" rtl="0" eaLnBrk="1" latinLnBrk="0" hangingPunct="1">
-                  <a:defRPr sz="1800" kern="1200">
-                    <a:solidFill>
-                      <a:schemeClr val="lt1"/>
-                    </a:solidFill>
-                    <a:latin typeface="+mn-lt"/>
-                    <a:ea typeface="+mn-ea"/>
-                    <a:cs typeface="+mn-cs"/>
-                  </a:defRPr>
-                </a:lvl2pPr>
-                <a:lvl3pPr marL="914400" algn="l" defTabSz="914400" rtl="0" eaLnBrk="1" latinLnBrk="0" hangingPunct="1">
-                  <a:defRPr sz="1800" kern="1200">
-                    <a:solidFill>
-                      <a:schemeClr val="lt1"/>
-                    </a:solidFill>
-                    <a:latin typeface="+mn-lt"/>
-                    <a:ea typeface="+mn-ea"/>
-                    <a:cs typeface="+mn-cs"/>
-                  </a:defRPr>
-                </a:lvl3pPr>
-                <a:lvl4pPr marL="1371600" algn="l" defTabSz="914400" rtl="0" eaLnBrk="1" latinLnBrk="0" hangingPunct="1">
-                  <a:defRPr sz="1800" kern="1200">
-                    <a:solidFill>
-                      <a:schemeClr val="lt1"/>
-                    </a:solidFill>
-                    <a:latin typeface="+mn-lt"/>
-                    <a:ea typeface="+mn-ea"/>
-                    <a:cs typeface="+mn-cs"/>
-                  </a:defRPr>
-                </a:lvl4pPr>
-                <a:lvl5pPr marL="1828800" algn="l" defTabSz="914400" rtl="0" eaLnBrk="1" latinLnBrk="0" hangingPunct="1">
-                  <a:defRPr sz="1800" kern="1200">
-                    <a:solidFill>
-                      <a:schemeClr val="lt1"/>
-                    </a:solidFill>
-                    <a:latin typeface="+mn-lt"/>
-                    <a:ea typeface="+mn-ea"/>
-                    <a:cs typeface="+mn-cs"/>
-                  </a:defRPr>
-                </a:lvl5pPr>
-                <a:lvl6pPr marL="2286000" algn="l" defTabSz="914400" rtl="0" eaLnBrk="1" latinLnBrk="0" hangingPunct="1">
-                  <a:defRPr sz="1800" kern="1200">
-                    <a:solidFill>
-                      <a:schemeClr val="lt1"/>
-                    </a:solidFill>
-                    <a:latin typeface="+mn-lt"/>
-                    <a:ea typeface="+mn-ea"/>
-                    <a:cs typeface="+mn-cs"/>
-                  </a:defRPr>
-                </a:lvl6pPr>
-                <a:lvl7pPr marL="2743200" algn="l" defTabSz="914400" rtl="0" eaLnBrk="1" latinLnBrk="0" hangingPunct="1">
-                  <a:defRPr sz="1800" kern="1200">
-                    <a:solidFill>
-                      <a:schemeClr val="lt1"/>
-                    </a:solidFill>
-                    <a:latin typeface="+mn-lt"/>
-                    <a:ea typeface="+mn-ea"/>
-                    <a:cs typeface="+mn-cs"/>
-                  </a:defRPr>
-                </a:lvl7pPr>
-                <a:lvl8pPr marL="3200400" algn="l" defTabSz="914400" rtl="0" eaLnBrk="1" latinLnBrk="0" hangingPunct="1">
-                  <a:defRPr sz="1800" kern="1200">
-                    <a:solidFill>
-                      <a:schemeClr val="lt1"/>
-                    </a:solidFill>
-                    <a:latin typeface="+mn-lt"/>
-                    <a:ea typeface="+mn-ea"/>
-                    <a:cs typeface="+mn-cs"/>
-                  </a:defRPr>
-                </a:lvl8pPr>
-                <a:lvl9pPr marL="3657600" algn="l" defTabSz="914400" rtl="0" eaLnBrk="1" latinLnBrk="0" hangingPunct="1">
-                  <a:defRPr sz="1800" kern="1200">
-                    <a:solidFill>
-                      <a:schemeClr val="lt1"/>
-                    </a:solidFill>
-                    <a:latin typeface="+mn-lt"/>
-                    <a:ea typeface="+mn-ea"/>
-                    <a:cs typeface="+mn-cs"/>
-                  </a:defRPr>
-                </a:lvl9pPr>
-              </a:lstStyle>
-              <a:p>
-                <a:pPr algn="ctr" defTabSz="1218936"/>
-                <a:r>
-                  <a:rPr lang="en-US" sz="1500" dirty="0">
-                    <a:solidFill>
-                      <a:schemeClr val="bg1">
-                        <a:alpha val="99000"/>
-                      </a:schemeClr>
-                    </a:solidFill>
-                    <a:latin typeface="Segoe UI"/>
-                    <a:ea typeface="Segoe UI" pitchFamily="34" charset="0"/>
-                    <a:cs typeface="Segoe UI" pitchFamily="34" charset="0"/>
-                  </a:rPr>
-                  <a:t>Middleware</a:t>
-                </a:r>
-              </a:p>
-            </p:txBody>
-          </p:sp>
-          <p:sp>
-            <p:nvSpPr>
-              <p:cNvPr id="12" name="Rectangle 11"/>
-              <p:cNvSpPr/>
-              <p:nvPr/>
-            </p:nvSpPr>
-            <p:spPr>
-              <a:xfrm>
-                <a:off x="1396458" y="4628349"/>
-                <a:ext cx="1638241" cy="381000"/>
-              </a:xfrm>
-              <a:prstGeom prst="rect">
-                <a:avLst/>
-              </a:prstGeom>
-              <a:solidFill>
-                <a:schemeClr val="accent1"/>
-              </a:solidFill>
-              <a:ln w="9525" cap="flat" cmpd="sng" algn="ctr">
-                <a:solidFill>
-                  <a:srgbClr val="FFC000">
-                    <a:shade val="95000"/>
-                    <a:satMod val="105000"/>
-                  </a:srgbClr>
-                </a:solidFill>
-                <a:prstDash val="solid"/>
-              </a:ln>
-              <a:effectLst/>
-            </p:spPr>
-            <p:txBody>
-              <a:bodyPr lIns="0" rIns="0" rtlCol="0" anchor="t" anchorCtr="0"/>
-              <a:lstStyle>
-                <a:defPPr>
-                  <a:defRPr lang="en-US"/>
-                </a:defPPr>
-                <a:lvl1pPr marL="0" algn="l" defTabSz="914400" rtl="0" eaLnBrk="1" latinLnBrk="0" hangingPunct="1">
-                  <a:defRPr sz="1800" kern="1200">
-                    <a:solidFill>
-                      <a:schemeClr val="lt1"/>
-                    </a:solidFill>
-                    <a:latin typeface="+mn-lt"/>
-                    <a:ea typeface="+mn-ea"/>
-                    <a:cs typeface="+mn-cs"/>
-                  </a:defRPr>
-                </a:lvl1pPr>
-                <a:lvl2pPr marL="457200" algn="l" defTabSz="914400" rtl="0" eaLnBrk="1" latinLnBrk="0" hangingPunct="1">
-                  <a:defRPr sz="1800" kern="1200">
-                    <a:solidFill>
-                      <a:schemeClr val="lt1"/>
-                    </a:solidFill>
-                    <a:latin typeface="+mn-lt"/>
-                    <a:ea typeface="+mn-ea"/>
-                    <a:cs typeface="+mn-cs"/>
-                  </a:defRPr>
-                </a:lvl2pPr>
-                <a:lvl3pPr marL="914400" algn="l" defTabSz="914400" rtl="0" eaLnBrk="1" latinLnBrk="0" hangingPunct="1">
-                  <a:defRPr sz="1800" kern="1200">
-                    <a:solidFill>
-                      <a:schemeClr val="lt1"/>
-                    </a:solidFill>
-                    <a:latin typeface="+mn-lt"/>
-                    <a:ea typeface="+mn-ea"/>
-                    <a:cs typeface="+mn-cs"/>
-                  </a:defRPr>
-                </a:lvl3pPr>
-                <a:lvl4pPr marL="1371600" algn="l" defTabSz="914400" rtl="0" eaLnBrk="1" latinLnBrk="0" hangingPunct="1">
-                  <a:defRPr sz="1800" kern="1200">
-                    <a:solidFill>
-                      <a:schemeClr val="lt1"/>
-                    </a:solidFill>
-                    <a:latin typeface="+mn-lt"/>
-                    <a:ea typeface="+mn-ea"/>
-                    <a:cs typeface="+mn-cs"/>
-                  </a:defRPr>
-                </a:lvl4pPr>
-                <a:lvl5pPr marL="1828800" algn="l" defTabSz="914400" rtl="0" eaLnBrk="1" latinLnBrk="0" hangingPunct="1">
-                  <a:defRPr sz="1800" kern="1200">
-                    <a:solidFill>
-                      <a:schemeClr val="lt1"/>
-                    </a:solidFill>
-                    <a:latin typeface="+mn-lt"/>
-                    <a:ea typeface="+mn-ea"/>
-                    <a:cs typeface="+mn-cs"/>
-                  </a:defRPr>
-                </a:lvl5pPr>
-                <a:lvl6pPr marL="2286000" algn="l" defTabSz="914400" rtl="0" eaLnBrk="1" latinLnBrk="0" hangingPunct="1">
-                  <a:defRPr sz="1800" kern="1200">
-                    <a:solidFill>
-                      <a:schemeClr val="lt1"/>
-                    </a:solidFill>
-                    <a:latin typeface="+mn-lt"/>
-                    <a:ea typeface="+mn-ea"/>
-                    <a:cs typeface="+mn-cs"/>
-                  </a:defRPr>
-                </a:lvl6pPr>
-                <a:lvl7pPr marL="2743200" algn="l" defTabSz="914400" rtl="0" eaLnBrk="1" latinLnBrk="0" hangingPunct="1">
-                  <a:defRPr sz="1800" kern="1200">
-                    <a:solidFill>
-                      <a:schemeClr val="lt1"/>
-                    </a:solidFill>
-                    <a:latin typeface="+mn-lt"/>
-                    <a:ea typeface="+mn-ea"/>
-                    <a:cs typeface="+mn-cs"/>
-                  </a:defRPr>
-                </a:lvl7pPr>
-                <a:lvl8pPr marL="3200400" algn="l" defTabSz="914400" rtl="0" eaLnBrk="1" latinLnBrk="0" hangingPunct="1">
-                  <a:defRPr sz="1800" kern="1200">
-                    <a:solidFill>
-                      <a:schemeClr val="lt1"/>
-                    </a:solidFill>
-                    <a:latin typeface="+mn-lt"/>
-                    <a:ea typeface="+mn-ea"/>
-                    <a:cs typeface="+mn-cs"/>
-                  </a:defRPr>
-                </a:lvl8pPr>
-                <a:lvl9pPr marL="3657600" algn="l" defTabSz="914400" rtl="0" eaLnBrk="1" latinLnBrk="0" hangingPunct="1">
-                  <a:defRPr sz="1800" kern="1200">
-                    <a:solidFill>
-                      <a:schemeClr val="lt1"/>
-                    </a:solidFill>
-                    <a:latin typeface="+mn-lt"/>
-                    <a:ea typeface="+mn-ea"/>
-                    <a:cs typeface="+mn-cs"/>
-                  </a:defRPr>
-                </a:lvl9pPr>
-              </a:lstStyle>
-              <a:p>
-                <a:pPr algn="ctr" defTabSz="1218936"/>
-                <a:r>
-                  <a:rPr lang="en-US" sz="1500" dirty="0">
-                    <a:solidFill>
-                      <a:schemeClr val="bg1">
-                        <a:alpha val="99000"/>
-                      </a:schemeClr>
-                    </a:solidFill>
-                    <a:latin typeface="Segoe UI"/>
-                    <a:ea typeface="Segoe UI" pitchFamily="34" charset="0"/>
-                    <a:cs typeface="Segoe UI" pitchFamily="34" charset="0"/>
-                  </a:rPr>
-                  <a:t>Virtualization</a:t>
-                </a:r>
-              </a:p>
-            </p:txBody>
-          </p:sp>
-          <p:sp>
-            <p:nvSpPr>
-              <p:cNvPr id="13" name="Rectangle 12"/>
-              <p:cNvSpPr/>
-              <p:nvPr/>
-            </p:nvSpPr>
-            <p:spPr>
-              <a:xfrm>
-                <a:off x="1396458" y="2809073"/>
-                <a:ext cx="1638241" cy="381000"/>
-              </a:xfrm>
-              <a:prstGeom prst="rect">
-                <a:avLst/>
-              </a:prstGeom>
-              <a:solidFill>
-                <a:schemeClr val="accent1"/>
-              </a:solidFill>
-              <a:ln w="9525" cap="flat" cmpd="sng" algn="ctr">
-                <a:solidFill>
-                  <a:srgbClr val="FFC000">
-                    <a:shade val="95000"/>
-                    <a:satMod val="105000"/>
-                  </a:srgbClr>
-                </a:solidFill>
-                <a:prstDash val="solid"/>
-              </a:ln>
-              <a:effectLst/>
-            </p:spPr>
-            <p:txBody>
-              <a:bodyPr rtlCol="0" anchor="t" anchorCtr="0"/>
-              <a:lstStyle>
-                <a:defPPr>
-                  <a:defRPr lang="en-US"/>
-                </a:defPPr>
-                <a:lvl1pPr marL="0" algn="l" defTabSz="914400" rtl="0" eaLnBrk="1" latinLnBrk="0" hangingPunct="1">
-                  <a:defRPr sz="1800" kern="1200">
-                    <a:solidFill>
-                      <a:schemeClr val="lt1"/>
-                    </a:solidFill>
-                    <a:latin typeface="+mn-lt"/>
-                    <a:ea typeface="+mn-ea"/>
-                    <a:cs typeface="+mn-cs"/>
-                  </a:defRPr>
-                </a:lvl1pPr>
-                <a:lvl2pPr marL="457200" algn="l" defTabSz="914400" rtl="0" eaLnBrk="1" latinLnBrk="0" hangingPunct="1">
-                  <a:defRPr sz="1800" kern="1200">
-                    <a:solidFill>
-                      <a:schemeClr val="lt1"/>
-                    </a:solidFill>
-                    <a:latin typeface="+mn-lt"/>
-                    <a:ea typeface="+mn-ea"/>
-                    <a:cs typeface="+mn-cs"/>
-                  </a:defRPr>
-                </a:lvl2pPr>
-                <a:lvl3pPr marL="914400" algn="l" defTabSz="914400" rtl="0" eaLnBrk="1" latinLnBrk="0" hangingPunct="1">
-                  <a:defRPr sz="1800" kern="1200">
-                    <a:solidFill>
-                      <a:schemeClr val="lt1"/>
-                    </a:solidFill>
-                    <a:latin typeface="+mn-lt"/>
-                    <a:ea typeface="+mn-ea"/>
-                    <a:cs typeface="+mn-cs"/>
-                  </a:defRPr>
-                </a:lvl3pPr>
-                <a:lvl4pPr marL="1371600" algn="l" defTabSz="914400" rtl="0" eaLnBrk="1" latinLnBrk="0" hangingPunct="1">
-                  <a:defRPr sz="1800" kern="1200">
-                    <a:solidFill>
-                      <a:schemeClr val="lt1"/>
-                    </a:solidFill>
-                    <a:latin typeface="+mn-lt"/>
-                    <a:ea typeface="+mn-ea"/>
-                    <a:cs typeface="+mn-cs"/>
-                  </a:defRPr>
-                </a:lvl4pPr>
-                <a:lvl5pPr marL="1828800" algn="l" defTabSz="914400" rtl="0" eaLnBrk="1" latinLnBrk="0" hangingPunct="1">
-                  <a:defRPr sz="1800" kern="1200">
-                    <a:solidFill>
-                      <a:schemeClr val="lt1"/>
-                    </a:solidFill>
-                    <a:latin typeface="+mn-lt"/>
-                    <a:ea typeface="+mn-ea"/>
-                    <a:cs typeface="+mn-cs"/>
-                  </a:defRPr>
-                </a:lvl5pPr>
-                <a:lvl6pPr marL="2286000" algn="l" defTabSz="914400" rtl="0" eaLnBrk="1" latinLnBrk="0" hangingPunct="1">
-                  <a:defRPr sz="1800" kern="1200">
-                    <a:solidFill>
-                      <a:schemeClr val="lt1"/>
-                    </a:solidFill>
-                    <a:latin typeface="+mn-lt"/>
-                    <a:ea typeface="+mn-ea"/>
-                    <a:cs typeface="+mn-cs"/>
-                  </a:defRPr>
-                </a:lvl6pPr>
-                <a:lvl7pPr marL="2743200" algn="l" defTabSz="914400" rtl="0" eaLnBrk="1" latinLnBrk="0" hangingPunct="1">
-                  <a:defRPr sz="1800" kern="1200">
-                    <a:solidFill>
-                      <a:schemeClr val="lt1"/>
-                    </a:solidFill>
-                    <a:latin typeface="+mn-lt"/>
-                    <a:ea typeface="+mn-ea"/>
-                    <a:cs typeface="+mn-cs"/>
-                  </a:defRPr>
-                </a:lvl7pPr>
-                <a:lvl8pPr marL="3200400" algn="l" defTabSz="914400" rtl="0" eaLnBrk="1" latinLnBrk="0" hangingPunct="1">
-                  <a:defRPr sz="1800" kern="1200">
-                    <a:solidFill>
-                      <a:schemeClr val="lt1"/>
-                    </a:solidFill>
-                    <a:latin typeface="+mn-lt"/>
-                    <a:ea typeface="+mn-ea"/>
-                    <a:cs typeface="+mn-cs"/>
-                  </a:defRPr>
-                </a:lvl8pPr>
-                <a:lvl9pPr marL="3657600" algn="l" defTabSz="914400" rtl="0" eaLnBrk="1" latinLnBrk="0" hangingPunct="1">
-                  <a:defRPr sz="1800" kern="1200">
-                    <a:solidFill>
-                      <a:schemeClr val="lt1"/>
-                    </a:solidFill>
-                    <a:latin typeface="+mn-lt"/>
-                    <a:ea typeface="+mn-ea"/>
-                    <a:cs typeface="+mn-cs"/>
-                  </a:defRPr>
-                </a:lvl9pPr>
-              </a:lstStyle>
-              <a:p>
-                <a:pPr algn="ctr" defTabSz="1218936"/>
-                <a:r>
-                  <a:rPr lang="en-US" sz="1500" dirty="0">
-                    <a:solidFill>
-                      <a:schemeClr val="bg1">
-                        <a:alpha val="99000"/>
-                      </a:schemeClr>
-                    </a:solidFill>
-                    <a:latin typeface="Segoe UI"/>
-                    <a:ea typeface="Segoe UI" pitchFamily="34" charset="0"/>
-                    <a:cs typeface="Segoe UI" pitchFamily="34" charset="0"/>
-                  </a:rPr>
-                  <a:t>Data</a:t>
-                </a:r>
-              </a:p>
-            </p:txBody>
-          </p:sp>
-          <p:sp>
-            <p:nvSpPr>
-              <p:cNvPr id="14" name="Rectangle 13"/>
-              <p:cNvSpPr/>
-              <p:nvPr/>
-            </p:nvSpPr>
-            <p:spPr>
-              <a:xfrm>
-                <a:off x="1396458" y="2354254"/>
-                <a:ext cx="1638241" cy="381000"/>
-              </a:xfrm>
-              <a:prstGeom prst="rect">
-                <a:avLst/>
-              </a:prstGeom>
-              <a:solidFill>
-                <a:schemeClr val="accent1"/>
-              </a:solidFill>
-              <a:ln w="9525" cap="flat" cmpd="sng" algn="ctr">
-                <a:solidFill>
-                  <a:srgbClr val="FFC000">
-                    <a:shade val="95000"/>
-                    <a:satMod val="105000"/>
-                  </a:srgbClr>
-                </a:solidFill>
-                <a:prstDash val="solid"/>
-              </a:ln>
-              <a:effectLst/>
-            </p:spPr>
-            <p:txBody>
-              <a:bodyPr rtlCol="0" anchor="t" anchorCtr="0"/>
-              <a:lstStyle>
-                <a:defPPr>
-                  <a:defRPr lang="en-US"/>
-                </a:defPPr>
-                <a:lvl1pPr marL="0" algn="l" defTabSz="914400" rtl="0" eaLnBrk="1" latinLnBrk="0" hangingPunct="1">
-                  <a:defRPr sz="1800" kern="1200">
-                    <a:solidFill>
-                      <a:schemeClr val="lt1"/>
-                    </a:solidFill>
-                    <a:latin typeface="+mn-lt"/>
-                    <a:ea typeface="+mn-ea"/>
-                    <a:cs typeface="+mn-cs"/>
-                  </a:defRPr>
-                </a:lvl1pPr>
-                <a:lvl2pPr marL="457200" algn="l" defTabSz="914400" rtl="0" eaLnBrk="1" latinLnBrk="0" hangingPunct="1">
-                  <a:defRPr sz="1800" kern="1200">
-                    <a:solidFill>
-                      <a:schemeClr val="lt1"/>
-                    </a:solidFill>
-                    <a:latin typeface="+mn-lt"/>
-                    <a:ea typeface="+mn-ea"/>
-                    <a:cs typeface="+mn-cs"/>
-                  </a:defRPr>
-                </a:lvl2pPr>
-                <a:lvl3pPr marL="914400" algn="l" defTabSz="914400" rtl="0" eaLnBrk="1" latinLnBrk="0" hangingPunct="1">
-                  <a:defRPr sz="1800" kern="1200">
-                    <a:solidFill>
-                      <a:schemeClr val="lt1"/>
-                    </a:solidFill>
-                    <a:latin typeface="+mn-lt"/>
-                    <a:ea typeface="+mn-ea"/>
-                    <a:cs typeface="+mn-cs"/>
-                  </a:defRPr>
-                </a:lvl3pPr>
-                <a:lvl4pPr marL="1371600" algn="l" defTabSz="914400" rtl="0" eaLnBrk="1" latinLnBrk="0" hangingPunct="1">
-                  <a:defRPr sz="1800" kern="1200">
-                    <a:solidFill>
-                      <a:schemeClr val="lt1"/>
-                    </a:solidFill>
-                    <a:latin typeface="+mn-lt"/>
-                    <a:ea typeface="+mn-ea"/>
-                    <a:cs typeface="+mn-cs"/>
-                  </a:defRPr>
-                </a:lvl4pPr>
-                <a:lvl5pPr marL="1828800" algn="l" defTabSz="914400" rtl="0" eaLnBrk="1" latinLnBrk="0" hangingPunct="1">
-                  <a:defRPr sz="1800" kern="1200">
-                    <a:solidFill>
-                      <a:schemeClr val="lt1"/>
-                    </a:solidFill>
-                    <a:latin typeface="+mn-lt"/>
-                    <a:ea typeface="+mn-ea"/>
-                    <a:cs typeface="+mn-cs"/>
-                  </a:defRPr>
-                </a:lvl5pPr>
-                <a:lvl6pPr marL="2286000" algn="l" defTabSz="914400" rtl="0" eaLnBrk="1" latinLnBrk="0" hangingPunct="1">
-                  <a:defRPr sz="1800" kern="1200">
-                    <a:solidFill>
-                      <a:schemeClr val="lt1"/>
-                    </a:solidFill>
-                    <a:latin typeface="+mn-lt"/>
-                    <a:ea typeface="+mn-ea"/>
-                    <a:cs typeface="+mn-cs"/>
-                  </a:defRPr>
-                </a:lvl6pPr>
-                <a:lvl7pPr marL="2743200" algn="l" defTabSz="914400" rtl="0" eaLnBrk="1" latinLnBrk="0" hangingPunct="1">
-                  <a:defRPr sz="1800" kern="1200">
-                    <a:solidFill>
-                      <a:schemeClr val="lt1"/>
-                    </a:solidFill>
-                    <a:latin typeface="+mn-lt"/>
-                    <a:ea typeface="+mn-ea"/>
-                    <a:cs typeface="+mn-cs"/>
-                  </a:defRPr>
-                </a:lvl7pPr>
-                <a:lvl8pPr marL="3200400" algn="l" defTabSz="914400" rtl="0" eaLnBrk="1" latinLnBrk="0" hangingPunct="1">
-                  <a:defRPr sz="1800" kern="1200">
-                    <a:solidFill>
-                      <a:schemeClr val="lt1"/>
-                    </a:solidFill>
-                    <a:latin typeface="+mn-lt"/>
-                    <a:ea typeface="+mn-ea"/>
-                    <a:cs typeface="+mn-cs"/>
-                  </a:defRPr>
-                </a:lvl8pPr>
-                <a:lvl9pPr marL="3657600" algn="l" defTabSz="914400" rtl="0" eaLnBrk="1" latinLnBrk="0" hangingPunct="1">
-                  <a:defRPr sz="1800" kern="1200">
-                    <a:solidFill>
-                      <a:schemeClr val="lt1"/>
-                    </a:solidFill>
-                    <a:latin typeface="+mn-lt"/>
-                    <a:ea typeface="+mn-ea"/>
-                    <a:cs typeface="+mn-cs"/>
-                  </a:defRPr>
-                </a:lvl9pPr>
-              </a:lstStyle>
-              <a:p>
-                <a:pPr algn="ctr" defTabSz="1218936"/>
-                <a:r>
-                  <a:rPr lang="en-US" sz="1500" dirty="0">
-                    <a:solidFill>
-                      <a:schemeClr val="bg1">
-                        <a:alpha val="99000"/>
-                      </a:schemeClr>
-                    </a:solidFill>
-                    <a:latin typeface="Segoe UI"/>
-                    <a:ea typeface="Segoe UI" pitchFamily="34" charset="0"/>
-                    <a:cs typeface="Segoe UI" pitchFamily="34" charset="0"/>
-                  </a:rPr>
-                  <a:t>Applications</a:t>
-                </a:r>
-              </a:p>
-            </p:txBody>
-          </p:sp>
-          <p:sp>
-            <p:nvSpPr>
-              <p:cNvPr id="15" name="Rectangle 14"/>
-              <p:cNvSpPr/>
-              <p:nvPr/>
-            </p:nvSpPr>
-            <p:spPr>
-              <a:xfrm>
-                <a:off x="1396458" y="3263892"/>
-                <a:ext cx="1638241" cy="381000"/>
-              </a:xfrm>
-              <a:prstGeom prst="rect">
-                <a:avLst/>
-              </a:prstGeom>
-              <a:solidFill>
-                <a:schemeClr val="accent1"/>
-              </a:solidFill>
-              <a:ln w="9525" cap="flat" cmpd="sng" algn="ctr">
-                <a:solidFill>
-                  <a:srgbClr val="FFC000">
-                    <a:shade val="95000"/>
-                    <a:satMod val="105000"/>
-                  </a:srgbClr>
-                </a:solidFill>
-                <a:prstDash val="solid"/>
-              </a:ln>
-              <a:effectLst/>
-            </p:spPr>
-            <p:txBody>
-              <a:bodyPr rtlCol="0" anchor="t" anchorCtr="0"/>
-              <a:lstStyle>
-                <a:defPPr>
-                  <a:defRPr lang="en-US"/>
-                </a:defPPr>
-                <a:lvl1pPr marL="0" algn="l" defTabSz="914400" rtl="0" eaLnBrk="1" latinLnBrk="0" hangingPunct="1">
-                  <a:defRPr sz="1800" kern="1200">
-                    <a:solidFill>
-                      <a:schemeClr val="lt1"/>
-                    </a:solidFill>
-                    <a:latin typeface="+mn-lt"/>
-                    <a:ea typeface="+mn-ea"/>
-                    <a:cs typeface="+mn-cs"/>
-                  </a:defRPr>
-                </a:lvl1pPr>
-                <a:lvl2pPr marL="457200" algn="l" defTabSz="914400" rtl="0" eaLnBrk="1" latinLnBrk="0" hangingPunct="1">
-                  <a:defRPr sz="1800" kern="1200">
-                    <a:solidFill>
-                      <a:schemeClr val="lt1"/>
-                    </a:solidFill>
-                    <a:latin typeface="+mn-lt"/>
-                    <a:ea typeface="+mn-ea"/>
-                    <a:cs typeface="+mn-cs"/>
-                  </a:defRPr>
-                </a:lvl2pPr>
-                <a:lvl3pPr marL="914400" algn="l" defTabSz="914400" rtl="0" eaLnBrk="1" latinLnBrk="0" hangingPunct="1">
-                  <a:defRPr sz="1800" kern="1200">
-                    <a:solidFill>
-                      <a:schemeClr val="lt1"/>
-                    </a:solidFill>
-                    <a:latin typeface="+mn-lt"/>
-                    <a:ea typeface="+mn-ea"/>
-                    <a:cs typeface="+mn-cs"/>
-                  </a:defRPr>
-                </a:lvl3pPr>
-                <a:lvl4pPr marL="1371600" algn="l" defTabSz="914400" rtl="0" eaLnBrk="1" latinLnBrk="0" hangingPunct="1">
-                  <a:defRPr sz="1800" kern="1200">
-                    <a:solidFill>
-                      <a:schemeClr val="lt1"/>
-                    </a:solidFill>
-                    <a:latin typeface="+mn-lt"/>
-                    <a:ea typeface="+mn-ea"/>
-                    <a:cs typeface="+mn-cs"/>
-                  </a:defRPr>
-                </a:lvl4pPr>
-                <a:lvl5pPr marL="1828800" algn="l" defTabSz="914400" rtl="0" eaLnBrk="1" latinLnBrk="0" hangingPunct="1">
-                  <a:defRPr sz="1800" kern="1200">
-                    <a:solidFill>
-                      <a:schemeClr val="lt1"/>
-                    </a:solidFill>
-                    <a:latin typeface="+mn-lt"/>
-                    <a:ea typeface="+mn-ea"/>
-                    <a:cs typeface="+mn-cs"/>
-                  </a:defRPr>
-                </a:lvl5pPr>
-                <a:lvl6pPr marL="2286000" algn="l" defTabSz="914400" rtl="0" eaLnBrk="1" latinLnBrk="0" hangingPunct="1">
-                  <a:defRPr sz="1800" kern="1200">
-                    <a:solidFill>
-                      <a:schemeClr val="lt1"/>
-                    </a:solidFill>
-                    <a:latin typeface="+mn-lt"/>
-                    <a:ea typeface="+mn-ea"/>
-                    <a:cs typeface="+mn-cs"/>
-                  </a:defRPr>
-                </a:lvl6pPr>
-                <a:lvl7pPr marL="2743200" algn="l" defTabSz="914400" rtl="0" eaLnBrk="1" latinLnBrk="0" hangingPunct="1">
-                  <a:defRPr sz="1800" kern="1200">
-                    <a:solidFill>
-                      <a:schemeClr val="lt1"/>
-                    </a:solidFill>
-                    <a:latin typeface="+mn-lt"/>
-                    <a:ea typeface="+mn-ea"/>
-                    <a:cs typeface="+mn-cs"/>
-                  </a:defRPr>
-                </a:lvl7pPr>
-                <a:lvl8pPr marL="3200400" algn="l" defTabSz="914400" rtl="0" eaLnBrk="1" latinLnBrk="0" hangingPunct="1">
-                  <a:defRPr sz="1800" kern="1200">
-                    <a:solidFill>
-                      <a:schemeClr val="lt1"/>
-                    </a:solidFill>
-                    <a:latin typeface="+mn-lt"/>
-                    <a:ea typeface="+mn-ea"/>
-                    <a:cs typeface="+mn-cs"/>
-                  </a:defRPr>
-                </a:lvl8pPr>
-                <a:lvl9pPr marL="3657600" algn="l" defTabSz="914400" rtl="0" eaLnBrk="1" latinLnBrk="0" hangingPunct="1">
-                  <a:defRPr sz="1800" kern="1200">
-                    <a:solidFill>
-                      <a:schemeClr val="lt1"/>
-                    </a:solidFill>
-                    <a:latin typeface="+mn-lt"/>
-                    <a:ea typeface="+mn-ea"/>
-                    <a:cs typeface="+mn-cs"/>
-                  </a:defRPr>
-                </a:lvl9pPr>
-              </a:lstStyle>
-              <a:p>
-                <a:pPr algn="ctr" defTabSz="1218936"/>
-                <a:r>
-                  <a:rPr lang="en-US" sz="1500" dirty="0">
-                    <a:solidFill>
-                      <a:schemeClr val="bg1">
-                        <a:alpha val="99000"/>
-                      </a:schemeClr>
-                    </a:solidFill>
-                    <a:latin typeface="Segoe UI"/>
-                    <a:ea typeface="Segoe UI" pitchFamily="34" charset="0"/>
-                    <a:cs typeface="Segoe UI" pitchFamily="34" charset="0"/>
-                  </a:rPr>
-                  <a:t>Runtime</a:t>
-                </a:r>
-              </a:p>
-            </p:txBody>
-          </p:sp>
-          <p:sp>
-            <p:nvSpPr>
-              <p:cNvPr id="16" name="TextBox 52"/>
-              <p:cNvSpPr txBox="1"/>
-              <p:nvPr/>
-            </p:nvSpPr>
-            <p:spPr>
-              <a:xfrm>
-                <a:off x="855665" y="3820893"/>
-                <a:ext cx="400110" cy="1070421"/>
-              </a:xfrm>
-              <a:prstGeom prst="rect">
-                <a:avLst/>
-              </a:prstGeom>
-              <a:noFill/>
-            </p:spPr>
-            <p:txBody>
-              <a:bodyPr vert="vert270" wrap="none" rtlCol="0">
-                <a:spAutoFit/>
-              </a:bodyPr>
-              <a:lstStyle>
-                <a:defPPr>
-                  <a:defRPr lang="en-US"/>
-                </a:defPPr>
-                <a:lvl1pPr marL="0" algn="l" defTabSz="914400" rtl="0" eaLnBrk="1" latinLnBrk="0" hangingPunct="1">
-                  <a:defRPr sz="1800" kern="1200">
-                    <a:solidFill>
-                      <a:schemeClr val="tx1"/>
-                    </a:solidFill>
-                    <a:latin typeface="+mn-lt"/>
-                    <a:ea typeface="+mn-ea"/>
-                    <a:cs typeface="+mn-cs"/>
-                  </a:defRPr>
-                </a:lvl1pPr>
-                <a:lvl2pPr marL="457200" algn="l" defTabSz="914400" rtl="0" eaLnBrk="1" latinLnBrk="0" hangingPunct="1">
-                  <a:defRPr sz="1800" kern="1200">
-                    <a:solidFill>
-                      <a:schemeClr val="tx1"/>
-                    </a:solidFill>
-                    <a:latin typeface="+mn-lt"/>
-                    <a:ea typeface="+mn-ea"/>
-                    <a:cs typeface="+mn-cs"/>
-                  </a:defRPr>
-                </a:lvl2pPr>
-                <a:lvl3pPr marL="914400" algn="l" defTabSz="914400" rtl="0" eaLnBrk="1" latinLnBrk="0" hangingPunct="1">
-                  <a:defRPr sz="1800" kern="1200">
-                    <a:solidFill>
-                      <a:schemeClr val="tx1"/>
-                    </a:solidFill>
-                    <a:latin typeface="+mn-lt"/>
-                    <a:ea typeface="+mn-ea"/>
-                    <a:cs typeface="+mn-cs"/>
-                  </a:defRPr>
-                </a:lvl3pPr>
-                <a:lvl4pPr marL="1371600" algn="l" defTabSz="914400" rtl="0" eaLnBrk="1" latinLnBrk="0" hangingPunct="1">
-                  <a:defRPr sz="1800" kern="1200">
-                    <a:solidFill>
-                      <a:schemeClr val="tx1"/>
-                    </a:solidFill>
-                    <a:latin typeface="+mn-lt"/>
-                    <a:ea typeface="+mn-ea"/>
-                    <a:cs typeface="+mn-cs"/>
-                  </a:defRPr>
-                </a:lvl4pPr>
-                <a:lvl5pPr marL="1828800" algn="l" defTabSz="914400" rtl="0" eaLnBrk="1" latinLnBrk="0" hangingPunct="1">
-                  <a:defRPr sz="1800" kern="1200">
-                    <a:solidFill>
-                      <a:schemeClr val="tx1"/>
-                    </a:solidFill>
-                    <a:latin typeface="+mn-lt"/>
-                    <a:ea typeface="+mn-ea"/>
-                    <a:cs typeface="+mn-cs"/>
-                  </a:defRPr>
-                </a:lvl5pPr>
-                <a:lvl6pPr marL="2286000" algn="l" defTabSz="914400" rtl="0" eaLnBrk="1" latinLnBrk="0" hangingPunct="1">
-                  <a:defRPr sz="1800" kern="1200">
-                    <a:solidFill>
-                      <a:schemeClr val="tx1"/>
-                    </a:solidFill>
-                    <a:latin typeface="+mn-lt"/>
-                    <a:ea typeface="+mn-ea"/>
-                    <a:cs typeface="+mn-cs"/>
-                  </a:defRPr>
-                </a:lvl6pPr>
-                <a:lvl7pPr marL="2743200" algn="l" defTabSz="914400" rtl="0" eaLnBrk="1" latinLnBrk="0" hangingPunct="1">
-                  <a:defRPr sz="1800" kern="1200">
-                    <a:solidFill>
-                      <a:schemeClr val="tx1"/>
-                    </a:solidFill>
-                    <a:latin typeface="+mn-lt"/>
-                    <a:ea typeface="+mn-ea"/>
-                    <a:cs typeface="+mn-cs"/>
-                  </a:defRPr>
-                </a:lvl7pPr>
-                <a:lvl8pPr marL="3200400" algn="l" defTabSz="914400" rtl="0" eaLnBrk="1" latinLnBrk="0" hangingPunct="1">
-                  <a:defRPr sz="1800" kern="1200">
-                    <a:solidFill>
-                      <a:schemeClr val="tx1"/>
-                    </a:solidFill>
-                    <a:latin typeface="+mn-lt"/>
-                    <a:ea typeface="+mn-ea"/>
-                    <a:cs typeface="+mn-cs"/>
-                  </a:defRPr>
-                </a:lvl8pPr>
-                <a:lvl9pPr marL="3657600" algn="l" defTabSz="914400" rtl="0" eaLnBrk="1" latinLnBrk="0" hangingPunct="1">
-                  <a:defRPr sz="1800" kern="1200">
-                    <a:solidFill>
-                      <a:schemeClr val="tx1"/>
-                    </a:solidFill>
-                    <a:latin typeface="+mn-lt"/>
-                    <a:ea typeface="+mn-ea"/>
-                    <a:cs typeface="+mn-cs"/>
-                  </a:defRPr>
-                </a:lvl9pPr>
-              </a:lstStyle>
-              <a:p>
-                <a:pPr marL="0" lvl="1" algn="ctr" defTabSz="1218836" fontAlgn="base">
-                  <a:spcAft>
-                    <a:spcPct val="0"/>
-                  </a:spcAft>
-                </a:pPr>
-                <a:r>
-                  <a:rPr lang="en-US" sz="1400" dirty="0">
-                    <a:solidFill>
-                      <a:srgbClr val="595959">
-                        <a:alpha val="99000"/>
-                      </a:srgbClr>
-                    </a:solidFill>
-                    <a:ea typeface="Kozuka Gothic Pro R" pitchFamily="34" charset="-128"/>
-                  </a:rPr>
-                  <a:t>You manage</a:t>
-                </a:r>
-              </a:p>
-            </p:txBody>
-          </p:sp>
-        </p:grpSp>
-        <p:sp>
-          <p:nvSpPr>
             <p:cNvPr id="17" name="Rectangle 16"/>
             <p:cNvSpPr/>
             <p:nvPr/>
           </p:nvSpPr>
           <p:spPr>
             <a:xfrm>
-              <a:off x="4380302" y="1329077"/>
-              <a:ext cx="2108505" cy="640080"/>
+              <a:off x="1356518" y="1319029"/>
+              <a:ext cx="1866772" cy="640080"/>
             </a:xfrm>
             <a:prstGeom prst="rect">
               <a:avLst/>
@@ -24111,7 +22357,7 @@
             <a:effectLst/>
           </p:spPr>
           <p:txBody>
-            <a:bodyPr tIns="0" bIns="0" rtlCol="0" anchor="t" anchorCtr="0"/>
+            <a:bodyPr lIns="0" tIns="0" rIns="0" bIns="0" rtlCol="0" anchor="t" anchorCtr="0"/>
             <a:lstStyle>
               <a:defPPr>
                 <a:defRPr lang="en-US"/>
@@ -24214,7 +22460,7 @@
                 </a:spcAft>
               </a:pPr>
               <a:r>
-                <a:rPr lang="en-US" sz="2000" dirty="0">
+                <a:rPr lang="en-US" sz="2000" dirty="0" smtClean="0">
                   <a:solidFill>
                     <a:srgbClr val="595959">
                       <a:alpha val="99000"/>
@@ -24222,34 +22468,9 @@
                   </a:solidFill>
                   <a:ea typeface="Kozuka Gothic Pro R" pitchFamily="34" charset="-128"/>
                 </a:rPr>
-                <a:t>Infrastructure</a:t>
+                <a:t>Traditional Software</a:t>
               </a:r>
-            </a:p>
-            <a:p>
-              <a:pPr defTabSz="1218936"/>
-              <a:r>
-                <a:rPr lang="en-US" sz="1600" dirty="0">
-                  <a:solidFill>
-                    <a:srgbClr val="595959">
-                      <a:alpha val="99000"/>
-                    </a:srgbClr>
-                  </a:solidFill>
-                  <a:ea typeface="Kozuka Gothic Pro R" pitchFamily="34" charset="-128"/>
-                </a:rPr>
-                <a:t>(as a Service</a:t>
-              </a:r>
-              <a:r>
-                <a:rPr lang="en-US" sz="1600" dirty="0" smtClean="0">
-                  <a:solidFill>
-                    <a:srgbClr val="595959">
-                      <a:alpha val="99000"/>
-                    </a:srgbClr>
-                  </a:solidFill>
-                  <a:ea typeface="Kozuka Gothic Pro R" pitchFamily="34" charset="-128"/>
-                </a:rPr>
-                <a:t>) (IaaS)</a:t>
-              </a:r>
-              <a:endParaRPr lang="en-US" sz="1600" dirty="0">
+              <a:endParaRPr lang="en-US" sz="2000" dirty="0">
                 <a:solidFill>
                   <a:srgbClr val="595959">
                     <a:alpha val="99000"/>
@@ -24268,448 +22489,7 @@
           </p:nvSpPr>
           <p:spPr>
             <a:xfrm>
-              <a:off x="4410447" y="5273647"/>
-              <a:ext cx="1638241" cy="381000"/>
-            </a:xfrm>
-            <a:prstGeom prst="rect">
-              <a:avLst/>
-            </a:prstGeom>
-            <a:ln/>
-          </p:spPr>
-          <p:style>
-            <a:lnRef idx="2">
-              <a:schemeClr val="accent2">
-                <a:shade val="50000"/>
-              </a:schemeClr>
-            </a:lnRef>
-            <a:fillRef idx="1">
-              <a:schemeClr val="accent2"/>
-            </a:fillRef>
-            <a:effectRef idx="0">
-              <a:schemeClr val="accent2"/>
-            </a:effectRef>
-            <a:fontRef idx="minor">
-              <a:schemeClr val="lt1"/>
-            </a:fontRef>
-          </p:style>
-          <p:txBody>
-            <a:bodyPr rtlCol="0" anchor="t" anchorCtr="0"/>
-            <a:lstStyle>
-              <a:defPPr>
-                <a:defRPr lang="en-US"/>
-              </a:defPPr>
-              <a:lvl1pPr marL="0" algn="l" defTabSz="914400" rtl="0" eaLnBrk="1" latinLnBrk="0" hangingPunct="1">
-                <a:defRPr sz="1800" kern="1200">
-                  <a:solidFill>
-                    <a:schemeClr val="dk1"/>
-                  </a:solidFill>
-                  <a:latin typeface="+mn-lt"/>
-                  <a:ea typeface="+mn-ea"/>
-                  <a:cs typeface="+mn-cs"/>
-                </a:defRPr>
-              </a:lvl1pPr>
-              <a:lvl2pPr marL="457200" algn="l" defTabSz="914400" rtl="0" eaLnBrk="1" latinLnBrk="0" hangingPunct="1">
-                <a:defRPr sz="1800" kern="1200">
-                  <a:solidFill>
-                    <a:schemeClr val="dk1"/>
-                  </a:solidFill>
-                  <a:latin typeface="+mn-lt"/>
-                  <a:ea typeface="+mn-ea"/>
-                  <a:cs typeface="+mn-cs"/>
-                </a:defRPr>
-              </a:lvl2pPr>
-              <a:lvl3pPr marL="914400" algn="l" defTabSz="914400" rtl="0" eaLnBrk="1" latinLnBrk="0" hangingPunct="1">
-                <a:defRPr sz="1800" kern="1200">
-                  <a:solidFill>
-                    <a:schemeClr val="dk1"/>
-                  </a:solidFill>
-                  <a:latin typeface="+mn-lt"/>
-                  <a:ea typeface="+mn-ea"/>
-                  <a:cs typeface="+mn-cs"/>
-                </a:defRPr>
-              </a:lvl3pPr>
-              <a:lvl4pPr marL="1371600" algn="l" defTabSz="914400" rtl="0" eaLnBrk="1" latinLnBrk="0" hangingPunct="1">
-                <a:defRPr sz="1800" kern="1200">
-                  <a:solidFill>
-                    <a:schemeClr val="dk1"/>
-                  </a:solidFill>
-                  <a:latin typeface="+mn-lt"/>
-                  <a:ea typeface="+mn-ea"/>
-                  <a:cs typeface="+mn-cs"/>
-                </a:defRPr>
-              </a:lvl4pPr>
-              <a:lvl5pPr marL="1828800" algn="l" defTabSz="914400" rtl="0" eaLnBrk="1" latinLnBrk="0" hangingPunct="1">
-                <a:defRPr sz="1800" kern="1200">
-                  <a:solidFill>
-                    <a:schemeClr val="dk1"/>
-                  </a:solidFill>
-                  <a:latin typeface="+mn-lt"/>
-                  <a:ea typeface="+mn-ea"/>
-                  <a:cs typeface="+mn-cs"/>
-                </a:defRPr>
-              </a:lvl5pPr>
-              <a:lvl6pPr marL="2286000" algn="l" defTabSz="914400" rtl="0" eaLnBrk="1" latinLnBrk="0" hangingPunct="1">
-                <a:defRPr sz="1800" kern="1200">
-                  <a:solidFill>
-                    <a:schemeClr val="dk1"/>
-                  </a:solidFill>
-                  <a:latin typeface="+mn-lt"/>
-                  <a:ea typeface="+mn-ea"/>
-                  <a:cs typeface="+mn-cs"/>
-                </a:defRPr>
-              </a:lvl6pPr>
-              <a:lvl7pPr marL="2743200" algn="l" defTabSz="914400" rtl="0" eaLnBrk="1" latinLnBrk="0" hangingPunct="1">
-                <a:defRPr sz="1800" kern="1200">
-                  <a:solidFill>
-                    <a:schemeClr val="dk1"/>
-                  </a:solidFill>
-                  <a:latin typeface="+mn-lt"/>
-                  <a:ea typeface="+mn-ea"/>
-                  <a:cs typeface="+mn-cs"/>
-                </a:defRPr>
-              </a:lvl7pPr>
-              <a:lvl8pPr marL="3200400" algn="l" defTabSz="914400" rtl="0" eaLnBrk="1" latinLnBrk="0" hangingPunct="1">
-                <a:defRPr sz="1800" kern="1200">
-                  <a:solidFill>
-                    <a:schemeClr val="dk1"/>
-                  </a:solidFill>
-                  <a:latin typeface="+mn-lt"/>
-                  <a:ea typeface="+mn-ea"/>
-                  <a:cs typeface="+mn-cs"/>
-                </a:defRPr>
-              </a:lvl8pPr>
-              <a:lvl9pPr marL="3657600" algn="l" defTabSz="914400" rtl="0" eaLnBrk="1" latinLnBrk="0" hangingPunct="1">
-                <a:defRPr sz="1800" kern="1200">
-                  <a:solidFill>
-                    <a:schemeClr val="dk1"/>
-                  </a:solidFill>
-                  <a:latin typeface="+mn-lt"/>
-                  <a:ea typeface="+mn-ea"/>
-                  <a:cs typeface="+mn-cs"/>
-                </a:defRPr>
-              </a:lvl9pPr>
-            </a:lstStyle>
-            <a:p>
-              <a:pPr algn="ctr" defTabSz="1218936"/>
-              <a:r>
-                <a:rPr lang="en-US" sz="1500" dirty="0">
-                  <a:solidFill>
-                    <a:schemeClr val="bg1">
-                      <a:alpha val="99000"/>
-                    </a:schemeClr>
-                  </a:solidFill>
-                  <a:latin typeface="Segoe UI"/>
-                  <a:ea typeface="Segoe UI" pitchFamily="34" charset="0"/>
-                  <a:cs typeface="Segoe UI" pitchFamily="34" charset="0"/>
-                </a:rPr>
-                <a:t>Storage</a:t>
-              </a:r>
-            </a:p>
-          </p:txBody>
-        </p:sp>
-        <p:sp>
-          <p:nvSpPr>
-            <p:cNvPr id="19" name="Rectangle 18"/>
-            <p:cNvSpPr/>
-            <p:nvPr/>
-          </p:nvSpPr>
-          <p:spPr>
-            <a:xfrm>
-              <a:off x="4410447" y="4818828"/>
-              <a:ext cx="1638241" cy="381000"/>
-            </a:xfrm>
-            <a:prstGeom prst="rect">
-              <a:avLst/>
-            </a:prstGeom>
-            <a:ln/>
-          </p:spPr>
-          <p:style>
-            <a:lnRef idx="2">
-              <a:schemeClr val="accent2">
-                <a:shade val="50000"/>
-              </a:schemeClr>
-            </a:lnRef>
-            <a:fillRef idx="1">
-              <a:schemeClr val="accent2"/>
-            </a:fillRef>
-            <a:effectRef idx="0">
-              <a:schemeClr val="accent2"/>
-            </a:effectRef>
-            <a:fontRef idx="minor">
-              <a:schemeClr val="lt1"/>
-            </a:fontRef>
-          </p:style>
-          <p:txBody>
-            <a:bodyPr rtlCol="0" anchor="t" anchorCtr="0"/>
-            <a:lstStyle>
-              <a:defPPr>
-                <a:defRPr lang="en-US"/>
-              </a:defPPr>
-              <a:lvl1pPr marL="0" algn="l" defTabSz="914400" rtl="0" eaLnBrk="1" latinLnBrk="0" hangingPunct="1">
-                <a:defRPr sz="1800" kern="1200">
-                  <a:solidFill>
-                    <a:schemeClr val="dk1"/>
-                  </a:solidFill>
-                  <a:latin typeface="+mn-lt"/>
-                  <a:ea typeface="+mn-ea"/>
-                  <a:cs typeface="+mn-cs"/>
-                </a:defRPr>
-              </a:lvl1pPr>
-              <a:lvl2pPr marL="457200" algn="l" defTabSz="914400" rtl="0" eaLnBrk="1" latinLnBrk="0" hangingPunct="1">
-                <a:defRPr sz="1800" kern="1200">
-                  <a:solidFill>
-                    <a:schemeClr val="dk1"/>
-                  </a:solidFill>
-                  <a:latin typeface="+mn-lt"/>
-                  <a:ea typeface="+mn-ea"/>
-                  <a:cs typeface="+mn-cs"/>
-                </a:defRPr>
-              </a:lvl2pPr>
-              <a:lvl3pPr marL="914400" algn="l" defTabSz="914400" rtl="0" eaLnBrk="1" latinLnBrk="0" hangingPunct="1">
-                <a:defRPr sz="1800" kern="1200">
-                  <a:solidFill>
-                    <a:schemeClr val="dk1"/>
-                  </a:solidFill>
-                  <a:latin typeface="+mn-lt"/>
-                  <a:ea typeface="+mn-ea"/>
-                  <a:cs typeface="+mn-cs"/>
-                </a:defRPr>
-              </a:lvl3pPr>
-              <a:lvl4pPr marL="1371600" algn="l" defTabSz="914400" rtl="0" eaLnBrk="1" latinLnBrk="0" hangingPunct="1">
-                <a:defRPr sz="1800" kern="1200">
-                  <a:solidFill>
-                    <a:schemeClr val="dk1"/>
-                  </a:solidFill>
-                  <a:latin typeface="+mn-lt"/>
-                  <a:ea typeface="+mn-ea"/>
-                  <a:cs typeface="+mn-cs"/>
-                </a:defRPr>
-              </a:lvl4pPr>
-              <a:lvl5pPr marL="1828800" algn="l" defTabSz="914400" rtl="0" eaLnBrk="1" latinLnBrk="0" hangingPunct="1">
-                <a:defRPr sz="1800" kern="1200">
-                  <a:solidFill>
-                    <a:schemeClr val="dk1"/>
-                  </a:solidFill>
-                  <a:latin typeface="+mn-lt"/>
-                  <a:ea typeface="+mn-ea"/>
-                  <a:cs typeface="+mn-cs"/>
-                </a:defRPr>
-              </a:lvl5pPr>
-              <a:lvl6pPr marL="2286000" algn="l" defTabSz="914400" rtl="0" eaLnBrk="1" latinLnBrk="0" hangingPunct="1">
-                <a:defRPr sz="1800" kern="1200">
-                  <a:solidFill>
-                    <a:schemeClr val="dk1"/>
-                  </a:solidFill>
-                  <a:latin typeface="+mn-lt"/>
-                  <a:ea typeface="+mn-ea"/>
-                  <a:cs typeface="+mn-cs"/>
-                </a:defRPr>
-              </a:lvl6pPr>
-              <a:lvl7pPr marL="2743200" algn="l" defTabSz="914400" rtl="0" eaLnBrk="1" latinLnBrk="0" hangingPunct="1">
-                <a:defRPr sz="1800" kern="1200">
-                  <a:solidFill>
-                    <a:schemeClr val="dk1"/>
-                  </a:solidFill>
-                  <a:latin typeface="+mn-lt"/>
-                  <a:ea typeface="+mn-ea"/>
-                  <a:cs typeface="+mn-cs"/>
-                </a:defRPr>
-              </a:lvl7pPr>
-              <a:lvl8pPr marL="3200400" algn="l" defTabSz="914400" rtl="0" eaLnBrk="1" latinLnBrk="0" hangingPunct="1">
-                <a:defRPr sz="1800" kern="1200">
-                  <a:solidFill>
-                    <a:schemeClr val="dk1"/>
-                  </a:solidFill>
-                  <a:latin typeface="+mn-lt"/>
-                  <a:ea typeface="+mn-ea"/>
-                  <a:cs typeface="+mn-cs"/>
-                </a:defRPr>
-              </a:lvl8pPr>
-              <a:lvl9pPr marL="3657600" algn="l" defTabSz="914400" rtl="0" eaLnBrk="1" latinLnBrk="0" hangingPunct="1">
-                <a:defRPr sz="1800" kern="1200">
-                  <a:solidFill>
-                    <a:schemeClr val="dk1"/>
-                  </a:solidFill>
-                  <a:latin typeface="+mn-lt"/>
-                  <a:ea typeface="+mn-ea"/>
-                  <a:cs typeface="+mn-cs"/>
-                </a:defRPr>
-              </a:lvl9pPr>
-            </a:lstStyle>
-            <a:p>
-              <a:pPr algn="ctr" defTabSz="1218936"/>
-              <a:r>
-                <a:rPr lang="en-US" sz="1500" dirty="0">
-                  <a:solidFill>
-                    <a:schemeClr val="bg1">
-                      <a:alpha val="99000"/>
-                    </a:schemeClr>
-                  </a:solidFill>
-                  <a:latin typeface="Segoe UI"/>
-                  <a:ea typeface="Segoe UI" pitchFamily="34" charset="0"/>
-                  <a:cs typeface="Segoe UI" pitchFamily="34" charset="0"/>
-                </a:rPr>
-                <a:t>Servers</a:t>
-              </a:r>
-            </a:p>
-          </p:txBody>
-        </p:sp>
-        <p:sp>
-          <p:nvSpPr>
-            <p:cNvPr id="20" name="Rectangle 19"/>
-            <p:cNvSpPr/>
-            <p:nvPr/>
-          </p:nvSpPr>
-          <p:spPr>
-            <a:xfrm>
-              <a:off x="4410447" y="5728464"/>
-              <a:ext cx="1638241" cy="381000"/>
-            </a:xfrm>
-            <a:prstGeom prst="rect">
-              <a:avLst/>
-            </a:prstGeom>
-            <a:ln/>
-          </p:spPr>
-          <p:style>
-            <a:lnRef idx="2">
-              <a:schemeClr val="accent2">
-                <a:shade val="50000"/>
-              </a:schemeClr>
-            </a:lnRef>
-            <a:fillRef idx="1">
-              <a:schemeClr val="accent2"/>
-            </a:fillRef>
-            <a:effectRef idx="0">
-              <a:schemeClr val="accent2"/>
-            </a:effectRef>
-            <a:fontRef idx="minor">
-              <a:schemeClr val="lt1"/>
-            </a:fontRef>
-          </p:style>
-          <p:txBody>
-            <a:bodyPr rtlCol="0" anchor="t" anchorCtr="0"/>
-            <a:lstStyle>
-              <a:defPPr>
-                <a:defRPr lang="en-US"/>
-              </a:defPPr>
-              <a:lvl1pPr marL="0" algn="l" defTabSz="914400" rtl="0" eaLnBrk="1" latinLnBrk="0" hangingPunct="1">
-                <a:defRPr sz="1800" kern="1200">
-                  <a:solidFill>
-                    <a:schemeClr val="dk1"/>
-                  </a:solidFill>
-                  <a:latin typeface="+mn-lt"/>
-                  <a:ea typeface="+mn-ea"/>
-                  <a:cs typeface="+mn-cs"/>
-                </a:defRPr>
-              </a:lvl1pPr>
-              <a:lvl2pPr marL="457200" algn="l" defTabSz="914400" rtl="0" eaLnBrk="1" latinLnBrk="0" hangingPunct="1">
-                <a:defRPr sz="1800" kern="1200">
-                  <a:solidFill>
-                    <a:schemeClr val="dk1"/>
-                  </a:solidFill>
-                  <a:latin typeface="+mn-lt"/>
-                  <a:ea typeface="+mn-ea"/>
-                  <a:cs typeface="+mn-cs"/>
-                </a:defRPr>
-              </a:lvl2pPr>
-              <a:lvl3pPr marL="914400" algn="l" defTabSz="914400" rtl="0" eaLnBrk="1" latinLnBrk="0" hangingPunct="1">
-                <a:defRPr sz="1800" kern="1200">
-                  <a:solidFill>
-                    <a:schemeClr val="dk1"/>
-                  </a:solidFill>
-                  <a:latin typeface="+mn-lt"/>
-                  <a:ea typeface="+mn-ea"/>
-                  <a:cs typeface="+mn-cs"/>
-                </a:defRPr>
-              </a:lvl3pPr>
-              <a:lvl4pPr marL="1371600" algn="l" defTabSz="914400" rtl="0" eaLnBrk="1" latinLnBrk="0" hangingPunct="1">
-                <a:defRPr sz="1800" kern="1200">
-                  <a:solidFill>
-                    <a:schemeClr val="dk1"/>
-                  </a:solidFill>
-                  <a:latin typeface="+mn-lt"/>
-                  <a:ea typeface="+mn-ea"/>
-                  <a:cs typeface="+mn-cs"/>
-                </a:defRPr>
-              </a:lvl4pPr>
-              <a:lvl5pPr marL="1828800" algn="l" defTabSz="914400" rtl="0" eaLnBrk="1" latinLnBrk="0" hangingPunct="1">
-                <a:defRPr sz="1800" kern="1200">
-                  <a:solidFill>
-                    <a:schemeClr val="dk1"/>
-                  </a:solidFill>
-                  <a:latin typeface="+mn-lt"/>
-                  <a:ea typeface="+mn-ea"/>
-                  <a:cs typeface="+mn-cs"/>
-                </a:defRPr>
-              </a:lvl5pPr>
-              <a:lvl6pPr marL="2286000" algn="l" defTabSz="914400" rtl="0" eaLnBrk="1" latinLnBrk="0" hangingPunct="1">
-                <a:defRPr sz="1800" kern="1200">
-                  <a:solidFill>
-                    <a:schemeClr val="dk1"/>
-                  </a:solidFill>
-                  <a:latin typeface="+mn-lt"/>
-                  <a:ea typeface="+mn-ea"/>
-                  <a:cs typeface="+mn-cs"/>
-                </a:defRPr>
-              </a:lvl6pPr>
-              <a:lvl7pPr marL="2743200" algn="l" defTabSz="914400" rtl="0" eaLnBrk="1" latinLnBrk="0" hangingPunct="1">
-                <a:defRPr sz="1800" kern="1200">
-                  <a:solidFill>
-                    <a:schemeClr val="dk1"/>
-                  </a:solidFill>
-                  <a:latin typeface="+mn-lt"/>
-                  <a:ea typeface="+mn-ea"/>
-                  <a:cs typeface="+mn-cs"/>
-                </a:defRPr>
-              </a:lvl7pPr>
-              <a:lvl8pPr marL="3200400" algn="l" defTabSz="914400" rtl="0" eaLnBrk="1" latinLnBrk="0" hangingPunct="1">
-                <a:defRPr sz="1800" kern="1200">
-                  <a:solidFill>
-                    <a:schemeClr val="dk1"/>
-                  </a:solidFill>
-                  <a:latin typeface="+mn-lt"/>
-                  <a:ea typeface="+mn-ea"/>
-                  <a:cs typeface="+mn-cs"/>
-                </a:defRPr>
-              </a:lvl8pPr>
-              <a:lvl9pPr marL="3657600" algn="l" defTabSz="914400" rtl="0" eaLnBrk="1" latinLnBrk="0" hangingPunct="1">
-                <a:defRPr sz="1800" kern="1200">
-                  <a:solidFill>
-                    <a:schemeClr val="dk1"/>
-                  </a:solidFill>
-                  <a:latin typeface="+mn-lt"/>
-                  <a:ea typeface="+mn-ea"/>
-                  <a:cs typeface="+mn-cs"/>
-                </a:defRPr>
-              </a:lvl9pPr>
-            </a:lstStyle>
-            <a:p>
-              <a:pPr algn="ctr" defTabSz="1218936"/>
-              <a:r>
-                <a:rPr lang="en-US" sz="1500" dirty="0">
-                  <a:solidFill>
-                    <a:schemeClr val="bg1">
-                      <a:alpha val="99000"/>
-                    </a:schemeClr>
-                  </a:solidFill>
-                  <a:latin typeface="Segoe UI"/>
-                  <a:ea typeface="Segoe UI" pitchFamily="34" charset="0"/>
-                  <a:cs typeface="Segoe UI" pitchFamily="34" charset="0"/>
-                </a:rPr>
-                <a:t>Networking</a:t>
-              </a:r>
-            </a:p>
-          </p:txBody>
-        </p:sp>
-        <p:sp>
-          <p:nvSpPr>
-            <p:cNvPr id="21" name="Rectangle 20"/>
-            <p:cNvSpPr/>
-            <p:nvPr/>
-          </p:nvSpPr>
-          <p:spPr>
-            <a:xfrm>
-              <a:off x="4410447" y="3909190"/>
+              <a:off x="1336170" y="5273643"/>
               <a:ext cx="1638241" cy="381000"/>
             </a:xfrm>
             <a:prstGeom prst="rect">
@@ -24731,7 +22511,101 @@
           </p:spPr>
           <p:txBody>
             <a:bodyPr rtlCol="0" anchor="t" anchorCtr="0"/>
-            <a:lstStyle/>
+            <a:lstStyle>
+              <a:defPPr>
+                <a:defRPr lang="en-US"/>
+              </a:defPPr>
+              <a:lvl1pPr marL="0" algn="l" defTabSz="914400" rtl="0" eaLnBrk="1" latinLnBrk="0" hangingPunct="1">
+                <a:defRPr sz="1800" kern="1200">
+                  <a:solidFill>
+                    <a:schemeClr val="lt1"/>
+                  </a:solidFill>
+                  <a:latin typeface="+mn-lt"/>
+                  <a:ea typeface="+mn-ea"/>
+                  <a:cs typeface="+mn-cs"/>
+                </a:defRPr>
+              </a:lvl1pPr>
+              <a:lvl2pPr marL="457200" algn="l" defTabSz="914400" rtl="0" eaLnBrk="1" latinLnBrk="0" hangingPunct="1">
+                <a:defRPr sz="1800" kern="1200">
+                  <a:solidFill>
+                    <a:schemeClr val="lt1"/>
+                  </a:solidFill>
+                  <a:latin typeface="+mn-lt"/>
+                  <a:ea typeface="+mn-ea"/>
+                  <a:cs typeface="+mn-cs"/>
+                </a:defRPr>
+              </a:lvl2pPr>
+              <a:lvl3pPr marL="914400" algn="l" defTabSz="914400" rtl="0" eaLnBrk="1" latinLnBrk="0" hangingPunct="1">
+                <a:defRPr sz="1800" kern="1200">
+                  <a:solidFill>
+                    <a:schemeClr val="lt1"/>
+                  </a:solidFill>
+                  <a:latin typeface="+mn-lt"/>
+                  <a:ea typeface="+mn-ea"/>
+                  <a:cs typeface="+mn-cs"/>
+                </a:defRPr>
+              </a:lvl3pPr>
+              <a:lvl4pPr marL="1371600" algn="l" defTabSz="914400" rtl="0" eaLnBrk="1" latinLnBrk="0" hangingPunct="1">
+                <a:defRPr sz="1800" kern="1200">
+                  <a:solidFill>
+                    <a:schemeClr val="lt1"/>
+                  </a:solidFill>
+                  <a:latin typeface="+mn-lt"/>
+                  <a:ea typeface="+mn-ea"/>
+                  <a:cs typeface="+mn-cs"/>
+                </a:defRPr>
+              </a:lvl4pPr>
+              <a:lvl5pPr marL="1828800" algn="l" defTabSz="914400" rtl="0" eaLnBrk="1" latinLnBrk="0" hangingPunct="1">
+                <a:defRPr sz="1800" kern="1200">
+                  <a:solidFill>
+                    <a:schemeClr val="lt1"/>
+                  </a:solidFill>
+                  <a:latin typeface="+mn-lt"/>
+                  <a:ea typeface="+mn-ea"/>
+                  <a:cs typeface="+mn-cs"/>
+                </a:defRPr>
+              </a:lvl5pPr>
+              <a:lvl6pPr marL="2286000" algn="l" defTabSz="914400" rtl="0" eaLnBrk="1" latinLnBrk="0" hangingPunct="1">
+                <a:defRPr sz="1800" kern="1200">
+                  <a:solidFill>
+                    <a:schemeClr val="lt1"/>
+                  </a:solidFill>
+                  <a:latin typeface="+mn-lt"/>
+                  <a:ea typeface="+mn-ea"/>
+                  <a:cs typeface="+mn-cs"/>
+                </a:defRPr>
+              </a:lvl6pPr>
+              <a:lvl7pPr marL="2743200" algn="l" defTabSz="914400" rtl="0" eaLnBrk="1" latinLnBrk="0" hangingPunct="1">
+                <a:defRPr sz="1800" kern="1200">
+                  <a:solidFill>
+                    <a:schemeClr val="lt1"/>
+                  </a:solidFill>
+                  <a:latin typeface="+mn-lt"/>
+                  <a:ea typeface="+mn-ea"/>
+                  <a:cs typeface="+mn-cs"/>
+                </a:defRPr>
+              </a:lvl7pPr>
+              <a:lvl8pPr marL="3200400" algn="l" defTabSz="914400" rtl="0" eaLnBrk="1" latinLnBrk="0" hangingPunct="1">
+                <a:defRPr sz="1800" kern="1200">
+                  <a:solidFill>
+                    <a:schemeClr val="lt1"/>
+                  </a:solidFill>
+                  <a:latin typeface="+mn-lt"/>
+                  <a:ea typeface="+mn-ea"/>
+                  <a:cs typeface="+mn-cs"/>
+                </a:defRPr>
+              </a:lvl8pPr>
+              <a:lvl9pPr marL="3657600" algn="l" defTabSz="914400" rtl="0" eaLnBrk="1" latinLnBrk="0" hangingPunct="1">
+                <a:defRPr sz="1800" kern="1200">
+                  <a:solidFill>
+                    <a:schemeClr val="lt1"/>
+                  </a:solidFill>
+                  <a:latin typeface="+mn-lt"/>
+                  <a:ea typeface="+mn-ea"/>
+                  <a:cs typeface="+mn-cs"/>
+                </a:defRPr>
+              </a:lvl9pPr>
+            </a:lstStyle>
             <a:p>
               <a:pPr algn="ctr" defTabSz="1218936"/>
               <a:r>
@@ -24745,20 +22619,20 @@
                   <a:ea typeface="Segoe UI" pitchFamily="34" charset="0"/>
                   <a:cs typeface="Segoe UI" pitchFamily="34" charset="0"/>
                 </a:rPr>
-                <a:t>O/S</a:t>
+                <a:t>Storage</a:t>
               </a:r>
             </a:p>
           </p:txBody>
         </p:sp>
         <p:sp>
           <p:nvSpPr>
-            <p:cNvPr id="22" name="Rectangle 21"/>
+            <p:cNvPr id="19" name="Rectangle 18"/>
             <p:cNvSpPr/>
             <p:nvPr/>
           </p:nvSpPr>
           <p:spPr>
             <a:xfrm>
-              <a:off x="4410447" y="3454371"/>
+              <a:off x="1336170" y="4818824"/>
               <a:ext cx="1638241" cy="381000"/>
             </a:xfrm>
             <a:prstGeom prst="rect">
@@ -24780,59 +22654,6 @@
           </p:spPr>
           <p:txBody>
             <a:bodyPr rtlCol="0" anchor="t" anchorCtr="0"/>
-            <a:lstStyle/>
-            <a:p>
-              <a:pPr algn="ctr" defTabSz="1218936"/>
-              <a:r>
-                <a:rPr lang="en-US" sz="1500" dirty="0">
-                  <a:solidFill>
-                    <a:schemeClr val="bg1">
-                      <a:alpha val="99000"/>
-                    </a:schemeClr>
-                  </a:solidFill>
-                  <a:latin typeface="Segoe UI"/>
-                  <a:ea typeface="Segoe UI" pitchFamily="34" charset="0"/>
-                  <a:cs typeface="Segoe UI" pitchFamily="34" charset="0"/>
-                </a:rPr>
-                <a:t>Middleware</a:t>
-              </a:r>
-            </a:p>
-          </p:txBody>
-        </p:sp>
-        <p:sp>
-          <p:nvSpPr>
-            <p:cNvPr id="23" name="Rectangle 22"/>
-            <p:cNvSpPr/>
-            <p:nvPr/>
-          </p:nvSpPr>
-          <p:spPr>
-            <a:xfrm>
-              <a:off x="4410447" y="4364009"/>
-              <a:ext cx="1638241" cy="381000"/>
-            </a:xfrm>
-            <a:prstGeom prst="rect">
-              <a:avLst/>
-            </a:prstGeom>
-            <a:ln/>
-          </p:spPr>
-          <p:style>
-            <a:lnRef idx="2">
-              <a:schemeClr val="accent2">
-                <a:shade val="50000"/>
-              </a:schemeClr>
-            </a:lnRef>
-            <a:fillRef idx="1">
-              <a:schemeClr val="accent2"/>
-            </a:fillRef>
-            <a:effectRef idx="0">
-              <a:schemeClr val="accent2"/>
-            </a:effectRef>
-            <a:fontRef idx="minor">
-              <a:schemeClr val="lt1"/>
-            </a:fontRef>
-          </p:style>
-          <p:txBody>
-            <a:bodyPr lIns="0" rIns="0" rtlCol="0" anchor="t" anchorCtr="0"/>
             <a:lstStyle>
               <a:defPPr>
                 <a:defRPr lang="en-US"/>
@@ -24840,7 +22661,7 @@
               <a:lvl1pPr marL="0" algn="l" defTabSz="914400" rtl="0" eaLnBrk="1" latinLnBrk="0" hangingPunct="1">
                 <a:defRPr sz="1800" kern="1200">
                   <a:solidFill>
-                    <a:schemeClr val="dk1"/>
+                    <a:schemeClr val="lt1"/>
                   </a:solidFill>
                   <a:latin typeface="+mn-lt"/>
                   <a:ea typeface="+mn-ea"/>
@@ -24850,7 +22671,7 @@
               <a:lvl2pPr marL="457200" algn="l" defTabSz="914400" rtl="0" eaLnBrk="1" latinLnBrk="0" hangingPunct="1">
                 <a:defRPr sz="1800" kern="1200">
                   <a:solidFill>
-                    <a:schemeClr val="dk1"/>
+                    <a:schemeClr val="lt1"/>
                   </a:solidFill>
                   <a:latin typeface="+mn-lt"/>
                   <a:ea typeface="+mn-ea"/>
@@ -24860,7 +22681,7 @@
               <a:lvl3pPr marL="914400" algn="l" defTabSz="914400" rtl="0" eaLnBrk="1" latinLnBrk="0" hangingPunct="1">
                 <a:defRPr sz="1800" kern="1200">
                   <a:solidFill>
-                    <a:schemeClr val="dk1"/>
+                    <a:schemeClr val="lt1"/>
                   </a:solidFill>
                   <a:latin typeface="+mn-lt"/>
                   <a:ea typeface="+mn-ea"/>
@@ -24870,7 +22691,7 @@
               <a:lvl4pPr marL="1371600" algn="l" defTabSz="914400" rtl="0" eaLnBrk="1" latinLnBrk="0" hangingPunct="1">
                 <a:defRPr sz="1800" kern="1200">
                   <a:solidFill>
-                    <a:schemeClr val="dk1"/>
+                    <a:schemeClr val="lt1"/>
                   </a:solidFill>
                   <a:latin typeface="+mn-lt"/>
                   <a:ea typeface="+mn-ea"/>
@@ -24880,7 +22701,7 @@
               <a:lvl5pPr marL="1828800" algn="l" defTabSz="914400" rtl="0" eaLnBrk="1" latinLnBrk="0" hangingPunct="1">
                 <a:defRPr sz="1800" kern="1200">
                   <a:solidFill>
-                    <a:schemeClr val="dk1"/>
+                    <a:schemeClr val="lt1"/>
                   </a:solidFill>
                   <a:latin typeface="+mn-lt"/>
                   <a:ea typeface="+mn-ea"/>
@@ -24890,7 +22711,7 @@
               <a:lvl6pPr marL="2286000" algn="l" defTabSz="914400" rtl="0" eaLnBrk="1" latinLnBrk="0" hangingPunct="1">
                 <a:defRPr sz="1800" kern="1200">
                   <a:solidFill>
-                    <a:schemeClr val="dk1"/>
+                    <a:schemeClr val="lt1"/>
                   </a:solidFill>
                   <a:latin typeface="+mn-lt"/>
                   <a:ea typeface="+mn-ea"/>
@@ -24900,7 +22721,7 @@
               <a:lvl7pPr marL="2743200" algn="l" defTabSz="914400" rtl="0" eaLnBrk="1" latinLnBrk="0" hangingPunct="1">
                 <a:defRPr sz="1800" kern="1200">
                   <a:solidFill>
-                    <a:schemeClr val="dk1"/>
+                    <a:schemeClr val="lt1"/>
                   </a:solidFill>
                   <a:latin typeface="+mn-lt"/>
                   <a:ea typeface="+mn-ea"/>
@@ -24910,7 +22731,7 @@
               <a:lvl8pPr marL="3200400" algn="l" defTabSz="914400" rtl="0" eaLnBrk="1" latinLnBrk="0" hangingPunct="1">
                 <a:defRPr sz="1800" kern="1200">
                   <a:solidFill>
-                    <a:schemeClr val="dk1"/>
+                    <a:schemeClr val="lt1"/>
                   </a:solidFill>
                   <a:latin typeface="+mn-lt"/>
                   <a:ea typeface="+mn-ea"/>
@@ -24920,7 +22741,7 @@
               <a:lvl9pPr marL="3657600" algn="l" defTabSz="914400" rtl="0" eaLnBrk="1" latinLnBrk="0" hangingPunct="1">
                 <a:defRPr sz="1800" kern="1200">
                   <a:solidFill>
-                    <a:schemeClr val="dk1"/>
+                    <a:schemeClr val="lt1"/>
                   </a:solidFill>
                   <a:latin typeface="+mn-lt"/>
                   <a:ea typeface="+mn-ea"/>
@@ -24941,20 +22762,20 @@
                   <a:ea typeface="Segoe UI" pitchFamily="34" charset="0"/>
                   <a:cs typeface="Segoe UI" pitchFamily="34" charset="0"/>
                 </a:rPr>
-                <a:t>Virtualization</a:t>
+                <a:t>Servers</a:t>
               </a:r>
             </a:p>
           </p:txBody>
         </p:sp>
         <p:sp>
           <p:nvSpPr>
-            <p:cNvPr id="24" name="Rectangle 23"/>
+            <p:cNvPr id="20" name="Rectangle 19"/>
             <p:cNvSpPr/>
             <p:nvPr/>
           </p:nvSpPr>
           <p:spPr>
             <a:xfrm>
-              <a:off x="4410447" y="2544733"/>
+              <a:off x="1336170" y="5728460"/>
               <a:ext cx="1638241" cy="381000"/>
             </a:xfrm>
             <a:prstGeom prst="rect">
@@ -24976,7 +22797,101 @@
           </p:spPr>
           <p:txBody>
             <a:bodyPr rtlCol="0" anchor="t" anchorCtr="0"/>
-            <a:lstStyle/>
+            <a:lstStyle>
+              <a:defPPr>
+                <a:defRPr lang="en-US"/>
+              </a:defPPr>
+              <a:lvl1pPr marL="0" algn="l" defTabSz="914400" rtl="0" eaLnBrk="1" latinLnBrk="0" hangingPunct="1">
+                <a:defRPr sz="1800" kern="1200">
+                  <a:solidFill>
+                    <a:schemeClr val="lt1"/>
+                  </a:solidFill>
+                  <a:latin typeface="+mn-lt"/>
+                  <a:ea typeface="+mn-ea"/>
+                  <a:cs typeface="+mn-cs"/>
+                </a:defRPr>
+              </a:lvl1pPr>
+              <a:lvl2pPr marL="457200" algn="l" defTabSz="914400" rtl="0" eaLnBrk="1" latinLnBrk="0" hangingPunct="1">
+                <a:defRPr sz="1800" kern="1200">
+                  <a:solidFill>
+                    <a:schemeClr val="lt1"/>
+                  </a:solidFill>
+                  <a:latin typeface="+mn-lt"/>
+                  <a:ea typeface="+mn-ea"/>
+                  <a:cs typeface="+mn-cs"/>
+                </a:defRPr>
+              </a:lvl2pPr>
+              <a:lvl3pPr marL="914400" algn="l" defTabSz="914400" rtl="0" eaLnBrk="1" latinLnBrk="0" hangingPunct="1">
+                <a:defRPr sz="1800" kern="1200">
+                  <a:solidFill>
+                    <a:schemeClr val="lt1"/>
+                  </a:solidFill>
+                  <a:latin typeface="+mn-lt"/>
+                  <a:ea typeface="+mn-ea"/>
+                  <a:cs typeface="+mn-cs"/>
+                </a:defRPr>
+              </a:lvl3pPr>
+              <a:lvl4pPr marL="1371600" algn="l" defTabSz="914400" rtl="0" eaLnBrk="1" latinLnBrk="0" hangingPunct="1">
+                <a:defRPr sz="1800" kern="1200">
+                  <a:solidFill>
+                    <a:schemeClr val="lt1"/>
+                  </a:solidFill>
+                  <a:latin typeface="+mn-lt"/>
+                  <a:ea typeface="+mn-ea"/>
+                  <a:cs typeface="+mn-cs"/>
+                </a:defRPr>
+              </a:lvl4pPr>
+              <a:lvl5pPr marL="1828800" algn="l" defTabSz="914400" rtl="0" eaLnBrk="1" latinLnBrk="0" hangingPunct="1">
+                <a:defRPr sz="1800" kern="1200">
+                  <a:solidFill>
+                    <a:schemeClr val="lt1"/>
+                  </a:solidFill>
+                  <a:latin typeface="+mn-lt"/>
+                  <a:ea typeface="+mn-ea"/>
+                  <a:cs typeface="+mn-cs"/>
+                </a:defRPr>
+              </a:lvl5pPr>
+              <a:lvl6pPr marL="2286000" algn="l" defTabSz="914400" rtl="0" eaLnBrk="1" latinLnBrk="0" hangingPunct="1">
+                <a:defRPr sz="1800" kern="1200">
+                  <a:solidFill>
+                    <a:schemeClr val="lt1"/>
+                  </a:solidFill>
+                  <a:latin typeface="+mn-lt"/>
+                  <a:ea typeface="+mn-ea"/>
+                  <a:cs typeface="+mn-cs"/>
+                </a:defRPr>
+              </a:lvl6pPr>
+              <a:lvl7pPr marL="2743200" algn="l" defTabSz="914400" rtl="0" eaLnBrk="1" latinLnBrk="0" hangingPunct="1">
+                <a:defRPr sz="1800" kern="1200">
+                  <a:solidFill>
+                    <a:schemeClr val="lt1"/>
+                  </a:solidFill>
+                  <a:latin typeface="+mn-lt"/>
+                  <a:ea typeface="+mn-ea"/>
+                  <a:cs typeface="+mn-cs"/>
+                </a:defRPr>
+              </a:lvl7pPr>
+              <a:lvl8pPr marL="3200400" algn="l" defTabSz="914400" rtl="0" eaLnBrk="1" latinLnBrk="0" hangingPunct="1">
+                <a:defRPr sz="1800" kern="1200">
+                  <a:solidFill>
+                    <a:schemeClr val="lt1"/>
+                  </a:solidFill>
+                  <a:latin typeface="+mn-lt"/>
+                  <a:ea typeface="+mn-ea"/>
+                  <a:cs typeface="+mn-cs"/>
+                </a:defRPr>
+              </a:lvl8pPr>
+              <a:lvl9pPr marL="3657600" algn="l" defTabSz="914400" rtl="0" eaLnBrk="1" latinLnBrk="0" hangingPunct="1">
+                <a:defRPr sz="1800" kern="1200">
+                  <a:solidFill>
+                    <a:schemeClr val="lt1"/>
+                  </a:solidFill>
+                  <a:latin typeface="+mn-lt"/>
+                  <a:ea typeface="+mn-ea"/>
+                  <a:cs typeface="+mn-cs"/>
+                </a:defRPr>
+              </a:lvl9pPr>
+            </a:lstStyle>
             <a:p>
               <a:pPr algn="ctr" defTabSz="1218936"/>
               <a:r>
@@ -24990,20 +22905,20 @@
                   <a:ea typeface="Segoe UI" pitchFamily="34" charset="0"/>
                   <a:cs typeface="Segoe UI" pitchFamily="34" charset="0"/>
                 </a:rPr>
-                <a:t>Data</a:t>
+                <a:t>Networking</a:t>
               </a:r>
             </a:p>
           </p:txBody>
         </p:sp>
         <p:sp>
           <p:nvSpPr>
-            <p:cNvPr id="25" name="Rectangle 24"/>
+            <p:cNvPr id="21" name="Rectangle 20"/>
             <p:cNvSpPr/>
             <p:nvPr/>
           </p:nvSpPr>
           <p:spPr>
             <a:xfrm>
-              <a:off x="4410447" y="2089914"/>
+              <a:off x="1336170" y="3909186"/>
               <a:ext cx="1638241" cy="381000"/>
             </a:xfrm>
             <a:prstGeom prst="rect">
@@ -25025,7 +22940,101 @@
           </p:spPr>
           <p:txBody>
             <a:bodyPr rtlCol="0" anchor="t" anchorCtr="0"/>
-            <a:lstStyle/>
+            <a:lstStyle>
+              <a:defPPr>
+                <a:defRPr lang="en-US"/>
+              </a:defPPr>
+              <a:lvl1pPr marL="0" algn="l" defTabSz="914400" rtl="0" eaLnBrk="1" latinLnBrk="0" hangingPunct="1">
+                <a:defRPr sz="1800" kern="1200">
+                  <a:solidFill>
+                    <a:schemeClr val="lt1"/>
+                  </a:solidFill>
+                  <a:latin typeface="+mn-lt"/>
+                  <a:ea typeface="+mn-ea"/>
+                  <a:cs typeface="+mn-cs"/>
+                </a:defRPr>
+              </a:lvl1pPr>
+              <a:lvl2pPr marL="457200" algn="l" defTabSz="914400" rtl="0" eaLnBrk="1" latinLnBrk="0" hangingPunct="1">
+                <a:defRPr sz="1800" kern="1200">
+                  <a:solidFill>
+                    <a:schemeClr val="lt1"/>
+                  </a:solidFill>
+                  <a:latin typeface="+mn-lt"/>
+                  <a:ea typeface="+mn-ea"/>
+                  <a:cs typeface="+mn-cs"/>
+                </a:defRPr>
+              </a:lvl2pPr>
+              <a:lvl3pPr marL="914400" algn="l" defTabSz="914400" rtl="0" eaLnBrk="1" latinLnBrk="0" hangingPunct="1">
+                <a:defRPr sz="1800" kern="1200">
+                  <a:solidFill>
+                    <a:schemeClr val="lt1"/>
+                  </a:solidFill>
+                  <a:latin typeface="+mn-lt"/>
+                  <a:ea typeface="+mn-ea"/>
+                  <a:cs typeface="+mn-cs"/>
+                </a:defRPr>
+              </a:lvl3pPr>
+              <a:lvl4pPr marL="1371600" algn="l" defTabSz="914400" rtl="0" eaLnBrk="1" latinLnBrk="0" hangingPunct="1">
+                <a:defRPr sz="1800" kern="1200">
+                  <a:solidFill>
+                    <a:schemeClr val="lt1"/>
+                  </a:solidFill>
+                  <a:latin typeface="+mn-lt"/>
+                  <a:ea typeface="+mn-ea"/>
+                  <a:cs typeface="+mn-cs"/>
+                </a:defRPr>
+              </a:lvl4pPr>
+              <a:lvl5pPr marL="1828800" algn="l" defTabSz="914400" rtl="0" eaLnBrk="1" latinLnBrk="0" hangingPunct="1">
+                <a:defRPr sz="1800" kern="1200">
+                  <a:solidFill>
+                    <a:schemeClr val="lt1"/>
+                  </a:solidFill>
+                  <a:latin typeface="+mn-lt"/>
+                  <a:ea typeface="+mn-ea"/>
+                  <a:cs typeface="+mn-cs"/>
+                </a:defRPr>
+              </a:lvl5pPr>
+              <a:lvl6pPr marL="2286000" algn="l" defTabSz="914400" rtl="0" eaLnBrk="1" latinLnBrk="0" hangingPunct="1">
+                <a:defRPr sz="1800" kern="1200">
+                  <a:solidFill>
+                    <a:schemeClr val="lt1"/>
+                  </a:solidFill>
+                  <a:latin typeface="+mn-lt"/>
+                  <a:ea typeface="+mn-ea"/>
+                  <a:cs typeface="+mn-cs"/>
+                </a:defRPr>
+              </a:lvl6pPr>
+              <a:lvl7pPr marL="2743200" algn="l" defTabSz="914400" rtl="0" eaLnBrk="1" latinLnBrk="0" hangingPunct="1">
+                <a:defRPr sz="1800" kern="1200">
+                  <a:solidFill>
+                    <a:schemeClr val="lt1"/>
+                  </a:solidFill>
+                  <a:latin typeface="+mn-lt"/>
+                  <a:ea typeface="+mn-ea"/>
+                  <a:cs typeface="+mn-cs"/>
+                </a:defRPr>
+              </a:lvl7pPr>
+              <a:lvl8pPr marL="3200400" algn="l" defTabSz="914400" rtl="0" eaLnBrk="1" latinLnBrk="0" hangingPunct="1">
+                <a:defRPr sz="1800" kern="1200">
+                  <a:solidFill>
+                    <a:schemeClr val="lt1"/>
+                  </a:solidFill>
+                  <a:latin typeface="+mn-lt"/>
+                  <a:ea typeface="+mn-ea"/>
+                  <a:cs typeface="+mn-cs"/>
+                </a:defRPr>
+              </a:lvl8pPr>
+              <a:lvl9pPr marL="3657600" algn="l" defTabSz="914400" rtl="0" eaLnBrk="1" latinLnBrk="0" hangingPunct="1">
+                <a:defRPr sz="1800" kern="1200">
+                  <a:solidFill>
+                    <a:schemeClr val="lt1"/>
+                  </a:solidFill>
+                  <a:latin typeface="+mn-lt"/>
+                  <a:ea typeface="+mn-ea"/>
+                  <a:cs typeface="+mn-cs"/>
+                </a:defRPr>
+              </a:lvl9pPr>
+            </a:lstStyle>
             <a:p>
               <a:pPr algn="ctr" defTabSz="1218936"/>
               <a:r>
@@ -25039,20 +23048,20 @@
                   <a:ea typeface="Segoe UI" pitchFamily="34" charset="0"/>
                   <a:cs typeface="Segoe UI" pitchFamily="34" charset="0"/>
                 </a:rPr>
-                <a:t>Applications</a:t>
+                <a:t>O/S</a:t>
               </a:r>
             </a:p>
           </p:txBody>
         </p:sp>
         <p:sp>
           <p:nvSpPr>
-            <p:cNvPr id="26" name="Rectangle 25"/>
+            <p:cNvPr id="22" name="Rectangle 21"/>
             <p:cNvSpPr/>
             <p:nvPr/>
           </p:nvSpPr>
           <p:spPr>
             <a:xfrm>
-              <a:off x="4410447" y="2999552"/>
+              <a:off x="1336170" y="3454367"/>
               <a:ext cx="1638241" cy="381000"/>
             </a:xfrm>
             <a:prstGeom prst="rect">
@@ -25074,7 +23083,673 @@
           </p:spPr>
           <p:txBody>
             <a:bodyPr rtlCol="0" anchor="t" anchorCtr="0"/>
-            <a:lstStyle/>
+            <a:lstStyle>
+              <a:defPPr>
+                <a:defRPr lang="en-US"/>
+              </a:defPPr>
+              <a:lvl1pPr marL="0" algn="l" defTabSz="914400" rtl="0" eaLnBrk="1" latinLnBrk="0" hangingPunct="1">
+                <a:defRPr sz="1800" kern="1200">
+                  <a:solidFill>
+                    <a:schemeClr val="lt1"/>
+                  </a:solidFill>
+                  <a:latin typeface="+mn-lt"/>
+                  <a:ea typeface="+mn-ea"/>
+                  <a:cs typeface="+mn-cs"/>
+                </a:defRPr>
+              </a:lvl1pPr>
+              <a:lvl2pPr marL="457200" algn="l" defTabSz="914400" rtl="0" eaLnBrk="1" latinLnBrk="0" hangingPunct="1">
+                <a:defRPr sz="1800" kern="1200">
+                  <a:solidFill>
+                    <a:schemeClr val="lt1"/>
+                  </a:solidFill>
+                  <a:latin typeface="+mn-lt"/>
+                  <a:ea typeface="+mn-ea"/>
+                  <a:cs typeface="+mn-cs"/>
+                </a:defRPr>
+              </a:lvl2pPr>
+              <a:lvl3pPr marL="914400" algn="l" defTabSz="914400" rtl="0" eaLnBrk="1" latinLnBrk="0" hangingPunct="1">
+                <a:defRPr sz="1800" kern="1200">
+                  <a:solidFill>
+                    <a:schemeClr val="lt1"/>
+                  </a:solidFill>
+                  <a:latin typeface="+mn-lt"/>
+                  <a:ea typeface="+mn-ea"/>
+                  <a:cs typeface="+mn-cs"/>
+                </a:defRPr>
+              </a:lvl3pPr>
+              <a:lvl4pPr marL="1371600" algn="l" defTabSz="914400" rtl="0" eaLnBrk="1" latinLnBrk="0" hangingPunct="1">
+                <a:defRPr sz="1800" kern="1200">
+                  <a:solidFill>
+                    <a:schemeClr val="lt1"/>
+                  </a:solidFill>
+                  <a:latin typeface="+mn-lt"/>
+                  <a:ea typeface="+mn-ea"/>
+                  <a:cs typeface="+mn-cs"/>
+                </a:defRPr>
+              </a:lvl4pPr>
+              <a:lvl5pPr marL="1828800" algn="l" defTabSz="914400" rtl="0" eaLnBrk="1" latinLnBrk="0" hangingPunct="1">
+                <a:defRPr sz="1800" kern="1200">
+                  <a:solidFill>
+                    <a:schemeClr val="lt1"/>
+                  </a:solidFill>
+                  <a:latin typeface="+mn-lt"/>
+                  <a:ea typeface="+mn-ea"/>
+                  <a:cs typeface="+mn-cs"/>
+                </a:defRPr>
+              </a:lvl5pPr>
+              <a:lvl6pPr marL="2286000" algn="l" defTabSz="914400" rtl="0" eaLnBrk="1" latinLnBrk="0" hangingPunct="1">
+                <a:defRPr sz="1800" kern="1200">
+                  <a:solidFill>
+                    <a:schemeClr val="lt1"/>
+                  </a:solidFill>
+                  <a:latin typeface="+mn-lt"/>
+                  <a:ea typeface="+mn-ea"/>
+                  <a:cs typeface="+mn-cs"/>
+                </a:defRPr>
+              </a:lvl6pPr>
+              <a:lvl7pPr marL="2743200" algn="l" defTabSz="914400" rtl="0" eaLnBrk="1" latinLnBrk="0" hangingPunct="1">
+                <a:defRPr sz="1800" kern="1200">
+                  <a:solidFill>
+                    <a:schemeClr val="lt1"/>
+                  </a:solidFill>
+                  <a:latin typeface="+mn-lt"/>
+                  <a:ea typeface="+mn-ea"/>
+                  <a:cs typeface="+mn-cs"/>
+                </a:defRPr>
+              </a:lvl7pPr>
+              <a:lvl8pPr marL="3200400" algn="l" defTabSz="914400" rtl="0" eaLnBrk="1" latinLnBrk="0" hangingPunct="1">
+                <a:defRPr sz="1800" kern="1200">
+                  <a:solidFill>
+                    <a:schemeClr val="lt1"/>
+                  </a:solidFill>
+                  <a:latin typeface="+mn-lt"/>
+                  <a:ea typeface="+mn-ea"/>
+                  <a:cs typeface="+mn-cs"/>
+                </a:defRPr>
+              </a:lvl8pPr>
+              <a:lvl9pPr marL="3657600" algn="l" defTabSz="914400" rtl="0" eaLnBrk="1" latinLnBrk="0" hangingPunct="1">
+                <a:defRPr sz="1800" kern="1200">
+                  <a:solidFill>
+                    <a:schemeClr val="lt1"/>
+                  </a:solidFill>
+                  <a:latin typeface="+mn-lt"/>
+                  <a:ea typeface="+mn-ea"/>
+                  <a:cs typeface="+mn-cs"/>
+                </a:defRPr>
+              </a:lvl9pPr>
+            </a:lstStyle>
+            <a:p>
+              <a:pPr algn="ctr" defTabSz="1218936"/>
+              <a:r>
+                <a:rPr lang="en-US" sz="1500" dirty="0">
+                  <a:solidFill>
+                    <a:schemeClr val="bg1">
+                      <a:alpha val="99000"/>
+                    </a:schemeClr>
+                  </a:solidFill>
+                  <a:latin typeface="Segoe UI"/>
+                  <a:ea typeface="Segoe UI" pitchFamily="34" charset="0"/>
+                  <a:cs typeface="Segoe UI" pitchFamily="34" charset="0"/>
+                </a:rPr>
+                <a:t>Middleware</a:t>
+              </a:r>
+            </a:p>
+          </p:txBody>
+        </p:sp>
+        <p:sp>
+          <p:nvSpPr>
+            <p:cNvPr id="23" name="Rectangle 22"/>
+            <p:cNvSpPr/>
+            <p:nvPr/>
+          </p:nvSpPr>
+          <p:spPr>
+            <a:xfrm>
+              <a:off x="1336170" y="4364005"/>
+              <a:ext cx="1638241" cy="381000"/>
+            </a:xfrm>
+            <a:prstGeom prst="rect">
+              <a:avLst/>
+            </a:prstGeom>
+            <a:solidFill>
+              <a:schemeClr val="accent1"/>
+            </a:solidFill>
+            <a:ln w="9525" cap="flat" cmpd="sng" algn="ctr">
+              <a:solidFill>
+                <a:srgbClr val="FFC000">
+                  <a:shade val="95000"/>
+                  <a:satMod val="105000"/>
+                </a:srgbClr>
+              </a:solidFill>
+              <a:prstDash val="solid"/>
+            </a:ln>
+            <a:effectLst/>
+          </p:spPr>
+          <p:txBody>
+            <a:bodyPr lIns="0" rIns="0" rtlCol="0" anchor="t" anchorCtr="0"/>
+            <a:lstStyle>
+              <a:defPPr>
+                <a:defRPr lang="en-US"/>
+              </a:defPPr>
+              <a:lvl1pPr marL="0" algn="l" defTabSz="914400" rtl="0" eaLnBrk="1" latinLnBrk="0" hangingPunct="1">
+                <a:defRPr sz="1800" kern="1200">
+                  <a:solidFill>
+                    <a:schemeClr val="lt1"/>
+                  </a:solidFill>
+                  <a:latin typeface="+mn-lt"/>
+                  <a:ea typeface="+mn-ea"/>
+                  <a:cs typeface="+mn-cs"/>
+                </a:defRPr>
+              </a:lvl1pPr>
+              <a:lvl2pPr marL="457200" algn="l" defTabSz="914400" rtl="0" eaLnBrk="1" latinLnBrk="0" hangingPunct="1">
+                <a:defRPr sz="1800" kern="1200">
+                  <a:solidFill>
+                    <a:schemeClr val="lt1"/>
+                  </a:solidFill>
+                  <a:latin typeface="+mn-lt"/>
+                  <a:ea typeface="+mn-ea"/>
+                  <a:cs typeface="+mn-cs"/>
+                </a:defRPr>
+              </a:lvl2pPr>
+              <a:lvl3pPr marL="914400" algn="l" defTabSz="914400" rtl="0" eaLnBrk="1" latinLnBrk="0" hangingPunct="1">
+                <a:defRPr sz="1800" kern="1200">
+                  <a:solidFill>
+                    <a:schemeClr val="lt1"/>
+                  </a:solidFill>
+                  <a:latin typeface="+mn-lt"/>
+                  <a:ea typeface="+mn-ea"/>
+                  <a:cs typeface="+mn-cs"/>
+                </a:defRPr>
+              </a:lvl3pPr>
+              <a:lvl4pPr marL="1371600" algn="l" defTabSz="914400" rtl="0" eaLnBrk="1" latinLnBrk="0" hangingPunct="1">
+                <a:defRPr sz="1800" kern="1200">
+                  <a:solidFill>
+                    <a:schemeClr val="lt1"/>
+                  </a:solidFill>
+                  <a:latin typeface="+mn-lt"/>
+                  <a:ea typeface="+mn-ea"/>
+                  <a:cs typeface="+mn-cs"/>
+                </a:defRPr>
+              </a:lvl4pPr>
+              <a:lvl5pPr marL="1828800" algn="l" defTabSz="914400" rtl="0" eaLnBrk="1" latinLnBrk="0" hangingPunct="1">
+                <a:defRPr sz="1800" kern="1200">
+                  <a:solidFill>
+                    <a:schemeClr val="lt1"/>
+                  </a:solidFill>
+                  <a:latin typeface="+mn-lt"/>
+                  <a:ea typeface="+mn-ea"/>
+                  <a:cs typeface="+mn-cs"/>
+                </a:defRPr>
+              </a:lvl5pPr>
+              <a:lvl6pPr marL="2286000" algn="l" defTabSz="914400" rtl="0" eaLnBrk="1" latinLnBrk="0" hangingPunct="1">
+                <a:defRPr sz="1800" kern="1200">
+                  <a:solidFill>
+                    <a:schemeClr val="lt1"/>
+                  </a:solidFill>
+                  <a:latin typeface="+mn-lt"/>
+                  <a:ea typeface="+mn-ea"/>
+                  <a:cs typeface="+mn-cs"/>
+                </a:defRPr>
+              </a:lvl6pPr>
+              <a:lvl7pPr marL="2743200" algn="l" defTabSz="914400" rtl="0" eaLnBrk="1" latinLnBrk="0" hangingPunct="1">
+                <a:defRPr sz="1800" kern="1200">
+                  <a:solidFill>
+                    <a:schemeClr val="lt1"/>
+                  </a:solidFill>
+                  <a:latin typeface="+mn-lt"/>
+                  <a:ea typeface="+mn-ea"/>
+                  <a:cs typeface="+mn-cs"/>
+                </a:defRPr>
+              </a:lvl7pPr>
+              <a:lvl8pPr marL="3200400" algn="l" defTabSz="914400" rtl="0" eaLnBrk="1" latinLnBrk="0" hangingPunct="1">
+                <a:defRPr sz="1800" kern="1200">
+                  <a:solidFill>
+                    <a:schemeClr val="lt1"/>
+                  </a:solidFill>
+                  <a:latin typeface="+mn-lt"/>
+                  <a:ea typeface="+mn-ea"/>
+                  <a:cs typeface="+mn-cs"/>
+                </a:defRPr>
+              </a:lvl8pPr>
+              <a:lvl9pPr marL="3657600" algn="l" defTabSz="914400" rtl="0" eaLnBrk="1" latinLnBrk="0" hangingPunct="1">
+                <a:defRPr sz="1800" kern="1200">
+                  <a:solidFill>
+                    <a:schemeClr val="lt1"/>
+                  </a:solidFill>
+                  <a:latin typeface="+mn-lt"/>
+                  <a:ea typeface="+mn-ea"/>
+                  <a:cs typeface="+mn-cs"/>
+                </a:defRPr>
+              </a:lvl9pPr>
+            </a:lstStyle>
+            <a:p>
+              <a:pPr algn="ctr" defTabSz="1218936"/>
+              <a:r>
+                <a:rPr lang="en-US" sz="1500" dirty="0">
+                  <a:solidFill>
+                    <a:schemeClr val="bg1">
+                      <a:alpha val="99000"/>
+                    </a:schemeClr>
+                  </a:solidFill>
+                  <a:latin typeface="Segoe UI"/>
+                  <a:ea typeface="Segoe UI" pitchFamily="34" charset="0"/>
+                  <a:cs typeface="Segoe UI" pitchFamily="34" charset="0"/>
+                </a:rPr>
+                <a:t>Virtualization</a:t>
+              </a:r>
+            </a:p>
+          </p:txBody>
+        </p:sp>
+        <p:sp>
+          <p:nvSpPr>
+            <p:cNvPr id="24" name="Rectangle 23"/>
+            <p:cNvSpPr/>
+            <p:nvPr/>
+          </p:nvSpPr>
+          <p:spPr>
+            <a:xfrm>
+              <a:off x="1336170" y="2544729"/>
+              <a:ext cx="1638241" cy="381000"/>
+            </a:xfrm>
+            <a:prstGeom prst="rect">
+              <a:avLst/>
+            </a:prstGeom>
+            <a:solidFill>
+              <a:schemeClr val="accent1"/>
+            </a:solidFill>
+            <a:ln w="9525" cap="flat" cmpd="sng" algn="ctr">
+              <a:solidFill>
+                <a:srgbClr val="FFC000">
+                  <a:shade val="95000"/>
+                  <a:satMod val="105000"/>
+                </a:srgbClr>
+              </a:solidFill>
+              <a:prstDash val="solid"/>
+            </a:ln>
+            <a:effectLst/>
+          </p:spPr>
+          <p:txBody>
+            <a:bodyPr rtlCol="0" anchor="t" anchorCtr="0"/>
+            <a:lstStyle>
+              <a:defPPr>
+                <a:defRPr lang="en-US"/>
+              </a:defPPr>
+              <a:lvl1pPr marL="0" algn="l" defTabSz="914400" rtl="0" eaLnBrk="1" latinLnBrk="0" hangingPunct="1">
+                <a:defRPr sz="1800" kern="1200">
+                  <a:solidFill>
+                    <a:schemeClr val="lt1"/>
+                  </a:solidFill>
+                  <a:latin typeface="+mn-lt"/>
+                  <a:ea typeface="+mn-ea"/>
+                  <a:cs typeface="+mn-cs"/>
+                </a:defRPr>
+              </a:lvl1pPr>
+              <a:lvl2pPr marL="457200" algn="l" defTabSz="914400" rtl="0" eaLnBrk="1" latinLnBrk="0" hangingPunct="1">
+                <a:defRPr sz="1800" kern="1200">
+                  <a:solidFill>
+                    <a:schemeClr val="lt1"/>
+                  </a:solidFill>
+                  <a:latin typeface="+mn-lt"/>
+                  <a:ea typeface="+mn-ea"/>
+                  <a:cs typeface="+mn-cs"/>
+                </a:defRPr>
+              </a:lvl2pPr>
+              <a:lvl3pPr marL="914400" algn="l" defTabSz="914400" rtl="0" eaLnBrk="1" latinLnBrk="0" hangingPunct="1">
+                <a:defRPr sz="1800" kern="1200">
+                  <a:solidFill>
+                    <a:schemeClr val="lt1"/>
+                  </a:solidFill>
+                  <a:latin typeface="+mn-lt"/>
+                  <a:ea typeface="+mn-ea"/>
+                  <a:cs typeface="+mn-cs"/>
+                </a:defRPr>
+              </a:lvl3pPr>
+              <a:lvl4pPr marL="1371600" algn="l" defTabSz="914400" rtl="0" eaLnBrk="1" latinLnBrk="0" hangingPunct="1">
+                <a:defRPr sz="1800" kern="1200">
+                  <a:solidFill>
+                    <a:schemeClr val="lt1"/>
+                  </a:solidFill>
+                  <a:latin typeface="+mn-lt"/>
+                  <a:ea typeface="+mn-ea"/>
+                  <a:cs typeface="+mn-cs"/>
+                </a:defRPr>
+              </a:lvl4pPr>
+              <a:lvl5pPr marL="1828800" algn="l" defTabSz="914400" rtl="0" eaLnBrk="1" latinLnBrk="0" hangingPunct="1">
+                <a:defRPr sz="1800" kern="1200">
+                  <a:solidFill>
+                    <a:schemeClr val="lt1"/>
+                  </a:solidFill>
+                  <a:latin typeface="+mn-lt"/>
+                  <a:ea typeface="+mn-ea"/>
+                  <a:cs typeface="+mn-cs"/>
+                </a:defRPr>
+              </a:lvl5pPr>
+              <a:lvl6pPr marL="2286000" algn="l" defTabSz="914400" rtl="0" eaLnBrk="1" latinLnBrk="0" hangingPunct="1">
+                <a:defRPr sz="1800" kern="1200">
+                  <a:solidFill>
+                    <a:schemeClr val="lt1"/>
+                  </a:solidFill>
+                  <a:latin typeface="+mn-lt"/>
+                  <a:ea typeface="+mn-ea"/>
+                  <a:cs typeface="+mn-cs"/>
+                </a:defRPr>
+              </a:lvl6pPr>
+              <a:lvl7pPr marL="2743200" algn="l" defTabSz="914400" rtl="0" eaLnBrk="1" latinLnBrk="0" hangingPunct="1">
+                <a:defRPr sz="1800" kern="1200">
+                  <a:solidFill>
+                    <a:schemeClr val="lt1"/>
+                  </a:solidFill>
+                  <a:latin typeface="+mn-lt"/>
+                  <a:ea typeface="+mn-ea"/>
+                  <a:cs typeface="+mn-cs"/>
+                </a:defRPr>
+              </a:lvl7pPr>
+              <a:lvl8pPr marL="3200400" algn="l" defTabSz="914400" rtl="0" eaLnBrk="1" latinLnBrk="0" hangingPunct="1">
+                <a:defRPr sz="1800" kern="1200">
+                  <a:solidFill>
+                    <a:schemeClr val="lt1"/>
+                  </a:solidFill>
+                  <a:latin typeface="+mn-lt"/>
+                  <a:ea typeface="+mn-ea"/>
+                  <a:cs typeface="+mn-cs"/>
+                </a:defRPr>
+              </a:lvl8pPr>
+              <a:lvl9pPr marL="3657600" algn="l" defTabSz="914400" rtl="0" eaLnBrk="1" latinLnBrk="0" hangingPunct="1">
+                <a:defRPr sz="1800" kern="1200">
+                  <a:solidFill>
+                    <a:schemeClr val="lt1"/>
+                  </a:solidFill>
+                  <a:latin typeface="+mn-lt"/>
+                  <a:ea typeface="+mn-ea"/>
+                  <a:cs typeface="+mn-cs"/>
+                </a:defRPr>
+              </a:lvl9pPr>
+            </a:lstStyle>
+            <a:p>
+              <a:pPr algn="ctr" defTabSz="1218936"/>
+              <a:r>
+                <a:rPr lang="en-US" sz="1500" dirty="0">
+                  <a:solidFill>
+                    <a:schemeClr val="bg1">
+                      <a:alpha val="99000"/>
+                    </a:schemeClr>
+                  </a:solidFill>
+                  <a:latin typeface="Segoe UI"/>
+                  <a:ea typeface="Segoe UI" pitchFamily="34" charset="0"/>
+                  <a:cs typeface="Segoe UI" pitchFamily="34" charset="0"/>
+                </a:rPr>
+                <a:t>Data</a:t>
+              </a:r>
+            </a:p>
+          </p:txBody>
+        </p:sp>
+        <p:sp>
+          <p:nvSpPr>
+            <p:cNvPr id="25" name="Rectangle 24"/>
+            <p:cNvSpPr/>
+            <p:nvPr/>
+          </p:nvSpPr>
+          <p:spPr>
+            <a:xfrm>
+              <a:off x="1336170" y="2089910"/>
+              <a:ext cx="1638241" cy="381000"/>
+            </a:xfrm>
+            <a:prstGeom prst="rect">
+              <a:avLst/>
+            </a:prstGeom>
+            <a:solidFill>
+              <a:schemeClr val="accent1"/>
+            </a:solidFill>
+            <a:ln w="9525" cap="flat" cmpd="sng" algn="ctr">
+              <a:solidFill>
+                <a:srgbClr val="FFC000">
+                  <a:shade val="95000"/>
+                  <a:satMod val="105000"/>
+                </a:srgbClr>
+              </a:solidFill>
+              <a:prstDash val="solid"/>
+            </a:ln>
+            <a:effectLst/>
+          </p:spPr>
+          <p:txBody>
+            <a:bodyPr rtlCol="0" anchor="t" anchorCtr="0"/>
+            <a:lstStyle>
+              <a:defPPr>
+                <a:defRPr lang="en-US"/>
+              </a:defPPr>
+              <a:lvl1pPr marL="0" algn="l" defTabSz="914400" rtl="0" eaLnBrk="1" latinLnBrk="0" hangingPunct="1">
+                <a:defRPr sz="1800" kern="1200">
+                  <a:solidFill>
+                    <a:schemeClr val="lt1"/>
+                  </a:solidFill>
+                  <a:latin typeface="+mn-lt"/>
+                  <a:ea typeface="+mn-ea"/>
+                  <a:cs typeface="+mn-cs"/>
+                </a:defRPr>
+              </a:lvl1pPr>
+              <a:lvl2pPr marL="457200" algn="l" defTabSz="914400" rtl="0" eaLnBrk="1" latinLnBrk="0" hangingPunct="1">
+                <a:defRPr sz="1800" kern="1200">
+                  <a:solidFill>
+                    <a:schemeClr val="lt1"/>
+                  </a:solidFill>
+                  <a:latin typeface="+mn-lt"/>
+                  <a:ea typeface="+mn-ea"/>
+                  <a:cs typeface="+mn-cs"/>
+                </a:defRPr>
+              </a:lvl2pPr>
+              <a:lvl3pPr marL="914400" algn="l" defTabSz="914400" rtl="0" eaLnBrk="1" latinLnBrk="0" hangingPunct="1">
+                <a:defRPr sz="1800" kern="1200">
+                  <a:solidFill>
+                    <a:schemeClr val="lt1"/>
+                  </a:solidFill>
+                  <a:latin typeface="+mn-lt"/>
+                  <a:ea typeface="+mn-ea"/>
+                  <a:cs typeface="+mn-cs"/>
+                </a:defRPr>
+              </a:lvl3pPr>
+              <a:lvl4pPr marL="1371600" algn="l" defTabSz="914400" rtl="0" eaLnBrk="1" latinLnBrk="0" hangingPunct="1">
+                <a:defRPr sz="1800" kern="1200">
+                  <a:solidFill>
+                    <a:schemeClr val="lt1"/>
+                  </a:solidFill>
+                  <a:latin typeface="+mn-lt"/>
+                  <a:ea typeface="+mn-ea"/>
+                  <a:cs typeface="+mn-cs"/>
+                </a:defRPr>
+              </a:lvl4pPr>
+              <a:lvl5pPr marL="1828800" algn="l" defTabSz="914400" rtl="0" eaLnBrk="1" latinLnBrk="0" hangingPunct="1">
+                <a:defRPr sz="1800" kern="1200">
+                  <a:solidFill>
+                    <a:schemeClr val="lt1"/>
+                  </a:solidFill>
+                  <a:latin typeface="+mn-lt"/>
+                  <a:ea typeface="+mn-ea"/>
+                  <a:cs typeface="+mn-cs"/>
+                </a:defRPr>
+              </a:lvl5pPr>
+              <a:lvl6pPr marL="2286000" algn="l" defTabSz="914400" rtl="0" eaLnBrk="1" latinLnBrk="0" hangingPunct="1">
+                <a:defRPr sz="1800" kern="1200">
+                  <a:solidFill>
+                    <a:schemeClr val="lt1"/>
+                  </a:solidFill>
+                  <a:latin typeface="+mn-lt"/>
+                  <a:ea typeface="+mn-ea"/>
+                  <a:cs typeface="+mn-cs"/>
+                </a:defRPr>
+              </a:lvl6pPr>
+              <a:lvl7pPr marL="2743200" algn="l" defTabSz="914400" rtl="0" eaLnBrk="1" latinLnBrk="0" hangingPunct="1">
+                <a:defRPr sz="1800" kern="1200">
+                  <a:solidFill>
+                    <a:schemeClr val="lt1"/>
+                  </a:solidFill>
+                  <a:latin typeface="+mn-lt"/>
+                  <a:ea typeface="+mn-ea"/>
+                  <a:cs typeface="+mn-cs"/>
+                </a:defRPr>
+              </a:lvl7pPr>
+              <a:lvl8pPr marL="3200400" algn="l" defTabSz="914400" rtl="0" eaLnBrk="1" latinLnBrk="0" hangingPunct="1">
+                <a:defRPr sz="1800" kern="1200">
+                  <a:solidFill>
+                    <a:schemeClr val="lt1"/>
+                  </a:solidFill>
+                  <a:latin typeface="+mn-lt"/>
+                  <a:ea typeface="+mn-ea"/>
+                  <a:cs typeface="+mn-cs"/>
+                </a:defRPr>
+              </a:lvl8pPr>
+              <a:lvl9pPr marL="3657600" algn="l" defTabSz="914400" rtl="0" eaLnBrk="1" latinLnBrk="0" hangingPunct="1">
+                <a:defRPr sz="1800" kern="1200">
+                  <a:solidFill>
+                    <a:schemeClr val="lt1"/>
+                  </a:solidFill>
+                  <a:latin typeface="+mn-lt"/>
+                  <a:ea typeface="+mn-ea"/>
+                  <a:cs typeface="+mn-cs"/>
+                </a:defRPr>
+              </a:lvl9pPr>
+            </a:lstStyle>
+            <a:p>
+              <a:pPr algn="ctr" defTabSz="1218936"/>
+              <a:r>
+                <a:rPr lang="en-US" sz="1500" dirty="0">
+                  <a:solidFill>
+                    <a:schemeClr val="bg1">
+                      <a:alpha val="99000"/>
+                    </a:schemeClr>
+                  </a:solidFill>
+                  <a:latin typeface="Segoe UI"/>
+                  <a:ea typeface="Segoe UI" pitchFamily="34" charset="0"/>
+                  <a:cs typeface="Segoe UI" pitchFamily="34" charset="0"/>
+                </a:rPr>
+                <a:t>Applications</a:t>
+              </a:r>
+            </a:p>
+          </p:txBody>
+        </p:sp>
+        <p:sp>
+          <p:nvSpPr>
+            <p:cNvPr id="26" name="Rectangle 25"/>
+            <p:cNvSpPr/>
+            <p:nvPr/>
+          </p:nvSpPr>
+          <p:spPr>
+            <a:xfrm>
+              <a:off x="1336170" y="2999548"/>
+              <a:ext cx="1638241" cy="381000"/>
+            </a:xfrm>
+            <a:prstGeom prst="rect">
+              <a:avLst/>
+            </a:prstGeom>
+            <a:solidFill>
+              <a:schemeClr val="accent1"/>
+            </a:solidFill>
+            <a:ln w="9525" cap="flat" cmpd="sng" algn="ctr">
+              <a:solidFill>
+                <a:srgbClr val="FFC000">
+                  <a:shade val="95000"/>
+                  <a:satMod val="105000"/>
+                </a:srgbClr>
+              </a:solidFill>
+              <a:prstDash val="solid"/>
+            </a:ln>
+            <a:effectLst/>
+          </p:spPr>
+          <p:txBody>
+            <a:bodyPr rtlCol="0" anchor="t" anchorCtr="0"/>
+            <a:lstStyle>
+              <a:defPPr>
+                <a:defRPr lang="en-US"/>
+              </a:defPPr>
+              <a:lvl1pPr marL="0" algn="l" defTabSz="914400" rtl="0" eaLnBrk="1" latinLnBrk="0" hangingPunct="1">
+                <a:defRPr sz="1800" kern="1200">
+                  <a:solidFill>
+                    <a:schemeClr val="lt1"/>
+                  </a:solidFill>
+                  <a:latin typeface="+mn-lt"/>
+                  <a:ea typeface="+mn-ea"/>
+                  <a:cs typeface="+mn-cs"/>
+                </a:defRPr>
+              </a:lvl1pPr>
+              <a:lvl2pPr marL="457200" algn="l" defTabSz="914400" rtl="0" eaLnBrk="1" latinLnBrk="0" hangingPunct="1">
+                <a:defRPr sz="1800" kern="1200">
+                  <a:solidFill>
+                    <a:schemeClr val="lt1"/>
+                  </a:solidFill>
+                  <a:latin typeface="+mn-lt"/>
+                  <a:ea typeface="+mn-ea"/>
+                  <a:cs typeface="+mn-cs"/>
+                </a:defRPr>
+              </a:lvl2pPr>
+              <a:lvl3pPr marL="914400" algn="l" defTabSz="914400" rtl="0" eaLnBrk="1" latinLnBrk="0" hangingPunct="1">
+                <a:defRPr sz="1800" kern="1200">
+                  <a:solidFill>
+                    <a:schemeClr val="lt1"/>
+                  </a:solidFill>
+                  <a:latin typeface="+mn-lt"/>
+                  <a:ea typeface="+mn-ea"/>
+                  <a:cs typeface="+mn-cs"/>
+                </a:defRPr>
+              </a:lvl3pPr>
+              <a:lvl4pPr marL="1371600" algn="l" defTabSz="914400" rtl="0" eaLnBrk="1" latinLnBrk="0" hangingPunct="1">
+                <a:defRPr sz="1800" kern="1200">
+                  <a:solidFill>
+                    <a:schemeClr val="lt1"/>
+                  </a:solidFill>
+                  <a:latin typeface="+mn-lt"/>
+                  <a:ea typeface="+mn-ea"/>
+                  <a:cs typeface="+mn-cs"/>
+                </a:defRPr>
+              </a:lvl4pPr>
+              <a:lvl5pPr marL="1828800" algn="l" defTabSz="914400" rtl="0" eaLnBrk="1" latinLnBrk="0" hangingPunct="1">
+                <a:defRPr sz="1800" kern="1200">
+                  <a:solidFill>
+                    <a:schemeClr val="lt1"/>
+                  </a:solidFill>
+                  <a:latin typeface="+mn-lt"/>
+                  <a:ea typeface="+mn-ea"/>
+                  <a:cs typeface="+mn-cs"/>
+                </a:defRPr>
+              </a:lvl5pPr>
+              <a:lvl6pPr marL="2286000" algn="l" defTabSz="914400" rtl="0" eaLnBrk="1" latinLnBrk="0" hangingPunct="1">
+                <a:defRPr sz="1800" kern="1200">
+                  <a:solidFill>
+                    <a:schemeClr val="lt1"/>
+                  </a:solidFill>
+                  <a:latin typeface="+mn-lt"/>
+                  <a:ea typeface="+mn-ea"/>
+                  <a:cs typeface="+mn-cs"/>
+                </a:defRPr>
+              </a:lvl6pPr>
+              <a:lvl7pPr marL="2743200" algn="l" defTabSz="914400" rtl="0" eaLnBrk="1" latinLnBrk="0" hangingPunct="1">
+                <a:defRPr sz="1800" kern="1200">
+                  <a:solidFill>
+                    <a:schemeClr val="lt1"/>
+                  </a:solidFill>
+                  <a:latin typeface="+mn-lt"/>
+                  <a:ea typeface="+mn-ea"/>
+                  <a:cs typeface="+mn-cs"/>
+                </a:defRPr>
+              </a:lvl7pPr>
+              <a:lvl8pPr marL="3200400" algn="l" defTabSz="914400" rtl="0" eaLnBrk="1" latinLnBrk="0" hangingPunct="1">
+                <a:defRPr sz="1800" kern="1200">
+                  <a:solidFill>
+                    <a:schemeClr val="lt1"/>
+                  </a:solidFill>
+                  <a:latin typeface="+mn-lt"/>
+                  <a:ea typeface="+mn-ea"/>
+                  <a:cs typeface="+mn-cs"/>
+                </a:defRPr>
+              </a:lvl8pPr>
+              <a:lvl9pPr marL="3657600" algn="l" defTabSz="914400" rtl="0" eaLnBrk="1" latinLnBrk="0" hangingPunct="1">
+                <a:defRPr sz="1800" kern="1200">
+                  <a:solidFill>
+                    <a:schemeClr val="lt1"/>
+                  </a:solidFill>
+                  <a:latin typeface="+mn-lt"/>
+                  <a:ea typeface="+mn-ea"/>
+                  <a:cs typeface="+mn-cs"/>
+                </a:defRPr>
+              </a:lvl9pPr>
+            </a:lstStyle>
             <a:p>
               <a:pPr algn="ctr" defTabSz="1218936"/>
               <a:r>
@@ -25095,232 +23770,13 @@
         </p:sp>
         <p:sp>
           <p:nvSpPr>
-            <p:cNvPr id="27" name="Left Brace 26"/>
-            <p:cNvSpPr/>
-            <p:nvPr/>
-          </p:nvSpPr>
-          <p:spPr>
-            <a:xfrm flipH="1">
-              <a:off x="6057919" y="4322900"/>
-              <a:ext cx="228600" cy="1764000"/>
-            </a:xfrm>
-            <a:prstGeom prst="leftBrace">
-              <a:avLst>
-                <a:gd name="adj1" fmla="val 0"/>
-                <a:gd name="adj2" fmla="val 50000"/>
-              </a:avLst>
-            </a:prstGeom>
-            <a:noFill/>
-            <a:ln w="19050" cap="flat" cmpd="sng" algn="ctr">
-              <a:solidFill>
-                <a:schemeClr val="accent2"/>
-              </a:solidFill>
-              <a:prstDash val="solid"/>
-            </a:ln>
-            <a:effectLst/>
-          </p:spPr>
-          <p:txBody>
-            <a:bodyPr rtlCol="0" anchor="ctr"/>
-            <a:lstStyle/>
-            <a:p>
-              <a:pPr algn="ctr" defTabSz="1218936"/>
-              <a:endParaRPr lang="en-US" sz="1800" dirty="0">
-                <a:solidFill>
-                  <a:srgbClr val="FFFFFF"/>
-                </a:solidFill>
-                <a:latin typeface="Segoe UI"/>
-                <a:ea typeface="Segoe UI" pitchFamily="34" charset="0"/>
-                <a:cs typeface="Segoe UI" pitchFamily="34" charset="0"/>
-              </a:endParaRPr>
-            </a:p>
-          </p:txBody>
-        </p:sp>
-        <p:sp>
-          <p:nvSpPr>
-            <p:cNvPr id="28" name="TextBox 56"/>
-            <p:cNvSpPr txBox="1"/>
-            <p:nvPr/>
-          </p:nvSpPr>
-          <p:spPr>
-            <a:xfrm flipH="1">
-              <a:off x="6231485" y="4379742"/>
-              <a:ext cx="400110" cy="1691104"/>
-            </a:xfrm>
-            <a:prstGeom prst="rect">
-              <a:avLst/>
-            </a:prstGeom>
-            <a:noFill/>
-          </p:spPr>
-          <p:txBody>
-            <a:bodyPr vert="eaVert" wrap="none" rtlCol="0">
-              <a:spAutoFit/>
-            </a:bodyPr>
-            <a:lstStyle>
-              <a:defPPr>
-                <a:defRPr lang="en-US"/>
-              </a:defPPr>
-              <a:lvl1pPr marL="0" algn="l" defTabSz="914400" rtl="0" eaLnBrk="1" latinLnBrk="0" hangingPunct="1">
-                <a:defRPr sz="1800" kern="1200">
-                  <a:solidFill>
-                    <a:schemeClr val="tx1"/>
-                  </a:solidFill>
-                  <a:latin typeface="+mn-lt"/>
-                  <a:ea typeface="+mn-ea"/>
-                  <a:cs typeface="+mn-cs"/>
-                </a:defRPr>
-              </a:lvl1pPr>
-              <a:lvl2pPr marL="457200" algn="l" defTabSz="914400" rtl="0" eaLnBrk="1" latinLnBrk="0" hangingPunct="1">
-                <a:defRPr sz="1800" kern="1200">
-                  <a:solidFill>
-                    <a:schemeClr val="tx1"/>
-                  </a:solidFill>
-                  <a:latin typeface="+mn-lt"/>
-                  <a:ea typeface="+mn-ea"/>
-                  <a:cs typeface="+mn-cs"/>
-                </a:defRPr>
-              </a:lvl2pPr>
-              <a:lvl3pPr marL="914400" algn="l" defTabSz="914400" rtl="0" eaLnBrk="1" latinLnBrk="0" hangingPunct="1">
-                <a:defRPr sz="1800" kern="1200">
-                  <a:solidFill>
-                    <a:schemeClr val="tx1"/>
-                  </a:solidFill>
-                  <a:latin typeface="+mn-lt"/>
-                  <a:ea typeface="+mn-ea"/>
-                  <a:cs typeface="+mn-cs"/>
-                </a:defRPr>
-              </a:lvl3pPr>
-              <a:lvl4pPr marL="1371600" algn="l" defTabSz="914400" rtl="0" eaLnBrk="1" latinLnBrk="0" hangingPunct="1">
-                <a:defRPr sz="1800" kern="1200">
-                  <a:solidFill>
-                    <a:schemeClr val="tx1"/>
-                  </a:solidFill>
-                  <a:latin typeface="+mn-lt"/>
-                  <a:ea typeface="+mn-ea"/>
-                  <a:cs typeface="+mn-cs"/>
-                </a:defRPr>
-              </a:lvl4pPr>
-              <a:lvl5pPr marL="1828800" algn="l" defTabSz="914400" rtl="0" eaLnBrk="1" latinLnBrk="0" hangingPunct="1">
-                <a:defRPr sz="1800" kern="1200">
-                  <a:solidFill>
-                    <a:schemeClr val="tx1"/>
-                  </a:solidFill>
-                  <a:latin typeface="+mn-lt"/>
-                  <a:ea typeface="+mn-ea"/>
-                  <a:cs typeface="+mn-cs"/>
-                </a:defRPr>
-              </a:lvl5pPr>
-              <a:lvl6pPr marL="2286000" algn="l" defTabSz="914400" rtl="0" eaLnBrk="1" latinLnBrk="0" hangingPunct="1">
-                <a:defRPr sz="1800" kern="1200">
-                  <a:solidFill>
-                    <a:schemeClr val="tx1"/>
-                  </a:solidFill>
-                  <a:latin typeface="+mn-lt"/>
-                  <a:ea typeface="+mn-ea"/>
-                  <a:cs typeface="+mn-cs"/>
-                </a:defRPr>
-              </a:lvl6pPr>
-              <a:lvl7pPr marL="2743200" algn="l" defTabSz="914400" rtl="0" eaLnBrk="1" latinLnBrk="0" hangingPunct="1">
-                <a:defRPr sz="1800" kern="1200">
-                  <a:solidFill>
-                    <a:schemeClr val="tx1"/>
-                  </a:solidFill>
-                  <a:latin typeface="+mn-lt"/>
-                  <a:ea typeface="+mn-ea"/>
-                  <a:cs typeface="+mn-cs"/>
-                </a:defRPr>
-              </a:lvl7pPr>
-              <a:lvl8pPr marL="3200400" algn="l" defTabSz="914400" rtl="0" eaLnBrk="1" latinLnBrk="0" hangingPunct="1">
-                <a:defRPr sz="1800" kern="1200">
-                  <a:solidFill>
-                    <a:schemeClr val="tx1"/>
-                  </a:solidFill>
-                  <a:latin typeface="+mn-lt"/>
-                  <a:ea typeface="+mn-ea"/>
-                  <a:cs typeface="+mn-cs"/>
-                </a:defRPr>
-              </a:lvl8pPr>
-              <a:lvl9pPr marL="3657600" algn="l" defTabSz="914400" rtl="0" eaLnBrk="1" latinLnBrk="0" hangingPunct="1">
-                <a:defRPr sz="1800" kern="1200">
-                  <a:solidFill>
-                    <a:schemeClr val="tx1"/>
-                  </a:solidFill>
-                  <a:latin typeface="+mn-lt"/>
-                  <a:ea typeface="+mn-ea"/>
-                  <a:cs typeface="+mn-cs"/>
-                </a:defRPr>
-              </a:lvl9pPr>
-            </a:lstStyle>
-            <a:p>
-              <a:pPr marL="0" lvl="1" algn="ctr" defTabSz="1218836" fontAlgn="base">
-                <a:spcAft>
-                  <a:spcPct val="0"/>
-                </a:spcAft>
-              </a:pPr>
-              <a:r>
-                <a:rPr lang="en-US" sz="1400" dirty="0">
-                  <a:solidFill>
-                    <a:srgbClr val="595959">
-                      <a:alpha val="99000"/>
-                    </a:srgbClr>
-                  </a:solidFill>
-                  <a:ea typeface="Kozuka Gothic Pro R" pitchFamily="34" charset="-128"/>
-                </a:rPr>
-                <a:t>Managed by vendor</a:t>
-              </a:r>
-            </a:p>
-          </p:txBody>
-        </p:sp>
-        <p:sp>
-          <p:nvSpPr>
-            <p:cNvPr id="29" name="Left Brace 28"/>
-            <p:cNvSpPr/>
-            <p:nvPr/>
-          </p:nvSpPr>
-          <p:spPr>
-            <a:xfrm>
-              <a:off x="4271939" y="2089914"/>
-              <a:ext cx="133350" cy="2200272"/>
-            </a:xfrm>
-            <a:prstGeom prst="leftBrace">
-              <a:avLst>
-                <a:gd name="adj1" fmla="val 0"/>
-                <a:gd name="adj2" fmla="val 50000"/>
-              </a:avLst>
-            </a:prstGeom>
-            <a:noFill/>
-            <a:ln w="19050" cap="flat" cmpd="sng" algn="ctr">
-              <a:solidFill>
-                <a:schemeClr val="accent2"/>
-              </a:solidFill>
-              <a:prstDash val="solid"/>
-            </a:ln>
-            <a:effectLst/>
-          </p:spPr>
-          <p:txBody>
-            <a:bodyPr rtlCol="0" anchor="ctr"/>
-            <a:lstStyle/>
-            <a:p>
-              <a:pPr algn="ctr" defTabSz="1218936"/>
-              <a:endParaRPr lang="en-US" sz="1800" dirty="0">
-                <a:solidFill>
-                  <a:srgbClr val="FFFFFF"/>
-                </a:solidFill>
-                <a:latin typeface="Segoe UI"/>
-                <a:ea typeface="Segoe UI" pitchFamily="34" charset="0"/>
-                <a:cs typeface="Segoe UI" pitchFamily="34" charset="0"/>
-              </a:endParaRPr>
-            </a:p>
-          </p:txBody>
-        </p:sp>
-        <p:sp>
-          <p:nvSpPr>
-            <p:cNvPr id="30" name="TextBox 58"/>
+            <p:cNvPr id="27" name="TextBox 52"/>
             <p:cNvSpPr txBox="1"/>
             <p:nvPr/>
           </p:nvSpPr>
           <p:spPr>
             <a:xfrm>
-              <a:off x="3859670" y="2664074"/>
+              <a:off x="795377" y="3556549"/>
               <a:ext cx="400110" cy="1070421"/>
             </a:xfrm>
             <a:prstGeom prst="rect">
@@ -25447,2076 +23903,11 @@
             </a:p>
           </p:txBody>
         </p:sp>
-        <p:grpSp>
-          <p:nvGrpSpPr>
-            <p:cNvPr id="31" name="Group 30"/>
-            <p:cNvGrpSpPr/>
-            <p:nvPr/>
-          </p:nvGrpSpPr>
-          <p:grpSpPr>
-            <a:xfrm>
-              <a:off x="6461726" y="1319029"/>
-              <a:ext cx="2706420" cy="4798706"/>
-              <a:chOff x="5979422" y="1583373"/>
-              <a:chExt cx="2706420" cy="4798706"/>
-            </a:xfrm>
-          </p:grpSpPr>
-          <p:sp>
-            <p:nvSpPr>
-              <p:cNvPr id="32" name="Rectangle 31"/>
-              <p:cNvSpPr/>
-              <p:nvPr/>
-            </p:nvSpPr>
-            <p:spPr>
-              <a:xfrm>
-                <a:off x="6405737" y="1583373"/>
-                <a:ext cx="2000311" cy="640080"/>
-              </a:xfrm>
-              <a:prstGeom prst="rect">
-                <a:avLst/>
-              </a:prstGeom>
-              <a:noFill/>
-              <a:ln w="9525" cap="flat" cmpd="sng" algn="ctr">
-                <a:noFill/>
-                <a:prstDash val="solid"/>
-              </a:ln>
-              <a:effectLst/>
-            </p:spPr>
-            <p:txBody>
-              <a:bodyPr tIns="0" bIns="0" rtlCol="0" anchor="t" anchorCtr="0"/>
-              <a:lstStyle>
-                <a:defPPr>
-                  <a:defRPr lang="en-US"/>
-                </a:defPPr>
-                <a:lvl1pPr marL="0" algn="l" defTabSz="914400" rtl="0" eaLnBrk="1" latinLnBrk="0" hangingPunct="1">
-                  <a:defRPr sz="1800" kern="1200">
-                    <a:solidFill>
-                      <a:schemeClr val="lt1"/>
-                    </a:solidFill>
-                    <a:latin typeface="+mn-lt"/>
-                    <a:ea typeface="+mn-ea"/>
-                    <a:cs typeface="+mn-cs"/>
-                  </a:defRPr>
-                </a:lvl1pPr>
-                <a:lvl2pPr marL="457200" algn="l" defTabSz="914400" rtl="0" eaLnBrk="1" latinLnBrk="0" hangingPunct="1">
-                  <a:defRPr sz="1800" kern="1200">
-                    <a:solidFill>
-                      <a:schemeClr val="lt1"/>
-                    </a:solidFill>
-                    <a:latin typeface="+mn-lt"/>
-                    <a:ea typeface="+mn-ea"/>
-                    <a:cs typeface="+mn-cs"/>
-                  </a:defRPr>
-                </a:lvl2pPr>
-                <a:lvl3pPr marL="914400" algn="l" defTabSz="914400" rtl="0" eaLnBrk="1" latinLnBrk="0" hangingPunct="1">
-                  <a:defRPr sz="1800" kern="1200">
-                    <a:solidFill>
-                      <a:schemeClr val="lt1"/>
-                    </a:solidFill>
-                    <a:latin typeface="+mn-lt"/>
-                    <a:ea typeface="+mn-ea"/>
-                    <a:cs typeface="+mn-cs"/>
-                  </a:defRPr>
-                </a:lvl3pPr>
-                <a:lvl4pPr marL="1371600" algn="l" defTabSz="914400" rtl="0" eaLnBrk="1" latinLnBrk="0" hangingPunct="1">
-                  <a:defRPr sz="1800" kern="1200">
-                    <a:solidFill>
-                      <a:schemeClr val="lt1"/>
-                    </a:solidFill>
-                    <a:latin typeface="+mn-lt"/>
-                    <a:ea typeface="+mn-ea"/>
-                    <a:cs typeface="+mn-cs"/>
-                  </a:defRPr>
-                </a:lvl4pPr>
-                <a:lvl5pPr marL="1828800" algn="l" defTabSz="914400" rtl="0" eaLnBrk="1" latinLnBrk="0" hangingPunct="1">
-                  <a:defRPr sz="1800" kern="1200">
-                    <a:solidFill>
-                      <a:schemeClr val="lt1"/>
-                    </a:solidFill>
-                    <a:latin typeface="+mn-lt"/>
-                    <a:ea typeface="+mn-ea"/>
-                    <a:cs typeface="+mn-cs"/>
-                  </a:defRPr>
-                </a:lvl5pPr>
-                <a:lvl6pPr marL="2286000" algn="l" defTabSz="914400" rtl="0" eaLnBrk="1" latinLnBrk="0" hangingPunct="1">
-                  <a:defRPr sz="1800" kern="1200">
-                    <a:solidFill>
-                      <a:schemeClr val="lt1"/>
-                    </a:solidFill>
-                    <a:latin typeface="+mn-lt"/>
-                    <a:ea typeface="+mn-ea"/>
-                    <a:cs typeface="+mn-cs"/>
-                  </a:defRPr>
-                </a:lvl6pPr>
-                <a:lvl7pPr marL="2743200" algn="l" defTabSz="914400" rtl="0" eaLnBrk="1" latinLnBrk="0" hangingPunct="1">
-                  <a:defRPr sz="1800" kern="1200">
-                    <a:solidFill>
-                      <a:schemeClr val="lt1"/>
-                    </a:solidFill>
-                    <a:latin typeface="+mn-lt"/>
-                    <a:ea typeface="+mn-ea"/>
-                    <a:cs typeface="+mn-cs"/>
-                  </a:defRPr>
-                </a:lvl7pPr>
-                <a:lvl8pPr marL="3200400" algn="l" defTabSz="914400" rtl="0" eaLnBrk="1" latinLnBrk="0" hangingPunct="1">
-                  <a:defRPr sz="1800" kern="1200">
-                    <a:solidFill>
-                      <a:schemeClr val="lt1"/>
-                    </a:solidFill>
-                    <a:latin typeface="+mn-lt"/>
-                    <a:ea typeface="+mn-ea"/>
-                    <a:cs typeface="+mn-cs"/>
-                  </a:defRPr>
-                </a:lvl8pPr>
-                <a:lvl9pPr marL="3657600" algn="l" defTabSz="914400" rtl="0" eaLnBrk="1" latinLnBrk="0" hangingPunct="1">
-                  <a:defRPr sz="1800" kern="1200">
-                    <a:solidFill>
-                      <a:schemeClr val="lt1"/>
-                    </a:solidFill>
-                    <a:latin typeface="+mn-lt"/>
-                    <a:ea typeface="+mn-ea"/>
-                    <a:cs typeface="+mn-cs"/>
-                  </a:defRPr>
-                </a:lvl9pPr>
-              </a:lstStyle>
-              <a:p>
-                <a:pPr marL="0" lvl="1" defTabSz="1218836" fontAlgn="base">
-                  <a:spcAft>
-                    <a:spcPct val="0"/>
-                  </a:spcAft>
-                </a:pPr>
-                <a:r>
-                  <a:rPr lang="en-US" sz="2000" dirty="0">
-                    <a:solidFill>
-                      <a:srgbClr val="595959">
-                        <a:alpha val="99000"/>
-                      </a:srgbClr>
-                    </a:solidFill>
-                    <a:ea typeface="Kozuka Gothic Pro R" pitchFamily="34" charset="-128"/>
-                  </a:rPr>
-                  <a:t>Platform</a:t>
-                </a:r>
-              </a:p>
-              <a:p>
-                <a:pPr defTabSz="1218936"/>
-                <a:r>
-                  <a:rPr lang="en-US" sz="1600" dirty="0">
-                    <a:solidFill>
-                      <a:srgbClr val="595959">
-                        <a:alpha val="99000"/>
-                      </a:srgbClr>
-                    </a:solidFill>
-                    <a:ea typeface="Kozuka Gothic Pro R" pitchFamily="34" charset="-128"/>
-                  </a:rPr>
-                  <a:t>(as a Service</a:t>
-                </a:r>
-                <a:r>
-                  <a:rPr lang="en-US" sz="1600" dirty="0" smtClean="0">
-                    <a:solidFill>
-                      <a:srgbClr val="595959">
-                        <a:alpha val="99000"/>
-                      </a:srgbClr>
-                    </a:solidFill>
-                    <a:ea typeface="Kozuka Gothic Pro R" pitchFamily="34" charset="-128"/>
-                  </a:rPr>
-                  <a:t>) (Paas)</a:t>
-                </a:r>
-                <a:endParaRPr lang="en-US" sz="1600" dirty="0">
-                  <a:solidFill>
-                    <a:srgbClr val="595959">
-                      <a:alpha val="99000"/>
-                    </a:srgbClr>
-                  </a:solidFill>
-                  <a:ea typeface="Kozuka Gothic Pro R" pitchFamily="34" charset="-128"/>
-                </a:endParaRPr>
-              </a:p>
-            </p:txBody>
-          </p:sp>
-          <p:sp>
-            <p:nvSpPr>
-              <p:cNvPr id="33" name="Left Brace 32"/>
-              <p:cNvSpPr/>
-              <p:nvPr/>
-            </p:nvSpPr>
-            <p:spPr>
-              <a:xfrm flipH="1">
-                <a:off x="8131739" y="3259131"/>
-                <a:ext cx="209580" cy="3122948"/>
-              </a:xfrm>
-              <a:prstGeom prst="leftBrace">
-                <a:avLst>
-                  <a:gd name="adj1" fmla="val 0"/>
-                  <a:gd name="adj2" fmla="val 50000"/>
-                </a:avLst>
-              </a:prstGeom>
-              <a:noFill/>
-              <a:ln w="19050" cap="flat" cmpd="sng" algn="ctr">
-                <a:solidFill>
-                  <a:schemeClr val="accent2"/>
-                </a:solidFill>
-                <a:prstDash val="solid"/>
-              </a:ln>
-              <a:effectLst/>
-            </p:spPr>
-            <p:txBody>
-              <a:bodyPr rtlCol="0" anchor="ctr"/>
-              <a:lstStyle/>
-              <a:p>
-                <a:pPr algn="ctr" defTabSz="1218936"/>
-                <a:endParaRPr lang="en-US" sz="1800" dirty="0">
-                  <a:solidFill>
-                    <a:srgbClr val="FFFFFF"/>
-                  </a:solidFill>
-                  <a:latin typeface="Segoe UI"/>
-                  <a:ea typeface="Segoe UI" pitchFamily="34" charset="0"/>
-                  <a:cs typeface="Segoe UI" pitchFamily="34" charset="0"/>
-                </a:endParaRPr>
-              </a:p>
-            </p:txBody>
-          </p:sp>
-          <p:sp>
-            <p:nvSpPr>
-              <p:cNvPr id="34" name="TextBox 54"/>
-              <p:cNvSpPr txBox="1"/>
-              <p:nvPr/>
-            </p:nvSpPr>
-            <p:spPr>
-              <a:xfrm flipH="1">
-                <a:off x="8285732" y="3992249"/>
-                <a:ext cx="400110" cy="1691104"/>
-              </a:xfrm>
-              <a:prstGeom prst="rect">
-                <a:avLst/>
-              </a:prstGeom>
-              <a:noFill/>
-            </p:spPr>
-            <p:txBody>
-              <a:bodyPr vert="eaVert" wrap="none" rtlCol="0">
-                <a:spAutoFit/>
-              </a:bodyPr>
-              <a:lstStyle>
-                <a:defPPr>
-                  <a:defRPr lang="en-US"/>
-                </a:defPPr>
-                <a:lvl1pPr marL="0" algn="l" defTabSz="914400" rtl="0" eaLnBrk="1" latinLnBrk="0" hangingPunct="1">
-                  <a:defRPr sz="1800" kern="1200">
-                    <a:solidFill>
-                      <a:schemeClr val="tx1"/>
-                    </a:solidFill>
-                    <a:latin typeface="+mn-lt"/>
-                    <a:ea typeface="+mn-ea"/>
-                    <a:cs typeface="+mn-cs"/>
-                  </a:defRPr>
-                </a:lvl1pPr>
-                <a:lvl2pPr marL="457200" algn="l" defTabSz="914400" rtl="0" eaLnBrk="1" latinLnBrk="0" hangingPunct="1">
-                  <a:defRPr sz="1800" kern="1200">
-                    <a:solidFill>
-                      <a:schemeClr val="tx1"/>
-                    </a:solidFill>
-                    <a:latin typeface="+mn-lt"/>
-                    <a:ea typeface="+mn-ea"/>
-                    <a:cs typeface="+mn-cs"/>
-                  </a:defRPr>
-                </a:lvl2pPr>
-                <a:lvl3pPr marL="914400" algn="l" defTabSz="914400" rtl="0" eaLnBrk="1" latinLnBrk="0" hangingPunct="1">
-                  <a:defRPr sz="1800" kern="1200">
-                    <a:solidFill>
-                      <a:schemeClr val="tx1"/>
-                    </a:solidFill>
-                    <a:latin typeface="+mn-lt"/>
-                    <a:ea typeface="+mn-ea"/>
-                    <a:cs typeface="+mn-cs"/>
-                  </a:defRPr>
-                </a:lvl3pPr>
-                <a:lvl4pPr marL="1371600" algn="l" defTabSz="914400" rtl="0" eaLnBrk="1" latinLnBrk="0" hangingPunct="1">
-                  <a:defRPr sz="1800" kern="1200">
-                    <a:solidFill>
-                      <a:schemeClr val="tx1"/>
-                    </a:solidFill>
-                    <a:latin typeface="+mn-lt"/>
-                    <a:ea typeface="+mn-ea"/>
-                    <a:cs typeface="+mn-cs"/>
-                  </a:defRPr>
-                </a:lvl4pPr>
-                <a:lvl5pPr marL="1828800" algn="l" defTabSz="914400" rtl="0" eaLnBrk="1" latinLnBrk="0" hangingPunct="1">
-                  <a:defRPr sz="1800" kern="1200">
-                    <a:solidFill>
-                      <a:schemeClr val="tx1"/>
-                    </a:solidFill>
-                    <a:latin typeface="+mn-lt"/>
-                    <a:ea typeface="+mn-ea"/>
-                    <a:cs typeface="+mn-cs"/>
-                  </a:defRPr>
-                </a:lvl5pPr>
-                <a:lvl6pPr marL="2286000" algn="l" defTabSz="914400" rtl="0" eaLnBrk="1" latinLnBrk="0" hangingPunct="1">
-                  <a:defRPr sz="1800" kern="1200">
-                    <a:solidFill>
-                      <a:schemeClr val="tx1"/>
-                    </a:solidFill>
-                    <a:latin typeface="+mn-lt"/>
-                    <a:ea typeface="+mn-ea"/>
-                    <a:cs typeface="+mn-cs"/>
-                  </a:defRPr>
-                </a:lvl6pPr>
-                <a:lvl7pPr marL="2743200" algn="l" defTabSz="914400" rtl="0" eaLnBrk="1" latinLnBrk="0" hangingPunct="1">
-                  <a:defRPr sz="1800" kern="1200">
-                    <a:solidFill>
-                      <a:schemeClr val="tx1"/>
-                    </a:solidFill>
-                    <a:latin typeface="+mn-lt"/>
-                    <a:ea typeface="+mn-ea"/>
-                    <a:cs typeface="+mn-cs"/>
-                  </a:defRPr>
-                </a:lvl7pPr>
-                <a:lvl8pPr marL="3200400" algn="l" defTabSz="914400" rtl="0" eaLnBrk="1" latinLnBrk="0" hangingPunct="1">
-                  <a:defRPr sz="1800" kern="1200">
-                    <a:solidFill>
-                      <a:schemeClr val="tx1"/>
-                    </a:solidFill>
-                    <a:latin typeface="+mn-lt"/>
-                    <a:ea typeface="+mn-ea"/>
-                    <a:cs typeface="+mn-cs"/>
-                  </a:defRPr>
-                </a:lvl8pPr>
-                <a:lvl9pPr marL="3657600" algn="l" defTabSz="914400" rtl="0" eaLnBrk="1" latinLnBrk="0" hangingPunct="1">
-                  <a:defRPr sz="1800" kern="1200">
-                    <a:solidFill>
-                      <a:schemeClr val="tx1"/>
-                    </a:solidFill>
-                    <a:latin typeface="+mn-lt"/>
-                    <a:ea typeface="+mn-ea"/>
-                    <a:cs typeface="+mn-cs"/>
-                  </a:defRPr>
-                </a:lvl9pPr>
-              </a:lstStyle>
-              <a:p>
-                <a:pPr marL="0" lvl="1" algn="ctr" defTabSz="1218836" fontAlgn="base">
-                  <a:spcAft>
-                    <a:spcPct val="0"/>
-                  </a:spcAft>
-                </a:pPr>
-                <a:r>
-                  <a:rPr lang="en-US" sz="1400" dirty="0">
-                    <a:solidFill>
-                      <a:srgbClr val="595959">
-                        <a:alpha val="99000"/>
-                      </a:srgbClr>
-                    </a:solidFill>
-                    <a:ea typeface="Kozuka Gothic Pro R" pitchFamily="34" charset="-128"/>
-                  </a:rPr>
-                  <a:t>Managed by vendor</a:t>
-                </a:r>
-              </a:p>
-            </p:txBody>
-          </p:sp>
-          <p:sp>
-            <p:nvSpPr>
-              <p:cNvPr id="35" name="Left Brace 34"/>
-              <p:cNvSpPr/>
-              <p:nvPr/>
-            </p:nvSpPr>
-            <p:spPr>
-              <a:xfrm>
-                <a:off x="6322411" y="2335206"/>
-                <a:ext cx="152400" cy="847725"/>
-              </a:xfrm>
-              <a:prstGeom prst="leftBrace">
-                <a:avLst>
-                  <a:gd name="adj1" fmla="val 0"/>
-                  <a:gd name="adj2" fmla="val 50000"/>
-                </a:avLst>
-              </a:prstGeom>
-              <a:noFill/>
-              <a:ln w="19050" cap="flat" cmpd="sng" algn="ctr">
-                <a:solidFill>
-                  <a:schemeClr val="accent2"/>
-                </a:solidFill>
-                <a:prstDash val="solid"/>
-              </a:ln>
-              <a:effectLst/>
-            </p:spPr>
-            <p:txBody>
-              <a:bodyPr rtlCol="0" anchor="ctr"/>
-              <a:lstStyle/>
-              <a:p>
-                <a:pPr algn="ctr" defTabSz="1218936"/>
-                <a:endParaRPr lang="en-US" sz="1800" dirty="0">
-                  <a:solidFill>
-                    <a:srgbClr val="FFFFFF"/>
-                  </a:solidFill>
-                  <a:latin typeface="Segoe UI"/>
-                  <a:ea typeface="Segoe UI" pitchFamily="34" charset="0"/>
-                  <a:cs typeface="Segoe UI" pitchFamily="34" charset="0"/>
-                </a:endParaRPr>
-              </a:p>
-            </p:txBody>
-          </p:sp>
-          <p:sp>
-            <p:nvSpPr>
-              <p:cNvPr id="36" name="TextBox 60"/>
-              <p:cNvSpPr txBox="1"/>
-              <p:nvPr/>
-            </p:nvSpPr>
-            <p:spPr>
-              <a:xfrm>
-                <a:off x="5979422" y="2220697"/>
-                <a:ext cx="400110" cy="1070421"/>
-              </a:xfrm>
-              <a:prstGeom prst="rect">
-                <a:avLst/>
-              </a:prstGeom>
-              <a:noFill/>
-            </p:spPr>
-            <p:txBody>
-              <a:bodyPr vert="vert270" wrap="none" rtlCol="0">
-                <a:spAutoFit/>
-              </a:bodyPr>
-              <a:lstStyle>
-                <a:defPPr>
-                  <a:defRPr lang="en-US"/>
-                </a:defPPr>
-                <a:lvl1pPr marL="0" algn="l" defTabSz="914400" rtl="0" eaLnBrk="1" latinLnBrk="0" hangingPunct="1">
-                  <a:defRPr sz="1800" kern="1200">
-                    <a:solidFill>
-                      <a:schemeClr val="tx1"/>
-                    </a:solidFill>
-                    <a:latin typeface="+mn-lt"/>
-                    <a:ea typeface="+mn-ea"/>
-                    <a:cs typeface="+mn-cs"/>
-                  </a:defRPr>
-                </a:lvl1pPr>
-                <a:lvl2pPr marL="457200" algn="l" defTabSz="914400" rtl="0" eaLnBrk="1" latinLnBrk="0" hangingPunct="1">
-                  <a:defRPr sz="1800" kern="1200">
-                    <a:solidFill>
-                      <a:schemeClr val="tx1"/>
-                    </a:solidFill>
-                    <a:latin typeface="+mn-lt"/>
-                    <a:ea typeface="+mn-ea"/>
-                    <a:cs typeface="+mn-cs"/>
-                  </a:defRPr>
-                </a:lvl2pPr>
-                <a:lvl3pPr marL="914400" algn="l" defTabSz="914400" rtl="0" eaLnBrk="1" latinLnBrk="0" hangingPunct="1">
-                  <a:defRPr sz="1800" kern="1200">
-                    <a:solidFill>
-                      <a:schemeClr val="tx1"/>
-                    </a:solidFill>
-                    <a:latin typeface="+mn-lt"/>
-                    <a:ea typeface="+mn-ea"/>
-                    <a:cs typeface="+mn-cs"/>
-                  </a:defRPr>
-                </a:lvl3pPr>
-                <a:lvl4pPr marL="1371600" algn="l" defTabSz="914400" rtl="0" eaLnBrk="1" latinLnBrk="0" hangingPunct="1">
-                  <a:defRPr sz="1800" kern="1200">
-                    <a:solidFill>
-                      <a:schemeClr val="tx1"/>
-                    </a:solidFill>
-                    <a:latin typeface="+mn-lt"/>
-                    <a:ea typeface="+mn-ea"/>
-                    <a:cs typeface="+mn-cs"/>
-                  </a:defRPr>
-                </a:lvl4pPr>
-                <a:lvl5pPr marL="1828800" algn="l" defTabSz="914400" rtl="0" eaLnBrk="1" latinLnBrk="0" hangingPunct="1">
-                  <a:defRPr sz="1800" kern="1200">
-                    <a:solidFill>
-                      <a:schemeClr val="tx1"/>
-                    </a:solidFill>
-                    <a:latin typeface="+mn-lt"/>
-                    <a:ea typeface="+mn-ea"/>
-                    <a:cs typeface="+mn-cs"/>
-                  </a:defRPr>
-                </a:lvl5pPr>
-                <a:lvl6pPr marL="2286000" algn="l" defTabSz="914400" rtl="0" eaLnBrk="1" latinLnBrk="0" hangingPunct="1">
-                  <a:defRPr sz="1800" kern="1200">
-                    <a:solidFill>
-                      <a:schemeClr val="tx1"/>
-                    </a:solidFill>
-                    <a:latin typeface="+mn-lt"/>
-                    <a:ea typeface="+mn-ea"/>
-                    <a:cs typeface="+mn-cs"/>
-                  </a:defRPr>
-                </a:lvl6pPr>
-                <a:lvl7pPr marL="2743200" algn="l" defTabSz="914400" rtl="0" eaLnBrk="1" latinLnBrk="0" hangingPunct="1">
-                  <a:defRPr sz="1800" kern="1200">
-                    <a:solidFill>
-                      <a:schemeClr val="tx1"/>
-                    </a:solidFill>
-                    <a:latin typeface="+mn-lt"/>
-                    <a:ea typeface="+mn-ea"/>
-                    <a:cs typeface="+mn-cs"/>
-                  </a:defRPr>
-                </a:lvl7pPr>
-                <a:lvl8pPr marL="3200400" algn="l" defTabSz="914400" rtl="0" eaLnBrk="1" latinLnBrk="0" hangingPunct="1">
-                  <a:defRPr sz="1800" kern="1200">
-                    <a:solidFill>
-                      <a:schemeClr val="tx1"/>
-                    </a:solidFill>
-                    <a:latin typeface="+mn-lt"/>
-                    <a:ea typeface="+mn-ea"/>
-                    <a:cs typeface="+mn-cs"/>
-                  </a:defRPr>
-                </a:lvl8pPr>
-                <a:lvl9pPr marL="3657600" algn="l" defTabSz="914400" rtl="0" eaLnBrk="1" latinLnBrk="0" hangingPunct="1">
-                  <a:defRPr sz="1800" kern="1200">
-                    <a:solidFill>
-                      <a:schemeClr val="tx1"/>
-                    </a:solidFill>
-                    <a:latin typeface="+mn-lt"/>
-                    <a:ea typeface="+mn-ea"/>
-                    <a:cs typeface="+mn-cs"/>
-                  </a:defRPr>
-                </a:lvl9pPr>
-              </a:lstStyle>
-              <a:p>
-                <a:pPr marL="0" lvl="1" algn="ctr" defTabSz="1218836" fontAlgn="base">
-                  <a:spcAft>
-                    <a:spcPct val="0"/>
-                  </a:spcAft>
-                </a:pPr>
-                <a:r>
-                  <a:rPr lang="en-US" sz="1400" dirty="0">
-                    <a:solidFill>
-                      <a:srgbClr val="595959">
-                        <a:alpha val="99000"/>
-                      </a:srgbClr>
-                    </a:solidFill>
-                    <a:ea typeface="Kozuka Gothic Pro R" pitchFamily="34" charset="-128"/>
-                  </a:rPr>
-                  <a:t>You manage</a:t>
-                </a:r>
-              </a:p>
-            </p:txBody>
-          </p:sp>
-          <p:sp>
-            <p:nvSpPr>
-              <p:cNvPr id="37" name="Rectangle 36"/>
-              <p:cNvSpPr/>
-              <p:nvPr/>
-            </p:nvSpPr>
-            <p:spPr>
-              <a:xfrm>
-                <a:off x="6484238" y="5537990"/>
-                <a:ext cx="1638240" cy="381000"/>
-              </a:xfrm>
-              <a:prstGeom prst="rect">
-                <a:avLst/>
-              </a:prstGeom>
-              <a:ln/>
-            </p:spPr>
-            <p:style>
-              <a:lnRef idx="2">
-                <a:schemeClr val="accent2">
-                  <a:shade val="50000"/>
-                </a:schemeClr>
-              </a:lnRef>
-              <a:fillRef idx="1">
-                <a:schemeClr val="accent2"/>
-              </a:fillRef>
-              <a:effectRef idx="0">
-                <a:schemeClr val="accent2"/>
-              </a:effectRef>
-              <a:fontRef idx="minor">
-                <a:schemeClr val="lt1"/>
-              </a:fontRef>
-            </p:style>
-            <p:txBody>
-              <a:bodyPr lIns="0" rIns="0" rtlCol="0" anchor="t" anchorCtr="0"/>
-              <a:lstStyle/>
-              <a:p>
-                <a:pPr algn="ctr" defTabSz="1218936"/>
-                <a:r>
-                  <a:rPr lang="en-US" sz="1500" dirty="0">
-                    <a:solidFill>
-                      <a:schemeClr val="bg1">
-                        <a:alpha val="99000"/>
-                      </a:schemeClr>
-                    </a:solidFill>
-                    <a:latin typeface="Segoe UI"/>
-                    <a:ea typeface="Segoe UI" pitchFamily="34" charset="0"/>
-                    <a:cs typeface="Segoe UI" pitchFamily="34" charset="0"/>
-                  </a:rPr>
-                  <a:t>Storage</a:t>
-                </a:r>
-              </a:p>
-            </p:txBody>
-          </p:sp>
-          <p:sp>
-            <p:nvSpPr>
-              <p:cNvPr id="38" name="Rectangle 37"/>
-              <p:cNvSpPr/>
-              <p:nvPr/>
-            </p:nvSpPr>
-            <p:spPr>
-              <a:xfrm>
-                <a:off x="6484238" y="5083171"/>
-                <a:ext cx="1638240" cy="381000"/>
-              </a:xfrm>
-              <a:prstGeom prst="rect">
-                <a:avLst/>
-              </a:prstGeom>
-              <a:ln/>
-            </p:spPr>
-            <p:style>
-              <a:lnRef idx="2">
-                <a:schemeClr val="accent2">
-                  <a:shade val="50000"/>
-                </a:schemeClr>
-              </a:lnRef>
-              <a:fillRef idx="1">
-                <a:schemeClr val="accent2"/>
-              </a:fillRef>
-              <a:effectRef idx="0">
-                <a:schemeClr val="accent2"/>
-              </a:effectRef>
-              <a:fontRef idx="minor">
-                <a:schemeClr val="lt1"/>
-              </a:fontRef>
-            </p:style>
-            <p:txBody>
-              <a:bodyPr lIns="0" rIns="0" rtlCol="0" anchor="t" anchorCtr="0"/>
-              <a:lstStyle/>
-              <a:p>
-                <a:pPr algn="ctr" defTabSz="1218936"/>
-                <a:r>
-                  <a:rPr lang="en-US" sz="1500" dirty="0">
-                    <a:solidFill>
-                      <a:schemeClr val="bg1">
-                        <a:alpha val="99000"/>
-                      </a:schemeClr>
-                    </a:solidFill>
-                    <a:latin typeface="Segoe UI"/>
-                    <a:ea typeface="Segoe UI" pitchFamily="34" charset="0"/>
-                    <a:cs typeface="Segoe UI" pitchFamily="34" charset="0"/>
-                  </a:rPr>
-                  <a:t>Servers</a:t>
-                </a:r>
-              </a:p>
-            </p:txBody>
-          </p:sp>
-          <p:sp>
-            <p:nvSpPr>
-              <p:cNvPr id="39" name="Rectangle 38"/>
-              <p:cNvSpPr/>
-              <p:nvPr/>
-            </p:nvSpPr>
-            <p:spPr>
-              <a:xfrm>
-                <a:off x="6484238" y="5992807"/>
-                <a:ext cx="1638240" cy="381000"/>
-              </a:xfrm>
-              <a:prstGeom prst="rect">
-                <a:avLst/>
-              </a:prstGeom>
-              <a:ln/>
-            </p:spPr>
-            <p:style>
-              <a:lnRef idx="2">
-                <a:schemeClr val="accent2">
-                  <a:shade val="50000"/>
-                </a:schemeClr>
-              </a:lnRef>
-              <a:fillRef idx="1">
-                <a:schemeClr val="accent2"/>
-              </a:fillRef>
-              <a:effectRef idx="0">
-                <a:schemeClr val="accent2"/>
-              </a:effectRef>
-              <a:fontRef idx="minor">
-                <a:schemeClr val="lt1"/>
-              </a:fontRef>
-            </p:style>
-            <p:txBody>
-              <a:bodyPr lIns="0" rIns="0" rtlCol="0" anchor="t" anchorCtr="0"/>
-              <a:lstStyle/>
-              <a:p>
-                <a:pPr algn="ctr" defTabSz="1218936"/>
-                <a:r>
-                  <a:rPr lang="en-US" sz="1500" dirty="0">
-                    <a:solidFill>
-                      <a:schemeClr val="bg1">
-                        <a:alpha val="99000"/>
-                      </a:schemeClr>
-                    </a:solidFill>
-                    <a:latin typeface="Segoe UI"/>
-                    <a:ea typeface="Segoe UI" pitchFamily="34" charset="0"/>
-                    <a:cs typeface="Segoe UI" pitchFamily="34" charset="0"/>
-                  </a:rPr>
-                  <a:t>Networking</a:t>
-                </a:r>
-              </a:p>
-            </p:txBody>
-          </p:sp>
-          <p:sp>
-            <p:nvSpPr>
-              <p:cNvPr id="40" name="Rectangle 39"/>
-              <p:cNvSpPr/>
-              <p:nvPr/>
-            </p:nvSpPr>
-            <p:spPr>
-              <a:xfrm>
-                <a:off x="6484238" y="4173533"/>
-                <a:ext cx="1638240" cy="381000"/>
-              </a:xfrm>
-              <a:prstGeom prst="rect">
-                <a:avLst/>
-              </a:prstGeom>
-              <a:ln/>
-            </p:spPr>
-            <p:style>
-              <a:lnRef idx="2">
-                <a:schemeClr val="accent2">
-                  <a:shade val="50000"/>
-                </a:schemeClr>
-              </a:lnRef>
-              <a:fillRef idx="1">
-                <a:schemeClr val="accent2"/>
-              </a:fillRef>
-              <a:effectRef idx="0">
-                <a:schemeClr val="accent2"/>
-              </a:effectRef>
-              <a:fontRef idx="minor">
-                <a:schemeClr val="lt1"/>
-              </a:fontRef>
-            </p:style>
-            <p:txBody>
-              <a:bodyPr lIns="0" rIns="0" rtlCol="0" anchor="t" anchorCtr="0"/>
-              <a:lstStyle/>
-              <a:p>
-                <a:pPr algn="ctr" defTabSz="1218936"/>
-                <a:r>
-                  <a:rPr lang="en-US" sz="1500" dirty="0">
-                    <a:solidFill>
-                      <a:schemeClr val="bg1">
-                        <a:alpha val="99000"/>
-                      </a:schemeClr>
-                    </a:solidFill>
-                    <a:latin typeface="Segoe UI"/>
-                    <a:ea typeface="Segoe UI" pitchFamily="34" charset="0"/>
-                    <a:cs typeface="Segoe UI" pitchFamily="34" charset="0"/>
-                  </a:rPr>
-                  <a:t>O/S</a:t>
-                </a:r>
-              </a:p>
-            </p:txBody>
-          </p:sp>
-          <p:sp>
-            <p:nvSpPr>
-              <p:cNvPr id="41" name="Rectangle 40"/>
-              <p:cNvSpPr/>
-              <p:nvPr/>
-            </p:nvSpPr>
-            <p:spPr>
-              <a:xfrm>
-                <a:off x="6484238" y="3718714"/>
-                <a:ext cx="1638240" cy="381000"/>
-              </a:xfrm>
-              <a:prstGeom prst="rect">
-                <a:avLst/>
-              </a:prstGeom>
-              <a:ln/>
-            </p:spPr>
-            <p:style>
-              <a:lnRef idx="2">
-                <a:schemeClr val="accent2">
-                  <a:shade val="50000"/>
-                </a:schemeClr>
-              </a:lnRef>
-              <a:fillRef idx="1">
-                <a:schemeClr val="accent2"/>
-              </a:fillRef>
-              <a:effectRef idx="0">
-                <a:schemeClr val="accent2"/>
-              </a:effectRef>
-              <a:fontRef idx="minor">
-                <a:schemeClr val="lt1"/>
-              </a:fontRef>
-            </p:style>
-            <p:txBody>
-              <a:bodyPr lIns="0" rIns="0" rtlCol="0" anchor="t" anchorCtr="0"/>
-              <a:lstStyle/>
-              <a:p>
-                <a:pPr algn="ctr" defTabSz="1218936"/>
-                <a:r>
-                  <a:rPr lang="en-US" sz="1500" dirty="0">
-                    <a:solidFill>
-                      <a:schemeClr val="bg1">
-                        <a:alpha val="99000"/>
-                      </a:schemeClr>
-                    </a:solidFill>
-                    <a:latin typeface="Segoe UI"/>
-                    <a:ea typeface="Segoe UI" pitchFamily="34" charset="0"/>
-                    <a:cs typeface="Segoe UI" pitchFamily="34" charset="0"/>
-                  </a:rPr>
-                  <a:t>Middleware</a:t>
-                </a:r>
-              </a:p>
-            </p:txBody>
-          </p:sp>
-          <p:sp>
-            <p:nvSpPr>
-              <p:cNvPr id="42" name="Rectangle 41"/>
-              <p:cNvSpPr/>
-              <p:nvPr/>
-            </p:nvSpPr>
-            <p:spPr>
-              <a:xfrm>
-                <a:off x="6484238" y="4628352"/>
-                <a:ext cx="1638240" cy="381000"/>
-              </a:xfrm>
-              <a:prstGeom prst="rect">
-                <a:avLst/>
-              </a:prstGeom>
-              <a:ln/>
-            </p:spPr>
-            <p:style>
-              <a:lnRef idx="2">
-                <a:schemeClr val="accent2">
-                  <a:shade val="50000"/>
-                </a:schemeClr>
-              </a:lnRef>
-              <a:fillRef idx="1">
-                <a:schemeClr val="accent2"/>
-              </a:fillRef>
-              <a:effectRef idx="0">
-                <a:schemeClr val="accent2"/>
-              </a:effectRef>
-              <a:fontRef idx="minor">
-                <a:schemeClr val="lt1"/>
-              </a:fontRef>
-            </p:style>
-            <p:txBody>
-              <a:bodyPr lIns="0" rIns="0" rtlCol="0" anchor="t" anchorCtr="0"/>
-              <a:lstStyle/>
-              <a:p>
-                <a:pPr algn="ctr" defTabSz="1218936"/>
-                <a:r>
-                  <a:rPr lang="en-US" sz="1500" dirty="0">
-                    <a:solidFill>
-                      <a:schemeClr val="bg1">
-                        <a:alpha val="99000"/>
-                      </a:schemeClr>
-                    </a:solidFill>
-                    <a:latin typeface="Segoe UI"/>
-                    <a:ea typeface="Segoe UI" pitchFamily="34" charset="0"/>
-                    <a:cs typeface="Segoe UI" pitchFamily="34" charset="0"/>
-                  </a:rPr>
-                  <a:t>Virtualization</a:t>
-                </a:r>
-              </a:p>
-            </p:txBody>
-          </p:sp>
-          <p:sp>
-            <p:nvSpPr>
-              <p:cNvPr id="43" name="Rectangle 42"/>
-              <p:cNvSpPr/>
-              <p:nvPr/>
-            </p:nvSpPr>
-            <p:spPr>
-              <a:xfrm>
-                <a:off x="6484238" y="2354257"/>
-                <a:ext cx="1638240" cy="381000"/>
-              </a:xfrm>
-              <a:prstGeom prst="rect">
-                <a:avLst/>
-              </a:prstGeom>
-              <a:solidFill>
-                <a:schemeClr val="accent1"/>
-              </a:solidFill>
-              <a:ln w="9525" cap="flat" cmpd="sng" algn="ctr">
-                <a:solidFill>
-                  <a:srgbClr val="FFC000">
-                    <a:shade val="95000"/>
-                    <a:satMod val="105000"/>
-                  </a:srgbClr>
-                </a:solidFill>
-                <a:prstDash val="solid"/>
-              </a:ln>
-              <a:effectLst/>
-            </p:spPr>
-            <p:txBody>
-              <a:bodyPr rtlCol="0" anchor="t" anchorCtr="0"/>
-              <a:lstStyle/>
-              <a:p>
-                <a:pPr algn="ctr" defTabSz="1218936"/>
-                <a:r>
-                  <a:rPr lang="en-US" sz="1500" dirty="0">
-                    <a:solidFill>
-                      <a:schemeClr val="bg1">
-                        <a:alpha val="99000"/>
-                      </a:schemeClr>
-                    </a:solidFill>
-                    <a:latin typeface="Segoe UI"/>
-                    <a:ea typeface="Segoe UI" pitchFamily="34" charset="0"/>
-                    <a:cs typeface="Segoe UI" pitchFamily="34" charset="0"/>
-                  </a:rPr>
-                  <a:t>Applications</a:t>
-                </a:r>
-              </a:p>
-            </p:txBody>
-          </p:sp>
-          <p:sp>
-            <p:nvSpPr>
-              <p:cNvPr id="44" name="Rectangle 43"/>
-              <p:cNvSpPr/>
-              <p:nvPr/>
-            </p:nvSpPr>
-            <p:spPr>
-              <a:xfrm>
-                <a:off x="6484238" y="3263895"/>
-                <a:ext cx="1638240" cy="381000"/>
-              </a:xfrm>
-              <a:prstGeom prst="rect">
-                <a:avLst/>
-              </a:prstGeom>
-              <a:ln/>
-            </p:spPr>
-            <p:style>
-              <a:lnRef idx="2">
-                <a:schemeClr val="accent2">
-                  <a:shade val="50000"/>
-                </a:schemeClr>
-              </a:lnRef>
-              <a:fillRef idx="1">
-                <a:schemeClr val="accent2"/>
-              </a:fillRef>
-              <a:effectRef idx="0">
-                <a:schemeClr val="accent2"/>
-              </a:effectRef>
-              <a:fontRef idx="minor">
-                <a:schemeClr val="lt1"/>
-              </a:fontRef>
-            </p:style>
-            <p:txBody>
-              <a:bodyPr lIns="0" rIns="0" rtlCol="0" anchor="t" anchorCtr="0"/>
-              <a:lstStyle/>
-              <a:p>
-                <a:pPr algn="ctr" defTabSz="1218936"/>
-                <a:r>
-                  <a:rPr lang="en-US" sz="1500" dirty="0">
-                    <a:solidFill>
-                      <a:schemeClr val="bg1">
-                        <a:alpha val="99000"/>
-                      </a:schemeClr>
-                    </a:solidFill>
-                    <a:latin typeface="Segoe UI"/>
-                    <a:ea typeface="Segoe UI" pitchFamily="34" charset="0"/>
-                    <a:cs typeface="Segoe UI" pitchFamily="34" charset="0"/>
-                  </a:rPr>
-                  <a:t>Runtime</a:t>
-                </a:r>
-              </a:p>
-            </p:txBody>
-          </p:sp>
-          <p:sp>
-            <p:nvSpPr>
-              <p:cNvPr id="45" name="Rectangle 44"/>
-              <p:cNvSpPr/>
-              <p:nvPr/>
-            </p:nvSpPr>
-            <p:spPr>
-              <a:xfrm>
-                <a:off x="6484238" y="2809076"/>
-                <a:ext cx="1638240" cy="381000"/>
-              </a:xfrm>
-              <a:prstGeom prst="rect">
-                <a:avLst/>
-              </a:prstGeom>
-              <a:solidFill>
-                <a:schemeClr val="accent1"/>
-              </a:solidFill>
-              <a:ln w="9525" cap="flat" cmpd="sng" algn="ctr">
-                <a:solidFill>
-                  <a:srgbClr val="FFC000">
-                    <a:shade val="95000"/>
-                    <a:satMod val="105000"/>
-                  </a:srgbClr>
-                </a:solidFill>
-                <a:prstDash val="solid"/>
-              </a:ln>
-              <a:effectLst/>
-            </p:spPr>
-            <p:txBody>
-              <a:bodyPr rtlCol="0" anchor="t" anchorCtr="0"/>
-              <a:lstStyle/>
-              <a:p>
-                <a:pPr algn="ctr" defTabSz="1218936"/>
-                <a:r>
-                  <a:rPr lang="en-US" sz="1500" dirty="0">
-                    <a:solidFill>
-                      <a:schemeClr val="bg1">
-                        <a:alpha val="99000"/>
-                      </a:schemeClr>
-                    </a:solidFill>
-                    <a:latin typeface="Segoe UI"/>
-                    <a:ea typeface="Segoe UI" pitchFamily="34" charset="0"/>
-                    <a:cs typeface="Segoe UI" pitchFamily="34" charset="0"/>
-                  </a:rPr>
-                  <a:t>Data</a:t>
-                </a:r>
-              </a:p>
-            </p:txBody>
-          </p:sp>
-        </p:grpSp>
-        <p:grpSp>
-          <p:nvGrpSpPr>
-            <p:cNvPr id="46" name="Group 45"/>
-            <p:cNvGrpSpPr/>
-            <p:nvPr/>
-          </p:nvGrpSpPr>
-          <p:grpSpPr>
-            <a:xfrm>
-              <a:off x="9463135" y="1319029"/>
-              <a:ext cx="2323096" cy="4790431"/>
-              <a:chOff x="8980831" y="1583373"/>
-              <a:chExt cx="2323096" cy="4790431"/>
-            </a:xfrm>
-          </p:grpSpPr>
-          <p:sp>
-            <p:nvSpPr>
-              <p:cNvPr id="47" name="Rectangle 46"/>
-              <p:cNvSpPr/>
-              <p:nvPr/>
-            </p:nvSpPr>
-            <p:spPr>
-              <a:xfrm>
-                <a:off x="8980831" y="1583373"/>
-                <a:ext cx="2028257" cy="640080"/>
-              </a:xfrm>
-              <a:prstGeom prst="rect">
-                <a:avLst/>
-              </a:prstGeom>
-              <a:noFill/>
-              <a:ln w="9525" cap="flat" cmpd="sng" algn="ctr">
-                <a:noFill/>
-                <a:prstDash val="solid"/>
-              </a:ln>
-              <a:effectLst/>
-            </p:spPr>
-            <p:txBody>
-              <a:bodyPr tIns="0" bIns="0" rtlCol="0" anchor="t" anchorCtr="0"/>
-              <a:lstStyle>
-                <a:defPPr>
-                  <a:defRPr lang="en-US"/>
-                </a:defPPr>
-                <a:lvl1pPr marL="0" algn="l" defTabSz="914400" rtl="0" eaLnBrk="1" latinLnBrk="0" hangingPunct="1">
-                  <a:defRPr sz="1800" kern="1200">
-                    <a:solidFill>
-                      <a:schemeClr val="lt1"/>
-                    </a:solidFill>
-                    <a:latin typeface="+mn-lt"/>
-                    <a:ea typeface="+mn-ea"/>
-                    <a:cs typeface="+mn-cs"/>
-                  </a:defRPr>
-                </a:lvl1pPr>
-                <a:lvl2pPr marL="457200" algn="l" defTabSz="914400" rtl="0" eaLnBrk="1" latinLnBrk="0" hangingPunct="1">
-                  <a:defRPr sz="1800" kern="1200">
-                    <a:solidFill>
-                      <a:schemeClr val="lt1"/>
-                    </a:solidFill>
-                    <a:latin typeface="+mn-lt"/>
-                    <a:ea typeface="+mn-ea"/>
-                    <a:cs typeface="+mn-cs"/>
-                  </a:defRPr>
-                </a:lvl2pPr>
-                <a:lvl3pPr marL="914400" algn="l" defTabSz="914400" rtl="0" eaLnBrk="1" latinLnBrk="0" hangingPunct="1">
-                  <a:defRPr sz="1800" kern="1200">
-                    <a:solidFill>
-                      <a:schemeClr val="lt1"/>
-                    </a:solidFill>
-                    <a:latin typeface="+mn-lt"/>
-                    <a:ea typeface="+mn-ea"/>
-                    <a:cs typeface="+mn-cs"/>
-                  </a:defRPr>
-                </a:lvl3pPr>
-                <a:lvl4pPr marL="1371600" algn="l" defTabSz="914400" rtl="0" eaLnBrk="1" latinLnBrk="0" hangingPunct="1">
-                  <a:defRPr sz="1800" kern="1200">
-                    <a:solidFill>
-                      <a:schemeClr val="lt1"/>
-                    </a:solidFill>
-                    <a:latin typeface="+mn-lt"/>
-                    <a:ea typeface="+mn-ea"/>
-                    <a:cs typeface="+mn-cs"/>
-                  </a:defRPr>
-                </a:lvl4pPr>
-                <a:lvl5pPr marL="1828800" algn="l" defTabSz="914400" rtl="0" eaLnBrk="1" latinLnBrk="0" hangingPunct="1">
-                  <a:defRPr sz="1800" kern="1200">
-                    <a:solidFill>
-                      <a:schemeClr val="lt1"/>
-                    </a:solidFill>
-                    <a:latin typeface="+mn-lt"/>
-                    <a:ea typeface="+mn-ea"/>
-                    <a:cs typeface="+mn-cs"/>
-                  </a:defRPr>
-                </a:lvl5pPr>
-                <a:lvl6pPr marL="2286000" algn="l" defTabSz="914400" rtl="0" eaLnBrk="1" latinLnBrk="0" hangingPunct="1">
-                  <a:defRPr sz="1800" kern="1200">
-                    <a:solidFill>
-                      <a:schemeClr val="lt1"/>
-                    </a:solidFill>
-                    <a:latin typeface="+mn-lt"/>
-                    <a:ea typeface="+mn-ea"/>
-                    <a:cs typeface="+mn-cs"/>
-                  </a:defRPr>
-                </a:lvl6pPr>
-                <a:lvl7pPr marL="2743200" algn="l" defTabSz="914400" rtl="0" eaLnBrk="1" latinLnBrk="0" hangingPunct="1">
-                  <a:defRPr sz="1800" kern="1200">
-                    <a:solidFill>
-                      <a:schemeClr val="lt1"/>
-                    </a:solidFill>
-                    <a:latin typeface="+mn-lt"/>
-                    <a:ea typeface="+mn-ea"/>
-                    <a:cs typeface="+mn-cs"/>
-                  </a:defRPr>
-                </a:lvl7pPr>
-                <a:lvl8pPr marL="3200400" algn="l" defTabSz="914400" rtl="0" eaLnBrk="1" latinLnBrk="0" hangingPunct="1">
-                  <a:defRPr sz="1800" kern="1200">
-                    <a:solidFill>
-                      <a:schemeClr val="lt1"/>
-                    </a:solidFill>
-                    <a:latin typeface="+mn-lt"/>
-                    <a:ea typeface="+mn-ea"/>
-                    <a:cs typeface="+mn-cs"/>
-                  </a:defRPr>
-                </a:lvl8pPr>
-                <a:lvl9pPr marL="3657600" algn="l" defTabSz="914400" rtl="0" eaLnBrk="1" latinLnBrk="0" hangingPunct="1">
-                  <a:defRPr sz="1800" kern="1200">
-                    <a:solidFill>
-                      <a:schemeClr val="lt1"/>
-                    </a:solidFill>
-                    <a:latin typeface="+mn-lt"/>
-                    <a:ea typeface="+mn-ea"/>
-                    <a:cs typeface="+mn-cs"/>
-                  </a:defRPr>
-                </a:lvl9pPr>
-              </a:lstStyle>
-              <a:p>
-                <a:pPr marL="0" lvl="1" defTabSz="1218836" fontAlgn="base">
-                  <a:spcAft>
-                    <a:spcPct val="0"/>
-                  </a:spcAft>
-                </a:pPr>
-                <a:r>
-                  <a:rPr lang="en-US" sz="2000" dirty="0">
-                    <a:solidFill>
-                      <a:srgbClr val="595959">
-                        <a:alpha val="99000"/>
-                      </a:srgbClr>
-                    </a:solidFill>
-                    <a:ea typeface="Kozuka Gothic Pro R" pitchFamily="34" charset="-128"/>
-                  </a:rPr>
-                  <a:t>Software</a:t>
-                </a:r>
-              </a:p>
-              <a:p>
-                <a:pPr defTabSz="1218936"/>
-                <a:r>
-                  <a:rPr lang="en-US" sz="1600" dirty="0">
-                    <a:solidFill>
-                      <a:srgbClr val="595959">
-                        <a:alpha val="99000"/>
-                      </a:srgbClr>
-                    </a:solidFill>
-                    <a:ea typeface="Kozuka Gothic Pro R" pitchFamily="34" charset="-128"/>
-                  </a:rPr>
-                  <a:t>(as a Service</a:t>
-                </a:r>
-                <a:r>
-                  <a:rPr lang="en-US" sz="1600" dirty="0" smtClean="0">
-                    <a:solidFill>
-                      <a:srgbClr val="595959">
-                        <a:alpha val="99000"/>
-                      </a:srgbClr>
-                    </a:solidFill>
-                    <a:ea typeface="Kozuka Gothic Pro R" pitchFamily="34" charset="-128"/>
-                  </a:rPr>
-                  <a:t>) (SaaS)</a:t>
-                </a:r>
-                <a:endParaRPr lang="en-US" sz="1600" dirty="0">
-                  <a:solidFill>
-                    <a:srgbClr val="595959">
-                      <a:alpha val="99000"/>
-                    </a:srgbClr>
-                  </a:solidFill>
-                  <a:ea typeface="Kozuka Gothic Pro R" pitchFamily="34" charset="-128"/>
-                </a:endParaRPr>
-              </a:p>
-            </p:txBody>
-          </p:sp>
-          <p:sp>
-            <p:nvSpPr>
-              <p:cNvPr id="48" name="TextBox 64"/>
-              <p:cNvSpPr txBox="1"/>
-              <p:nvPr/>
-            </p:nvSpPr>
-            <p:spPr>
-              <a:xfrm flipH="1">
-                <a:off x="10903817" y="3520342"/>
-                <a:ext cx="400110" cy="1691104"/>
-              </a:xfrm>
-              <a:prstGeom prst="rect">
-                <a:avLst/>
-              </a:prstGeom>
-              <a:noFill/>
-            </p:spPr>
-            <p:txBody>
-              <a:bodyPr vert="eaVert" wrap="none" rtlCol="0">
-                <a:spAutoFit/>
-              </a:bodyPr>
-              <a:lstStyle>
-                <a:defPPr>
-                  <a:defRPr lang="en-US"/>
-                </a:defPPr>
-                <a:lvl1pPr marL="0" algn="l" defTabSz="914400" rtl="0" eaLnBrk="1" latinLnBrk="0" hangingPunct="1">
-                  <a:defRPr sz="1800" kern="1200">
-                    <a:solidFill>
-                      <a:schemeClr val="tx1"/>
-                    </a:solidFill>
-                    <a:latin typeface="+mn-lt"/>
-                    <a:ea typeface="+mn-ea"/>
-                    <a:cs typeface="+mn-cs"/>
-                  </a:defRPr>
-                </a:lvl1pPr>
-                <a:lvl2pPr marL="457200" algn="l" defTabSz="914400" rtl="0" eaLnBrk="1" latinLnBrk="0" hangingPunct="1">
-                  <a:defRPr sz="1800" kern="1200">
-                    <a:solidFill>
-                      <a:schemeClr val="tx1"/>
-                    </a:solidFill>
-                    <a:latin typeface="+mn-lt"/>
-                    <a:ea typeface="+mn-ea"/>
-                    <a:cs typeface="+mn-cs"/>
-                  </a:defRPr>
-                </a:lvl2pPr>
-                <a:lvl3pPr marL="914400" algn="l" defTabSz="914400" rtl="0" eaLnBrk="1" latinLnBrk="0" hangingPunct="1">
-                  <a:defRPr sz="1800" kern="1200">
-                    <a:solidFill>
-                      <a:schemeClr val="tx1"/>
-                    </a:solidFill>
-                    <a:latin typeface="+mn-lt"/>
-                    <a:ea typeface="+mn-ea"/>
-                    <a:cs typeface="+mn-cs"/>
-                  </a:defRPr>
-                </a:lvl3pPr>
-                <a:lvl4pPr marL="1371600" algn="l" defTabSz="914400" rtl="0" eaLnBrk="1" latinLnBrk="0" hangingPunct="1">
-                  <a:defRPr sz="1800" kern="1200">
-                    <a:solidFill>
-                      <a:schemeClr val="tx1"/>
-                    </a:solidFill>
-                    <a:latin typeface="+mn-lt"/>
-                    <a:ea typeface="+mn-ea"/>
-                    <a:cs typeface="+mn-cs"/>
-                  </a:defRPr>
-                </a:lvl4pPr>
-                <a:lvl5pPr marL="1828800" algn="l" defTabSz="914400" rtl="0" eaLnBrk="1" latinLnBrk="0" hangingPunct="1">
-                  <a:defRPr sz="1800" kern="1200">
-                    <a:solidFill>
-                      <a:schemeClr val="tx1"/>
-                    </a:solidFill>
-                    <a:latin typeface="+mn-lt"/>
-                    <a:ea typeface="+mn-ea"/>
-                    <a:cs typeface="+mn-cs"/>
-                  </a:defRPr>
-                </a:lvl5pPr>
-                <a:lvl6pPr marL="2286000" algn="l" defTabSz="914400" rtl="0" eaLnBrk="1" latinLnBrk="0" hangingPunct="1">
-                  <a:defRPr sz="1800" kern="1200">
-                    <a:solidFill>
-                      <a:schemeClr val="tx1"/>
-                    </a:solidFill>
-                    <a:latin typeface="+mn-lt"/>
-                    <a:ea typeface="+mn-ea"/>
-                    <a:cs typeface="+mn-cs"/>
-                  </a:defRPr>
-                </a:lvl6pPr>
-                <a:lvl7pPr marL="2743200" algn="l" defTabSz="914400" rtl="0" eaLnBrk="1" latinLnBrk="0" hangingPunct="1">
-                  <a:defRPr sz="1800" kern="1200">
-                    <a:solidFill>
-                      <a:schemeClr val="tx1"/>
-                    </a:solidFill>
-                    <a:latin typeface="+mn-lt"/>
-                    <a:ea typeface="+mn-ea"/>
-                    <a:cs typeface="+mn-cs"/>
-                  </a:defRPr>
-                </a:lvl7pPr>
-                <a:lvl8pPr marL="3200400" algn="l" defTabSz="914400" rtl="0" eaLnBrk="1" latinLnBrk="0" hangingPunct="1">
-                  <a:defRPr sz="1800" kern="1200">
-                    <a:solidFill>
-                      <a:schemeClr val="tx1"/>
-                    </a:solidFill>
-                    <a:latin typeface="+mn-lt"/>
-                    <a:ea typeface="+mn-ea"/>
-                    <a:cs typeface="+mn-cs"/>
-                  </a:defRPr>
-                </a:lvl8pPr>
-                <a:lvl9pPr marL="3657600" algn="l" defTabSz="914400" rtl="0" eaLnBrk="1" latinLnBrk="0" hangingPunct="1">
-                  <a:defRPr sz="1800" kern="1200">
-                    <a:solidFill>
-                      <a:schemeClr val="tx1"/>
-                    </a:solidFill>
-                    <a:latin typeface="+mn-lt"/>
-                    <a:ea typeface="+mn-ea"/>
-                    <a:cs typeface="+mn-cs"/>
-                  </a:defRPr>
-                </a:lvl9pPr>
-              </a:lstStyle>
-              <a:p>
-                <a:pPr marL="0" lvl="1" algn="ctr" defTabSz="1218836" fontAlgn="base">
-                  <a:spcAft>
-                    <a:spcPct val="0"/>
-                  </a:spcAft>
-                </a:pPr>
-                <a:r>
-                  <a:rPr lang="en-US" sz="1400" dirty="0">
-                    <a:solidFill>
-                      <a:srgbClr val="595959">
-                        <a:alpha val="99000"/>
-                      </a:srgbClr>
-                    </a:solidFill>
-                    <a:ea typeface="Kozuka Gothic Pro R" pitchFamily="34" charset="-128"/>
-                  </a:rPr>
-                  <a:t>Managed by vendor</a:t>
-                </a:r>
-              </a:p>
-            </p:txBody>
-          </p:sp>
-          <p:sp>
-            <p:nvSpPr>
-              <p:cNvPr id="49" name="Rectangle 48"/>
-              <p:cNvSpPr/>
-              <p:nvPr/>
-            </p:nvSpPr>
-            <p:spPr>
-              <a:xfrm>
-                <a:off x="9040806" y="5537987"/>
-                <a:ext cx="1638240" cy="381000"/>
-              </a:xfrm>
-              <a:prstGeom prst="rect">
-                <a:avLst/>
-              </a:prstGeom>
-              <a:ln/>
-            </p:spPr>
-            <p:style>
-              <a:lnRef idx="2">
-                <a:schemeClr val="accent2">
-                  <a:shade val="50000"/>
-                </a:schemeClr>
-              </a:lnRef>
-              <a:fillRef idx="1">
-                <a:schemeClr val="accent2"/>
-              </a:fillRef>
-              <a:effectRef idx="0">
-                <a:schemeClr val="accent2"/>
-              </a:effectRef>
-              <a:fontRef idx="minor">
-                <a:schemeClr val="lt1"/>
-              </a:fontRef>
-            </p:style>
-            <p:txBody>
-              <a:bodyPr lIns="0" rIns="0" rtlCol="0" anchor="t" anchorCtr="0"/>
-              <a:lstStyle/>
-              <a:p>
-                <a:pPr algn="ctr" defTabSz="1218936"/>
-                <a:r>
-                  <a:rPr lang="en-US" sz="1500" dirty="0">
-                    <a:solidFill>
-                      <a:schemeClr val="bg1">
-                        <a:alpha val="99000"/>
-                      </a:schemeClr>
-                    </a:solidFill>
-                    <a:latin typeface="Segoe UI"/>
-                    <a:ea typeface="Segoe UI" pitchFamily="34" charset="0"/>
-                    <a:cs typeface="Segoe UI" pitchFamily="34" charset="0"/>
-                  </a:rPr>
-                  <a:t>Storage</a:t>
-                </a:r>
-              </a:p>
-            </p:txBody>
-          </p:sp>
-          <p:sp>
-            <p:nvSpPr>
-              <p:cNvPr id="50" name="Rectangle 49"/>
-              <p:cNvSpPr/>
-              <p:nvPr/>
-            </p:nvSpPr>
-            <p:spPr>
-              <a:xfrm>
-                <a:off x="9040806" y="5083168"/>
-                <a:ext cx="1638240" cy="381000"/>
-              </a:xfrm>
-              <a:prstGeom prst="rect">
-                <a:avLst/>
-              </a:prstGeom>
-              <a:ln/>
-            </p:spPr>
-            <p:style>
-              <a:lnRef idx="2">
-                <a:schemeClr val="accent2">
-                  <a:shade val="50000"/>
-                </a:schemeClr>
-              </a:lnRef>
-              <a:fillRef idx="1">
-                <a:schemeClr val="accent2"/>
-              </a:fillRef>
-              <a:effectRef idx="0">
-                <a:schemeClr val="accent2"/>
-              </a:effectRef>
-              <a:fontRef idx="minor">
-                <a:schemeClr val="lt1"/>
-              </a:fontRef>
-            </p:style>
-            <p:txBody>
-              <a:bodyPr lIns="0" rIns="0" rtlCol="0" anchor="t" anchorCtr="0"/>
-              <a:lstStyle/>
-              <a:p>
-                <a:pPr algn="ctr" defTabSz="1218936"/>
-                <a:r>
-                  <a:rPr lang="en-US" sz="1500" dirty="0">
-                    <a:solidFill>
-                      <a:schemeClr val="bg1">
-                        <a:alpha val="99000"/>
-                      </a:schemeClr>
-                    </a:solidFill>
-                    <a:latin typeface="Segoe UI"/>
-                    <a:ea typeface="Segoe UI" pitchFamily="34" charset="0"/>
-                    <a:cs typeface="Segoe UI" pitchFamily="34" charset="0"/>
-                  </a:rPr>
-                  <a:t>Servers</a:t>
-                </a:r>
-              </a:p>
-            </p:txBody>
-          </p:sp>
-          <p:sp>
-            <p:nvSpPr>
-              <p:cNvPr id="51" name="Rectangle 50"/>
-              <p:cNvSpPr/>
-              <p:nvPr/>
-            </p:nvSpPr>
-            <p:spPr>
-              <a:xfrm>
-                <a:off x="9040806" y="4173530"/>
-                <a:ext cx="1638240" cy="381000"/>
-              </a:xfrm>
-              <a:prstGeom prst="rect">
-                <a:avLst/>
-              </a:prstGeom>
-              <a:ln/>
-            </p:spPr>
-            <p:style>
-              <a:lnRef idx="2">
-                <a:schemeClr val="accent2">
-                  <a:shade val="50000"/>
-                </a:schemeClr>
-              </a:lnRef>
-              <a:fillRef idx="1">
-                <a:schemeClr val="accent2"/>
-              </a:fillRef>
-              <a:effectRef idx="0">
-                <a:schemeClr val="accent2"/>
-              </a:effectRef>
-              <a:fontRef idx="minor">
-                <a:schemeClr val="lt1"/>
-              </a:fontRef>
-            </p:style>
-            <p:txBody>
-              <a:bodyPr lIns="0" rIns="0" rtlCol="0" anchor="t" anchorCtr="0"/>
-              <a:lstStyle/>
-              <a:p>
-                <a:pPr algn="ctr" defTabSz="1218936"/>
-                <a:r>
-                  <a:rPr lang="en-US" sz="1500" dirty="0">
-                    <a:solidFill>
-                      <a:schemeClr val="bg1">
-                        <a:alpha val="99000"/>
-                      </a:schemeClr>
-                    </a:solidFill>
-                    <a:latin typeface="Segoe UI"/>
-                    <a:ea typeface="Segoe UI" pitchFamily="34" charset="0"/>
-                    <a:cs typeface="Segoe UI" pitchFamily="34" charset="0"/>
-                  </a:rPr>
-                  <a:t>O/S</a:t>
-                </a:r>
-              </a:p>
-            </p:txBody>
-          </p:sp>
-          <p:sp>
-            <p:nvSpPr>
-              <p:cNvPr id="52" name="Rectangle 51"/>
-              <p:cNvSpPr/>
-              <p:nvPr/>
-            </p:nvSpPr>
-            <p:spPr>
-              <a:xfrm>
-                <a:off x="9040806" y="3718711"/>
-                <a:ext cx="1638240" cy="381000"/>
-              </a:xfrm>
-              <a:prstGeom prst="rect">
-                <a:avLst/>
-              </a:prstGeom>
-              <a:ln/>
-            </p:spPr>
-            <p:style>
-              <a:lnRef idx="2">
-                <a:schemeClr val="accent2">
-                  <a:shade val="50000"/>
-                </a:schemeClr>
-              </a:lnRef>
-              <a:fillRef idx="1">
-                <a:schemeClr val="accent2"/>
-              </a:fillRef>
-              <a:effectRef idx="0">
-                <a:schemeClr val="accent2"/>
-              </a:effectRef>
-              <a:fontRef idx="minor">
-                <a:schemeClr val="lt1"/>
-              </a:fontRef>
-            </p:style>
-            <p:txBody>
-              <a:bodyPr lIns="0" rIns="0" rtlCol="0" anchor="t" anchorCtr="0"/>
-              <a:lstStyle/>
-              <a:p>
-                <a:pPr algn="ctr" defTabSz="1218936"/>
-                <a:r>
-                  <a:rPr lang="en-US" sz="1500" dirty="0">
-                    <a:solidFill>
-                      <a:schemeClr val="bg1">
-                        <a:alpha val="99000"/>
-                      </a:schemeClr>
-                    </a:solidFill>
-                    <a:latin typeface="Segoe UI"/>
-                    <a:ea typeface="Segoe UI" pitchFamily="34" charset="0"/>
-                    <a:cs typeface="Segoe UI" pitchFamily="34" charset="0"/>
-                  </a:rPr>
-                  <a:t>Middleware</a:t>
-                </a:r>
-              </a:p>
-            </p:txBody>
-          </p:sp>
-          <p:sp>
-            <p:nvSpPr>
-              <p:cNvPr id="53" name="Rectangle 52"/>
-              <p:cNvSpPr/>
-              <p:nvPr/>
-            </p:nvSpPr>
-            <p:spPr>
-              <a:xfrm>
-                <a:off x="9040806" y="4628349"/>
-                <a:ext cx="1638240" cy="381000"/>
-              </a:xfrm>
-              <a:prstGeom prst="rect">
-                <a:avLst/>
-              </a:prstGeom>
-              <a:ln/>
-            </p:spPr>
-            <p:style>
-              <a:lnRef idx="2">
-                <a:schemeClr val="accent2">
-                  <a:shade val="50000"/>
-                </a:schemeClr>
-              </a:lnRef>
-              <a:fillRef idx="1">
-                <a:schemeClr val="accent2"/>
-              </a:fillRef>
-              <a:effectRef idx="0">
-                <a:schemeClr val="accent2"/>
-              </a:effectRef>
-              <a:fontRef idx="minor">
-                <a:schemeClr val="lt1"/>
-              </a:fontRef>
-            </p:style>
-            <p:txBody>
-              <a:bodyPr lIns="0" rIns="0" rtlCol="0" anchor="t" anchorCtr="0"/>
-              <a:lstStyle/>
-              <a:p>
-                <a:pPr algn="ctr" defTabSz="1218936"/>
-                <a:r>
-                  <a:rPr lang="en-US" sz="1500" dirty="0">
-                    <a:solidFill>
-                      <a:schemeClr val="bg1">
-                        <a:alpha val="99000"/>
-                      </a:schemeClr>
-                    </a:solidFill>
-                    <a:latin typeface="Segoe UI"/>
-                    <a:ea typeface="Segoe UI" pitchFamily="34" charset="0"/>
-                    <a:cs typeface="Segoe UI" pitchFamily="34" charset="0"/>
-                  </a:rPr>
-                  <a:t>Virtualization</a:t>
-                </a:r>
-              </a:p>
-            </p:txBody>
-          </p:sp>
-          <p:sp>
-            <p:nvSpPr>
-              <p:cNvPr id="54" name="Rectangle 53"/>
-              <p:cNvSpPr/>
-              <p:nvPr/>
-            </p:nvSpPr>
-            <p:spPr>
-              <a:xfrm>
-                <a:off x="9040806" y="2354254"/>
-                <a:ext cx="1638240" cy="381000"/>
-              </a:xfrm>
-              <a:prstGeom prst="rect">
-                <a:avLst/>
-              </a:prstGeom>
-              <a:ln/>
-            </p:spPr>
-            <p:style>
-              <a:lnRef idx="2">
-                <a:schemeClr val="accent2">
-                  <a:shade val="50000"/>
-                </a:schemeClr>
-              </a:lnRef>
-              <a:fillRef idx="1">
-                <a:schemeClr val="accent2"/>
-              </a:fillRef>
-              <a:effectRef idx="0">
-                <a:schemeClr val="accent2"/>
-              </a:effectRef>
-              <a:fontRef idx="minor">
-                <a:schemeClr val="lt1"/>
-              </a:fontRef>
-            </p:style>
-            <p:txBody>
-              <a:bodyPr lIns="0" rIns="0" rtlCol="0" anchor="t" anchorCtr="0"/>
-              <a:lstStyle/>
-              <a:p>
-                <a:pPr algn="ctr" defTabSz="1218936"/>
-                <a:r>
-                  <a:rPr lang="en-US" sz="1500" dirty="0">
-                    <a:solidFill>
-                      <a:schemeClr val="bg1">
-                        <a:alpha val="99000"/>
-                      </a:schemeClr>
-                    </a:solidFill>
-                    <a:latin typeface="Segoe UI"/>
-                    <a:ea typeface="Segoe UI" pitchFamily="34" charset="0"/>
-                    <a:cs typeface="Segoe UI" pitchFamily="34" charset="0"/>
-                  </a:rPr>
-                  <a:t>Applications</a:t>
-                </a:r>
-              </a:p>
-            </p:txBody>
-          </p:sp>
-          <p:sp>
-            <p:nvSpPr>
-              <p:cNvPr id="55" name="Rectangle 54"/>
-              <p:cNvSpPr/>
-              <p:nvPr/>
-            </p:nvSpPr>
-            <p:spPr>
-              <a:xfrm>
-                <a:off x="9040806" y="3263892"/>
-                <a:ext cx="1638240" cy="381000"/>
-              </a:xfrm>
-              <a:prstGeom prst="rect">
-                <a:avLst/>
-              </a:prstGeom>
-              <a:ln/>
-            </p:spPr>
-            <p:style>
-              <a:lnRef idx="2">
-                <a:schemeClr val="accent2">
-                  <a:shade val="50000"/>
-                </a:schemeClr>
-              </a:lnRef>
-              <a:fillRef idx="1">
-                <a:schemeClr val="accent2"/>
-              </a:fillRef>
-              <a:effectRef idx="0">
-                <a:schemeClr val="accent2"/>
-              </a:effectRef>
-              <a:fontRef idx="minor">
-                <a:schemeClr val="lt1"/>
-              </a:fontRef>
-            </p:style>
-            <p:txBody>
-              <a:bodyPr lIns="0" rIns="0" rtlCol="0" anchor="t" anchorCtr="0"/>
-              <a:lstStyle/>
-              <a:p>
-                <a:pPr algn="ctr" defTabSz="1218936"/>
-                <a:r>
-                  <a:rPr lang="en-US" sz="1500" dirty="0">
-                    <a:solidFill>
-                      <a:schemeClr val="bg1">
-                        <a:alpha val="99000"/>
-                      </a:schemeClr>
-                    </a:solidFill>
-                    <a:latin typeface="Segoe UI"/>
-                    <a:ea typeface="Segoe UI" pitchFamily="34" charset="0"/>
-                    <a:cs typeface="Segoe UI" pitchFamily="34" charset="0"/>
-                  </a:rPr>
-                  <a:t>Runtime</a:t>
-                </a:r>
-              </a:p>
-            </p:txBody>
-          </p:sp>
-          <p:sp>
-            <p:nvSpPr>
-              <p:cNvPr id="56" name="Rectangle 55"/>
-              <p:cNvSpPr/>
-              <p:nvPr/>
-            </p:nvSpPr>
-            <p:spPr>
-              <a:xfrm>
-                <a:off x="9040806" y="2809073"/>
-                <a:ext cx="1638240" cy="381000"/>
-              </a:xfrm>
-              <a:prstGeom prst="rect">
-                <a:avLst/>
-              </a:prstGeom>
-              <a:ln/>
-            </p:spPr>
-            <p:style>
-              <a:lnRef idx="2">
-                <a:schemeClr val="accent2">
-                  <a:shade val="50000"/>
-                </a:schemeClr>
-              </a:lnRef>
-              <a:fillRef idx="1">
-                <a:schemeClr val="accent2"/>
-              </a:fillRef>
-              <a:effectRef idx="0">
-                <a:schemeClr val="accent2"/>
-              </a:effectRef>
-              <a:fontRef idx="minor">
-                <a:schemeClr val="lt1"/>
-              </a:fontRef>
-            </p:style>
-            <p:txBody>
-              <a:bodyPr lIns="0" rIns="0" rtlCol="0" anchor="t" anchorCtr="0"/>
-              <a:lstStyle/>
-              <a:p>
-                <a:pPr algn="ctr" defTabSz="1218936"/>
-                <a:r>
-                  <a:rPr lang="en-US" sz="1500" dirty="0">
-                    <a:solidFill>
-                      <a:schemeClr val="bg1">
-                        <a:alpha val="99000"/>
-                      </a:schemeClr>
-                    </a:solidFill>
-                    <a:latin typeface="Segoe UI"/>
-                    <a:ea typeface="Segoe UI" pitchFamily="34" charset="0"/>
-                    <a:cs typeface="Segoe UI" pitchFamily="34" charset="0"/>
-                  </a:rPr>
-                  <a:t>Data</a:t>
-                </a:r>
-              </a:p>
-            </p:txBody>
-          </p:sp>
-          <p:sp>
-            <p:nvSpPr>
-              <p:cNvPr id="57" name="Rectangle 56"/>
-              <p:cNvSpPr/>
-              <p:nvPr/>
-            </p:nvSpPr>
-            <p:spPr>
-              <a:xfrm>
-                <a:off x="9040806" y="5992804"/>
-                <a:ext cx="1638240" cy="381000"/>
-              </a:xfrm>
-              <a:prstGeom prst="rect">
-                <a:avLst/>
-              </a:prstGeom>
-              <a:ln/>
-            </p:spPr>
-            <p:style>
-              <a:lnRef idx="2">
-                <a:schemeClr val="accent2">
-                  <a:shade val="50000"/>
-                </a:schemeClr>
-              </a:lnRef>
-              <a:fillRef idx="1">
-                <a:schemeClr val="accent2"/>
-              </a:fillRef>
-              <a:effectRef idx="0">
-                <a:schemeClr val="accent2"/>
-              </a:effectRef>
-              <a:fontRef idx="minor">
-                <a:schemeClr val="lt1"/>
-              </a:fontRef>
-            </p:style>
-            <p:txBody>
-              <a:bodyPr lIns="0" rIns="0" rtlCol="0" anchor="t" anchorCtr="0"/>
-              <a:lstStyle/>
-              <a:p>
-                <a:pPr algn="ctr" defTabSz="1218936"/>
-                <a:r>
-                  <a:rPr lang="en-US" sz="1500" dirty="0">
-                    <a:solidFill>
-                      <a:schemeClr val="bg1">
-                        <a:alpha val="99000"/>
-                      </a:schemeClr>
-                    </a:solidFill>
-                    <a:latin typeface="Segoe UI"/>
-                    <a:ea typeface="Segoe UI" pitchFamily="34" charset="0"/>
-                    <a:cs typeface="Segoe UI" pitchFamily="34" charset="0"/>
-                  </a:rPr>
-                  <a:t>Networking</a:t>
-                </a:r>
-              </a:p>
-            </p:txBody>
-          </p:sp>
-        </p:grpSp>
-        <p:pic>
-          <p:nvPicPr>
-            <p:cNvPr id="58" name="Picture 11" descr="Cloud 512x512.png"/>
-            <p:cNvPicPr>
-              <a:picLocks noChangeAspect="1"/>
-            </p:cNvPicPr>
-            <p:nvPr/>
-          </p:nvPicPr>
-          <p:blipFill>
-            <a:blip r:embed="rId3" cstate="print">
-              <a:duotone>
-                <a:prstClr val="black"/>
-                <a:schemeClr val="tx1">
-                  <a:tint val="45000"/>
-                  <a:satMod val="400000"/>
-                </a:schemeClr>
-              </a:duotone>
-              <a:extLst>
-                <a:ext uri="{28A0092B-C50C-407E-A947-70E740481C1C}">
-                  <a14:useLocalDpi xmlns:a14="http://schemas.microsoft.com/office/drawing/2010/main" val="0"/>
-                </a:ext>
-              </a:extLst>
-            </a:blip>
-            <a:srcRect/>
-            <a:stretch>
-              <a:fillRect/>
-            </a:stretch>
-          </p:blipFill>
-          <p:spPr bwMode="auto">
-            <a:xfrm>
-              <a:off x="3285815" y="5350100"/>
-              <a:ext cx="1014104" cy="1014104"/>
-            </a:xfrm>
-            <a:prstGeom prst="rect">
-              <a:avLst/>
-            </a:prstGeom>
-            <a:noFill/>
-            <a:ln>
-              <a:noFill/>
-            </a:ln>
-            <a:effectLst/>
-            <a:extLst>
-              <a:ext uri="{909E8E84-426E-40DD-AFC4-6F175D3DCCD1}">
-                <a14:hiddenFill xmlns:a14="http://schemas.microsoft.com/office/drawing/2010/main">
-                  <a:solidFill>
-                    <a:srgbClr val="FFFFFF"/>
-                  </a:solidFill>
-                </a14:hiddenFill>
-              </a:ext>
-              <a:ext uri="{91240B29-F687-4F45-9708-019B960494DF}">
-                <a14:hiddenLine xmlns:a14="http://schemas.microsoft.com/office/drawing/2010/main" w="12700" cap="flat" cmpd="sng">
-                  <a:solidFill>
-                    <a:srgbClr val="000000"/>
-                  </a:solidFill>
-                  <a:prstDash val="solid"/>
-                  <a:miter lim="0"/>
-                  <a:headEnd type="none" w="med" len="med"/>
-                  <a:tailEnd type="none" w="med" len="med"/>
-                </a14:hiddenLine>
-              </a:ext>
-              <a:ext uri="{AF507438-7753-43E0-B8FC-AC1667EBCBE1}">
-                <a14:hiddenEffects xmlns:a14="http://schemas.microsoft.com/office/drawing/2010/main">
-                  <a:effectLst>
-                    <a:outerShdw dist="35921" dir="2700000" algn="ctr" rotWithShape="0">
-                      <a:srgbClr val="808080"/>
-                    </a:outerShdw>
-                  </a:effectLst>
-                </a14:hiddenEffects>
-              </a:ext>
-            </a:extLst>
-          </p:spPr>
-        </p:pic>
-        <p:sp>
-          <p:nvSpPr>
-            <p:cNvPr id="59" name="Left Brace 58"/>
-            <p:cNvSpPr/>
-            <p:nvPr/>
-          </p:nvSpPr>
-          <p:spPr>
-            <a:xfrm flipH="1">
-              <a:off x="11168000" y="2102167"/>
-              <a:ext cx="228600" cy="3977640"/>
-            </a:xfrm>
-            <a:prstGeom prst="leftBrace">
-              <a:avLst>
-                <a:gd name="adj1" fmla="val 0"/>
-                <a:gd name="adj2" fmla="val 50000"/>
-              </a:avLst>
-            </a:prstGeom>
-            <a:noFill/>
-            <a:ln w="19050" cap="flat" cmpd="sng" algn="ctr">
-              <a:solidFill>
-                <a:schemeClr val="accent2"/>
-              </a:solidFill>
-              <a:prstDash val="solid"/>
-            </a:ln>
-            <a:effectLst/>
-          </p:spPr>
-          <p:txBody>
-            <a:bodyPr rtlCol="0" anchor="ctr"/>
-            <a:lstStyle/>
-            <a:p>
-              <a:pPr algn="ctr" defTabSz="1218936"/>
-              <a:endParaRPr lang="en-US" sz="1800" dirty="0">
-                <a:solidFill>
-                  <a:srgbClr val="FFFFFF"/>
-                </a:solidFill>
-                <a:latin typeface="Segoe UI"/>
-                <a:ea typeface="Segoe UI" pitchFamily="34" charset="0"/>
-                <a:cs typeface="Segoe UI" pitchFamily="34" charset="0"/>
-              </a:endParaRPr>
-            </a:p>
-          </p:txBody>
-        </p:sp>
-        <p:pic>
-          <p:nvPicPr>
-            <p:cNvPr id="60" name="Picture 12" descr="Gift 512x512.png"/>
-            <p:cNvPicPr>
-              <a:picLocks noChangeAspect="1"/>
-            </p:cNvPicPr>
-            <p:nvPr/>
-          </p:nvPicPr>
-          <p:blipFill>
-            <a:blip r:embed="rId4" cstate="print">
-              <a:duotone>
-                <a:prstClr val="black"/>
-                <a:schemeClr val="tx1">
-                  <a:tint val="45000"/>
-                  <a:satMod val="400000"/>
-                </a:schemeClr>
-              </a:duotone>
-              <a:extLst>
-                <a:ext uri="{28A0092B-C50C-407E-A947-70E740481C1C}">
-                  <a14:useLocalDpi xmlns:a14="http://schemas.microsoft.com/office/drawing/2010/main" val="0"/>
-                </a:ext>
-              </a:extLst>
-            </a:blip>
-            <a:srcRect/>
-            <a:stretch>
-              <a:fillRect/>
-            </a:stretch>
-          </p:blipFill>
-          <p:spPr bwMode="auto">
-            <a:xfrm>
-              <a:off x="371793" y="5359844"/>
-              <a:ext cx="806273" cy="806273"/>
-            </a:xfrm>
-            <a:prstGeom prst="rect">
-              <a:avLst/>
-            </a:prstGeom>
-            <a:noFill/>
-            <a:ln>
-              <a:noFill/>
-            </a:ln>
-            <a:effectLst/>
-            <a:extLst>
-              <a:ext uri="{909E8E84-426E-40DD-AFC4-6F175D3DCCD1}">
-                <a14:hiddenFill xmlns:a14="http://schemas.microsoft.com/office/drawing/2010/main">
-                  <a:solidFill>
-                    <a:srgbClr val="FFFFFF"/>
-                  </a:solidFill>
-                </a14:hiddenFill>
-              </a:ext>
-              <a:ext uri="{91240B29-F687-4F45-9708-019B960494DF}">
-                <a14:hiddenLine xmlns:a14="http://schemas.microsoft.com/office/drawing/2010/main" w="12700" cap="flat" cmpd="sng">
-                  <a:solidFill>
-                    <a:srgbClr val="000000"/>
-                  </a:solidFill>
-                  <a:prstDash val="solid"/>
-                  <a:miter lim="0"/>
-                  <a:headEnd type="none" w="med" len="med"/>
-                  <a:tailEnd type="none" w="med" len="med"/>
-                </a14:hiddenLine>
-              </a:ext>
-              <a:ext uri="{AF507438-7753-43E0-B8FC-AC1667EBCBE1}">
-                <a14:hiddenEffects xmlns:a14="http://schemas.microsoft.com/office/drawing/2010/main">
-                  <a:effectLst>
-                    <a:outerShdw dist="35921" dir="2700000" algn="ctr" rotWithShape="0">
-                      <a:srgbClr val="808080"/>
-                    </a:outerShdw>
-                  </a:effectLst>
-                </a14:hiddenEffects>
-              </a:ext>
-            </a:extLst>
-          </p:spPr>
-        </p:pic>
-        <p:sp>
-          <p:nvSpPr>
-            <p:cNvPr id="61" name="Rectangle 60"/>
-            <p:cNvSpPr/>
-            <p:nvPr/>
-          </p:nvSpPr>
-          <p:spPr bwMode="auto">
-            <a:xfrm flipH="1">
-              <a:off x="251209" y="1102222"/>
-              <a:ext cx="2955496" cy="5139864"/>
-            </a:xfrm>
-            <a:prstGeom prst="rect">
-              <a:avLst/>
-            </a:prstGeom>
-            <a:noFill/>
-            <a:ln>
-              <a:solidFill>
-                <a:schemeClr val="bg1">
-                  <a:lumMod val="85000"/>
-                </a:schemeClr>
-              </a:solidFill>
-              <a:headEnd type="none" w="med" len="med"/>
-              <a:tailEnd type="none" w="med" len="med"/>
-            </a:ln>
-            <a:effectLst/>
-          </p:spPr>
-          <p:style>
-            <a:lnRef idx="1">
-              <a:schemeClr val="accent2"/>
-            </a:lnRef>
-            <a:fillRef idx="3">
-              <a:schemeClr val="accent2"/>
-            </a:fillRef>
-            <a:effectRef idx="2">
-              <a:schemeClr val="accent2"/>
-            </a:effectRef>
-            <a:fontRef idx="minor">
-              <a:schemeClr val="lt1"/>
-            </a:fontRef>
-          </p:style>
-          <p:txBody>
-            <a:bodyPr vert="horz" wrap="square" lIns="91404" tIns="45703" rIns="91404" bIns="45703" numCol="1" spcCol="0" rtlCol="0" anchor="ctr" anchorCtr="0" compatLnSpc="1">
-              <a:prstTxWarp prst="textNoShape">
-                <a:avLst/>
-              </a:prstTxWarp>
-            </a:bodyPr>
-            <a:lstStyle/>
-            <a:p>
-              <a:pPr algn="ctr" defTabSz="913788" fontAlgn="base">
-                <a:spcBef>
-                  <a:spcPct val="0"/>
-                </a:spcBef>
-                <a:spcAft>
-                  <a:spcPct val="0"/>
-                </a:spcAft>
-              </a:pPr>
-              <a:endParaRPr lang="en-US" sz="2200" dirty="0">
-                <a:gradFill>
-                  <a:gsLst>
-                    <a:gs pos="0">
-                      <a:srgbClr val="FFFFFF"/>
-                    </a:gs>
-                    <a:gs pos="100000">
-                      <a:srgbClr val="FFFFFF"/>
-                    </a:gs>
-                  </a:gsLst>
-                  <a:lin ang="5400000" scaled="0"/>
-                </a:gradFill>
-              </a:endParaRPr>
-            </a:p>
-          </p:txBody>
-        </p:sp>
       </p:grpSp>
     </p:spTree>
     <p:extLst>
       <p:ext uri="{BB962C8B-B14F-4D97-AF65-F5344CB8AC3E}">
-        <p14:creationId xmlns:p14="http://schemas.microsoft.com/office/powerpoint/2010/main" val="1330900849"/>
+        <p14:creationId xmlns:p14="http://schemas.microsoft.com/office/powerpoint/2010/main" val="325639444"/>
       </p:ext>
     </p:extLst>
   </p:cSld>
@@ -27526,13 +23917,6 @@
   <p:transition>
     <p:fade/>
   </p:transition>
-  <p:timing>
-    <p:tnLst>
-      <p:par>
-        <p:cTn id="1" dur="indefinite" restart="never" nodeType="tmRoot"/>
-      </p:par>
-    </p:tnLst>
-  </p:timing>
 </p:sld>
 </file>
 
@@ -27589,7 +23973,7 @@
         <p:spPr>
           <a:xfrm>
             <a:off x="519248" y="1447800"/>
-            <a:ext cx="11151916" cy="4910832"/>
+            <a:ext cx="11151916" cy="5230791"/>
           </a:xfrm>
         </p:spPr>
         <p:txBody>
@@ -27621,25 +24005,8 @@
             <a:pPr lvl="1"/>
             <a:r>
               <a:rPr lang="en-US" dirty="0" smtClean="0"/>
-              <a:t>UT </a:t>
+              <a:t>UT Austin, UC Irvine, &amp; UI-UC</a:t>
             </a:r>
-            <a:r>
-              <a:rPr lang="en-US" dirty="0" smtClean="0"/>
-              <a:t>Austin, </a:t>
-            </a:r>
-            <a:r>
-              <a:rPr lang="en-US" dirty="0" smtClean="0"/>
-              <a:t>UC Irvine, </a:t>
-            </a:r>
-            <a:r>
-              <a:rPr lang="en-US" dirty="0" smtClean="0"/>
-              <a:t>&amp; </a:t>
-            </a:r>
-            <a:r>
-              <a:rPr lang="en-US" dirty="0" smtClean="0"/>
-              <a:t>UI-UC</a:t>
-            </a:r>
-            <a:endParaRPr lang="en-US" dirty="0" smtClean="0"/>
           </a:p>
           <a:p>
             <a:pPr lvl="1"/>
@@ -27658,7 +24025,18 @@
             <a:pPr lvl="1"/>
             <a:r>
               <a:rPr lang="en-US" dirty="0" smtClean="0"/>
-              <a:t>RAPID (Routing Application for Parallel Computation of Discharge)</a:t>
+              <a:t>RAPID (Routing Application for Parallel </a:t>
+            </a:r>
+            <a:r>
+              <a:rPr lang="en-US" dirty="0"/>
+              <a:t/>
+            </a:r>
+            <a:br>
+              <a:rPr lang="en-US" dirty="0"/>
+            </a:br>
+            <a:r>
+              <a:rPr lang="en-US" dirty="0" smtClean="0"/>
+              <a:t>Computation of Discharge)</a:t>
             </a:r>
           </a:p>
           <a:p>
@@ -27687,6 +24065,1379 @@
           </a:p>
         </p:txBody>
       </p:sp>
+      <p:grpSp>
+        <p:nvGrpSpPr>
+          <p:cNvPr id="30" name="Group 29"/>
+          <p:cNvGrpSpPr/>
+          <p:nvPr/>
+        </p:nvGrpSpPr>
+        <p:grpSpPr>
+          <a:xfrm>
+            <a:off x="8977580" y="1447800"/>
+            <a:ext cx="2771925" cy="4780387"/>
+            <a:chOff x="3859670" y="1329077"/>
+            <a:chExt cx="2771925" cy="4780387"/>
+          </a:xfrm>
+        </p:grpSpPr>
+        <p:sp>
+          <p:nvSpPr>
+            <p:cNvPr id="16" name="Rectangle 15"/>
+            <p:cNvSpPr/>
+            <p:nvPr/>
+          </p:nvSpPr>
+          <p:spPr>
+            <a:xfrm>
+              <a:off x="4380302" y="1329077"/>
+              <a:ext cx="2108505" cy="640080"/>
+            </a:xfrm>
+            <a:prstGeom prst="rect">
+              <a:avLst/>
+            </a:prstGeom>
+            <a:noFill/>
+            <a:ln w="9525" cap="flat" cmpd="sng" algn="ctr">
+              <a:noFill/>
+              <a:prstDash val="solid"/>
+            </a:ln>
+            <a:effectLst/>
+          </p:spPr>
+          <p:txBody>
+            <a:bodyPr tIns="0" bIns="0" rtlCol="0" anchor="t" anchorCtr="0"/>
+            <a:lstStyle>
+              <a:defPPr>
+                <a:defRPr lang="en-US"/>
+              </a:defPPr>
+              <a:lvl1pPr marL="0" algn="l" defTabSz="914400" rtl="0" eaLnBrk="1" latinLnBrk="0" hangingPunct="1">
+                <a:defRPr sz="1800" kern="1200">
+                  <a:solidFill>
+                    <a:schemeClr val="lt1"/>
+                  </a:solidFill>
+                  <a:latin typeface="+mn-lt"/>
+                  <a:ea typeface="+mn-ea"/>
+                  <a:cs typeface="+mn-cs"/>
+                </a:defRPr>
+              </a:lvl1pPr>
+              <a:lvl2pPr marL="457200" algn="l" defTabSz="914400" rtl="0" eaLnBrk="1" latinLnBrk="0" hangingPunct="1">
+                <a:defRPr sz="1800" kern="1200">
+                  <a:solidFill>
+                    <a:schemeClr val="lt1"/>
+                  </a:solidFill>
+                  <a:latin typeface="+mn-lt"/>
+                  <a:ea typeface="+mn-ea"/>
+                  <a:cs typeface="+mn-cs"/>
+                </a:defRPr>
+              </a:lvl2pPr>
+              <a:lvl3pPr marL="914400" algn="l" defTabSz="914400" rtl="0" eaLnBrk="1" latinLnBrk="0" hangingPunct="1">
+                <a:defRPr sz="1800" kern="1200">
+                  <a:solidFill>
+                    <a:schemeClr val="lt1"/>
+                  </a:solidFill>
+                  <a:latin typeface="+mn-lt"/>
+                  <a:ea typeface="+mn-ea"/>
+                  <a:cs typeface="+mn-cs"/>
+                </a:defRPr>
+              </a:lvl3pPr>
+              <a:lvl4pPr marL="1371600" algn="l" defTabSz="914400" rtl="0" eaLnBrk="1" latinLnBrk="0" hangingPunct="1">
+                <a:defRPr sz="1800" kern="1200">
+                  <a:solidFill>
+                    <a:schemeClr val="lt1"/>
+                  </a:solidFill>
+                  <a:latin typeface="+mn-lt"/>
+                  <a:ea typeface="+mn-ea"/>
+                  <a:cs typeface="+mn-cs"/>
+                </a:defRPr>
+              </a:lvl4pPr>
+              <a:lvl5pPr marL="1828800" algn="l" defTabSz="914400" rtl="0" eaLnBrk="1" latinLnBrk="0" hangingPunct="1">
+                <a:defRPr sz="1800" kern="1200">
+                  <a:solidFill>
+                    <a:schemeClr val="lt1"/>
+                  </a:solidFill>
+                  <a:latin typeface="+mn-lt"/>
+                  <a:ea typeface="+mn-ea"/>
+                  <a:cs typeface="+mn-cs"/>
+                </a:defRPr>
+              </a:lvl5pPr>
+              <a:lvl6pPr marL="2286000" algn="l" defTabSz="914400" rtl="0" eaLnBrk="1" latinLnBrk="0" hangingPunct="1">
+                <a:defRPr sz="1800" kern="1200">
+                  <a:solidFill>
+                    <a:schemeClr val="lt1"/>
+                  </a:solidFill>
+                  <a:latin typeface="+mn-lt"/>
+                  <a:ea typeface="+mn-ea"/>
+                  <a:cs typeface="+mn-cs"/>
+                </a:defRPr>
+              </a:lvl6pPr>
+              <a:lvl7pPr marL="2743200" algn="l" defTabSz="914400" rtl="0" eaLnBrk="1" latinLnBrk="0" hangingPunct="1">
+                <a:defRPr sz="1800" kern="1200">
+                  <a:solidFill>
+                    <a:schemeClr val="lt1"/>
+                  </a:solidFill>
+                  <a:latin typeface="+mn-lt"/>
+                  <a:ea typeface="+mn-ea"/>
+                  <a:cs typeface="+mn-cs"/>
+                </a:defRPr>
+              </a:lvl7pPr>
+              <a:lvl8pPr marL="3200400" algn="l" defTabSz="914400" rtl="0" eaLnBrk="1" latinLnBrk="0" hangingPunct="1">
+                <a:defRPr sz="1800" kern="1200">
+                  <a:solidFill>
+                    <a:schemeClr val="lt1"/>
+                  </a:solidFill>
+                  <a:latin typeface="+mn-lt"/>
+                  <a:ea typeface="+mn-ea"/>
+                  <a:cs typeface="+mn-cs"/>
+                </a:defRPr>
+              </a:lvl8pPr>
+              <a:lvl9pPr marL="3657600" algn="l" defTabSz="914400" rtl="0" eaLnBrk="1" latinLnBrk="0" hangingPunct="1">
+                <a:defRPr sz="1800" kern="1200">
+                  <a:solidFill>
+                    <a:schemeClr val="lt1"/>
+                  </a:solidFill>
+                  <a:latin typeface="+mn-lt"/>
+                  <a:ea typeface="+mn-ea"/>
+                  <a:cs typeface="+mn-cs"/>
+                </a:defRPr>
+              </a:lvl9pPr>
+            </a:lstStyle>
+            <a:p>
+              <a:pPr marL="0" lvl="1" defTabSz="1218836" fontAlgn="base">
+                <a:spcAft>
+                  <a:spcPct val="0"/>
+                </a:spcAft>
+              </a:pPr>
+              <a:r>
+                <a:rPr lang="en-US" sz="2000" dirty="0">
+                  <a:solidFill>
+                    <a:srgbClr val="595959">
+                      <a:alpha val="99000"/>
+                    </a:srgbClr>
+                  </a:solidFill>
+                  <a:ea typeface="Kozuka Gothic Pro R" pitchFamily="34" charset="-128"/>
+                </a:rPr>
+                <a:t>Infrastructure</a:t>
+              </a:r>
+            </a:p>
+            <a:p>
+              <a:pPr defTabSz="1218936"/>
+              <a:r>
+                <a:rPr lang="en-US" sz="1600" dirty="0">
+                  <a:solidFill>
+                    <a:srgbClr val="595959">
+                      <a:alpha val="99000"/>
+                    </a:srgbClr>
+                  </a:solidFill>
+                  <a:ea typeface="Kozuka Gothic Pro R" pitchFamily="34" charset="-128"/>
+                </a:rPr>
+                <a:t>(as a Service</a:t>
+              </a:r>
+              <a:r>
+                <a:rPr lang="en-US" sz="1600" dirty="0" smtClean="0">
+                  <a:solidFill>
+                    <a:srgbClr val="595959">
+                      <a:alpha val="99000"/>
+                    </a:srgbClr>
+                  </a:solidFill>
+                  <a:ea typeface="Kozuka Gothic Pro R" pitchFamily="34" charset="-128"/>
+                </a:rPr>
+                <a:t>) (IaaS)</a:t>
+              </a:r>
+              <a:endParaRPr lang="en-US" sz="1600" dirty="0">
+                <a:solidFill>
+                  <a:srgbClr val="595959">
+                    <a:alpha val="99000"/>
+                  </a:srgbClr>
+                </a:solidFill>
+                <a:ea typeface="Kozuka Gothic Pro R" pitchFamily="34" charset="-128"/>
+              </a:endParaRPr>
+            </a:p>
+          </p:txBody>
+        </p:sp>
+        <p:sp>
+          <p:nvSpPr>
+            <p:cNvPr id="17" name="Rectangle 16"/>
+            <p:cNvSpPr/>
+            <p:nvPr/>
+          </p:nvSpPr>
+          <p:spPr>
+            <a:xfrm>
+              <a:off x="4410447" y="5273647"/>
+              <a:ext cx="1638241" cy="381000"/>
+            </a:xfrm>
+            <a:prstGeom prst="rect">
+              <a:avLst/>
+            </a:prstGeom>
+            <a:ln/>
+          </p:spPr>
+          <p:style>
+            <a:lnRef idx="2">
+              <a:schemeClr val="accent2">
+                <a:shade val="50000"/>
+              </a:schemeClr>
+            </a:lnRef>
+            <a:fillRef idx="1">
+              <a:schemeClr val="accent2"/>
+            </a:fillRef>
+            <a:effectRef idx="0">
+              <a:schemeClr val="accent2"/>
+            </a:effectRef>
+            <a:fontRef idx="minor">
+              <a:schemeClr val="lt1"/>
+            </a:fontRef>
+          </p:style>
+          <p:txBody>
+            <a:bodyPr rtlCol="0" anchor="t" anchorCtr="0"/>
+            <a:lstStyle>
+              <a:defPPr>
+                <a:defRPr lang="en-US"/>
+              </a:defPPr>
+              <a:lvl1pPr marL="0" algn="l" defTabSz="914400" rtl="0" eaLnBrk="1" latinLnBrk="0" hangingPunct="1">
+                <a:defRPr sz="1800" kern="1200">
+                  <a:solidFill>
+                    <a:schemeClr val="dk1"/>
+                  </a:solidFill>
+                  <a:latin typeface="+mn-lt"/>
+                  <a:ea typeface="+mn-ea"/>
+                  <a:cs typeface="+mn-cs"/>
+                </a:defRPr>
+              </a:lvl1pPr>
+              <a:lvl2pPr marL="457200" algn="l" defTabSz="914400" rtl="0" eaLnBrk="1" latinLnBrk="0" hangingPunct="1">
+                <a:defRPr sz="1800" kern="1200">
+                  <a:solidFill>
+                    <a:schemeClr val="dk1"/>
+                  </a:solidFill>
+                  <a:latin typeface="+mn-lt"/>
+                  <a:ea typeface="+mn-ea"/>
+                  <a:cs typeface="+mn-cs"/>
+                </a:defRPr>
+              </a:lvl2pPr>
+              <a:lvl3pPr marL="914400" algn="l" defTabSz="914400" rtl="0" eaLnBrk="1" latinLnBrk="0" hangingPunct="1">
+                <a:defRPr sz="1800" kern="1200">
+                  <a:solidFill>
+                    <a:schemeClr val="dk1"/>
+                  </a:solidFill>
+                  <a:latin typeface="+mn-lt"/>
+                  <a:ea typeface="+mn-ea"/>
+                  <a:cs typeface="+mn-cs"/>
+                </a:defRPr>
+              </a:lvl3pPr>
+              <a:lvl4pPr marL="1371600" algn="l" defTabSz="914400" rtl="0" eaLnBrk="1" latinLnBrk="0" hangingPunct="1">
+                <a:defRPr sz="1800" kern="1200">
+                  <a:solidFill>
+                    <a:schemeClr val="dk1"/>
+                  </a:solidFill>
+                  <a:latin typeface="+mn-lt"/>
+                  <a:ea typeface="+mn-ea"/>
+                  <a:cs typeface="+mn-cs"/>
+                </a:defRPr>
+              </a:lvl4pPr>
+              <a:lvl5pPr marL="1828800" algn="l" defTabSz="914400" rtl="0" eaLnBrk="1" latinLnBrk="0" hangingPunct="1">
+                <a:defRPr sz="1800" kern="1200">
+                  <a:solidFill>
+                    <a:schemeClr val="dk1"/>
+                  </a:solidFill>
+                  <a:latin typeface="+mn-lt"/>
+                  <a:ea typeface="+mn-ea"/>
+                  <a:cs typeface="+mn-cs"/>
+                </a:defRPr>
+              </a:lvl5pPr>
+              <a:lvl6pPr marL="2286000" algn="l" defTabSz="914400" rtl="0" eaLnBrk="1" latinLnBrk="0" hangingPunct="1">
+                <a:defRPr sz="1800" kern="1200">
+                  <a:solidFill>
+                    <a:schemeClr val="dk1"/>
+                  </a:solidFill>
+                  <a:latin typeface="+mn-lt"/>
+                  <a:ea typeface="+mn-ea"/>
+                  <a:cs typeface="+mn-cs"/>
+                </a:defRPr>
+              </a:lvl6pPr>
+              <a:lvl7pPr marL="2743200" algn="l" defTabSz="914400" rtl="0" eaLnBrk="1" latinLnBrk="0" hangingPunct="1">
+                <a:defRPr sz="1800" kern="1200">
+                  <a:solidFill>
+                    <a:schemeClr val="dk1"/>
+                  </a:solidFill>
+                  <a:latin typeface="+mn-lt"/>
+                  <a:ea typeface="+mn-ea"/>
+                  <a:cs typeface="+mn-cs"/>
+                </a:defRPr>
+              </a:lvl7pPr>
+              <a:lvl8pPr marL="3200400" algn="l" defTabSz="914400" rtl="0" eaLnBrk="1" latinLnBrk="0" hangingPunct="1">
+                <a:defRPr sz="1800" kern="1200">
+                  <a:solidFill>
+                    <a:schemeClr val="dk1"/>
+                  </a:solidFill>
+                  <a:latin typeface="+mn-lt"/>
+                  <a:ea typeface="+mn-ea"/>
+                  <a:cs typeface="+mn-cs"/>
+                </a:defRPr>
+              </a:lvl8pPr>
+              <a:lvl9pPr marL="3657600" algn="l" defTabSz="914400" rtl="0" eaLnBrk="1" latinLnBrk="0" hangingPunct="1">
+                <a:defRPr sz="1800" kern="1200">
+                  <a:solidFill>
+                    <a:schemeClr val="dk1"/>
+                  </a:solidFill>
+                  <a:latin typeface="+mn-lt"/>
+                  <a:ea typeface="+mn-ea"/>
+                  <a:cs typeface="+mn-cs"/>
+                </a:defRPr>
+              </a:lvl9pPr>
+            </a:lstStyle>
+            <a:p>
+              <a:pPr algn="ctr" defTabSz="1218936"/>
+              <a:r>
+                <a:rPr lang="en-US" sz="1500" dirty="0">
+                  <a:solidFill>
+                    <a:schemeClr val="bg1">
+                      <a:alpha val="99000"/>
+                    </a:schemeClr>
+                  </a:solidFill>
+                  <a:latin typeface="Segoe UI"/>
+                  <a:ea typeface="Segoe UI" pitchFamily="34" charset="0"/>
+                  <a:cs typeface="Segoe UI" pitchFamily="34" charset="0"/>
+                </a:rPr>
+                <a:t>Storage</a:t>
+              </a:r>
+            </a:p>
+          </p:txBody>
+        </p:sp>
+        <p:sp>
+          <p:nvSpPr>
+            <p:cNvPr id="18" name="Rectangle 17"/>
+            <p:cNvSpPr/>
+            <p:nvPr/>
+          </p:nvSpPr>
+          <p:spPr>
+            <a:xfrm>
+              <a:off x="4410447" y="4818828"/>
+              <a:ext cx="1638241" cy="381000"/>
+            </a:xfrm>
+            <a:prstGeom prst="rect">
+              <a:avLst/>
+            </a:prstGeom>
+            <a:ln/>
+          </p:spPr>
+          <p:style>
+            <a:lnRef idx="2">
+              <a:schemeClr val="accent2">
+                <a:shade val="50000"/>
+              </a:schemeClr>
+            </a:lnRef>
+            <a:fillRef idx="1">
+              <a:schemeClr val="accent2"/>
+            </a:fillRef>
+            <a:effectRef idx="0">
+              <a:schemeClr val="accent2"/>
+            </a:effectRef>
+            <a:fontRef idx="minor">
+              <a:schemeClr val="lt1"/>
+            </a:fontRef>
+          </p:style>
+          <p:txBody>
+            <a:bodyPr rtlCol="0" anchor="t" anchorCtr="0"/>
+            <a:lstStyle>
+              <a:defPPr>
+                <a:defRPr lang="en-US"/>
+              </a:defPPr>
+              <a:lvl1pPr marL="0" algn="l" defTabSz="914400" rtl="0" eaLnBrk="1" latinLnBrk="0" hangingPunct="1">
+                <a:defRPr sz="1800" kern="1200">
+                  <a:solidFill>
+                    <a:schemeClr val="dk1"/>
+                  </a:solidFill>
+                  <a:latin typeface="+mn-lt"/>
+                  <a:ea typeface="+mn-ea"/>
+                  <a:cs typeface="+mn-cs"/>
+                </a:defRPr>
+              </a:lvl1pPr>
+              <a:lvl2pPr marL="457200" algn="l" defTabSz="914400" rtl="0" eaLnBrk="1" latinLnBrk="0" hangingPunct="1">
+                <a:defRPr sz="1800" kern="1200">
+                  <a:solidFill>
+                    <a:schemeClr val="dk1"/>
+                  </a:solidFill>
+                  <a:latin typeface="+mn-lt"/>
+                  <a:ea typeface="+mn-ea"/>
+                  <a:cs typeface="+mn-cs"/>
+                </a:defRPr>
+              </a:lvl2pPr>
+              <a:lvl3pPr marL="914400" algn="l" defTabSz="914400" rtl="0" eaLnBrk="1" latinLnBrk="0" hangingPunct="1">
+                <a:defRPr sz="1800" kern="1200">
+                  <a:solidFill>
+                    <a:schemeClr val="dk1"/>
+                  </a:solidFill>
+                  <a:latin typeface="+mn-lt"/>
+                  <a:ea typeface="+mn-ea"/>
+                  <a:cs typeface="+mn-cs"/>
+                </a:defRPr>
+              </a:lvl3pPr>
+              <a:lvl4pPr marL="1371600" algn="l" defTabSz="914400" rtl="0" eaLnBrk="1" latinLnBrk="0" hangingPunct="1">
+                <a:defRPr sz="1800" kern="1200">
+                  <a:solidFill>
+                    <a:schemeClr val="dk1"/>
+                  </a:solidFill>
+                  <a:latin typeface="+mn-lt"/>
+                  <a:ea typeface="+mn-ea"/>
+                  <a:cs typeface="+mn-cs"/>
+                </a:defRPr>
+              </a:lvl4pPr>
+              <a:lvl5pPr marL="1828800" algn="l" defTabSz="914400" rtl="0" eaLnBrk="1" latinLnBrk="0" hangingPunct="1">
+                <a:defRPr sz="1800" kern="1200">
+                  <a:solidFill>
+                    <a:schemeClr val="dk1"/>
+                  </a:solidFill>
+                  <a:latin typeface="+mn-lt"/>
+                  <a:ea typeface="+mn-ea"/>
+                  <a:cs typeface="+mn-cs"/>
+                </a:defRPr>
+              </a:lvl5pPr>
+              <a:lvl6pPr marL="2286000" algn="l" defTabSz="914400" rtl="0" eaLnBrk="1" latinLnBrk="0" hangingPunct="1">
+                <a:defRPr sz="1800" kern="1200">
+                  <a:solidFill>
+                    <a:schemeClr val="dk1"/>
+                  </a:solidFill>
+                  <a:latin typeface="+mn-lt"/>
+                  <a:ea typeface="+mn-ea"/>
+                  <a:cs typeface="+mn-cs"/>
+                </a:defRPr>
+              </a:lvl6pPr>
+              <a:lvl7pPr marL="2743200" algn="l" defTabSz="914400" rtl="0" eaLnBrk="1" latinLnBrk="0" hangingPunct="1">
+                <a:defRPr sz="1800" kern="1200">
+                  <a:solidFill>
+                    <a:schemeClr val="dk1"/>
+                  </a:solidFill>
+                  <a:latin typeface="+mn-lt"/>
+                  <a:ea typeface="+mn-ea"/>
+                  <a:cs typeface="+mn-cs"/>
+                </a:defRPr>
+              </a:lvl7pPr>
+              <a:lvl8pPr marL="3200400" algn="l" defTabSz="914400" rtl="0" eaLnBrk="1" latinLnBrk="0" hangingPunct="1">
+                <a:defRPr sz="1800" kern="1200">
+                  <a:solidFill>
+                    <a:schemeClr val="dk1"/>
+                  </a:solidFill>
+                  <a:latin typeface="+mn-lt"/>
+                  <a:ea typeface="+mn-ea"/>
+                  <a:cs typeface="+mn-cs"/>
+                </a:defRPr>
+              </a:lvl8pPr>
+              <a:lvl9pPr marL="3657600" algn="l" defTabSz="914400" rtl="0" eaLnBrk="1" latinLnBrk="0" hangingPunct="1">
+                <a:defRPr sz="1800" kern="1200">
+                  <a:solidFill>
+                    <a:schemeClr val="dk1"/>
+                  </a:solidFill>
+                  <a:latin typeface="+mn-lt"/>
+                  <a:ea typeface="+mn-ea"/>
+                  <a:cs typeface="+mn-cs"/>
+                </a:defRPr>
+              </a:lvl9pPr>
+            </a:lstStyle>
+            <a:p>
+              <a:pPr algn="ctr" defTabSz="1218936"/>
+              <a:r>
+                <a:rPr lang="en-US" sz="1500" dirty="0">
+                  <a:solidFill>
+                    <a:schemeClr val="bg1">
+                      <a:alpha val="99000"/>
+                    </a:schemeClr>
+                  </a:solidFill>
+                  <a:latin typeface="Segoe UI"/>
+                  <a:ea typeface="Segoe UI" pitchFamily="34" charset="0"/>
+                  <a:cs typeface="Segoe UI" pitchFamily="34" charset="0"/>
+                </a:rPr>
+                <a:t>Servers</a:t>
+              </a:r>
+            </a:p>
+          </p:txBody>
+        </p:sp>
+        <p:sp>
+          <p:nvSpPr>
+            <p:cNvPr id="19" name="Rectangle 18"/>
+            <p:cNvSpPr/>
+            <p:nvPr/>
+          </p:nvSpPr>
+          <p:spPr>
+            <a:xfrm>
+              <a:off x="4410447" y="5728464"/>
+              <a:ext cx="1638241" cy="381000"/>
+            </a:xfrm>
+            <a:prstGeom prst="rect">
+              <a:avLst/>
+            </a:prstGeom>
+            <a:ln/>
+          </p:spPr>
+          <p:style>
+            <a:lnRef idx="2">
+              <a:schemeClr val="accent2">
+                <a:shade val="50000"/>
+              </a:schemeClr>
+            </a:lnRef>
+            <a:fillRef idx="1">
+              <a:schemeClr val="accent2"/>
+            </a:fillRef>
+            <a:effectRef idx="0">
+              <a:schemeClr val="accent2"/>
+            </a:effectRef>
+            <a:fontRef idx="minor">
+              <a:schemeClr val="lt1"/>
+            </a:fontRef>
+          </p:style>
+          <p:txBody>
+            <a:bodyPr rtlCol="0" anchor="t" anchorCtr="0"/>
+            <a:lstStyle>
+              <a:defPPr>
+                <a:defRPr lang="en-US"/>
+              </a:defPPr>
+              <a:lvl1pPr marL="0" algn="l" defTabSz="914400" rtl="0" eaLnBrk="1" latinLnBrk="0" hangingPunct="1">
+                <a:defRPr sz="1800" kern="1200">
+                  <a:solidFill>
+                    <a:schemeClr val="dk1"/>
+                  </a:solidFill>
+                  <a:latin typeface="+mn-lt"/>
+                  <a:ea typeface="+mn-ea"/>
+                  <a:cs typeface="+mn-cs"/>
+                </a:defRPr>
+              </a:lvl1pPr>
+              <a:lvl2pPr marL="457200" algn="l" defTabSz="914400" rtl="0" eaLnBrk="1" latinLnBrk="0" hangingPunct="1">
+                <a:defRPr sz="1800" kern="1200">
+                  <a:solidFill>
+                    <a:schemeClr val="dk1"/>
+                  </a:solidFill>
+                  <a:latin typeface="+mn-lt"/>
+                  <a:ea typeface="+mn-ea"/>
+                  <a:cs typeface="+mn-cs"/>
+                </a:defRPr>
+              </a:lvl2pPr>
+              <a:lvl3pPr marL="914400" algn="l" defTabSz="914400" rtl="0" eaLnBrk="1" latinLnBrk="0" hangingPunct="1">
+                <a:defRPr sz="1800" kern="1200">
+                  <a:solidFill>
+                    <a:schemeClr val="dk1"/>
+                  </a:solidFill>
+                  <a:latin typeface="+mn-lt"/>
+                  <a:ea typeface="+mn-ea"/>
+                  <a:cs typeface="+mn-cs"/>
+                </a:defRPr>
+              </a:lvl3pPr>
+              <a:lvl4pPr marL="1371600" algn="l" defTabSz="914400" rtl="0" eaLnBrk="1" latinLnBrk="0" hangingPunct="1">
+                <a:defRPr sz="1800" kern="1200">
+                  <a:solidFill>
+                    <a:schemeClr val="dk1"/>
+                  </a:solidFill>
+                  <a:latin typeface="+mn-lt"/>
+                  <a:ea typeface="+mn-ea"/>
+                  <a:cs typeface="+mn-cs"/>
+                </a:defRPr>
+              </a:lvl4pPr>
+              <a:lvl5pPr marL="1828800" algn="l" defTabSz="914400" rtl="0" eaLnBrk="1" latinLnBrk="0" hangingPunct="1">
+                <a:defRPr sz="1800" kern="1200">
+                  <a:solidFill>
+                    <a:schemeClr val="dk1"/>
+                  </a:solidFill>
+                  <a:latin typeface="+mn-lt"/>
+                  <a:ea typeface="+mn-ea"/>
+                  <a:cs typeface="+mn-cs"/>
+                </a:defRPr>
+              </a:lvl5pPr>
+              <a:lvl6pPr marL="2286000" algn="l" defTabSz="914400" rtl="0" eaLnBrk="1" latinLnBrk="0" hangingPunct="1">
+                <a:defRPr sz="1800" kern="1200">
+                  <a:solidFill>
+                    <a:schemeClr val="dk1"/>
+                  </a:solidFill>
+                  <a:latin typeface="+mn-lt"/>
+                  <a:ea typeface="+mn-ea"/>
+                  <a:cs typeface="+mn-cs"/>
+                </a:defRPr>
+              </a:lvl6pPr>
+              <a:lvl7pPr marL="2743200" algn="l" defTabSz="914400" rtl="0" eaLnBrk="1" latinLnBrk="0" hangingPunct="1">
+                <a:defRPr sz="1800" kern="1200">
+                  <a:solidFill>
+                    <a:schemeClr val="dk1"/>
+                  </a:solidFill>
+                  <a:latin typeface="+mn-lt"/>
+                  <a:ea typeface="+mn-ea"/>
+                  <a:cs typeface="+mn-cs"/>
+                </a:defRPr>
+              </a:lvl7pPr>
+              <a:lvl8pPr marL="3200400" algn="l" defTabSz="914400" rtl="0" eaLnBrk="1" latinLnBrk="0" hangingPunct="1">
+                <a:defRPr sz="1800" kern="1200">
+                  <a:solidFill>
+                    <a:schemeClr val="dk1"/>
+                  </a:solidFill>
+                  <a:latin typeface="+mn-lt"/>
+                  <a:ea typeface="+mn-ea"/>
+                  <a:cs typeface="+mn-cs"/>
+                </a:defRPr>
+              </a:lvl8pPr>
+              <a:lvl9pPr marL="3657600" algn="l" defTabSz="914400" rtl="0" eaLnBrk="1" latinLnBrk="0" hangingPunct="1">
+                <a:defRPr sz="1800" kern="1200">
+                  <a:solidFill>
+                    <a:schemeClr val="dk1"/>
+                  </a:solidFill>
+                  <a:latin typeface="+mn-lt"/>
+                  <a:ea typeface="+mn-ea"/>
+                  <a:cs typeface="+mn-cs"/>
+                </a:defRPr>
+              </a:lvl9pPr>
+            </a:lstStyle>
+            <a:p>
+              <a:pPr algn="ctr" defTabSz="1218936"/>
+              <a:r>
+                <a:rPr lang="en-US" sz="1500" dirty="0">
+                  <a:solidFill>
+                    <a:schemeClr val="bg1">
+                      <a:alpha val="99000"/>
+                    </a:schemeClr>
+                  </a:solidFill>
+                  <a:latin typeface="Segoe UI"/>
+                  <a:ea typeface="Segoe UI" pitchFamily="34" charset="0"/>
+                  <a:cs typeface="Segoe UI" pitchFamily="34" charset="0"/>
+                </a:rPr>
+                <a:t>Networking</a:t>
+              </a:r>
+            </a:p>
+          </p:txBody>
+        </p:sp>
+        <p:sp>
+          <p:nvSpPr>
+            <p:cNvPr id="20" name="Rectangle 19"/>
+            <p:cNvSpPr/>
+            <p:nvPr/>
+          </p:nvSpPr>
+          <p:spPr>
+            <a:xfrm>
+              <a:off x="4410447" y="3909190"/>
+              <a:ext cx="1638241" cy="381000"/>
+            </a:xfrm>
+            <a:prstGeom prst="rect">
+              <a:avLst/>
+            </a:prstGeom>
+            <a:solidFill>
+              <a:schemeClr val="accent1"/>
+            </a:solidFill>
+            <a:ln w="9525" cap="flat" cmpd="sng" algn="ctr">
+              <a:solidFill>
+                <a:srgbClr val="FFC000">
+                  <a:shade val="95000"/>
+                  <a:satMod val="105000"/>
+                </a:srgbClr>
+              </a:solidFill>
+              <a:prstDash val="solid"/>
+            </a:ln>
+            <a:effectLst/>
+          </p:spPr>
+          <p:txBody>
+            <a:bodyPr rtlCol="0" anchor="t" anchorCtr="0"/>
+            <a:lstStyle/>
+            <a:p>
+              <a:pPr algn="ctr" defTabSz="1218936"/>
+              <a:r>
+                <a:rPr lang="en-US" sz="1500" dirty="0">
+                  <a:solidFill>
+                    <a:schemeClr val="bg1">
+                      <a:alpha val="99000"/>
+                    </a:schemeClr>
+                  </a:solidFill>
+                  <a:latin typeface="Segoe UI"/>
+                  <a:ea typeface="Segoe UI" pitchFamily="34" charset="0"/>
+                  <a:cs typeface="Segoe UI" pitchFamily="34" charset="0"/>
+                </a:rPr>
+                <a:t>O/S</a:t>
+              </a:r>
+            </a:p>
+          </p:txBody>
+        </p:sp>
+        <p:sp>
+          <p:nvSpPr>
+            <p:cNvPr id="21" name="Rectangle 20"/>
+            <p:cNvSpPr/>
+            <p:nvPr/>
+          </p:nvSpPr>
+          <p:spPr>
+            <a:xfrm>
+              <a:off x="4410447" y="3454371"/>
+              <a:ext cx="1638241" cy="381000"/>
+            </a:xfrm>
+            <a:prstGeom prst="rect">
+              <a:avLst/>
+            </a:prstGeom>
+            <a:solidFill>
+              <a:schemeClr val="accent1"/>
+            </a:solidFill>
+            <a:ln w="9525" cap="flat" cmpd="sng" algn="ctr">
+              <a:solidFill>
+                <a:srgbClr val="FFC000">
+                  <a:shade val="95000"/>
+                  <a:satMod val="105000"/>
+                </a:srgbClr>
+              </a:solidFill>
+              <a:prstDash val="solid"/>
+            </a:ln>
+            <a:effectLst/>
+          </p:spPr>
+          <p:txBody>
+            <a:bodyPr rtlCol="0" anchor="t" anchorCtr="0"/>
+            <a:lstStyle/>
+            <a:p>
+              <a:pPr algn="ctr" defTabSz="1218936"/>
+              <a:r>
+                <a:rPr lang="en-US" sz="1500" dirty="0">
+                  <a:solidFill>
+                    <a:schemeClr val="bg1">
+                      <a:alpha val="99000"/>
+                    </a:schemeClr>
+                  </a:solidFill>
+                  <a:latin typeface="Segoe UI"/>
+                  <a:ea typeface="Segoe UI" pitchFamily="34" charset="0"/>
+                  <a:cs typeface="Segoe UI" pitchFamily="34" charset="0"/>
+                </a:rPr>
+                <a:t>Middleware</a:t>
+              </a:r>
+            </a:p>
+          </p:txBody>
+        </p:sp>
+        <p:sp>
+          <p:nvSpPr>
+            <p:cNvPr id="22" name="Rectangle 21"/>
+            <p:cNvSpPr/>
+            <p:nvPr/>
+          </p:nvSpPr>
+          <p:spPr>
+            <a:xfrm>
+              <a:off x="4410447" y="4364009"/>
+              <a:ext cx="1638241" cy="381000"/>
+            </a:xfrm>
+            <a:prstGeom prst="rect">
+              <a:avLst/>
+            </a:prstGeom>
+            <a:ln/>
+          </p:spPr>
+          <p:style>
+            <a:lnRef idx="2">
+              <a:schemeClr val="accent2">
+                <a:shade val="50000"/>
+              </a:schemeClr>
+            </a:lnRef>
+            <a:fillRef idx="1">
+              <a:schemeClr val="accent2"/>
+            </a:fillRef>
+            <a:effectRef idx="0">
+              <a:schemeClr val="accent2"/>
+            </a:effectRef>
+            <a:fontRef idx="minor">
+              <a:schemeClr val="lt1"/>
+            </a:fontRef>
+          </p:style>
+          <p:txBody>
+            <a:bodyPr lIns="0" rIns="0" rtlCol="0" anchor="t" anchorCtr="0"/>
+            <a:lstStyle>
+              <a:defPPr>
+                <a:defRPr lang="en-US"/>
+              </a:defPPr>
+              <a:lvl1pPr marL="0" algn="l" defTabSz="914400" rtl="0" eaLnBrk="1" latinLnBrk="0" hangingPunct="1">
+                <a:defRPr sz="1800" kern="1200">
+                  <a:solidFill>
+                    <a:schemeClr val="dk1"/>
+                  </a:solidFill>
+                  <a:latin typeface="+mn-lt"/>
+                  <a:ea typeface="+mn-ea"/>
+                  <a:cs typeface="+mn-cs"/>
+                </a:defRPr>
+              </a:lvl1pPr>
+              <a:lvl2pPr marL="457200" algn="l" defTabSz="914400" rtl="0" eaLnBrk="1" latinLnBrk="0" hangingPunct="1">
+                <a:defRPr sz="1800" kern="1200">
+                  <a:solidFill>
+                    <a:schemeClr val="dk1"/>
+                  </a:solidFill>
+                  <a:latin typeface="+mn-lt"/>
+                  <a:ea typeface="+mn-ea"/>
+                  <a:cs typeface="+mn-cs"/>
+                </a:defRPr>
+              </a:lvl2pPr>
+              <a:lvl3pPr marL="914400" algn="l" defTabSz="914400" rtl="0" eaLnBrk="1" latinLnBrk="0" hangingPunct="1">
+                <a:defRPr sz="1800" kern="1200">
+                  <a:solidFill>
+                    <a:schemeClr val="dk1"/>
+                  </a:solidFill>
+                  <a:latin typeface="+mn-lt"/>
+                  <a:ea typeface="+mn-ea"/>
+                  <a:cs typeface="+mn-cs"/>
+                </a:defRPr>
+              </a:lvl3pPr>
+              <a:lvl4pPr marL="1371600" algn="l" defTabSz="914400" rtl="0" eaLnBrk="1" latinLnBrk="0" hangingPunct="1">
+                <a:defRPr sz="1800" kern="1200">
+                  <a:solidFill>
+                    <a:schemeClr val="dk1"/>
+                  </a:solidFill>
+                  <a:latin typeface="+mn-lt"/>
+                  <a:ea typeface="+mn-ea"/>
+                  <a:cs typeface="+mn-cs"/>
+                </a:defRPr>
+              </a:lvl4pPr>
+              <a:lvl5pPr marL="1828800" algn="l" defTabSz="914400" rtl="0" eaLnBrk="1" latinLnBrk="0" hangingPunct="1">
+                <a:defRPr sz="1800" kern="1200">
+                  <a:solidFill>
+                    <a:schemeClr val="dk1"/>
+                  </a:solidFill>
+                  <a:latin typeface="+mn-lt"/>
+                  <a:ea typeface="+mn-ea"/>
+                  <a:cs typeface="+mn-cs"/>
+                </a:defRPr>
+              </a:lvl5pPr>
+              <a:lvl6pPr marL="2286000" algn="l" defTabSz="914400" rtl="0" eaLnBrk="1" latinLnBrk="0" hangingPunct="1">
+                <a:defRPr sz="1800" kern="1200">
+                  <a:solidFill>
+                    <a:schemeClr val="dk1"/>
+                  </a:solidFill>
+                  <a:latin typeface="+mn-lt"/>
+                  <a:ea typeface="+mn-ea"/>
+                  <a:cs typeface="+mn-cs"/>
+                </a:defRPr>
+              </a:lvl6pPr>
+              <a:lvl7pPr marL="2743200" algn="l" defTabSz="914400" rtl="0" eaLnBrk="1" latinLnBrk="0" hangingPunct="1">
+                <a:defRPr sz="1800" kern="1200">
+                  <a:solidFill>
+                    <a:schemeClr val="dk1"/>
+                  </a:solidFill>
+                  <a:latin typeface="+mn-lt"/>
+                  <a:ea typeface="+mn-ea"/>
+                  <a:cs typeface="+mn-cs"/>
+                </a:defRPr>
+              </a:lvl7pPr>
+              <a:lvl8pPr marL="3200400" algn="l" defTabSz="914400" rtl="0" eaLnBrk="1" latinLnBrk="0" hangingPunct="1">
+                <a:defRPr sz="1800" kern="1200">
+                  <a:solidFill>
+                    <a:schemeClr val="dk1"/>
+                  </a:solidFill>
+                  <a:latin typeface="+mn-lt"/>
+                  <a:ea typeface="+mn-ea"/>
+                  <a:cs typeface="+mn-cs"/>
+                </a:defRPr>
+              </a:lvl8pPr>
+              <a:lvl9pPr marL="3657600" algn="l" defTabSz="914400" rtl="0" eaLnBrk="1" latinLnBrk="0" hangingPunct="1">
+                <a:defRPr sz="1800" kern="1200">
+                  <a:solidFill>
+                    <a:schemeClr val="dk1"/>
+                  </a:solidFill>
+                  <a:latin typeface="+mn-lt"/>
+                  <a:ea typeface="+mn-ea"/>
+                  <a:cs typeface="+mn-cs"/>
+                </a:defRPr>
+              </a:lvl9pPr>
+            </a:lstStyle>
+            <a:p>
+              <a:pPr algn="ctr" defTabSz="1218936"/>
+              <a:r>
+                <a:rPr lang="en-US" sz="1500" dirty="0">
+                  <a:solidFill>
+                    <a:schemeClr val="bg1">
+                      <a:alpha val="99000"/>
+                    </a:schemeClr>
+                  </a:solidFill>
+                  <a:latin typeface="Segoe UI"/>
+                  <a:ea typeface="Segoe UI" pitchFamily="34" charset="0"/>
+                  <a:cs typeface="Segoe UI" pitchFamily="34" charset="0"/>
+                </a:rPr>
+                <a:t>Virtualization</a:t>
+              </a:r>
+            </a:p>
+          </p:txBody>
+        </p:sp>
+        <p:sp>
+          <p:nvSpPr>
+            <p:cNvPr id="23" name="Rectangle 22"/>
+            <p:cNvSpPr/>
+            <p:nvPr/>
+          </p:nvSpPr>
+          <p:spPr>
+            <a:xfrm>
+              <a:off x="4410447" y="2544733"/>
+              <a:ext cx="1638241" cy="381000"/>
+            </a:xfrm>
+            <a:prstGeom prst="rect">
+              <a:avLst/>
+            </a:prstGeom>
+            <a:solidFill>
+              <a:schemeClr val="accent1"/>
+            </a:solidFill>
+            <a:ln w="9525" cap="flat" cmpd="sng" algn="ctr">
+              <a:solidFill>
+                <a:srgbClr val="FFC000">
+                  <a:shade val="95000"/>
+                  <a:satMod val="105000"/>
+                </a:srgbClr>
+              </a:solidFill>
+              <a:prstDash val="solid"/>
+            </a:ln>
+            <a:effectLst/>
+          </p:spPr>
+          <p:txBody>
+            <a:bodyPr rtlCol="0" anchor="t" anchorCtr="0"/>
+            <a:lstStyle/>
+            <a:p>
+              <a:pPr algn="ctr" defTabSz="1218936"/>
+              <a:r>
+                <a:rPr lang="en-US" sz="1500" dirty="0">
+                  <a:solidFill>
+                    <a:schemeClr val="bg1">
+                      <a:alpha val="99000"/>
+                    </a:schemeClr>
+                  </a:solidFill>
+                  <a:latin typeface="Segoe UI"/>
+                  <a:ea typeface="Segoe UI" pitchFamily="34" charset="0"/>
+                  <a:cs typeface="Segoe UI" pitchFamily="34" charset="0"/>
+                </a:rPr>
+                <a:t>Data</a:t>
+              </a:r>
+            </a:p>
+          </p:txBody>
+        </p:sp>
+        <p:sp>
+          <p:nvSpPr>
+            <p:cNvPr id="24" name="Rectangle 23"/>
+            <p:cNvSpPr/>
+            <p:nvPr/>
+          </p:nvSpPr>
+          <p:spPr>
+            <a:xfrm>
+              <a:off x="4410447" y="2089914"/>
+              <a:ext cx="1638241" cy="381000"/>
+            </a:xfrm>
+            <a:prstGeom prst="rect">
+              <a:avLst/>
+            </a:prstGeom>
+            <a:solidFill>
+              <a:schemeClr val="accent1"/>
+            </a:solidFill>
+            <a:ln w="9525" cap="flat" cmpd="sng" algn="ctr">
+              <a:solidFill>
+                <a:srgbClr val="FFC000">
+                  <a:shade val="95000"/>
+                  <a:satMod val="105000"/>
+                </a:srgbClr>
+              </a:solidFill>
+              <a:prstDash val="solid"/>
+            </a:ln>
+            <a:effectLst/>
+          </p:spPr>
+          <p:txBody>
+            <a:bodyPr rtlCol="0" anchor="t" anchorCtr="0"/>
+            <a:lstStyle/>
+            <a:p>
+              <a:pPr algn="ctr" defTabSz="1218936"/>
+              <a:r>
+                <a:rPr lang="en-US" sz="1500" dirty="0">
+                  <a:solidFill>
+                    <a:schemeClr val="bg1">
+                      <a:alpha val="99000"/>
+                    </a:schemeClr>
+                  </a:solidFill>
+                  <a:latin typeface="Segoe UI"/>
+                  <a:ea typeface="Segoe UI" pitchFamily="34" charset="0"/>
+                  <a:cs typeface="Segoe UI" pitchFamily="34" charset="0"/>
+                </a:rPr>
+                <a:t>Applications</a:t>
+              </a:r>
+            </a:p>
+          </p:txBody>
+        </p:sp>
+        <p:sp>
+          <p:nvSpPr>
+            <p:cNvPr id="25" name="Rectangle 24"/>
+            <p:cNvSpPr/>
+            <p:nvPr/>
+          </p:nvSpPr>
+          <p:spPr>
+            <a:xfrm>
+              <a:off x="4410447" y="2999552"/>
+              <a:ext cx="1638241" cy="381000"/>
+            </a:xfrm>
+            <a:prstGeom prst="rect">
+              <a:avLst/>
+            </a:prstGeom>
+            <a:solidFill>
+              <a:schemeClr val="accent1"/>
+            </a:solidFill>
+            <a:ln w="9525" cap="flat" cmpd="sng" algn="ctr">
+              <a:solidFill>
+                <a:srgbClr val="FFC000">
+                  <a:shade val="95000"/>
+                  <a:satMod val="105000"/>
+                </a:srgbClr>
+              </a:solidFill>
+              <a:prstDash val="solid"/>
+            </a:ln>
+            <a:effectLst/>
+          </p:spPr>
+          <p:txBody>
+            <a:bodyPr rtlCol="0" anchor="t" anchorCtr="0"/>
+            <a:lstStyle/>
+            <a:p>
+              <a:pPr algn="ctr" defTabSz="1218936"/>
+              <a:r>
+                <a:rPr lang="en-US" sz="1500" dirty="0">
+                  <a:solidFill>
+                    <a:schemeClr val="bg1">
+                      <a:alpha val="99000"/>
+                    </a:schemeClr>
+                  </a:solidFill>
+                  <a:latin typeface="Segoe UI"/>
+                  <a:ea typeface="Segoe UI" pitchFamily="34" charset="0"/>
+                  <a:cs typeface="Segoe UI" pitchFamily="34" charset="0"/>
+                </a:rPr>
+                <a:t>Runtime</a:t>
+              </a:r>
+            </a:p>
+          </p:txBody>
+        </p:sp>
+        <p:sp>
+          <p:nvSpPr>
+            <p:cNvPr id="26" name="Left Brace 25"/>
+            <p:cNvSpPr/>
+            <p:nvPr/>
+          </p:nvSpPr>
+          <p:spPr>
+            <a:xfrm flipH="1">
+              <a:off x="6057919" y="4322900"/>
+              <a:ext cx="228600" cy="1764000"/>
+            </a:xfrm>
+            <a:prstGeom prst="leftBrace">
+              <a:avLst>
+                <a:gd name="adj1" fmla="val 0"/>
+                <a:gd name="adj2" fmla="val 50000"/>
+              </a:avLst>
+            </a:prstGeom>
+            <a:noFill/>
+            <a:ln w="19050" cap="flat" cmpd="sng" algn="ctr">
+              <a:solidFill>
+                <a:schemeClr val="accent2"/>
+              </a:solidFill>
+              <a:prstDash val="solid"/>
+            </a:ln>
+            <a:effectLst/>
+          </p:spPr>
+          <p:txBody>
+            <a:bodyPr rtlCol="0" anchor="ctr"/>
+            <a:lstStyle/>
+            <a:p>
+              <a:pPr algn="ctr" defTabSz="1218936"/>
+              <a:endParaRPr lang="en-US" sz="1800" dirty="0">
+                <a:solidFill>
+                  <a:srgbClr val="FFFFFF"/>
+                </a:solidFill>
+                <a:latin typeface="Segoe UI"/>
+                <a:ea typeface="Segoe UI" pitchFamily="34" charset="0"/>
+                <a:cs typeface="Segoe UI" pitchFamily="34" charset="0"/>
+              </a:endParaRPr>
+            </a:p>
+          </p:txBody>
+        </p:sp>
+        <p:sp>
+          <p:nvSpPr>
+            <p:cNvPr id="27" name="TextBox 56"/>
+            <p:cNvSpPr txBox="1"/>
+            <p:nvPr/>
+          </p:nvSpPr>
+          <p:spPr>
+            <a:xfrm flipH="1">
+              <a:off x="6231485" y="4379742"/>
+              <a:ext cx="400110" cy="1691104"/>
+            </a:xfrm>
+            <a:prstGeom prst="rect">
+              <a:avLst/>
+            </a:prstGeom>
+            <a:noFill/>
+          </p:spPr>
+          <p:txBody>
+            <a:bodyPr vert="eaVert" wrap="none" rtlCol="0">
+              <a:spAutoFit/>
+            </a:bodyPr>
+            <a:lstStyle>
+              <a:defPPr>
+                <a:defRPr lang="en-US"/>
+              </a:defPPr>
+              <a:lvl1pPr marL="0" algn="l" defTabSz="914400" rtl="0" eaLnBrk="1" latinLnBrk="0" hangingPunct="1">
+                <a:defRPr sz="1800" kern="1200">
+                  <a:solidFill>
+                    <a:schemeClr val="tx1"/>
+                  </a:solidFill>
+                  <a:latin typeface="+mn-lt"/>
+                  <a:ea typeface="+mn-ea"/>
+                  <a:cs typeface="+mn-cs"/>
+                </a:defRPr>
+              </a:lvl1pPr>
+              <a:lvl2pPr marL="457200" algn="l" defTabSz="914400" rtl="0" eaLnBrk="1" latinLnBrk="0" hangingPunct="1">
+                <a:defRPr sz="1800" kern="1200">
+                  <a:solidFill>
+                    <a:schemeClr val="tx1"/>
+                  </a:solidFill>
+                  <a:latin typeface="+mn-lt"/>
+                  <a:ea typeface="+mn-ea"/>
+                  <a:cs typeface="+mn-cs"/>
+                </a:defRPr>
+              </a:lvl2pPr>
+              <a:lvl3pPr marL="914400" algn="l" defTabSz="914400" rtl="0" eaLnBrk="1" latinLnBrk="0" hangingPunct="1">
+                <a:defRPr sz="1800" kern="1200">
+                  <a:solidFill>
+                    <a:schemeClr val="tx1"/>
+                  </a:solidFill>
+                  <a:latin typeface="+mn-lt"/>
+                  <a:ea typeface="+mn-ea"/>
+                  <a:cs typeface="+mn-cs"/>
+                </a:defRPr>
+              </a:lvl3pPr>
+              <a:lvl4pPr marL="1371600" algn="l" defTabSz="914400" rtl="0" eaLnBrk="1" latinLnBrk="0" hangingPunct="1">
+                <a:defRPr sz="1800" kern="1200">
+                  <a:solidFill>
+                    <a:schemeClr val="tx1"/>
+                  </a:solidFill>
+                  <a:latin typeface="+mn-lt"/>
+                  <a:ea typeface="+mn-ea"/>
+                  <a:cs typeface="+mn-cs"/>
+                </a:defRPr>
+              </a:lvl4pPr>
+              <a:lvl5pPr marL="1828800" algn="l" defTabSz="914400" rtl="0" eaLnBrk="1" latinLnBrk="0" hangingPunct="1">
+                <a:defRPr sz="1800" kern="1200">
+                  <a:solidFill>
+                    <a:schemeClr val="tx1"/>
+                  </a:solidFill>
+                  <a:latin typeface="+mn-lt"/>
+                  <a:ea typeface="+mn-ea"/>
+                  <a:cs typeface="+mn-cs"/>
+                </a:defRPr>
+              </a:lvl5pPr>
+              <a:lvl6pPr marL="2286000" algn="l" defTabSz="914400" rtl="0" eaLnBrk="1" latinLnBrk="0" hangingPunct="1">
+                <a:defRPr sz="1800" kern="1200">
+                  <a:solidFill>
+                    <a:schemeClr val="tx1"/>
+                  </a:solidFill>
+                  <a:latin typeface="+mn-lt"/>
+                  <a:ea typeface="+mn-ea"/>
+                  <a:cs typeface="+mn-cs"/>
+                </a:defRPr>
+              </a:lvl6pPr>
+              <a:lvl7pPr marL="2743200" algn="l" defTabSz="914400" rtl="0" eaLnBrk="1" latinLnBrk="0" hangingPunct="1">
+                <a:defRPr sz="1800" kern="1200">
+                  <a:solidFill>
+                    <a:schemeClr val="tx1"/>
+                  </a:solidFill>
+                  <a:latin typeface="+mn-lt"/>
+                  <a:ea typeface="+mn-ea"/>
+                  <a:cs typeface="+mn-cs"/>
+                </a:defRPr>
+              </a:lvl7pPr>
+              <a:lvl8pPr marL="3200400" algn="l" defTabSz="914400" rtl="0" eaLnBrk="1" latinLnBrk="0" hangingPunct="1">
+                <a:defRPr sz="1800" kern="1200">
+                  <a:solidFill>
+                    <a:schemeClr val="tx1"/>
+                  </a:solidFill>
+                  <a:latin typeface="+mn-lt"/>
+                  <a:ea typeface="+mn-ea"/>
+                  <a:cs typeface="+mn-cs"/>
+                </a:defRPr>
+              </a:lvl8pPr>
+              <a:lvl9pPr marL="3657600" algn="l" defTabSz="914400" rtl="0" eaLnBrk="1" latinLnBrk="0" hangingPunct="1">
+                <a:defRPr sz="1800" kern="1200">
+                  <a:solidFill>
+                    <a:schemeClr val="tx1"/>
+                  </a:solidFill>
+                  <a:latin typeface="+mn-lt"/>
+                  <a:ea typeface="+mn-ea"/>
+                  <a:cs typeface="+mn-cs"/>
+                </a:defRPr>
+              </a:lvl9pPr>
+            </a:lstStyle>
+            <a:p>
+              <a:pPr marL="0" lvl="1" algn="ctr" defTabSz="1218836" fontAlgn="base">
+                <a:spcAft>
+                  <a:spcPct val="0"/>
+                </a:spcAft>
+              </a:pPr>
+              <a:r>
+                <a:rPr lang="en-US" sz="1400" dirty="0">
+                  <a:solidFill>
+                    <a:srgbClr val="595959">
+                      <a:alpha val="99000"/>
+                    </a:srgbClr>
+                  </a:solidFill>
+                  <a:ea typeface="Kozuka Gothic Pro R" pitchFamily="34" charset="-128"/>
+                </a:rPr>
+                <a:t>Managed by vendor</a:t>
+              </a:r>
+            </a:p>
+          </p:txBody>
+        </p:sp>
+        <p:sp>
+          <p:nvSpPr>
+            <p:cNvPr id="28" name="Left Brace 27"/>
+            <p:cNvSpPr/>
+            <p:nvPr/>
+          </p:nvSpPr>
+          <p:spPr>
+            <a:xfrm>
+              <a:off x="4271939" y="2089914"/>
+              <a:ext cx="133350" cy="2200272"/>
+            </a:xfrm>
+            <a:prstGeom prst="leftBrace">
+              <a:avLst>
+                <a:gd name="adj1" fmla="val 0"/>
+                <a:gd name="adj2" fmla="val 50000"/>
+              </a:avLst>
+            </a:prstGeom>
+            <a:noFill/>
+            <a:ln w="19050" cap="flat" cmpd="sng" algn="ctr">
+              <a:solidFill>
+                <a:schemeClr val="accent2"/>
+              </a:solidFill>
+              <a:prstDash val="solid"/>
+            </a:ln>
+            <a:effectLst/>
+          </p:spPr>
+          <p:txBody>
+            <a:bodyPr rtlCol="0" anchor="ctr"/>
+            <a:lstStyle/>
+            <a:p>
+              <a:pPr algn="ctr" defTabSz="1218936"/>
+              <a:endParaRPr lang="en-US" sz="1800" dirty="0">
+                <a:solidFill>
+                  <a:srgbClr val="FFFFFF"/>
+                </a:solidFill>
+                <a:latin typeface="Segoe UI"/>
+                <a:ea typeface="Segoe UI" pitchFamily="34" charset="0"/>
+                <a:cs typeface="Segoe UI" pitchFamily="34" charset="0"/>
+              </a:endParaRPr>
+            </a:p>
+          </p:txBody>
+        </p:sp>
+        <p:sp>
+          <p:nvSpPr>
+            <p:cNvPr id="29" name="TextBox 58"/>
+            <p:cNvSpPr txBox="1"/>
+            <p:nvPr/>
+          </p:nvSpPr>
+          <p:spPr>
+            <a:xfrm>
+              <a:off x="3859670" y="2664074"/>
+              <a:ext cx="400110" cy="1070421"/>
+            </a:xfrm>
+            <a:prstGeom prst="rect">
+              <a:avLst/>
+            </a:prstGeom>
+            <a:noFill/>
+          </p:spPr>
+          <p:txBody>
+            <a:bodyPr vert="vert270" wrap="none" rtlCol="0">
+              <a:spAutoFit/>
+            </a:bodyPr>
+            <a:lstStyle>
+              <a:defPPr>
+                <a:defRPr lang="en-US"/>
+              </a:defPPr>
+              <a:lvl1pPr marL="0" algn="l" defTabSz="914400" rtl="0" eaLnBrk="1" latinLnBrk="0" hangingPunct="1">
+                <a:defRPr sz="1800" kern="1200">
+                  <a:solidFill>
+                    <a:schemeClr val="tx1"/>
+                  </a:solidFill>
+                  <a:latin typeface="+mn-lt"/>
+                  <a:ea typeface="+mn-ea"/>
+                  <a:cs typeface="+mn-cs"/>
+                </a:defRPr>
+              </a:lvl1pPr>
+              <a:lvl2pPr marL="457200" algn="l" defTabSz="914400" rtl="0" eaLnBrk="1" latinLnBrk="0" hangingPunct="1">
+                <a:defRPr sz="1800" kern="1200">
+                  <a:solidFill>
+                    <a:schemeClr val="tx1"/>
+                  </a:solidFill>
+                  <a:latin typeface="+mn-lt"/>
+                  <a:ea typeface="+mn-ea"/>
+                  <a:cs typeface="+mn-cs"/>
+                </a:defRPr>
+              </a:lvl2pPr>
+              <a:lvl3pPr marL="914400" algn="l" defTabSz="914400" rtl="0" eaLnBrk="1" latinLnBrk="0" hangingPunct="1">
+                <a:defRPr sz="1800" kern="1200">
+                  <a:solidFill>
+                    <a:schemeClr val="tx1"/>
+                  </a:solidFill>
+                  <a:latin typeface="+mn-lt"/>
+                  <a:ea typeface="+mn-ea"/>
+                  <a:cs typeface="+mn-cs"/>
+                </a:defRPr>
+              </a:lvl3pPr>
+              <a:lvl4pPr marL="1371600" algn="l" defTabSz="914400" rtl="0" eaLnBrk="1" latinLnBrk="0" hangingPunct="1">
+                <a:defRPr sz="1800" kern="1200">
+                  <a:solidFill>
+                    <a:schemeClr val="tx1"/>
+                  </a:solidFill>
+                  <a:latin typeface="+mn-lt"/>
+                  <a:ea typeface="+mn-ea"/>
+                  <a:cs typeface="+mn-cs"/>
+                </a:defRPr>
+              </a:lvl4pPr>
+              <a:lvl5pPr marL="1828800" algn="l" defTabSz="914400" rtl="0" eaLnBrk="1" latinLnBrk="0" hangingPunct="1">
+                <a:defRPr sz="1800" kern="1200">
+                  <a:solidFill>
+                    <a:schemeClr val="tx1"/>
+                  </a:solidFill>
+                  <a:latin typeface="+mn-lt"/>
+                  <a:ea typeface="+mn-ea"/>
+                  <a:cs typeface="+mn-cs"/>
+                </a:defRPr>
+              </a:lvl5pPr>
+              <a:lvl6pPr marL="2286000" algn="l" defTabSz="914400" rtl="0" eaLnBrk="1" latinLnBrk="0" hangingPunct="1">
+                <a:defRPr sz="1800" kern="1200">
+                  <a:solidFill>
+                    <a:schemeClr val="tx1"/>
+                  </a:solidFill>
+                  <a:latin typeface="+mn-lt"/>
+                  <a:ea typeface="+mn-ea"/>
+                  <a:cs typeface="+mn-cs"/>
+                </a:defRPr>
+              </a:lvl6pPr>
+              <a:lvl7pPr marL="2743200" algn="l" defTabSz="914400" rtl="0" eaLnBrk="1" latinLnBrk="0" hangingPunct="1">
+                <a:defRPr sz="1800" kern="1200">
+                  <a:solidFill>
+                    <a:schemeClr val="tx1"/>
+                  </a:solidFill>
+                  <a:latin typeface="+mn-lt"/>
+                  <a:ea typeface="+mn-ea"/>
+                  <a:cs typeface="+mn-cs"/>
+                </a:defRPr>
+              </a:lvl7pPr>
+              <a:lvl8pPr marL="3200400" algn="l" defTabSz="914400" rtl="0" eaLnBrk="1" latinLnBrk="0" hangingPunct="1">
+                <a:defRPr sz="1800" kern="1200">
+                  <a:solidFill>
+                    <a:schemeClr val="tx1"/>
+                  </a:solidFill>
+                  <a:latin typeface="+mn-lt"/>
+                  <a:ea typeface="+mn-ea"/>
+                  <a:cs typeface="+mn-cs"/>
+                </a:defRPr>
+              </a:lvl8pPr>
+              <a:lvl9pPr marL="3657600" algn="l" defTabSz="914400" rtl="0" eaLnBrk="1" latinLnBrk="0" hangingPunct="1">
+                <a:defRPr sz="1800" kern="1200">
+                  <a:solidFill>
+                    <a:schemeClr val="tx1"/>
+                  </a:solidFill>
+                  <a:latin typeface="+mn-lt"/>
+                  <a:ea typeface="+mn-ea"/>
+                  <a:cs typeface="+mn-cs"/>
+                </a:defRPr>
+              </a:lvl9pPr>
+            </a:lstStyle>
+            <a:p>
+              <a:pPr marL="0" lvl="1" algn="ctr" defTabSz="1218836" fontAlgn="base">
+                <a:spcAft>
+                  <a:spcPct val="0"/>
+                </a:spcAft>
+              </a:pPr>
+              <a:r>
+                <a:rPr lang="en-US" sz="1400" dirty="0">
+                  <a:solidFill>
+                    <a:srgbClr val="595959">
+                      <a:alpha val="99000"/>
+                    </a:srgbClr>
+                  </a:solidFill>
+                  <a:ea typeface="Kozuka Gothic Pro R" pitchFamily="34" charset="-128"/>
+                </a:rPr>
+                <a:t>You manage</a:t>
+              </a:r>
+            </a:p>
+          </p:txBody>
+        </p:sp>
+      </p:grpSp>
     </p:spTree>
     <p:extLst>
       <p:ext uri="{BB962C8B-B14F-4D97-AF65-F5344CB8AC3E}">
@@ -27756,7 +25507,7 @@
         <p:spPr>
           <a:xfrm>
             <a:off x="519248" y="1447800"/>
-            <a:ext cx="11151916" cy="4283096"/>
+            <a:ext cx="11151916" cy="4641271"/>
           </a:xfrm>
         </p:spPr>
         <p:txBody>
@@ -27764,70 +25515,1091 @@
           <a:lstStyle/>
           <a:p>
             <a:r>
-              <a:rPr lang="en-US" dirty="0" err="1" smtClean="0"/>
+              <a:rPr lang="en-US" sz="3200" dirty="0" err="1" smtClean="0"/>
               <a:t>Molplex</a:t>
             </a:r>
             <a:r>
-              <a:rPr lang="en-US" dirty="0" smtClean="0"/>
+              <a:rPr lang="en-US" sz="3200" dirty="0" smtClean="0"/>
               <a:t>: Clouds against Disease</a:t>
             </a:r>
           </a:p>
           <a:p>
             <a:pPr lvl="1"/>
             <a:r>
-              <a:rPr lang="en-US" dirty="0" smtClean="0"/>
-              <a:t>Spun off from VENUS-C (EU funded project) at Newcastle </a:t>
+              <a:rPr lang="en-US" sz="2800" dirty="0" smtClean="0"/>
+              <a:t>Spun off from VENUS-C (EU funded project) </a:t>
             </a:r>
+            <a:br>
+              <a:rPr lang="en-US" sz="2800" dirty="0" smtClean="0"/>
+            </a:br>
             <a:r>
-              <a:rPr lang="en-US" dirty="0" smtClean="0"/>
-              <a:t>University</a:t>
-            </a:r>
-            <a:endParaRPr lang="en-US" dirty="0" smtClean="0"/>
-          </a:p>
-          <a:p>
-            <a:pPr lvl="1"/>
-            <a:r>
-              <a:rPr lang="en-US" dirty="0" smtClean="0"/>
-              <a:t>http://</a:t>
-            </a:r>
-            <a:r>
-              <a:rPr lang="en-US" dirty="0" err="1" smtClean="0"/>
-              <a:t>molplex.com</a:t>
-            </a:r>
-            <a:endParaRPr lang="en-US" dirty="0" smtClean="0"/>
-          </a:p>
-          <a:p>
-            <a:r>
-              <a:rPr lang="en-US" dirty="0" smtClean="0"/>
-              <a:t>Looks for toxicity prediction to speed up drug research</a:t>
+              <a:rPr lang="en-US" sz="2800" dirty="0" smtClean="0"/>
+              <a:t>at Newcastle University</a:t>
             </a:r>
           </a:p>
           <a:p>
             <a:pPr lvl="1"/>
             <a:r>
-              <a:rPr lang="en-US" dirty="0" smtClean="0"/>
-              <a:t>Sifts through massive databases looking for chemical structure and biological effect</a:t>
+              <a:rPr lang="en-US" sz="2800" dirty="0" smtClean="0"/>
+              <a:t>http://</a:t>
+            </a:r>
+            <a:r>
+              <a:rPr lang="en-US" sz="2800" dirty="0" err="1" smtClean="0"/>
+              <a:t>molplex.com</a:t>
+            </a:r>
+            <a:endParaRPr lang="en-US" sz="2800" dirty="0" smtClean="0"/>
+          </a:p>
+          <a:p>
+            <a:r>
+              <a:rPr lang="en-US" sz="3200" dirty="0" smtClean="0"/>
+              <a:t>Looks for toxicity prediction to speed </a:t>
+            </a:r>
+            <a:br>
+              <a:rPr lang="en-US" sz="3200" dirty="0" smtClean="0"/>
+            </a:br>
+            <a:r>
+              <a:rPr lang="en-US" sz="3200" dirty="0" smtClean="0"/>
+              <a:t>up drug research</a:t>
+            </a:r>
+          </a:p>
+          <a:p>
+            <a:pPr lvl="1"/>
+            <a:r>
+              <a:rPr lang="en-US" sz="2800" dirty="0" smtClean="0"/>
+              <a:t>Sifts through massive databases looking </a:t>
+            </a:r>
+            <a:br>
+              <a:rPr lang="en-US" sz="2800" dirty="0" smtClean="0"/>
+            </a:br>
+            <a:r>
+              <a:rPr lang="en-US" sz="2800" dirty="0" smtClean="0"/>
+              <a:t>for chemical structure and biological effect</a:t>
             </a:r>
           </a:p>
           <a:p>
             <a:r>
-              <a:rPr lang="en-US" dirty="0" smtClean="0"/>
+              <a:rPr lang="en-US" sz="3200" dirty="0" smtClean="0"/>
               <a:t>Built on worker-role implementation</a:t>
             </a:r>
           </a:p>
           <a:p>
             <a:pPr lvl="1"/>
             <a:r>
-              <a:rPr lang="en-US" dirty="0" smtClean="0"/>
-              <a:t>Researchers submit “Generic Worker” job; system handles the rest</a:t>
+              <a:rPr lang="en-US" sz="2800" dirty="0" smtClean="0"/>
+              <a:t>Researchers submit “Generic Worker” job</a:t>
             </a:r>
-          </a:p>
-          <a:p>
-            <a:pPr lvl="1"/>
-            <a:endParaRPr lang="en-US" dirty="0"/>
           </a:p>
         </p:txBody>
       </p:sp>
+      <p:grpSp>
+        <p:nvGrpSpPr>
+          <p:cNvPr id="18" name="Group 17"/>
+          <p:cNvGrpSpPr/>
+          <p:nvPr/>
+        </p:nvGrpSpPr>
+        <p:grpSpPr>
+          <a:xfrm>
+            <a:off x="8964744" y="1447800"/>
+            <a:ext cx="2706420" cy="4798706"/>
+            <a:chOff x="6461726" y="1319029"/>
+            <a:chExt cx="2706420" cy="4798706"/>
+          </a:xfrm>
+        </p:grpSpPr>
+        <p:sp>
+          <p:nvSpPr>
+            <p:cNvPr id="4" name="Rectangle 3"/>
+            <p:cNvSpPr/>
+            <p:nvPr/>
+          </p:nvSpPr>
+          <p:spPr>
+            <a:xfrm>
+              <a:off x="6888041" y="1319029"/>
+              <a:ext cx="2000311" cy="640080"/>
+            </a:xfrm>
+            <a:prstGeom prst="rect">
+              <a:avLst/>
+            </a:prstGeom>
+            <a:noFill/>
+            <a:ln w="9525" cap="flat" cmpd="sng" algn="ctr">
+              <a:noFill/>
+              <a:prstDash val="solid"/>
+            </a:ln>
+            <a:effectLst/>
+          </p:spPr>
+          <p:txBody>
+            <a:bodyPr tIns="0" bIns="0" rtlCol="0" anchor="t" anchorCtr="0"/>
+            <a:lstStyle>
+              <a:defPPr>
+                <a:defRPr lang="en-US"/>
+              </a:defPPr>
+              <a:lvl1pPr marL="0" algn="l" defTabSz="914400" rtl="0" eaLnBrk="1" latinLnBrk="0" hangingPunct="1">
+                <a:defRPr sz="1800" kern="1200">
+                  <a:solidFill>
+                    <a:schemeClr val="lt1"/>
+                  </a:solidFill>
+                  <a:latin typeface="+mn-lt"/>
+                  <a:ea typeface="+mn-ea"/>
+                  <a:cs typeface="+mn-cs"/>
+                </a:defRPr>
+              </a:lvl1pPr>
+              <a:lvl2pPr marL="457200" algn="l" defTabSz="914400" rtl="0" eaLnBrk="1" latinLnBrk="0" hangingPunct="1">
+                <a:defRPr sz="1800" kern="1200">
+                  <a:solidFill>
+                    <a:schemeClr val="lt1"/>
+                  </a:solidFill>
+                  <a:latin typeface="+mn-lt"/>
+                  <a:ea typeface="+mn-ea"/>
+                  <a:cs typeface="+mn-cs"/>
+                </a:defRPr>
+              </a:lvl2pPr>
+              <a:lvl3pPr marL="914400" algn="l" defTabSz="914400" rtl="0" eaLnBrk="1" latinLnBrk="0" hangingPunct="1">
+                <a:defRPr sz="1800" kern="1200">
+                  <a:solidFill>
+                    <a:schemeClr val="lt1"/>
+                  </a:solidFill>
+                  <a:latin typeface="+mn-lt"/>
+                  <a:ea typeface="+mn-ea"/>
+                  <a:cs typeface="+mn-cs"/>
+                </a:defRPr>
+              </a:lvl3pPr>
+              <a:lvl4pPr marL="1371600" algn="l" defTabSz="914400" rtl="0" eaLnBrk="1" latinLnBrk="0" hangingPunct="1">
+                <a:defRPr sz="1800" kern="1200">
+                  <a:solidFill>
+                    <a:schemeClr val="lt1"/>
+                  </a:solidFill>
+                  <a:latin typeface="+mn-lt"/>
+                  <a:ea typeface="+mn-ea"/>
+                  <a:cs typeface="+mn-cs"/>
+                </a:defRPr>
+              </a:lvl4pPr>
+              <a:lvl5pPr marL="1828800" algn="l" defTabSz="914400" rtl="0" eaLnBrk="1" latinLnBrk="0" hangingPunct="1">
+                <a:defRPr sz="1800" kern="1200">
+                  <a:solidFill>
+                    <a:schemeClr val="lt1"/>
+                  </a:solidFill>
+                  <a:latin typeface="+mn-lt"/>
+                  <a:ea typeface="+mn-ea"/>
+                  <a:cs typeface="+mn-cs"/>
+                </a:defRPr>
+              </a:lvl5pPr>
+              <a:lvl6pPr marL="2286000" algn="l" defTabSz="914400" rtl="0" eaLnBrk="1" latinLnBrk="0" hangingPunct="1">
+                <a:defRPr sz="1800" kern="1200">
+                  <a:solidFill>
+                    <a:schemeClr val="lt1"/>
+                  </a:solidFill>
+                  <a:latin typeface="+mn-lt"/>
+                  <a:ea typeface="+mn-ea"/>
+                  <a:cs typeface="+mn-cs"/>
+                </a:defRPr>
+              </a:lvl6pPr>
+              <a:lvl7pPr marL="2743200" algn="l" defTabSz="914400" rtl="0" eaLnBrk="1" latinLnBrk="0" hangingPunct="1">
+                <a:defRPr sz="1800" kern="1200">
+                  <a:solidFill>
+                    <a:schemeClr val="lt1"/>
+                  </a:solidFill>
+                  <a:latin typeface="+mn-lt"/>
+                  <a:ea typeface="+mn-ea"/>
+                  <a:cs typeface="+mn-cs"/>
+                </a:defRPr>
+              </a:lvl7pPr>
+              <a:lvl8pPr marL="3200400" algn="l" defTabSz="914400" rtl="0" eaLnBrk="1" latinLnBrk="0" hangingPunct="1">
+                <a:defRPr sz="1800" kern="1200">
+                  <a:solidFill>
+                    <a:schemeClr val="lt1"/>
+                  </a:solidFill>
+                  <a:latin typeface="+mn-lt"/>
+                  <a:ea typeface="+mn-ea"/>
+                  <a:cs typeface="+mn-cs"/>
+                </a:defRPr>
+              </a:lvl8pPr>
+              <a:lvl9pPr marL="3657600" algn="l" defTabSz="914400" rtl="0" eaLnBrk="1" latinLnBrk="0" hangingPunct="1">
+                <a:defRPr sz="1800" kern="1200">
+                  <a:solidFill>
+                    <a:schemeClr val="lt1"/>
+                  </a:solidFill>
+                  <a:latin typeface="+mn-lt"/>
+                  <a:ea typeface="+mn-ea"/>
+                  <a:cs typeface="+mn-cs"/>
+                </a:defRPr>
+              </a:lvl9pPr>
+            </a:lstStyle>
+            <a:p>
+              <a:pPr marL="0" lvl="1" defTabSz="1218836" fontAlgn="base">
+                <a:spcAft>
+                  <a:spcPct val="0"/>
+                </a:spcAft>
+              </a:pPr>
+              <a:r>
+                <a:rPr lang="en-US" sz="2000" dirty="0">
+                  <a:solidFill>
+                    <a:srgbClr val="595959">
+                      <a:alpha val="99000"/>
+                    </a:srgbClr>
+                  </a:solidFill>
+                  <a:ea typeface="Kozuka Gothic Pro R" pitchFamily="34" charset="-128"/>
+                </a:rPr>
+                <a:t>Platform</a:t>
+              </a:r>
+            </a:p>
+            <a:p>
+              <a:pPr defTabSz="1218936"/>
+              <a:r>
+                <a:rPr lang="en-US" sz="1600" dirty="0">
+                  <a:solidFill>
+                    <a:srgbClr val="595959">
+                      <a:alpha val="99000"/>
+                    </a:srgbClr>
+                  </a:solidFill>
+                  <a:ea typeface="Kozuka Gothic Pro R" pitchFamily="34" charset="-128"/>
+                </a:rPr>
+                <a:t>(as a Service</a:t>
+              </a:r>
+              <a:r>
+                <a:rPr lang="en-US" sz="1600" dirty="0" smtClean="0">
+                  <a:solidFill>
+                    <a:srgbClr val="595959">
+                      <a:alpha val="99000"/>
+                    </a:srgbClr>
+                  </a:solidFill>
+                  <a:ea typeface="Kozuka Gothic Pro R" pitchFamily="34" charset="-128"/>
+                </a:rPr>
+                <a:t>) (Paas)</a:t>
+              </a:r>
+              <a:endParaRPr lang="en-US" sz="1600" dirty="0">
+                <a:solidFill>
+                  <a:srgbClr val="595959">
+                    <a:alpha val="99000"/>
+                  </a:srgbClr>
+                </a:solidFill>
+                <a:ea typeface="Kozuka Gothic Pro R" pitchFamily="34" charset="-128"/>
+              </a:endParaRPr>
+            </a:p>
+          </p:txBody>
+        </p:sp>
+        <p:sp>
+          <p:nvSpPr>
+            <p:cNvPr id="5" name="Left Brace 4"/>
+            <p:cNvSpPr/>
+            <p:nvPr/>
+          </p:nvSpPr>
+          <p:spPr>
+            <a:xfrm flipH="1">
+              <a:off x="8614043" y="2994787"/>
+              <a:ext cx="209580" cy="3122948"/>
+            </a:xfrm>
+            <a:prstGeom prst="leftBrace">
+              <a:avLst>
+                <a:gd name="adj1" fmla="val 0"/>
+                <a:gd name="adj2" fmla="val 50000"/>
+              </a:avLst>
+            </a:prstGeom>
+            <a:noFill/>
+            <a:ln w="19050" cap="flat" cmpd="sng" algn="ctr">
+              <a:solidFill>
+                <a:schemeClr val="accent2"/>
+              </a:solidFill>
+              <a:prstDash val="solid"/>
+            </a:ln>
+            <a:effectLst/>
+          </p:spPr>
+          <p:txBody>
+            <a:bodyPr rtlCol="0" anchor="ctr"/>
+            <a:lstStyle/>
+            <a:p>
+              <a:pPr algn="ctr" defTabSz="1218936"/>
+              <a:endParaRPr lang="en-US" sz="1800" dirty="0">
+                <a:solidFill>
+                  <a:srgbClr val="FFFFFF"/>
+                </a:solidFill>
+                <a:latin typeface="Segoe UI"/>
+                <a:ea typeface="Segoe UI" pitchFamily="34" charset="0"/>
+                <a:cs typeface="Segoe UI" pitchFamily="34" charset="0"/>
+              </a:endParaRPr>
+            </a:p>
+          </p:txBody>
+        </p:sp>
+        <p:sp>
+          <p:nvSpPr>
+            <p:cNvPr id="6" name="TextBox 54"/>
+            <p:cNvSpPr txBox="1"/>
+            <p:nvPr/>
+          </p:nvSpPr>
+          <p:spPr>
+            <a:xfrm flipH="1">
+              <a:off x="8768036" y="3727905"/>
+              <a:ext cx="400110" cy="1691104"/>
+            </a:xfrm>
+            <a:prstGeom prst="rect">
+              <a:avLst/>
+            </a:prstGeom>
+            <a:noFill/>
+          </p:spPr>
+          <p:txBody>
+            <a:bodyPr vert="eaVert" wrap="none" rtlCol="0">
+              <a:spAutoFit/>
+            </a:bodyPr>
+            <a:lstStyle>
+              <a:defPPr>
+                <a:defRPr lang="en-US"/>
+              </a:defPPr>
+              <a:lvl1pPr marL="0" algn="l" defTabSz="914400" rtl="0" eaLnBrk="1" latinLnBrk="0" hangingPunct="1">
+                <a:defRPr sz="1800" kern="1200">
+                  <a:solidFill>
+                    <a:schemeClr val="tx1"/>
+                  </a:solidFill>
+                  <a:latin typeface="+mn-lt"/>
+                  <a:ea typeface="+mn-ea"/>
+                  <a:cs typeface="+mn-cs"/>
+                </a:defRPr>
+              </a:lvl1pPr>
+              <a:lvl2pPr marL="457200" algn="l" defTabSz="914400" rtl="0" eaLnBrk="1" latinLnBrk="0" hangingPunct="1">
+                <a:defRPr sz="1800" kern="1200">
+                  <a:solidFill>
+                    <a:schemeClr val="tx1"/>
+                  </a:solidFill>
+                  <a:latin typeface="+mn-lt"/>
+                  <a:ea typeface="+mn-ea"/>
+                  <a:cs typeface="+mn-cs"/>
+                </a:defRPr>
+              </a:lvl2pPr>
+              <a:lvl3pPr marL="914400" algn="l" defTabSz="914400" rtl="0" eaLnBrk="1" latinLnBrk="0" hangingPunct="1">
+                <a:defRPr sz="1800" kern="1200">
+                  <a:solidFill>
+                    <a:schemeClr val="tx1"/>
+                  </a:solidFill>
+                  <a:latin typeface="+mn-lt"/>
+                  <a:ea typeface="+mn-ea"/>
+                  <a:cs typeface="+mn-cs"/>
+                </a:defRPr>
+              </a:lvl3pPr>
+              <a:lvl4pPr marL="1371600" algn="l" defTabSz="914400" rtl="0" eaLnBrk="1" latinLnBrk="0" hangingPunct="1">
+                <a:defRPr sz="1800" kern="1200">
+                  <a:solidFill>
+                    <a:schemeClr val="tx1"/>
+                  </a:solidFill>
+                  <a:latin typeface="+mn-lt"/>
+                  <a:ea typeface="+mn-ea"/>
+                  <a:cs typeface="+mn-cs"/>
+                </a:defRPr>
+              </a:lvl4pPr>
+              <a:lvl5pPr marL="1828800" algn="l" defTabSz="914400" rtl="0" eaLnBrk="1" latinLnBrk="0" hangingPunct="1">
+                <a:defRPr sz="1800" kern="1200">
+                  <a:solidFill>
+                    <a:schemeClr val="tx1"/>
+                  </a:solidFill>
+                  <a:latin typeface="+mn-lt"/>
+                  <a:ea typeface="+mn-ea"/>
+                  <a:cs typeface="+mn-cs"/>
+                </a:defRPr>
+              </a:lvl5pPr>
+              <a:lvl6pPr marL="2286000" algn="l" defTabSz="914400" rtl="0" eaLnBrk="1" latinLnBrk="0" hangingPunct="1">
+                <a:defRPr sz="1800" kern="1200">
+                  <a:solidFill>
+                    <a:schemeClr val="tx1"/>
+                  </a:solidFill>
+                  <a:latin typeface="+mn-lt"/>
+                  <a:ea typeface="+mn-ea"/>
+                  <a:cs typeface="+mn-cs"/>
+                </a:defRPr>
+              </a:lvl6pPr>
+              <a:lvl7pPr marL="2743200" algn="l" defTabSz="914400" rtl="0" eaLnBrk="1" latinLnBrk="0" hangingPunct="1">
+                <a:defRPr sz="1800" kern="1200">
+                  <a:solidFill>
+                    <a:schemeClr val="tx1"/>
+                  </a:solidFill>
+                  <a:latin typeface="+mn-lt"/>
+                  <a:ea typeface="+mn-ea"/>
+                  <a:cs typeface="+mn-cs"/>
+                </a:defRPr>
+              </a:lvl7pPr>
+              <a:lvl8pPr marL="3200400" algn="l" defTabSz="914400" rtl="0" eaLnBrk="1" latinLnBrk="0" hangingPunct="1">
+                <a:defRPr sz="1800" kern="1200">
+                  <a:solidFill>
+                    <a:schemeClr val="tx1"/>
+                  </a:solidFill>
+                  <a:latin typeface="+mn-lt"/>
+                  <a:ea typeface="+mn-ea"/>
+                  <a:cs typeface="+mn-cs"/>
+                </a:defRPr>
+              </a:lvl8pPr>
+              <a:lvl9pPr marL="3657600" algn="l" defTabSz="914400" rtl="0" eaLnBrk="1" latinLnBrk="0" hangingPunct="1">
+                <a:defRPr sz="1800" kern="1200">
+                  <a:solidFill>
+                    <a:schemeClr val="tx1"/>
+                  </a:solidFill>
+                  <a:latin typeface="+mn-lt"/>
+                  <a:ea typeface="+mn-ea"/>
+                  <a:cs typeface="+mn-cs"/>
+                </a:defRPr>
+              </a:lvl9pPr>
+            </a:lstStyle>
+            <a:p>
+              <a:pPr marL="0" lvl="1" algn="ctr" defTabSz="1218836" fontAlgn="base">
+                <a:spcAft>
+                  <a:spcPct val="0"/>
+                </a:spcAft>
+              </a:pPr>
+              <a:r>
+                <a:rPr lang="en-US" sz="1400" dirty="0">
+                  <a:solidFill>
+                    <a:srgbClr val="595959">
+                      <a:alpha val="99000"/>
+                    </a:srgbClr>
+                  </a:solidFill>
+                  <a:ea typeface="Kozuka Gothic Pro R" pitchFamily="34" charset="-128"/>
+                </a:rPr>
+                <a:t>Managed by vendor</a:t>
+              </a:r>
+            </a:p>
+          </p:txBody>
+        </p:sp>
+        <p:sp>
+          <p:nvSpPr>
+            <p:cNvPr id="7" name="Left Brace 6"/>
+            <p:cNvSpPr/>
+            <p:nvPr/>
+          </p:nvSpPr>
+          <p:spPr>
+            <a:xfrm>
+              <a:off x="6804715" y="2070862"/>
+              <a:ext cx="152400" cy="847725"/>
+            </a:xfrm>
+            <a:prstGeom prst="leftBrace">
+              <a:avLst>
+                <a:gd name="adj1" fmla="val 0"/>
+                <a:gd name="adj2" fmla="val 50000"/>
+              </a:avLst>
+            </a:prstGeom>
+            <a:noFill/>
+            <a:ln w="19050" cap="flat" cmpd="sng" algn="ctr">
+              <a:solidFill>
+                <a:schemeClr val="accent2"/>
+              </a:solidFill>
+              <a:prstDash val="solid"/>
+            </a:ln>
+            <a:effectLst/>
+          </p:spPr>
+          <p:txBody>
+            <a:bodyPr rtlCol="0" anchor="ctr"/>
+            <a:lstStyle/>
+            <a:p>
+              <a:pPr algn="ctr" defTabSz="1218936"/>
+              <a:endParaRPr lang="en-US" sz="1800" dirty="0">
+                <a:solidFill>
+                  <a:srgbClr val="FFFFFF"/>
+                </a:solidFill>
+                <a:latin typeface="Segoe UI"/>
+                <a:ea typeface="Segoe UI" pitchFamily="34" charset="0"/>
+                <a:cs typeface="Segoe UI" pitchFamily="34" charset="0"/>
+              </a:endParaRPr>
+            </a:p>
+          </p:txBody>
+        </p:sp>
+        <p:sp>
+          <p:nvSpPr>
+            <p:cNvPr id="8" name="TextBox 60"/>
+            <p:cNvSpPr txBox="1"/>
+            <p:nvPr/>
+          </p:nvSpPr>
+          <p:spPr>
+            <a:xfrm>
+              <a:off x="6461726" y="1956353"/>
+              <a:ext cx="400110" cy="1070421"/>
+            </a:xfrm>
+            <a:prstGeom prst="rect">
+              <a:avLst/>
+            </a:prstGeom>
+            <a:noFill/>
+          </p:spPr>
+          <p:txBody>
+            <a:bodyPr vert="vert270" wrap="none" rtlCol="0">
+              <a:spAutoFit/>
+            </a:bodyPr>
+            <a:lstStyle>
+              <a:defPPr>
+                <a:defRPr lang="en-US"/>
+              </a:defPPr>
+              <a:lvl1pPr marL="0" algn="l" defTabSz="914400" rtl="0" eaLnBrk="1" latinLnBrk="0" hangingPunct="1">
+                <a:defRPr sz="1800" kern="1200">
+                  <a:solidFill>
+                    <a:schemeClr val="tx1"/>
+                  </a:solidFill>
+                  <a:latin typeface="+mn-lt"/>
+                  <a:ea typeface="+mn-ea"/>
+                  <a:cs typeface="+mn-cs"/>
+                </a:defRPr>
+              </a:lvl1pPr>
+              <a:lvl2pPr marL="457200" algn="l" defTabSz="914400" rtl="0" eaLnBrk="1" latinLnBrk="0" hangingPunct="1">
+                <a:defRPr sz="1800" kern="1200">
+                  <a:solidFill>
+                    <a:schemeClr val="tx1"/>
+                  </a:solidFill>
+                  <a:latin typeface="+mn-lt"/>
+                  <a:ea typeface="+mn-ea"/>
+                  <a:cs typeface="+mn-cs"/>
+                </a:defRPr>
+              </a:lvl2pPr>
+              <a:lvl3pPr marL="914400" algn="l" defTabSz="914400" rtl="0" eaLnBrk="1" latinLnBrk="0" hangingPunct="1">
+                <a:defRPr sz="1800" kern="1200">
+                  <a:solidFill>
+                    <a:schemeClr val="tx1"/>
+                  </a:solidFill>
+                  <a:latin typeface="+mn-lt"/>
+                  <a:ea typeface="+mn-ea"/>
+                  <a:cs typeface="+mn-cs"/>
+                </a:defRPr>
+              </a:lvl3pPr>
+              <a:lvl4pPr marL="1371600" algn="l" defTabSz="914400" rtl="0" eaLnBrk="1" latinLnBrk="0" hangingPunct="1">
+                <a:defRPr sz="1800" kern="1200">
+                  <a:solidFill>
+                    <a:schemeClr val="tx1"/>
+                  </a:solidFill>
+                  <a:latin typeface="+mn-lt"/>
+                  <a:ea typeface="+mn-ea"/>
+                  <a:cs typeface="+mn-cs"/>
+                </a:defRPr>
+              </a:lvl4pPr>
+              <a:lvl5pPr marL="1828800" algn="l" defTabSz="914400" rtl="0" eaLnBrk="1" latinLnBrk="0" hangingPunct="1">
+                <a:defRPr sz="1800" kern="1200">
+                  <a:solidFill>
+                    <a:schemeClr val="tx1"/>
+                  </a:solidFill>
+                  <a:latin typeface="+mn-lt"/>
+                  <a:ea typeface="+mn-ea"/>
+                  <a:cs typeface="+mn-cs"/>
+                </a:defRPr>
+              </a:lvl5pPr>
+              <a:lvl6pPr marL="2286000" algn="l" defTabSz="914400" rtl="0" eaLnBrk="1" latinLnBrk="0" hangingPunct="1">
+                <a:defRPr sz="1800" kern="1200">
+                  <a:solidFill>
+                    <a:schemeClr val="tx1"/>
+                  </a:solidFill>
+                  <a:latin typeface="+mn-lt"/>
+                  <a:ea typeface="+mn-ea"/>
+                  <a:cs typeface="+mn-cs"/>
+                </a:defRPr>
+              </a:lvl6pPr>
+              <a:lvl7pPr marL="2743200" algn="l" defTabSz="914400" rtl="0" eaLnBrk="1" latinLnBrk="0" hangingPunct="1">
+                <a:defRPr sz="1800" kern="1200">
+                  <a:solidFill>
+                    <a:schemeClr val="tx1"/>
+                  </a:solidFill>
+                  <a:latin typeface="+mn-lt"/>
+                  <a:ea typeface="+mn-ea"/>
+                  <a:cs typeface="+mn-cs"/>
+                </a:defRPr>
+              </a:lvl7pPr>
+              <a:lvl8pPr marL="3200400" algn="l" defTabSz="914400" rtl="0" eaLnBrk="1" latinLnBrk="0" hangingPunct="1">
+                <a:defRPr sz="1800" kern="1200">
+                  <a:solidFill>
+                    <a:schemeClr val="tx1"/>
+                  </a:solidFill>
+                  <a:latin typeface="+mn-lt"/>
+                  <a:ea typeface="+mn-ea"/>
+                  <a:cs typeface="+mn-cs"/>
+                </a:defRPr>
+              </a:lvl8pPr>
+              <a:lvl9pPr marL="3657600" algn="l" defTabSz="914400" rtl="0" eaLnBrk="1" latinLnBrk="0" hangingPunct="1">
+                <a:defRPr sz="1800" kern="1200">
+                  <a:solidFill>
+                    <a:schemeClr val="tx1"/>
+                  </a:solidFill>
+                  <a:latin typeface="+mn-lt"/>
+                  <a:ea typeface="+mn-ea"/>
+                  <a:cs typeface="+mn-cs"/>
+                </a:defRPr>
+              </a:lvl9pPr>
+            </a:lstStyle>
+            <a:p>
+              <a:pPr marL="0" lvl="1" algn="ctr" defTabSz="1218836" fontAlgn="base">
+                <a:spcAft>
+                  <a:spcPct val="0"/>
+                </a:spcAft>
+              </a:pPr>
+              <a:r>
+                <a:rPr lang="en-US" sz="1400" dirty="0">
+                  <a:solidFill>
+                    <a:srgbClr val="595959">
+                      <a:alpha val="99000"/>
+                    </a:srgbClr>
+                  </a:solidFill>
+                  <a:ea typeface="Kozuka Gothic Pro R" pitchFamily="34" charset="-128"/>
+                </a:rPr>
+                <a:t>You manage</a:t>
+              </a:r>
+            </a:p>
+          </p:txBody>
+        </p:sp>
+        <p:sp>
+          <p:nvSpPr>
+            <p:cNvPr id="9" name="Rectangle 8"/>
+            <p:cNvSpPr/>
+            <p:nvPr/>
+          </p:nvSpPr>
+          <p:spPr>
+            <a:xfrm>
+              <a:off x="6966542" y="5273646"/>
+              <a:ext cx="1638240" cy="381000"/>
+            </a:xfrm>
+            <a:prstGeom prst="rect">
+              <a:avLst/>
+            </a:prstGeom>
+            <a:ln/>
+          </p:spPr>
+          <p:style>
+            <a:lnRef idx="2">
+              <a:schemeClr val="accent2">
+                <a:shade val="50000"/>
+              </a:schemeClr>
+            </a:lnRef>
+            <a:fillRef idx="1">
+              <a:schemeClr val="accent2"/>
+            </a:fillRef>
+            <a:effectRef idx="0">
+              <a:schemeClr val="accent2"/>
+            </a:effectRef>
+            <a:fontRef idx="minor">
+              <a:schemeClr val="lt1"/>
+            </a:fontRef>
+          </p:style>
+          <p:txBody>
+            <a:bodyPr lIns="0" rIns="0" rtlCol="0" anchor="t" anchorCtr="0"/>
+            <a:lstStyle/>
+            <a:p>
+              <a:pPr algn="ctr" defTabSz="1218936"/>
+              <a:r>
+                <a:rPr lang="en-US" sz="1500" dirty="0">
+                  <a:solidFill>
+                    <a:schemeClr val="bg1">
+                      <a:alpha val="99000"/>
+                    </a:schemeClr>
+                  </a:solidFill>
+                  <a:latin typeface="Segoe UI"/>
+                  <a:ea typeface="Segoe UI" pitchFamily="34" charset="0"/>
+                  <a:cs typeface="Segoe UI" pitchFamily="34" charset="0"/>
+                </a:rPr>
+                <a:t>Storage</a:t>
+              </a:r>
+            </a:p>
+          </p:txBody>
+        </p:sp>
+        <p:sp>
+          <p:nvSpPr>
+            <p:cNvPr id="10" name="Rectangle 9"/>
+            <p:cNvSpPr/>
+            <p:nvPr/>
+          </p:nvSpPr>
+          <p:spPr>
+            <a:xfrm>
+              <a:off x="6966542" y="4818827"/>
+              <a:ext cx="1638240" cy="381000"/>
+            </a:xfrm>
+            <a:prstGeom prst="rect">
+              <a:avLst/>
+            </a:prstGeom>
+            <a:ln/>
+          </p:spPr>
+          <p:style>
+            <a:lnRef idx="2">
+              <a:schemeClr val="accent2">
+                <a:shade val="50000"/>
+              </a:schemeClr>
+            </a:lnRef>
+            <a:fillRef idx="1">
+              <a:schemeClr val="accent2"/>
+            </a:fillRef>
+            <a:effectRef idx="0">
+              <a:schemeClr val="accent2"/>
+            </a:effectRef>
+            <a:fontRef idx="minor">
+              <a:schemeClr val="lt1"/>
+            </a:fontRef>
+          </p:style>
+          <p:txBody>
+            <a:bodyPr lIns="0" rIns="0" rtlCol="0" anchor="t" anchorCtr="0"/>
+            <a:lstStyle/>
+            <a:p>
+              <a:pPr algn="ctr" defTabSz="1218936"/>
+              <a:r>
+                <a:rPr lang="en-US" sz="1500" dirty="0">
+                  <a:solidFill>
+                    <a:schemeClr val="bg1">
+                      <a:alpha val="99000"/>
+                    </a:schemeClr>
+                  </a:solidFill>
+                  <a:latin typeface="Segoe UI"/>
+                  <a:ea typeface="Segoe UI" pitchFamily="34" charset="0"/>
+                  <a:cs typeface="Segoe UI" pitchFamily="34" charset="0"/>
+                </a:rPr>
+                <a:t>Servers</a:t>
+              </a:r>
+            </a:p>
+          </p:txBody>
+        </p:sp>
+        <p:sp>
+          <p:nvSpPr>
+            <p:cNvPr id="11" name="Rectangle 10"/>
+            <p:cNvSpPr/>
+            <p:nvPr/>
+          </p:nvSpPr>
+          <p:spPr>
+            <a:xfrm>
+              <a:off x="6966542" y="5728463"/>
+              <a:ext cx="1638240" cy="381000"/>
+            </a:xfrm>
+            <a:prstGeom prst="rect">
+              <a:avLst/>
+            </a:prstGeom>
+            <a:ln/>
+          </p:spPr>
+          <p:style>
+            <a:lnRef idx="2">
+              <a:schemeClr val="accent2">
+                <a:shade val="50000"/>
+              </a:schemeClr>
+            </a:lnRef>
+            <a:fillRef idx="1">
+              <a:schemeClr val="accent2"/>
+            </a:fillRef>
+            <a:effectRef idx="0">
+              <a:schemeClr val="accent2"/>
+            </a:effectRef>
+            <a:fontRef idx="minor">
+              <a:schemeClr val="lt1"/>
+            </a:fontRef>
+          </p:style>
+          <p:txBody>
+            <a:bodyPr lIns="0" rIns="0" rtlCol="0" anchor="t" anchorCtr="0"/>
+            <a:lstStyle/>
+            <a:p>
+              <a:pPr algn="ctr" defTabSz="1218936"/>
+              <a:r>
+                <a:rPr lang="en-US" sz="1500" dirty="0">
+                  <a:solidFill>
+                    <a:schemeClr val="bg1">
+                      <a:alpha val="99000"/>
+                    </a:schemeClr>
+                  </a:solidFill>
+                  <a:latin typeface="Segoe UI"/>
+                  <a:ea typeface="Segoe UI" pitchFamily="34" charset="0"/>
+                  <a:cs typeface="Segoe UI" pitchFamily="34" charset="0"/>
+                </a:rPr>
+                <a:t>Networking</a:t>
+              </a:r>
+            </a:p>
+          </p:txBody>
+        </p:sp>
+        <p:sp>
+          <p:nvSpPr>
+            <p:cNvPr id="12" name="Rectangle 11"/>
+            <p:cNvSpPr/>
+            <p:nvPr/>
+          </p:nvSpPr>
+          <p:spPr>
+            <a:xfrm>
+              <a:off x="6966542" y="3909189"/>
+              <a:ext cx="1638240" cy="381000"/>
+            </a:xfrm>
+            <a:prstGeom prst="rect">
+              <a:avLst/>
+            </a:prstGeom>
+            <a:ln/>
+          </p:spPr>
+          <p:style>
+            <a:lnRef idx="2">
+              <a:schemeClr val="accent2">
+                <a:shade val="50000"/>
+              </a:schemeClr>
+            </a:lnRef>
+            <a:fillRef idx="1">
+              <a:schemeClr val="accent2"/>
+            </a:fillRef>
+            <a:effectRef idx="0">
+              <a:schemeClr val="accent2"/>
+            </a:effectRef>
+            <a:fontRef idx="minor">
+              <a:schemeClr val="lt1"/>
+            </a:fontRef>
+          </p:style>
+          <p:txBody>
+            <a:bodyPr lIns="0" rIns="0" rtlCol="0" anchor="t" anchorCtr="0"/>
+            <a:lstStyle/>
+            <a:p>
+              <a:pPr algn="ctr" defTabSz="1218936"/>
+              <a:r>
+                <a:rPr lang="en-US" sz="1500" dirty="0">
+                  <a:solidFill>
+                    <a:schemeClr val="bg1">
+                      <a:alpha val="99000"/>
+                    </a:schemeClr>
+                  </a:solidFill>
+                  <a:latin typeface="Segoe UI"/>
+                  <a:ea typeface="Segoe UI" pitchFamily="34" charset="0"/>
+                  <a:cs typeface="Segoe UI" pitchFamily="34" charset="0"/>
+                </a:rPr>
+                <a:t>O/S</a:t>
+              </a:r>
+            </a:p>
+          </p:txBody>
+        </p:sp>
+        <p:sp>
+          <p:nvSpPr>
+            <p:cNvPr id="13" name="Rectangle 12"/>
+            <p:cNvSpPr/>
+            <p:nvPr/>
+          </p:nvSpPr>
+          <p:spPr>
+            <a:xfrm>
+              <a:off x="6966542" y="3454370"/>
+              <a:ext cx="1638240" cy="381000"/>
+            </a:xfrm>
+            <a:prstGeom prst="rect">
+              <a:avLst/>
+            </a:prstGeom>
+            <a:ln/>
+          </p:spPr>
+          <p:style>
+            <a:lnRef idx="2">
+              <a:schemeClr val="accent2">
+                <a:shade val="50000"/>
+              </a:schemeClr>
+            </a:lnRef>
+            <a:fillRef idx="1">
+              <a:schemeClr val="accent2"/>
+            </a:fillRef>
+            <a:effectRef idx="0">
+              <a:schemeClr val="accent2"/>
+            </a:effectRef>
+            <a:fontRef idx="minor">
+              <a:schemeClr val="lt1"/>
+            </a:fontRef>
+          </p:style>
+          <p:txBody>
+            <a:bodyPr lIns="0" rIns="0" rtlCol="0" anchor="t" anchorCtr="0"/>
+            <a:lstStyle/>
+            <a:p>
+              <a:pPr algn="ctr" defTabSz="1218936"/>
+              <a:r>
+                <a:rPr lang="en-US" sz="1500" dirty="0">
+                  <a:solidFill>
+                    <a:schemeClr val="bg1">
+                      <a:alpha val="99000"/>
+                    </a:schemeClr>
+                  </a:solidFill>
+                  <a:latin typeface="Segoe UI"/>
+                  <a:ea typeface="Segoe UI" pitchFamily="34" charset="0"/>
+                  <a:cs typeface="Segoe UI" pitchFamily="34" charset="0"/>
+                </a:rPr>
+                <a:t>Middleware</a:t>
+              </a:r>
+            </a:p>
+          </p:txBody>
+        </p:sp>
+        <p:sp>
+          <p:nvSpPr>
+            <p:cNvPr id="14" name="Rectangle 13"/>
+            <p:cNvSpPr/>
+            <p:nvPr/>
+          </p:nvSpPr>
+          <p:spPr>
+            <a:xfrm>
+              <a:off x="6966542" y="4364008"/>
+              <a:ext cx="1638240" cy="381000"/>
+            </a:xfrm>
+            <a:prstGeom prst="rect">
+              <a:avLst/>
+            </a:prstGeom>
+            <a:ln/>
+          </p:spPr>
+          <p:style>
+            <a:lnRef idx="2">
+              <a:schemeClr val="accent2">
+                <a:shade val="50000"/>
+              </a:schemeClr>
+            </a:lnRef>
+            <a:fillRef idx="1">
+              <a:schemeClr val="accent2"/>
+            </a:fillRef>
+            <a:effectRef idx="0">
+              <a:schemeClr val="accent2"/>
+            </a:effectRef>
+            <a:fontRef idx="minor">
+              <a:schemeClr val="lt1"/>
+            </a:fontRef>
+          </p:style>
+          <p:txBody>
+            <a:bodyPr lIns="0" rIns="0" rtlCol="0" anchor="t" anchorCtr="0"/>
+            <a:lstStyle/>
+            <a:p>
+              <a:pPr algn="ctr" defTabSz="1218936"/>
+              <a:r>
+                <a:rPr lang="en-US" sz="1500" dirty="0">
+                  <a:solidFill>
+                    <a:schemeClr val="bg1">
+                      <a:alpha val="99000"/>
+                    </a:schemeClr>
+                  </a:solidFill>
+                  <a:latin typeface="Segoe UI"/>
+                  <a:ea typeface="Segoe UI" pitchFamily="34" charset="0"/>
+                  <a:cs typeface="Segoe UI" pitchFamily="34" charset="0"/>
+                </a:rPr>
+                <a:t>Virtualization</a:t>
+              </a:r>
+            </a:p>
+          </p:txBody>
+        </p:sp>
+        <p:sp>
+          <p:nvSpPr>
+            <p:cNvPr id="15" name="Rectangle 14"/>
+            <p:cNvSpPr/>
+            <p:nvPr/>
+          </p:nvSpPr>
+          <p:spPr>
+            <a:xfrm>
+              <a:off x="6966542" y="2089913"/>
+              <a:ext cx="1638240" cy="381000"/>
+            </a:xfrm>
+            <a:prstGeom prst="rect">
+              <a:avLst/>
+            </a:prstGeom>
+            <a:solidFill>
+              <a:schemeClr val="accent1"/>
+            </a:solidFill>
+            <a:ln w="9525" cap="flat" cmpd="sng" algn="ctr">
+              <a:solidFill>
+                <a:srgbClr val="FFC000">
+                  <a:shade val="95000"/>
+                  <a:satMod val="105000"/>
+                </a:srgbClr>
+              </a:solidFill>
+              <a:prstDash val="solid"/>
+            </a:ln>
+            <a:effectLst/>
+          </p:spPr>
+          <p:txBody>
+            <a:bodyPr rtlCol="0" anchor="t" anchorCtr="0"/>
+            <a:lstStyle/>
+            <a:p>
+              <a:pPr algn="ctr" defTabSz="1218936"/>
+              <a:r>
+                <a:rPr lang="en-US" sz="1500" dirty="0">
+                  <a:solidFill>
+                    <a:schemeClr val="bg1">
+                      <a:alpha val="99000"/>
+                    </a:schemeClr>
+                  </a:solidFill>
+                  <a:latin typeface="Segoe UI"/>
+                  <a:ea typeface="Segoe UI" pitchFamily="34" charset="0"/>
+                  <a:cs typeface="Segoe UI" pitchFamily="34" charset="0"/>
+                </a:rPr>
+                <a:t>Applications</a:t>
+              </a:r>
+            </a:p>
+          </p:txBody>
+        </p:sp>
+        <p:sp>
+          <p:nvSpPr>
+            <p:cNvPr id="16" name="Rectangle 15"/>
+            <p:cNvSpPr/>
+            <p:nvPr/>
+          </p:nvSpPr>
+          <p:spPr>
+            <a:xfrm>
+              <a:off x="6966542" y="2999551"/>
+              <a:ext cx="1638240" cy="381000"/>
+            </a:xfrm>
+            <a:prstGeom prst="rect">
+              <a:avLst/>
+            </a:prstGeom>
+            <a:ln/>
+          </p:spPr>
+          <p:style>
+            <a:lnRef idx="2">
+              <a:schemeClr val="accent2">
+                <a:shade val="50000"/>
+              </a:schemeClr>
+            </a:lnRef>
+            <a:fillRef idx="1">
+              <a:schemeClr val="accent2"/>
+            </a:fillRef>
+            <a:effectRef idx="0">
+              <a:schemeClr val="accent2"/>
+            </a:effectRef>
+            <a:fontRef idx="minor">
+              <a:schemeClr val="lt1"/>
+            </a:fontRef>
+          </p:style>
+          <p:txBody>
+            <a:bodyPr lIns="0" rIns="0" rtlCol="0" anchor="t" anchorCtr="0"/>
+            <a:lstStyle/>
+            <a:p>
+              <a:pPr algn="ctr" defTabSz="1218936"/>
+              <a:r>
+                <a:rPr lang="en-US" sz="1500" dirty="0">
+                  <a:solidFill>
+                    <a:schemeClr val="bg1">
+                      <a:alpha val="99000"/>
+                    </a:schemeClr>
+                  </a:solidFill>
+                  <a:latin typeface="Segoe UI"/>
+                  <a:ea typeface="Segoe UI" pitchFamily="34" charset="0"/>
+                  <a:cs typeface="Segoe UI" pitchFamily="34" charset="0"/>
+                </a:rPr>
+                <a:t>Runtime</a:t>
+              </a:r>
+            </a:p>
+          </p:txBody>
+        </p:sp>
+        <p:sp>
+          <p:nvSpPr>
+            <p:cNvPr id="17" name="Rectangle 16"/>
+            <p:cNvSpPr/>
+            <p:nvPr/>
+          </p:nvSpPr>
+          <p:spPr>
+            <a:xfrm>
+              <a:off x="6966542" y="2544732"/>
+              <a:ext cx="1638240" cy="381000"/>
+            </a:xfrm>
+            <a:prstGeom prst="rect">
+              <a:avLst/>
+            </a:prstGeom>
+            <a:solidFill>
+              <a:schemeClr val="accent1"/>
+            </a:solidFill>
+            <a:ln w="9525" cap="flat" cmpd="sng" algn="ctr">
+              <a:solidFill>
+                <a:srgbClr val="FFC000">
+                  <a:shade val="95000"/>
+                  <a:satMod val="105000"/>
+                </a:srgbClr>
+              </a:solidFill>
+              <a:prstDash val="solid"/>
+            </a:ln>
+            <a:effectLst/>
+          </p:spPr>
+          <p:txBody>
+            <a:bodyPr rtlCol="0" anchor="t" anchorCtr="0"/>
+            <a:lstStyle/>
+            <a:p>
+              <a:pPr algn="ctr" defTabSz="1218936"/>
+              <a:r>
+                <a:rPr lang="en-US" sz="1500" dirty="0">
+                  <a:solidFill>
+                    <a:schemeClr val="bg1">
+                      <a:alpha val="99000"/>
+                    </a:schemeClr>
+                  </a:solidFill>
+                  <a:latin typeface="Segoe UI"/>
+                  <a:ea typeface="Segoe UI" pitchFamily="34" charset="0"/>
+                  <a:cs typeface="Segoe UI" pitchFamily="34" charset="0"/>
+                </a:rPr>
+                <a:t>Data</a:t>
+              </a:r>
+            </a:p>
+          </p:txBody>
+        </p:sp>
+      </p:grpSp>
     </p:spTree>
     <p:extLst>
       <p:ext uri="{BB962C8B-B14F-4D97-AF65-F5344CB8AC3E}">
@@ -27897,7 +26669,7 @@
         <p:spPr>
           <a:xfrm>
             <a:off x="519248" y="1447800"/>
-            <a:ext cx="11151916" cy="4436984"/>
+            <a:ext cx="11151916" cy="4726166"/>
           </a:xfrm>
         </p:spPr>
         <p:txBody>
@@ -27913,11 +26685,7 @@
             <a:pPr lvl="1"/>
             <a:r>
               <a:rPr lang="en-US" dirty="0" smtClean="0"/>
-              <a:t>UW </a:t>
-            </a:r>
-            <a:r>
-              <a:rPr lang="en-US" dirty="0" smtClean="0"/>
-              <a:t>Tacoma</a:t>
+              <a:t>UW Tacoma</a:t>
             </a:r>
           </a:p>
           <a:p>
@@ -27932,20 +26700,41 @@
             </a:r>
             <a:r>
               <a:rPr lang="en-US" dirty="0" smtClean="0"/>
-              <a:t>/readmissions-score-serviceraas-0</a:t>
+              <a:t>/</a:t>
+            </a:r>
+            <a:br>
+              <a:rPr lang="en-US" dirty="0" smtClean="0"/>
+            </a:br>
+            <a:r>
+              <a:rPr lang="en-US" dirty="0" smtClean="0"/>
+              <a:t>readmissions-score-serviceraas-0</a:t>
             </a:r>
           </a:p>
           <a:p>
             <a:r>
               <a:rPr lang="en-US" dirty="0" smtClean="0"/>
-              <a:t>Predicts the risk-of-readmission factor for medical patients</a:t>
+              <a:t>Predicts the risk-of-readmission factor </a:t>
+            </a:r>
+            <a:br>
+              <a:rPr lang="en-US" dirty="0" smtClean="0"/>
+            </a:br>
+            <a:r>
+              <a:rPr lang="en-US" dirty="0" smtClean="0"/>
+              <a:t>for medical patients</a:t>
             </a:r>
           </a:p>
           <a:p>
             <a:pPr lvl="1"/>
             <a:r>
               <a:rPr lang="en-US" dirty="0" smtClean="0"/>
-              <a:t>20% of Medicare patients readmitted; cost $26B a year</a:t>
+              <a:t>20% of Medicare patients readmitted</a:t>
+            </a:r>
+          </a:p>
+          <a:p>
+            <a:pPr lvl="1"/>
+            <a:r>
+              <a:rPr lang="en-US" dirty="0" smtClean="0"/>
+              <a:t>Cost $26B a year</a:t>
             </a:r>
           </a:p>
           <a:p>
@@ -27961,18 +26750,848 @@
               <a:t>Exposed as a web service</a:t>
             </a:r>
           </a:p>
-          <a:p>
-            <a:r>
-              <a:rPr lang="en-US" dirty="0" smtClean="0"/>
-              <a:t>Helps hospitals focus on high-risk patients and reduce costs</a:t>
-            </a:r>
-          </a:p>
-          <a:p>
-            <a:pPr lvl="1"/>
-            <a:endParaRPr lang="en-US" dirty="0"/>
-          </a:p>
         </p:txBody>
       </p:sp>
+      <p:grpSp>
+        <p:nvGrpSpPr>
+          <p:cNvPr id="16" name="Group 15"/>
+          <p:cNvGrpSpPr/>
+          <p:nvPr/>
+        </p:nvGrpSpPr>
+        <p:grpSpPr>
+          <a:xfrm>
+            <a:off x="9348068" y="1447800"/>
+            <a:ext cx="2323096" cy="4790431"/>
+            <a:chOff x="9463135" y="1319029"/>
+            <a:chExt cx="2323096" cy="4790431"/>
+          </a:xfrm>
+        </p:grpSpPr>
+        <p:sp>
+          <p:nvSpPr>
+            <p:cNvPr id="4" name="Rectangle 3"/>
+            <p:cNvSpPr/>
+            <p:nvPr/>
+          </p:nvSpPr>
+          <p:spPr>
+            <a:xfrm>
+              <a:off x="9463135" y="1319029"/>
+              <a:ext cx="2028257" cy="640080"/>
+            </a:xfrm>
+            <a:prstGeom prst="rect">
+              <a:avLst/>
+            </a:prstGeom>
+            <a:noFill/>
+            <a:ln w="9525" cap="flat" cmpd="sng" algn="ctr">
+              <a:noFill/>
+              <a:prstDash val="solid"/>
+            </a:ln>
+            <a:effectLst/>
+          </p:spPr>
+          <p:txBody>
+            <a:bodyPr tIns="0" bIns="0" rtlCol="0" anchor="t" anchorCtr="0"/>
+            <a:lstStyle>
+              <a:defPPr>
+                <a:defRPr lang="en-US"/>
+              </a:defPPr>
+              <a:lvl1pPr marL="0" algn="l" defTabSz="914400" rtl="0" eaLnBrk="1" latinLnBrk="0" hangingPunct="1">
+                <a:defRPr sz="1800" kern="1200">
+                  <a:solidFill>
+                    <a:schemeClr val="lt1"/>
+                  </a:solidFill>
+                  <a:latin typeface="+mn-lt"/>
+                  <a:ea typeface="+mn-ea"/>
+                  <a:cs typeface="+mn-cs"/>
+                </a:defRPr>
+              </a:lvl1pPr>
+              <a:lvl2pPr marL="457200" algn="l" defTabSz="914400" rtl="0" eaLnBrk="1" latinLnBrk="0" hangingPunct="1">
+                <a:defRPr sz="1800" kern="1200">
+                  <a:solidFill>
+                    <a:schemeClr val="lt1"/>
+                  </a:solidFill>
+                  <a:latin typeface="+mn-lt"/>
+                  <a:ea typeface="+mn-ea"/>
+                  <a:cs typeface="+mn-cs"/>
+                </a:defRPr>
+              </a:lvl2pPr>
+              <a:lvl3pPr marL="914400" algn="l" defTabSz="914400" rtl="0" eaLnBrk="1" latinLnBrk="0" hangingPunct="1">
+                <a:defRPr sz="1800" kern="1200">
+                  <a:solidFill>
+                    <a:schemeClr val="lt1"/>
+                  </a:solidFill>
+                  <a:latin typeface="+mn-lt"/>
+                  <a:ea typeface="+mn-ea"/>
+                  <a:cs typeface="+mn-cs"/>
+                </a:defRPr>
+              </a:lvl3pPr>
+              <a:lvl4pPr marL="1371600" algn="l" defTabSz="914400" rtl="0" eaLnBrk="1" latinLnBrk="0" hangingPunct="1">
+                <a:defRPr sz="1800" kern="1200">
+                  <a:solidFill>
+                    <a:schemeClr val="lt1"/>
+                  </a:solidFill>
+                  <a:latin typeface="+mn-lt"/>
+                  <a:ea typeface="+mn-ea"/>
+                  <a:cs typeface="+mn-cs"/>
+                </a:defRPr>
+              </a:lvl4pPr>
+              <a:lvl5pPr marL="1828800" algn="l" defTabSz="914400" rtl="0" eaLnBrk="1" latinLnBrk="0" hangingPunct="1">
+                <a:defRPr sz="1800" kern="1200">
+                  <a:solidFill>
+                    <a:schemeClr val="lt1"/>
+                  </a:solidFill>
+                  <a:latin typeface="+mn-lt"/>
+                  <a:ea typeface="+mn-ea"/>
+                  <a:cs typeface="+mn-cs"/>
+                </a:defRPr>
+              </a:lvl5pPr>
+              <a:lvl6pPr marL="2286000" algn="l" defTabSz="914400" rtl="0" eaLnBrk="1" latinLnBrk="0" hangingPunct="1">
+                <a:defRPr sz="1800" kern="1200">
+                  <a:solidFill>
+                    <a:schemeClr val="lt1"/>
+                  </a:solidFill>
+                  <a:latin typeface="+mn-lt"/>
+                  <a:ea typeface="+mn-ea"/>
+                  <a:cs typeface="+mn-cs"/>
+                </a:defRPr>
+              </a:lvl6pPr>
+              <a:lvl7pPr marL="2743200" algn="l" defTabSz="914400" rtl="0" eaLnBrk="1" latinLnBrk="0" hangingPunct="1">
+                <a:defRPr sz="1800" kern="1200">
+                  <a:solidFill>
+                    <a:schemeClr val="lt1"/>
+                  </a:solidFill>
+                  <a:latin typeface="+mn-lt"/>
+                  <a:ea typeface="+mn-ea"/>
+                  <a:cs typeface="+mn-cs"/>
+                </a:defRPr>
+              </a:lvl7pPr>
+              <a:lvl8pPr marL="3200400" algn="l" defTabSz="914400" rtl="0" eaLnBrk="1" latinLnBrk="0" hangingPunct="1">
+                <a:defRPr sz="1800" kern="1200">
+                  <a:solidFill>
+                    <a:schemeClr val="lt1"/>
+                  </a:solidFill>
+                  <a:latin typeface="+mn-lt"/>
+                  <a:ea typeface="+mn-ea"/>
+                  <a:cs typeface="+mn-cs"/>
+                </a:defRPr>
+              </a:lvl8pPr>
+              <a:lvl9pPr marL="3657600" algn="l" defTabSz="914400" rtl="0" eaLnBrk="1" latinLnBrk="0" hangingPunct="1">
+                <a:defRPr sz="1800" kern="1200">
+                  <a:solidFill>
+                    <a:schemeClr val="lt1"/>
+                  </a:solidFill>
+                  <a:latin typeface="+mn-lt"/>
+                  <a:ea typeface="+mn-ea"/>
+                  <a:cs typeface="+mn-cs"/>
+                </a:defRPr>
+              </a:lvl9pPr>
+            </a:lstStyle>
+            <a:p>
+              <a:pPr marL="0" lvl="1" defTabSz="1218836" fontAlgn="base">
+                <a:spcAft>
+                  <a:spcPct val="0"/>
+                </a:spcAft>
+              </a:pPr>
+              <a:r>
+                <a:rPr lang="en-US" sz="2000" dirty="0">
+                  <a:solidFill>
+                    <a:srgbClr val="595959">
+                      <a:alpha val="99000"/>
+                    </a:srgbClr>
+                  </a:solidFill>
+                  <a:ea typeface="Kozuka Gothic Pro R" pitchFamily="34" charset="-128"/>
+                </a:rPr>
+                <a:t>Software</a:t>
+              </a:r>
+            </a:p>
+            <a:p>
+              <a:pPr defTabSz="1218936"/>
+              <a:r>
+                <a:rPr lang="en-US" sz="1600" dirty="0">
+                  <a:solidFill>
+                    <a:srgbClr val="595959">
+                      <a:alpha val="99000"/>
+                    </a:srgbClr>
+                  </a:solidFill>
+                  <a:ea typeface="Kozuka Gothic Pro R" pitchFamily="34" charset="-128"/>
+                </a:rPr>
+                <a:t>(as a Service</a:t>
+              </a:r>
+              <a:r>
+                <a:rPr lang="en-US" sz="1600" dirty="0" smtClean="0">
+                  <a:solidFill>
+                    <a:srgbClr val="595959">
+                      <a:alpha val="99000"/>
+                    </a:srgbClr>
+                  </a:solidFill>
+                  <a:ea typeface="Kozuka Gothic Pro R" pitchFamily="34" charset="-128"/>
+                </a:rPr>
+                <a:t>) (SaaS)</a:t>
+              </a:r>
+              <a:endParaRPr lang="en-US" sz="1600" dirty="0">
+                <a:solidFill>
+                  <a:srgbClr val="595959">
+                    <a:alpha val="99000"/>
+                  </a:srgbClr>
+                </a:solidFill>
+                <a:ea typeface="Kozuka Gothic Pro R" pitchFamily="34" charset="-128"/>
+              </a:endParaRPr>
+            </a:p>
+          </p:txBody>
+        </p:sp>
+        <p:sp>
+          <p:nvSpPr>
+            <p:cNvPr id="5" name="TextBox 64"/>
+            <p:cNvSpPr txBox="1"/>
+            <p:nvPr/>
+          </p:nvSpPr>
+          <p:spPr>
+            <a:xfrm flipH="1">
+              <a:off x="11386121" y="3255998"/>
+              <a:ext cx="400110" cy="1691104"/>
+            </a:xfrm>
+            <a:prstGeom prst="rect">
+              <a:avLst/>
+            </a:prstGeom>
+            <a:noFill/>
+          </p:spPr>
+          <p:txBody>
+            <a:bodyPr vert="eaVert" wrap="none" rtlCol="0">
+              <a:spAutoFit/>
+            </a:bodyPr>
+            <a:lstStyle>
+              <a:defPPr>
+                <a:defRPr lang="en-US"/>
+              </a:defPPr>
+              <a:lvl1pPr marL="0" algn="l" defTabSz="914400" rtl="0" eaLnBrk="1" latinLnBrk="0" hangingPunct="1">
+                <a:defRPr sz="1800" kern="1200">
+                  <a:solidFill>
+                    <a:schemeClr val="tx1"/>
+                  </a:solidFill>
+                  <a:latin typeface="+mn-lt"/>
+                  <a:ea typeface="+mn-ea"/>
+                  <a:cs typeface="+mn-cs"/>
+                </a:defRPr>
+              </a:lvl1pPr>
+              <a:lvl2pPr marL="457200" algn="l" defTabSz="914400" rtl="0" eaLnBrk="1" latinLnBrk="0" hangingPunct="1">
+                <a:defRPr sz="1800" kern="1200">
+                  <a:solidFill>
+                    <a:schemeClr val="tx1"/>
+                  </a:solidFill>
+                  <a:latin typeface="+mn-lt"/>
+                  <a:ea typeface="+mn-ea"/>
+                  <a:cs typeface="+mn-cs"/>
+                </a:defRPr>
+              </a:lvl2pPr>
+              <a:lvl3pPr marL="914400" algn="l" defTabSz="914400" rtl="0" eaLnBrk="1" latinLnBrk="0" hangingPunct="1">
+                <a:defRPr sz="1800" kern="1200">
+                  <a:solidFill>
+                    <a:schemeClr val="tx1"/>
+                  </a:solidFill>
+                  <a:latin typeface="+mn-lt"/>
+                  <a:ea typeface="+mn-ea"/>
+                  <a:cs typeface="+mn-cs"/>
+                </a:defRPr>
+              </a:lvl3pPr>
+              <a:lvl4pPr marL="1371600" algn="l" defTabSz="914400" rtl="0" eaLnBrk="1" latinLnBrk="0" hangingPunct="1">
+                <a:defRPr sz="1800" kern="1200">
+                  <a:solidFill>
+                    <a:schemeClr val="tx1"/>
+                  </a:solidFill>
+                  <a:latin typeface="+mn-lt"/>
+                  <a:ea typeface="+mn-ea"/>
+                  <a:cs typeface="+mn-cs"/>
+                </a:defRPr>
+              </a:lvl4pPr>
+              <a:lvl5pPr marL="1828800" algn="l" defTabSz="914400" rtl="0" eaLnBrk="1" latinLnBrk="0" hangingPunct="1">
+                <a:defRPr sz="1800" kern="1200">
+                  <a:solidFill>
+                    <a:schemeClr val="tx1"/>
+                  </a:solidFill>
+                  <a:latin typeface="+mn-lt"/>
+                  <a:ea typeface="+mn-ea"/>
+                  <a:cs typeface="+mn-cs"/>
+                </a:defRPr>
+              </a:lvl5pPr>
+              <a:lvl6pPr marL="2286000" algn="l" defTabSz="914400" rtl="0" eaLnBrk="1" latinLnBrk="0" hangingPunct="1">
+                <a:defRPr sz="1800" kern="1200">
+                  <a:solidFill>
+                    <a:schemeClr val="tx1"/>
+                  </a:solidFill>
+                  <a:latin typeface="+mn-lt"/>
+                  <a:ea typeface="+mn-ea"/>
+                  <a:cs typeface="+mn-cs"/>
+                </a:defRPr>
+              </a:lvl6pPr>
+              <a:lvl7pPr marL="2743200" algn="l" defTabSz="914400" rtl="0" eaLnBrk="1" latinLnBrk="0" hangingPunct="1">
+                <a:defRPr sz="1800" kern="1200">
+                  <a:solidFill>
+                    <a:schemeClr val="tx1"/>
+                  </a:solidFill>
+                  <a:latin typeface="+mn-lt"/>
+                  <a:ea typeface="+mn-ea"/>
+                  <a:cs typeface="+mn-cs"/>
+                </a:defRPr>
+              </a:lvl7pPr>
+              <a:lvl8pPr marL="3200400" algn="l" defTabSz="914400" rtl="0" eaLnBrk="1" latinLnBrk="0" hangingPunct="1">
+                <a:defRPr sz="1800" kern="1200">
+                  <a:solidFill>
+                    <a:schemeClr val="tx1"/>
+                  </a:solidFill>
+                  <a:latin typeface="+mn-lt"/>
+                  <a:ea typeface="+mn-ea"/>
+                  <a:cs typeface="+mn-cs"/>
+                </a:defRPr>
+              </a:lvl8pPr>
+              <a:lvl9pPr marL="3657600" algn="l" defTabSz="914400" rtl="0" eaLnBrk="1" latinLnBrk="0" hangingPunct="1">
+                <a:defRPr sz="1800" kern="1200">
+                  <a:solidFill>
+                    <a:schemeClr val="tx1"/>
+                  </a:solidFill>
+                  <a:latin typeface="+mn-lt"/>
+                  <a:ea typeface="+mn-ea"/>
+                  <a:cs typeface="+mn-cs"/>
+                </a:defRPr>
+              </a:lvl9pPr>
+            </a:lstStyle>
+            <a:p>
+              <a:pPr marL="0" lvl="1" algn="ctr" defTabSz="1218836" fontAlgn="base">
+                <a:spcAft>
+                  <a:spcPct val="0"/>
+                </a:spcAft>
+              </a:pPr>
+              <a:r>
+                <a:rPr lang="en-US" sz="1400" dirty="0">
+                  <a:solidFill>
+                    <a:srgbClr val="595959">
+                      <a:alpha val="99000"/>
+                    </a:srgbClr>
+                  </a:solidFill>
+                  <a:ea typeface="Kozuka Gothic Pro R" pitchFamily="34" charset="-128"/>
+                </a:rPr>
+                <a:t>Managed by vendor</a:t>
+              </a:r>
+            </a:p>
+          </p:txBody>
+        </p:sp>
+        <p:sp>
+          <p:nvSpPr>
+            <p:cNvPr id="6" name="Rectangle 5"/>
+            <p:cNvSpPr/>
+            <p:nvPr/>
+          </p:nvSpPr>
+          <p:spPr>
+            <a:xfrm>
+              <a:off x="9523110" y="5273643"/>
+              <a:ext cx="1638240" cy="381000"/>
+            </a:xfrm>
+            <a:prstGeom prst="rect">
+              <a:avLst/>
+            </a:prstGeom>
+            <a:ln/>
+          </p:spPr>
+          <p:style>
+            <a:lnRef idx="2">
+              <a:schemeClr val="accent2">
+                <a:shade val="50000"/>
+              </a:schemeClr>
+            </a:lnRef>
+            <a:fillRef idx="1">
+              <a:schemeClr val="accent2"/>
+            </a:fillRef>
+            <a:effectRef idx="0">
+              <a:schemeClr val="accent2"/>
+            </a:effectRef>
+            <a:fontRef idx="minor">
+              <a:schemeClr val="lt1"/>
+            </a:fontRef>
+          </p:style>
+          <p:txBody>
+            <a:bodyPr lIns="0" rIns="0" rtlCol="0" anchor="t" anchorCtr="0"/>
+            <a:lstStyle/>
+            <a:p>
+              <a:pPr algn="ctr" defTabSz="1218936"/>
+              <a:r>
+                <a:rPr lang="en-US" sz="1500" dirty="0">
+                  <a:solidFill>
+                    <a:schemeClr val="bg1">
+                      <a:alpha val="99000"/>
+                    </a:schemeClr>
+                  </a:solidFill>
+                  <a:latin typeface="Segoe UI"/>
+                  <a:ea typeface="Segoe UI" pitchFamily="34" charset="0"/>
+                  <a:cs typeface="Segoe UI" pitchFamily="34" charset="0"/>
+                </a:rPr>
+                <a:t>Storage</a:t>
+              </a:r>
+            </a:p>
+          </p:txBody>
+        </p:sp>
+        <p:sp>
+          <p:nvSpPr>
+            <p:cNvPr id="7" name="Rectangle 6"/>
+            <p:cNvSpPr/>
+            <p:nvPr/>
+          </p:nvSpPr>
+          <p:spPr>
+            <a:xfrm>
+              <a:off x="9523110" y="4818824"/>
+              <a:ext cx="1638240" cy="381000"/>
+            </a:xfrm>
+            <a:prstGeom prst="rect">
+              <a:avLst/>
+            </a:prstGeom>
+            <a:ln/>
+          </p:spPr>
+          <p:style>
+            <a:lnRef idx="2">
+              <a:schemeClr val="accent2">
+                <a:shade val="50000"/>
+              </a:schemeClr>
+            </a:lnRef>
+            <a:fillRef idx="1">
+              <a:schemeClr val="accent2"/>
+            </a:fillRef>
+            <a:effectRef idx="0">
+              <a:schemeClr val="accent2"/>
+            </a:effectRef>
+            <a:fontRef idx="minor">
+              <a:schemeClr val="lt1"/>
+            </a:fontRef>
+          </p:style>
+          <p:txBody>
+            <a:bodyPr lIns="0" rIns="0" rtlCol="0" anchor="t" anchorCtr="0"/>
+            <a:lstStyle/>
+            <a:p>
+              <a:pPr algn="ctr" defTabSz="1218936"/>
+              <a:r>
+                <a:rPr lang="en-US" sz="1500" dirty="0">
+                  <a:solidFill>
+                    <a:schemeClr val="bg1">
+                      <a:alpha val="99000"/>
+                    </a:schemeClr>
+                  </a:solidFill>
+                  <a:latin typeface="Segoe UI"/>
+                  <a:ea typeface="Segoe UI" pitchFamily="34" charset="0"/>
+                  <a:cs typeface="Segoe UI" pitchFamily="34" charset="0"/>
+                </a:rPr>
+                <a:t>Servers</a:t>
+              </a:r>
+            </a:p>
+          </p:txBody>
+        </p:sp>
+        <p:sp>
+          <p:nvSpPr>
+            <p:cNvPr id="8" name="Rectangle 7"/>
+            <p:cNvSpPr/>
+            <p:nvPr/>
+          </p:nvSpPr>
+          <p:spPr>
+            <a:xfrm>
+              <a:off x="9523110" y="3909186"/>
+              <a:ext cx="1638240" cy="381000"/>
+            </a:xfrm>
+            <a:prstGeom prst="rect">
+              <a:avLst/>
+            </a:prstGeom>
+            <a:ln/>
+          </p:spPr>
+          <p:style>
+            <a:lnRef idx="2">
+              <a:schemeClr val="accent2">
+                <a:shade val="50000"/>
+              </a:schemeClr>
+            </a:lnRef>
+            <a:fillRef idx="1">
+              <a:schemeClr val="accent2"/>
+            </a:fillRef>
+            <a:effectRef idx="0">
+              <a:schemeClr val="accent2"/>
+            </a:effectRef>
+            <a:fontRef idx="minor">
+              <a:schemeClr val="lt1"/>
+            </a:fontRef>
+          </p:style>
+          <p:txBody>
+            <a:bodyPr lIns="0" rIns="0" rtlCol="0" anchor="t" anchorCtr="0"/>
+            <a:lstStyle/>
+            <a:p>
+              <a:pPr algn="ctr" defTabSz="1218936"/>
+              <a:r>
+                <a:rPr lang="en-US" sz="1500" dirty="0">
+                  <a:solidFill>
+                    <a:schemeClr val="bg1">
+                      <a:alpha val="99000"/>
+                    </a:schemeClr>
+                  </a:solidFill>
+                  <a:latin typeface="Segoe UI"/>
+                  <a:ea typeface="Segoe UI" pitchFamily="34" charset="0"/>
+                  <a:cs typeface="Segoe UI" pitchFamily="34" charset="0"/>
+                </a:rPr>
+                <a:t>O/S</a:t>
+              </a:r>
+            </a:p>
+          </p:txBody>
+        </p:sp>
+        <p:sp>
+          <p:nvSpPr>
+            <p:cNvPr id="9" name="Rectangle 8"/>
+            <p:cNvSpPr/>
+            <p:nvPr/>
+          </p:nvSpPr>
+          <p:spPr>
+            <a:xfrm>
+              <a:off x="9523110" y="3454367"/>
+              <a:ext cx="1638240" cy="381000"/>
+            </a:xfrm>
+            <a:prstGeom prst="rect">
+              <a:avLst/>
+            </a:prstGeom>
+            <a:ln/>
+          </p:spPr>
+          <p:style>
+            <a:lnRef idx="2">
+              <a:schemeClr val="accent2">
+                <a:shade val="50000"/>
+              </a:schemeClr>
+            </a:lnRef>
+            <a:fillRef idx="1">
+              <a:schemeClr val="accent2"/>
+            </a:fillRef>
+            <a:effectRef idx="0">
+              <a:schemeClr val="accent2"/>
+            </a:effectRef>
+            <a:fontRef idx="minor">
+              <a:schemeClr val="lt1"/>
+            </a:fontRef>
+          </p:style>
+          <p:txBody>
+            <a:bodyPr lIns="0" rIns="0" rtlCol="0" anchor="t" anchorCtr="0"/>
+            <a:lstStyle/>
+            <a:p>
+              <a:pPr algn="ctr" defTabSz="1218936"/>
+              <a:r>
+                <a:rPr lang="en-US" sz="1500" dirty="0">
+                  <a:solidFill>
+                    <a:schemeClr val="bg1">
+                      <a:alpha val="99000"/>
+                    </a:schemeClr>
+                  </a:solidFill>
+                  <a:latin typeface="Segoe UI"/>
+                  <a:ea typeface="Segoe UI" pitchFamily="34" charset="0"/>
+                  <a:cs typeface="Segoe UI" pitchFamily="34" charset="0"/>
+                </a:rPr>
+                <a:t>Middleware</a:t>
+              </a:r>
+            </a:p>
+          </p:txBody>
+        </p:sp>
+        <p:sp>
+          <p:nvSpPr>
+            <p:cNvPr id="10" name="Rectangle 9"/>
+            <p:cNvSpPr/>
+            <p:nvPr/>
+          </p:nvSpPr>
+          <p:spPr>
+            <a:xfrm>
+              <a:off x="9523110" y="4364005"/>
+              <a:ext cx="1638240" cy="381000"/>
+            </a:xfrm>
+            <a:prstGeom prst="rect">
+              <a:avLst/>
+            </a:prstGeom>
+            <a:ln/>
+          </p:spPr>
+          <p:style>
+            <a:lnRef idx="2">
+              <a:schemeClr val="accent2">
+                <a:shade val="50000"/>
+              </a:schemeClr>
+            </a:lnRef>
+            <a:fillRef idx="1">
+              <a:schemeClr val="accent2"/>
+            </a:fillRef>
+            <a:effectRef idx="0">
+              <a:schemeClr val="accent2"/>
+            </a:effectRef>
+            <a:fontRef idx="minor">
+              <a:schemeClr val="lt1"/>
+            </a:fontRef>
+          </p:style>
+          <p:txBody>
+            <a:bodyPr lIns="0" rIns="0" rtlCol="0" anchor="t" anchorCtr="0"/>
+            <a:lstStyle/>
+            <a:p>
+              <a:pPr algn="ctr" defTabSz="1218936"/>
+              <a:r>
+                <a:rPr lang="en-US" sz="1500" dirty="0">
+                  <a:solidFill>
+                    <a:schemeClr val="bg1">
+                      <a:alpha val="99000"/>
+                    </a:schemeClr>
+                  </a:solidFill>
+                  <a:latin typeface="Segoe UI"/>
+                  <a:ea typeface="Segoe UI" pitchFamily="34" charset="0"/>
+                  <a:cs typeface="Segoe UI" pitchFamily="34" charset="0"/>
+                </a:rPr>
+                <a:t>Virtualization</a:t>
+              </a:r>
+            </a:p>
+          </p:txBody>
+        </p:sp>
+        <p:sp>
+          <p:nvSpPr>
+            <p:cNvPr id="11" name="Rectangle 10"/>
+            <p:cNvSpPr/>
+            <p:nvPr/>
+          </p:nvSpPr>
+          <p:spPr>
+            <a:xfrm>
+              <a:off x="9523110" y="2089910"/>
+              <a:ext cx="1638240" cy="381000"/>
+            </a:xfrm>
+            <a:prstGeom prst="rect">
+              <a:avLst/>
+            </a:prstGeom>
+            <a:ln/>
+          </p:spPr>
+          <p:style>
+            <a:lnRef idx="2">
+              <a:schemeClr val="accent2">
+                <a:shade val="50000"/>
+              </a:schemeClr>
+            </a:lnRef>
+            <a:fillRef idx="1">
+              <a:schemeClr val="accent2"/>
+            </a:fillRef>
+            <a:effectRef idx="0">
+              <a:schemeClr val="accent2"/>
+            </a:effectRef>
+            <a:fontRef idx="minor">
+              <a:schemeClr val="lt1"/>
+            </a:fontRef>
+          </p:style>
+          <p:txBody>
+            <a:bodyPr lIns="0" rIns="0" rtlCol="0" anchor="t" anchorCtr="0"/>
+            <a:lstStyle/>
+            <a:p>
+              <a:pPr algn="ctr" defTabSz="1218936"/>
+              <a:r>
+                <a:rPr lang="en-US" sz="1500" dirty="0">
+                  <a:solidFill>
+                    <a:schemeClr val="bg1">
+                      <a:alpha val="99000"/>
+                    </a:schemeClr>
+                  </a:solidFill>
+                  <a:latin typeface="Segoe UI"/>
+                  <a:ea typeface="Segoe UI" pitchFamily="34" charset="0"/>
+                  <a:cs typeface="Segoe UI" pitchFamily="34" charset="0"/>
+                </a:rPr>
+                <a:t>Applications</a:t>
+              </a:r>
+            </a:p>
+          </p:txBody>
+        </p:sp>
+        <p:sp>
+          <p:nvSpPr>
+            <p:cNvPr id="12" name="Rectangle 11"/>
+            <p:cNvSpPr/>
+            <p:nvPr/>
+          </p:nvSpPr>
+          <p:spPr>
+            <a:xfrm>
+              <a:off x="9523110" y="2999548"/>
+              <a:ext cx="1638240" cy="381000"/>
+            </a:xfrm>
+            <a:prstGeom prst="rect">
+              <a:avLst/>
+            </a:prstGeom>
+            <a:ln/>
+          </p:spPr>
+          <p:style>
+            <a:lnRef idx="2">
+              <a:schemeClr val="accent2">
+                <a:shade val="50000"/>
+              </a:schemeClr>
+            </a:lnRef>
+            <a:fillRef idx="1">
+              <a:schemeClr val="accent2"/>
+            </a:fillRef>
+            <a:effectRef idx="0">
+              <a:schemeClr val="accent2"/>
+            </a:effectRef>
+            <a:fontRef idx="minor">
+              <a:schemeClr val="lt1"/>
+            </a:fontRef>
+          </p:style>
+          <p:txBody>
+            <a:bodyPr lIns="0" rIns="0" rtlCol="0" anchor="t" anchorCtr="0"/>
+            <a:lstStyle/>
+            <a:p>
+              <a:pPr algn="ctr" defTabSz="1218936"/>
+              <a:r>
+                <a:rPr lang="en-US" sz="1500" dirty="0">
+                  <a:solidFill>
+                    <a:schemeClr val="bg1">
+                      <a:alpha val="99000"/>
+                    </a:schemeClr>
+                  </a:solidFill>
+                  <a:latin typeface="Segoe UI"/>
+                  <a:ea typeface="Segoe UI" pitchFamily="34" charset="0"/>
+                  <a:cs typeface="Segoe UI" pitchFamily="34" charset="0"/>
+                </a:rPr>
+                <a:t>Runtime</a:t>
+              </a:r>
+            </a:p>
+          </p:txBody>
+        </p:sp>
+        <p:sp>
+          <p:nvSpPr>
+            <p:cNvPr id="13" name="Rectangle 12"/>
+            <p:cNvSpPr/>
+            <p:nvPr/>
+          </p:nvSpPr>
+          <p:spPr>
+            <a:xfrm>
+              <a:off x="9523110" y="2544729"/>
+              <a:ext cx="1638240" cy="381000"/>
+            </a:xfrm>
+            <a:prstGeom prst="rect">
+              <a:avLst/>
+            </a:prstGeom>
+            <a:ln/>
+          </p:spPr>
+          <p:style>
+            <a:lnRef idx="2">
+              <a:schemeClr val="accent2">
+                <a:shade val="50000"/>
+              </a:schemeClr>
+            </a:lnRef>
+            <a:fillRef idx="1">
+              <a:schemeClr val="accent2"/>
+            </a:fillRef>
+            <a:effectRef idx="0">
+              <a:schemeClr val="accent2"/>
+            </a:effectRef>
+            <a:fontRef idx="minor">
+              <a:schemeClr val="lt1"/>
+            </a:fontRef>
+          </p:style>
+          <p:txBody>
+            <a:bodyPr lIns="0" rIns="0" rtlCol="0" anchor="t" anchorCtr="0"/>
+            <a:lstStyle/>
+            <a:p>
+              <a:pPr algn="ctr" defTabSz="1218936"/>
+              <a:r>
+                <a:rPr lang="en-US" sz="1500" dirty="0">
+                  <a:solidFill>
+                    <a:schemeClr val="bg1">
+                      <a:alpha val="99000"/>
+                    </a:schemeClr>
+                  </a:solidFill>
+                  <a:latin typeface="Segoe UI"/>
+                  <a:ea typeface="Segoe UI" pitchFamily="34" charset="0"/>
+                  <a:cs typeface="Segoe UI" pitchFamily="34" charset="0"/>
+                </a:rPr>
+                <a:t>Data</a:t>
+              </a:r>
+            </a:p>
+          </p:txBody>
+        </p:sp>
+        <p:sp>
+          <p:nvSpPr>
+            <p:cNvPr id="14" name="Rectangle 13"/>
+            <p:cNvSpPr/>
+            <p:nvPr/>
+          </p:nvSpPr>
+          <p:spPr>
+            <a:xfrm>
+              <a:off x="9523110" y="5728460"/>
+              <a:ext cx="1638240" cy="381000"/>
+            </a:xfrm>
+            <a:prstGeom prst="rect">
+              <a:avLst/>
+            </a:prstGeom>
+            <a:ln/>
+          </p:spPr>
+          <p:style>
+            <a:lnRef idx="2">
+              <a:schemeClr val="accent2">
+                <a:shade val="50000"/>
+              </a:schemeClr>
+            </a:lnRef>
+            <a:fillRef idx="1">
+              <a:schemeClr val="accent2"/>
+            </a:fillRef>
+            <a:effectRef idx="0">
+              <a:schemeClr val="accent2"/>
+            </a:effectRef>
+            <a:fontRef idx="minor">
+              <a:schemeClr val="lt1"/>
+            </a:fontRef>
+          </p:style>
+          <p:txBody>
+            <a:bodyPr lIns="0" rIns="0" rtlCol="0" anchor="t" anchorCtr="0"/>
+            <a:lstStyle/>
+            <a:p>
+              <a:pPr algn="ctr" defTabSz="1218936"/>
+              <a:r>
+                <a:rPr lang="en-US" sz="1500" dirty="0">
+                  <a:solidFill>
+                    <a:schemeClr val="bg1">
+                      <a:alpha val="99000"/>
+                    </a:schemeClr>
+                  </a:solidFill>
+                  <a:latin typeface="Segoe UI"/>
+                  <a:ea typeface="Segoe UI" pitchFamily="34" charset="0"/>
+                  <a:cs typeface="Segoe UI" pitchFamily="34" charset="0"/>
+                </a:rPr>
+                <a:t>Networking</a:t>
+              </a:r>
+            </a:p>
+          </p:txBody>
+        </p:sp>
+        <p:sp>
+          <p:nvSpPr>
+            <p:cNvPr id="15" name="Left Brace 14"/>
+            <p:cNvSpPr/>
+            <p:nvPr/>
+          </p:nvSpPr>
+          <p:spPr>
+            <a:xfrm flipH="1">
+              <a:off x="11168000" y="2102167"/>
+              <a:ext cx="228600" cy="3977640"/>
+            </a:xfrm>
+            <a:prstGeom prst="leftBrace">
+              <a:avLst>
+                <a:gd name="adj1" fmla="val 0"/>
+                <a:gd name="adj2" fmla="val 50000"/>
+              </a:avLst>
+            </a:prstGeom>
+            <a:noFill/>
+            <a:ln w="19050" cap="flat" cmpd="sng" algn="ctr">
+              <a:solidFill>
+                <a:schemeClr val="accent2"/>
+              </a:solidFill>
+              <a:prstDash val="solid"/>
+            </a:ln>
+            <a:effectLst/>
+          </p:spPr>
+          <p:txBody>
+            <a:bodyPr rtlCol="0" anchor="ctr"/>
+            <a:lstStyle/>
+            <a:p>
+              <a:pPr algn="ctr" defTabSz="1218936"/>
+              <a:endParaRPr lang="en-US" sz="1800" dirty="0">
+                <a:solidFill>
+                  <a:srgbClr val="FFFFFF"/>
+                </a:solidFill>
+                <a:latin typeface="Segoe UI"/>
+                <a:ea typeface="Segoe UI" pitchFamily="34" charset="0"/>
+                <a:cs typeface="Segoe UI" pitchFamily="34" charset="0"/>
+              </a:endParaRPr>
+            </a:p>
+          </p:txBody>
+        </p:sp>
+      </p:grpSp>
     </p:spTree>
     <p:extLst>
       <p:ext uri="{BB962C8B-B14F-4D97-AF65-F5344CB8AC3E}">

--- a/Content/Introduction/Azure Overview.pptx
+++ b/Content/Introduction/Azure Overview.pptx
@@ -240,7 +240,7 @@
           <a:p>
             <a:fld id="{2E5CA586-3557-4985-BCD4-35EF5AC8B4A4}" type="datetimeFigureOut">
               <a:rPr lang="en-US" smtClean="0"/>
-              <a:t>10/11/15</a:t>
+              <a:t>1/4/16</a:t>
             </a:fld>
             <a:endParaRPr lang="en-US"/>
           </a:p>
@@ -7467,7 +7467,7 @@
                 </a:gradFill>
                 <a:cs typeface="Segoe UI" pitchFamily="34" charset="0"/>
               </a:rPr>
-              <a:t>5</a:t>
+              <a:t>6</a:t>
             </a:r>
             <a:r>
               <a:rPr lang="en-US" sz="700" dirty="0" smtClean="0">
@@ -19108,11 +19108,7 @@
           <a:p>
             <a:r>
               <a:rPr lang="en-US" dirty="0" smtClean="0"/>
-              <a:t>Strict </a:t>
-            </a:r>
-            <a:r>
-              <a:rPr lang="en-US" dirty="0" smtClean="0"/>
-              <a:t>privacy adherence</a:t>
+              <a:t>Strict privacy adherence</a:t>
             </a:r>
           </a:p>
           <a:p>

--- a/Content/Introduction/Azure Overview.pptx
+++ b/Content/Introduction/Azure Overview.pptx
@@ -240,7 +240,7 @@
           <a:p>
             <a:fld id="{2E5CA586-3557-4985-BCD4-35EF5AC8B4A4}" type="datetimeFigureOut">
               <a:rPr lang="en-US" smtClean="0"/>
-              <a:t>1/4/16</a:t>
+              <a:t>1/11/2016</a:t>
             </a:fld>
             <a:endParaRPr lang="en-US"/>
           </a:p>
@@ -11987,7 +11987,7 @@
         <p:spPr>
           <a:xfrm>
             <a:off x="519250" y="4612344"/>
-            <a:ext cx="5455754" cy="738407"/>
+            <a:ext cx="5455754" cy="332270"/>
           </a:xfrm>
         </p:spPr>
         <p:txBody>
@@ -11996,15 +11996,13 @@
           <a:p>
             <a:r>
               <a:rPr lang="en-US" dirty="0" smtClean="0"/>
-              <a:t>Microsoft Research</a:t>
+              <a:t>Microsoft </a:t>
             </a:r>
-          </a:p>
-          <a:p>
             <a:r>
               <a:rPr lang="en-US" dirty="0" smtClean="0"/>
-              <a:t>Microsoft Azure for Research Training</a:t>
+              <a:t>Research</a:t>
             </a:r>
-            <a:endParaRPr lang="en-US" dirty="0"/>
+            <a:endParaRPr lang="en-US" dirty="0" smtClean="0"/>
           </a:p>
         </p:txBody>
       </p:sp>
@@ -19484,7 +19482,7 @@
         <p:spPr>
           <a:xfrm>
             <a:off x="1889617" y="5630475"/>
-            <a:ext cx="5062511" cy="461665"/>
+            <a:ext cx="8032149" cy="461665"/>
           </a:xfrm>
         </p:spPr>
         <p:txBody>
@@ -19493,8 +19491,13 @@
           <a:p>
             <a:r>
               <a:rPr lang="en-US" dirty="0"/>
-              <a:t>Introduction Creating Accounts HOL</a:t>
+              <a:t>Introduction Creating Accounts </a:t>
             </a:r>
+            <a:r>
+              <a:rPr lang="en-US" dirty="0" smtClean="0"/>
+              <a:t>HOL.html</a:t>
+            </a:r>
+            <a:endParaRPr lang="en-US" dirty="0"/>
           </a:p>
         </p:txBody>
       </p:sp>
@@ -19578,7 +19581,7 @@
 </file>
 
 <file path=ppt/slides/slide2.xml><?xml version="1.0" encoding="utf-8"?>
-<p:sld xmlns:a="http://schemas.openxmlformats.org/drawingml/2006/main" xmlns:r="http://schemas.openxmlformats.org/officeDocument/2006/relationships" xmlns:p="http://schemas.openxmlformats.org/presentationml/2006/main">
+<p:sld xmlns:a="http://schemas.openxmlformats.org/drawingml/2006/main" xmlns:r="http://schemas.openxmlformats.org/officeDocument/2006/relationships" xmlns:p="http://schemas.openxmlformats.org/presentationml/2006/main" show="0">
   <p:cSld>
     <p:spTree>
       <p:nvGrpSpPr>
@@ -19861,7 +19864,7 @@
 </file>
 
 <file path=ppt/slides/slide4.xml><?xml version="1.0" encoding="utf-8"?>
-<p:sld xmlns:a="http://schemas.openxmlformats.org/drawingml/2006/main" xmlns:r="http://schemas.openxmlformats.org/officeDocument/2006/relationships" xmlns:p="http://schemas.openxmlformats.org/presentationml/2006/main">
+<p:sld xmlns:a="http://schemas.openxmlformats.org/drawingml/2006/main" xmlns:r="http://schemas.openxmlformats.org/officeDocument/2006/relationships" xmlns:p="http://schemas.openxmlformats.org/presentationml/2006/main" show="0">
   <p:cSld>
     <p:spTree>
       <p:nvGrpSpPr>
